--- a/clase_6/teoria/RNN.E2.pptx
+++ b/clase_6/teoria/RNN.E2.pptx
@@ -138,6 +138,114 @@
 </p:presentation>
 </file>
 
+<file path=ppt/revisionInfo.xml><?xml version="1.0" encoding="utf-8"?>
+<p1510:revInfo xmlns:a="http://schemas.openxmlformats.org/drawingml/2006/main" xmlns:r="http://schemas.openxmlformats.org/officeDocument/2006/relationships" xmlns:p1510="http://schemas.microsoft.com/office/powerpoint/2015/10/main">
+  <p1510:revLst>
+    <p1510:client id="{8F841005-53CF-403B-89FE-BA2342944AB1}" v="5" dt="2022-08-04T18:34:35.631"/>
+  </p1510:revLst>
+</p1510:revInfo>
+</file>
+
+<file path=ppt/changesInfos/changesInfo1.xml><?xml version="1.0" encoding="utf-8"?>
+<pc:chgInfo xmlns:a="http://schemas.openxmlformats.org/drawingml/2006/main" xmlns:r="http://schemas.openxmlformats.org/officeDocument/2006/relationships" xmlns:ac="http://schemas.microsoft.com/office/drawing/2013/main/command" xmlns:pc="http://schemas.microsoft.com/office/powerpoint/2013/main/command">
+  <pc:docChgLst>
+    <pc:chgData name="Marcos Maillot" userId="fa14b39d-e966-4ebb-a436-4f96f84b9577" providerId="ADAL" clId="{8F841005-53CF-403B-89FE-BA2342944AB1}"/>
+    <pc:docChg chg="undo custSel modSld">
+      <pc:chgData name="Marcos Maillot" userId="fa14b39d-e966-4ebb-a436-4f96f84b9577" providerId="ADAL" clId="{8F841005-53CF-403B-89FE-BA2342944AB1}" dt="2022-08-04T23:28:11.110" v="38" actId="1076"/>
+      <pc:docMkLst>
+        <pc:docMk/>
+      </pc:docMkLst>
+      <pc:sldChg chg="addSp delSp modSp mod">
+        <pc:chgData name="Marcos Maillot" userId="fa14b39d-e966-4ebb-a436-4f96f84b9577" providerId="ADAL" clId="{8F841005-53CF-403B-89FE-BA2342944AB1}" dt="2022-08-04T18:35:00.655" v="37" actId="1076"/>
+        <pc:sldMkLst>
+          <pc:docMk/>
+          <pc:sldMk cId="2671515008" sldId="301"/>
+        </pc:sldMkLst>
+        <pc:spChg chg="mod">
+          <ac:chgData name="Marcos Maillot" userId="fa14b39d-e966-4ebb-a436-4f96f84b9577" providerId="ADAL" clId="{8F841005-53CF-403B-89FE-BA2342944AB1}" dt="2022-08-04T18:31:51.901" v="20" actId="6549"/>
+          <ac:spMkLst>
+            <pc:docMk/>
+            <pc:sldMk cId="2671515008" sldId="301"/>
+            <ac:spMk id="2" creationId="{00000000-0000-0000-0000-000000000000}"/>
+          </ac:spMkLst>
+        </pc:spChg>
+        <pc:spChg chg="mod">
+          <ac:chgData name="Marcos Maillot" userId="fa14b39d-e966-4ebb-a436-4f96f84b9577" providerId="ADAL" clId="{8F841005-53CF-403B-89FE-BA2342944AB1}" dt="2022-08-04T18:30:31.823" v="12" actId="1076"/>
+          <ac:spMkLst>
+            <pc:docMk/>
+            <pc:sldMk cId="2671515008" sldId="301"/>
+            <ac:spMk id="3" creationId="{00000000-0000-0000-0000-000000000000}"/>
+          </ac:spMkLst>
+        </pc:spChg>
+        <pc:picChg chg="add del mod">
+          <ac:chgData name="Marcos Maillot" userId="fa14b39d-e966-4ebb-a436-4f96f84b9577" providerId="ADAL" clId="{8F841005-53CF-403B-89FE-BA2342944AB1}" dt="2022-08-04T18:29:20.055" v="4" actId="478"/>
+          <ac:picMkLst>
+            <pc:docMk/>
+            <pc:sldMk cId="2671515008" sldId="301"/>
+            <ac:picMk id="5" creationId="{467060B6-8825-42EC-53C4-B907C8646930}"/>
+          </ac:picMkLst>
+        </pc:picChg>
+        <pc:picChg chg="del mod">
+          <ac:chgData name="Marcos Maillot" userId="fa14b39d-e966-4ebb-a436-4f96f84b9577" providerId="ADAL" clId="{8F841005-53CF-403B-89FE-BA2342944AB1}" dt="2022-08-04T18:34:35.251" v="22" actId="478"/>
+          <ac:picMkLst>
+            <pc:docMk/>
+            <pc:sldMk cId="2671515008" sldId="301"/>
+            <ac:picMk id="6" creationId="{00000000-0000-0000-0000-000000000000}"/>
+          </ac:picMkLst>
+        </pc:picChg>
+        <pc:picChg chg="add del mod">
+          <ac:chgData name="Marcos Maillot" userId="fa14b39d-e966-4ebb-a436-4f96f84b9577" providerId="ADAL" clId="{8F841005-53CF-403B-89FE-BA2342944AB1}" dt="2022-08-04T18:31:43.589" v="17" actId="478"/>
+          <ac:picMkLst>
+            <pc:docMk/>
+            <pc:sldMk cId="2671515008" sldId="301"/>
+            <ac:picMk id="8" creationId="{7239FFCB-CC34-65B5-A216-75CAD7578B0B}"/>
+          </ac:picMkLst>
+        </pc:picChg>
+        <pc:picChg chg="add del mod">
+          <ac:chgData name="Marcos Maillot" userId="fa14b39d-e966-4ebb-a436-4f96f84b9577" providerId="ADAL" clId="{8F841005-53CF-403B-89FE-BA2342944AB1}" dt="2022-08-04T18:31:42.724" v="16" actId="478"/>
+          <ac:picMkLst>
+            <pc:docMk/>
+            <pc:sldMk cId="2671515008" sldId="301"/>
+            <ac:picMk id="10" creationId="{67F7C13C-6BA8-A9BC-813F-9E89AFF874AF}"/>
+          </ac:picMkLst>
+        </pc:picChg>
+        <pc:picChg chg="add mod">
+          <ac:chgData name="Marcos Maillot" userId="fa14b39d-e966-4ebb-a436-4f96f84b9577" providerId="ADAL" clId="{8F841005-53CF-403B-89FE-BA2342944AB1}" dt="2022-08-04T18:34:47.847" v="30" actId="1076"/>
+          <ac:picMkLst>
+            <pc:docMk/>
+            <pc:sldMk cId="2671515008" sldId="301"/>
+            <ac:picMk id="12" creationId="{58E26863-D8FB-6548-C8D8-495EFBD1D42A}"/>
+          </ac:picMkLst>
+        </pc:picChg>
+        <pc:picChg chg="add mod modCrop">
+          <ac:chgData name="Marcos Maillot" userId="fa14b39d-e966-4ebb-a436-4f96f84b9577" providerId="ADAL" clId="{8F841005-53CF-403B-89FE-BA2342944AB1}" dt="2022-08-04T18:35:00.655" v="37" actId="1076"/>
+          <ac:picMkLst>
+            <pc:docMk/>
+            <pc:sldMk cId="2671515008" sldId="301"/>
+            <ac:picMk id="14" creationId="{0E8AEF33-2FB5-0654-D307-78E28B86D5B1}"/>
+          </ac:picMkLst>
+        </pc:picChg>
+      </pc:sldChg>
+      <pc:sldChg chg="modSp mod">
+        <pc:chgData name="Marcos Maillot" userId="fa14b39d-e966-4ebb-a436-4f96f84b9577" providerId="ADAL" clId="{8F841005-53CF-403B-89FE-BA2342944AB1}" dt="2022-08-04T23:28:11.110" v="38" actId="1076"/>
+        <pc:sldMkLst>
+          <pc:docMk/>
+          <pc:sldMk cId="3543610326" sldId="341"/>
+        </pc:sldMkLst>
+        <pc:spChg chg="mod">
+          <ac:chgData name="Marcos Maillot" userId="fa14b39d-e966-4ebb-a436-4f96f84b9577" providerId="ADAL" clId="{8F841005-53CF-403B-89FE-BA2342944AB1}" dt="2022-08-04T23:28:11.110" v="38" actId="1076"/>
+          <ac:spMkLst>
+            <pc:docMk/>
+            <pc:sldMk cId="3543610326" sldId="341"/>
+            <ac:spMk id="17" creationId="{00000000-0000-0000-0000-000000000000}"/>
+          </ac:spMkLst>
+        </pc:spChg>
+      </pc:sldChg>
+    </pc:docChg>
+  </pc:docChgLst>
+</pc:chgInfo>
+</file>
+
 <file path=ppt/slideLayouts/slideLayout1.xml><?xml version="1.0" encoding="utf-8"?>
 <p:sldLayout xmlns:a="http://schemas.openxmlformats.org/drawingml/2006/main" xmlns:r="http://schemas.openxmlformats.org/officeDocument/2006/relationships" xmlns:p="http://schemas.openxmlformats.org/presentationml/2006/main" type="title" preserve="1">
   <p:cSld name="Title Slide">
@@ -188,7 +296,7 @@
           <a:noFill/>
           <a:extLst>
             <a:ext uri="{909E8E84-426E-40dd-AFC4-6F175D3DCCD1}">
-              <a14:hiddenFill xmlns="" xmlns:a14="http://schemas.microsoft.com/office/drawing/2010/main">
+              <a14:hiddenFill xmlns:a14="http://schemas.microsoft.com/office/drawing/2010/main" xmlns="">
                 <a:solidFill>
                   <a:srgbClr val="FFFFFF"/>
                 </a:solidFill>
@@ -248,7 +356,7 @@
             </a:ln>
             <a:extLst>
               <a:ext uri="{91240B29-F687-4f45-9708-019B960494DF}">
-                <a14:hiddenLine xmlns="" xmlns:a14="http://schemas.microsoft.com/office/drawing/2010/main" w="9525">
+                <a14:hiddenLine xmlns:a14="http://schemas.microsoft.com/office/drawing/2010/main" xmlns="" w="9525">
                   <a:solidFill>
                     <a:srgbClr val="000000"/>
                   </a:solidFill>
@@ -338,7 +446,7 @@
             </a:ln>
             <a:extLst>
               <a:ext uri="{91240B29-F687-4f45-9708-019B960494DF}">
-                <a14:hiddenLine xmlns="" xmlns:a14="http://schemas.microsoft.com/office/drawing/2010/main" w="9525">
+                <a14:hiddenLine xmlns:a14="http://schemas.microsoft.com/office/drawing/2010/main" xmlns="" w="9525">
                   <a:solidFill>
                     <a:srgbClr val="000000"/>
                   </a:solidFill>
@@ -428,7 +536,7 @@
             </a:ln>
             <a:extLst>
               <a:ext uri="{91240B29-F687-4f45-9708-019B960494DF}">
-                <a14:hiddenLine xmlns="" xmlns:a14="http://schemas.microsoft.com/office/drawing/2010/main" w="9525">
+                <a14:hiddenLine xmlns:a14="http://schemas.microsoft.com/office/drawing/2010/main" xmlns="" w="9525">
                   <a:solidFill>
                     <a:srgbClr val="000000"/>
                   </a:solidFill>
@@ -462,7 +570,7 @@
             </a:ln>
             <a:extLst>
               <a:ext uri="{91240B29-F687-4f45-9708-019B960494DF}">
-                <a14:hiddenLine xmlns="" xmlns:a14="http://schemas.microsoft.com/office/drawing/2010/main" w="9525">
+                <a14:hiddenLine xmlns:a14="http://schemas.microsoft.com/office/drawing/2010/main" xmlns="" w="9525">
                   <a:solidFill>
                     <a:srgbClr val="000000"/>
                   </a:solidFill>
@@ -552,7 +660,7 @@
             </a:ln>
             <a:extLst>
               <a:ext uri="{91240B29-F687-4f45-9708-019B960494DF}">
-                <a14:hiddenLine xmlns="" xmlns:a14="http://schemas.microsoft.com/office/drawing/2010/main" w="9525">
+                <a14:hiddenLine xmlns:a14="http://schemas.microsoft.com/office/drawing/2010/main" xmlns="" w="9525">
                   <a:solidFill>
                     <a:srgbClr val="000000"/>
                   </a:solidFill>
@@ -614,7 +722,7 @@
             </a:ln>
             <a:extLst>
               <a:ext uri="{91240B29-F687-4f45-9708-019B960494DF}">
-                <a14:hiddenLine xmlns="" xmlns:a14="http://schemas.microsoft.com/office/drawing/2010/main" w="9525">
+                <a14:hiddenLine xmlns:a14="http://schemas.microsoft.com/office/drawing/2010/main" xmlns="" w="9525">
                   <a:solidFill>
                     <a:srgbClr val="000000"/>
                   </a:solidFill>
@@ -676,7 +784,7 @@
             </a:ln>
             <a:extLst>
               <a:ext uri="{91240B29-F687-4f45-9708-019B960494DF}">
-                <a14:hiddenLine xmlns="" xmlns:a14="http://schemas.microsoft.com/office/drawing/2010/main" w="9525">
+                <a14:hiddenLine xmlns:a14="http://schemas.microsoft.com/office/drawing/2010/main" xmlns="" w="9525">
                   <a:solidFill>
                     <a:srgbClr val="000000"/>
                   </a:solidFill>
@@ -766,7 +874,7 @@
             </a:ln>
             <a:extLst>
               <a:ext uri="{91240B29-F687-4f45-9708-019B960494DF}">
-                <a14:hiddenLine xmlns="" xmlns:a14="http://schemas.microsoft.com/office/drawing/2010/main" w="9525">
+                <a14:hiddenLine xmlns:a14="http://schemas.microsoft.com/office/drawing/2010/main" xmlns="" w="9525">
                   <a:solidFill>
                     <a:srgbClr val="000000"/>
                   </a:solidFill>
@@ -828,7 +936,7 @@
             </a:ln>
             <a:extLst>
               <a:ext uri="{91240B29-F687-4f45-9708-019B960494DF}">
-                <a14:hiddenLine xmlns="" xmlns:a14="http://schemas.microsoft.com/office/drawing/2010/main" w="9525">
+                <a14:hiddenLine xmlns:a14="http://schemas.microsoft.com/office/drawing/2010/main" xmlns="" w="9525">
                   <a:solidFill>
                     <a:srgbClr val="000000"/>
                   </a:solidFill>
@@ -890,7 +998,7 @@
             </a:ln>
             <a:extLst>
               <a:ext uri="{91240B29-F687-4f45-9708-019B960494DF}">
-                <a14:hiddenLine xmlns="" xmlns:a14="http://schemas.microsoft.com/office/drawing/2010/main" w="9525">
+                <a14:hiddenLine xmlns:a14="http://schemas.microsoft.com/office/drawing/2010/main" xmlns="" w="9525">
                   <a:solidFill>
                     <a:srgbClr val="000000"/>
                   </a:solidFill>
@@ -980,7 +1088,7 @@
             </a:ln>
             <a:extLst>
               <a:ext uri="{91240B29-F687-4f45-9708-019B960494DF}">
-                <a14:hiddenLine xmlns="" xmlns:a14="http://schemas.microsoft.com/office/drawing/2010/main" w="9525">
+                <a14:hiddenLine xmlns:a14="http://schemas.microsoft.com/office/drawing/2010/main" xmlns="" w="9525">
                   <a:solidFill>
                     <a:srgbClr val="000000"/>
                   </a:solidFill>
@@ -1070,7 +1178,7 @@
             </a:ln>
             <a:extLst>
               <a:ext uri="{91240B29-F687-4f45-9708-019B960494DF}">
-                <a14:hiddenLine xmlns="" xmlns:a14="http://schemas.microsoft.com/office/drawing/2010/main" w="9525">
+                <a14:hiddenLine xmlns:a14="http://schemas.microsoft.com/office/drawing/2010/main" xmlns="" w="9525">
                   <a:solidFill>
                     <a:srgbClr val="000000"/>
                   </a:solidFill>
@@ -1132,7 +1240,7 @@
             </a:ln>
             <a:extLst>
               <a:ext uri="{91240B29-F687-4f45-9708-019B960494DF}">
-                <a14:hiddenLine xmlns="" xmlns:a14="http://schemas.microsoft.com/office/drawing/2010/main" w="9525">
+                <a14:hiddenLine xmlns:a14="http://schemas.microsoft.com/office/drawing/2010/main" xmlns="" w="9525">
                   <a:solidFill>
                     <a:srgbClr val="000000"/>
                   </a:solidFill>
@@ -1242,7 +1350,7 @@
             </a:ln>
             <a:extLst>
               <a:ext uri="{91240B29-F687-4f45-9708-019B960494DF}">
-                <a14:hiddenLine xmlns="" xmlns:a14="http://schemas.microsoft.com/office/drawing/2010/main" w="9525">
+                <a14:hiddenLine xmlns:a14="http://schemas.microsoft.com/office/drawing/2010/main" xmlns="" w="9525">
                   <a:solidFill>
                     <a:srgbClr val="000000"/>
                   </a:solidFill>
@@ -1304,7 +1412,7 @@
             </a:ln>
             <a:extLst>
               <a:ext uri="{91240B29-F687-4f45-9708-019B960494DF}">
-                <a14:hiddenLine xmlns="" xmlns:a14="http://schemas.microsoft.com/office/drawing/2010/main" w="9525">
+                <a14:hiddenLine xmlns:a14="http://schemas.microsoft.com/office/drawing/2010/main" xmlns="" w="9525">
                   <a:solidFill>
                     <a:srgbClr val="000000"/>
                   </a:solidFill>
@@ -1394,7 +1502,7 @@
             </a:ln>
             <a:extLst>
               <a:ext uri="{91240B29-F687-4f45-9708-019B960494DF}">
-                <a14:hiddenLine xmlns="" xmlns:a14="http://schemas.microsoft.com/office/drawing/2010/main" w="9525">
+                <a14:hiddenLine xmlns:a14="http://schemas.microsoft.com/office/drawing/2010/main" xmlns="" w="9525">
                   <a:solidFill>
                     <a:srgbClr val="000000"/>
                   </a:solidFill>
@@ -1484,7 +1592,7 @@
             </a:ln>
             <a:extLst>
               <a:ext uri="{91240B29-F687-4f45-9708-019B960494DF}">
-                <a14:hiddenLine xmlns="" xmlns:a14="http://schemas.microsoft.com/office/drawing/2010/main" w="9525">
+                <a14:hiddenLine xmlns:a14="http://schemas.microsoft.com/office/drawing/2010/main" xmlns="" w="9525">
                   <a:solidFill>
                     <a:srgbClr val="000000"/>
                   </a:solidFill>
@@ -1546,7 +1654,7 @@
             </a:ln>
             <a:extLst>
               <a:ext uri="{91240B29-F687-4f45-9708-019B960494DF}">
-                <a14:hiddenLine xmlns="" xmlns:a14="http://schemas.microsoft.com/office/drawing/2010/main" w="9525">
+                <a14:hiddenLine xmlns:a14="http://schemas.microsoft.com/office/drawing/2010/main" xmlns="" w="9525">
                   <a:solidFill>
                     <a:srgbClr val="000000"/>
                   </a:solidFill>
@@ -1636,7 +1744,7 @@
             </a:ln>
             <a:extLst>
               <a:ext uri="{91240B29-F687-4f45-9708-019B960494DF}">
-                <a14:hiddenLine xmlns="" xmlns:a14="http://schemas.microsoft.com/office/drawing/2010/main" w="9525">
+                <a14:hiddenLine xmlns:a14="http://schemas.microsoft.com/office/drawing/2010/main" xmlns="" w="9525">
                   <a:solidFill>
                     <a:srgbClr val="000000"/>
                   </a:solidFill>
@@ -1726,7 +1834,7 @@
             </a:ln>
             <a:extLst>
               <a:ext uri="{91240B29-F687-4f45-9708-019B960494DF}">
-                <a14:hiddenLine xmlns="" xmlns:a14="http://schemas.microsoft.com/office/drawing/2010/main" w="9525">
+                <a14:hiddenLine xmlns:a14="http://schemas.microsoft.com/office/drawing/2010/main" xmlns="" w="9525">
                   <a:solidFill>
                     <a:srgbClr val="000000"/>
                   </a:solidFill>
@@ -1782,7 +1890,7 @@
             </a:ln>
             <a:extLst>
               <a:ext uri="{91240B29-F687-4f45-9708-019B960494DF}">
-                <a14:hiddenLine xmlns="" xmlns:a14="http://schemas.microsoft.com/office/drawing/2010/main" w="9525">
+                <a14:hiddenLine xmlns:a14="http://schemas.microsoft.com/office/drawing/2010/main" xmlns="" w="9525">
                   <a:solidFill>
                     <a:srgbClr val="000000"/>
                   </a:solidFill>
@@ -1872,7 +1980,7 @@
             </a:ln>
             <a:extLst>
               <a:ext uri="{91240B29-F687-4f45-9708-019B960494DF}">
-                <a14:hiddenLine xmlns="" xmlns:a14="http://schemas.microsoft.com/office/drawing/2010/main" w="9525">
+                <a14:hiddenLine xmlns:a14="http://schemas.microsoft.com/office/drawing/2010/main" xmlns="" w="9525">
                   <a:solidFill>
                     <a:srgbClr val="000000"/>
                   </a:solidFill>
@@ -1928,7 +2036,7 @@
             </a:ln>
             <a:extLst>
               <a:ext uri="{91240B29-F687-4f45-9708-019B960494DF}">
-                <a14:hiddenLine xmlns="" xmlns:a14="http://schemas.microsoft.com/office/drawing/2010/main" w="9525">
+                <a14:hiddenLine xmlns:a14="http://schemas.microsoft.com/office/drawing/2010/main" xmlns="" w="9525">
                   <a:solidFill>
                     <a:srgbClr val="000000"/>
                   </a:solidFill>
@@ -2018,7 +2126,7 @@
             </a:ln>
             <a:extLst>
               <a:ext uri="{91240B29-F687-4f45-9708-019B960494DF}">
-                <a14:hiddenLine xmlns="" xmlns:a14="http://schemas.microsoft.com/office/drawing/2010/main" w="9525">
+                <a14:hiddenLine xmlns:a14="http://schemas.microsoft.com/office/drawing/2010/main" xmlns="" w="9525">
                   <a:solidFill>
                     <a:srgbClr val="000000"/>
                   </a:solidFill>
@@ -2086,7 +2194,7 @@
             </a:ln>
             <a:extLst>
               <a:ext uri="{91240B29-F687-4f45-9708-019B960494DF}">
-                <a14:hiddenLine xmlns="" xmlns:a14="http://schemas.microsoft.com/office/drawing/2010/main" w="9525">
+                <a14:hiddenLine xmlns:a14="http://schemas.microsoft.com/office/drawing/2010/main" xmlns="" w="9525">
                   <a:solidFill>
                     <a:srgbClr val="000000"/>
                   </a:solidFill>
@@ -2176,7 +2284,7 @@
             </a:ln>
             <a:extLst>
               <a:ext uri="{91240B29-F687-4f45-9708-019B960494DF}">
-                <a14:hiddenLine xmlns="" xmlns:a14="http://schemas.microsoft.com/office/drawing/2010/main" w="9525">
+                <a14:hiddenLine xmlns:a14="http://schemas.microsoft.com/office/drawing/2010/main" xmlns="" w="9525">
                   <a:solidFill>
                     <a:srgbClr val="000000"/>
                   </a:solidFill>
@@ -2244,7 +2352,7 @@
             </a:ln>
             <a:extLst>
               <a:ext uri="{91240B29-F687-4f45-9708-019B960494DF}">
-                <a14:hiddenLine xmlns="" xmlns:a14="http://schemas.microsoft.com/office/drawing/2010/main" w="9525">
+                <a14:hiddenLine xmlns:a14="http://schemas.microsoft.com/office/drawing/2010/main" xmlns="" w="9525">
                   <a:solidFill>
                     <a:srgbClr val="000000"/>
                   </a:solidFill>
@@ -2334,7 +2442,7 @@
             </a:ln>
             <a:extLst>
               <a:ext uri="{91240B29-F687-4f45-9708-019B960494DF}">
-                <a14:hiddenLine xmlns="" xmlns:a14="http://schemas.microsoft.com/office/drawing/2010/main" w="9525">
+                <a14:hiddenLine xmlns:a14="http://schemas.microsoft.com/office/drawing/2010/main" xmlns="" w="9525">
                   <a:solidFill>
                     <a:srgbClr val="000000"/>
                   </a:solidFill>
@@ -2368,7 +2476,7 @@
             </a:ln>
             <a:extLst>
               <a:ext uri="{91240B29-F687-4f45-9708-019B960494DF}">
-                <a14:hiddenLine xmlns="" xmlns:a14="http://schemas.microsoft.com/office/drawing/2010/main" w="9525">
+                <a14:hiddenLine xmlns:a14="http://schemas.microsoft.com/office/drawing/2010/main" xmlns="" w="9525">
                   <a:solidFill>
                     <a:srgbClr val="000000"/>
                   </a:solidFill>
@@ -2458,7 +2566,7 @@
             </a:ln>
             <a:extLst>
               <a:ext uri="{91240B29-F687-4f45-9708-019B960494DF}">
-                <a14:hiddenLine xmlns="" xmlns:a14="http://schemas.microsoft.com/office/drawing/2010/main" w="9525">
+                <a14:hiddenLine xmlns:a14="http://schemas.microsoft.com/office/drawing/2010/main" xmlns="" w="9525">
                   <a:solidFill>
                     <a:srgbClr val="000000"/>
                   </a:solidFill>
@@ -2520,7 +2628,7 @@
             </a:ln>
             <a:extLst>
               <a:ext uri="{91240B29-F687-4f45-9708-019B960494DF}">
-                <a14:hiddenLine xmlns="" xmlns:a14="http://schemas.microsoft.com/office/drawing/2010/main" w="9525">
+                <a14:hiddenLine xmlns:a14="http://schemas.microsoft.com/office/drawing/2010/main" xmlns="" w="9525">
                   <a:solidFill>
                     <a:srgbClr val="000000"/>
                   </a:solidFill>
@@ -2582,7 +2690,7 @@
             </a:ln>
             <a:extLst>
               <a:ext uri="{91240B29-F687-4f45-9708-019B960494DF}">
-                <a14:hiddenLine xmlns="" xmlns:a14="http://schemas.microsoft.com/office/drawing/2010/main" w="9525">
+                <a14:hiddenLine xmlns:a14="http://schemas.microsoft.com/office/drawing/2010/main" xmlns="" w="9525">
                   <a:solidFill>
                     <a:srgbClr val="000000"/>
                   </a:solidFill>
@@ -2672,7 +2780,7 @@
             </a:ln>
             <a:extLst>
               <a:ext uri="{91240B29-F687-4f45-9708-019B960494DF}">
-                <a14:hiddenLine xmlns="" xmlns:a14="http://schemas.microsoft.com/office/drawing/2010/main" w="9525">
+                <a14:hiddenLine xmlns:a14="http://schemas.microsoft.com/office/drawing/2010/main" xmlns="" w="9525">
                   <a:solidFill>
                     <a:srgbClr val="000000"/>
                   </a:solidFill>
@@ -2740,7 +2848,7 @@
             </a:ln>
             <a:extLst>
               <a:ext uri="{91240B29-F687-4f45-9708-019B960494DF}">
-                <a14:hiddenLine xmlns="" xmlns:a14="http://schemas.microsoft.com/office/drawing/2010/main" w="9525">
+                <a14:hiddenLine xmlns:a14="http://schemas.microsoft.com/office/drawing/2010/main" xmlns="" w="9525">
                   <a:solidFill>
                     <a:srgbClr val="000000"/>
                   </a:solidFill>
@@ -2802,7 +2910,7 @@
             </a:ln>
             <a:extLst>
               <a:ext uri="{91240B29-F687-4f45-9708-019B960494DF}">
-                <a14:hiddenLine xmlns="" xmlns:a14="http://schemas.microsoft.com/office/drawing/2010/main" w="9525">
+                <a14:hiddenLine xmlns:a14="http://schemas.microsoft.com/office/drawing/2010/main" xmlns="" w="9525">
                   <a:solidFill>
                     <a:srgbClr val="000000"/>
                   </a:solidFill>
@@ -2892,7 +3000,7 @@
             </a:ln>
             <a:extLst>
               <a:ext uri="{91240B29-F687-4f45-9708-019B960494DF}">
-                <a14:hiddenLine xmlns="" xmlns:a14="http://schemas.microsoft.com/office/drawing/2010/main" w="9525">
+                <a14:hiddenLine xmlns:a14="http://schemas.microsoft.com/office/drawing/2010/main" xmlns="" w="9525">
                   <a:solidFill>
                     <a:srgbClr val="000000"/>
                   </a:solidFill>
@@ -2954,7 +3062,7 @@
             </a:ln>
             <a:extLst>
               <a:ext uri="{91240B29-F687-4f45-9708-019B960494DF}">
-                <a14:hiddenLine xmlns="" xmlns:a14="http://schemas.microsoft.com/office/drawing/2010/main" w="9525">
+                <a14:hiddenLine xmlns:a14="http://schemas.microsoft.com/office/drawing/2010/main" xmlns="" w="9525">
                   <a:solidFill>
                     <a:srgbClr val="000000"/>
                   </a:solidFill>
@@ -3044,7 +3152,7 @@
             </a:ln>
             <a:extLst>
               <a:ext uri="{91240B29-F687-4f45-9708-019B960494DF}">
-                <a14:hiddenLine xmlns="" xmlns:a14="http://schemas.microsoft.com/office/drawing/2010/main" w="9525">
+                <a14:hiddenLine xmlns:a14="http://schemas.microsoft.com/office/drawing/2010/main" xmlns="" w="9525">
                   <a:solidFill>
                     <a:srgbClr val="000000"/>
                   </a:solidFill>
@@ -3106,7 +3214,7 @@
             </a:ln>
             <a:extLst>
               <a:ext uri="{91240B29-F687-4f45-9708-019B960494DF}">
-                <a14:hiddenLine xmlns="" xmlns:a14="http://schemas.microsoft.com/office/drawing/2010/main" w="9525">
+                <a14:hiddenLine xmlns:a14="http://schemas.microsoft.com/office/drawing/2010/main" xmlns="" w="9525">
                   <a:solidFill>
                     <a:srgbClr val="000000"/>
                   </a:solidFill>
@@ -3196,7 +3304,7 @@
             </a:ln>
             <a:extLst>
               <a:ext uri="{91240B29-F687-4f45-9708-019B960494DF}">
-                <a14:hiddenLine xmlns="" xmlns:a14="http://schemas.microsoft.com/office/drawing/2010/main" w="9525">
+                <a14:hiddenLine xmlns:a14="http://schemas.microsoft.com/office/drawing/2010/main" xmlns="" w="9525">
                   <a:solidFill>
                     <a:srgbClr val="000000"/>
                   </a:solidFill>
@@ -3230,7 +3338,7 @@
             </a:ln>
             <a:extLst>
               <a:ext uri="{91240B29-F687-4f45-9708-019B960494DF}">
-                <a14:hiddenLine xmlns="" xmlns:a14="http://schemas.microsoft.com/office/drawing/2010/main" w="9525">
+                <a14:hiddenLine xmlns:a14="http://schemas.microsoft.com/office/drawing/2010/main" xmlns="" w="9525">
                   <a:solidFill>
                     <a:srgbClr val="000000"/>
                   </a:solidFill>
@@ -3295,7 +3403,7 @@
             </a:ln>
             <a:extLst>
               <a:ext uri="{91240B29-F687-4f45-9708-019B960494DF}">
-                <a14:hiddenLine xmlns="" xmlns:a14="http://schemas.microsoft.com/office/drawing/2010/main" w="9525">
+                <a14:hiddenLine xmlns:a14="http://schemas.microsoft.com/office/drawing/2010/main" xmlns="" w="9525">
                   <a:solidFill>
                     <a:srgbClr val="000000"/>
                   </a:solidFill>
@@ -3385,7 +3493,7 @@
             </a:ln>
             <a:extLst>
               <a:ext uri="{91240B29-F687-4f45-9708-019B960494DF}">
-                <a14:hiddenLine xmlns="" xmlns:a14="http://schemas.microsoft.com/office/drawing/2010/main" w="9525">
+                <a14:hiddenLine xmlns:a14="http://schemas.microsoft.com/office/drawing/2010/main" xmlns="" w="9525">
                   <a:solidFill>
                     <a:srgbClr val="000000"/>
                   </a:solidFill>
@@ -3447,7 +3555,7 @@
             </a:ln>
             <a:extLst>
               <a:ext uri="{91240B29-F687-4f45-9708-019B960494DF}">
-                <a14:hiddenLine xmlns="" xmlns:a14="http://schemas.microsoft.com/office/drawing/2010/main" w="9525">
+                <a14:hiddenLine xmlns:a14="http://schemas.microsoft.com/office/drawing/2010/main" xmlns="" w="9525">
                   <a:solidFill>
                     <a:srgbClr val="000000"/>
                   </a:solidFill>
@@ -3537,7 +3645,7 @@
             </a:ln>
             <a:extLst>
               <a:ext uri="{91240B29-F687-4f45-9708-019B960494DF}">
-                <a14:hiddenLine xmlns="" xmlns:a14="http://schemas.microsoft.com/office/drawing/2010/main" w="9525">
+                <a14:hiddenLine xmlns:a14="http://schemas.microsoft.com/office/drawing/2010/main" xmlns="" w="9525">
                   <a:solidFill>
                     <a:srgbClr val="000000"/>
                   </a:solidFill>
@@ -3627,7 +3735,7 @@
             </a:ln>
             <a:extLst>
               <a:ext uri="{91240B29-F687-4f45-9708-019B960494DF}">
-                <a14:hiddenLine xmlns="" xmlns:a14="http://schemas.microsoft.com/office/drawing/2010/main" w="9525">
+                <a14:hiddenLine xmlns:a14="http://schemas.microsoft.com/office/drawing/2010/main" xmlns="" w="9525">
                   <a:solidFill>
                     <a:srgbClr val="000000"/>
                   </a:solidFill>
@@ -3692,7 +3800,7 @@
             </a:ln>
             <a:extLst>
               <a:ext uri="{91240B29-F687-4f45-9708-019B960494DF}">
-                <a14:hiddenLine xmlns="" xmlns:a14="http://schemas.microsoft.com/office/drawing/2010/main" w="9525">
+                <a14:hiddenLine xmlns:a14="http://schemas.microsoft.com/office/drawing/2010/main" xmlns="" w="9525">
                   <a:solidFill>
                     <a:srgbClr val="000000"/>
                   </a:solidFill>
@@ -3754,7 +3862,7 @@
             </a:ln>
             <a:extLst>
               <a:ext uri="{91240B29-F687-4f45-9708-019B960494DF}">
-                <a14:hiddenLine xmlns="" xmlns:a14="http://schemas.microsoft.com/office/drawing/2010/main" w="9525">
+                <a14:hiddenLine xmlns:a14="http://schemas.microsoft.com/office/drawing/2010/main" xmlns="" w="9525">
                   <a:solidFill>
                     <a:srgbClr val="000000"/>
                   </a:solidFill>
@@ -3844,7 +3952,7 @@
             </a:ln>
             <a:extLst>
               <a:ext uri="{91240B29-F687-4f45-9708-019B960494DF}">
-                <a14:hiddenLine xmlns="" xmlns:a14="http://schemas.microsoft.com/office/drawing/2010/main" w="9525">
+                <a14:hiddenLine xmlns:a14="http://schemas.microsoft.com/office/drawing/2010/main" xmlns="" w="9525">
                   <a:solidFill>
                     <a:srgbClr val="000000"/>
                   </a:solidFill>
@@ -3934,7 +4042,7 @@
             </a:ln>
             <a:extLst>
               <a:ext uri="{91240B29-F687-4f45-9708-019B960494DF}">
-                <a14:hiddenLine xmlns="" xmlns:a14="http://schemas.microsoft.com/office/drawing/2010/main" w="9525">
+                <a14:hiddenLine xmlns:a14="http://schemas.microsoft.com/office/drawing/2010/main" xmlns="" w="9525">
                   <a:solidFill>
                     <a:srgbClr val="000000"/>
                   </a:solidFill>
@@ -3996,7 +4104,7 @@
             </a:ln>
             <a:extLst>
               <a:ext uri="{91240B29-F687-4f45-9708-019B960494DF}">
-                <a14:hiddenLine xmlns="" xmlns:a14="http://schemas.microsoft.com/office/drawing/2010/main" w="9525">
+                <a14:hiddenLine xmlns:a14="http://schemas.microsoft.com/office/drawing/2010/main" xmlns="" w="9525">
                   <a:solidFill>
                     <a:srgbClr val="000000"/>
                   </a:solidFill>
@@ -4116,7 +4224,7 @@
             </a:ln>
             <a:extLst>
               <a:ext uri="{91240B29-F687-4f45-9708-019B960494DF}">
-                <a14:hiddenLine xmlns="" xmlns:a14="http://schemas.microsoft.com/office/drawing/2010/main" w="9525">
+                <a14:hiddenLine xmlns:a14="http://schemas.microsoft.com/office/drawing/2010/main" xmlns="" w="9525">
                   <a:solidFill>
                     <a:srgbClr val="000000"/>
                   </a:solidFill>
@@ -4184,7 +4292,7 @@
             </a:ln>
             <a:extLst>
               <a:ext uri="{91240B29-F687-4f45-9708-019B960494DF}">
-                <a14:hiddenLine xmlns="" xmlns:a14="http://schemas.microsoft.com/office/drawing/2010/main" w="9525">
+                <a14:hiddenLine xmlns:a14="http://schemas.microsoft.com/office/drawing/2010/main" xmlns="" w="9525">
                   <a:solidFill>
                     <a:srgbClr val="000000"/>
                   </a:solidFill>
@@ -4274,7 +4382,7 @@
             </a:ln>
             <a:extLst>
               <a:ext uri="{91240B29-F687-4f45-9708-019B960494DF}">
-                <a14:hiddenLine xmlns="" xmlns:a14="http://schemas.microsoft.com/office/drawing/2010/main" w="9525">
+                <a14:hiddenLine xmlns:a14="http://schemas.microsoft.com/office/drawing/2010/main" xmlns="" w="9525">
                   <a:solidFill>
                     <a:srgbClr val="000000"/>
                   </a:solidFill>
@@ -4314,7 +4422,7 @@
           </a:lstStyle>
           <a:p>
             <a:r>
-              <a:rPr lang="en-US" smtClean="0"/>
+              <a:rPr lang="en-US"/>
               <a:t>Click to edit Master title style</a:t>
             </a:r>
             <a:endParaRPr lang="en-US" dirty="0"/>
@@ -4385,7 +4493,7 @@
           </a:lstStyle>
           <a:p>
             <a:r>
-              <a:rPr lang="en-US" smtClean="0"/>
+              <a:rPr lang="en-US"/>
               <a:t>Click to edit Master subtitle style</a:t>
             </a:r>
             <a:endParaRPr lang="en-US" dirty="0"/>
@@ -4414,7 +4522,7 @@
           <a:p>
             <a:fld id="{849DE176-146E-4F1E-BCCE-E46272DCA095}" type="datetimeFigureOut">
               <a:rPr lang="es-AR" smtClean="0"/>
-              <a:t>02/06/2022</a:t>
+              <a:t>4/8/2022</a:t>
             </a:fld>
             <a:endParaRPr lang="es-AR"/>
           </a:p>
@@ -4466,7 +4574,7 @@
           <a:p>
             <a:fld id="{CEFD1137-7F4D-46D2-9B0A-67C18959EDA4}" type="slidenum">
               <a:rPr lang="es-AR" smtClean="0"/>
-              <a:t>‹#›</a:t>
+              <a:t>‹Nº›</a:t>
             </a:fld>
             <a:endParaRPr lang="es-AR"/>
           </a:p>
@@ -4529,7 +4637,7 @@
           </a:lstStyle>
           <a:p>
             <a:r>
-              <a:rPr lang="en-US" smtClean="0"/>
+              <a:rPr lang="en-US"/>
               <a:t>Click to edit Master title style</a:t>
             </a:r>
             <a:endParaRPr lang="en-US" dirty="0"/>
@@ -4590,7 +4698,7 @@
               <a:buNone/>
             </a:pPr>
             <a:r>
-              <a:rPr lang="en-US" smtClean="0"/>
+              <a:rPr lang="en-US"/>
               <a:t>Click icon to add picture</a:t>
             </a:r>
             <a:endParaRPr lang="en-US" dirty="0"/>
@@ -4658,7 +4766,7 @@
           <a:p>
             <a:pPr lvl="0"/>
             <a:r>
-              <a:rPr lang="en-US" smtClean="0"/>
+              <a:rPr lang="en-US"/>
               <a:t>Click to edit Master text styles</a:t>
             </a:r>
           </a:p>
@@ -4681,7 +4789,7 @@
           <a:p>
             <a:fld id="{849DE176-146E-4F1E-BCCE-E46272DCA095}" type="datetimeFigureOut">
               <a:rPr lang="es-AR" smtClean="0"/>
-              <a:t>02/06/2022</a:t>
+              <a:t>4/8/2022</a:t>
             </a:fld>
             <a:endParaRPr lang="es-AR"/>
           </a:p>
@@ -4723,7 +4831,7 @@
           <a:p>
             <a:fld id="{CEFD1137-7F4D-46D2-9B0A-67C18959EDA4}" type="slidenum">
               <a:rPr lang="es-AR" smtClean="0"/>
-              <a:t>‹#›</a:t>
+              <a:t>‹Nº›</a:t>
             </a:fld>
             <a:endParaRPr lang="es-AR"/>
           </a:p>
@@ -4786,7 +4894,7 @@
           </a:lstStyle>
           <a:p>
             <a:r>
-              <a:rPr lang="en-US" smtClean="0"/>
+              <a:rPr lang="en-US"/>
               <a:t>Click to edit Master title style</a:t>
             </a:r>
             <a:endParaRPr lang="en-US" dirty="0"/>
@@ -4854,7 +4962,7 @@
           <a:p>
             <a:pPr lvl="0"/>
             <a:r>
-              <a:rPr lang="en-US" smtClean="0"/>
+              <a:rPr lang="en-US"/>
               <a:t>Click to edit Master text styles</a:t>
             </a:r>
           </a:p>
@@ -4877,7 +4985,7 @@
           <a:p>
             <a:fld id="{849DE176-146E-4F1E-BCCE-E46272DCA095}" type="datetimeFigureOut">
               <a:rPr lang="es-AR" smtClean="0"/>
-              <a:t>02/06/2022</a:t>
+              <a:t>4/8/2022</a:t>
             </a:fld>
             <a:endParaRPr lang="es-AR"/>
           </a:p>
@@ -4919,7 +5027,7 @@
           <a:p>
             <a:fld id="{CEFD1137-7F4D-46D2-9B0A-67C18959EDA4}" type="slidenum">
               <a:rPr lang="es-AR" smtClean="0"/>
-              <a:t>‹#›</a:t>
+              <a:t>‹Nº›</a:t>
             </a:fld>
             <a:endParaRPr lang="es-AR"/>
           </a:p>
@@ -4982,7 +5090,7 @@
           </a:lstStyle>
           <a:p>
             <a:r>
-              <a:rPr lang="en-US" smtClean="0"/>
+              <a:rPr lang="en-US"/>
               <a:t>Click to edit Master title style</a:t>
             </a:r>
             <a:endParaRPr lang="en-US" dirty="0"/>
@@ -5050,7 +5158,7 @@
           <a:p>
             <a:pPr lvl="0"/>
             <a:r>
-              <a:rPr lang="en-US" smtClean="0"/>
+              <a:rPr lang="en-US"/>
               <a:t>Click to edit Master text styles</a:t>
             </a:r>
           </a:p>
@@ -5117,7 +5225,7 @@
           <a:p>
             <a:pPr lvl="0"/>
             <a:r>
-              <a:rPr lang="en-US" smtClean="0"/>
+              <a:rPr lang="en-US"/>
               <a:t>Click to edit Master text styles</a:t>
             </a:r>
           </a:p>
@@ -5140,7 +5248,7 @@
           <a:p>
             <a:fld id="{849DE176-146E-4F1E-BCCE-E46272DCA095}" type="datetimeFigureOut">
               <a:rPr lang="es-AR" smtClean="0"/>
-              <a:t>02/06/2022</a:t>
+              <a:t>4/8/2022</a:t>
             </a:fld>
             <a:endParaRPr lang="es-AR"/>
           </a:p>
@@ -5182,7 +5290,7 @@
           <a:p>
             <a:fld id="{CEFD1137-7F4D-46D2-9B0A-67C18959EDA4}" type="slidenum">
               <a:rPr lang="es-AR" smtClean="0"/>
-              <a:t>‹#›</a:t>
+              <a:t>‹Nº›</a:t>
             </a:fld>
             <a:endParaRPr lang="es-AR"/>
           </a:p>
@@ -5483,7 +5591,7 @@
           </a:lstStyle>
           <a:p>
             <a:r>
-              <a:rPr lang="en-US" smtClean="0"/>
+              <a:rPr lang="en-US"/>
               <a:t>Click to edit Master title style</a:t>
             </a:r>
             <a:endParaRPr lang="en-US" dirty="0"/>
@@ -5551,7 +5659,7 @@
           <a:p>
             <a:pPr lvl="0"/>
             <a:r>
-              <a:rPr lang="en-US" smtClean="0"/>
+              <a:rPr lang="en-US"/>
               <a:t>Click to edit Master text styles</a:t>
             </a:r>
           </a:p>
@@ -5574,7 +5682,7 @@
           <a:p>
             <a:fld id="{849DE176-146E-4F1E-BCCE-E46272DCA095}" type="datetimeFigureOut">
               <a:rPr lang="es-AR" smtClean="0"/>
-              <a:t>02/06/2022</a:t>
+              <a:t>4/8/2022</a:t>
             </a:fld>
             <a:endParaRPr lang="es-AR"/>
           </a:p>
@@ -5616,7 +5724,7 @@
           <a:p>
             <a:fld id="{CEFD1137-7F4D-46D2-9B0A-67C18959EDA4}" type="slidenum">
               <a:rPr lang="es-AR" smtClean="0"/>
-              <a:t>‹#›</a:t>
+              <a:t>‹Nº›</a:t>
             </a:fld>
             <a:endParaRPr lang="es-AR"/>
           </a:p>
@@ -5673,7 +5781,7 @@
           <a:lstStyle/>
           <a:p>
             <a:r>
-              <a:rPr lang="en-US" smtClean="0"/>
+              <a:rPr lang="en-US"/>
               <a:t>Click to edit Master title style</a:t>
             </a:r>
             <a:endParaRPr lang="en-US" dirty="0"/>
@@ -5748,7 +5856,7 @@
           <a:p>
             <a:pPr lvl="0"/>
             <a:r>
-              <a:rPr lang="en-US" smtClean="0"/>
+              <a:rPr lang="en-US"/>
               <a:t>Click to edit Master text styles</a:t>
             </a:r>
           </a:p>
@@ -5815,7 +5923,7 @@
           <a:p>
             <a:pPr lvl="0"/>
             <a:r>
-              <a:rPr lang="en-US" smtClean="0"/>
+              <a:rPr lang="en-US"/>
               <a:t>Click to edit Master text styles</a:t>
             </a:r>
           </a:p>
@@ -5889,7 +5997,7 @@
           <a:p>
             <a:pPr lvl="0"/>
             <a:r>
-              <a:rPr lang="en-US" smtClean="0"/>
+              <a:rPr lang="en-US"/>
               <a:t>Click to edit Master text styles</a:t>
             </a:r>
           </a:p>
@@ -5956,7 +6064,7 @@
           <a:p>
             <a:pPr lvl="0"/>
             <a:r>
-              <a:rPr lang="en-US" smtClean="0"/>
+              <a:rPr lang="en-US"/>
               <a:t>Click to edit Master text styles</a:t>
             </a:r>
           </a:p>
@@ -6030,7 +6138,7 @@
           <a:p>
             <a:pPr lvl="0"/>
             <a:r>
-              <a:rPr lang="en-US" smtClean="0"/>
+              <a:rPr lang="en-US"/>
               <a:t>Click to edit Master text styles</a:t>
             </a:r>
           </a:p>
@@ -6097,7 +6205,7 @@
           <a:p>
             <a:pPr lvl="0"/>
             <a:r>
-              <a:rPr lang="en-US" smtClean="0"/>
+              <a:rPr lang="en-US"/>
               <a:t>Click to edit Master text styles</a:t>
             </a:r>
           </a:p>
@@ -6120,7 +6228,7 @@
           <a:p>
             <a:fld id="{849DE176-146E-4F1E-BCCE-E46272DCA095}" type="datetimeFigureOut">
               <a:rPr lang="es-AR" smtClean="0"/>
-              <a:t>02/06/2022</a:t>
+              <a:t>4/8/2022</a:t>
             </a:fld>
             <a:endParaRPr lang="es-AR"/>
           </a:p>
@@ -6162,7 +6270,7 @@
           <a:p>
             <a:fld id="{CEFD1137-7F4D-46D2-9B0A-67C18959EDA4}" type="slidenum">
               <a:rPr lang="es-AR" smtClean="0"/>
-              <a:t>‹#›</a:t>
+              <a:t>‹Nº›</a:t>
             </a:fld>
             <a:endParaRPr lang="es-AR"/>
           </a:p>
@@ -6219,7 +6327,7 @@
           <a:lstStyle/>
           <a:p>
             <a:r>
-              <a:rPr lang="en-US" smtClean="0"/>
+              <a:rPr lang="en-US"/>
               <a:t>Click to edit Master title style</a:t>
             </a:r>
             <a:endParaRPr lang="en-US" dirty="0"/>
@@ -6294,7 +6402,7 @@
           <a:p>
             <a:pPr lvl="0"/>
             <a:r>
-              <a:rPr lang="en-US" smtClean="0"/>
+              <a:rPr lang="en-US"/>
               <a:t>Click to edit Master text styles</a:t>
             </a:r>
           </a:p>
@@ -6351,7 +6459,7 @@
               <a:buNone/>
             </a:pPr>
             <a:r>
-              <a:rPr lang="en-US" smtClean="0"/>
+              <a:rPr lang="en-US"/>
               <a:t>Click icon to add picture</a:t>
             </a:r>
             <a:endParaRPr lang="en-US" dirty="0"/>
@@ -6419,7 +6527,7 @@
           <a:p>
             <a:pPr lvl="0"/>
             <a:r>
-              <a:rPr lang="en-US" smtClean="0"/>
+              <a:rPr lang="en-US"/>
               <a:t>Click to edit Master text styles</a:t>
             </a:r>
           </a:p>
@@ -6493,7 +6601,7 @@
           <a:p>
             <a:pPr lvl="0"/>
             <a:r>
-              <a:rPr lang="en-US" smtClean="0"/>
+              <a:rPr lang="en-US"/>
               <a:t>Click to edit Master text styles</a:t>
             </a:r>
           </a:p>
@@ -6550,7 +6658,7 @@
               <a:buNone/>
             </a:pPr>
             <a:r>
-              <a:rPr lang="en-US" smtClean="0"/>
+              <a:rPr lang="en-US"/>
               <a:t>Click icon to add picture</a:t>
             </a:r>
             <a:endParaRPr lang="en-US" dirty="0"/>
@@ -6618,7 +6726,7 @@
           <a:p>
             <a:pPr lvl="0"/>
             <a:r>
-              <a:rPr lang="en-US" smtClean="0"/>
+              <a:rPr lang="en-US"/>
               <a:t>Click to edit Master text styles</a:t>
             </a:r>
           </a:p>
@@ -6692,7 +6800,7 @@
           <a:p>
             <a:pPr lvl="0"/>
             <a:r>
-              <a:rPr lang="en-US" smtClean="0"/>
+              <a:rPr lang="en-US"/>
               <a:t>Click to edit Master text styles</a:t>
             </a:r>
           </a:p>
@@ -6749,7 +6857,7 @@
               <a:buNone/>
             </a:pPr>
             <a:r>
-              <a:rPr lang="en-US" smtClean="0"/>
+              <a:rPr lang="en-US"/>
               <a:t>Click icon to add picture</a:t>
             </a:r>
             <a:endParaRPr lang="en-US" dirty="0"/>
@@ -6817,7 +6925,7 @@
           <a:p>
             <a:pPr lvl="0"/>
             <a:r>
-              <a:rPr lang="en-US" smtClean="0"/>
+              <a:rPr lang="en-US"/>
               <a:t>Click to edit Master text styles</a:t>
             </a:r>
           </a:p>
@@ -6840,7 +6948,7 @@
           <a:p>
             <a:fld id="{849DE176-146E-4F1E-BCCE-E46272DCA095}" type="datetimeFigureOut">
               <a:rPr lang="es-AR" smtClean="0"/>
-              <a:t>02/06/2022</a:t>
+              <a:t>4/8/2022</a:t>
             </a:fld>
             <a:endParaRPr lang="es-AR"/>
           </a:p>
@@ -6882,7 +6990,7 @@
           <a:p>
             <a:fld id="{CEFD1137-7F4D-46D2-9B0A-67C18959EDA4}" type="slidenum">
               <a:rPr lang="es-AR" smtClean="0"/>
-              <a:t>‹#›</a:t>
+              <a:t>‹Nº›</a:t>
             </a:fld>
             <a:endParaRPr lang="es-AR"/>
           </a:p>
@@ -6934,7 +7042,7 @@
           <a:lstStyle/>
           <a:p>
             <a:r>
-              <a:rPr lang="en-US" smtClean="0"/>
+              <a:rPr lang="en-US"/>
               <a:t>Click to edit Master title style</a:t>
             </a:r>
             <a:endParaRPr lang="en-US" dirty="0"/>
@@ -6958,35 +7066,35 @@
           <a:p>
             <a:pPr lvl="0"/>
             <a:r>
-              <a:rPr lang="en-US" smtClean="0"/>
+              <a:rPr lang="en-US"/>
               <a:t>Click to edit Master text styles</a:t>
             </a:r>
           </a:p>
           <a:p>
             <a:pPr lvl="1"/>
             <a:r>
-              <a:rPr lang="en-US" smtClean="0"/>
+              <a:rPr lang="en-US"/>
               <a:t>Second level</a:t>
             </a:r>
           </a:p>
           <a:p>
             <a:pPr lvl="2"/>
             <a:r>
-              <a:rPr lang="en-US" smtClean="0"/>
+              <a:rPr lang="en-US"/>
               <a:t>Third level</a:t>
             </a:r>
           </a:p>
           <a:p>
             <a:pPr lvl="3"/>
             <a:r>
-              <a:rPr lang="en-US" smtClean="0"/>
+              <a:rPr lang="en-US"/>
               <a:t>Fourth level</a:t>
             </a:r>
           </a:p>
           <a:p>
             <a:pPr lvl="4"/>
             <a:r>
-              <a:rPr lang="en-US" smtClean="0"/>
+              <a:rPr lang="en-US"/>
               <a:t>Fifth level</a:t>
             </a:r>
             <a:endParaRPr lang="en-US" dirty="0"/>
@@ -7010,7 +7118,7 @@
           <a:p>
             <a:fld id="{849DE176-146E-4F1E-BCCE-E46272DCA095}" type="datetimeFigureOut">
               <a:rPr lang="es-AR" smtClean="0"/>
-              <a:t>02/06/2022</a:t>
+              <a:t>4/8/2022</a:t>
             </a:fld>
             <a:endParaRPr lang="es-AR"/>
           </a:p>
@@ -7052,7 +7160,7 @@
           <a:p>
             <a:fld id="{CEFD1137-7F4D-46D2-9B0A-67C18959EDA4}" type="slidenum">
               <a:rPr lang="es-AR" smtClean="0"/>
-              <a:t>‹#›</a:t>
+              <a:t>‹Nº›</a:t>
             </a:fld>
             <a:endParaRPr lang="es-AR"/>
           </a:p>
@@ -7109,7 +7217,7 @@
           <a:lstStyle/>
           <a:p>
             <a:r>
-              <a:rPr lang="en-US" smtClean="0"/>
+              <a:rPr lang="en-US"/>
               <a:t>Click to edit Master title style</a:t>
             </a:r>
             <a:endParaRPr lang="en-US" dirty="0"/>
@@ -7138,35 +7246,35 @@
           <a:p>
             <a:pPr lvl="0"/>
             <a:r>
-              <a:rPr lang="en-US" smtClean="0"/>
+              <a:rPr lang="en-US"/>
               <a:t>Click to edit Master text styles</a:t>
             </a:r>
           </a:p>
           <a:p>
             <a:pPr lvl="1"/>
             <a:r>
-              <a:rPr lang="en-US" smtClean="0"/>
+              <a:rPr lang="en-US"/>
               <a:t>Second level</a:t>
             </a:r>
           </a:p>
           <a:p>
             <a:pPr lvl="2"/>
             <a:r>
-              <a:rPr lang="en-US" smtClean="0"/>
+              <a:rPr lang="en-US"/>
               <a:t>Third level</a:t>
             </a:r>
           </a:p>
           <a:p>
             <a:pPr lvl="3"/>
             <a:r>
-              <a:rPr lang="en-US" smtClean="0"/>
+              <a:rPr lang="en-US"/>
               <a:t>Fourth level</a:t>
             </a:r>
           </a:p>
           <a:p>
             <a:pPr lvl="4"/>
             <a:r>
-              <a:rPr lang="en-US" smtClean="0"/>
+              <a:rPr lang="en-US"/>
               <a:t>Fifth level</a:t>
             </a:r>
             <a:endParaRPr lang="en-US" dirty="0"/>
@@ -7190,7 +7298,7 @@
           <a:p>
             <a:fld id="{849DE176-146E-4F1E-BCCE-E46272DCA095}" type="datetimeFigureOut">
               <a:rPr lang="es-AR" smtClean="0"/>
-              <a:t>02/06/2022</a:t>
+              <a:t>4/8/2022</a:t>
             </a:fld>
             <a:endParaRPr lang="es-AR"/>
           </a:p>
@@ -7232,7 +7340,7 @@
           <a:p>
             <a:fld id="{CEFD1137-7F4D-46D2-9B0A-67C18959EDA4}" type="slidenum">
               <a:rPr lang="es-AR" smtClean="0"/>
-              <a:t>‹#›</a:t>
+              <a:t>‹Nº›</a:t>
             </a:fld>
             <a:endParaRPr lang="es-AR"/>
           </a:p>
@@ -7284,7 +7392,7 @@
           <a:lstStyle/>
           <a:p>
             <a:r>
-              <a:rPr lang="en-US" smtClean="0"/>
+              <a:rPr lang="en-US"/>
               <a:t>Click to edit Master title style</a:t>
             </a:r>
             <a:endParaRPr lang="en-US" dirty="0"/>
@@ -7308,35 +7416,35 @@
           <a:p>
             <a:pPr lvl="0"/>
             <a:r>
-              <a:rPr lang="en-US" smtClean="0"/>
+              <a:rPr lang="en-US"/>
               <a:t>Click to edit Master text styles</a:t>
             </a:r>
           </a:p>
           <a:p>
             <a:pPr lvl="1"/>
             <a:r>
-              <a:rPr lang="en-US" smtClean="0"/>
+              <a:rPr lang="en-US"/>
               <a:t>Second level</a:t>
             </a:r>
           </a:p>
           <a:p>
             <a:pPr lvl="2"/>
             <a:r>
-              <a:rPr lang="en-US" smtClean="0"/>
+              <a:rPr lang="en-US"/>
               <a:t>Third level</a:t>
             </a:r>
           </a:p>
           <a:p>
             <a:pPr lvl="3"/>
             <a:r>
-              <a:rPr lang="en-US" smtClean="0"/>
+              <a:rPr lang="en-US"/>
               <a:t>Fourth level</a:t>
             </a:r>
           </a:p>
           <a:p>
             <a:pPr lvl="4"/>
             <a:r>
-              <a:rPr lang="en-US" smtClean="0"/>
+              <a:rPr lang="en-US"/>
               <a:t>Fifth level</a:t>
             </a:r>
             <a:endParaRPr lang="en-US" dirty="0"/>
@@ -7360,7 +7468,7 @@
           <a:p>
             <a:fld id="{849DE176-146E-4F1E-BCCE-E46272DCA095}" type="datetimeFigureOut">
               <a:rPr lang="es-AR" smtClean="0"/>
-              <a:t>02/06/2022</a:t>
+              <a:t>4/8/2022</a:t>
             </a:fld>
             <a:endParaRPr lang="es-AR"/>
           </a:p>
@@ -7402,7 +7510,7 @@
           <a:p>
             <a:fld id="{CEFD1137-7F4D-46D2-9B0A-67C18959EDA4}" type="slidenum">
               <a:rPr lang="es-AR" smtClean="0"/>
-              <a:t>‹#›</a:t>
+              <a:t>‹Nº›</a:t>
             </a:fld>
             <a:endParaRPr lang="es-AR"/>
           </a:p>
@@ -7465,7 +7573,7 @@
           </a:lstStyle>
           <a:p>
             <a:r>
-              <a:rPr lang="en-US" smtClean="0"/>
+              <a:rPr lang="en-US"/>
               <a:t>Click to edit Master title style</a:t>
             </a:r>
             <a:endParaRPr lang="en-US" dirty="0"/>
@@ -7587,7 +7695,7 @@
           <a:p>
             <a:pPr lvl="0"/>
             <a:r>
-              <a:rPr lang="en-US" smtClean="0"/>
+              <a:rPr lang="en-US"/>
               <a:t>Click to edit Master text styles</a:t>
             </a:r>
           </a:p>
@@ -7610,7 +7718,7 @@
           <a:p>
             <a:fld id="{849DE176-146E-4F1E-BCCE-E46272DCA095}" type="datetimeFigureOut">
               <a:rPr lang="es-AR" smtClean="0"/>
-              <a:t>02/06/2022</a:t>
+              <a:t>4/8/2022</a:t>
             </a:fld>
             <a:endParaRPr lang="es-AR"/>
           </a:p>
@@ -7652,7 +7760,7 @@
           <a:p>
             <a:fld id="{CEFD1137-7F4D-46D2-9B0A-67C18959EDA4}" type="slidenum">
               <a:rPr lang="es-AR" smtClean="0"/>
-              <a:t>‹#›</a:t>
+              <a:t>‹Nº›</a:t>
             </a:fld>
             <a:endParaRPr lang="es-AR"/>
           </a:p>
@@ -7704,7 +7812,7 @@
           <a:lstStyle/>
           <a:p>
             <a:r>
-              <a:rPr lang="en-US" smtClean="0"/>
+              <a:rPr lang="en-US"/>
               <a:t>Click to edit Master title style</a:t>
             </a:r>
             <a:endParaRPr lang="en-US" dirty="0"/>
@@ -7733,35 +7841,35 @@
           <a:p>
             <a:pPr lvl="0"/>
             <a:r>
-              <a:rPr lang="en-US" smtClean="0"/>
+              <a:rPr lang="en-US"/>
               <a:t>Click to edit Master text styles</a:t>
             </a:r>
           </a:p>
           <a:p>
             <a:pPr lvl="1"/>
             <a:r>
-              <a:rPr lang="en-US" smtClean="0"/>
+              <a:rPr lang="en-US"/>
               <a:t>Second level</a:t>
             </a:r>
           </a:p>
           <a:p>
             <a:pPr lvl="2"/>
             <a:r>
-              <a:rPr lang="en-US" smtClean="0"/>
+              <a:rPr lang="en-US"/>
               <a:t>Third level</a:t>
             </a:r>
           </a:p>
           <a:p>
             <a:pPr lvl="3"/>
             <a:r>
-              <a:rPr lang="en-US" smtClean="0"/>
+              <a:rPr lang="en-US"/>
               <a:t>Fourth level</a:t>
             </a:r>
           </a:p>
           <a:p>
             <a:pPr lvl="4"/>
             <a:r>
-              <a:rPr lang="en-US" smtClean="0"/>
+              <a:rPr lang="en-US"/>
               <a:t>Fifth level</a:t>
             </a:r>
             <a:endParaRPr lang="en-US" dirty="0"/>
@@ -7790,35 +7898,35 @@
           <a:p>
             <a:pPr lvl="0"/>
             <a:r>
-              <a:rPr lang="en-US" smtClean="0"/>
+              <a:rPr lang="en-US"/>
               <a:t>Click to edit Master text styles</a:t>
             </a:r>
           </a:p>
           <a:p>
             <a:pPr lvl="1"/>
             <a:r>
-              <a:rPr lang="en-US" smtClean="0"/>
+              <a:rPr lang="en-US"/>
               <a:t>Second level</a:t>
             </a:r>
           </a:p>
           <a:p>
             <a:pPr lvl="2"/>
             <a:r>
-              <a:rPr lang="en-US" smtClean="0"/>
+              <a:rPr lang="en-US"/>
               <a:t>Third level</a:t>
             </a:r>
           </a:p>
           <a:p>
             <a:pPr lvl="3"/>
             <a:r>
-              <a:rPr lang="en-US" smtClean="0"/>
+              <a:rPr lang="en-US"/>
               <a:t>Fourth level</a:t>
             </a:r>
           </a:p>
           <a:p>
             <a:pPr lvl="4"/>
             <a:r>
-              <a:rPr lang="en-US" smtClean="0"/>
+              <a:rPr lang="en-US"/>
               <a:t>Fifth level</a:t>
             </a:r>
             <a:endParaRPr lang="en-US" dirty="0"/>
@@ -7842,7 +7950,7 @@
           <a:p>
             <a:fld id="{849DE176-146E-4F1E-BCCE-E46272DCA095}" type="datetimeFigureOut">
               <a:rPr lang="es-AR" smtClean="0"/>
-              <a:t>02/06/2022</a:t>
+              <a:t>4/8/2022</a:t>
             </a:fld>
             <a:endParaRPr lang="es-AR"/>
           </a:p>
@@ -7884,7 +7992,7 @@
           <a:p>
             <a:fld id="{CEFD1137-7F4D-46D2-9B0A-67C18959EDA4}" type="slidenum">
               <a:rPr lang="es-AR" smtClean="0"/>
-              <a:t>‹#›</a:t>
+              <a:t>‹Nº›</a:t>
             </a:fld>
             <a:endParaRPr lang="es-AR"/>
           </a:p>
@@ -7941,7 +8049,7 @@
           <a:lstStyle/>
           <a:p>
             <a:r>
-              <a:rPr lang="en-US" smtClean="0"/>
+              <a:rPr lang="en-US"/>
               <a:t>Click to edit Master title style</a:t>
             </a:r>
             <a:endParaRPr lang="en-US" dirty="0"/>
@@ -8014,7 +8122,7 @@
           <a:p>
             <a:pPr lvl="0"/>
             <a:r>
-              <a:rPr lang="en-US" smtClean="0"/>
+              <a:rPr lang="en-US"/>
               <a:t>Click to edit Master text styles</a:t>
             </a:r>
           </a:p>
@@ -8042,35 +8150,35 @@
           <a:p>
             <a:pPr lvl="0"/>
             <a:r>
-              <a:rPr lang="en-US" smtClean="0"/>
+              <a:rPr lang="en-US"/>
               <a:t>Click to edit Master text styles</a:t>
             </a:r>
           </a:p>
           <a:p>
             <a:pPr lvl="1"/>
             <a:r>
-              <a:rPr lang="en-US" smtClean="0"/>
+              <a:rPr lang="en-US"/>
               <a:t>Second level</a:t>
             </a:r>
           </a:p>
           <a:p>
             <a:pPr lvl="2"/>
             <a:r>
-              <a:rPr lang="en-US" smtClean="0"/>
+              <a:rPr lang="en-US"/>
               <a:t>Third level</a:t>
             </a:r>
           </a:p>
           <a:p>
             <a:pPr lvl="3"/>
             <a:r>
-              <a:rPr lang="en-US" smtClean="0"/>
+              <a:rPr lang="en-US"/>
               <a:t>Fourth level</a:t>
             </a:r>
           </a:p>
           <a:p>
             <a:pPr lvl="4"/>
             <a:r>
-              <a:rPr lang="en-US" smtClean="0"/>
+              <a:rPr lang="en-US"/>
               <a:t>Fifth level</a:t>
             </a:r>
             <a:endParaRPr lang="en-US" dirty="0"/>
@@ -8143,7 +8251,7 @@
           <a:p>
             <a:pPr lvl="0"/>
             <a:r>
-              <a:rPr lang="en-US" smtClean="0"/>
+              <a:rPr lang="en-US"/>
               <a:t>Click to edit Master text styles</a:t>
             </a:r>
           </a:p>
@@ -8171,35 +8279,35 @@
           <a:p>
             <a:pPr lvl="0"/>
             <a:r>
-              <a:rPr lang="en-US" smtClean="0"/>
+              <a:rPr lang="en-US"/>
               <a:t>Click to edit Master text styles</a:t>
             </a:r>
           </a:p>
           <a:p>
             <a:pPr lvl="1"/>
             <a:r>
-              <a:rPr lang="en-US" smtClean="0"/>
+              <a:rPr lang="en-US"/>
               <a:t>Second level</a:t>
             </a:r>
           </a:p>
           <a:p>
             <a:pPr lvl="2"/>
             <a:r>
-              <a:rPr lang="en-US" smtClean="0"/>
+              <a:rPr lang="en-US"/>
               <a:t>Third level</a:t>
             </a:r>
           </a:p>
           <a:p>
             <a:pPr lvl="3"/>
             <a:r>
-              <a:rPr lang="en-US" smtClean="0"/>
+              <a:rPr lang="en-US"/>
               <a:t>Fourth level</a:t>
             </a:r>
           </a:p>
           <a:p>
             <a:pPr lvl="4"/>
             <a:r>
-              <a:rPr lang="en-US" smtClean="0"/>
+              <a:rPr lang="en-US"/>
               <a:t>Fifth level</a:t>
             </a:r>
             <a:endParaRPr lang="en-US" dirty="0"/>
@@ -8223,7 +8331,7 @@
           <a:p>
             <a:fld id="{849DE176-146E-4F1E-BCCE-E46272DCA095}" type="datetimeFigureOut">
               <a:rPr lang="es-AR" smtClean="0"/>
-              <a:t>02/06/2022</a:t>
+              <a:t>4/8/2022</a:t>
             </a:fld>
             <a:endParaRPr lang="es-AR"/>
           </a:p>
@@ -8265,7 +8373,7 @@
           <a:p>
             <a:fld id="{CEFD1137-7F4D-46D2-9B0A-67C18959EDA4}" type="slidenum">
               <a:rPr lang="es-AR" smtClean="0"/>
-              <a:t>‹#›</a:t>
+              <a:t>‹Nº›</a:t>
             </a:fld>
             <a:endParaRPr lang="es-AR"/>
           </a:p>
@@ -8317,7 +8425,7 @@
           <a:lstStyle/>
           <a:p>
             <a:r>
-              <a:rPr lang="en-US" smtClean="0"/>
+              <a:rPr lang="en-US"/>
               <a:t>Click to edit Master title style</a:t>
             </a:r>
             <a:endParaRPr lang="en-US" dirty="0"/>
@@ -8341,7 +8449,7 @@
           <a:p>
             <a:fld id="{849DE176-146E-4F1E-BCCE-E46272DCA095}" type="datetimeFigureOut">
               <a:rPr lang="es-AR" smtClean="0"/>
-              <a:t>02/06/2022</a:t>
+              <a:t>4/8/2022</a:t>
             </a:fld>
             <a:endParaRPr lang="es-AR"/>
           </a:p>
@@ -8383,7 +8491,7 @@
           <a:p>
             <a:fld id="{CEFD1137-7F4D-46D2-9B0A-67C18959EDA4}" type="slidenum">
               <a:rPr lang="es-AR" smtClean="0"/>
-              <a:t>‹#›</a:t>
+              <a:t>‹Nº›</a:t>
             </a:fld>
             <a:endParaRPr lang="es-AR"/>
           </a:p>
@@ -8436,7 +8544,7 @@
           <a:p>
             <a:fld id="{849DE176-146E-4F1E-BCCE-E46272DCA095}" type="datetimeFigureOut">
               <a:rPr lang="es-AR" smtClean="0"/>
-              <a:t>02/06/2022</a:t>
+              <a:t>4/8/2022</a:t>
             </a:fld>
             <a:endParaRPr lang="es-AR"/>
           </a:p>
@@ -8478,7 +8586,7 @@
           <a:p>
             <a:fld id="{CEFD1137-7F4D-46D2-9B0A-67C18959EDA4}" type="slidenum">
               <a:rPr lang="es-AR" smtClean="0"/>
-              <a:t>‹#›</a:t>
+              <a:t>‹Nº›</a:t>
             </a:fld>
             <a:endParaRPr lang="es-AR"/>
           </a:p>
@@ -8539,7 +8647,7 @@
           </a:lstStyle>
           <a:p>
             <a:r>
-              <a:rPr lang="en-US" smtClean="0"/>
+              <a:rPr lang="en-US"/>
               <a:t>Click to edit Master title style</a:t>
             </a:r>
             <a:endParaRPr lang="en-US" dirty="0"/>
@@ -8568,35 +8676,35 @@
           <a:p>
             <a:pPr lvl="0"/>
             <a:r>
-              <a:rPr lang="en-US" smtClean="0"/>
+              <a:rPr lang="en-US"/>
               <a:t>Click to edit Master text styles</a:t>
             </a:r>
           </a:p>
           <a:p>
             <a:pPr lvl="1"/>
             <a:r>
-              <a:rPr lang="en-US" smtClean="0"/>
+              <a:rPr lang="en-US"/>
               <a:t>Second level</a:t>
             </a:r>
           </a:p>
           <a:p>
             <a:pPr lvl="2"/>
             <a:r>
-              <a:rPr lang="en-US" smtClean="0"/>
+              <a:rPr lang="en-US"/>
               <a:t>Third level</a:t>
             </a:r>
           </a:p>
           <a:p>
             <a:pPr lvl="3"/>
             <a:r>
-              <a:rPr lang="en-US" smtClean="0"/>
+              <a:rPr lang="en-US"/>
               <a:t>Fourth level</a:t>
             </a:r>
           </a:p>
           <a:p>
             <a:pPr lvl="4"/>
             <a:r>
-              <a:rPr lang="en-US" smtClean="0"/>
+              <a:rPr lang="en-US"/>
               <a:t>Fifth level</a:t>
             </a:r>
             <a:endParaRPr lang="en-US" dirty="0"/>
@@ -8662,7 +8770,7 @@
           <a:p>
             <a:pPr lvl="0"/>
             <a:r>
-              <a:rPr lang="en-US" smtClean="0"/>
+              <a:rPr lang="en-US"/>
               <a:t>Click to edit Master text styles</a:t>
             </a:r>
           </a:p>
@@ -8685,7 +8793,7 @@
           <a:p>
             <a:fld id="{849DE176-146E-4F1E-BCCE-E46272DCA095}" type="datetimeFigureOut">
               <a:rPr lang="es-AR" smtClean="0"/>
-              <a:t>02/06/2022</a:t>
+              <a:t>4/8/2022</a:t>
             </a:fld>
             <a:endParaRPr lang="es-AR"/>
           </a:p>
@@ -8727,7 +8835,7 @@
           <a:p>
             <a:fld id="{CEFD1137-7F4D-46D2-9B0A-67C18959EDA4}" type="slidenum">
               <a:rPr lang="es-AR" smtClean="0"/>
-              <a:t>‹#›</a:t>
+              <a:t>‹Nº›</a:t>
             </a:fld>
             <a:endParaRPr lang="es-AR"/>
           </a:p>
@@ -8788,7 +8896,7 @@
           </a:lstStyle>
           <a:p>
             <a:r>
-              <a:rPr lang="en-US" smtClean="0"/>
+              <a:rPr lang="en-US"/>
               <a:t>Click to edit Master title style</a:t>
             </a:r>
             <a:endParaRPr lang="en-US" dirty="0"/>
@@ -8876,7 +8984,7 @@
           </a:lstStyle>
           <a:p>
             <a:r>
-              <a:rPr lang="en-US" smtClean="0"/>
+              <a:rPr lang="en-US"/>
               <a:t>Click icon to add picture</a:t>
             </a:r>
             <a:endParaRPr lang="en-US" dirty="0"/>
@@ -8942,7 +9050,7 @@
           <a:p>
             <a:pPr lvl="0"/>
             <a:r>
-              <a:rPr lang="en-US" smtClean="0"/>
+              <a:rPr lang="en-US"/>
               <a:t>Click to edit Master text styles</a:t>
             </a:r>
           </a:p>
@@ -8965,7 +9073,7 @@
           <a:p>
             <a:fld id="{849DE176-146E-4F1E-BCCE-E46272DCA095}" type="datetimeFigureOut">
               <a:rPr lang="es-AR" smtClean="0"/>
-              <a:t>02/06/2022</a:t>
+              <a:t>4/8/2022</a:t>
             </a:fld>
             <a:endParaRPr lang="es-AR"/>
           </a:p>
@@ -9007,7 +9115,7 @@
           <a:p>
             <a:fld id="{CEFD1137-7F4D-46D2-9B0A-67C18959EDA4}" type="slidenum">
               <a:rPr lang="es-AR" smtClean="0"/>
-              <a:t>‹#›</a:t>
+              <a:t>‹Nº›</a:t>
             </a:fld>
             <a:endParaRPr lang="es-AR"/>
           </a:p>
@@ -9105,7 +9213,7 @@
           <a:noFill/>
           <a:extLst>
             <a:ext uri="{909E8E84-426E-40dd-AFC4-6F175D3DCCD1}">
-              <a14:hiddenFill xmlns="" xmlns:a14="http://schemas.microsoft.com/office/drawing/2010/main">
+              <a14:hiddenFill xmlns:a14="http://schemas.microsoft.com/office/drawing/2010/main" xmlns="">
                 <a:solidFill>
                   <a:srgbClr val="FFFFFF"/>
                 </a:solidFill>
@@ -9179,7 +9287,7 @@
               </a:ln>
               <a:extLst>
                 <a:ext uri="{91240B29-F687-4f45-9708-019B960494DF}">
-                  <a14:hiddenLine xmlns="" xmlns:a14="http://schemas.microsoft.com/office/drawing/2010/main" w="9525">
+                  <a14:hiddenLine xmlns:a14="http://schemas.microsoft.com/office/drawing/2010/main" xmlns="" w="9525">
                     <a:solidFill>
                       <a:srgbClr val="000000"/>
                     </a:solidFill>
@@ -9269,7 +9377,7 @@
               </a:ln>
               <a:extLst>
                 <a:ext uri="{91240B29-F687-4f45-9708-019B960494DF}">
-                  <a14:hiddenLine xmlns="" xmlns:a14="http://schemas.microsoft.com/office/drawing/2010/main" w="9525">
+                  <a14:hiddenLine xmlns:a14="http://schemas.microsoft.com/office/drawing/2010/main" xmlns="" w="9525">
                     <a:solidFill>
                       <a:srgbClr val="000000"/>
                     </a:solidFill>
@@ -9359,7 +9467,7 @@
               </a:ln>
               <a:extLst>
                 <a:ext uri="{91240B29-F687-4f45-9708-019B960494DF}">
-                  <a14:hiddenLine xmlns="" xmlns:a14="http://schemas.microsoft.com/office/drawing/2010/main" w="9525">
+                  <a14:hiddenLine xmlns:a14="http://schemas.microsoft.com/office/drawing/2010/main" xmlns="" w="9525">
                     <a:solidFill>
                       <a:srgbClr val="000000"/>
                     </a:solidFill>
@@ -9421,7 +9529,7 @@
               </a:ln>
               <a:extLst>
                 <a:ext uri="{91240B29-F687-4f45-9708-019B960494DF}">
-                  <a14:hiddenLine xmlns="" xmlns:a14="http://schemas.microsoft.com/office/drawing/2010/main" w="9525">
+                  <a14:hiddenLine xmlns:a14="http://schemas.microsoft.com/office/drawing/2010/main" xmlns="" w="9525">
                     <a:solidFill>
                       <a:srgbClr val="000000"/>
                     </a:solidFill>
@@ -9511,7 +9619,7 @@
               </a:ln>
               <a:extLst>
                 <a:ext uri="{91240B29-F687-4f45-9708-019B960494DF}">
-                  <a14:hiddenLine xmlns="" xmlns:a14="http://schemas.microsoft.com/office/drawing/2010/main" w="9525">
+                  <a14:hiddenLine xmlns:a14="http://schemas.microsoft.com/office/drawing/2010/main" xmlns="" w="9525">
                     <a:solidFill>
                       <a:srgbClr val="000000"/>
                     </a:solidFill>
@@ -9573,7 +9681,7 @@
               </a:ln>
               <a:extLst>
                 <a:ext uri="{91240B29-F687-4f45-9708-019B960494DF}">
-                  <a14:hiddenLine xmlns="" xmlns:a14="http://schemas.microsoft.com/office/drawing/2010/main" w="9525">
+                  <a14:hiddenLine xmlns:a14="http://schemas.microsoft.com/office/drawing/2010/main" xmlns="" w="9525">
                     <a:solidFill>
                       <a:srgbClr val="000000"/>
                     </a:solidFill>
@@ -9635,7 +9743,7 @@
               </a:ln>
               <a:extLst>
                 <a:ext uri="{91240B29-F687-4f45-9708-019B960494DF}">
-                  <a14:hiddenLine xmlns="" xmlns:a14="http://schemas.microsoft.com/office/drawing/2010/main" w="9525">
+                  <a14:hiddenLine xmlns:a14="http://schemas.microsoft.com/office/drawing/2010/main" xmlns="" w="9525">
                     <a:solidFill>
                       <a:srgbClr val="000000"/>
                     </a:solidFill>
@@ -9725,7 +9833,7 @@
               </a:ln>
               <a:extLst>
                 <a:ext uri="{91240B29-F687-4f45-9708-019B960494DF}">
-                  <a14:hiddenLine xmlns="" xmlns:a14="http://schemas.microsoft.com/office/drawing/2010/main" w="9525">
+                  <a14:hiddenLine xmlns:a14="http://schemas.microsoft.com/office/drawing/2010/main" xmlns="" w="9525">
                     <a:solidFill>
                       <a:srgbClr val="000000"/>
                     </a:solidFill>
@@ -9815,7 +9923,7 @@
               </a:ln>
               <a:extLst>
                 <a:ext uri="{91240B29-F687-4f45-9708-019B960494DF}">
-                  <a14:hiddenLine xmlns="" xmlns:a14="http://schemas.microsoft.com/office/drawing/2010/main" w="9525">
+                  <a14:hiddenLine xmlns:a14="http://schemas.microsoft.com/office/drawing/2010/main" xmlns="" w="9525">
                     <a:solidFill>
                       <a:srgbClr val="000000"/>
                     </a:solidFill>
@@ -9877,7 +9985,7 @@
               </a:ln>
               <a:extLst>
                 <a:ext uri="{91240B29-F687-4f45-9708-019B960494DF}">
-                  <a14:hiddenLine xmlns="" xmlns:a14="http://schemas.microsoft.com/office/drawing/2010/main" w="9525">
+                  <a14:hiddenLine xmlns:a14="http://schemas.microsoft.com/office/drawing/2010/main" xmlns="" w="9525">
                     <a:solidFill>
                       <a:srgbClr val="000000"/>
                     </a:solidFill>
@@ -9987,7 +10095,7 @@
               </a:ln>
               <a:extLst>
                 <a:ext uri="{91240B29-F687-4f45-9708-019B960494DF}">
-                  <a14:hiddenLine xmlns="" xmlns:a14="http://schemas.microsoft.com/office/drawing/2010/main" w="9525">
+                  <a14:hiddenLine xmlns:a14="http://schemas.microsoft.com/office/drawing/2010/main" xmlns="" w="9525">
                     <a:solidFill>
                       <a:srgbClr val="000000"/>
                     </a:solidFill>
@@ -10071,7 +10179,7 @@
               </a:ln>
               <a:extLst>
                 <a:ext uri="{91240B29-F687-4f45-9708-019B960494DF}">
-                  <a14:hiddenLine xmlns="" xmlns:a14="http://schemas.microsoft.com/office/drawing/2010/main" w="9525">
+                  <a14:hiddenLine xmlns:a14="http://schemas.microsoft.com/office/drawing/2010/main" xmlns="" w="9525">
                     <a:solidFill>
                       <a:srgbClr val="000000"/>
                     </a:solidFill>
@@ -10133,7 +10241,7 @@
               </a:ln>
               <a:extLst>
                 <a:ext uri="{91240B29-F687-4f45-9708-019B960494DF}">
-                  <a14:hiddenLine xmlns="" xmlns:a14="http://schemas.microsoft.com/office/drawing/2010/main" w="9525">
+                  <a14:hiddenLine xmlns:a14="http://schemas.microsoft.com/office/drawing/2010/main" xmlns="" w="9525">
                     <a:solidFill>
                       <a:srgbClr val="000000"/>
                     </a:solidFill>
@@ -10195,7 +10303,7 @@
               </a:ln>
               <a:extLst>
                 <a:ext uri="{91240B29-F687-4f45-9708-019B960494DF}">
-                  <a14:hiddenLine xmlns="" xmlns:a14="http://schemas.microsoft.com/office/drawing/2010/main" w="9525">
+                  <a14:hiddenLine xmlns:a14="http://schemas.microsoft.com/office/drawing/2010/main" xmlns="" w="9525">
                     <a:solidFill>
                       <a:srgbClr val="000000"/>
                     </a:solidFill>
@@ -10285,7 +10393,7 @@
               </a:ln>
               <a:extLst>
                 <a:ext uri="{91240B29-F687-4f45-9708-019B960494DF}">
-                  <a14:hiddenLine xmlns="" xmlns:a14="http://schemas.microsoft.com/office/drawing/2010/main" w="9525">
+                  <a14:hiddenLine xmlns:a14="http://schemas.microsoft.com/office/drawing/2010/main" xmlns="" w="9525">
                     <a:solidFill>
                       <a:srgbClr val="000000"/>
                     </a:solidFill>
@@ -10319,7 +10427,7 @@
               </a:ln>
               <a:extLst>
                 <a:ext uri="{91240B29-F687-4f45-9708-019B960494DF}">
-                  <a14:hiddenLine xmlns="" xmlns:a14="http://schemas.microsoft.com/office/drawing/2010/main" w="9525">
+                  <a14:hiddenLine xmlns:a14="http://schemas.microsoft.com/office/drawing/2010/main" xmlns="" w="9525">
                     <a:solidFill>
                       <a:srgbClr val="000000"/>
                     </a:solidFill>
@@ -10384,7 +10492,7 @@
               </a:ln>
               <a:extLst>
                 <a:ext uri="{91240B29-F687-4f45-9708-019B960494DF}">
-                  <a14:hiddenLine xmlns="" xmlns:a14="http://schemas.microsoft.com/office/drawing/2010/main" w="9525">
+                  <a14:hiddenLine xmlns:a14="http://schemas.microsoft.com/office/drawing/2010/main" xmlns="" w="9525">
                     <a:solidFill>
                       <a:srgbClr val="000000"/>
                     </a:solidFill>
@@ -10474,7 +10582,7 @@
               </a:ln>
               <a:extLst>
                 <a:ext uri="{91240B29-F687-4f45-9708-019B960494DF}">
-                  <a14:hiddenLine xmlns="" xmlns:a14="http://schemas.microsoft.com/office/drawing/2010/main" w="9525">
+                  <a14:hiddenLine xmlns:a14="http://schemas.microsoft.com/office/drawing/2010/main" xmlns="" w="9525">
                     <a:solidFill>
                       <a:srgbClr val="000000"/>
                     </a:solidFill>
@@ -10536,7 +10644,7 @@
               </a:ln>
               <a:extLst>
                 <a:ext uri="{91240B29-F687-4f45-9708-019B960494DF}">
-                  <a14:hiddenLine xmlns="" xmlns:a14="http://schemas.microsoft.com/office/drawing/2010/main" w="9525">
+                  <a14:hiddenLine xmlns:a14="http://schemas.microsoft.com/office/drawing/2010/main" xmlns="" w="9525">
                     <a:solidFill>
                       <a:srgbClr val="000000"/>
                     </a:solidFill>
@@ -10626,7 +10734,7 @@
               </a:ln>
               <a:extLst>
                 <a:ext uri="{91240B29-F687-4f45-9708-019B960494DF}">
-                  <a14:hiddenLine xmlns="" xmlns:a14="http://schemas.microsoft.com/office/drawing/2010/main" w="9525">
+                  <a14:hiddenLine xmlns:a14="http://schemas.microsoft.com/office/drawing/2010/main" xmlns="" w="9525">
                     <a:solidFill>
                       <a:srgbClr val="000000"/>
                     </a:solidFill>
@@ -10691,7 +10799,7 @@
               </a:ln>
               <a:extLst>
                 <a:ext uri="{91240B29-F687-4f45-9708-019B960494DF}">
-                  <a14:hiddenLine xmlns="" xmlns:a14="http://schemas.microsoft.com/office/drawing/2010/main" w="9525">
+                  <a14:hiddenLine xmlns:a14="http://schemas.microsoft.com/office/drawing/2010/main" xmlns="" w="9525">
                     <a:solidFill>
                       <a:srgbClr val="000000"/>
                     </a:solidFill>
@@ -10753,7 +10861,7 @@
               </a:ln>
               <a:extLst>
                 <a:ext uri="{91240B29-F687-4f45-9708-019B960494DF}">
-                  <a14:hiddenLine xmlns="" xmlns:a14="http://schemas.microsoft.com/office/drawing/2010/main" w="9525">
+                  <a14:hiddenLine xmlns:a14="http://schemas.microsoft.com/office/drawing/2010/main" xmlns="" w="9525">
                     <a:solidFill>
                       <a:srgbClr val="000000"/>
                     </a:solidFill>
@@ -10843,7 +10951,7 @@
               </a:ln>
               <a:extLst>
                 <a:ext uri="{91240B29-F687-4f45-9708-019B960494DF}">
-                  <a14:hiddenLine xmlns="" xmlns:a14="http://schemas.microsoft.com/office/drawing/2010/main" w="9525">
+                  <a14:hiddenLine xmlns:a14="http://schemas.microsoft.com/office/drawing/2010/main" xmlns="" w="9525">
                     <a:solidFill>
                       <a:srgbClr val="000000"/>
                     </a:solidFill>
@@ -10933,7 +11041,7 @@
               </a:ln>
               <a:extLst>
                 <a:ext uri="{91240B29-F687-4f45-9708-019B960494DF}">
-                  <a14:hiddenLine xmlns="" xmlns:a14="http://schemas.microsoft.com/office/drawing/2010/main" w="9525">
+                  <a14:hiddenLine xmlns:a14="http://schemas.microsoft.com/office/drawing/2010/main" xmlns="" w="9525">
                     <a:solidFill>
                       <a:srgbClr val="000000"/>
                     </a:solidFill>
@@ -10998,7 +11106,7 @@
               </a:ln>
               <a:extLst>
                 <a:ext uri="{91240B29-F687-4f45-9708-019B960494DF}">
-                  <a14:hiddenLine xmlns="" xmlns:a14="http://schemas.microsoft.com/office/drawing/2010/main" w="9525">
+                  <a14:hiddenLine xmlns:a14="http://schemas.microsoft.com/office/drawing/2010/main" xmlns="" w="9525">
                     <a:solidFill>
                       <a:srgbClr val="000000"/>
                     </a:solidFill>
@@ -11118,7 +11226,7 @@
               </a:ln>
               <a:extLst>
                 <a:ext uri="{91240B29-F687-4f45-9708-019B960494DF}">
-                  <a14:hiddenLine xmlns="" xmlns:a14="http://schemas.microsoft.com/office/drawing/2010/main" w="9525">
+                  <a14:hiddenLine xmlns:a14="http://schemas.microsoft.com/office/drawing/2010/main" xmlns="" w="9525">
                     <a:solidFill>
                       <a:srgbClr val="000000"/>
                     </a:solidFill>
@@ -11216,7 +11324,7 @@
               </a:ln>
               <a:extLst>
                 <a:ext uri="{91240B29-F687-4f45-9708-019B960494DF}">
-                  <a14:hiddenLine xmlns="" xmlns:a14="http://schemas.microsoft.com/office/drawing/2010/main" w="9525">
+                  <a14:hiddenLine xmlns:a14="http://schemas.microsoft.com/office/drawing/2010/main" xmlns="" w="9525">
                     <a:solidFill>
                       <a:srgbClr val="000000"/>
                     </a:solidFill>
@@ -11331,7 +11439,7 @@
               </a:ln>
               <a:extLst>
                 <a:ext uri="{91240B29-F687-4f45-9708-019B960494DF}">
-                  <a14:hiddenLine xmlns="" xmlns:a14="http://schemas.microsoft.com/office/drawing/2010/main" w="9525">
+                  <a14:hiddenLine xmlns:a14="http://schemas.microsoft.com/office/drawing/2010/main" xmlns="" w="9525">
                     <a:solidFill>
                       <a:srgbClr val="000000"/>
                     </a:solidFill>
@@ -11421,7 +11529,7 @@
               </a:ln>
               <a:extLst>
                 <a:ext uri="{91240B29-F687-4f45-9708-019B960494DF}">
-                  <a14:hiddenLine xmlns="" xmlns:a14="http://schemas.microsoft.com/office/drawing/2010/main" w="9525">
+                  <a14:hiddenLine xmlns:a14="http://schemas.microsoft.com/office/drawing/2010/main" xmlns="" w="9525">
                     <a:solidFill>
                       <a:srgbClr val="000000"/>
                     </a:solidFill>
@@ -11486,7 +11594,7 @@
               </a:ln>
               <a:extLst>
                 <a:ext uri="{91240B29-F687-4f45-9708-019B960494DF}">
-                  <a14:hiddenLine xmlns="" xmlns:a14="http://schemas.microsoft.com/office/drawing/2010/main" w="9525">
+                  <a14:hiddenLine xmlns:a14="http://schemas.microsoft.com/office/drawing/2010/main" xmlns="" w="9525">
                     <a:solidFill>
                       <a:srgbClr val="000000"/>
                     </a:solidFill>
@@ -11576,7 +11684,7 @@
               </a:ln>
               <a:extLst>
                 <a:ext uri="{91240B29-F687-4f45-9708-019B960494DF}">
-                  <a14:hiddenLine xmlns="" xmlns:a14="http://schemas.microsoft.com/office/drawing/2010/main" w="9525">
+                  <a14:hiddenLine xmlns:a14="http://schemas.microsoft.com/office/drawing/2010/main" xmlns="" w="9525">
                     <a:solidFill>
                       <a:srgbClr val="000000"/>
                     </a:solidFill>
@@ -11644,7 +11752,7 @@
               </a:ln>
               <a:extLst>
                 <a:ext uri="{91240B29-F687-4f45-9708-019B960494DF}">
-                  <a14:hiddenLine xmlns="" xmlns:a14="http://schemas.microsoft.com/office/drawing/2010/main" w="9525">
+                  <a14:hiddenLine xmlns:a14="http://schemas.microsoft.com/office/drawing/2010/main" xmlns="" w="9525">
                     <a:solidFill>
                       <a:srgbClr val="000000"/>
                     </a:solidFill>
@@ -11734,7 +11842,7 @@
               </a:ln>
               <a:extLst>
                 <a:ext uri="{91240B29-F687-4f45-9708-019B960494DF}">
-                  <a14:hiddenLine xmlns="" xmlns:a14="http://schemas.microsoft.com/office/drawing/2010/main" w="9525">
+                  <a14:hiddenLine xmlns:a14="http://schemas.microsoft.com/office/drawing/2010/main" xmlns="" w="9525">
                     <a:solidFill>
                       <a:srgbClr val="000000"/>
                     </a:solidFill>
@@ -11802,7 +11910,7 @@
               </a:ln>
               <a:extLst>
                 <a:ext uri="{91240B29-F687-4f45-9708-019B960494DF}">
-                  <a14:hiddenLine xmlns="" xmlns:a14="http://schemas.microsoft.com/office/drawing/2010/main" w="9525">
+                  <a14:hiddenLine xmlns:a14="http://schemas.microsoft.com/office/drawing/2010/main" xmlns="" w="9525">
                     <a:solidFill>
                       <a:srgbClr val="000000"/>
                     </a:solidFill>
@@ -11892,7 +12000,7 @@
               </a:ln>
               <a:extLst>
                 <a:ext uri="{91240B29-F687-4f45-9708-019B960494DF}">
-                  <a14:hiddenLine xmlns="" xmlns:a14="http://schemas.microsoft.com/office/drawing/2010/main" w="9525">
+                  <a14:hiddenLine xmlns:a14="http://schemas.microsoft.com/office/drawing/2010/main" xmlns="" w="9525">
                     <a:solidFill>
                       <a:srgbClr val="000000"/>
                     </a:solidFill>
@@ -11926,7 +12034,7 @@
               </a:ln>
               <a:extLst>
                 <a:ext uri="{91240B29-F687-4f45-9708-019B960494DF}">
-                  <a14:hiddenLine xmlns="" xmlns:a14="http://schemas.microsoft.com/office/drawing/2010/main" w="9525">
+                  <a14:hiddenLine xmlns:a14="http://schemas.microsoft.com/office/drawing/2010/main" xmlns="" w="9525">
                     <a:solidFill>
                       <a:srgbClr val="000000"/>
                     </a:solidFill>
@@ -11996,35 +12104,35 @@
           <a:p>
             <a:pPr lvl="0"/>
             <a:r>
-              <a:rPr lang="en-US" smtClean="0"/>
+              <a:rPr lang="en-US"/>
               <a:t>Click to edit Master text styles</a:t>
             </a:r>
           </a:p>
           <a:p>
             <a:pPr lvl="1"/>
             <a:r>
-              <a:rPr lang="en-US" smtClean="0"/>
+              <a:rPr lang="en-US"/>
               <a:t>Second level</a:t>
             </a:r>
           </a:p>
           <a:p>
             <a:pPr lvl="2"/>
             <a:r>
-              <a:rPr lang="en-US" smtClean="0"/>
+              <a:rPr lang="en-US"/>
               <a:t>Third level</a:t>
             </a:r>
           </a:p>
           <a:p>
             <a:pPr lvl="3"/>
             <a:r>
-              <a:rPr lang="en-US" smtClean="0"/>
+              <a:rPr lang="en-US"/>
               <a:t>Fourth level</a:t>
             </a:r>
           </a:p>
           <a:p>
             <a:pPr lvl="4"/>
             <a:r>
-              <a:rPr lang="en-US" smtClean="0"/>
+              <a:rPr lang="en-US"/>
               <a:t>Fifth level</a:t>
             </a:r>
             <a:endParaRPr lang="en-US" dirty="0"/>
@@ -12066,7 +12174,7 @@
           <a:p>
             <a:fld id="{849DE176-146E-4F1E-BCCE-E46272DCA095}" type="datetimeFigureOut">
               <a:rPr lang="es-AR" smtClean="0"/>
-              <a:t>02/06/2022</a:t>
+              <a:t>4/8/2022</a:t>
             </a:fld>
             <a:endParaRPr lang="es-AR"/>
           </a:p>
@@ -12144,7 +12252,7 @@
           <a:p>
             <a:fld id="{CEFD1137-7F4D-46D2-9B0A-67C18959EDA4}" type="slidenum">
               <a:rPr lang="es-AR" smtClean="0"/>
-              <a:t>‹#›</a:t>
+              <a:t>‹Nº›</a:t>
             </a:fld>
             <a:endParaRPr lang="es-AR"/>
           </a:p>
@@ -12510,7 +12618,7 @@
           <a:p>
             <a:pPr algn="ctr"/>
             <a:r>
-              <a:rPr lang="es-AR" sz="2800" dirty="0" smtClean="0">
+              <a:rPr lang="es-AR" sz="2800" dirty="0">
                 <a:solidFill>
                   <a:schemeClr val="bg1"/>
                 </a:solidFill>
@@ -12520,7 +12628,7 @@
           </a:p>
           <a:p>
             <a:pPr algn="ctr"/>
-            <a:endParaRPr lang="es-AR" sz="2800" dirty="0" smtClean="0">
+            <a:endParaRPr lang="es-AR" sz="2800" dirty="0">
               <a:solidFill>
                 <a:schemeClr val="bg1"/>
               </a:solidFill>
@@ -12529,7 +12637,7 @@
           <a:p>
             <a:pPr algn="ctr"/>
             <a:r>
-              <a:rPr lang="es-AR" sz="2800" dirty="0" smtClean="0">
+              <a:rPr lang="es-AR" sz="2800" dirty="0">
                 <a:solidFill>
                   <a:schemeClr val="bg1"/>
                 </a:solidFill>
@@ -12539,7 +12647,7 @@
           </a:p>
           <a:p>
             <a:pPr algn="ctr"/>
-            <a:endParaRPr lang="es-AR" sz="2800" dirty="0" smtClean="0">
+            <a:endParaRPr lang="es-AR" sz="2800" dirty="0">
               <a:solidFill>
                 <a:schemeClr val="bg1"/>
               </a:solidFill>
@@ -12548,7 +12656,7 @@
           <a:p>
             <a:pPr algn="ctr"/>
             <a:r>
-              <a:rPr lang="es-AR" sz="2800" dirty="0" smtClean="0">
+              <a:rPr lang="es-AR" sz="2800" dirty="0">
                 <a:solidFill>
                   <a:schemeClr val="bg1"/>
                 </a:solidFill>
@@ -12559,7 +12667,7 @@
           <a:p>
             <a:pPr algn="ctr"/>
             <a:r>
-              <a:rPr lang="es-AR" sz="2800" dirty="0" smtClean="0">
+              <a:rPr lang="es-AR" sz="2800" dirty="0">
                 <a:solidFill>
                   <a:schemeClr val="bg1"/>
                 </a:solidFill>
@@ -12765,18 +12873,13 @@
           <a:p>
             <a:pPr algn="l"/>
             <a:r>
-              <a:rPr lang="es-AR" dirty="0" smtClean="0">
+              <a:rPr lang="es-AR" dirty="0">
                 <a:solidFill>
                   <a:schemeClr val="bg1"/>
                 </a:solidFill>
               </a:rPr>
               <a:t>Docente: Dr. Ing. Marcos Uriel Maillot</a:t>
             </a:r>
-            <a:endParaRPr lang="es-AR" dirty="0">
-              <a:solidFill>
-                <a:schemeClr val="bg1"/>
-              </a:solidFill>
-            </a:endParaRPr>
           </a:p>
         </p:txBody>
       </p:sp>
@@ -12968,18 +13071,13 @@
           <a:p>
             <a:pPr algn="l"/>
             <a:r>
-              <a:rPr lang="es-AR" dirty="0" smtClean="0">
+              <a:rPr lang="es-AR" dirty="0">
                 <a:solidFill>
                   <a:schemeClr val="bg1"/>
                 </a:solidFill>
               </a:rPr>
               <a:t>Junio 2022</a:t>
             </a:r>
-            <a:endParaRPr lang="es-AR" dirty="0">
-              <a:solidFill>
-                <a:schemeClr val="bg1"/>
-              </a:solidFill>
-            </a:endParaRPr>
           </a:p>
         </p:txBody>
       </p:sp>
@@ -13176,31 +13274,7 @@
                   <a:schemeClr val="bg1"/>
                 </a:solidFill>
               </a:rPr>
-              <a:t>Carrera de Especialización en Inteligencia </a:t>
-            </a:r>
-            <a:r>
-              <a:rPr lang="es-AR" dirty="0" smtClean="0">
-                <a:solidFill>
-                  <a:schemeClr val="bg1"/>
-                </a:solidFill>
-              </a:rPr>
-              <a:t>Artificial </a:t>
-            </a:r>
-            <a:r>
-              <a:rPr lang="es-AR" dirty="0" smtClean="0">
-                <a:solidFill>
-                  <a:schemeClr val="bg1"/>
-                </a:solidFill>
-              </a:rPr>
-              <a:t>– 4ta </a:t>
-            </a:r>
-            <a:r>
-              <a:rPr lang="es-AR" dirty="0">
-                <a:solidFill>
-                  <a:schemeClr val="bg1"/>
-                </a:solidFill>
-              </a:rPr>
-              <a:t>cohorte 2021</a:t>
+              <a:t>Carrera de Especialización en Inteligencia Artificial – 4ta cohorte 2021</a:t>
             </a:r>
           </a:p>
         </p:txBody>
@@ -13215,13 +13289,6 @@
   <p:clrMapOvr>
     <a:masterClrMapping/>
   </p:clrMapOvr>
-  <p:timing>
-    <p:tnLst>
-      <p:par>
-        <p:cTn id="1" dur="indefinite" restart="never" nodeType="tmRoot"/>
-      </p:par>
-    </p:tnLst>
-  </p:timing>
 </p:sld>
 </file>
 
@@ -13441,7 +13508,7 @@
               <a:buNone/>
             </a:pPr>
             <a:r>
-              <a:rPr lang="es-AR" sz="3200" dirty="0" err="1" smtClean="0">
+              <a:rPr lang="es-AR" sz="3200" dirty="0" err="1">
                 <a:solidFill>
                   <a:schemeClr val="bg1"/>
                 </a:solidFill>
@@ -13449,18 +13516,13 @@
               <a:t>Recurrent</a:t>
             </a:r>
             <a:r>
-              <a:rPr lang="es-AR" sz="3200" dirty="0" smtClean="0">
+              <a:rPr lang="es-AR" sz="3200" dirty="0">
                 <a:solidFill>
                   <a:schemeClr val="bg1"/>
                 </a:solidFill>
               </a:rPr>
               <a:t> Neural Network (RNN) - Dimensiones</a:t>
             </a:r>
-            <a:endParaRPr lang="es-AR" sz="3200" dirty="0">
-              <a:solidFill>
-                <a:schemeClr val="bg1"/>
-              </a:solidFill>
-            </a:endParaRPr>
           </a:p>
         </p:txBody>
       </p:sp>
@@ -13651,7 +13713,7 @@
           </a:lstStyle>
           <a:p>
             <a:r>
-              <a:rPr lang="es-AR" sz="2000" dirty="0" smtClean="0">
+              <a:rPr lang="es-AR" sz="2000" dirty="0">
                 <a:solidFill>
                   <a:schemeClr val="bg1"/>
                 </a:solidFill>
@@ -13659,7 +13721,7 @@
               <a:t>Input </a:t>
             </a:r>
             <a:r>
-              <a:rPr lang="es-AR" sz="2000" dirty="0" err="1" smtClean="0">
+              <a:rPr lang="es-AR" sz="2000" dirty="0" err="1">
                 <a:solidFill>
                   <a:schemeClr val="bg1"/>
                 </a:solidFill>
@@ -13723,10 +13785,34 @@
                 <a:tableStyleId>{073A0DAA-6AF3-43AB-8588-CEC1D06C72B9}</a:tableStyleId>
               </a:tblPr>
               <a:tblGrid>
-                <a:gridCol w="1625600"/>
-                <a:gridCol w="2099256"/>
-                <a:gridCol w="1609859"/>
-                <a:gridCol w="1171978"/>
+                <a:gridCol w="1625600">
+                  <a:extLst>
+                    <a:ext uri="{9D8B030D-6E8A-4147-A177-3AD203B41FA5}">
+                      <a16:colId xmlns:a16="http://schemas.microsoft.com/office/drawing/2014/main" val="20000"/>
+                    </a:ext>
+                  </a:extLst>
+                </a:gridCol>
+                <a:gridCol w="2099256">
+                  <a:extLst>
+                    <a:ext uri="{9D8B030D-6E8A-4147-A177-3AD203B41FA5}">
+                      <a16:colId xmlns:a16="http://schemas.microsoft.com/office/drawing/2014/main" val="20001"/>
+                    </a:ext>
+                  </a:extLst>
+                </a:gridCol>
+                <a:gridCol w="1609859">
+                  <a:extLst>
+                    <a:ext uri="{9D8B030D-6E8A-4147-A177-3AD203B41FA5}">
+                      <a16:colId xmlns:a16="http://schemas.microsoft.com/office/drawing/2014/main" val="20002"/>
+                    </a:ext>
+                  </a:extLst>
+                </a:gridCol>
+                <a:gridCol w="1171978">
+                  <a:extLst>
+                    <a:ext uri="{9D8B030D-6E8A-4147-A177-3AD203B41FA5}">
+                      <a16:colId xmlns:a16="http://schemas.microsoft.com/office/drawing/2014/main" val="20003"/>
+                    </a:ext>
+                  </a:extLst>
+                </a:gridCol>
               </a:tblGrid>
               <a:tr h="370840">
                 <a:tc>
@@ -13735,10 +13821,9 @@
                     <a:lstStyle/>
                     <a:p>
                       <a:r>
-                        <a:rPr lang="es-AR" dirty="0" smtClean="0"/>
+                        <a:rPr lang="es-AR" dirty="0"/>
                         <a:t>Variable</a:t>
                       </a:r>
-                      <a:endParaRPr lang="es-AR" dirty="0"/>
                     </a:p>
                   </a:txBody>
                   <a:tcPr/>
@@ -13749,10 +13834,9 @@
                     <a:lstStyle/>
                     <a:p>
                       <a:r>
-                        <a:rPr lang="es-AR" dirty="0" smtClean="0"/>
+                        <a:rPr lang="es-AR" dirty="0"/>
                         <a:t>Tamaño</a:t>
                       </a:r>
-                      <a:endParaRPr lang="es-AR" dirty="0"/>
                     </a:p>
                   </a:txBody>
                   <a:tcPr/>
@@ -13763,10 +13847,9 @@
                     <a:lstStyle/>
                     <a:p>
                       <a:r>
-                        <a:rPr lang="es-AR" dirty="0" smtClean="0"/>
+                        <a:rPr lang="es-AR" dirty="0"/>
                         <a:t>Parámetro</a:t>
                       </a:r>
-                      <a:endParaRPr lang="es-AR" dirty="0"/>
                     </a:p>
                   </a:txBody>
                   <a:tcPr/>
@@ -13777,14 +13860,18 @@
                     <a:lstStyle/>
                     <a:p>
                       <a:r>
-                        <a:rPr lang="es-AR" dirty="0" smtClean="0"/>
+                        <a:rPr lang="es-AR" dirty="0"/>
                         <a:t>Tamaño</a:t>
                       </a:r>
-                      <a:endParaRPr lang="es-AR" dirty="0"/>
                     </a:p>
                   </a:txBody>
                   <a:tcPr/>
                 </a:tc>
+                <a:extLst>
+                  <a:ext uri="{0D108BD9-81ED-4DB2-BD59-A6C34878D82A}">
+                    <a16:rowId xmlns:a16="http://schemas.microsoft.com/office/drawing/2014/main" val="10000"/>
+                  </a:ext>
+                </a:extLst>
               </a:tr>
               <a:tr h="370840">
                 <a:tc>
@@ -13793,10 +13880,9 @@
                     <a:lstStyle/>
                     <a:p>
                       <a:r>
-                        <a:rPr lang="es-AR" dirty="0" smtClean="0"/>
+                        <a:rPr lang="es-AR" dirty="0"/>
                         <a:t>x</a:t>
                       </a:r>
-                      <a:endParaRPr lang="es-AR" dirty="0"/>
                     </a:p>
                   </a:txBody>
                   <a:tcPr/>
@@ -13817,7 +13903,7 @@
                     <a:lstStyle/>
                     <a:p>
                       <a:r>
-                        <a:rPr lang="es-AR" dirty="0" err="1" smtClean="0"/>
+                        <a:rPr lang="es-AR" dirty="0" err="1"/>
                         <a:t>Wih</a:t>
                       </a:r>
                       <a:endParaRPr lang="es-AR" dirty="0"/>
@@ -13835,6 +13921,11 @@
                   </a:txBody>
                   <a:tcPr/>
                 </a:tc>
+                <a:extLst>
+                  <a:ext uri="{0D108BD9-81ED-4DB2-BD59-A6C34878D82A}">
+                    <a16:rowId xmlns:a16="http://schemas.microsoft.com/office/drawing/2014/main" val="10001"/>
+                  </a:ext>
+                </a:extLst>
               </a:tr>
               <a:tr h="370840">
                 <a:tc>
@@ -13843,10 +13934,9 @@
                     <a:lstStyle/>
                     <a:p>
                       <a:r>
-                        <a:rPr lang="es-AR" dirty="0" smtClean="0"/>
+                        <a:rPr lang="es-AR" dirty="0"/>
                         <a:t>h</a:t>
                       </a:r>
-                      <a:endParaRPr lang="es-AR" dirty="0"/>
                     </a:p>
                   </a:txBody>
                   <a:tcPr/>
@@ -13867,7 +13957,7 @@
                     <a:lstStyle/>
                     <a:p>
                       <a:r>
-                        <a:rPr lang="es-AR" dirty="0" err="1" smtClean="0"/>
+                        <a:rPr lang="es-AR" dirty="0" err="1"/>
                         <a:t>Bih</a:t>
                       </a:r>
                       <a:endParaRPr lang="es-AR" dirty="0"/>
@@ -13885,6 +13975,11 @@
                   </a:txBody>
                   <a:tcPr/>
                 </a:tc>
+                <a:extLst>
+                  <a:ext uri="{0D108BD9-81ED-4DB2-BD59-A6C34878D82A}">
+                    <a16:rowId xmlns:a16="http://schemas.microsoft.com/office/drawing/2014/main" val="10002"/>
+                  </a:ext>
+                </a:extLst>
               </a:tr>
               <a:tr h="370840">
                 <a:tc>
@@ -13913,7 +14008,7 @@
                     <a:lstStyle/>
                     <a:p>
                       <a:r>
-                        <a:rPr lang="es-AR" dirty="0" err="1" smtClean="0"/>
+                        <a:rPr lang="es-AR" dirty="0" err="1"/>
                         <a:t>Whh</a:t>
                       </a:r>
                       <a:endParaRPr lang="es-AR" dirty="0"/>
@@ -13931,6 +14026,11 @@
                   </a:txBody>
                   <a:tcPr/>
                 </a:tc>
+                <a:extLst>
+                  <a:ext uri="{0D108BD9-81ED-4DB2-BD59-A6C34878D82A}">
+                    <a16:rowId xmlns:a16="http://schemas.microsoft.com/office/drawing/2014/main" val="10003"/>
+                  </a:ext>
+                </a:extLst>
               </a:tr>
               <a:tr h="370840">
                 <a:tc>
@@ -13959,7 +14059,7 @@
                     <a:lstStyle/>
                     <a:p>
                       <a:r>
-                        <a:rPr lang="es-AR" dirty="0" err="1" smtClean="0"/>
+                        <a:rPr lang="es-AR" dirty="0" err="1"/>
                         <a:t>bhh</a:t>
                       </a:r>
                       <a:endParaRPr lang="es-AR" dirty="0"/>
@@ -13994,6 +14094,11 @@
                   </a:txBody>
                   <a:tcPr/>
                 </a:tc>
+                <a:extLst>
+                  <a:ext uri="{0D108BD9-81ED-4DB2-BD59-A6C34878D82A}">
+                    <a16:rowId xmlns:a16="http://schemas.microsoft.com/office/drawing/2014/main" val="10004"/>
+                  </a:ext>
+                </a:extLst>
               </a:tr>
               <a:tr h="370840">
                 <a:tc>
@@ -14053,6 +14158,11 @@
                   </a:txBody>
                   <a:tcPr/>
                 </a:tc>
+                <a:extLst>
+                  <a:ext uri="{0D108BD9-81ED-4DB2-BD59-A6C34878D82A}">
+                    <a16:rowId xmlns:a16="http://schemas.microsoft.com/office/drawing/2014/main" val="10005"/>
+                  </a:ext>
+                </a:extLst>
               </a:tr>
               <a:tr h="370840">
                 <a:tc>
@@ -14095,6 +14205,11 @@
                   </a:txBody>
                   <a:tcPr/>
                 </a:tc>
+                <a:extLst>
+                  <a:ext uri="{0D108BD9-81ED-4DB2-BD59-A6C34878D82A}">
+                    <a16:rowId xmlns:a16="http://schemas.microsoft.com/office/drawing/2014/main" val="10006"/>
+                  </a:ext>
+                </a:extLst>
               </a:tr>
             </a:tbl>
           </a:graphicData>
@@ -14134,13 +14249,6 @@
   <p:clrMapOvr>
     <a:masterClrMapping/>
   </p:clrMapOvr>
-  <p:timing>
-    <p:tnLst>
-      <p:par>
-        <p:cTn id="1" dur="indefinite" restart="never" nodeType="tmRoot"/>
-      </p:par>
-    </p:tnLst>
-  </p:timing>
 </p:sld>
 </file>
 
@@ -14360,7 +14468,7 @@
               <a:buNone/>
             </a:pPr>
             <a:r>
-              <a:rPr lang="es-AR" sz="3200" dirty="0" err="1" smtClean="0">
+              <a:rPr lang="es-AR" sz="3200" dirty="0" err="1">
                 <a:solidFill>
                   <a:schemeClr val="bg1"/>
                 </a:solidFill>
@@ -14368,18 +14476,13 @@
               <a:t>Recurrent</a:t>
             </a:r>
             <a:r>
-              <a:rPr lang="es-AR" sz="3200" dirty="0" smtClean="0">
+              <a:rPr lang="es-AR" sz="3200" dirty="0">
                 <a:solidFill>
                   <a:schemeClr val="bg1"/>
                 </a:solidFill>
               </a:rPr>
               <a:t> Neural Network (RNN) - Dimensiones</a:t>
             </a:r>
-            <a:endParaRPr lang="es-AR" sz="3200" dirty="0">
-              <a:solidFill>
-                <a:schemeClr val="bg1"/>
-              </a:solidFill>
-            </a:endParaRPr>
           </a:p>
         </p:txBody>
       </p:sp>
@@ -14570,7 +14673,7 @@
           </a:lstStyle>
           <a:p>
             <a:r>
-              <a:rPr lang="es-AR" sz="2000" dirty="0" smtClean="0">
+              <a:rPr lang="es-AR" sz="2000" dirty="0">
                 <a:solidFill>
                   <a:schemeClr val="bg1"/>
                 </a:solidFill>
@@ -14578,7 +14681,7 @@
               <a:t>2 </a:t>
             </a:r>
             <a:r>
-              <a:rPr lang="es-AR" sz="2000" dirty="0" err="1" smtClean="0">
+              <a:rPr lang="es-AR" sz="2000" dirty="0" err="1">
                 <a:solidFill>
                   <a:schemeClr val="bg1"/>
                 </a:solidFill>
@@ -14642,10 +14745,34 @@
                 <a:tableStyleId>{073A0DAA-6AF3-43AB-8588-CEC1D06C72B9}</a:tableStyleId>
               </a:tblPr>
               <a:tblGrid>
-                <a:gridCol w="1625600"/>
-                <a:gridCol w="2099256"/>
-                <a:gridCol w="1609859"/>
-                <a:gridCol w="1171978"/>
+                <a:gridCol w="1625600">
+                  <a:extLst>
+                    <a:ext uri="{9D8B030D-6E8A-4147-A177-3AD203B41FA5}">
+                      <a16:colId xmlns:a16="http://schemas.microsoft.com/office/drawing/2014/main" val="20000"/>
+                    </a:ext>
+                  </a:extLst>
+                </a:gridCol>
+                <a:gridCol w="2099256">
+                  <a:extLst>
+                    <a:ext uri="{9D8B030D-6E8A-4147-A177-3AD203B41FA5}">
+                      <a16:colId xmlns:a16="http://schemas.microsoft.com/office/drawing/2014/main" val="20001"/>
+                    </a:ext>
+                  </a:extLst>
+                </a:gridCol>
+                <a:gridCol w="1609859">
+                  <a:extLst>
+                    <a:ext uri="{9D8B030D-6E8A-4147-A177-3AD203B41FA5}">
+                      <a16:colId xmlns:a16="http://schemas.microsoft.com/office/drawing/2014/main" val="20002"/>
+                    </a:ext>
+                  </a:extLst>
+                </a:gridCol>
+                <a:gridCol w="1171978">
+                  <a:extLst>
+                    <a:ext uri="{9D8B030D-6E8A-4147-A177-3AD203B41FA5}">
+                      <a16:colId xmlns:a16="http://schemas.microsoft.com/office/drawing/2014/main" val="20003"/>
+                    </a:ext>
+                  </a:extLst>
+                </a:gridCol>
               </a:tblGrid>
               <a:tr h="370840">
                 <a:tc>
@@ -14654,10 +14781,9 @@
                     <a:lstStyle/>
                     <a:p>
                       <a:r>
-                        <a:rPr lang="es-AR" dirty="0" smtClean="0"/>
+                        <a:rPr lang="es-AR" dirty="0"/>
                         <a:t>Variable</a:t>
                       </a:r>
-                      <a:endParaRPr lang="es-AR" dirty="0"/>
                     </a:p>
                   </a:txBody>
                   <a:tcPr/>
@@ -14668,10 +14794,9 @@
                     <a:lstStyle/>
                     <a:p>
                       <a:r>
-                        <a:rPr lang="es-AR" dirty="0" smtClean="0"/>
+                        <a:rPr lang="es-AR" dirty="0"/>
                         <a:t>Tamaño</a:t>
                       </a:r>
-                      <a:endParaRPr lang="es-AR" dirty="0"/>
                     </a:p>
                   </a:txBody>
                   <a:tcPr/>
@@ -14682,10 +14807,9 @@
                     <a:lstStyle/>
                     <a:p>
                       <a:r>
-                        <a:rPr lang="es-AR" dirty="0" smtClean="0"/>
+                        <a:rPr lang="es-AR" dirty="0"/>
                         <a:t>Parámetro</a:t>
                       </a:r>
-                      <a:endParaRPr lang="es-AR" dirty="0"/>
                     </a:p>
                   </a:txBody>
                   <a:tcPr/>
@@ -14696,14 +14820,18 @@
                     <a:lstStyle/>
                     <a:p>
                       <a:r>
-                        <a:rPr lang="es-AR" dirty="0" smtClean="0"/>
+                        <a:rPr lang="es-AR" dirty="0"/>
                         <a:t>Tamaño</a:t>
                       </a:r>
-                      <a:endParaRPr lang="es-AR" dirty="0"/>
                     </a:p>
                   </a:txBody>
                   <a:tcPr/>
                 </a:tc>
+                <a:extLst>
+                  <a:ext uri="{0D108BD9-81ED-4DB2-BD59-A6C34878D82A}">
+                    <a16:rowId xmlns:a16="http://schemas.microsoft.com/office/drawing/2014/main" val="10000"/>
+                  </a:ext>
+                </a:extLst>
               </a:tr>
               <a:tr h="370840">
                 <a:tc>
@@ -14712,10 +14840,9 @@
                     <a:lstStyle/>
                     <a:p>
                       <a:r>
-                        <a:rPr lang="es-AR" dirty="0" smtClean="0"/>
+                        <a:rPr lang="es-AR" dirty="0"/>
                         <a:t>x</a:t>
                       </a:r>
-                      <a:endParaRPr lang="es-AR" dirty="0"/>
                     </a:p>
                   </a:txBody>
                   <a:tcPr/>
@@ -14736,7 +14863,7 @@
                     <a:lstStyle/>
                     <a:p>
                       <a:r>
-                        <a:rPr lang="es-AR" dirty="0" err="1" smtClean="0"/>
+                        <a:rPr lang="es-AR" dirty="0" err="1"/>
                         <a:t>Wih</a:t>
                       </a:r>
                       <a:endParaRPr lang="es-AR" dirty="0"/>
@@ -14754,6 +14881,11 @@
                   </a:txBody>
                   <a:tcPr/>
                 </a:tc>
+                <a:extLst>
+                  <a:ext uri="{0D108BD9-81ED-4DB2-BD59-A6C34878D82A}">
+                    <a16:rowId xmlns:a16="http://schemas.microsoft.com/office/drawing/2014/main" val="10001"/>
+                  </a:ext>
+                </a:extLst>
               </a:tr>
               <a:tr h="370840">
                 <a:tc>
@@ -14762,10 +14894,9 @@
                     <a:lstStyle/>
                     <a:p>
                       <a:r>
-                        <a:rPr lang="es-AR" dirty="0" smtClean="0"/>
+                        <a:rPr lang="es-AR" dirty="0"/>
                         <a:t>h</a:t>
                       </a:r>
-                      <a:endParaRPr lang="es-AR" dirty="0"/>
                     </a:p>
                   </a:txBody>
                   <a:tcPr/>
@@ -14786,7 +14917,7 @@
                     <a:lstStyle/>
                     <a:p>
                       <a:r>
-                        <a:rPr lang="es-AR" dirty="0" err="1" smtClean="0"/>
+                        <a:rPr lang="es-AR" dirty="0" err="1"/>
                         <a:t>Bih</a:t>
                       </a:r>
                       <a:endParaRPr lang="es-AR" dirty="0"/>
@@ -14804,6 +14935,11 @@
                   </a:txBody>
                   <a:tcPr/>
                 </a:tc>
+                <a:extLst>
+                  <a:ext uri="{0D108BD9-81ED-4DB2-BD59-A6C34878D82A}">
+                    <a16:rowId xmlns:a16="http://schemas.microsoft.com/office/drawing/2014/main" val="10002"/>
+                  </a:ext>
+                </a:extLst>
               </a:tr>
               <a:tr h="370840">
                 <a:tc>
@@ -14832,7 +14968,7 @@
                     <a:lstStyle/>
                     <a:p>
                       <a:r>
-                        <a:rPr lang="es-AR" dirty="0" err="1" smtClean="0"/>
+                        <a:rPr lang="es-AR" dirty="0" err="1"/>
                         <a:t>Whh</a:t>
                       </a:r>
                       <a:endParaRPr lang="es-AR" dirty="0"/>
@@ -14850,6 +14986,11 @@
                   </a:txBody>
                   <a:tcPr/>
                 </a:tc>
+                <a:extLst>
+                  <a:ext uri="{0D108BD9-81ED-4DB2-BD59-A6C34878D82A}">
+                    <a16:rowId xmlns:a16="http://schemas.microsoft.com/office/drawing/2014/main" val="10003"/>
+                  </a:ext>
+                </a:extLst>
               </a:tr>
               <a:tr h="370840">
                 <a:tc>
@@ -14878,7 +15019,7 @@
                     <a:lstStyle/>
                     <a:p>
                       <a:r>
-                        <a:rPr lang="es-AR" dirty="0" err="1" smtClean="0"/>
+                        <a:rPr lang="es-AR" dirty="0" err="1"/>
                         <a:t>bhh</a:t>
                       </a:r>
                       <a:endParaRPr lang="es-AR" dirty="0"/>
@@ -14913,6 +15054,11 @@
                   </a:txBody>
                   <a:tcPr/>
                 </a:tc>
+                <a:extLst>
+                  <a:ext uri="{0D108BD9-81ED-4DB2-BD59-A6C34878D82A}">
+                    <a16:rowId xmlns:a16="http://schemas.microsoft.com/office/drawing/2014/main" val="10004"/>
+                  </a:ext>
+                </a:extLst>
               </a:tr>
               <a:tr h="370840">
                 <a:tc>
@@ -14972,6 +15118,11 @@
                   </a:txBody>
                   <a:tcPr/>
                 </a:tc>
+                <a:extLst>
+                  <a:ext uri="{0D108BD9-81ED-4DB2-BD59-A6C34878D82A}">
+                    <a16:rowId xmlns:a16="http://schemas.microsoft.com/office/drawing/2014/main" val="10005"/>
+                  </a:ext>
+                </a:extLst>
               </a:tr>
               <a:tr h="370840">
                 <a:tc>
@@ -15014,6 +15165,11 @@
                   </a:txBody>
                   <a:tcPr/>
                 </a:tc>
+                <a:extLst>
+                  <a:ext uri="{0D108BD9-81ED-4DB2-BD59-A6C34878D82A}">
+                    <a16:rowId xmlns:a16="http://schemas.microsoft.com/office/drawing/2014/main" val="10006"/>
+                  </a:ext>
+                </a:extLst>
               </a:tr>
             </a:tbl>
           </a:graphicData>
@@ -15053,13 +15209,6 @@
   <p:clrMapOvr>
     <a:masterClrMapping/>
   </p:clrMapOvr>
-  <p:timing>
-    <p:tnLst>
-      <p:par>
-        <p:cTn id="1" dur="indefinite" restart="never" nodeType="tmRoot"/>
-      </p:par>
-    </p:tnLst>
-  </p:timing>
 </p:sld>
 </file>
 
@@ -15279,7 +15428,7 @@
               <a:buNone/>
             </a:pPr>
             <a:r>
-              <a:rPr lang="es-AR" sz="3200" dirty="0" err="1" smtClean="0">
+              <a:rPr lang="es-AR" sz="3200" dirty="0" err="1">
                 <a:solidFill>
                   <a:schemeClr val="bg1"/>
                 </a:solidFill>
@@ -15287,18 +15436,13 @@
               <a:t>Recurrent</a:t>
             </a:r>
             <a:r>
-              <a:rPr lang="es-AR" sz="3200" dirty="0" smtClean="0">
+              <a:rPr lang="es-AR" sz="3200" dirty="0">
                 <a:solidFill>
                   <a:schemeClr val="bg1"/>
                 </a:solidFill>
               </a:rPr>
               <a:t> Neural Network (RNN) - Dimensiones</a:t>
             </a:r>
-            <a:endParaRPr lang="es-AR" sz="3200" dirty="0">
-              <a:solidFill>
-                <a:schemeClr val="bg1"/>
-              </a:solidFill>
-            </a:endParaRPr>
           </a:p>
         </p:txBody>
       </p:sp>
@@ -15312,7 +15456,7 @@
         </p:nvSpPr>
         <p:spPr>
           <a:xfrm>
-            <a:off x="3575412" y="1264934"/>
+            <a:off x="3575412" y="1202809"/>
             <a:ext cx="2359038" cy="362372"/>
           </a:xfrm>
           <a:prstGeom prst="rect">
@@ -15489,7 +15633,7 @@
           </a:lstStyle>
           <a:p>
             <a:r>
-              <a:rPr lang="es-AR" sz="2000" dirty="0" smtClean="0">
+              <a:rPr lang="es-AR" sz="2000" dirty="0">
                 <a:solidFill>
                   <a:schemeClr val="bg1"/>
                 </a:solidFill>
@@ -15497,7 +15641,7 @@
               <a:t>Input </a:t>
             </a:r>
             <a:r>
-              <a:rPr lang="es-AR" sz="2000" dirty="0" err="1" smtClean="0">
+              <a:rPr lang="es-AR" sz="2000" dirty="0" err="1">
                 <a:solidFill>
                   <a:schemeClr val="bg1"/>
                 </a:solidFill>
@@ -15505,7 +15649,7 @@
               <a:t>size</a:t>
             </a:r>
             <a:r>
-              <a:rPr lang="es-AR" sz="2000" dirty="0" smtClean="0">
+              <a:rPr lang="es-AR" sz="2000" dirty="0">
                 <a:solidFill>
                   <a:schemeClr val="bg1"/>
                 </a:solidFill>
@@ -15515,7 +15659,7 @@
           </a:p>
           <a:p>
             <a:r>
-              <a:rPr lang="es-AR" sz="2000" dirty="0" err="1" smtClean="0">
+              <a:rPr lang="es-AR" sz="2000" dirty="0" err="1">
                 <a:solidFill>
                   <a:schemeClr val="bg1"/>
                 </a:solidFill>
@@ -15523,7 +15667,7 @@
               <a:t>Batch</a:t>
             </a:r>
             <a:r>
-              <a:rPr lang="es-AR" sz="2000" dirty="0" smtClean="0">
+              <a:rPr lang="es-AR" sz="2000" dirty="0">
                 <a:solidFill>
                   <a:schemeClr val="bg1"/>
                 </a:solidFill>
@@ -15531,7 +15675,7 @@
               <a:t> </a:t>
             </a:r>
             <a:r>
-              <a:rPr lang="es-AR" sz="2000" dirty="0" err="1" smtClean="0">
+              <a:rPr lang="es-AR" sz="2000" dirty="0" err="1">
                 <a:solidFill>
                   <a:schemeClr val="bg1"/>
                 </a:solidFill>
@@ -15539,7 +15683,7 @@
               <a:t>size</a:t>
             </a:r>
             <a:r>
-              <a:rPr lang="es-AR" sz="2000" dirty="0" smtClean="0">
+              <a:rPr lang="es-AR" sz="2000" dirty="0">
                 <a:solidFill>
                   <a:schemeClr val="bg1"/>
                 </a:solidFill>
@@ -15549,7 +15693,7 @@
           </a:p>
           <a:p>
             <a:r>
-              <a:rPr lang="es-AR" sz="2000" dirty="0" err="1" smtClean="0">
+              <a:rPr lang="es-AR" sz="2000" dirty="0" err="1">
                 <a:solidFill>
                   <a:schemeClr val="bg1"/>
                 </a:solidFill>
@@ -15557,7 +15701,7 @@
               <a:t>Hidden</a:t>
             </a:r>
             <a:r>
-              <a:rPr lang="es-AR" sz="2000" dirty="0" smtClean="0">
+              <a:rPr lang="es-AR" sz="2000" dirty="0">
                 <a:solidFill>
                   <a:schemeClr val="bg1"/>
                 </a:solidFill>
@@ -15565,7 +15709,7 @@
               <a:t> </a:t>
             </a:r>
             <a:r>
-              <a:rPr lang="es-AR" sz="2000" dirty="0" err="1" smtClean="0">
+              <a:rPr lang="es-AR" sz="2000" dirty="0" err="1">
                 <a:solidFill>
                   <a:schemeClr val="bg1"/>
                 </a:solidFill>
@@ -15573,18 +15717,13 @@
               <a:t>size</a:t>
             </a:r>
             <a:r>
-              <a:rPr lang="es-AR" sz="2000" dirty="0" smtClean="0">
+              <a:rPr lang="es-AR" sz="2000" dirty="0">
                 <a:solidFill>
                   <a:schemeClr val="bg1"/>
                 </a:solidFill>
               </a:rPr>
               <a:t> = 4</a:t>
             </a:r>
-            <a:endParaRPr lang="es-AR" sz="2000" dirty="0">
-              <a:solidFill>
-                <a:schemeClr val="bg1"/>
-              </a:solidFill>
-            </a:endParaRPr>
           </a:p>
         </p:txBody>
       </p:sp>
@@ -15787,18 +15926,13 @@
               <a:buNone/>
             </a:pPr>
             <a:r>
-              <a:rPr lang="es-AR" b="1" dirty="0" smtClean="0">
+              <a:rPr lang="es-AR" b="1" dirty="0">
                 <a:solidFill>
                   <a:srgbClr val="FF0000"/>
                 </a:solidFill>
               </a:rPr>
               <a:t>Ejercicio 1</a:t>
             </a:r>
-            <a:endParaRPr lang="es-AR" b="1" dirty="0">
-              <a:solidFill>
-                <a:srgbClr val="FF0000"/>
-              </a:solidFill>
-            </a:endParaRPr>
           </a:p>
         </p:txBody>
       </p:sp>
@@ -15851,10 +15985,34 @@
                 <a:tableStyleId>{073A0DAA-6AF3-43AB-8588-CEC1D06C72B9}</a:tableStyleId>
               </a:tblPr>
               <a:tblGrid>
-                <a:gridCol w="1625600"/>
-                <a:gridCol w="2099256"/>
-                <a:gridCol w="1609859"/>
-                <a:gridCol w="1171978"/>
+                <a:gridCol w="1625600">
+                  <a:extLst>
+                    <a:ext uri="{9D8B030D-6E8A-4147-A177-3AD203B41FA5}">
+                      <a16:colId xmlns:a16="http://schemas.microsoft.com/office/drawing/2014/main" val="20000"/>
+                    </a:ext>
+                  </a:extLst>
+                </a:gridCol>
+                <a:gridCol w="2099256">
+                  <a:extLst>
+                    <a:ext uri="{9D8B030D-6E8A-4147-A177-3AD203B41FA5}">
+                      <a16:colId xmlns:a16="http://schemas.microsoft.com/office/drawing/2014/main" val="20001"/>
+                    </a:ext>
+                  </a:extLst>
+                </a:gridCol>
+                <a:gridCol w="1609859">
+                  <a:extLst>
+                    <a:ext uri="{9D8B030D-6E8A-4147-A177-3AD203B41FA5}">
+                      <a16:colId xmlns:a16="http://schemas.microsoft.com/office/drawing/2014/main" val="20002"/>
+                    </a:ext>
+                  </a:extLst>
+                </a:gridCol>
+                <a:gridCol w="1171978">
+                  <a:extLst>
+                    <a:ext uri="{9D8B030D-6E8A-4147-A177-3AD203B41FA5}">
+                      <a16:colId xmlns:a16="http://schemas.microsoft.com/office/drawing/2014/main" val="20003"/>
+                    </a:ext>
+                  </a:extLst>
+                </a:gridCol>
               </a:tblGrid>
               <a:tr h="370840">
                 <a:tc>
@@ -15863,10 +16021,9 @@
                     <a:lstStyle/>
                     <a:p>
                       <a:r>
-                        <a:rPr lang="es-AR" dirty="0" smtClean="0"/>
+                        <a:rPr lang="es-AR" dirty="0"/>
                         <a:t>Variable</a:t>
                       </a:r>
-                      <a:endParaRPr lang="es-AR" dirty="0"/>
                     </a:p>
                   </a:txBody>
                   <a:tcPr/>
@@ -15877,10 +16034,9 @@
                     <a:lstStyle/>
                     <a:p>
                       <a:r>
-                        <a:rPr lang="es-AR" dirty="0" smtClean="0"/>
+                        <a:rPr lang="es-AR" dirty="0"/>
                         <a:t>Tamaño</a:t>
                       </a:r>
-                      <a:endParaRPr lang="es-AR" dirty="0"/>
                     </a:p>
                   </a:txBody>
                   <a:tcPr/>
@@ -15891,10 +16047,9 @@
                     <a:lstStyle/>
                     <a:p>
                       <a:r>
-                        <a:rPr lang="es-AR" dirty="0" smtClean="0"/>
+                        <a:rPr lang="es-AR" dirty="0"/>
                         <a:t>Parámetro</a:t>
                       </a:r>
-                      <a:endParaRPr lang="es-AR" dirty="0"/>
                     </a:p>
                   </a:txBody>
                   <a:tcPr/>
@@ -15905,14 +16060,18 @@
                     <a:lstStyle/>
                     <a:p>
                       <a:r>
-                        <a:rPr lang="es-AR" dirty="0" smtClean="0"/>
+                        <a:rPr lang="es-AR" dirty="0"/>
                         <a:t>Tamaño</a:t>
                       </a:r>
-                      <a:endParaRPr lang="es-AR" dirty="0"/>
                     </a:p>
                   </a:txBody>
                   <a:tcPr/>
                 </a:tc>
+                <a:extLst>
+                  <a:ext uri="{0D108BD9-81ED-4DB2-BD59-A6C34878D82A}">
+                    <a16:rowId xmlns:a16="http://schemas.microsoft.com/office/drawing/2014/main" val="10000"/>
+                  </a:ext>
+                </a:extLst>
               </a:tr>
               <a:tr h="370840">
                 <a:tc>
@@ -15921,10 +16080,9 @@
                     <a:lstStyle/>
                     <a:p>
                       <a:r>
-                        <a:rPr lang="es-AR" dirty="0" smtClean="0"/>
+                        <a:rPr lang="es-AR" dirty="0"/>
                         <a:t>x</a:t>
                       </a:r>
-                      <a:endParaRPr lang="es-AR" dirty="0"/>
                     </a:p>
                   </a:txBody>
                   <a:tcPr/>
@@ -15945,7 +16103,7 @@
                     <a:lstStyle/>
                     <a:p>
                       <a:r>
-                        <a:rPr lang="es-AR" dirty="0" err="1" smtClean="0"/>
+                        <a:rPr lang="es-AR" dirty="0" err="1"/>
                         <a:t>Wih</a:t>
                       </a:r>
                       <a:endParaRPr lang="es-AR" dirty="0"/>
@@ -15963,6 +16121,11 @@
                   </a:txBody>
                   <a:tcPr/>
                 </a:tc>
+                <a:extLst>
+                  <a:ext uri="{0D108BD9-81ED-4DB2-BD59-A6C34878D82A}">
+                    <a16:rowId xmlns:a16="http://schemas.microsoft.com/office/drawing/2014/main" val="10001"/>
+                  </a:ext>
+                </a:extLst>
               </a:tr>
               <a:tr h="370840">
                 <a:tc>
@@ -15971,10 +16134,9 @@
                     <a:lstStyle/>
                     <a:p>
                       <a:r>
-                        <a:rPr lang="es-AR" dirty="0" smtClean="0"/>
+                        <a:rPr lang="es-AR" dirty="0"/>
                         <a:t>h</a:t>
                       </a:r>
-                      <a:endParaRPr lang="es-AR" dirty="0"/>
                     </a:p>
                   </a:txBody>
                   <a:tcPr/>
@@ -15995,7 +16157,7 @@
                     <a:lstStyle/>
                     <a:p>
                       <a:r>
-                        <a:rPr lang="es-AR" dirty="0" err="1" smtClean="0"/>
+                        <a:rPr lang="es-AR" dirty="0" err="1"/>
                         <a:t>Bih</a:t>
                       </a:r>
                       <a:endParaRPr lang="es-AR" dirty="0"/>
@@ -16013,6 +16175,11 @@
                   </a:txBody>
                   <a:tcPr/>
                 </a:tc>
+                <a:extLst>
+                  <a:ext uri="{0D108BD9-81ED-4DB2-BD59-A6C34878D82A}">
+                    <a16:rowId xmlns:a16="http://schemas.microsoft.com/office/drawing/2014/main" val="10002"/>
+                  </a:ext>
+                </a:extLst>
               </a:tr>
               <a:tr h="370840">
                 <a:tc>
@@ -16041,7 +16208,7 @@
                     <a:lstStyle/>
                     <a:p>
                       <a:r>
-                        <a:rPr lang="es-AR" dirty="0" err="1" smtClean="0"/>
+                        <a:rPr lang="es-AR" dirty="0" err="1"/>
                         <a:t>Whh</a:t>
                       </a:r>
                       <a:endParaRPr lang="es-AR" dirty="0"/>
@@ -16059,6 +16226,11 @@
                   </a:txBody>
                   <a:tcPr/>
                 </a:tc>
+                <a:extLst>
+                  <a:ext uri="{0D108BD9-81ED-4DB2-BD59-A6C34878D82A}">
+                    <a16:rowId xmlns:a16="http://schemas.microsoft.com/office/drawing/2014/main" val="10003"/>
+                  </a:ext>
+                </a:extLst>
               </a:tr>
               <a:tr h="370840">
                 <a:tc>
@@ -16087,7 +16259,7 @@
                     <a:lstStyle/>
                     <a:p>
                       <a:r>
-                        <a:rPr lang="es-AR" dirty="0" err="1" smtClean="0"/>
+                        <a:rPr lang="es-AR" dirty="0" err="1"/>
                         <a:t>bhh</a:t>
                       </a:r>
                       <a:endParaRPr lang="es-AR" dirty="0"/>
@@ -16122,6 +16294,11 @@
                   </a:txBody>
                   <a:tcPr/>
                 </a:tc>
+                <a:extLst>
+                  <a:ext uri="{0D108BD9-81ED-4DB2-BD59-A6C34878D82A}">
+                    <a16:rowId xmlns:a16="http://schemas.microsoft.com/office/drawing/2014/main" val="10004"/>
+                  </a:ext>
+                </a:extLst>
               </a:tr>
               <a:tr h="370840">
                 <a:tc>
@@ -16181,6 +16358,11 @@
                   </a:txBody>
                   <a:tcPr/>
                 </a:tc>
+                <a:extLst>
+                  <a:ext uri="{0D108BD9-81ED-4DB2-BD59-A6C34878D82A}">
+                    <a16:rowId xmlns:a16="http://schemas.microsoft.com/office/drawing/2014/main" val="10005"/>
+                  </a:ext>
+                </a:extLst>
               </a:tr>
               <a:tr h="370840">
                 <a:tc>
@@ -16223,6 +16405,11 @@
                   </a:txBody>
                   <a:tcPr/>
                 </a:tc>
+                <a:extLst>
+                  <a:ext uri="{0D108BD9-81ED-4DB2-BD59-A6C34878D82A}">
+                    <a16:rowId xmlns:a16="http://schemas.microsoft.com/office/drawing/2014/main" val="10006"/>
+                  </a:ext>
+                </a:extLst>
               </a:tr>
             </a:tbl>
           </a:graphicData>
@@ -16262,13 +16449,6 @@
   <p:clrMapOvr>
     <a:masterClrMapping/>
   </p:clrMapOvr>
-  <p:timing>
-    <p:tnLst>
-      <p:par>
-        <p:cTn id="1" dur="indefinite" restart="never" nodeType="tmRoot"/>
-      </p:par>
-    </p:tnLst>
-  </p:timing>
 </p:sld>
 </file>
 
@@ -16476,7 +16656,7 @@
           </a:lstStyle>
           <a:p>
             <a:r>
-              <a:rPr lang="es-AR" sz="4000" b="1" dirty="0" smtClean="0">
+              <a:rPr lang="es-AR" sz="4000" b="1" dirty="0">
                 <a:solidFill>
                   <a:srgbClr val="FF0000"/>
                 </a:solidFill>
@@ -16484,7 +16664,7 @@
               <a:t>A</a:t>
             </a:r>
             <a:r>
-              <a:rPr lang="es-AR" sz="3200" b="1" dirty="0" smtClean="0">
+              <a:rPr lang="es-AR" sz="3200" b="1" dirty="0">
                 <a:solidFill>
                   <a:srgbClr val="FF0000"/>
                 </a:solidFill>
@@ -16492,7 +16672,7 @@
               <a:t> </a:t>
             </a:r>
             <a:r>
-              <a:rPr lang="es-AR" sz="4000" b="1" dirty="0" smtClean="0">
+              <a:rPr lang="es-AR" sz="4000" b="1" dirty="0">
                 <a:solidFill>
                   <a:srgbClr val="FF0000"/>
                 </a:solidFill>
@@ -16500,7 +16680,7 @@
               <a:t>pensar</a:t>
             </a:r>
             <a:r>
-              <a:rPr lang="es-AR" sz="3200" b="1" dirty="0" smtClean="0">
+              <a:rPr lang="es-AR" sz="3200" b="1" dirty="0">
                 <a:solidFill>
                   <a:srgbClr val="FF0000"/>
                 </a:solidFill>
@@ -16562,23 +16742,15 @@
           <a:lstStyle/>
           <a:p>
             <a:r>
-              <a:rPr lang="es-AR" dirty="0" smtClean="0">
+              <a:rPr lang="es-AR" dirty="0">
                 <a:solidFill>
                   <a:srgbClr val="FF0000"/>
                 </a:solidFill>
               </a:rPr>
-              <a:t>“El pensador” </a:t>
-            </a:r>
-            <a:r>
-              <a:rPr lang="es-AR" dirty="0">
-                <a:solidFill>
-                  <a:srgbClr val="FF0000"/>
-                </a:solidFill>
-              </a:rPr>
-              <a:t>de </a:t>
-            </a:r>
-            <a:r>
-              <a:rPr lang="es-AR" dirty="0" err="1" smtClean="0">
+              <a:t>“El pensador” de </a:t>
+            </a:r>
+            <a:r>
+              <a:rPr lang="es-AR" dirty="0" err="1">
                 <a:solidFill>
                   <a:srgbClr val="FF0000"/>
                 </a:solidFill>
@@ -16603,13 +16775,6 @@
   <p:clrMapOvr>
     <a:masterClrMapping/>
   </p:clrMapOvr>
-  <p:timing>
-    <p:tnLst>
-      <p:par>
-        <p:cTn id="1" dur="indefinite" restart="never" nodeType="tmRoot"/>
-      </p:par>
-    </p:tnLst>
-  </p:timing>
 </p:sld>
 </file>
 
@@ -16829,7 +16994,7 @@
               <a:buNone/>
             </a:pPr>
             <a:r>
-              <a:rPr lang="es-AR" sz="3200" dirty="0" err="1" smtClean="0">
+              <a:rPr lang="es-AR" sz="3200" dirty="0" err="1">
                 <a:solidFill>
                   <a:schemeClr val="bg1"/>
                 </a:solidFill>
@@ -16837,63 +17002,13 @@
               <a:t>Recurrent</a:t>
             </a:r>
             <a:r>
-              <a:rPr lang="es-AR" sz="3200" dirty="0" smtClean="0">
+              <a:rPr lang="es-AR" sz="3200" dirty="0">
                 <a:solidFill>
                   <a:schemeClr val="bg1"/>
                 </a:solidFill>
               </a:rPr>
               <a:t> Neural Network (RNN)</a:t>
             </a:r>
-          </a:p>
-          <a:p>
-            <a:pPr marL="0" indent="0" algn="ctr">
-              <a:buNone/>
-            </a:pPr>
-            <a:r>
-              <a:rPr lang="es-AR" sz="3200" dirty="0" smtClean="0">
-                <a:solidFill>
-                  <a:schemeClr val="bg1"/>
-                </a:solidFill>
-              </a:rPr>
-              <a:t>Back </a:t>
-            </a:r>
-            <a:r>
-              <a:rPr lang="es-AR" sz="3200" dirty="0" err="1" smtClean="0">
-                <a:solidFill>
-                  <a:schemeClr val="bg1"/>
-                </a:solidFill>
-              </a:rPr>
-              <a:t>propagation</a:t>
-            </a:r>
-            <a:r>
-              <a:rPr lang="es-AR" sz="3200" dirty="0" smtClean="0">
-                <a:solidFill>
-                  <a:schemeClr val="bg1"/>
-                </a:solidFill>
-              </a:rPr>
-              <a:t> </a:t>
-            </a:r>
-            <a:r>
-              <a:rPr lang="es-AR" sz="3200" dirty="0" err="1" smtClean="0">
-                <a:solidFill>
-                  <a:schemeClr val="bg1"/>
-                </a:solidFill>
-              </a:rPr>
-              <a:t>through</a:t>
-            </a:r>
-            <a:r>
-              <a:rPr lang="es-AR" sz="3200" dirty="0" smtClean="0">
-                <a:solidFill>
-                  <a:schemeClr val="bg1"/>
-                </a:solidFill>
-              </a:rPr>
-              <a:t> time (BPTT)</a:t>
-            </a:r>
-            <a:endParaRPr lang="es-AR" sz="3200" dirty="0">
-              <a:solidFill>
-                <a:schemeClr val="bg1"/>
-              </a:solidFill>
-            </a:endParaRPr>
           </a:p>
         </p:txBody>
       </p:sp>
@@ -16907,8 +17022,8 @@
         </p:nvSpPr>
         <p:spPr>
           <a:xfrm>
-            <a:off x="7666172" y="4005574"/>
-            <a:ext cx="3850578" cy="504422"/>
+            <a:off x="8750105" y="5187260"/>
+            <a:ext cx="3090202" cy="504422"/>
           </a:xfrm>
           <a:prstGeom prst="rect">
             <a:avLst/>
@@ -17096,30 +17211,31 @@
               <a:buNone/>
             </a:pPr>
             <a:r>
-              <a:rPr lang="es-AR" dirty="0" smtClean="0">
+              <a:rPr lang="es-AR" dirty="0">
                 <a:solidFill>
                   <a:schemeClr val="bg1"/>
                 </a:solidFill>
               </a:rPr>
               <a:t>Ver desarrollo teórico</a:t>
             </a:r>
-            <a:endParaRPr lang="es-AR" dirty="0">
-              <a:solidFill>
-                <a:schemeClr val="bg1"/>
-              </a:solidFill>
-            </a:endParaRPr>
           </a:p>
         </p:txBody>
       </p:sp>
       <p:pic>
         <p:nvPicPr>
-          <p:cNvPr id="6" name="Picture 5"/>
+          <p:cNvPr id="12" name="Imagen 11">
+            <a:extLst>
+              <a:ext uri="{FF2B5EF4-FFF2-40B4-BE49-F238E27FC236}">
+                <a16:creationId xmlns:a16="http://schemas.microsoft.com/office/drawing/2014/main" id="{58E26863-D8FB-6548-C8D8-495EFBD1D42A}"/>
+              </a:ext>
+            </a:extLst>
+          </p:cNvPr>
           <p:cNvPicPr>
             <a:picLocks noChangeAspect="1"/>
           </p:cNvPicPr>
           <p:nvPr/>
         </p:nvPicPr>
-        <p:blipFill rotWithShape="1">
+        <p:blipFill>
           <a:blip r:embed="rId2">
             <a:extLst>
               <a:ext uri="{28A0092B-C50C-407E-A947-70E740481C1C}">
@@ -17127,13 +17243,49 @@
               </a:ext>
             </a:extLst>
           </a:blip>
-          <a:srcRect l="3928" r="3394"/>
+          <a:stretch>
+            <a:fillRect/>
+          </a:stretch>
+        </p:blipFill>
+        <p:spPr>
+          <a:xfrm>
+            <a:off x="271462" y="973475"/>
+            <a:ext cx="11649075" cy="1666875"/>
+          </a:xfrm>
+          <a:prstGeom prst="rect">
+            <a:avLst/>
+          </a:prstGeom>
+        </p:spPr>
+      </p:pic>
+      <p:pic>
+        <p:nvPicPr>
+          <p:cNvPr id="14" name="Imagen 13" descr="Imagen de la pantalla de un video juego&#10;&#10;Descripción generada automáticamente con confianza baja">
+            <a:extLst>
+              <a:ext uri="{FF2B5EF4-FFF2-40B4-BE49-F238E27FC236}">
+                <a16:creationId xmlns:a16="http://schemas.microsoft.com/office/drawing/2014/main" id="{0E8AEF33-2FB5-0654-D307-78E28B86D5B1}"/>
+              </a:ext>
+            </a:extLst>
+          </p:cNvPr>
+          <p:cNvPicPr>
+            <a:picLocks noChangeAspect="1"/>
+          </p:cNvPicPr>
+          <p:nvPr/>
+        </p:nvPicPr>
+        <p:blipFill rotWithShape="1">
+          <a:blip r:embed="rId3">
+            <a:extLst>
+              <a:ext uri="{28A0092B-C50C-407E-A947-70E740481C1C}">
+                <a14:useLocalDpi xmlns:a14="http://schemas.microsoft.com/office/drawing/2010/main" val="0"/>
+              </a:ext>
+            </a:extLst>
+          </a:blip>
+          <a:srcRect t="53333" b="9994"/>
           <a:stretch/>
         </p:blipFill>
         <p:spPr>
           <a:xfrm>
-            <a:off x="681587" y="2982351"/>
-            <a:ext cx="6984585" cy="3386597"/>
+            <a:off x="608116" y="2898273"/>
+            <a:ext cx="7452671" cy="3638359"/>
           </a:xfrm>
           <a:prstGeom prst="rect">
             <a:avLst/>
@@ -17150,13 +17302,6 @@
   <p:clrMapOvr>
     <a:masterClrMapping/>
   </p:clrMapOvr>
-  <p:timing>
-    <p:tnLst>
-      <p:par>
-        <p:cTn id="1" dur="indefinite" restart="never" nodeType="tmRoot"/>
-      </p:par>
-    </p:tnLst>
-  </p:timing>
 </p:sld>
 </file>
 
@@ -17376,7 +17521,7 @@
               <a:buNone/>
             </a:pPr>
             <a:r>
-              <a:rPr lang="es-AR" sz="3200" dirty="0" err="1" smtClean="0">
+              <a:rPr lang="es-AR" sz="3200" dirty="0" err="1">
                 <a:solidFill>
                   <a:schemeClr val="bg1"/>
                 </a:solidFill>
@@ -17384,7 +17529,7 @@
               <a:t>Recurrent</a:t>
             </a:r>
             <a:r>
-              <a:rPr lang="es-AR" sz="3200" dirty="0" smtClean="0">
+              <a:rPr lang="es-AR" sz="3200" dirty="0">
                 <a:solidFill>
                   <a:schemeClr val="bg1"/>
                 </a:solidFill>
@@ -17397,18 +17542,13 @@
               <a:buNone/>
             </a:pPr>
             <a:r>
-              <a:rPr lang="es-AR" sz="3200" dirty="0" smtClean="0">
+              <a:rPr lang="es-AR" sz="3200" dirty="0">
                 <a:solidFill>
                   <a:schemeClr val="bg1"/>
                 </a:solidFill>
               </a:rPr>
               <a:t>Problemas de la RNN básica con el BPTT</a:t>
             </a:r>
-            <a:endParaRPr lang="es-AR" sz="3200" dirty="0">
-              <a:solidFill>
-                <a:schemeClr val="bg1"/>
-              </a:solidFill>
-            </a:endParaRPr>
           </a:p>
         </p:txBody>
       </p:sp>
@@ -17438,7 +17578,7 @@
           <a:p>
             <a:pPr algn="ctr"/>
             <a:r>
-              <a:rPr lang="es-AR" sz="2800" b="1" dirty="0" err="1" smtClean="0">
+              <a:rPr lang="es-AR" sz="2800" b="1" dirty="0" err="1">
                 <a:solidFill>
                   <a:srgbClr val="FF0000"/>
                 </a:solidFill>
@@ -17446,7 +17586,7 @@
               <a:t>Vanishing</a:t>
             </a:r>
             <a:r>
-              <a:rPr lang="es-AR" sz="2800" b="1" dirty="0" smtClean="0">
+              <a:rPr lang="es-AR" sz="2800" b="1" dirty="0">
                 <a:solidFill>
                   <a:srgbClr val="FF0000"/>
                 </a:solidFill>
@@ -17454,7 +17594,7 @@
               <a:t> </a:t>
             </a:r>
             <a:r>
-              <a:rPr lang="es-AR" sz="2800" b="1" dirty="0" err="1" smtClean="0">
+              <a:rPr lang="es-AR" sz="2800" b="1" dirty="0" err="1">
                 <a:solidFill>
                   <a:srgbClr val="FF0000"/>
                 </a:solidFill>
@@ -17462,7 +17602,7 @@
               <a:t>gradient</a:t>
             </a:r>
             <a:r>
-              <a:rPr lang="es-AR" sz="2800" b="1" dirty="0" smtClean="0">
+              <a:rPr lang="es-AR" sz="2800" b="1" dirty="0">
                 <a:solidFill>
                   <a:srgbClr val="FF0000"/>
                 </a:solidFill>
@@ -17470,7 +17610,7 @@
               <a:t> </a:t>
             </a:r>
             <a:r>
-              <a:rPr lang="es-AR" sz="2800" b="1" dirty="0" smtClean="0">
+              <a:rPr lang="es-AR" sz="2800" b="1" dirty="0">
                 <a:solidFill>
                   <a:srgbClr val="FF0000"/>
                 </a:solidFill>
@@ -17479,7 +17619,7 @@
               <a:t>  pérdida de aportes de </a:t>
             </a:r>
             <a:r>
-              <a:rPr lang="es-AR" sz="2800" b="1" dirty="0" err="1" smtClean="0">
+              <a:rPr lang="es-AR" sz="2800" b="1" dirty="0" err="1">
                 <a:solidFill>
                   <a:srgbClr val="FF0000"/>
                 </a:solidFill>
@@ -17488,7 +17628,7 @@
               <a:t>long-term</a:t>
             </a:r>
             <a:r>
-              <a:rPr lang="es-AR" sz="2800" b="1" dirty="0" smtClean="0">
+              <a:rPr lang="es-AR" sz="2800" b="1" dirty="0">
                 <a:solidFill>
                   <a:srgbClr val="FF0000"/>
                 </a:solidFill>
@@ -17497,7 +17637,7 @@
               <a:t> </a:t>
             </a:r>
             <a:r>
-              <a:rPr lang="es-AR" sz="2800" b="1" dirty="0" err="1" smtClean="0">
+              <a:rPr lang="es-AR" sz="2800" b="1" dirty="0" err="1">
                 <a:solidFill>
                   <a:srgbClr val="FF0000"/>
                 </a:solidFill>
@@ -17505,7 +17645,7 @@
               </a:rPr>
               <a:t>states</a:t>
             </a:r>
-            <a:endParaRPr lang="es-AR" sz="2800" b="1" dirty="0" smtClean="0">
+            <a:endParaRPr lang="es-AR" sz="2800" b="1" dirty="0">
               <a:solidFill>
                 <a:srgbClr val="FF0000"/>
               </a:solidFill>
@@ -17515,7 +17655,7 @@
           <a:p>
             <a:pPr algn="ctr"/>
             <a:r>
-              <a:rPr lang="es-AR" sz="2800" b="1" dirty="0" smtClean="0">
+              <a:rPr lang="es-AR" sz="2800" b="1" dirty="0">
                 <a:solidFill>
                   <a:srgbClr val="FF0000"/>
                 </a:solidFill>
@@ -17557,7 +17697,7 @@
           <a:p>
             <a:pPr algn="ctr"/>
             <a:r>
-              <a:rPr lang="es-AR" sz="2800" b="1" dirty="0" smtClean="0">
+              <a:rPr lang="es-AR" sz="2800" b="1" dirty="0">
                 <a:solidFill>
                   <a:srgbClr val="FF0000"/>
                 </a:solidFill>
@@ -17565,7 +17705,7 @@
               <a:t> </a:t>
             </a:r>
             <a:r>
-              <a:rPr lang="es-AR" sz="2800" b="1" dirty="0" err="1" smtClean="0">
+              <a:rPr lang="es-AR" sz="2800" b="1" dirty="0" err="1">
                 <a:solidFill>
                   <a:srgbClr val="FF0000"/>
                 </a:solidFill>
@@ -17573,7 +17713,7 @@
               <a:t>Exploding</a:t>
             </a:r>
             <a:r>
-              <a:rPr lang="es-AR" sz="2800" b="1" dirty="0" smtClean="0">
+              <a:rPr lang="es-AR" sz="2800" b="1" dirty="0">
                 <a:solidFill>
                   <a:srgbClr val="FF0000"/>
                 </a:solidFill>
@@ -17581,7 +17721,7 @@
               <a:t> </a:t>
             </a:r>
             <a:r>
-              <a:rPr lang="es-AR" sz="2800" b="1" dirty="0" err="1" smtClean="0">
+              <a:rPr lang="es-AR" sz="2800" b="1" dirty="0" err="1">
                 <a:solidFill>
                   <a:srgbClr val="FF0000"/>
                 </a:solidFill>
@@ -17589,7 +17729,7 @@
               <a:t>gradient</a:t>
             </a:r>
             <a:r>
-              <a:rPr lang="es-AR" sz="2800" b="1" dirty="0" smtClean="0">
+              <a:rPr lang="es-AR" sz="2800" b="1" dirty="0">
                 <a:solidFill>
                   <a:srgbClr val="FF0000"/>
                 </a:solidFill>
@@ -17597,7 +17737,7 @@
               <a:t> </a:t>
             </a:r>
             <a:r>
-              <a:rPr lang="es-AR" sz="2800" b="1" dirty="0" smtClean="0">
+              <a:rPr lang="es-AR" sz="2800" b="1" dirty="0">
                 <a:solidFill>
                   <a:srgbClr val="FF0000"/>
                 </a:solidFill>
@@ -17606,7 +17746,7 @@
               <a:t> se soluciona con </a:t>
             </a:r>
             <a:r>
-              <a:rPr lang="es-AR" sz="2800" b="1" dirty="0" err="1" smtClean="0">
+              <a:rPr lang="es-AR" sz="2800" b="1" dirty="0" err="1">
                 <a:solidFill>
                   <a:srgbClr val="FF0000"/>
                 </a:solidFill>
@@ -17615,7 +17755,7 @@
               <a:t>clipping</a:t>
             </a:r>
             <a:r>
-              <a:rPr lang="es-AR" sz="2800" b="1" dirty="0" smtClean="0">
+              <a:rPr lang="es-AR" sz="2800" b="1" dirty="0">
                 <a:solidFill>
                   <a:srgbClr val="FF0000"/>
                 </a:solidFill>
@@ -17624,7 +17764,7 @@
               <a:t> </a:t>
             </a:r>
             <a:r>
-              <a:rPr lang="es-AR" sz="2800" b="1" dirty="0" err="1" smtClean="0">
+              <a:rPr lang="es-AR" sz="2800" b="1" dirty="0" err="1">
                 <a:solidFill>
                   <a:srgbClr val="FF0000"/>
                 </a:solidFill>
@@ -17632,7 +17772,7 @@
               </a:rPr>
               <a:t>gradient</a:t>
             </a:r>
-            <a:endParaRPr lang="es-AR" sz="2800" b="1" dirty="0" smtClean="0">
+            <a:endParaRPr lang="es-AR" sz="2800" b="1" dirty="0">
               <a:solidFill>
                 <a:srgbClr val="FF0000"/>
               </a:solidFill>
@@ -17642,7 +17782,7 @@
           <a:p>
             <a:pPr algn="ctr"/>
             <a:r>
-              <a:rPr lang="es-AR" sz="2800" b="1" dirty="0" smtClean="0">
+              <a:rPr lang="es-AR" sz="2800" b="1" dirty="0">
                 <a:solidFill>
                   <a:srgbClr val="FF0000"/>
                 </a:solidFill>
@@ -17684,18 +17824,13 @@
           <a:p>
             <a:pPr algn="ctr"/>
             <a:r>
-              <a:rPr lang="es-AR" sz="2800" b="1" dirty="0" smtClean="0">
+              <a:rPr lang="es-AR" sz="2800" b="1" dirty="0">
                 <a:solidFill>
                   <a:srgbClr val="FF0000"/>
                 </a:solidFill>
               </a:rPr>
               <a:t>Solución con otras RNN mas avanzadas (LSTM y GRU)</a:t>
             </a:r>
-            <a:endParaRPr lang="es-AR" sz="2800" b="1" dirty="0">
-              <a:solidFill>
-                <a:srgbClr val="FF0000"/>
-              </a:solidFill>
-            </a:endParaRPr>
           </a:p>
         </p:txBody>
       </p:sp>
@@ -17709,13 +17844,6 @@
   <p:clrMapOvr>
     <a:masterClrMapping/>
   </p:clrMapOvr>
-  <p:timing>
-    <p:tnLst>
-      <p:par>
-        <p:cTn id="1" dur="indefinite" restart="never" nodeType="tmRoot"/>
-      </p:par>
-    </p:tnLst>
-  </p:timing>
 </p:sld>
 </file>
 
@@ -17923,7 +18051,7 @@
           </a:lstStyle>
           <a:p>
             <a:r>
-              <a:rPr lang="es-AR" sz="3200" b="1" dirty="0" smtClean="0">
+              <a:rPr lang="es-AR" sz="3200" b="1" dirty="0">
                 <a:solidFill>
                   <a:srgbClr val="FF0000"/>
                 </a:solidFill>
@@ -17973,13 +18101,6 @@
   <p:clrMapOvr>
     <a:masterClrMapping/>
   </p:clrMapOvr>
-  <p:timing>
-    <p:tnLst>
-      <p:par>
-        <p:cTn id="1" dur="indefinite" restart="never" nodeType="tmRoot"/>
-      </p:par>
-    </p:tnLst>
-  </p:timing>
 </p:sld>
 </file>
 
@@ -18199,7 +18320,7 @@
               <a:buNone/>
             </a:pPr>
             <a:r>
-              <a:rPr lang="es-AR" sz="3200" dirty="0" err="1" smtClean="0">
+              <a:rPr lang="es-AR" sz="3200" dirty="0" err="1">
                 <a:solidFill>
                   <a:schemeClr val="bg1"/>
                 </a:solidFill>
@@ -18207,7 +18328,7 @@
               <a:t>Recurrent</a:t>
             </a:r>
             <a:r>
-              <a:rPr lang="es-AR" sz="3200" dirty="0" smtClean="0">
+              <a:rPr lang="es-AR" sz="3200" dirty="0">
                 <a:solidFill>
                   <a:schemeClr val="bg1"/>
                 </a:solidFill>
@@ -18220,18 +18341,13 @@
               <a:buNone/>
             </a:pPr>
             <a:r>
-              <a:rPr lang="es-AR" sz="3200" dirty="0" smtClean="0">
+              <a:rPr lang="es-AR" sz="3200" dirty="0">
                 <a:solidFill>
                   <a:schemeClr val="bg1"/>
                 </a:solidFill>
               </a:rPr>
               <a:t>Arquitecturas flexibles IN/OUT</a:t>
             </a:r>
-            <a:endParaRPr lang="es-AR" sz="3200" dirty="0">
-              <a:solidFill>
-                <a:schemeClr val="bg1"/>
-              </a:solidFill>
-            </a:endParaRPr>
           </a:p>
         </p:txBody>
       </p:sp>
@@ -18453,18 +18569,13 @@
           <a:p>
             <a:pPr algn="l"/>
             <a:r>
-              <a:rPr lang="es-AR" sz="2000" dirty="0" smtClean="0">
+              <a:rPr lang="es-AR" sz="2000" dirty="0">
                 <a:solidFill>
                   <a:schemeClr val="bg1"/>
                 </a:solidFill>
               </a:rPr>
               <a:t>MLP</a:t>
             </a:r>
-            <a:endParaRPr lang="es-AR" sz="2000" dirty="0">
-              <a:solidFill>
-                <a:schemeClr val="bg1"/>
-              </a:solidFill>
-            </a:endParaRPr>
           </a:p>
         </p:txBody>
       </p:sp>
@@ -18656,7 +18767,7 @@
           <a:p>
             <a:pPr algn="l"/>
             <a:r>
-              <a:rPr lang="es-AR" sz="1800" dirty="0" err="1" smtClean="0">
+              <a:rPr lang="es-AR" sz="1800" dirty="0" err="1">
                 <a:solidFill>
                   <a:schemeClr val="bg1"/>
                 </a:solidFill>
@@ -18664,7 +18775,7 @@
               <a:t>Img</a:t>
             </a:r>
             <a:r>
-              <a:rPr lang="es-AR" sz="1800" dirty="0" smtClean="0">
+              <a:rPr lang="es-AR" sz="1800" dirty="0">
                 <a:solidFill>
                   <a:schemeClr val="bg1"/>
                 </a:solidFill>
@@ -18672,14 +18783,14 @@
               <a:t> </a:t>
             </a:r>
             <a:r>
-              <a:rPr lang="es-AR" sz="1800" dirty="0" err="1" smtClean="0">
+              <a:rPr lang="es-AR" sz="1800" dirty="0" err="1">
                 <a:solidFill>
                   <a:schemeClr val="bg1"/>
                 </a:solidFill>
               </a:rPr>
               <a:t>captioning</a:t>
             </a:r>
-            <a:endParaRPr lang="es-AR" sz="1800" dirty="0" smtClean="0">
+            <a:endParaRPr lang="es-AR" sz="1800" dirty="0">
               <a:solidFill>
                 <a:schemeClr val="bg1"/>
               </a:solidFill>
@@ -18875,7 +18986,7 @@
           <a:p>
             <a:pPr algn="l"/>
             <a:r>
-              <a:rPr lang="es-AR" sz="1800" dirty="0" smtClean="0">
+              <a:rPr lang="es-AR" sz="1800" dirty="0">
                 <a:solidFill>
                   <a:schemeClr val="bg1"/>
                 </a:solidFill>
@@ -18886,14 +18997,14 @@
           <a:p>
             <a:pPr algn="l"/>
             <a:r>
-              <a:rPr lang="es-AR" sz="1800" dirty="0" err="1" smtClean="0">
+              <a:rPr lang="es-AR" sz="1800" dirty="0" err="1">
                 <a:solidFill>
                   <a:schemeClr val="bg1"/>
                 </a:solidFill>
               </a:rPr>
               <a:t>Classificacion</a:t>
             </a:r>
-            <a:endParaRPr lang="es-AR" sz="1800" dirty="0" smtClean="0">
+            <a:endParaRPr lang="es-AR" sz="1800" dirty="0">
               <a:solidFill>
                 <a:schemeClr val="bg1"/>
               </a:solidFill>
@@ -18902,7 +19013,7 @@
           <a:p>
             <a:pPr algn="l"/>
             <a:r>
-              <a:rPr lang="es-AR" sz="1800" dirty="0" err="1" smtClean="0">
+              <a:rPr lang="es-AR" sz="1800" dirty="0" err="1">
                 <a:solidFill>
                   <a:schemeClr val="bg1"/>
                 </a:solidFill>
@@ -18910,7 +19021,7 @@
               <a:t>Sentiment</a:t>
             </a:r>
             <a:r>
-              <a:rPr lang="es-AR" sz="1800" dirty="0" smtClean="0">
+              <a:rPr lang="es-AR" sz="1800" dirty="0">
                 <a:solidFill>
                   <a:schemeClr val="bg1"/>
                 </a:solidFill>
@@ -18918,14 +19029,14 @@
               <a:t> </a:t>
             </a:r>
             <a:r>
-              <a:rPr lang="es-AR" sz="1800" dirty="0" err="1" smtClean="0">
+              <a:rPr lang="es-AR" sz="1800" dirty="0" err="1">
                 <a:solidFill>
                   <a:schemeClr val="bg1"/>
                 </a:solidFill>
               </a:rPr>
               <a:t>classification</a:t>
             </a:r>
-            <a:endParaRPr lang="es-AR" sz="1800" dirty="0" smtClean="0">
+            <a:endParaRPr lang="es-AR" sz="1800" dirty="0">
               <a:solidFill>
                 <a:schemeClr val="bg1"/>
               </a:solidFill>
@@ -18934,18 +19045,13 @@
           <a:p>
             <a:pPr algn="l"/>
             <a:r>
-              <a:rPr lang="es-AR" sz="1800" dirty="0" smtClean="0">
+              <a:rPr lang="es-AR" sz="1800" dirty="0">
                 <a:solidFill>
                   <a:schemeClr val="bg1"/>
                 </a:solidFill>
               </a:rPr>
               <a:t>Resumen de videos</a:t>
             </a:r>
-            <a:endParaRPr lang="es-AR" sz="1800" dirty="0">
-              <a:solidFill>
-                <a:schemeClr val="bg1"/>
-              </a:solidFill>
-            </a:endParaRPr>
           </a:p>
           <a:p>
             <a:pPr algn="l"/>
@@ -19145,7 +19251,7 @@
           <a:p>
             <a:pPr algn="l"/>
             <a:r>
-              <a:rPr lang="es-AR" sz="1800" dirty="0" smtClean="0">
+              <a:rPr lang="es-AR" sz="1800" dirty="0">
                 <a:solidFill>
                   <a:schemeClr val="bg1"/>
                 </a:solidFill>
@@ -19156,18 +19262,13 @@
           <a:p>
             <a:pPr algn="l"/>
             <a:r>
-              <a:rPr lang="es-AR" sz="1800" dirty="0" smtClean="0">
+              <a:rPr lang="es-AR" sz="1800" dirty="0">
                 <a:solidFill>
                   <a:schemeClr val="bg1"/>
                 </a:solidFill>
               </a:rPr>
               <a:t>Traducción</a:t>
             </a:r>
-            <a:endParaRPr lang="es-AR" sz="1800" dirty="0">
-              <a:solidFill>
-                <a:schemeClr val="bg1"/>
-              </a:solidFill>
-            </a:endParaRPr>
           </a:p>
         </p:txBody>
       </p:sp>
@@ -19359,7 +19460,7 @@
           <a:p>
             <a:pPr algn="l"/>
             <a:r>
-              <a:rPr lang="es-AR" sz="1800" dirty="0" smtClean="0">
+              <a:rPr lang="es-AR" sz="1800" dirty="0">
                 <a:solidFill>
                   <a:schemeClr val="bg1"/>
                 </a:solidFill>
@@ -19367,7 +19468,7 @@
               <a:t>Video </a:t>
             </a:r>
             <a:r>
-              <a:rPr lang="es-AR" sz="1800" dirty="0" err="1" smtClean="0">
+              <a:rPr lang="es-AR" sz="1800" dirty="0" err="1">
                 <a:solidFill>
                   <a:schemeClr val="bg1"/>
                 </a:solidFill>
@@ -19375,7 +19476,7 @@
               <a:t>class</a:t>
             </a:r>
             <a:r>
-              <a:rPr lang="es-AR" sz="1800" dirty="0" smtClean="0">
+              <a:rPr lang="es-AR" sz="1800" dirty="0">
                 <a:solidFill>
                   <a:schemeClr val="bg1"/>
                 </a:solidFill>
@@ -19383,7 +19484,7 @@
               <a:t> </a:t>
             </a:r>
             <a:r>
-              <a:rPr lang="es-AR" sz="1800" dirty="0" err="1" smtClean="0">
+              <a:rPr lang="es-AR" sz="1800" dirty="0" err="1">
                 <a:solidFill>
                   <a:schemeClr val="bg1"/>
                 </a:solidFill>
@@ -19391,7 +19492,7 @@
               <a:t>frame</a:t>
             </a:r>
             <a:r>
-              <a:rPr lang="es-AR" sz="1800" dirty="0" smtClean="0">
+              <a:rPr lang="es-AR" sz="1800" dirty="0">
                 <a:solidFill>
                   <a:schemeClr val="bg1"/>
                 </a:solidFill>
@@ -19399,7 +19500,7 @@
               <a:t> </a:t>
             </a:r>
             <a:r>
-              <a:rPr lang="es-AR" sz="1800" dirty="0" err="1" smtClean="0">
+              <a:rPr lang="es-AR" sz="1800" dirty="0" err="1">
                 <a:solidFill>
                   <a:schemeClr val="bg1"/>
                 </a:solidFill>
@@ -19424,13 +19525,6 @@
   <p:clrMapOvr>
     <a:masterClrMapping/>
   </p:clrMapOvr>
-  <p:timing>
-    <p:tnLst>
-      <p:par>
-        <p:cTn id="1" dur="indefinite" restart="never" nodeType="tmRoot"/>
-      </p:par>
-    </p:tnLst>
-  </p:timing>
 </p:sld>
 </file>
 
@@ -19650,7 +19744,7 @@
               <a:buNone/>
             </a:pPr>
             <a:r>
-              <a:rPr lang="es-AR" sz="3200" dirty="0" err="1" smtClean="0">
+              <a:rPr lang="es-AR" sz="3200" dirty="0" err="1">
                 <a:solidFill>
                   <a:schemeClr val="bg1"/>
                 </a:solidFill>
@@ -19658,7 +19752,7 @@
               <a:t>Recurrent</a:t>
             </a:r>
             <a:r>
-              <a:rPr lang="es-AR" sz="3200" dirty="0" smtClean="0">
+              <a:rPr lang="es-AR" sz="3200" dirty="0">
                 <a:solidFill>
                   <a:schemeClr val="bg1"/>
                 </a:solidFill>
@@ -19671,7 +19765,7 @@
               <a:buNone/>
             </a:pPr>
             <a:r>
-              <a:rPr lang="es-AR" sz="3200" dirty="0" smtClean="0">
+              <a:rPr lang="es-AR" sz="3200" dirty="0">
                 <a:solidFill>
                   <a:schemeClr val="bg1"/>
                 </a:solidFill>
@@ -19679,7 +19773,7 @@
               <a:t>Bi-</a:t>
             </a:r>
             <a:r>
-              <a:rPr lang="es-AR" sz="3200" dirty="0" err="1" smtClean="0">
+              <a:rPr lang="es-AR" sz="3200" dirty="0" err="1">
                 <a:solidFill>
                   <a:schemeClr val="bg1"/>
                 </a:solidFill>
@@ -19687,18 +19781,13 @@
               <a:t>directional</a:t>
             </a:r>
             <a:r>
-              <a:rPr lang="es-AR" sz="3200" dirty="0" smtClean="0">
+              <a:rPr lang="es-AR" sz="3200" dirty="0">
                 <a:solidFill>
                   <a:schemeClr val="bg1"/>
                 </a:solidFill>
               </a:rPr>
               <a:t> RNN</a:t>
             </a:r>
-            <a:endParaRPr lang="es-AR" sz="3200" dirty="0">
-              <a:solidFill>
-                <a:schemeClr val="bg1"/>
-              </a:solidFill>
-            </a:endParaRPr>
           </a:p>
         </p:txBody>
       </p:sp>
@@ -19889,18 +19978,13 @@
           </a:lstStyle>
           <a:p>
             <a:r>
-              <a:rPr lang="es-AR" dirty="0" smtClean="0">
+              <a:rPr lang="es-AR" dirty="0">
                 <a:solidFill>
                   <a:schemeClr val="bg1"/>
                 </a:solidFill>
               </a:rPr>
               <a:t>Para la traducción, suele ser útil tener la frase entera.</a:t>
             </a:r>
-            <a:endParaRPr lang="es-AR" dirty="0">
-              <a:solidFill>
-                <a:schemeClr val="bg1"/>
-              </a:solidFill>
-            </a:endParaRPr>
           </a:p>
         </p:txBody>
       </p:sp>
@@ -19944,13 +20028,6 @@
   <p:clrMapOvr>
     <a:masterClrMapping/>
   </p:clrMapOvr>
-  <p:timing>
-    <p:tnLst>
-      <p:par>
-        <p:cTn id="1" dur="indefinite" restart="never" nodeType="tmRoot"/>
-      </p:par>
-    </p:tnLst>
-  </p:timing>
 </p:sld>
 </file>
 
@@ -20170,7 +20247,7 @@
               <a:buNone/>
             </a:pPr>
             <a:r>
-              <a:rPr lang="es-AR" sz="3200" dirty="0" err="1" smtClean="0">
+              <a:rPr lang="es-AR" sz="3200" dirty="0" err="1">
                 <a:solidFill>
                   <a:schemeClr val="bg1"/>
                 </a:solidFill>
@@ -20178,7 +20255,7 @@
               <a:t>Recurrent</a:t>
             </a:r>
             <a:r>
-              <a:rPr lang="es-AR" sz="3200" dirty="0" smtClean="0">
+              <a:rPr lang="es-AR" sz="3200" dirty="0">
                 <a:solidFill>
                   <a:schemeClr val="bg1"/>
                 </a:solidFill>
@@ -20191,7 +20268,7 @@
               <a:buNone/>
             </a:pPr>
             <a:r>
-              <a:rPr lang="es-AR" sz="3200" dirty="0" smtClean="0">
+              <a:rPr lang="es-AR" sz="3200" dirty="0">
                 <a:solidFill>
                   <a:schemeClr val="bg1"/>
                 </a:solidFill>
@@ -20199,7 +20276,7 @@
               <a:t>Arquitectura </a:t>
             </a:r>
             <a:r>
-              <a:rPr lang="es-AR" sz="3200" b="1" dirty="0" err="1" smtClean="0">
+              <a:rPr lang="es-AR" sz="3200" b="1" dirty="0" err="1">
                 <a:solidFill>
                   <a:schemeClr val="bg1"/>
                 </a:solidFill>
@@ -20207,7 +20284,7 @@
               <a:t>encoder</a:t>
             </a:r>
             <a:r>
-              <a:rPr lang="es-AR" sz="3200" b="1" dirty="0" smtClean="0">
+              <a:rPr lang="es-AR" sz="3200" b="1" dirty="0">
                 <a:solidFill>
                   <a:schemeClr val="bg1"/>
                 </a:solidFill>
@@ -20215,7 +20292,7 @@
               <a:t>/</a:t>
             </a:r>
             <a:r>
-              <a:rPr lang="es-AR" sz="3200" b="1" dirty="0" err="1" smtClean="0">
+              <a:rPr lang="es-AR" sz="3200" b="1" dirty="0" err="1">
                 <a:solidFill>
                   <a:schemeClr val="bg1"/>
                 </a:solidFill>
@@ -20223,7 +20300,7 @@
               <a:t>decoder</a:t>
             </a:r>
             <a:r>
-              <a:rPr lang="es-AR" sz="3200" dirty="0" smtClean="0">
+              <a:rPr lang="es-AR" sz="3200" dirty="0">
                 <a:solidFill>
                   <a:schemeClr val="bg1"/>
                 </a:solidFill>
@@ -20231,14 +20308,14 @@
               <a:t> o </a:t>
             </a:r>
             <a:r>
-              <a:rPr lang="es-AR" sz="3200" b="1" dirty="0" err="1" smtClean="0">
+              <a:rPr lang="es-AR" sz="3200" b="1" dirty="0" err="1">
                 <a:solidFill>
                   <a:schemeClr val="bg1"/>
                 </a:solidFill>
               </a:rPr>
               <a:t>seq-to-seq</a:t>
             </a:r>
-            <a:endParaRPr lang="es-AR" sz="3200" dirty="0" smtClean="0">
+            <a:endParaRPr lang="es-AR" sz="3200" dirty="0">
               <a:solidFill>
                 <a:schemeClr val="bg1"/>
               </a:solidFill>
@@ -20325,61 +20402,12 @@
           <a:lstStyle/>
           <a:p>
             <a:r>
-              <a:rPr lang="es-AR" sz="2000" dirty="0" smtClean="0">
+              <a:rPr lang="es-AR" sz="2000" dirty="0">
                 <a:solidFill>
                   <a:srgbClr val="FF0000"/>
                 </a:solidFill>
               </a:rPr>
               <a:t>2 RNN de distinto tamaño</a:t>
-            </a:r>
-          </a:p>
-          <a:p>
-            <a:endParaRPr lang="es-AR" sz="2000" dirty="0" smtClean="0">
-              <a:solidFill>
-                <a:srgbClr val="FF0000"/>
-              </a:solidFill>
-            </a:endParaRPr>
-          </a:p>
-          <a:p>
-            <a:r>
-              <a:rPr lang="es-AR" sz="2000" dirty="0" smtClean="0">
-                <a:solidFill>
-                  <a:srgbClr val="FF0000"/>
-                </a:solidFill>
-              </a:rPr>
-              <a:t>1 </a:t>
-            </a:r>
-            <a:r>
-              <a:rPr lang="es-AR" sz="2000" dirty="0" err="1" smtClean="0">
-                <a:solidFill>
-                  <a:srgbClr val="FF0000"/>
-                </a:solidFill>
-              </a:rPr>
-              <a:t>Hidden</a:t>
-            </a:r>
-            <a:r>
-              <a:rPr lang="es-AR" sz="2000" dirty="0" smtClean="0">
-                <a:solidFill>
-                  <a:srgbClr val="FF0000"/>
-                </a:solidFill>
-              </a:rPr>
-              <a:t> </a:t>
-            </a:r>
-            <a:r>
-              <a:rPr lang="es-AR" sz="2000" dirty="0" err="1" smtClean="0">
-                <a:solidFill>
-                  <a:srgbClr val="FF0000"/>
-                </a:solidFill>
-              </a:rPr>
-              <a:t>state</a:t>
-            </a:r>
-            <a:r>
-              <a:rPr lang="es-AR" sz="2000" dirty="0" smtClean="0">
-                <a:solidFill>
-                  <a:srgbClr val="FF0000"/>
-                </a:solidFill>
-              </a:rPr>
-              <a:t> que “resume” toda la información de la input.</a:t>
             </a:r>
           </a:p>
           <a:p>
@@ -20391,7 +20419,56 @@
           </a:p>
           <a:p>
             <a:r>
-              <a:rPr lang="es-AR" sz="2000" dirty="0" smtClean="0">
+              <a:rPr lang="es-AR" sz="2000" dirty="0">
+                <a:solidFill>
+                  <a:srgbClr val="FF0000"/>
+                </a:solidFill>
+              </a:rPr>
+              <a:t>1 </a:t>
+            </a:r>
+            <a:r>
+              <a:rPr lang="es-AR" sz="2000" dirty="0" err="1">
+                <a:solidFill>
+                  <a:srgbClr val="FF0000"/>
+                </a:solidFill>
+              </a:rPr>
+              <a:t>Hidden</a:t>
+            </a:r>
+            <a:r>
+              <a:rPr lang="es-AR" sz="2000" dirty="0">
+                <a:solidFill>
+                  <a:srgbClr val="FF0000"/>
+                </a:solidFill>
+              </a:rPr>
+              <a:t> </a:t>
+            </a:r>
+            <a:r>
+              <a:rPr lang="es-AR" sz="2000" dirty="0" err="1">
+                <a:solidFill>
+                  <a:srgbClr val="FF0000"/>
+                </a:solidFill>
+              </a:rPr>
+              <a:t>state</a:t>
+            </a:r>
+            <a:r>
+              <a:rPr lang="es-AR" sz="2000" dirty="0">
+                <a:solidFill>
+                  <a:srgbClr val="FF0000"/>
+                </a:solidFill>
+              </a:rPr>
+              <a:t> que “resume” toda la información de la input.</a:t>
+            </a:r>
+          </a:p>
+          <a:p>
+            <a:endParaRPr lang="es-AR" sz="2000" dirty="0">
+              <a:solidFill>
+                <a:srgbClr val="FF0000"/>
+              </a:solidFill>
+            </a:endParaRPr>
+          </a:p>
+          <a:p>
+            <a:r>
+              <a:rPr lang="es-AR" sz="2000" dirty="0">
                 <a:solidFill>
                   <a:srgbClr val="FF0000"/>
                 </a:solidFill>
@@ -20440,13 +20517,6 @@
   <p:clrMapOvr>
     <a:masterClrMapping/>
   </p:clrMapOvr>
-  <p:timing>
-    <p:tnLst>
-      <p:par>
-        <p:cTn id="1" dur="indefinite" restart="never" nodeType="tmRoot"/>
-      </p:par>
-    </p:tnLst>
-  </p:timing>
 </p:sld>
 </file>
 
@@ -20666,7 +20736,7 @@
               <a:buNone/>
             </a:pPr>
             <a:r>
-              <a:rPr lang="es-AR" sz="3200" dirty="0" smtClean="0">
+              <a:rPr lang="es-AR" sz="3200" dirty="0">
                 <a:solidFill>
                   <a:schemeClr val="bg1"/>
                 </a:solidFill>
@@ -20679,7 +20749,7 @@
               <a:buNone/>
             </a:pPr>
             <a:r>
-              <a:rPr lang="es-AR" sz="3200" dirty="0" err="1" smtClean="0">
+              <a:rPr lang="es-AR" sz="3200" dirty="0" err="1">
                 <a:solidFill>
                   <a:schemeClr val="bg1"/>
                 </a:solidFill>
@@ -20687,18 +20757,13 @@
               <a:t>Recurrent</a:t>
             </a:r>
             <a:r>
-              <a:rPr lang="es-AR" sz="3200" dirty="0" smtClean="0">
+              <a:rPr lang="es-AR" sz="3200" dirty="0">
                 <a:solidFill>
                   <a:schemeClr val="bg1"/>
                 </a:solidFill>
               </a:rPr>
               <a:t> Neural Network (RNN)</a:t>
             </a:r>
-            <a:endParaRPr lang="es-AR" sz="3200" dirty="0">
-              <a:solidFill>
-                <a:schemeClr val="bg1"/>
-              </a:solidFill>
-            </a:endParaRPr>
           </a:p>
         </p:txBody>
       </p:sp>
@@ -20890,7 +20955,7 @@
           <a:p>
             <a:pPr algn="l"/>
             <a:r>
-              <a:rPr lang="es-AR" sz="2800" dirty="0" smtClean="0">
+              <a:rPr lang="es-AR" sz="2800" dirty="0">
                 <a:solidFill>
                   <a:schemeClr val="bg1"/>
                 </a:solidFill>
@@ -20898,7 +20963,7 @@
               <a:t>Red neuronal </a:t>
             </a:r>
             <a:r>
-              <a:rPr lang="es-AR" sz="2800" b="1" dirty="0" smtClean="0">
+              <a:rPr lang="es-AR" sz="2800" b="1" dirty="0">
                 <a:solidFill>
                   <a:schemeClr val="bg1"/>
                 </a:solidFill>
@@ -20906,7 +20971,7 @@
               <a:t>favorita</a:t>
             </a:r>
             <a:r>
-              <a:rPr lang="es-AR" sz="2800" dirty="0" smtClean="0">
+              <a:rPr lang="es-AR" sz="2800" dirty="0">
                 <a:solidFill>
                   <a:schemeClr val="bg1"/>
                 </a:solidFill>
@@ -20914,7 +20979,7 @@
               <a:t> para el trabajo secuencias ( datos que en cuya naturaleza exista un </a:t>
             </a:r>
             <a:r>
-              <a:rPr lang="es-AR" sz="2800" b="1" dirty="0" smtClean="0">
+              <a:rPr lang="es-AR" sz="2800" b="1" dirty="0">
                 <a:solidFill>
                   <a:schemeClr val="bg1"/>
                 </a:solidFill>
@@ -20922,7 +20987,7 @@
               <a:t>comportamiento secuencial</a:t>
             </a:r>
             <a:r>
-              <a:rPr lang="es-AR" sz="2800" dirty="0" smtClean="0">
+              <a:rPr lang="es-AR" sz="2800" dirty="0">
                 <a:solidFill>
                   <a:schemeClr val="bg1"/>
                 </a:solidFill>
@@ -20932,7 +20997,7 @@
           </a:p>
           <a:p>
             <a:pPr algn="l"/>
-            <a:endParaRPr lang="es-AR" sz="2800" dirty="0" smtClean="0">
+            <a:endParaRPr lang="es-AR" sz="2800" dirty="0">
               <a:solidFill>
                 <a:schemeClr val="bg1"/>
               </a:solidFill>
@@ -20946,15 +21011,7 @@
                   <a:schemeClr val="bg1"/>
                 </a:solidFill>
               </a:rPr>
-              <a:t>	</a:t>
-            </a:r>
-            <a:r>
-              <a:rPr lang="es-AR" sz="2800" dirty="0" smtClean="0">
-                <a:solidFill>
-                  <a:schemeClr val="bg1"/>
-                </a:solidFill>
-              </a:rPr>
-              <a:t>- señales temporales</a:t>
+              <a:t>	- señales temporales</a:t>
             </a:r>
           </a:p>
           <a:p>
@@ -20965,15 +21022,7 @@
                   <a:schemeClr val="bg1"/>
                 </a:solidFill>
               </a:rPr>
-              <a:t>	</a:t>
-            </a:r>
-            <a:r>
-              <a:rPr lang="es-AR" sz="2800" dirty="0" smtClean="0">
-                <a:solidFill>
-                  <a:schemeClr val="bg1"/>
-                </a:solidFill>
-              </a:rPr>
-              <a:t>- series temporales</a:t>
+              <a:t>	- series temporales</a:t>
             </a:r>
           </a:p>
           <a:p>
@@ -20984,15 +21033,7 @@
                   <a:schemeClr val="bg1"/>
                 </a:solidFill>
               </a:rPr>
-              <a:t>	</a:t>
-            </a:r>
-            <a:r>
-              <a:rPr lang="es-AR" sz="2800" dirty="0" smtClean="0">
-                <a:solidFill>
-                  <a:schemeClr val="bg1"/>
-                </a:solidFill>
-              </a:rPr>
-              <a:t>- texto</a:t>
+              <a:t>	- texto</a:t>
             </a:r>
           </a:p>
           <a:p>
@@ -21003,15 +21044,7 @@
                   <a:schemeClr val="bg1"/>
                 </a:solidFill>
               </a:rPr>
-              <a:t>	</a:t>
-            </a:r>
-            <a:r>
-              <a:rPr lang="es-AR" sz="2800" dirty="0" smtClean="0">
-                <a:solidFill>
-                  <a:schemeClr val="bg1"/>
-                </a:solidFill>
-              </a:rPr>
-              <a:t>- habla</a:t>
+              <a:t>	- habla</a:t>
             </a:r>
           </a:p>
           <a:p>
@@ -21022,15 +21055,7 @@
                   <a:schemeClr val="bg1"/>
                 </a:solidFill>
               </a:rPr>
-              <a:t>	</a:t>
-            </a:r>
-            <a:r>
-              <a:rPr lang="es-AR" sz="2800" dirty="0" smtClean="0">
-                <a:solidFill>
-                  <a:schemeClr val="bg1"/>
-                </a:solidFill>
-              </a:rPr>
-              <a:t>- música</a:t>
+              <a:t>	- música</a:t>
             </a:r>
           </a:p>
           <a:p>
@@ -21041,25 +21066,17 @@
                   <a:schemeClr val="bg1"/>
                 </a:solidFill>
               </a:rPr>
-              <a:t>	</a:t>
-            </a:r>
-            <a:r>
-              <a:rPr lang="es-AR" sz="2800" dirty="0" smtClean="0">
-                <a:solidFill>
-                  <a:schemeClr val="bg1"/>
-                </a:solidFill>
-              </a:rPr>
-              <a:t>- </a:t>
-            </a:r>
-            <a:r>
-              <a:rPr lang="es-AR" sz="2800" dirty="0" err="1" smtClean="0">
+              <a:t>	- </a:t>
+            </a:r>
+            <a:r>
+              <a:rPr lang="es-AR" sz="2800" dirty="0" err="1">
                 <a:solidFill>
                   <a:schemeClr val="bg1"/>
                 </a:solidFill>
               </a:rPr>
               <a:t>etc</a:t>
             </a:r>
-            <a:endParaRPr lang="es-AR" sz="2800" dirty="0" smtClean="0">
+            <a:endParaRPr lang="es-AR" sz="2800" dirty="0">
               <a:solidFill>
                 <a:schemeClr val="bg1"/>
               </a:solidFill>
@@ -21085,13 +21102,6 @@
   <p:clrMapOvr>
     <a:masterClrMapping/>
   </p:clrMapOvr>
-  <p:timing>
-    <p:tnLst>
-      <p:par>
-        <p:cTn id="1" dur="indefinite" restart="never" nodeType="tmRoot"/>
-      </p:par>
-    </p:tnLst>
-  </p:timing>
 </p:sld>
 </file>
 
@@ -21311,7 +21321,7 @@
               <a:buNone/>
             </a:pPr>
             <a:r>
-              <a:rPr lang="es-AR" sz="3200" dirty="0" err="1" smtClean="0">
+              <a:rPr lang="es-AR" sz="3200" dirty="0" err="1">
                 <a:solidFill>
                   <a:schemeClr val="bg1"/>
                 </a:solidFill>
@@ -21319,7 +21329,7 @@
               <a:t>Recurrent</a:t>
             </a:r>
             <a:r>
-              <a:rPr lang="es-AR" sz="3200" dirty="0" smtClean="0">
+              <a:rPr lang="es-AR" sz="3200" dirty="0">
                 <a:solidFill>
                   <a:schemeClr val="bg1"/>
                 </a:solidFill>
@@ -21332,7 +21342,7 @@
               <a:buNone/>
             </a:pPr>
             <a:r>
-              <a:rPr lang="es-AR" sz="3200" dirty="0" smtClean="0">
+              <a:rPr lang="es-AR" sz="3200" dirty="0">
                 <a:solidFill>
                   <a:schemeClr val="bg1"/>
                 </a:solidFill>
@@ -21340,7 +21350,7 @@
               <a:t>Arquitectura </a:t>
             </a:r>
             <a:r>
-              <a:rPr lang="es-AR" sz="3200" b="1" dirty="0" err="1" smtClean="0">
+              <a:rPr lang="es-AR" sz="3200" b="1" dirty="0" err="1">
                 <a:solidFill>
                   <a:schemeClr val="bg1"/>
                 </a:solidFill>
@@ -21348,7 +21358,7 @@
               <a:t>encoder</a:t>
             </a:r>
             <a:r>
-              <a:rPr lang="es-AR" sz="3200" b="1" dirty="0" smtClean="0">
+              <a:rPr lang="es-AR" sz="3200" b="1" dirty="0">
                 <a:solidFill>
                   <a:schemeClr val="bg1"/>
                 </a:solidFill>
@@ -21356,7 +21366,7 @@
               <a:t>/</a:t>
             </a:r>
             <a:r>
-              <a:rPr lang="es-AR" sz="3200" b="1" dirty="0" err="1" smtClean="0">
+              <a:rPr lang="es-AR" sz="3200" b="1" dirty="0" err="1">
                 <a:solidFill>
                   <a:schemeClr val="bg1"/>
                 </a:solidFill>
@@ -21364,7 +21374,7 @@
               <a:t>decoder</a:t>
             </a:r>
             <a:r>
-              <a:rPr lang="es-AR" sz="3200" dirty="0" smtClean="0">
+              <a:rPr lang="es-AR" sz="3200" dirty="0">
                 <a:solidFill>
                   <a:schemeClr val="bg1"/>
                 </a:solidFill>
@@ -21372,14 +21382,14 @@
               <a:t> o </a:t>
             </a:r>
             <a:r>
-              <a:rPr lang="es-AR" sz="3200" b="1" dirty="0" err="1" smtClean="0">
+              <a:rPr lang="es-AR" sz="3200" b="1" dirty="0" err="1">
                 <a:solidFill>
                   <a:schemeClr val="bg1"/>
                 </a:solidFill>
               </a:rPr>
               <a:t>seq-to-seq</a:t>
             </a:r>
-            <a:endParaRPr lang="es-AR" sz="3200" dirty="0" smtClean="0">
+            <a:endParaRPr lang="es-AR" sz="3200" dirty="0">
               <a:solidFill>
                 <a:schemeClr val="bg1"/>
               </a:solidFill>
@@ -21461,7 +21471,7 @@
           <a:lstStyle/>
           <a:p>
             <a:r>
-              <a:rPr lang="es-AR" sz="2000" dirty="0" err="1" smtClean="0">
+              <a:rPr lang="es-AR" sz="2000" dirty="0" err="1">
                 <a:solidFill>
                   <a:srgbClr val="FF0000"/>
                 </a:solidFill>
@@ -21469,7 +21479,7 @@
               <a:t>Unfolded</a:t>
             </a:r>
             <a:r>
-              <a:rPr lang="es-AR" sz="2000" dirty="0" smtClean="0">
+              <a:rPr lang="es-AR" sz="2000" dirty="0">
                 <a:solidFill>
                   <a:srgbClr val="FF0000"/>
                 </a:solidFill>
@@ -21489,13 +21499,6 @@
   <p:clrMapOvr>
     <a:masterClrMapping/>
   </p:clrMapOvr>
-  <p:timing>
-    <p:tnLst>
-      <p:par>
-        <p:cTn id="1" dur="indefinite" restart="never" nodeType="tmRoot"/>
-      </p:par>
-    </p:tnLst>
-  </p:timing>
 </p:sld>
 </file>
 
@@ -21715,7 +21718,7 @@
               <a:buNone/>
             </a:pPr>
             <a:r>
-              <a:rPr lang="es-AR" sz="3200" dirty="0" err="1" smtClean="0">
+              <a:rPr lang="es-AR" sz="3200" dirty="0" err="1">
                 <a:solidFill>
                   <a:schemeClr val="bg1"/>
                 </a:solidFill>
@@ -21723,7 +21726,7 @@
               <a:t>Recurrent</a:t>
             </a:r>
             <a:r>
-              <a:rPr lang="es-AR" sz="3200" dirty="0" smtClean="0">
+              <a:rPr lang="es-AR" sz="3200" dirty="0">
                 <a:solidFill>
                   <a:schemeClr val="bg1"/>
                 </a:solidFill>
@@ -21736,7 +21739,7 @@
               <a:buNone/>
             </a:pPr>
             <a:r>
-              <a:rPr lang="es-AR" sz="3200" dirty="0" err="1" smtClean="0">
+              <a:rPr lang="es-AR" sz="3200" dirty="0" err="1">
                 <a:solidFill>
                   <a:schemeClr val="bg1"/>
                 </a:solidFill>
@@ -21744,7 +21747,7 @@
               <a:t>Attention</a:t>
             </a:r>
             <a:r>
-              <a:rPr lang="es-AR" sz="3200" dirty="0" smtClean="0">
+              <a:rPr lang="es-AR" sz="3200" dirty="0">
                 <a:solidFill>
                   <a:schemeClr val="bg1"/>
                 </a:solidFill>
@@ -21777,20 +21780,12 @@
           <a:p>
             <a:pPr algn="ctr"/>
             <a:r>
-              <a:rPr lang="en-US" sz="2000" i="1" dirty="0" smtClean="0">
+              <a:rPr lang="en-US" sz="2000" i="1" dirty="0">
                 <a:solidFill>
                   <a:schemeClr val="bg1"/>
                 </a:solidFill>
               </a:rPr>
-              <a:t>“… permit </a:t>
-            </a:r>
-            <a:r>
-              <a:rPr lang="en-US" sz="2000" i="1" dirty="0">
-                <a:solidFill>
-                  <a:schemeClr val="bg1"/>
-                </a:solidFill>
-              </a:rPr>
-              <a:t>the decoder to </a:t>
+              <a:t>“… permit the decoder to </a:t>
             </a:r>
             <a:r>
               <a:rPr lang="en-US" sz="2000" b="1" i="1" dirty="0">
@@ -21822,15 +21817,7 @@
                   <a:schemeClr val="bg1"/>
                 </a:solidFill>
               </a:rPr>
-              <a:t>, with the most relevant vectors being attributed the highest weights</a:t>
-            </a:r>
-            <a:r>
-              <a:rPr lang="en-US" sz="2000" i="1" dirty="0" smtClean="0">
-                <a:solidFill>
-                  <a:schemeClr val="bg1"/>
-                </a:solidFill>
-              </a:rPr>
-              <a:t>.”</a:t>
+              <a:t>, with the most relevant vectors being attributed the highest weights.”</a:t>
             </a:r>
             <a:endParaRPr lang="es-AR" sz="2000" i="1" dirty="0">
               <a:solidFill>
@@ -21862,7 +21849,7 @@
           <a:lstStyle/>
           <a:p>
             <a:r>
-              <a:rPr lang="en-US" b="1" dirty="0" smtClean="0">
+              <a:rPr lang="en-US" b="1" dirty="0">
                 <a:solidFill>
                   <a:schemeClr val="bg1"/>
                 </a:solidFill>
@@ -21870,7 +21857,7 @@
               <a:t>Alignment</a:t>
             </a:r>
             <a:r>
-              <a:rPr lang="en-US" dirty="0" smtClean="0">
+              <a:rPr lang="en-US" dirty="0">
                 <a:solidFill>
                   <a:schemeClr val="bg1"/>
                 </a:solidFill>
@@ -21878,7 +21865,7 @@
               <a:t>  </a:t>
             </a:r>
             <a:r>
-              <a:rPr lang="en-US" dirty="0" smtClean="0">
+              <a:rPr lang="en-US" dirty="0">
                 <a:solidFill>
                   <a:schemeClr val="bg1"/>
                 </a:solidFill>
@@ -21887,28 +21874,12 @@
               <a:t> </a:t>
             </a:r>
             <a:r>
-              <a:rPr lang="en-US" dirty="0" smtClean="0">
+              <a:rPr lang="en-US" dirty="0">
                 <a:solidFill>
                   <a:schemeClr val="bg1"/>
                 </a:solidFill>
               </a:rPr>
-              <a:t>which </a:t>
-            </a:r>
-            <a:r>
-              <a:rPr lang="en-US" dirty="0">
-                <a:solidFill>
-                  <a:schemeClr val="bg1"/>
-                </a:solidFill>
-              </a:rPr>
-              <a:t>parts of the input sequence are relevant to each word in the output</a:t>
-            </a:r>
-            <a:r>
-              <a:rPr lang="en-US" dirty="0" smtClean="0">
-                <a:solidFill>
-                  <a:schemeClr val="bg1"/>
-                </a:solidFill>
-              </a:rPr>
-              <a:t>,</a:t>
+              <a:t>which parts of the input sequence are relevant to each word in the output,</a:t>
             </a:r>
           </a:p>
           <a:p>
@@ -22097,13 +22068,6 @@
   <p:clrMapOvr>
     <a:masterClrMapping/>
   </p:clrMapOvr>
-  <p:timing>
-    <p:tnLst>
-      <p:par>
-        <p:cTn id="1" dur="indefinite" restart="never" nodeType="tmRoot"/>
-      </p:par>
-    </p:tnLst>
-  </p:timing>
 </p:sld>
 </file>
 
@@ -22323,7 +22287,7 @@
               <a:buNone/>
             </a:pPr>
             <a:r>
-              <a:rPr lang="es-AR" sz="3200" dirty="0" err="1" smtClean="0">
+              <a:rPr lang="es-AR" sz="3200" dirty="0" err="1">
                 <a:solidFill>
                   <a:schemeClr val="bg1"/>
                 </a:solidFill>
@@ -22331,7 +22295,7 @@
               <a:t>Recurrent</a:t>
             </a:r>
             <a:r>
-              <a:rPr lang="es-AR" sz="3200" dirty="0" smtClean="0">
+              <a:rPr lang="es-AR" sz="3200" dirty="0">
                 <a:solidFill>
                   <a:schemeClr val="bg1"/>
                 </a:solidFill>
@@ -22344,14 +22308,14 @@
               <a:buNone/>
             </a:pPr>
             <a:r>
-              <a:rPr lang="es-AR" sz="3200" dirty="0" err="1" smtClean="0">
+              <a:rPr lang="es-AR" sz="3200" dirty="0" err="1">
                 <a:solidFill>
                   <a:schemeClr val="bg1"/>
                 </a:solidFill>
               </a:rPr>
               <a:t>Attention</a:t>
             </a:r>
-            <a:endParaRPr lang="es-AR" sz="3200" dirty="0" smtClean="0">
+            <a:endParaRPr lang="es-AR" sz="3200" dirty="0">
               <a:solidFill>
                 <a:schemeClr val="bg1"/>
               </a:solidFill>
@@ -22615,21 +22579,8 @@
                   <a:srgbClr val="FF0000"/>
                 </a:solidFill>
               </a:rPr>
-              <a:t>Ver </a:t>
-            </a:r>
-            <a:r>
-              <a:rPr lang="es-AR" b="1" dirty="0" smtClean="0">
-                <a:solidFill>
-                  <a:srgbClr val="FF0000"/>
-                </a:solidFill>
-              </a:rPr>
-              <a:t>cs224n-2021-lecture07-nmt.pdf</a:t>
-            </a:r>
-            <a:endParaRPr lang="es-AR" b="1" dirty="0">
-              <a:solidFill>
-                <a:srgbClr val="FF0000"/>
-              </a:solidFill>
-            </a:endParaRPr>
+              <a:t>Ver cs224n-2021-lecture07-nmt.pdf</a:t>
+            </a:r>
           </a:p>
         </p:txBody>
       </p:sp>
@@ -22643,13 +22594,6 @@
   <p:clrMapOvr>
     <a:masterClrMapping/>
   </p:clrMapOvr>
-  <p:timing>
-    <p:tnLst>
-      <p:par>
-        <p:cTn id="1" dur="indefinite" restart="never" nodeType="tmRoot"/>
-      </p:par>
-    </p:tnLst>
-  </p:timing>
 </p:sld>
 </file>
 
@@ -22869,7 +22813,7 @@
               <a:buNone/>
             </a:pPr>
             <a:r>
-              <a:rPr lang="es-AR" sz="3200" dirty="0" err="1" smtClean="0">
+              <a:rPr lang="es-AR" sz="3200" dirty="0" err="1">
                 <a:solidFill>
                   <a:schemeClr val="bg1"/>
                 </a:solidFill>
@@ -22877,7 +22821,7 @@
               <a:t>Recurrent</a:t>
             </a:r>
             <a:r>
-              <a:rPr lang="es-AR" sz="3200" dirty="0" smtClean="0">
+              <a:rPr lang="es-AR" sz="3200" dirty="0">
                 <a:solidFill>
                   <a:schemeClr val="bg1"/>
                 </a:solidFill>
@@ -22890,7 +22834,7 @@
               <a:buNone/>
             </a:pPr>
             <a:r>
-              <a:rPr lang="es-AR" sz="3200" dirty="0" err="1" smtClean="0">
+              <a:rPr lang="es-AR" sz="3200" dirty="0" err="1">
                 <a:solidFill>
                   <a:schemeClr val="bg1"/>
                 </a:solidFill>
@@ -22898,7 +22842,7 @@
               <a:t>Attention</a:t>
             </a:r>
             <a:r>
-              <a:rPr lang="es-AR" sz="3200" dirty="0" smtClean="0">
+              <a:rPr lang="es-AR" sz="3200" dirty="0">
                 <a:solidFill>
                   <a:schemeClr val="bg1"/>
                 </a:solidFill>
@@ -23919,7 +23863,7 @@
                   </m:oMath>
                 </a14:m>
                 <a:r>
-                  <a:rPr lang="es-AR" sz="2400" dirty="0" smtClean="0">
+                  <a:rPr lang="es-AR" sz="2400" dirty="0">
                     <a:solidFill>
                       <a:schemeClr val="bg1"/>
                     </a:solidFill>
@@ -24017,7 +23961,7 @@
                   </m:oMath>
                 </a14:m>
                 <a:r>
-                  <a:rPr lang="es-AR" sz="2400" dirty="0" smtClean="0">
+                  <a:rPr lang="es-AR" sz="2400" dirty="0">
                     <a:solidFill>
                       <a:schemeClr val="bg1"/>
                     </a:solidFill>
@@ -24265,13 +24209,6 @@
   <p:clrMapOvr>
     <a:masterClrMapping/>
   </p:clrMapOvr>
-  <p:timing>
-    <p:tnLst>
-      <p:par>
-        <p:cTn id="1" dur="indefinite" restart="never" nodeType="tmRoot"/>
-      </p:par>
-    </p:tnLst>
-  </p:timing>
 </p:sld>
 </file>
 
@@ -24491,7 +24428,7 @@
               <a:buNone/>
             </a:pPr>
             <a:r>
-              <a:rPr lang="es-AR" sz="3200" dirty="0" err="1" smtClean="0">
+              <a:rPr lang="es-AR" sz="3200" dirty="0" err="1">
                 <a:solidFill>
                   <a:schemeClr val="bg1"/>
                 </a:solidFill>
@@ -24499,7 +24436,7 @@
               <a:t>Recurrent</a:t>
             </a:r>
             <a:r>
-              <a:rPr lang="es-AR" sz="3200" dirty="0" smtClean="0">
+              <a:rPr lang="es-AR" sz="3200" dirty="0">
                 <a:solidFill>
                   <a:schemeClr val="bg1"/>
                 </a:solidFill>
@@ -24512,14 +24449,14 @@
               <a:buNone/>
             </a:pPr>
             <a:r>
-              <a:rPr lang="es-AR" sz="3200" dirty="0" err="1" smtClean="0">
+              <a:rPr lang="es-AR" sz="3200" dirty="0" err="1">
                 <a:solidFill>
                   <a:schemeClr val="bg1"/>
                 </a:solidFill>
               </a:rPr>
               <a:t>Attention</a:t>
             </a:r>
-            <a:endParaRPr lang="es-AR" sz="3200" dirty="0" smtClean="0">
+            <a:endParaRPr lang="es-AR" sz="3200" dirty="0">
               <a:solidFill>
                 <a:schemeClr val="bg1"/>
               </a:solidFill>
@@ -24603,7 +24540,7 @@
               <a:tabLst/>
             </a:pPr>
             <a:r>
-              <a:rPr kumimoji="0" lang="es-AR" sz="1800" b="0" i="1" u="none" strike="noStrike" cap="none" normalizeH="0" baseline="0" dirty="0" smtClean="0">
+              <a:rPr kumimoji="0" lang="es-AR" sz="1800" b="0" i="1" u="none" strike="noStrike" cap="none" normalizeH="0" baseline="0" dirty="0">
                 <a:ln>
                   <a:noFill/>
                 </a:ln>
@@ -24616,7 +24553,7 @@
               <a:t>“…</a:t>
             </a:r>
             <a:r>
-              <a:rPr kumimoji="0" lang="es-AR" sz="1800" b="0" i="1" u="none" strike="noStrike" cap="none" normalizeH="0" baseline="0" dirty="0" err="1" smtClean="0">
+              <a:rPr kumimoji="0" lang="es-AR" sz="1800" b="0" i="1" u="none" strike="noStrike" cap="none" normalizeH="0" baseline="0" dirty="0" err="1">
                 <a:ln>
                   <a:noFill/>
                 </a:ln>
@@ -24629,7 +24566,7 @@
               <a:t>From</a:t>
             </a:r>
             <a:r>
-              <a:rPr kumimoji="0" lang="es-AR" sz="1800" b="0" i="1" u="none" strike="noStrike" cap="none" normalizeH="0" baseline="0" dirty="0" smtClean="0">
+              <a:rPr kumimoji="0" lang="es-AR" sz="1800" b="0" i="1" u="none" strike="noStrike" cap="none" normalizeH="0" baseline="0" dirty="0">
                 <a:ln>
                   <a:noFill/>
                 </a:ln>
@@ -24642,7 +24579,7 @@
               <a:t> </a:t>
             </a:r>
             <a:r>
-              <a:rPr kumimoji="0" lang="es-AR" sz="1800" b="0" i="1" u="none" strike="noStrike" cap="none" normalizeH="0" baseline="0" dirty="0" err="1" smtClean="0">
+              <a:rPr kumimoji="0" lang="es-AR" sz="1800" b="0" i="1" u="none" strike="noStrike" cap="none" normalizeH="0" baseline="0" dirty="0" err="1">
                 <a:ln>
                   <a:noFill/>
                 </a:ln>
@@ -24655,7 +24592,7 @@
               <a:t>this</a:t>
             </a:r>
             <a:r>
-              <a:rPr kumimoji="0" lang="es-AR" sz="1800" b="0" i="1" u="none" strike="noStrike" cap="none" normalizeH="0" baseline="0" dirty="0" smtClean="0">
+              <a:rPr kumimoji="0" lang="es-AR" sz="1800" b="0" i="1" u="none" strike="noStrike" cap="none" normalizeH="0" baseline="0" dirty="0">
                 <a:ln>
                   <a:noFill/>
                 </a:ln>
@@ -24668,7 +24605,7 @@
               <a:t> </a:t>
             </a:r>
             <a:r>
-              <a:rPr kumimoji="0" lang="es-AR" sz="1800" b="0" i="1" u="none" strike="noStrike" cap="none" normalizeH="0" baseline="0" dirty="0" err="1" smtClean="0">
+              <a:rPr kumimoji="0" lang="es-AR" sz="1800" b="0" i="1" u="none" strike="noStrike" cap="none" normalizeH="0" baseline="0" dirty="0" err="1">
                 <a:ln>
                   <a:noFill/>
                 </a:ln>
@@ -24681,7 +24618,7 @@
               <a:t>probabilistic</a:t>
             </a:r>
             <a:r>
-              <a:rPr kumimoji="0" lang="es-AR" sz="1800" b="0" i="1" u="none" strike="noStrike" cap="none" normalizeH="0" baseline="0" dirty="0" smtClean="0">
+              <a:rPr kumimoji="0" lang="es-AR" sz="1800" b="0" i="1" u="none" strike="noStrike" cap="none" normalizeH="0" baseline="0" dirty="0">
                 <a:ln>
                   <a:noFill/>
                 </a:ln>
@@ -24694,7 +24631,7 @@
               <a:t> </a:t>
             </a:r>
             <a:r>
-              <a:rPr kumimoji="0" lang="es-AR" sz="1800" b="0" i="1" u="none" strike="noStrike" cap="none" normalizeH="0" baseline="0" dirty="0" err="1" smtClean="0">
+              <a:rPr kumimoji="0" lang="es-AR" sz="1800" b="0" i="1" u="none" strike="noStrike" cap="none" normalizeH="0" baseline="0" dirty="0" err="1">
                 <a:ln>
                   <a:noFill/>
                 </a:ln>
@@ -24707,7 +24644,7 @@
               <a:t>perspective</a:t>
             </a:r>
             <a:r>
-              <a:rPr kumimoji="0" lang="es-AR" sz="1800" b="0" i="1" u="none" strike="noStrike" cap="none" normalizeH="0" baseline="0" dirty="0" smtClean="0">
+              <a:rPr kumimoji="0" lang="es-AR" sz="1800" b="0" i="1" u="none" strike="noStrike" cap="none" normalizeH="0" baseline="0" dirty="0">
                 <a:ln>
                   <a:noFill/>
                 </a:ln>
@@ -24720,7 +24657,7 @@
               <a:t>, </a:t>
             </a:r>
             <a:r>
-              <a:rPr kumimoji="0" lang="es-AR" sz="1800" b="0" i="1" u="none" strike="noStrike" cap="none" normalizeH="0" baseline="0" dirty="0" err="1" smtClean="0">
+              <a:rPr kumimoji="0" lang="es-AR" sz="1800" b="0" i="1" u="none" strike="noStrike" cap="none" normalizeH="0" baseline="0" dirty="0" err="1">
                 <a:ln>
                   <a:noFill/>
                 </a:ln>
@@ -24733,7 +24670,7 @@
               <a:t>one</a:t>
             </a:r>
             <a:r>
-              <a:rPr kumimoji="0" lang="es-AR" sz="1800" b="0" i="1" u="none" strike="noStrike" cap="none" normalizeH="0" baseline="0" dirty="0" smtClean="0">
+              <a:rPr kumimoji="0" lang="es-AR" sz="1800" b="0" i="1" u="none" strike="noStrike" cap="none" normalizeH="0" baseline="0" dirty="0">
                 <a:ln>
                   <a:noFill/>
                 </a:ln>
@@ -24746,7 +24683,7 @@
               <a:t> can </a:t>
             </a:r>
             <a:r>
-              <a:rPr kumimoji="0" lang="es-AR" sz="1800" b="0" i="1" u="none" strike="noStrike" cap="none" normalizeH="0" baseline="0" dirty="0" err="1" smtClean="0">
+              <a:rPr kumimoji="0" lang="es-AR" sz="1800" b="0" i="1" u="none" strike="noStrike" cap="none" normalizeH="0" baseline="0" dirty="0" err="1">
                 <a:ln>
                   <a:noFill/>
                 </a:ln>
@@ -24759,7 +24696,7 @@
               <a:t>think</a:t>
             </a:r>
             <a:r>
-              <a:rPr kumimoji="0" lang="es-AR" sz="1800" b="0" i="1" u="none" strike="noStrike" cap="none" normalizeH="0" baseline="0" dirty="0" smtClean="0">
+              <a:rPr kumimoji="0" lang="es-AR" sz="1800" b="0" i="1" u="none" strike="noStrike" cap="none" normalizeH="0" baseline="0" dirty="0">
                 <a:ln>
                   <a:noFill/>
                 </a:ln>
@@ -24772,7 +24709,7 @@
               <a:t> of </a:t>
             </a:r>
             <a:r>
-              <a:rPr kumimoji="0" lang="es-AR" sz="1800" b="0" i="1" u="none" strike="noStrike" cap="none" normalizeH="0" baseline="0" dirty="0" err="1" smtClean="0">
+              <a:rPr kumimoji="0" lang="es-AR" sz="1800" b="0" i="1" u="none" strike="noStrike" cap="none" normalizeH="0" baseline="0" dirty="0" err="1">
                 <a:ln>
                   <a:noFill/>
                 </a:ln>
@@ -24785,7 +24722,7 @@
               <a:t>the</a:t>
             </a:r>
             <a:r>
-              <a:rPr kumimoji="0" lang="es-AR" sz="1800" b="0" i="1" u="none" strike="noStrike" cap="none" normalizeH="0" baseline="0" dirty="0" smtClean="0">
+              <a:rPr kumimoji="0" lang="es-AR" sz="1800" b="0" i="1" u="none" strike="noStrike" cap="none" normalizeH="0" baseline="0" dirty="0">
                 <a:ln>
                   <a:noFill/>
                 </a:ln>
@@ -24798,7 +24735,7 @@
               <a:t> </a:t>
             </a:r>
             <a:r>
-              <a:rPr kumimoji="0" lang="es-AR" sz="1800" b="0" i="1" u="none" strike="noStrike" cap="none" normalizeH="0" baseline="0" dirty="0" err="1" smtClean="0">
+              <a:rPr kumimoji="0" lang="es-AR" sz="1800" b="0" i="1" u="none" strike="noStrike" cap="none" normalizeH="0" baseline="0" dirty="0" err="1">
                 <a:ln>
                   <a:noFill/>
                 </a:ln>
@@ -24811,7 +24748,7 @@
               <a:t>attention</a:t>
             </a:r>
             <a:r>
-              <a:rPr kumimoji="0" lang="es-AR" sz="1800" b="0" i="1" u="none" strike="noStrike" cap="none" normalizeH="0" baseline="0" dirty="0" smtClean="0">
+              <a:rPr kumimoji="0" lang="es-AR" sz="1800" b="0" i="1" u="none" strike="noStrike" cap="none" normalizeH="0" baseline="0" dirty="0">
                 <a:ln>
                   <a:noFill/>
                 </a:ln>
@@ -24824,7 +24761,7 @@
               <a:t> </a:t>
             </a:r>
             <a:r>
-              <a:rPr kumimoji="0" lang="es-AR" sz="1800" b="0" i="1" u="none" strike="noStrike" cap="none" normalizeH="0" baseline="0" dirty="0" err="1" smtClean="0">
+              <a:rPr kumimoji="0" lang="es-AR" sz="1800" b="0" i="1" u="none" strike="noStrike" cap="none" normalizeH="0" baseline="0" dirty="0" err="1">
                 <a:ln>
                   <a:noFill/>
                 </a:ln>
@@ -24837,7 +24774,7 @@
               <a:t>weight</a:t>
             </a:r>
             <a:r>
-              <a:rPr kumimoji="0" lang="es-AR" sz="1800" b="0" i="1" u="none" strike="noStrike" cap="none" normalizeH="0" baseline="0" dirty="0" smtClean="0">
+              <a:rPr kumimoji="0" lang="es-AR" sz="1800" b="0" i="1" u="none" strike="noStrike" cap="none" normalizeH="0" baseline="0" dirty="0">
                 <a:ln>
                   <a:noFill/>
                 </a:ln>
@@ -24850,7 +24787,7 @@
               <a:t> </a:t>
             </a:r>
             <a:r>
-              <a:rPr kumimoji="0" lang="es-AR" sz="1800" b="1" i="1" u="none" strike="noStrike" cap="none" normalizeH="0" baseline="0" dirty="0" err="1" smtClean="0">
+              <a:rPr kumimoji="0" lang="es-AR" sz="1800" b="1" i="1" u="none" strike="noStrike" cap="none" normalizeH="0" baseline="0" dirty="0" err="1">
                 <a:ln>
                   <a:noFill/>
                 </a:ln>
@@ -24863,7 +24800,7 @@
               <a:t>a_j</a:t>
             </a:r>
             <a:r>
-              <a:rPr kumimoji="0" lang="es-AR" sz="1800" b="0" i="1" u="none" strike="noStrike" cap="none" normalizeH="0" baseline="0" dirty="0" smtClean="0">
+              <a:rPr kumimoji="0" lang="es-AR" sz="1800" b="0" i="1" u="none" strike="noStrike" cap="none" normalizeH="0" baseline="0" dirty="0">
                 <a:ln>
                   <a:noFill/>
                 </a:ln>
@@ -24876,7 +24813,7 @@
               <a:t>   </a:t>
             </a:r>
             <a:r>
-              <a:rPr kumimoji="0" lang="es-AR" sz="1900" b="0" i="1" u="none" strike="noStrike" cap="none" normalizeH="0" baseline="0" dirty="0" smtClean="0">
+              <a:rPr kumimoji="0" lang="es-AR" sz="1900" b="0" i="1" u="none" strike="noStrike" cap="none" normalizeH="0" baseline="0" dirty="0">
                 <a:ln>
                   <a:noFill/>
                 </a:ln>
@@ -24889,7 +24826,7 @@
               <a:t> </a:t>
             </a:r>
             <a:r>
-              <a:rPr kumimoji="0" lang="es-AR" sz="1800" b="0" i="1" u="none" strike="noStrike" cap="none" normalizeH="0" baseline="0" dirty="0" smtClean="0">
+              <a:rPr kumimoji="0" lang="es-AR" sz="1800" b="0" i="1" u="none" strike="noStrike" cap="none" normalizeH="0" baseline="0" dirty="0">
                 <a:ln>
                   <a:noFill/>
                 </a:ln>
@@ -24902,7 +24839,7 @@
               <a:t>as </a:t>
             </a:r>
             <a:r>
-              <a:rPr kumimoji="0" lang="es-AR" sz="1800" b="0" i="1" u="none" strike="noStrike" cap="none" normalizeH="0" baseline="0" dirty="0" err="1" smtClean="0">
+              <a:rPr kumimoji="0" lang="es-AR" sz="1800" b="0" i="1" u="none" strike="noStrike" cap="none" normalizeH="0" baseline="0" dirty="0" err="1">
                 <a:ln>
                   <a:noFill/>
                 </a:ln>
@@ -24915,7 +24852,7 @@
               <a:t>the</a:t>
             </a:r>
             <a:r>
-              <a:rPr kumimoji="0" lang="es-AR" sz="1800" b="0" i="1" u="none" strike="noStrike" cap="none" normalizeH="0" baseline="0" dirty="0" smtClean="0">
+              <a:rPr kumimoji="0" lang="es-AR" sz="1800" b="0" i="1" u="none" strike="noStrike" cap="none" normalizeH="0" baseline="0" dirty="0">
                 <a:ln>
                   <a:noFill/>
                 </a:ln>
@@ -24928,7 +24865,7 @@
               <a:t> </a:t>
             </a:r>
             <a:r>
-              <a:rPr kumimoji="0" lang="es-AR" sz="1800" b="0" i="1" u="none" strike="noStrike" cap="none" normalizeH="0" baseline="0" dirty="0" err="1" smtClean="0">
+              <a:rPr kumimoji="0" lang="es-AR" sz="1800" b="0" i="1" u="none" strike="noStrike" cap="none" normalizeH="0" baseline="0" dirty="0" err="1">
                 <a:ln>
                   <a:noFill/>
                 </a:ln>
@@ -24941,7 +24878,7 @@
               <a:t>probability</a:t>
             </a:r>
             <a:r>
-              <a:rPr kumimoji="0" lang="es-AR" sz="1800" b="0" i="1" u="none" strike="noStrike" cap="none" normalizeH="0" baseline="0" dirty="0" smtClean="0">
+              <a:rPr kumimoji="0" lang="es-AR" sz="1800" b="0" i="1" u="none" strike="noStrike" cap="none" normalizeH="0" baseline="0" dirty="0">
                 <a:ln>
                   <a:noFill/>
                 </a:ln>
@@ -24954,7 +24891,7 @@
               <a:t> of </a:t>
             </a:r>
             <a:r>
-              <a:rPr kumimoji="0" lang="es-AR" sz="1800" b="0" i="1" u="none" strike="noStrike" cap="none" normalizeH="0" baseline="0" dirty="0" err="1" smtClean="0">
+              <a:rPr kumimoji="0" lang="es-AR" sz="1800" b="0" i="1" u="none" strike="noStrike" cap="none" normalizeH="0" baseline="0" dirty="0" err="1">
                 <a:ln>
                   <a:noFill/>
                 </a:ln>
@@ -24967,7 +24904,7 @@
               <a:t>the</a:t>
             </a:r>
             <a:r>
-              <a:rPr kumimoji="0" lang="es-AR" sz="1800" b="0" i="1" u="none" strike="noStrike" cap="none" normalizeH="0" baseline="0" dirty="0" smtClean="0">
+              <a:rPr kumimoji="0" lang="es-AR" sz="1800" b="0" i="1" u="none" strike="noStrike" cap="none" normalizeH="0" baseline="0" dirty="0">
                 <a:ln>
                   <a:noFill/>
                 </a:ln>
@@ -24980,7 +24917,7 @@
               <a:t> </a:t>
             </a:r>
             <a:r>
-              <a:rPr kumimoji="0" lang="es-AR" sz="1800" b="0" i="1" u="none" strike="noStrike" cap="none" normalizeH="0" baseline="0" dirty="0" err="1" smtClean="0">
+              <a:rPr kumimoji="0" lang="es-AR" sz="1800" b="0" i="1" u="none" strike="noStrike" cap="none" normalizeH="0" baseline="0" dirty="0" err="1">
                 <a:ln>
                   <a:noFill/>
                 </a:ln>
@@ -24993,7 +24930,7 @@
               <a:t>decoder</a:t>
             </a:r>
             <a:r>
-              <a:rPr kumimoji="0" lang="es-AR" sz="1800" b="0" i="1" u="none" strike="noStrike" cap="none" normalizeH="0" baseline="0" dirty="0" smtClean="0">
+              <a:rPr kumimoji="0" lang="es-AR" sz="1800" b="0" i="1" u="none" strike="noStrike" cap="none" normalizeH="0" baseline="0" dirty="0">
                 <a:ln>
                   <a:noFill/>
                 </a:ln>
@@ -25006,7 +24943,7 @@
               <a:t> </a:t>
             </a:r>
             <a:r>
-              <a:rPr kumimoji="0" lang="es-AR" sz="1800" b="0" i="1" u="none" strike="noStrike" cap="none" normalizeH="0" baseline="0" dirty="0" err="1" smtClean="0">
+              <a:rPr kumimoji="0" lang="es-AR" sz="1800" b="0" i="1" u="none" strike="noStrike" cap="none" normalizeH="0" baseline="0" dirty="0" err="1">
                 <a:ln>
                   <a:noFill/>
                 </a:ln>
@@ -25019,7 +24956,7 @@
               <a:t>selecting</a:t>
             </a:r>
             <a:r>
-              <a:rPr kumimoji="0" lang="es-AR" sz="1800" b="0" i="1" u="none" strike="noStrike" cap="none" normalizeH="0" baseline="0" dirty="0" smtClean="0">
+              <a:rPr kumimoji="0" lang="es-AR" sz="1800" b="0" i="1" u="none" strike="noStrike" cap="none" normalizeH="0" baseline="0" dirty="0">
                 <a:ln>
                   <a:noFill/>
                 </a:ln>
@@ -25032,7 +24969,7 @@
               <a:t> </a:t>
             </a:r>
             <a:r>
-              <a:rPr kumimoji="0" lang="es-AR" sz="1800" b="0" i="1" u="none" strike="noStrike" cap="none" normalizeH="0" baseline="0" dirty="0" err="1" smtClean="0">
+              <a:rPr kumimoji="0" lang="es-AR" sz="1800" b="0" i="1" u="none" strike="noStrike" cap="none" normalizeH="0" baseline="0" dirty="0" err="1">
                 <a:ln>
                   <a:noFill/>
                 </a:ln>
@@ -25045,7 +24982,7 @@
               <a:t>the</a:t>
             </a:r>
             <a:r>
-              <a:rPr kumimoji="0" lang="es-AR" sz="1800" b="0" i="1" u="none" strike="noStrike" cap="none" normalizeH="0" baseline="0" dirty="0" smtClean="0">
+              <a:rPr kumimoji="0" lang="es-AR" sz="1800" b="0" i="1" u="none" strike="noStrike" cap="none" normalizeH="0" baseline="0" dirty="0">
                 <a:ln>
                   <a:noFill/>
                 </a:ln>
@@ -25058,7 +24995,7 @@
               <a:t>  </a:t>
             </a:r>
             <a:r>
-              <a:rPr kumimoji="0" lang="es-AR" sz="1800" b="1" i="1" u="none" strike="noStrike" cap="none" normalizeH="0" baseline="0" dirty="0" smtClean="0">
+              <a:rPr kumimoji="0" lang="es-AR" sz="1800" b="1" i="1" u="none" strike="noStrike" cap="none" normalizeH="0" baseline="0" dirty="0">
                 <a:ln>
                   <a:noFill/>
                 </a:ln>
@@ -25071,7 +25008,7 @@
               <a:t>j </a:t>
             </a:r>
             <a:r>
-              <a:rPr kumimoji="0" lang="es-AR" sz="1900" b="1" i="1" u="none" strike="noStrike" cap="none" normalizeH="0" baseline="0" dirty="0" smtClean="0">
+              <a:rPr kumimoji="0" lang="es-AR" sz="1900" b="1" i="1" u="none" strike="noStrike" cap="none" normalizeH="0" baseline="0" dirty="0">
                 <a:ln>
                   <a:noFill/>
                 </a:ln>
@@ -25084,7 +25021,7 @@
               <a:t>-</a:t>
             </a:r>
             <a:r>
-              <a:rPr kumimoji="0" lang="es-AR" sz="1800" b="1" i="1" u="none" strike="noStrike" cap="none" normalizeH="0" baseline="0" dirty="0" err="1" smtClean="0">
+              <a:rPr kumimoji="0" lang="es-AR" sz="1800" b="1" i="1" u="none" strike="noStrike" cap="none" normalizeH="0" baseline="0" dirty="0" err="1">
                 <a:ln>
                   <a:noFill/>
                 </a:ln>
@@ -25097,7 +25034,7 @@
               <a:t>th</a:t>
             </a:r>
             <a:r>
-              <a:rPr kumimoji="0" lang="es-AR" sz="1800" b="1" i="1" u="none" strike="noStrike" cap="none" normalizeH="0" baseline="0" dirty="0" smtClean="0">
+              <a:rPr kumimoji="0" lang="es-AR" sz="1800" b="1" i="1" u="none" strike="noStrike" cap="none" normalizeH="0" baseline="0" dirty="0">
                 <a:ln>
                   <a:noFill/>
                 </a:ln>
@@ -25110,7 +25047,7 @@
               <a:t> </a:t>
             </a:r>
             <a:r>
-              <a:rPr kumimoji="0" lang="es-AR" sz="1800" b="1" i="1" u="none" strike="noStrike" cap="none" normalizeH="0" baseline="0" dirty="0" err="1" smtClean="0">
+              <a:rPr kumimoji="0" lang="es-AR" sz="1800" b="1" i="1" u="none" strike="noStrike" cap="none" normalizeH="0" baseline="0" dirty="0" err="1">
                 <a:ln>
                   <a:noFill/>
                 </a:ln>
@@ -25123,7 +25060,7 @@
               <a:t>context-dependent</a:t>
             </a:r>
             <a:r>
-              <a:rPr kumimoji="0" lang="es-AR" sz="1800" b="1" i="1" u="none" strike="noStrike" cap="none" normalizeH="0" baseline="0" dirty="0" smtClean="0">
+              <a:rPr kumimoji="0" lang="es-AR" sz="1800" b="1" i="1" u="none" strike="noStrike" cap="none" normalizeH="0" baseline="0" dirty="0">
                 <a:ln>
                   <a:noFill/>
                 </a:ln>
@@ -25136,7 +25073,7 @@
               <a:t> </a:t>
             </a:r>
             <a:r>
-              <a:rPr kumimoji="0" lang="es-AR" sz="1800" b="1" i="1" u="none" strike="noStrike" cap="none" normalizeH="0" baseline="0" dirty="0" err="1" smtClean="0">
+              <a:rPr kumimoji="0" lang="es-AR" sz="1800" b="1" i="1" u="none" strike="noStrike" cap="none" normalizeH="0" baseline="0" dirty="0" err="1">
                 <a:ln>
                   <a:noFill/>
                 </a:ln>
@@ -25149,7 +25086,7 @@
               <a:t>source</a:t>
             </a:r>
             <a:r>
-              <a:rPr kumimoji="0" lang="es-AR" sz="1800" b="1" i="1" u="none" strike="noStrike" cap="none" normalizeH="0" baseline="0" dirty="0" smtClean="0">
+              <a:rPr kumimoji="0" lang="es-AR" sz="1800" b="1" i="1" u="none" strike="noStrike" cap="none" normalizeH="0" baseline="0" dirty="0">
                 <a:ln>
                   <a:noFill/>
                 </a:ln>
@@ -25162,7 +25099,7 @@
               <a:t> </a:t>
             </a:r>
             <a:r>
-              <a:rPr kumimoji="0" lang="es-AR" sz="1800" b="1" i="1" u="none" strike="noStrike" cap="none" normalizeH="0" baseline="0" dirty="0" err="1" smtClean="0">
+              <a:rPr kumimoji="0" lang="es-AR" sz="1800" b="1" i="1" u="none" strike="noStrike" cap="none" normalizeH="0" baseline="0" dirty="0" err="1">
                 <a:ln>
                   <a:noFill/>
                 </a:ln>
@@ -25175,7 +25112,7 @@
               <a:t>word</a:t>
             </a:r>
             <a:r>
-              <a:rPr kumimoji="0" lang="es-AR" sz="1800" b="1" i="1" u="none" strike="noStrike" cap="none" normalizeH="0" baseline="0" dirty="0" smtClean="0">
+              <a:rPr kumimoji="0" lang="es-AR" sz="1800" b="1" i="1" u="none" strike="noStrike" cap="none" normalizeH="0" baseline="0" dirty="0">
                 <a:ln>
                   <a:noFill/>
                 </a:ln>
@@ -25188,7 +25125,7 @@
               <a:t> </a:t>
             </a:r>
             <a:r>
-              <a:rPr kumimoji="0" lang="es-AR" sz="1800" b="0" i="1" u="none" strike="noStrike" cap="none" normalizeH="0" baseline="0" dirty="0" err="1" smtClean="0">
+              <a:rPr kumimoji="0" lang="es-AR" sz="1800" b="0" i="1" u="none" strike="noStrike" cap="none" normalizeH="0" baseline="0" dirty="0" err="1">
                 <a:ln>
                   <a:noFill/>
                 </a:ln>
@@ -25201,7 +25138,7 @@
               <a:t>representation</a:t>
             </a:r>
             <a:r>
-              <a:rPr kumimoji="0" lang="es-AR" sz="1800" b="0" i="1" u="none" strike="noStrike" cap="none" normalizeH="0" baseline="0" dirty="0" smtClean="0">
+              <a:rPr kumimoji="0" lang="es-AR" sz="1800" b="0" i="1" u="none" strike="noStrike" cap="none" normalizeH="0" baseline="0" dirty="0">
                 <a:ln>
                   <a:noFill/>
                 </a:ln>
@@ -25214,7 +25151,7 @@
               <a:t> </a:t>
             </a:r>
             <a:r>
-              <a:rPr kumimoji="0" lang="es-AR" sz="1800" b="0" i="1" u="none" strike="noStrike" cap="none" normalizeH="0" baseline="0" dirty="0" err="1" smtClean="0">
+              <a:rPr kumimoji="0" lang="es-AR" sz="1800" b="0" i="1" u="none" strike="noStrike" cap="none" normalizeH="0" baseline="0" dirty="0" err="1">
                 <a:ln>
                   <a:noFill/>
                 </a:ln>
@@ -25227,7 +25164,7 @@
               <a:t>out</a:t>
             </a:r>
             <a:r>
-              <a:rPr kumimoji="0" lang="es-AR" sz="1800" b="0" i="1" u="none" strike="noStrike" cap="none" normalizeH="0" baseline="0" dirty="0" smtClean="0">
+              <a:rPr kumimoji="0" lang="es-AR" sz="1800" b="0" i="1" u="none" strike="noStrike" cap="none" normalizeH="0" baseline="0" dirty="0">
                 <a:ln>
                   <a:noFill/>
                 </a:ln>
@@ -25240,7 +25177,7 @@
               <a:t> of </a:t>
             </a:r>
             <a:r>
-              <a:rPr kumimoji="0" lang="es-AR" sz="1800" b="0" i="1" u="none" strike="noStrike" cap="none" normalizeH="0" baseline="0" dirty="0" err="1" smtClean="0">
+              <a:rPr kumimoji="0" lang="es-AR" sz="1800" b="0" i="1" u="none" strike="noStrike" cap="none" normalizeH="0" baseline="0" dirty="0" err="1">
                 <a:ln>
                   <a:noFill/>
                 </a:ln>
@@ -25253,7 +25190,7 @@
               <a:t>all</a:t>
             </a:r>
             <a:r>
-              <a:rPr kumimoji="0" lang="es-AR" sz="1800" b="0" i="1" u="none" strike="noStrike" cap="none" normalizeH="0" baseline="0" dirty="0" smtClean="0">
+              <a:rPr kumimoji="0" lang="es-AR" sz="1800" b="0" i="1" u="none" strike="noStrike" cap="none" normalizeH="0" baseline="0" dirty="0">
                 <a:ln>
                   <a:noFill/>
                 </a:ln>
@@ -25266,7 +25203,7 @@
               <a:t>  T </a:t>
             </a:r>
             <a:r>
-              <a:rPr kumimoji="0" lang="es-AR" sz="1900" b="0" i="1" u="none" strike="noStrike" cap="none" normalizeH="0" baseline="0" dirty="0" smtClean="0">
+              <a:rPr kumimoji="0" lang="es-AR" sz="1900" b="0" i="1" u="none" strike="noStrike" cap="none" normalizeH="0" baseline="0" dirty="0">
                 <a:ln>
                   <a:noFill/>
                 </a:ln>
@@ -25279,7 +25216,7 @@
               <a:t> </a:t>
             </a:r>
             <a:r>
-              <a:rPr kumimoji="0" lang="es-AR" sz="1800" b="0" i="1" u="none" strike="noStrike" cap="none" normalizeH="0" baseline="0" dirty="0" err="1" smtClean="0">
+              <a:rPr kumimoji="0" lang="es-AR" sz="1800" b="0" i="1" u="none" strike="noStrike" cap="none" normalizeH="0" baseline="0" dirty="0" err="1">
                 <a:ln>
                   <a:noFill/>
                 </a:ln>
@@ -25292,7 +25229,7 @@
               <a:t>source</a:t>
             </a:r>
             <a:r>
-              <a:rPr kumimoji="0" lang="es-AR" sz="1800" b="0" i="1" u="none" strike="noStrike" cap="none" normalizeH="0" baseline="0" dirty="0" smtClean="0">
+              <a:rPr kumimoji="0" lang="es-AR" sz="1800" b="0" i="1" u="none" strike="noStrike" cap="none" normalizeH="0" baseline="0" dirty="0">
                 <a:ln>
                   <a:noFill/>
                 </a:ln>
@@ -25305,7 +25242,7 @@
               <a:t> </a:t>
             </a:r>
             <a:r>
-              <a:rPr kumimoji="0" lang="es-AR" sz="1800" b="0" i="1" u="none" strike="noStrike" cap="none" normalizeH="0" baseline="0" dirty="0" err="1" smtClean="0">
+              <a:rPr kumimoji="0" lang="es-AR" sz="1800" b="0" i="1" u="none" strike="noStrike" cap="none" normalizeH="0" baseline="0" dirty="0" err="1">
                 <a:ln>
                   <a:noFill/>
                 </a:ln>
@@ -25318,7 +25255,7 @@
               <a:t>words</a:t>
             </a:r>
             <a:r>
-              <a:rPr kumimoji="0" lang="es-AR" sz="1800" b="0" i="1" u="none" strike="noStrike" cap="none" normalizeH="0" baseline="0" dirty="0" smtClean="0">
+              <a:rPr kumimoji="0" lang="es-AR" sz="1800" b="0" i="1" u="none" strike="noStrike" cap="none" normalizeH="0" baseline="0" dirty="0">
                 <a:ln>
                   <a:noFill/>
                 </a:ln>
@@ -25445,13 +25382,6 @@
   <p:clrMapOvr>
     <a:masterClrMapping/>
   </p:clrMapOvr>
-  <p:timing>
-    <p:tnLst>
-      <p:par>
-        <p:cTn id="1" dur="indefinite" restart="never" nodeType="tmRoot"/>
-      </p:par>
-    </p:tnLst>
-  </p:timing>
 </p:sld>
 </file>
 
@@ -25671,7 +25601,7 @@
               <a:buNone/>
             </a:pPr>
             <a:r>
-              <a:rPr lang="es-AR" sz="3200" dirty="0" err="1" smtClean="0">
+              <a:rPr lang="es-AR" sz="3200" dirty="0" err="1">
                 <a:solidFill>
                   <a:schemeClr val="bg1"/>
                 </a:solidFill>
@@ -25679,7 +25609,7 @@
               <a:t>Recurrent</a:t>
             </a:r>
             <a:r>
-              <a:rPr lang="es-AR" sz="3200" dirty="0" smtClean="0">
+              <a:rPr lang="es-AR" sz="3200" dirty="0">
                 <a:solidFill>
                   <a:schemeClr val="bg1"/>
                 </a:solidFill>
@@ -25692,7 +25622,7 @@
               <a:buNone/>
             </a:pPr>
             <a:r>
-              <a:rPr lang="es-AR" sz="3200" dirty="0" err="1" smtClean="0">
+              <a:rPr lang="es-AR" sz="3200" dirty="0" err="1">
                 <a:solidFill>
                   <a:schemeClr val="bg1"/>
                 </a:solidFill>
@@ -25700,7 +25630,7 @@
               <a:t>Attention</a:t>
             </a:r>
             <a:r>
-              <a:rPr lang="es-AR" sz="3200" dirty="0" smtClean="0">
+              <a:rPr lang="es-AR" sz="3200" dirty="0">
                 <a:solidFill>
                   <a:schemeClr val="bg1"/>
                 </a:solidFill>
@@ -25744,13 +25674,6 @@
   <p:clrMapOvr>
     <a:masterClrMapping/>
   </p:clrMapOvr>
-  <p:timing>
-    <p:tnLst>
-      <p:par>
-        <p:cTn id="1" dur="indefinite" restart="never" nodeType="tmRoot"/>
-      </p:par>
-    </p:tnLst>
-  </p:timing>
 </p:sld>
 </file>
 
@@ -25970,7 +25893,7 @@
               <a:buNone/>
             </a:pPr>
             <a:r>
-              <a:rPr lang="es-AR" sz="3200" dirty="0" err="1" smtClean="0">
+              <a:rPr lang="es-AR" sz="3200" dirty="0" err="1">
                 <a:solidFill>
                   <a:schemeClr val="bg1"/>
                 </a:solidFill>
@@ -25978,7 +25901,7 @@
               <a:t>Recurrent</a:t>
             </a:r>
             <a:r>
-              <a:rPr lang="es-AR" sz="3200" dirty="0" smtClean="0">
+              <a:rPr lang="es-AR" sz="3200" dirty="0">
                 <a:solidFill>
                   <a:schemeClr val="bg1"/>
                 </a:solidFill>
@@ -25991,7 +25914,7 @@
               <a:buNone/>
             </a:pPr>
             <a:r>
-              <a:rPr lang="es-AR" sz="3200" dirty="0" err="1" smtClean="0">
+              <a:rPr lang="es-AR" sz="3200" dirty="0" err="1">
                 <a:solidFill>
                   <a:schemeClr val="bg1"/>
                 </a:solidFill>
@@ -26004,15 +25927,7 @@
                   <a:schemeClr val="bg1"/>
                 </a:solidFill>
               </a:rPr>
-              <a:t> </a:t>
-            </a:r>
-            <a:r>
-              <a:rPr lang="es-AR" sz="3200" dirty="0" smtClean="0">
-                <a:solidFill>
-                  <a:schemeClr val="bg1"/>
-                </a:solidFill>
-              </a:rPr>
-              <a:t>se aplica a mas que NLP (o traducción)</a:t>
+              <a:t> se aplica a mas que NLP (o traducción)</a:t>
             </a:r>
           </a:p>
         </p:txBody>
@@ -26079,13 +25994,6 @@
   <p:clrMapOvr>
     <a:masterClrMapping/>
   </p:clrMapOvr>
-  <p:timing>
-    <p:tnLst>
-      <p:par>
-        <p:cTn id="1" dur="indefinite" restart="never" nodeType="tmRoot"/>
-      </p:par>
-    </p:tnLst>
-  </p:timing>
 </p:sld>
 </file>
 
@@ -26305,7 +26213,7 @@
               <a:buNone/>
             </a:pPr>
             <a:r>
-              <a:rPr lang="es-AR" sz="3200" dirty="0" err="1" smtClean="0">
+              <a:rPr lang="es-AR" sz="3200" dirty="0" err="1">
                 <a:solidFill>
                   <a:schemeClr val="bg1"/>
                 </a:solidFill>
@@ -26313,7 +26221,7 @@
               <a:t>Recurrent</a:t>
             </a:r>
             <a:r>
-              <a:rPr lang="es-AR" sz="3200" dirty="0" smtClean="0">
+              <a:rPr lang="es-AR" sz="3200" dirty="0">
                 <a:solidFill>
                   <a:schemeClr val="bg1"/>
                 </a:solidFill>
@@ -26321,7 +26229,7 @@
               <a:t> Neural Network (RNN) vs </a:t>
             </a:r>
             <a:r>
-              <a:rPr lang="es-AR" sz="3200" dirty="0" err="1" smtClean="0">
+              <a:rPr lang="es-AR" sz="3200" dirty="0" err="1">
                 <a:solidFill>
                   <a:schemeClr val="bg1"/>
                 </a:solidFill>
@@ -26329,7 +26237,7 @@
               <a:t>Tapped</a:t>
             </a:r>
             <a:r>
-              <a:rPr lang="es-AR" sz="3200" dirty="0" smtClean="0">
+              <a:rPr lang="es-AR" sz="3200" dirty="0">
                 <a:solidFill>
                   <a:schemeClr val="bg1"/>
                 </a:solidFill>
@@ -26337,7 +26245,7 @@
               <a:t> </a:t>
             </a:r>
             <a:r>
-              <a:rPr lang="es-AR" sz="3200" dirty="0" err="1" smtClean="0">
+              <a:rPr lang="es-AR" sz="3200" dirty="0" err="1">
                 <a:solidFill>
                   <a:schemeClr val="bg1"/>
                 </a:solidFill>
@@ -26345,18 +26253,13 @@
               <a:t>Delayed</a:t>
             </a:r>
             <a:r>
-              <a:rPr lang="es-AR" sz="3200" dirty="0" smtClean="0">
+              <a:rPr lang="es-AR" sz="3200" dirty="0">
                 <a:solidFill>
                   <a:schemeClr val="bg1"/>
                 </a:solidFill>
               </a:rPr>
               <a:t> MLP</a:t>
             </a:r>
-            <a:endParaRPr lang="es-AR" sz="3200" dirty="0">
-              <a:solidFill>
-                <a:schemeClr val="bg1"/>
-              </a:solidFill>
-            </a:endParaRPr>
           </a:p>
         </p:txBody>
       </p:sp>
@@ -26385,16 +26288,76 @@
                 <a:tableStyleId>{5C22544A-7EE6-4342-B048-85BDC9FD1C3A}</a:tableStyleId>
               </a:tblPr>
               <a:tblGrid>
-                <a:gridCol w="985234"/>
-                <a:gridCol w="985234"/>
-                <a:gridCol w="985234"/>
-                <a:gridCol w="985234"/>
-                <a:gridCol w="985234"/>
-                <a:gridCol w="985234"/>
-                <a:gridCol w="985234"/>
-                <a:gridCol w="985234"/>
-                <a:gridCol w="985234"/>
-                <a:gridCol w="985234"/>
+                <a:gridCol w="985234">
+                  <a:extLst>
+                    <a:ext uri="{9D8B030D-6E8A-4147-A177-3AD203B41FA5}">
+                      <a16:colId xmlns:a16="http://schemas.microsoft.com/office/drawing/2014/main" val="20000"/>
+                    </a:ext>
+                  </a:extLst>
+                </a:gridCol>
+                <a:gridCol w="985234">
+                  <a:extLst>
+                    <a:ext uri="{9D8B030D-6E8A-4147-A177-3AD203B41FA5}">
+                      <a16:colId xmlns:a16="http://schemas.microsoft.com/office/drawing/2014/main" val="20001"/>
+                    </a:ext>
+                  </a:extLst>
+                </a:gridCol>
+                <a:gridCol w="985234">
+                  <a:extLst>
+                    <a:ext uri="{9D8B030D-6E8A-4147-A177-3AD203B41FA5}">
+                      <a16:colId xmlns:a16="http://schemas.microsoft.com/office/drawing/2014/main" val="20002"/>
+                    </a:ext>
+                  </a:extLst>
+                </a:gridCol>
+                <a:gridCol w="985234">
+                  <a:extLst>
+                    <a:ext uri="{9D8B030D-6E8A-4147-A177-3AD203B41FA5}">
+                      <a16:colId xmlns:a16="http://schemas.microsoft.com/office/drawing/2014/main" val="20003"/>
+                    </a:ext>
+                  </a:extLst>
+                </a:gridCol>
+                <a:gridCol w="985234">
+                  <a:extLst>
+                    <a:ext uri="{9D8B030D-6E8A-4147-A177-3AD203B41FA5}">
+                      <a16:colId xmlns:a16="http://schemas.microsoft.com/office/drawing/2014/main" val="20004"/>
+                    </a:ext>
+                  </a:extLst>
+                </a:gridCol>
+                <a:gridCol w="985234">
+                  <a:extLst>
+                    <a:ext uri="{9D8B030D-6E8A-4147-A177-3AD203B41FA5}">
+                      <a16:colId xmlns:a16="http://schemas.microsoft.com/office/drawing/2014/main" val="20005"/>
+                    </a:ext>
+                  </a:extLst>
+                </a:gridCol>
+                <a:gridCol w="985234">
+                  <a:extLst>
+                    <a:ext uri="{9D8B030D-6E8A-4147-A177-3AD203B41FA5}">
+                      <a16:colId xmlns:a16="http://schemas.microsoft.com/office/drawing/2014/main" val="20006"/>
+                    </a:ext>
+                  </a:extLst>
+                </a:gridCol>
+                <a:gridCol w="985234">
+                  <a:extLst>
+                    <a:ext uri="{9D8B030D-6E8A-4147-A177-3AD203B41FA5}">
+                      <a16:colId xmlns:a16="http://schemas.microsoft.com/office/drawing/2014/main" val="20007"/>
+                    </a:ext>
+                  </a:extLst>
+                </a:gridCol>
+                <a:gridCol w="985234">
+                  <a:extLst>
+                    <a:ext uri="{9D8B030D-6E8A-4147-A177-3AD203B41FA5}">
+                      <a16:colId xmlns:a16="http://schemas.microsoft.com/office/drawing/2014/main" val="20008"/>
+                    </a:ext>
+                  </a:extLst>
+                </a:gridCol>
+                <a:gridCol w="985234">
+                  <a:extLst>
+                    <a:ext uri="{9D8B030D-6E8A-4147-A177-3AD203B41FA5}">
+                      <a16:colId xmlns:a16="http://schemas.microsoft.com/office/drawing/2014/main" val="20009"/>
+                    </a:ext>
+                  </a:extLst>
+                </a:gridCol>
               </a:tblGrid>
               <a:tr h="576000">
                 <a:tc>
@@ -26404,10 +26367,9 @@
                     <a:p>
                       <a:pPr algn="ctr"/>
                       <a:r>
-                        <a:rPr lang="es-AR" dirty="0" smtClean="0"/>
+                        <a:rPr lang="es-AR" dirty="0"/>
                         <a:t>X(t=0)</a:t>
                       </a:r>
-                      <a:endParaRPr lang="es-AR" dirty="0"/>
                     </a:p>
                   </a:txBody>
                   <a:tcPr anchor="ctr">
@@ -26456,10 +26418,9 @@
                     <a:p>
                       <a:pPr algn="ctr"/>
                       <a:r>
-                        <a:rPr lang="es-AR" dirty="0" smtClean="0"/>
+                        <a:rPr lang="es-AR" dirty="0"/>
                         <a:t>X(t=1)</a:t>
                       </a:r>
-                      <a:endParaRPr lang="es-AR" dirty="0"/>
                     </a:p>
                   </a:txBody>
                   <a:tcPr anchor="ctr">
@@ -26508,10 +26469,9 @@
                     <a:p>
                       <a:pPr algn="ctr"/>
                       <a:r>
-                        <a:rPr lang="es-AR" dirty="0" smtClean="0"/>
+                        <a:rPr lang="es-AR" dirty="0"/>
                         <a:t>X(t=2)</a:t>
                       </a:r>
-                      <a:endParaRPr lang="es-AR" dirty="0"/>
                     </a:p>
                   </a:txBody>
                   <a:tcPr anchor="ctr">
@@ -26560,10 +26520,9 @@
                     <a:p>
                       <a:pPr algn="ctr"/>
                       <a:r>
-                        <a:rPr lang="es-AR" dirty="0" smtClean="0"/>
+                        <a:rPr lang="es-AR" dirty="0"/>
                         <a:t>X(t=3)</a:t>
                       </a:r>
-                      <a:endParaRPr lang="es-AR" dirty="0"/>
                     </a:p>
                   </a:txBody>
                   <a:tcPr anchor="ctr">
@@ -26612,10 +26571,9 @@
                     <a:p>
                       <a:pPr algn="ctr"/>
                       <a:r>
-                        <a:rPr lang="es-AR" dirty="0" smtClean="0"/>
+                        <a:rPr lang="es-AR" dirty="0"/>
                         <a:t>X(t=4)</a:t>
                       </a:r>
-                      <a:endParaRPr lang="es-AR" dirty="0"/>
                     </a:p>
                   </a:txBody>
                   <a:tcPr anchor="ctr">
@@ -26664,10 +26622,9 @@
                     <a:p>
                       <a:pPr algn="ctr"/>
                       <a:r>
-                        <a:rPr lang="es-AR" dirty="0" smtClean="0"/>
+                        <a:rPr lang="es-AR" dirty="0"/>
                         <a:t>X(t=5)</a:t>
                       </a:r>
-                      <a:endParaRPr lang="es-AR" dirty="0"/>
                     </a:p>
                   </a:txBody>
                   <a:tcPr anchor="ctr">
@@ -26716,10 +26673,9 @@
                     <a:p>
                       <a:pPr algn="ctr"/>
                       <a:r>
-                        <a:rPr lang="es-AR" dirty="0" smtClean="0"/>
+                        <a:rPr lang="es-AR" dirty="0"/>
                         <a:t>X(t=6)</a:t>
                       </a:r>
-                      <a:endParaRPr lang="es-AR" dirty="0"/>
                     </a:p>
                   </a:txBody>
                   <a:tcPr anchor="ctr">
@@ -26784,10 +26740,9 @@
                         <a:defRPr/>
                       </a:pPr>
                       <a:r>
-                        <a:rPr lang="es-AR" dirty="0" smtClean="0"/>
+                        <a:rPr lang="es-AR" dirty="0"/>
                         <a:t>X(t=7)</a:t>
                       </a:r>
-                      <a:endParaRPr lang="es-AR" dirty="0"/>
                     </a:p>
                   </a:txBody>
                   <a:tcPr anchor="ctr">
@@ -26836,10 +26791,9 @@
                     <a:p>
                       <a:pPr algn="ctr"/>
                       <a:r>
-                        <a:rPr lang="es-AR" dirty="0" smtClean="0"/>
+                        <a:rPr lang="es-AR" dirty="0"/>
                         <a:t>…</a:t>
                       </a:r>
-                      <a:endParaRPr lang="es-AR" dirty="0"/>
                     </a:p>
                   </a:txBody>
                   <a:tcPr anchor="ctr">
@@ -26904,20 +26858,19 @@
                         <a:defRPr/>
                       </a:pPr>
                       <a:r>
-                        <a:rPr lang="es-AR" dirty="0" smtClean="0"/>
+                        <a:rPr lang="es-AR" dirty="0"/>
                         <a:t>X(t=</a:t>
                       </a:r>
                       <a:r>
-                        <a:rPr lang="es-AR" sz="2400" dirty="0" smtClean="0">
+                        <a:rPr lang="es-AR" sz="2400" dirty="0">
                           <a:sym typeface="Symbol" panose="05050102010706020507" pitchFamily="18" charset="2"/>
                         </a:rPr>
                         <a:t></a:t>
                       </a:r>
                       <a:r>
-                        <a:rPr lang="es-AR" dirty="0" smtClean="0"/>
+                        <a:rPr lang="es-AR" dirty="0"/>
                         <a:t>)</a:t>
                       </a:r>
-                      <a:endParaRPr lang="es-AR" dirty="0"/>
                     </a:p>
                   </a:txBody>
                   <a:tcPr anchor="ctr">
@@ -26959,6 +26912,11 @@
                     </a:lnB>
                   </a:tcPr>
                 </a:tc>
+                <a:extLst>
+                  <a:ext uri="{0D108BD9-81ED-4DB2-BD59-A6C34878D82A}">
+                    <a16:rowId xmlns:a16="http://schemas.microsoft.com/office/drawing/2014/main" val="10000"/>
+                  </a:ext>
+                </a:extLst>
               </a:tr>
             </a:tbl>
           </a:graphicData>
@@ -27163,7 +27121,7 @@
               <a:buNone/>
             </a:pPr>
             <a:r>
-              <a:rPr lang="es-AR" b="1" dirty="0" smtClean="0">
+              <a:rPr lang="es-AR" b="1" dirty="0">
                 <a:solidFill>
                   <a:srgbClr val="FF0000"/>
                 </a:solidFill>
@@ -27171,7 +27129,7 @@
               <a:t>Ver </a:t>
             </a:r>
             <a:r>
-              <a:rPr lang="es-AR" b="1" dirty="0" err="1" smtClean="0">
+              <a:rPr lang="es-AR" b="1" dirty="0" err="1">
                 <a:solidFill>
                   <a:srgbClr val="FF0000"/>
                 </a:solidFill>
@@ -27179,7 +27137,7 @@
               <a:t>colab</a:t>
             </a:r>
             <a:r>
-              <a:rPr lang="es-AR" b="1" dirty="0" smtClean="0">
+              <a:rPr lang="es-AR" b="1" dirty="0">
                 <a:solidFill>
                   <a:srgbClr val="FF0000"/>
                 </a:solidFill>
@@ -27187,7 +27145,7 @@
               <a:t> </a:t>
             </a:r>
             <a:r>
-              <a:rPr lang="es-AR" b="1" dirty="0" err="1" smtClean="0">
+              <a:rPr lang="es-AR" b="1" dirty="0" err="1">
                 <a:solidFill>
                   <a:srgbClr val="FF0000"/>
                 </a:solidFill>
@@ -27455,18 +27413,13 @@
               <a:buNone/>
             </a:pPr>
             <a:r>
-              <a:rPr lang="es-AR" b="1" dirty="0" smtClean="0">
+              <a:rPr lang="es-AR" b="1" dirty="0">
                 <a:solidFill>
                   <a:srgbClr val="FF0000"/>
                 </a:solidFill>
               </a:rPr>
               <a:t>TP</a:t>
             </a:r>
-            <a:endParaRPr lang="es-AR" b="1" dirty="0">
-              <a:solidFill>
-                <a:srgbClr val="FF0000"/>
-              </a:solidFill>
-            </a:endParaRPr>
           </a:p>
         </p:txBody>
       </p:sp>
@@ -27480,13 +27433,6 @@
   <p:clrMapOvr>
     <a:masterClrMapping/>
   </p:clrMapOvr>
-  <p:timing>
-    <p:tnLst>
-      <p:par>
-        <p:cTn id="1" dur="indefinite" restart="never" nodeType="tmRoot"/>
-      </p:par>
-    </p:tnLst>
-  </p:timing>
 </p:sld>
 </file>
 
@@ -27706,7 +27652,7 @@
               <a:buNone/>
             </a:pPr>
             <a:r>
-              <a:rPr lang="es-AR" sz="3200" dirty="0" err="1" smtClean="0">
+              <a:rPr lang="es-AR" sz="3200" dirty="0" err="1">
                 <a:solidFill>
                   <a:schemeClr val="bg1"/>
                 </a:solidFill>
@@ -27714,18 +27660,13 @@
               <a:t>Recurrent</a:t>
             </a:r>
             <a:r>
-              <a:rPr lang="es-AR" sz="3200" dirty="0" smtClean="0">
+              <a:rPr lang="es-AR" sz="3200" dirty="0">
                 <a:solidFill>
                   <a:schemeClr val="bg1"/>
                 </a:solidFill>
               </a:rPr>
               <a:t> Neural Network (RNN)</a:t>
             </a:r>
-            <a:endParaRPr lang="es-AR" sz="3200" dirty="0">
-              <a:solidFill>
-                <a:schemeClr val="bg1"/>
-              </a:solidFill>
-            </a:endParaRPr>
           </a:p>
         </p:txBody>
       </p:sp>
@@ -27916,7 +27857,7 @@
           </a:lstStyle>
           <a:p>
             <a:r>
-              <a:rPr lang="es-AR" sz="2800" dirty="0" smtClean="0">
+              <a:rPr lang="es-AR" sz="2800" dirty="0">
                 <a:solidFill>
                   <a:schemeClr val="bg1"/>
                 </a:solidFill>
@@ -27924,7 +27865,7 @@
               <a:t>En </a:t>
             </a:r>
             <a:r>
-              <a:rPr lang="es-AR" sz="2800" b="1" dirty="0" smtClean="0">
+              <a:rPr lang="es-AR" sz="2800" b="1" dirty="0">
                 <a:solidFill>
                   <a:schemeClr val="bg1"/>
                 </a:solidFill>
@@ -27932,7 +27873,7 @@
               <a:t>cada paso</a:t>
             </a:r>
             <a:r>
-              <a:rPr lang="es-AR" sz="2800" dirty="0" smtClean="0">
+              <a:rPr lang="es-AR" sz="2800" dirty="0">
                 <a:solidFill>
                   <a:schemeClr val="bg1"/>
                 </a:solidFill>
@@ -27940,7 +27881,7 @@
               <a:t>, se repiten los </a:t>
             </a:r>
             <a:r>
-              <a:rPr lang="es-AR" sz="2800" b="1" dirty="0" smtClean="0">
+              <a:rPr lang="es-AR" sz="2800" b="1" dirty="0">
                 <a:solidFill>
                   <a:schemeClr val="bg1"/>
                 </a:solidFill>
@@ -27948,7 +27889,7 @@
               <a:t>mismos cálculos</a:t>
             </a:r>
             <a:r>
-              <a:rPr lang="es-AR" sz="2800" dirty="0" smtClean="0">
+              <a:rPr lang="es-AR" sz="2800" dirty="0">
                 <a:solidFill>
                   <a:schemeClr val="bg1"/>
                 </a:solidFill>
@@ -27956,7 +27897,7 @@
               <a:t>, empleando </a:t>
             </a:r>
             <a:r>
-              <a:rPr lang="es-AR" sz="2800" b="1" dirty="0" smtClean="0">
+              <a:rPr lang="es-AR" sz="2800" b="1" dirty="0">
                 <a:solidFill>
                   <a:schemeClr val="bg1"/>
                 </a:solidFill>
@@ -27964,7 +27905,7 @@
               <a:t>datos del paso actual</a:t>
             </a:r>
             <a:r>
-              <a:rPr lang="es-AR" sz="2800" dirty="0" smtClean="0">
+              <a:rPr lang="es-AR" sz="2800" dirty="0">
                 <a:solidFill>
                   <a:schemeClr val="bg1"/>
                 </a:solidFill>
@@ -27972,7 +27913,7 @@
               <a:t> y </a:t>
             </a:r>
             <a:r>
-              <a:rPr lang="es-AR" sz="2800" b="1" dirty="0" smtClean="0">
+              <a:rPr lang="es-AR" sz="2800" b="1" dirty="0">
                 <a:solidFill>
                   <a:schemeClr val="bg1"/>
                 </a:solidFill>
@@ -27980,18 +27921,13 @@
               <a:t>datos del pasado</a:t>
             </a:r>
             <a:r>
-              <a:rPr lang="es-AR" sz="2800" dirty="0" smtClean="0">
+              <a:rPr lang="es-AR" sz="2800" dirty="0">
                 <a:solidFill>
                   <a:schemeClr val="bg1"/>
                 </a:solidFill>
               </a:rPr>
               <a:t>.</a:t>
             </a:r>
-            <a:endParaRPr lang="es-AR" sz="2800" dirty="0">
-              <a:solidFill>
-                <a:schemeClr val="bg1"/>
-              </a:solidFill>
-            </a:endParaRPr>
           </a:p>
         </p:txBody>
       </p:sp>
@@ -28023,21 +27959,8 @@
                   <a:srgbClr val="FF0000"/>
                 </a:solidFill>
               </a:rPr>
-              <a:t>Los pasos, no son necesariamente en unidad </a:t>
-            </a:r>
-            <a:r>
-              <a:rPr lang="es-AR" sz="2800" b="1" dirty="0" smtClean="0">
-                <a:solidFill>
-                  <a:srgbClr val="FF0000"/>
-                </a:solidFill>
-              </a:rPr>
-              <a:t>tiempo!!</a:t>
-            </a:r>
-            <a:endParaRPr lang="es-AR" sz="2800" b="1" dirty="0">
-              <a:solidFill>
-                <a:srgbClr val="FF0000"/>
-              </a:solidFill>
-            </a:endParaRPr>
+              <a:t>Los pasos, no son necesariamente en unidad tiempo!!</a:t>
+            </a:r>
           </a:p>
         </p:txBody>
       </p:sp>
@@ -28066,14 +27989,62 @@
                 <a:tableStyleId>{5C22544A-7EE6-4342-B048-85BDC9FD1C3A}</a:tableStyleId>
               </a:tblPr>
               <a:tblGrid>
-                <a:gridCol w="906147"/>
-                <a:gridCol w="906147"/>
-                <a:gridCol w="906147"/>
-                <a:gridCol w="906147"/>
-                <a:gridCol w="906147"/>
-                <a:gridCol w="906147"/>
-                <a:gridCol w="906147"/>
-                <a:gridCol w="906147"/>
+                <a:gridCol w="906147">
+                  <a:extLst>
+                    <a:ext uri="{9D8B030D-6E8A-4147-A177-3AD203B41FA5}">
+                      <a16:colId xmlns:a16="http://schemas.microsoft.com/office/drawing/2014/main" val="20000"/>
+                    </a:ext>
+                  </a:extLst>
+                </a:gridCol>
+                <a:gridCol w="906147">
+                  <a:extLst>
+                    <a:ext uri="{9D8B030D-6E8A-4147-A177-3AD203B41FA5}">
+                      <a16:colId xmlns:a16="http://schemas.microsoft.com/office/drawing/2014/main" val="20001"/>
+                    </a:ext>
+                  </a:extLst>
+                </a:gridCol>
+                <a:gridCol w="906147">
+                  <a:extLst>
+                    <a:ext uri="{9D8B030D-6E8A-4147-A177-3AD203B41FA5}">
+                      <a16:colId xmlns:a16="http://schemas.microsoft.com/office/drawing/2014/main" val="20002"/>
+                    </a:ext>
+                  </a:extLst>
+                </a:gridCol>
+                <a:gridCol w="906147">
+                  <a:extLst>
+                    <a:ext uri="{9D8B030D-6E8A-4147-A177-3AD203B41FA5}">
+                      <a16:colId xmlns:a16="http://schemas.microsoft.com/office/drawing/2014/main" val="20003"/>
+                    </a:ext>
+                  </a:extLst>
+                </a:gridCol>
+                <a:gridCol w="906147">
+                  <a:extLst>
+                    <a:ext uri="{9D8B030D-6E8A-4147-A177-3AD203B41FA5}">
+                      <a16:colId xmlns:a16="http://schemas.microsoft.com/office/drawing/2014/main" val="20004"/>
+                    </a:ext>
+                  </a:extLst>
+                </a:gridCol>
+                <a:gridCol w="906147">
+                  <a:extLst>
+                    <a:ext uri="{9D8B030D-6E8A-4147-A177-3AD203B41FA5}">
+                      <a16:colId xmlns:a16="http://schemas.microsoft.com/office/drawing/2014/main" val="20005"/>
+                    </a:ext>
+                  </a:extLst>
+                </a:gridCol>
+                <a:gridCol w="906147">
+                  <a:extLst>
+                    <a:ext uri="{9D8B030D-6E8A-4147-A177-3AD203B41FA5}">
+                      <a16:colId xmlns:a16="http://schemas.microsoft.com/office/drawing/2014/main" val="20006"/>
+                    </a:ext>
+                  </a:extLst>
+                </a:gridCol>
+                <a:gridCol w="906147">
+                  <a:extLst>
+                    <a:ext uri="{9D8B030D-6E8A-4147-A177-3AD203B41FA5}">
+                      <a16:colId xmlns:a16="http://schemas.microsoft.com/office/drawing/2014/main" val="20007"/>
+                    </a:ext>
+                  </a:extLst>
+                </a:gridCol>
               </a:tblGrid>
               <a:tr h="576000">
                 <a:tc>
@@ -28083,10 +28054,9 @@
                     <a:p>
                       <a:pPr algn="ctr"/>
                       <a:r>
-                        <a:rPr lang="es-AR" dirty="0" smtClean="0"/>
+                        <a:rPr lang="es-AR" dirty="0"/>
                         <a:t>X(t=0)</a:t>
                       </a:r>
-                      <a:endParaRPr lang="es-AR" dirty="0"/>
                     </a:p>
                   </a:txBody>
                   <a:tcPr anchor="ctr">
@@ -28135,10 +28105,9 @@
                     <a:p>
                       <a:pPr algn="ctr"/>
                       <a:r>
-                        <a:rPr lang="es-AR" dirty="0" smtClean="0"/>
+                        <a:rPr lang="es-AR" dirty="0"/>
                         <a:t>X(t=1)</a:t>
                       </a:r>
-                      <a:endParaRPr lang="es-AR" dirty="0"/>
                     </a:p>
                   </a:txBody>
                   <a:tcPr anchor="ctr">
@@ -28187,10 +28156,9 @@
                     <a:p>
                       <a:pPr algn="ctr"/>
                       <a:r>
-                        <a:rPr lang="es-AR" dirty="0" smtClean="0"/>
+                        <a:rPr lang="es-AR" dirty="0"/>
                         <a:t>X(t=2)</a:t>
                       </a:r>
-                      <a:endParaRPr lang="es-AR" dirty="0"/>
                     </a:p>
                   </a:txBody>
                   <a:tcPr anchor="ctr">
@@ -28239,10 +28207,9 @@
                     <a:p>
                       <a:pPr algn="ctr"/>
                       <a:r>
-                        <a:rPr lang="es-AR" dirty="0" smtClean="0"/>
+                        <a:rPr lang="es-AR" dirty="0"/>
                         <a:t>X(t=3)</a:t>
                       </a:r>
-                      <a:endParaRPr lang="es-AR" dirty="0"/>
                     </a:p>
                   </a:txBody>
                   <a:tcPr anchor="ctr">
@@ -28291,10 +28258,9 @@
                     <a:p>
                       <a:pPr algn="ctr"/>
                       <a:r>
-                        <a:rPr lang="es-AR" dirty="0" smtClean="0"/>
+                        <a:rPr lang="es-AR" dirty="0"/>
                         <a:t>X(t=4)</a:t>
                       </a:r>
-                      <a:endParaRPr lang="es-AR" dirty="0"/>
                     </a:p>
                   </a:txBody>
                   <a:tcPr anchor="ctr">
@@ -28343,10 +28309,9 @@
                     <a:p>
                       <a:pPr algn="ctr"/>
                       <a:r>
-                        <a:rPr lang="es-AR" dirty="0" smtClean="0"/>
+                        <a:rPr lang="es-AR" dirty="0"/>
                         <a:t>X(t=5)</a:t>
                       </a:r>
-                      <a:endParaRPr lang="es-AR" dirty="0"/>
                     </a:p>
                   </a:txBody>
                   <a:tcPr anchor="ctr">
@@ -28395,10 +28360,9 @@
                     <a:p>
                       <a:pPr algn="ctr"/>
                       <a:r>
-                        <a:rPr lang="es-AR" dirty="0" smtClean="0"/>
+                        <a:rPr lang="es-AR" dirty="0"/>
                         <a:t>…</a:t>
                       </a:r>
-                      <a:endParaRPr lang="es-AR" dirty="0"/>
                     </a:p>
                   </a:txBody>
                   <a:tcPr anchor="ctr">
@@ -28447,20 +28411,19 @@
                     <a:p>
                       <a:pPr algn="ctr"/>
                       <a:r>
-                        <a:rPr lang="es-AR" dirty="0" smtClean="0"/>
+                        <a:rPr lang="es-AR" dirty="0"/>
                         <a:t>X(t=</a:t>
                       </a:r>
                       <a:r>
-                        <a:rPr lang="es-AR" sz="2400" dirty="0" smtClean="0">
+                        <a:rPr lang="es-AR" sz="2400" dirty="0">
                           <a:sym typeface="Symbol" panose="05050102010706020507" pitchFamily="18" charset="2"/>
                         </a:rPr>
                         <a:t></a:t>
                       </a:r>
                       <a:r>
-                        <a:rPr lang="es-AR" dirty="0" smtClean="0"/>
+                        <a:rPr lang="es-AR" dirty="0"/>
                         <a:t>)</a:t>
                       </a:r>
-                      <a:endParaRPr lang="es-AR" dirty="0"/>
                     </a:p>
                   </a:txBody>
                   <a:tcPr anchor="ctr">
@@ -28502,6 +28465,11 @@
                     </a:lnB>
                   </a:tcPr>
                 </a:tc>
+                <a:extLst>
+                  <a:ext uri="{0D108BD9-81ED-4DB2-BD59-A6C34878D82A}">
+                    <a16:rowId xmlns:a16="http://schemas.microsoft.com/office/drawing/2014/main" val="10000"/>
+                  </a:ext>
+                </a:extLst>
               </a:tr>
             </a:tbl>
           </a:graphicData>
@@ -28695,18 +28663,13 @@
           <a:p>
             <a:pPr algn="l"/>
             <a:r>
-              <a:rPr lang="es-AR" dirty="0" smtClean="0">
+              <a:rPr lang="es-AR" dirty="0">
                 <a:solidFill>
                   <a:schemeClr val="bg1"/>
                 </a:solidFill>
               </a:rPr>
               <a:t>Temperatura f(t):</a:t>
             </a:r>
-            <a:endParaRPr lang="es-AR" dirty="0">
-              <a:solidFill>
-                <a:schemeClr val="bg1"/>
-              </a:solidFill>
-            </a:endParaRPr>
           </a:p>
         </p:txBody>
       </p:sp>
@@ -28898,18 +28861,13 @@
           <a:p>
             <a:pPr algn="l"/>
             <a:r>
-              <a:rPr lang="es-AR" dirty="0" smtClean="0">
+              <a:rPr lang="es-AR" dirty="0">
                 <a:solidFill>
                   <a:schemeClr val="bg1"/>
                 </a:solidFill>
               </a:rPr>
               <a:t>Mensaje:</a:t>
             </a:r>
-            <a:endParaRPr lang="es-AR" dirty="0">
-              <a:solidFill>
-                <a:schemeClr val="bg1"/>
-              </a:solidFill>
-            </a:endParaRPr>
           </a:p>
         </p:txBody>
       </p:sp>
@@ -28938,14 +28896,62 @@
                 <a:tableStyleId>{5C22544A-7EE6-4342-B048-85BDC9FD1C3A}</a:tableStyleId>
               </a:tblPr>
               <a:tblGrid>
-                <a:gridCol w="998178"/>
-                <a:gridCol w="998178"/>
-                <a:gridCol w="998178"/>
-                <a:gridCol w="1233727"/>
-                <a:gridCol w="762627"/>
-                <a:gridCol w="998178"/>
-                <a:gridCol w="759983"/>
-                <a:gridCol w="1236373"/>
+                <a:gridCol w="998178">
+                  <a:extLst>
+                    <a:ext uri="{9D8B030D-6E8A-4147-A177-3AD203B41FA5}">
+                      <a16:colId xmlns:a16="http://schemas.microsoft.com/office/drawing/2014/main" val="20000"/>
+                    </a:ext>
+                  </a:extLst>
+                </a:gridCol>
+                <a:gridCol w="998178">
+                  <a:extLst>
+                    <a:ext uri="{9D8B030D-6E8A-4147-A177-3AD203B41FA5}">
+                      <a16:colId xmlns:a16="http://schemas.microsoft.com/office/drawing/2014/main" val="20001"/>
+                    </a:ext>
+                  </a:extLst>
+                </a:gridCol>
+                <a:gridCol w="998178">
+                  <a:extLst>
+                    <a:ext uri="{9D8B030D-6E8A-4147-A177-3AD203B41FA5}">
+                      <a16:colId xmlns:a16="http://schemas.microsoft.com/office/drawing/2014/main" val="20002"/>
+                    </a:ext>
+                  </a:extLst>
+                </a:gridCol>
+                <a:gridCol w="1233727">
+                  <a:extLst>
+                    <a:ext uri="{9D8B030D-6E8A-4147-A177-3AD203B41FA5}">
+                      <a16:colId xmlns:a16="http://schemas.microsoft.com/office/drawing/2014/main" val="20003"/>
+                    </a:ext>
+                  </a:extLst>
+                </a:gridCol>
+                <a:gridCol w="762627">
+                  <a:extLst>
+                    <a:ext uri="{9D8B030D-6E8A-4147-A177-3AD203B41FA5}">
+                      <a16:colId xmlns:a16="http://schemas.microsoft.com/office/drawing/2014/main" val="20004"/>
+                    </a:ext>
+                  </a:extLst>
+                </a:gridCol>
+                <a:gridCol w="998178">
+                  <a:extLst>
+                    <a:ext uri="{9D8B030D-6E8A-4147-A177-3AD203B41FA5}">
+                      <a16:colId xmlns:a16="http://schemas.microsoft.com/office/drawing/2014/main" val="20005"/>
+                    </a:ext>
+                  </a:extLst>
+                </a:gridCol>
+                <a:gridCol w="759983">
+                  <a:extLst>
+                    <a:ext uri="{9D8B030D-6E8A-4147-A177-3AD203B41FA5}">
+                      <a16:colId xmlns:a16="http://schemas.microsoft.com/office/drawing/2014/main" val="20006"/>
+                    </a:ext>
+                  </a:extLst>
+                </a:gridCol>
+                <a:gridCol w="1236373">
+                  <a:extLst>
+                    <a:ext uri="{9D8B030D-6E8A-4147-A177-3AD203B41FA5}">
+                      <a16:colId xmlns:a16="http://schemas.microsoft.com/office/drawing/2014/main" val="20007"/>
+                    </a:ext>
+                  </a:extLst>
+                </a:gridCol>
               </a:tblGrid>
               <a:tr h="576000">
                 <a:tc>
@@ -28955,10 +28961,9 @@
                     <a:p>
                       <a:pPr algn="ctr"/>
                       <a:r>
-                        <a:rPr lang="es-AR" dirty="0" smtClean="0"/>
+                        <a:rPr lang="es-AR" dirty="0"/>
                         <a:t>Este</a:t>
                       </a:r>
-                      <a:endParaRPr lang="es-AR" dirty="0"/>
                     </a:p>
                   </a:txBody>
                   <a:tcPr anchor="ctr">
@@ -29007,10 +29012,9 @@
                     <a:p>
                       <a:pPr algn="ctr"/>
                       <a:r>
-                        <a:rPr lang="es-AR" dirty="0" smtClean="0"/>
+                        <a:rPr lang="es-AR" dirty="0"/>
                         <a:t>es</a:t>
                       </a:r>
-                      <a:endParaRPr lang="es-AR" dirty="0"/>
                     </a:p>
                   </a:txBody>
                   <a:tcPr anchor="ctr">
@@ -29059,10 +29063,9 @@
                     <a:p>
                       <a:pPr algn="ctr"/>
                       <a:r>
-                        <a:rPr lang="es-AR" dirty="0" smtClean="0"/>
+                        <a:rPr lang="es-AR" dirty="0"/>
                         <a:t>un </a:t>
                       </a:r>
-                      <a:endParaRPr lang="es-AR" dirty="0"/>
                     </a:p>
                   </a:txBody>
                   <a:tcPr anchor="ctr">
@@ -29111,10 +29114,9 @@
                     <a:p>
                       <a:pPr algn="ctr"/>
                       <a:r>
-                        <a:rPr lang="es-AR" dirty="0" smtClean="0"/>
+                        <a:rPr lang="es-AR" dirty="0"/>
                         <a:t>mensaje</a:t>
                       </a:r>
-                      <a:endParaRPr lang="es-AR" dirty="0"/>
                     </a:p>
                   </a:txBody>
                   <a:tcPr anchor="ctr">
@@ -29163,10 +29165,9 @@
                     <a:p>
                       <a:pPr algn="ctr"/>
                       <a:r>
-                        <a:rPr lang="es-AR" dirty="0" smtClean="0"/>
+                        <a:rPr lang="es-AR" dirty="0"/>
                         <a:t>para</a:t>
                       </a:r>
-                      <a:endParaRPr lang="es-AR" dirty="0"/>
                     </a:p>
                   </a:txBody>
                   <a:tcPr anchor="ctr">
@@ -29215,10 +29216,9 @@
                     <a:p>
                       <a:pPr algn="ctr"/>
                       <a:r>
-                        <a:rPr lang="es-AR" dirty="0" smtClean="0"/>
+                        <a:rPr lang="es-AR" dirty="0"/>
                         <a:t>la</a:t>
                       </a:r>
-                      <a:endParaRPr lang="es-AR" dirty="0"/>
                     </a:p>
                   </a:txBody>
                   <a:tcPr anchor="ctr">
@@ -29267,10 +29267,9 @@
                     <a:p>
                       <a:pPr algn="ctr"/>
                       <a:r>
-                        <a:rPr lang="es-AR" dirty="0" smtClean="0"/>
+                        <a:rPr lang="es-AR" dirty="0"/>
                         <a:t>red</a:t>
                       </a:r>
-                      <a:endParaRPr lang="es-AR" dirty="0"/>
                     </a:p>
                   </a:txBody>
                   <a:tcPr anchor="ctr">
@@ -29319,10 +29318,9 @@
                     <a:p>
                       <a:pPr algn="ctr"/>
                       <a:r>
-                        <a:rPr lang="es-AR" dirty="0" smtClean="0"/>
+                        <a:rPr lang="es-AR" dirty="0"/>
                         <a:t>neuronal</a:t>
                       </a:r>
-                      <a:endParaRPr lang="es-AR" dirty="0"/>
                     </a:p>
                   </a:txBody>
                   <a:tcPr anchor="ctr">
@@ -29364,6 +29362,11 @@
                     </a:lnB>
                   </a:tcPr>
                 </a:tc>
+                <a:extLst>
+                  <a:ext uri="{0D108BD9-81ED-4DB2-BD59-A6C34878D82A}">
+                    <a16:rowId xmlns:a16="http://schemas.microsoft.com/office/drawing/2014/main" val="10000"/>
+                  </a:ext>
+                </a:extLst>
               </a:tr>
             </a:tbl>
           </a:graphicData>
@@ -29421,7 +29424,7 @@
           <a:lstStyle/>
           <a:p>
             <a:r>
-              <a:rPr lang="es-AR" b="1" dirty="0" err="1" smtClean="0">
+              <a:rPr lang="es-AR" b="1" dirty="0" err="1">
                 <a:solidFill>
                   <a:schemeClr val="bg1"/>
                 </a:solidFill>
@@ -29446,13 +29449,6 @@
   <p:clrMapOvr>
     <a:masterClrMapping/>
   </p:clrMapOvr>
-  <p:timing>
-    <p:tnLst>
-      <p:par>
-        <p:cTn id="1" dur="indefinite" restart="never" nodeType="tmRoot"/>
-      </p:par>
-    </p:tnLst>
-  </p:timing>
 </p:sld>
 </file>
 
@@ -29672,7 +29668,7 @@
               <a:buNone/>
             </a:pPr>
             <a:r>
-              <a:rPr lang="es-AR" sz="3200" dirty="0" err="1" smtClean="0">
+              <a:rPr lang="es-AR" sz="3200" dirty="0" err="1">
                 <a:solidFill>
                   <a:schemeClr val="bg1"/>
                 </a:solidFill>
@@ -29680,18 +29676,13 @@
               <a:t>Recurrent</a:t>
             </a:r>
             <a:r>
-              <a:rPr lang="es-AR" sz="3200" dirty="0" smtClean="0">
+              <a:rPr lang="es-AR" sz="3200" dirty="0">
                 <a:solidFill>
                   <a:schemeClr val="bg1"/>
                 </a:solidFill>
               </a:rPr>
               <a:t> Neural Network (RNN)</a:t>
             </a:r>
-            <a:endParaRPr lang="es-AR" sz="3200" dirty="0">
-              <a:solidFill>
-                <a:schemeClr val="bg1"/>
-              </a:solidFill>
-            </a:endParaRPr>
           </a:p>
         </p:txBody>
       </p:sp>
@@ -29930,18 +29921,13 @@
           <a:p>
             <a:pPr algn="l"/>
             <a:r>
-              <a:rPr lang="es-AR" sz="2800" dirty="0" smtClean="0">
+              <a:rPr lang="es-AR" sz="2800" dirty="0">
                 <a:solidFill>
                   <a:schemeClr val="bg1"/>
                 </a:solidFill>
               </a:rPr>
               <a:t>Ecuaciones</a:t>
             </a:r>
-            <a:endParaRPr lang="es-AR" sz="2800" dirty="0">
-              <a:solidFill>
-                <a:schemeClr val="bg1"/>
-              </a:solidFill>
-            </a:endParaRPr>
           </a:p>
         </p:txBody>
       </p:sp>
@@ -30133,18 +30119,13 @@
           <a:p>
             <a:pPr algn="l"/>
             <a:r>
-              <a:rPr lang="es-AR" sz="2800" dirty="0" smtClean="0">
+              <a:rPr lang="es-AR" sz="2800" dirty="0">
                 <a:solidFill>
                   <a:schemeClr val="bg1"/>
                 </a:solidFill>
               </a:rPr>
               <a:t>Red recurrente básica</a:t>
             </a:r>
-            <a:endParaRPr lang="es-AR" sz="2800" dirty="0">
-              <a:solidFill>
-                <a:schemeClr val="bg1"/>
-              </a:solidFill>
-            </a:endParaRPr>
           </a:p>
         </p:txBody>
       </p:sp>
@@ -30204,13 +30185,6 @@
   <p:clrMapOvr>
     <a:masterClrMapping/>
   </p:clrMapOvr>
-  <p:timing>
-    <p:tnLst>
-      <p:par>
-        <p:cTn id="1" dur="indefinite" restart="never" nodeType="tmRoot"/>
-      </p:par>
-    </p:tnLst>
-  </p:timing>
 </p:sld>
 </file>
 
@@ -30430,7 +30404,7 @@
               <a:buNone/>
             </a:pPr>
             <a:r>
-              <a:rPr lang="es-AR" sz="3200" dirty="0" err="1" smtClean="0">
+              <a:rPr lang="es-AR" sz="3200" dirty="0" err="1">
                 <a:solidFill>
                   <a:schemeClr val="bg1"/>
                 </a:solidFill>
@@ -30438,18 +30412,13 @@
               <a:t>Recurrent</a:t>
             </a:r>
             <a:r>
-              <a:rPr lang="es-AR" sz="3200" dirty="0" smtClean="0">
+              <a:rPr lang="es-AR" sz="3200" dirty="0">
                 <a:solidFill>
                   <a:schemeClr val="bg1"/>
                 </a:solidFill>
               </a:rPr>
               <a:t> Neural Network (RNN)</a:t>
             </a:r>
-            <a:endParaRPr lang="es-AR" sz="3200" dirty="0">
-              <a:solidFill>
-                <a:schemeClr val="bg1"/>
-              </a:solidFill>
-            </a:endParaRPr>
           </a:p>
         </p:txBody>
       </p:sp>
@@ -30529,7 +30498,7 @@
           <a:p>
             <a:pPr algn="ctr"/>
             <a:r>
-              <a:rPr lang="es-AR" sz="2800" b="1" i="1" dirty="0" smtClean="0">
+              <a:rPr lang="es-AR" sz="2800" b="1" i="1" dirty="0">
                 <a:solidFill>
                   <a:srgbClr val="FF0000"/>
                 </a:solidFill>
@@ -30537,7 +30506,7 @@
               <a:t>U</a:t>
             </a:r>
             <a:r>
-              <a:rPr lang="es-AR" sz="2800" b="1" dirty="0" smtClean="0">
+              <a:rPr lang="es-AR" sz="2800" b="1" dirty="0">
                 <a:solidFill>
                   <a:srgbClr val="FF0000"/>
                 </a:solidFill>
@@ -30545,7 +30514,7 @@
               <a:t>, </a:t>
             </a:r>
             <a:r>
-              <a:rPr lang="es-AR" sz="2800" b="1" i="1" dirty="0" smtClean="0">
+              <a:rPr lang="es-AR" sz="2800" b="1" i="1" dirty="0">
                 <a:solidFill>
                   <a:srgbClr val="FF0000"/>
                 </a:solidFill>
@@ -30553,7 +30522,7 @@
               <a:t>W</a:t>
             </a:r>
             <a:r>
-              <a:rPr lang="es-AR" sz="2800" b="1" dirty="0" smtClean="0">
+              <a:rPr lang="es-AR" sz="2800" b="1" dirty="0">
                 <a:solidFill>
                   <a:srgbClr val="FF0000"/>
                 </a:solidFill>
@@ -30561,7 +30530,7 @@
               <a:t> y </a:t>
             </a:r>
             <a:r>
-              <a:rPr lang="es-AR" sz="2800" b="1" i="1" dirty="0" smtClean="0">
+              <a:rPr lang="es-AR" sz="2800" b="1" i="1" dirty="0">
                 <a:solidFill>
                   <a:srgbClr val="FF0000"/>
                 </a:solidFill>
@@ -30569,18 +30538,13 @@
               <a:t>V</a:t>
             </a:r>
             <a:r>
-              <a:rPr lang="es-AR" sz="2800" b="1" dirty="0" smtClean="0">
+              <a:rPr lang="es-AR" sz="2800" b="1" dirty="0">
                 <a:solidFill>
                   <a:srgbClr val="FF0000"/>
                 </a:solidFill>
               </a:rPr>
               <a:t> son los mismos!!</a:t>
             </a:r>
-            <a:endParaRPr lang="es-AR" sz="2800" b="1" dirty="0">
-              <a:solidFill>
-                <a:srgbClr val="FF0000"/>
-              </a:solidFill>
-            </a:endParaRPr>
           </a:p>
         </p:txBody>
       </p:sp>
@@ -30606,7 +30570,7 @@
           <a:lstStyle/>
           <a:p>
             <a:r>
-              <a:rPr lang="es-AR" sz="2400" dirty="0" err="1" smtClean="0">
+              <a:rPr lang="es-AR" sz="2400" dirty="0" err="1">
                 <a:solidFill>
                   <a:srgbClr val="FF0000"/>
                 </a:solidFill>
@@ -30614,7 +30578,7 @@
               <a:t>Parameters</a:t>
             </a:r>
             <a:r>
-              <a:rPr lang="es-AR" sz="2400" dirty="0" smtClean="0">
+              <a:rPr lang="es-AR" sz="2400" dirty="0">
                 <a:solidFill>
                   <a:srgbClr val="FF0000"/>
                 </a:solidFill>
@@ -30622,7 +30586,7 @@
               <a:t> </a:t>
             </a:r>
             <a:r>
-              <a:rPr lang="es-AR" sz="2400" dirty="0" err="1" smtClean="0">
+              <a:rPr lang="es-AR" sz="2400" dirty="0" err="1">
                 <a:solidFill>
                   <a:srgbClr val="FF0000"/>
                 </a:solidFill>
@@ -30643,13 +30607,6 @@
   <p:clrMapOvr>
     <a:masterClrMapping/>
   </p:clrMapOvr>
-  <p:timing>
-    <p:tnLst>
-      <p:par>
-        <p:cTn id="1" dur="indefinite" restart="never" nodeType="tmRoot"/>
-      </p:par>
-    </p:tnLst>
-  </p:timing>
 </p:sld>
 </file>
 
@@ -30869,7 +30826,7 @@
               <a:buNone/>
             </a:pPr>
             <a:r>
-              <a:rPr lang="es-AR" sz="3200" dirty="0" err="1" smtClean="0">
+              <a:rPr lang="es-AR" sz="3200" dirty="0" err="1">
                 <a:solidFill>
                   <a:schemeClr val="bg1"/>
                 </a:solidFill>
@@ -30877,7 +30834,7 @@
               <a:t>Recurrent</a:t>
             </a:r>
             <a:r>
-              <a:rPr lang="es-AR" sz="3200" dirty="0" smtClean="0">
+              <a:rPr lang="es-AR" sz="3200" dirty="0">
                 <a:solidFill>
                   <a:schemeClr val="bg1"/>
                 </a:solidFill>
@@ -30885,7 +30842,7 @@
               <a:t> Neural Network (RNN) - </a:t>
             </a:r>
             <a:r>
-              <a:rPr lang="es-AR" sz="3200" dirty="0" err="1" smtClean="0">
+              <a:rPr lang="es-AR" sz="3200" dirty="0" err="1">
                 <a:solidFill>
                   <a:schemeClr val="bg1"/>
                 </a:solidFill>
@@ -30968,7 +30925,7 @@
               </a:spcAft>
             </a:pPr>
             <a:r>
-              <a:rPr kumimoji="0" lang="es-AR" sz="2000" b="1" i="0" u="none" strike="noStrike" cap="none" normalizeH="0" baseline="0" dirty="0" err="1" smtClean="0">
+              <a:rPr kumimoji="0" lang="es-AR" sz="2000" b="1" i="0" u="none" strike="noStrike" cap="none" normalizeH="0" baseline="0" dirty="0" err="1">
                 <a:ln>
                   <a:noFill/>
                 </a:ln>
@@ -30982,7 +30939,7 @@
               <a:t>torch.nn.RNN</a:t>
             </a:r>
             <a:r>
-              <a:rPr kumimoji="0" lang="es-AR" sz="2000" b="1" i="0" u="none" strike="noStrike" cap="none" normalizeH="0" baseline="0" dirty="0" smtClean="0">
+              <a:rPr kumimoji="0" lang="es-AR" sz="2000" b="1" i="0" u="none" strike="noStrike" cap="none" normalizeH="0" baseline="0" dirty="0">
                 <a:ln>
                   <a:noFill/>
                 </a:ln>
@@ -30996,7 +30953,7 @@
               <a:t>(</a:t>
             </a:r>
             <a:r>
-              <a:rPr lang="es-AR" sz="2000" dirty="0" err="1" smtClean="0">
+              <a:rPr lang="es-AR" sz="2000" dirty="0" err="1">
                 <a:solidFill>
                   <a:schemeClr val="bg1"/>
                 </a:solidFill>
@@ -31016,7 +30973,7 @@
               <a:t>, </a:t>
             </a:r>
             <a:r>
-              <a:rPr lang="es-AR" sz="2000" dirty="0" err="1" smtClean="0">
+              <a:rPr lang="es-AR" sz="2000" dirty="0" err="1">
                 <a:solidFill>
                   <a:schemeClr val="bg1"/>
                 </a:solidFill>
@@ -31036,7 +30993,7 @@
               <a:t>, </a:t>
             </a:r>
             <a:r>
-              <a:rPr lang="es-AR" sz="2000" dirty="0" err="1" smtClean="0">
+              <a:rPr lang="es-AR" sz="2000" dirty="0" err="1">
                 <a:solidFill>
                   <a:schemeClr val="bg1"/>
                 </a:solidFill>
@@ -31046,7 +31003,7 @@
               <a:t>num_layers</a:t>
             </a:r>
             <a:r>
-              <a:rPr lang="es-AR" sz="2000" dirty="0" smtClean="0">
+              <a:rPr lang="es-AR" sz="2000" dirty="0">
                 <a:solidFill>
                   <a:schemeClr val="bg1"/>
                 </a:solidFill>
@@ -31056,7 +31013,7 @@
               <a:t>=1, </a:t>
             </a:r>
             <a:r>
-              <a:rPr lang="es-AR" sz="2000" dirty="0" err="1" smtClean="0">
+              <a:rPr lang="es-AR" sz="2000" dirty="0" err="1">
                 <a:solidFill>
                   <a:schemeClr val="bg1"/>
                 </a:solidFill>
@@ -31066,7 +31023,7 @@
               <a:t>nonlinearity</a:t>
             </a:r>
             <a:r>
-              <a:rPr lang="es-AR" sz="2000" dirty="0" smtClean="0">
+              <a:rPr lang="es-AR" sz="2000" dirty="0">
                 <a:solidFill>
                   <a:schemeClr val="bg1"/>
                 </a:solidFill>
@@ -31076,7 +31033,7 @@
               <a:t>=‘</a:t>
             </a:r>
             <a:r>
-              <a:rPr lang="es-AR" sz="2000" dirty="0" err="1" smtClean="0">
+              <a:rPr lang="es-AR" sz="2000" dirty="0" err="1">
                 <a:solidFill>
                   <a:schemeClr val="bg1"/>
                 </a:solidFill>
@@ -31086,7 +31043,7 @@
               <a:t>tanh</a:t>
             </a:r>
             <a:r>
-              <a:rPr lang="es-AR" sz="2000" dirty="0" smtClean="0">
+              <a:rPr lang="es-AR" sz="2000" dirty="0">
                 <a:solidFill>
                   <a:schemeClr val="bg1"/>
                 </a:solidFill>
@@ -31096,7 +31053,7 @@
               <a:t>’, …</a:t>
             </a:r>
             <a:br>
-              <a:rPr lang="es-AR" sz="2000" dirty="0" smtClean="0">
+              <a:rPr lang="es-AR" sz="2000" dirty="0">
                 <a:solidFill>
                   <a:schemeClr val="bg1"/>
                 </a:solidFill>
@@ -31105,7 +31062,7 @@
               </a:rPr>
             </a:br>
             <a:r>
-              <a:rPr lang="es-AR" sz="2000" dirty="0" smtClean="0">
+              <a:rPr lang="es-AR" sz="2000" dirty="0">
                 <a:solidFill>
                   <a:schemeClr val="bg1"/>
                 </a:solidFill>
@@ -31115,7 +31072,7 @@
               <a:t>		</a:t>
             </a:r>
             <a:r>
-              <a:rPr lang="es-AR" sz="2000" dirty="0" err="1" smtClean="0">
+              <a:rPr lang="es-AR" sz="2000" dirty="0" err="1">
                 <a:solidFill>
                   <a:schemeClr val="bg1"/>
                 </a:solidFill>
@@ -31125,27 +31082,17 @@
               <a:t>bias</a:t>
             </a:r>
             <a:r>
-              <a:rPr lang="es-AR" sz="2000" dirty="0" smtClean="0">
+              <a:rPr lang="es-AR" sz="2000" dirty="0">
                 <a:solidFill>
                   <a:schemeClr val="bg1"/>
                 </a:solidFill>
                 <a:latin typeface="Arial" panose="020B0604020202020204" pitchFamily="34" charset="0"/>
                 <a:cs typeface="Arial" panose="020B0604020202020204" pitchFamily="34" charset="0"/>
               </a:rPr>
-              <a:t>=True</a:t>
-            </a:r>
-            <a:r>
-              <a:rPr lang="es-AR" sz="2000" dirty="0">
-                <a:solidFill>
-                  <a:schemeClr val="bg1"/>
-                </a:solidFill>
-                <a:latin typeface="Arial" panose="020B0604020202020204" pitchFamily="34" charset="0"/>
-                <a:cs typeface="Arial" panose="020B0604020202020204" pitchFamily="34" charset="0"/>
-              </a:rPr>
-              <a:t>, </a:t>
-            </a:r>
-            <a:r>
-              <a:rPr lang="es-AR" sz="2000" dirty="0" err="1" smtClean="0">
+              <a:t>=True, </a:t>
+            </a:r>
+            <a:r>
+              <a:rPr lang="es-AR" sz="2000" dirty="0" err="1">
                 <a:solidFill>
                   <a:schemeClr val="bg1"/>
                 </a:solidFill>
@@ -31165,7 +31112,7 @@
               <a:t>=False, </a:t>
             </a:r>
             <a:r>
-              <a:rPr lang="es-AR" sz="2000" dirty="0" err="1" smtClean="0">
+              <a:rPr lang="es-AR" sz="2000" dirty="0" err="1">
                 <a:solidFill>
                   <a:schemeClr val="bg1"/>
                 </a:solidFill>
@@ -31185,7 +31132,7 @@
               <a:t>=0, </a:t>
             </a:r>
             <a:r>
-              <a:rPr lang="es-AR" sz="2000" dirty="0" err="1" smtClean="0">
+              <a:rPr lang="es-AR" sz="2000" dirty="0" err="1">
                 <a:solidFill>
                   <a:schemeClr val="bg1"/>
                 </a:solidFill>
@@ -31195,7 +31142,7 @@
               <a:t>bidirectional</a:t>
             </a:r>
             <a:r>
-              <a:rPr lang="es-AR" sz="2000" dirty="0" smtClean="0">
+              <a:rPr lang="es-AR" sz="2000" dirty="0">
                 <a:solidFill>
                   <a:schemeClr val="bg1"/>
                 </a:solidFill>
@@ -31205,14 +31152,14 @@
               <a:t>=False</a:t>
             </a:r>
             <a:r>
-              <a:rPr lang="es-AR" sz="2000" b="1" dirty="0" smtClean="0">
+              <a:rPr lang="es-AR" sz="2000" b="1" dirty="0">
                 <a:latin typeface="Arial" panose="020B0604020202020204" pitchFamily="34" charset="0"/>
                 <a:cs typeface="Arial" panose="020B0604020202020204" pitchFamily="34" charset="0"/>
               </a:rPr>
               <a:t> </a:t>
             </a:r>
             <a:r>
-              <a:rPr kumimoji="0" lang="es-AR" sz="2000" b="1" i="0" u="none" strike="noStrike" cap="none" normalizeH="0" baseline="0" dirty="0" smtClean="0">
+              <a:rPr kumimoji="0" lang="es-AR" sz="2000" b="1" i="0" u="none" strike="noStrike" cap="none" normalizeH="0" baseline="0" dirty="0">
                 <a:ln>
                   <a:noFill/>
                 </a:ln>
@@ -31226,7 +31173,7 @@
               <a:t>)</a:t>
             </a:r>
             <a:r>
-              <a:rPr kumimoji="0" lang="es-AR" sz="4400" b="1" i="0" u="none" strike="noStrike" cap="none" normalizeH="0" baseline="0" dirty="0" smtClean="0">
+              <a:rPr kumimoji="0" lang="es-AR" sz="4400" b="1" i="0" u="none" strike="noStrike" cap="none" normalizeH="0" baseline="0" dirty="0">
                 <a:ln>
                   <a:noFill/>
                 </a:ln>
@@ -31276,13 +31223,6 @@
   <p:clrMapOvr>
     <a:masterClrMapping/>
   </p:clrMapOvr>
-  <p:timing>
-    <p:tnLst>
-      <p:par>
-        <p:cTn id="1" dur="indefinite" restart="never" nodeType="tmRoot"/>
-      </p:par>
-    </p:tnLst>
-  </p:timing>
 </p:sld>
 </file>
 
@@ -31502,7 +31442,7 @@
               <a:buNone/>
             </a:pPr>
             <a:r>
-              <a:rPr lang="es-AR" sz="3200" dirty="0" err="1" smtClean="0">
+              <a:rPr lang="es-AR" sz="3200" dirty="0" err="1">
                 <a:solidFill>
                   <a:schemeClr val="bg1"/>
                 </a:solidFill>
@@ -31510,18 +31450,13 @@
               <a:t>Recurrent</a:t>
             </a:r>
             <a:r>
-              <a:rPr lang="es-AR" sz="3200" dirty="0" smtClean="0">
+              <a:rPr lang="es-AR" sz="3200" dirty="0">
                 <a:solidFill>
                   <a:schemeClr val="bg1"/>
                 </a:solidFill>
               </a:rPr>
               <a:t> Neural Network (RNN) - Dimensiones</a:t>
             </a:r>
-            <a:endParaRPr lang="es-AR" sz="3200" dirty="0">
-              <a:solidFill>
-                <a:schemeClr val="bg1"/>
-              </a:solidFill>
-            </a:endParaRPr>
           </a:p>
         </p:txBody>
       </p:sp>
@@ -31712,18 +31647,13 @@
           </a:lstStyle>
           <a:p>
             <a:r>
-              <a:rPr lang="es-AR" sz="2000" dirty="0" smtClean="0">
+              <a:rPr lang="es-AR" sz="2000" dirty="0">
                 <a:solidFill>
                   <a:schemeClr val="bg1"/>
                 </a:solidFill>
               </a:rPr>
               <a:t>Básica</a:t>
             </a:r>
-            <a:endParaRPr lang="es-AR" sz="2000" dirty="0">
-              <a:solidFill>
-                <a:schemeClr val="bg1"/>
-              </a:solidFill>
-            </a:endParaRPr>
           </a:p>
         </p:txBody>
       </p:sp>
@@ -31914,7 +31844,7 @@
           </a:lstStyle>
           <a:p>
             <a:r>
-              <a:rPr lang="es-AR" sz="2000" dirty="0" smtClean="0">
+              <a:rPr lang="es-AR" sz="2000" dirty="0">
                 <a:solidFill>
                   <a:schemeClr val="bg1"/>
                 </a:solidFill>
@@ -31922,7 +31852,7 @@
               <a:t>Varias </a:t>
             </a:r>
             <a:r>
-              <a:rPr lang="es-AR" sz="2000" dirty="0" err="1" smtClean="0">
+              <a:rPr lang="es-AR" sz="2000" dirty="0" err="1">
                 <a:solidFill>
                   <a:schemeClr val="bg1"/>
                 </a:solidFill>
@@ -32124,7 +32054,7 @@
           </a:lstStyle>
           <a:p>
             <a:r>
-              <a:rPr lang="es-AR" sz="2000" dirty="0" smtClean="0">
+              <a:rPr lang="es-AR" sz="2000" dirty="0">
                 <a:solidFill>
                   <a:schemeClr val="bg1"/>
                 </a:solidFill>
@@ -32132,7 +32062,7 @@
               <a:t>Input </a:t>
             </a:r>
             <a:r>
-              <a:rPr lang="es-AR" sz="2000" dirty="0" err="1" smtClean="0">
+              <a:rPr lang="es-AR" sz="2000" dirty="0" err="1">
                 <a:solidFill>
                   <a:schemeClr val="bg1"/>
                 </a:solidFill>
@@ -32334,7 +32264,7 @@
           </a:lstStyle>
           <a:p>
             <a:r>
-              <a:rPr lang="es-AR" sz="2000" dirty="0" smtClean="0">
+              <a:rPr lang="es-AR" sz="2000" dirty="0">
                 <a:solidFill>
                   <a:schemeClr val="bg1"/>
                 </a:solidFill>
@@ -32342,7 +32272,7 @@
               <a:t>2 </a:t>
             </a:r>
             <a:r>
-              <a:rPr lang="es-AR" sz="2000" dirty="0" err="1" smtClean="0">
+              <a:rPr lang="es-AR" sz="2000" dirty="0" err="1">
                 <a:solidFill>
                   <a:schemeClr val="bg1"/>
                 </a:solidFill>
@@ -32714,7 +32644,7 @@
               <a:buNone/>
             </a:pPr>
             <a:r>
-              <a:rPr lang="es-AR" b="1" dirty="0" smtClean="0">
+              <a:rPr lang="es-AR" b="1" dirty="0">
                 <a:solidFill>
                   <a:srgbClr val="FF0000"/>
                 </a:solidFill>
@@ -32722,7 +32652,7 @@
               <a:t>Ver </a:t>
             </a:r>
             <a:r>
-              <a:rPr lang="es-AR" b="1" dirty="0" err="1" smtClean="0">
+              <a:rPr lang="es-AR" b="1" dirty="0" err="1">
                 <a:solidFill>
                   <a:srgbClr val="FF0000"/>
                 </a:solidFill>
@@ -32730,7 +32660,7 @@
               <a:t>colab</a:t>
             </a:r>
             <a:r>
-              <a:rPr lang="es-AR" b="1" dirty="0" smtClean="0">
+              <a:rPr lang="es-AR" b="1" dirty="0">
                 <a:solidFill>
                   <a:srgbClr val="FF0000"/>
                 </a:solidFill>
@@ -32738,7 +32668,7 @@
               <a:t> </a:t>
             </a:r>
             <a:r>
-              <a:rPr lang="es-AR" b="1" dirty="0" err="1" smtClean="0">
+              <a:rPr lang="es-AR" b="1" dirty="0" err="1">
                 <a:solidFill>
                   <a:srgbClr val="FF0000"/>
                 </a:solidFill>
@@ -32763,13 +32693,6 @@
   <p:clrMapOvr>
     <a:masterClrMapping/>
   </p:clrMapOvr>
-  <p:timing>
-    <p:tnLst>
-      <p:par>
-        <p:cTn id="1" dur="indefinite" restart="never" nodeType="tmRoot"/>
-      </p:par>
-    </p:tnLst>
-  </p:timing>
 </p:sld>
 </file>
 
@@ -32989,7 +32912,7 @@
               <a:buNone/>
             </a:pPr>
             <a:r>
-              <a:rPr lang="es-AR" sz="3200" dirty="0" err="1" smtClean="0">
+              <a:rPr lang="es-AR" sz="3200" dirty="0" err="1">
                 <a:solidFill>
                   <a:schemeClr val="bg1"/>
                 </a:solidFill>
@@ -32997,18 +32920,13 @@
               <a:t>Recurrent</a:t>
             </a:r>
             <a:r>
-              <a:rPr lang="es-AR" sz="3200" dirty="0" smtClean="0">
+              <a:rPr lang="es-AR" sz="3200" dirty="0">
                 <a:solidFill>
                   <a:schemeClr val="bg1"/>
                 </a:solidFill>
               </a:rPr>
               <a:t> Neural Network (RNN) - Dimensiones</a:t>
             </a:r>
-            <a:endParaRPr lang="es-AR" sz="3200" dirty="0">
-              <a:solidFill>
-                <a:schemeClr val="bg1"/>
-              </a:solidFill>
-            </a:endParaRPr>
           </a:p>
         </p:txBody>
       </p:sp>
@@ -33037,10 +32955,34 @@
                 <a:tableStyleId>{073A0DAA-6AF3-43AB-8588-CEC1D06C72B9}</a:tableStyleId>
               </a:tblPr>
               <a:tblGrid>
-                <a:gridCol w="1625600"/>
-                <a:gridCol w="2099256"/>
-                <a:gridCol w="1609859"/>
-                <a:gridCol w="1171978"/>
+                <a:gridCol w="1625600">
+                  <a:extLst>
+                    <a:ext uri="{9D8B030D-6E8A-4147-A177-3AD203B41FA5}">
+                      <a16:colId xmlns:a16="http://schemas.microsoft.com/office/drawing/2014/main" val="20000"/>
+                    </a:ext>
+                  </a:extLst>
+                </a:gridCol>
+                <a:gridCol w="2099256">
+                  <a:extLst>
+                    <a:ext uri="{9D8B030D-6E8A-4147-A177-3AD203B41FA5}">
+                      <a16:colId xmlns:a16="http://schemas.microsoft.com/office/drawing/2014/main" val="20001"/>
+                    </a:ext>
+                  </a:extLst>
+                </a:gridCol>
+                <a:gridCol w="1609859">
+                  <a:extLst>
+                    <a:ext uri="{9D8B030D-6E8A-4147-A177-3AD203B41FA5}">
+                      <a16:colId xmlns:a16="http://schemas.microsoft.com/office/drawing/2014/main" val="20002"/>
+                    </a:ext>
+                  </a:extLst>
+                </a:gridCol>
+                <a:gridCol w="1171978">
+                  <a:extLst>
+                    <a:ext uri="{9D8B030D-6E8A-4147-A177-3AD203B41FA5}">
+                      <a16:colId xmlns:a16="http://schemas.microsoft.com/office/drawing/2014/main" val="20003"/>
+                    </a:ext>
+                  </a:extLst>
+                </a:gridCol>
               </a:tblGrid>
               <a:tr h="370840">
                 <a:tc>
@@ -33049,10 +32991,9 @@
                     <a:lstStyle/>
                     <a:p>
                       <a:r>
-                        <a:rPr lang="es-AR" dirty="0" smtClean="0"/>
+                        <a:rPr lang="es-AR" dirty="0"/>
                         <a:t>Variable</a:t>
                       </a:r>
-                      <a:endParaRPr lang="es-AR" dirty="0"/>
                     </a:p>
                   </a:txBody>
                   <a:tcPr/>
@@ -33063,10 +33004,9 @@
                     <a:lstStyle/>
                     <a:p>
                       <a:r>
-                        <a:rPr lang="es-AR" dirty="0" smtClean="0"/>
+                        <a:rPr lang="es-AR" dirty="0"/>
                         <a:t>Tamaño</a:t>
                       </a:r>
-                      <a:endParaRPr lang="es-AR" dirty="0"/>
                     </a:p>
                   </a:txBody>
                   <a:tcPr/>
@@ -33077,10 +33017,9 @@
                     <a:lstStyle/>
                     <a:p>
                       <a:r>
-                        <a:rPr lang="es-AR" dirty="0" smtClean="0"/>
+                        <a:rPr lang="es-AR" dirty="0"/>
                         <a:t>Parámetro</a:t>
                       </a:r>
-                      <a:endParaRPr lang="es-AR" dirty="0"/>
                     </a:p>
                   </a:txBody>
                   <a:tcPr/>
@@ -33091,14 +33030,18 @@
                     <a:lstStyle/>
                     <a:p>
                       <a:r>
-                        <a:rPr lang="es-AR" dirty="0" smtClean="0"/>
+                        <a:rPr lang="es-AR" dirty="0"/>
                         <a:t>Tamaño</a:t>
                       </a:r>
-                      <a:endParaRPr lang="es-AR" dirty="0"/>
                     </a:p>
                   </a:txBody>
                   <a:tcPr/>
                 </a:tc>
+                <a:extLst>
+                  <a:ext uri="{0D108BD9-81ED-4DB2-BD59-A6C34878D82A}">
+                    <a16:rowId xmlns:a16="http://schemas.microsoft.com/office/drawing/2014/main" val="10000"/>
+                  </a:ext>
+                </a:extLst>
               </a:tr>
               <a:tr h="370840">
                 <a:tc>
@@ -33107,10 +33050,9 @@
                     <a:lstStyle/>
                     <a:p>
                       <a:r>
-                        <a:rPr lang="es-AR" dirty="0" smtClean="0"/>
+                        <a:rPr lang="es-AR" dirty="0"/>
                         <a:t>x</a:t>
                       </a:r>
-                      <a:endParaRPr lang="es-AR" dirty="0"/>
                     </a:p>
                   </a:txBody>
                   <a:tcPr/>
@@ -33131,7 +33073,7 @@
                     <a:lstStyle/>
                     <a:p>
                       <a:r>
-                        <a:rPr lang="es-AR" dirty="0" err="1" smtClean="0"/>
+                        <a:rPr lang="es-AR" dirty="0" err="1"/>
                         <a:t>Wih</a:t>
                       </a:r>
                       <a:endParaRPr lang="es-AR" dirty="0"/>
@@ -33149,6 +33091,11 @@
                   </a:txBody>
                   <a:tcPr/>
                 </a:tc>
+                <a:extLst>
+                  <a:ext uri="{0D108BD9-81ED-4DB2-BD59-A6C34878D82A}">
+                    <a16:rowId xmlns:a16="http://schemas.microsoft.com/office/drawing/2014/main" val="10001"/>
+                  </a:ext>
+                </a:extLst>
               </a:tr>
               <a:tr h="370840">
                 <a:tc>
@@ -33157,10 +33104,9 @@
                     <a:lstStyle/>
                     <a:p>
                       <a:r>
-                        <a:rPr lang="es-AR" dirty="0" smtClean="0"/>
+                        <a:rPr lang="es-AR" dirty="0"/>
                         <a:t>h</a:t>
                       </a:r>
-                      <a:endParaRPr lang="es-AR" dirty="0"/>
                     </a:p>
                   </a:txBody>
                   <a:tcPr/>
@@ -33181,7 +33127,7 @@
                     <a:lstStyle/>
                     <a:p>
                       <a:r>
-                        <a:rPr lang="es-AR" dirty="0" err="1" smtClean="0"/>
+                        <a:rPr lang="es-AR" dirty="0" err="1"/>
                         <a:t>Bih</a:t>
                       </a:r>
                       <a:endParaRPr lang="es-AR" dirty="0"/>
@@ -33199,6 +33145,11 @@
                   </a:txBody>
                   <a:tcPr/>
                 </a:tc>
+                <a:extLst>
+                  <a:ext uri="{0D108BD9-81ED-4DB2-BD59-A6C34878D82A}">
+                    <a16:rowId xmlns:a16="http://schemas.microsoft.com/office/drawing/2014/main" val="10002"/>
+                  </a:ext>
+                </a:extLst>
               </a:tr>
               <a:tr h="370840">
                 <a:tc>
@@ -33227,7 +33178,7 @@
                     <a:lstStyle/>
                     <a:p>
                       <a:r>
-                        <a:rPr lang="es-AR" dirty="0" err="1" smtClean="0"/>
+                        <a:rPr lang="es-AR" dirty="0" err="1"/>
                         <a:t>Whh</a:t>
                       </a:r>
                       <a:endParaRPr lang="es-AR" dirty="0"/>
@@ -33245,6 +33196,11 @@
                   </a:txBody>
                   <a:tcPr/>
                 </a:tc>
+                <a:extLst>
+                  <a:ext uri="{0D108BD9-81ED-4DB2-BD59-A6C34878D82A}">
+                    <a16:rowId xmlns:a16="http://schemas.microsoft.com/office/drawing/2014/main" val="10003"/>
+                  </a:ext>
+                </a:extLst>
               </a:tr>
               <a:tr h="370840">
                 <a:tc>
@@ -33273,7 +33229,7 @@
                     <a:lstStyle/>
                     <a:p>
                       <a:r>
-                        <a:rPr lang="es-AR" dirty="0" err="1" smtClean="0"/>
+                        <a:rPr lang="es-AR" dirty="0" err="1"/>
                         <a:t>bhh</a:t>
                       </a:r>
                       <a:endParaRPr lang="es-AR" dirty="0"/>
@@ -33308,6 +33264,11 @@
                   </a:txBody>
                   <a:tcPr/>
                 </a:tc>
+                <a:extLst>
+                  <a:ext uri="{0D108BD9-81ED-4DB2-BD59-A6C34878D82A}">
+                    <a16:rowId xmlns:a16="http://schemas.microsoft.com/office/drawing/2014/main" val="10004"/>
+                  </a:ext>
+                </a:extLst>
               </a:tr>
               <a:tr h="370840">
                 <a:tc>
@@ -33367,6 +33328,11 @@
                   </a:txBody>
                   <a:tcPr/>
                 </a:tc>
+                <a:extLst>
+                  <a:ext uri="{0D108BD9-81ED-4DB2-BD59-A6C34878D82A}">
+                    <a16:rowId xmlns:a16="http://schemas.microsoft.com/office/drawing/2014/main" val="10005"/>
+                  </a:ext>
+                </a:extLst>
               </a:tr>
               <a:tr h="370840">
                 <a:tc>
@@ -33409,6 +33375,11 @@
                   </a:txBody>
                   <a:tcPr/>
                 </a:tc>
+                <a:extLst>
+                  <a:ext uri="{0D108BD9-81ED-4DB2-BD59-A6C34878D82A}">
+                    <a16:rowId xmlns:a16="http://schemas.microsoft.com/office/drawing/2014/main" val="10006"/>
+                  </a:ext>
+                </a:extLst>
               </a:tr>
             </a:tbl>
           </a:graphicData>
@@ -33625,18 +33596,13 @@
           </a:lstStyle>
           <a:p>
             <a:r>
-              <a:rPr lang="es-AR" sz="2000" dirty="0" smtClean="0">
+              <a:rPr lang="es-AR" sz="2000" dirty="0">
                 <a:solidFill>
                   <a:schemeClr val="bg1"/>
                 </a:solidFill>
               </a:rPr>
               <a:t>Básica</a:t>
             </a:r>
-            <a:endParaRPr lang="es-AR" sz="2000" dirty="0">
-              <a:solidFill>
-                <a:schemeClr val="bg1"/>
-              </a:solidFill>
-            </a:endParaRPr>
           </a:p>
         </p:txBody>
       </p:sp>
@@ -33674,13 +33640,6 @@
   <p:clrMapOvr>
     <a:masterClrMapping/>
   </p:clrMapOvr>
-  <p:timing>
-    <p:tnLst>
-      <p:par>
-        <p:cTn id="1" dur="indefinite" restart="never" nodeType="tmRoot"/>
-      </p:par>
-    </p:tnLst>
-  </p:timing>
 </p:sld>
 </file>
 
@@ -33900,7 +33859,7 @@
               <a:buNone/>
             </a:pPr>
             <a:r>
-              <a:rPr lang="es-AR" sz="3200" dirty="0" err="1" smtClean="0">
+              <a:rPr lang="es-AR" sz="3200" dirty="0" err="1">
                 <a:solidFill>
                   <a:schemeClr val="bg1"/>
                 </a:solidFill>
@@ -33908,18 +33867,13 @@
               <a:t>Recurrent</a:t>
             </a:r>
             <a:r>
-              <a:rPr lang="es-AR" sz="3200" dirty="0" smtClean="0">
+              <a:rPr lang="es-AR" sz="3200" dirty="0">
                 <a:solidFill>
                   <a:schemeClr val="bg1"/>
                 </a:solidFill>
               </a:rPr>
               <a:t> Neural Network (RNN) - Dimensiones</a:t>
             </a:r>
-            <a:endParaRPr lang="es-AR" sz="3200" dirty="0">
-              <a:solidFill>
-                <a:schemeClr val="bg1"/>
-              </a:solidFill>
-            </a:endParaRPr>
           </a:p>
         </p:txBody>
       </p:sp>
@@ -34110,7 +34064,7 @@
           </a:lstStyle>
           <a:p>
             <a:r>
-              <a:rPr lang="es-AR" sz="2000" dirty="0" smtClean="0">
+              <a:rPr lang="es-AR" sz="2000" dirty="0">
                 <a:solidFill>
                   <a:schemeClr val="bg1"/>
                 </a:solidFill>
@@ -34118,7 +34072,7 @@
               <a:t>Varias </a:t>
             </a:r>
             <a:r>
-              <a:rPr lang="es-AR" sz="2000" dirty="0" err="1" smtClean="0">
+              <a:rPr lang="es-AR" sz="2000" dirty="0" err="1">
                 <a:solidFill>
                   <a:schemeClr val="bg1"/>
                 </a:solidFill>
@@ -34182,10 +34136,34 @@
                 <a:tableStyleId>{073A0DAA-6AF3-43AB-8588-CEC1D06C72B9}</a:tableStyleId>
               </a:tblPr>
               <a:tblGrid>
-                <a:gridCol w="1625600"/>
-                <a:gridCol w="2099256"/>
-                <a:gridCol w="1609859"/>
-                <a:gridCol w="1171978"/>
+                <a:gridCol w="1625600">
+                  <a:extLst>
+                    <a:ext uri="{9D8B030D-6E8A-4147-A177-3AD203B41FA5}">
+                      <a16:colId xmlns:a16="http://schemas.microsoft.com/office/drawing/2014/main" val="20000"/>
+                    </a:ext>
+                  </a:extLst>
+                </a:gridCol>
+                <a:gridCol w="2099256">
+                  <a:extLst>
+                    <a:ext uri="{9D8B030D-6E8A-4147-A177-3AD203B41FA5}">
+                      <a16:colId xmlns:a16="http://schemas.microsoft.com/office/drawing/2014/main" val="20001"/>
+                    </a:ext>
+                  </a:extLst>
+                </a:gridCol>
+                <a:gridCol w="1609859">
+                  <a:extLst>
+                    <a:ext uri="{9D8B030D-6E8A-4147-A177-3AD203B41FA5}">
+                      <a16:colId xmlns:a16="http://schemas.microsoft.com/office/drawing/2014/main" val="20002"/>
+                    </a:ext>
+                  </a:extLst>
+                </a:gridCol>
+                <a:gridCol w="1171978">
+                  <a:extLst>
+                    <a:ext uri="{9D8B030D-6E8A-4147-A177-3AD203B41FA5}">
+                      <a16:colId xmlns:a16="http://schemas.microsoft.com/office/drawing/2014/main" val="20003"/>
+                    </a:ext>
+                  </a:extLst>
+                </a:gridCol>
               </a:tblGrid>
               <a:tr h="370840">
                 <a:tc>
@@ -34194,10 +34172,9 @@
                     <a:lstStyle/>
                     <a:p>
                       <a:r>
-                        <a:rPr lang="es-AR" dirty="0" smtClean="0"/>
+                        <a:rPr lang="es-AR" dirty="0"/>
                         <a:t>Variable</a:t>
                       </a:r>
-                      <a:endParaRPr lang="es-AR" dirty="0"/>
                     </a:p>
                   </a:txBody>
                   <a:tcPr/>
@@ -34208,10 +34185,9 @@
                     <a:lstStyle/>
                     <a:p>
                       <a:r>
-                        <a:rPr lang="es-AR" dirty="0" smtClean="0"/>
+                        <a:rPr lang="es-AR" dirty="0"/>
                         <a:t>Tamaño</a:t>
                       </a:r>
-                      <a:endParaRPr lang="es-AR" dirty="0"/>
                     </a:p>
                   </a:txBody>
                   <a:tcPr/>
@@ -34222,10 +34198,9 @@
                     <a:lstStyle/>
                     <a:p>
                       <a:r>
-                        <a:rPr lang="es-AR" dirty="0" smtClean="0"/>
+                        <a:rPr lang="es-AR" dirty="0"/>
                         <a:t>Parámetro</a:t>
                       </a:r>
-                      <a:endParaRPr lang="es-AR" dirty="0"/>
                     </a:p>
                   </a:txBody>
                   <a:tcPr/>
@@ -34236,14 +34211,18 @@
                     <a:lstStyle/>
                     <a:p>
                       <a:r>
-                        <a:rPr lang="es-AR" dirty="0" smtClean="0"/>
+                        <a:rPr lang="es-AR" dirty="0"/>
                         <a:t>Tamaño</a:t>
                       </a:r>
-                      <a:endParaRPr lang="es-AR" dirty="0"/>
                     </a:p>
                   </a:txBody>
                   <a:tcPr/>
                 </a:tc>
+                <a:extLst>
+                  <a:ext uri="{0D108BD9-81ED-4DB2-BD59-A6C34878D82A}">
+                    <a16:rowId xmlns:a16="http://schemas.microsoft.com/office/drawing/2014/main" val="10000"/>
+                  </a:ext>
+                </a:extLst>
               </a:tr>
               <a:tr h="370840">
                 <a:tc>
@@ -34252,10 +34231,9 @@
                     <a:lstStyle/>
                     <a:p>
                       <a:r>
-                        <a:rPr lang="es-AR" dirty="0" smtClean="0"/>
+                        <a:rPr lang="es-AR" dirty="0"/>
                         <a:t>x</a:t>
                       </a:r>
-                      <a:endParaRPr lang="es-AR" dirty="0"/>
                     </a:p>
                   </a:txBody>
                   <a:tcPr/>
@@ -34276,7 +34254,7 @@
                     <a:lstStyle/>
                     <a:p>
                       <a:r>
-                        <a:rPr lang="es-AR" dirty="0" err="1" smtClean="0"/>
+                        <a:rPr lang="es-AR" dirty="0" err="1"/>
                         <a:t>Wih</a:t>
                       </a:r>
                       <a:endParaRPr lang="es-AR" dirty="0"/>
@@ -34294,6 +34272,11 @@
                   </a:txBody>
                   <a:tcPr/>
                 </a:tc>
+                <a:extLst>
+                  <a:ext uri="{0D108BD9-81ED-4DB2-BD59-A6C34878D82A}">
+                    <a16:rowId xmlns:a16="http://schemas.microsoft.com/office/drawing/2014/main" val="10001"/>
+                  </a:ext>
+                </a:extLst>
               </a:tr>
               <a:tr h="370840">
                 <a:tc>
@@ -34302,10 +34285,9 @@
                     <a:lstStyle/>
                     <a:p>
                       <a:r>
-                        <a:rPr lang="es-AR" dirty="0" smtClean="0"/>
+                        <a:rPr lang="es-AR" dirty="0"/>
                         <a:t>h</a:t>
                       </a:r>
-                      <a:endParaRPr lang="es-AR" dirty="0"/>
                     </a:p>
                   </a:txBody>
                   <a:tcPr/>
@@ -34326,7 +34308,7 @@
                     <a:lstStyle/>
                     <a:p>
                       <a:r>
-                        <a:rPr lang="es-AR" dirty="0" err="1" smtClean="0"/>
+                        <a:rPr lang="es-AR" dirty="0" err="1"/>
                         <a:t>Bih</a:t>
                       </a:r>
                       <a:endParaRPr lang="es-AR" dirty="0"/>
@@ -34344,6 +34326,11 @@
                   </a:txBody>
                   <a:tcPr/>
                 </a:tc>
+                <a:extLst>
+                  <a:ext uri="{0D108BD9-81ED-4DB2-BD59-A6C34878D82A}">
+                    <a16:rowId xmlns:a16="http://schemas.microsoft.com/office/drawing/2014/main" val="10002"/>
+                  </a:ext>
+                </a:extLst>
               </a:tr>
               <a:tr h="370840">
                 <a:tc>
@@ -34372,7 +34359,7 @@
                     <a:lstStyle/>
                     <a:p>
                       <a:r>
-                        <a:rPr lang="es-AR" dirty="0" err="1" smtClean="0"/>
+                        <a:rPr lang="es-AR" dirty="0" err="1"/>
                         <a:t>Whh</a:t>
                       </a:r>
                       <a:endParaRPr lang="es-AR" dirty="0"/>
@@ -34390,6 +34377,11 @@
                   </a:txBody>
                   <a:tcPr/>
                 </a:tc>
+                <a:extLst>
+                  <a:ext uri="{0D108BD9-81ED-4DB2-BD59-A6C34878D82A}">
+                    <a16:rowId xmlns:a16="http://schemas.microsoft.com/office/drawing/2014/main" val="10003"/>
+                  </a:ext>
+                </a:extLst>
               </a:tr>
               <a:tr h="370840">
                 <a:tc>
@@ -34418,7 +34410,7 @@
                     <a:lstStyle/>
                     <a:p>
                       <a:r>
-                        <a:rPr lang="es-AR" dirty="0" err="1" smtClean="0"/>
+                        <a:rPr lang="es-AR" dirty="0" err="1"/>
                         <a:t>bhh</a:t>
                       </a:r>
                       <a:endParaRPr lang="es-AR" dirty="0"/>
@@ -34453,6 +34445,11 @@
                   </a:txBody>
                   <a:tcPr/>
                 </a:tc>
+                <a:extLst>
+                  <a:ext uri="{0D108BD9-81ED-4DB2-BD59-A6C34878D82A}">
+                    <a16:rowId xmlns:a16="http://schemas.microsoft.com/office/drawing/2014/main" val="10004"/>
+                  </a:ext>
+                </a:extLst>
               </a:tr>
               <a:tr h="370840">
                 <a:tc>
@@ -34512,6 +34509,11 @@
                   </a:txBody>
                   <a:tcPr/>
                 </a:tc>
+                <a:extLst>
+                  <a:ext uri="{0D108BD9-81ED-4DB2-BD59-A6C34878D82A}">
+                    <a16:rowId xmlns:a16="http://schemas.microsoft.com/office/drawing/2014/main" val="10005"/>
+                  </a:ext>
+                </a:extLst>
               </a:tr>
               <a:tr h="370840">
                 <a:tc>
@@ -34554,6 +34556,11 @@
                   </a:txBody>
                   <a:tcPr/>
                 </a:tc>
+                <a:extLst>
+                  <a:ext uri="{0D108BD9-81ED-4DB2-BD59-A6C34878D82A}">
+                    <a16:rowId xmlns:a16="http://schemas.microsoft.com/office/drawing/2014/main" val="10006"/>
+                  </a:ext>
+                </a:extLst>
               </a:tr>
             </a:tbl>
           </a:graphicData>
@@ -34593,13 +34600,6 @@
   <p:clrMapOvr>
     <a:masterClrMapping/>
   </p:clrMapOvr>
-  <p:timing>
-    <p:tnLst>
-      <p:par>
-        <p:cTn id="1" dur="indefinite" restart="never" nodeType="tmRoot"/>
-      </p:par>
-    </p:tnLst>
-  </p:timing>
 </p:sld>
 </file>
 

--- a/clase_6/teoria/RNN.E2.pptx
+++ b/clase_6/teoria/RNN.E2.pptx
@@ -144,7 +144,7 @@
 <file path=ppt/revisionInfo.xml><?xml version="1.0" encoding="utf-8"?>
 <p1510:revInfo xmlns:a="http://schemas.openxmlformats.org/drawingml/2006/main" xmlns:r="http://schemas.openxmlformats.org/officeDocument/2006/relationships" xmlns:p1510="http://schemas.microsoft.com/office/powerpoint/2015/10/main">
   <p1510:revLst>
-    <p1510:client id="{E16F318F-549C-45A0-85AB-1BD6DC4F3462}" v="184" dt="2022-11-24T20:29:01.705"/>
+    <p1510:client id="{B3688C2D-93B6-447B-A24E-1B4300CC839E}" v="8" dt="2023-04-11T18:47:37.214"/>
   </p1510:revLst>
 </p1510:revInfo>
 </file>
@@ -247,9 +247,227 @@
     </pc:docChg>
   </pc:docChgLst>
   <pc:docChgLst>
+    <pc:chgData name="Marcos Maillot" userId="fa14b39d-e966-4ebb-a436-4f96f84b9577" providerId="ADAL" clId="{B3688C2D-93B6-447B-A24E-1B4300CC839E}"/>
+    <pc:docChg chg="custSel modSld">
+      <pc:chgData name="Marcos Maillot" userId="fa14b39d-e966-4ebb-a436-4f96f84b9577" providerId="ADAL" clId="{B3688C2D-93B6-447B-A24E-1B4300CC839E}" dt="2023-04-12T00:46:02.148" v="98" actId="6549"/>
+      <pc:docMkLst>
+        <pc:docMk/>
+      </pc:docMkLst>
+      <pc:sldChg chg="modSp mod">
+        <pc:chgData name="Marcos Maillot" userId="fa14b39d-e966-4ebb-a436-4f96f84b9577" providerId="ADAL" clId="{B3688C2D-93B6-447B-A24E-1B4300CC839E}" dt="2023-04-11T18:17:32.365" v="19" actId="20577"/>
+        <pc:sldMkLst>
+          <pc:docMk/>
+          <pc:sldMk cId="787285808" sldId="256"/>
+        </pc:sldMkLst>
+        <pc:spChg chg="mod">
+          <ac:chgData name="Marcos Maillot" userId="fa14b39d-e966-4ebb-a436-4f96f84b9577" providerId="ADAL" clId="{B3688C2D-93B6-447B-A24E-1B4300CC839E}" dt="2023-04-11T18:17:25.397" v="15" actId="20577"/>
+          <ac:spMkLst>
+            <pc:docMk/>
+            <pc:sldMk cId="787285808" sldId="256"/>
+            <ac:spMk id="6" creationId="{00000000-0000-0000-0000-000000000000}"/>
+          </ac:spMkLst>
+        </pc:spChg>
+        <pc:spChg chg="mod">
+          <ac:chgData name="Marcos Maillot" userId="fa14b39d-e966-4ebb-a436-4f96f84b9577" providerId="ADAL" clId="{B3688C2D-93B6-447B-A24E-1B4300CC839E}" dt="2023-04-11T18:17:32.365" v="19" actId="20577"/>
+          <ac:spMkLst>
+            <pc:docMk/>
+            <pc:sldMk cId="787285808" sldId="256"/>
+            <ac:spMk id="8" creationId="{00000000-0000-0000-0000-000000000000}"/>
+          </ac:spMkLst>
+        </pc:spChg>
+      </pc:sldChg>
+      <pc:sldChg chg="modSp mod">
+        <pc:chgData name="Marcos Maillot" userId="fa14b39d-e966-4ebb-a436-4f96f84b9577" providerId="ADAL" clId="{B3688C2D-93B6-447B-A24E-1B4300CC839E}" dt="2023-04-11T18:26:40.584" v="20" actId="1076"/>
+        <pc:sldMkLst>
+          <pc:docMk/>
+          <pc:sldMk cId="2959708940" sldId="331"/>
+        </pc:sldMkLst>
+        <pc:spChg chg="mod">
+          <ac:chgData name="Marcos Maillot" userId="fa14b39d-e966-4ebb-a436-4f96f84b9577" providerId="ADAL" clId="{B3688C2D-93B6-447B-A24E-1B4300CC839E}" dt="2023-04-11T18:26:40.584" v="20" actId="1076"/>
+          <ac:spMkLst>
+            <pc:docMk/>
+            <pc:sldMk cId="2959708940" sldId="331"/>
+            <ac:spMk id="4" creationId="{00000000-0000-0000-0000-000000000000}"/>
+          </ac:spMkLst>
+        </pc:spChg>
+      </pc:sldChg>
+      <pc:sldChg chg="modSp mod">
+        <pc:chgData name="Marcos Maillot" userId="fa14b39d-e966-4ebb-a436-4f96f84b9577" providerId="ADAL" clId="{B3688C2D-93B6-447B-A24E-1B4300CC839E}" dt="2023-04-11T18:45:33.742" v="23" actId="2165"/>
+        <pc:sldMkLst>
+          <pc:docMk/>
+          <pc:sldMk cId="11788617" sldId="336"/>
+        </pc:sldMkLst>
+        <pc:graphicFrameChg chg="modGraphic">
+          <ac:chgData name="Marcos Maillot" userId="fa14b39d-e966-4ebb-a436-4f96f84b9577" providerId="ADAL" clId="{B3688C2D-93B6-447B-A24E-1B4300CC839E}" dt="2023-04-11T18:45:33.742" v="23" actId="2165"/>
+          <ac:graphicFrameMkLst>
+            <pc:docMk/>
+            <pc:sldMk cId="11788617" sldId="336"/>
+            <ac:graphicFrameMk id="20" creationId="{00000000-0000-0000-0000-000000000000}"/>
+          </ac:graphicFrameMkLst>
+        </pc:graphicFrameChg>
+      </pc:sldChg>
+      <pc:sldChg chg="addSp delSp modSp mod">
+        <pc:chgData name="Marcos Maillot" userId="fa14b39d-e966-4ebb-a436-4f96f84b9577" providerId="ADAL" clId="{B3688C2D-93B6-447B-A24E-1B4300CC839E}" dt="2023-04-11T18:45:54.295" v="27"/>
+        <pc:sldMkLst>
+          <pc:docMk/>
+          <pc:sldMk cId="3837195495" sldId="337"/>
+        </pc:sldMkLst>
+        <pc:graphicFrameChg chg="add mod">
+          <ac:chgData name="Marcos Maillot" userId="fa14b39d-e966-4ebb-a436-4f96f84b9577" providerId="ADAL" clId="{B3688C2D-93B6-447B-A24E-1B4300CC839E}" dt="2023-04-11T18:45:54.295" v="27"/>
+          <ac:graphicFrameMkLst>
+            <pc:docMk/>
+            <pc:sldMk cId="3837195495" sldId="337"/>
+            <ac:graphicFrameMk id="2" creationId="{9FD08027-4829-C36D-5BE5-0FF06B4970E6}"/>
+          </ac:graphicFrameMkLst>
+        </pc:graphicFrameChg>
+        <pc:graphicFrameChg chg="del">
+          <ac:chgData name="Marcos Maillot" userId="fa14b39d-e966-4ebb-a436-4f96f84b9577" providerId="ADAL" clId="{B3688C2D-93B6-447B-A24E-1B4300CC839E}" dt="2023-04-11T18:45:43.766" v="24" actId="478"/>
+          <ac:graphicFrameMkLst>
+            <pc:docMk/>
+            <pc:sldMk cId="3837195495" sldId="337"/>
+            <ac:graphicFrameMk id="20" creationId="{00000000-0000-0000-0000-000000000000}"/>
+          </ac:graphicFrameMkLst>
+        </pc:graphicFrameChg>
+      </pc:sldChg>
+      <pc:sldChg chg="addSp delSp modSp mod">
+        <pc:chgData name="Marcos Maillot" userId="fa14b39d-e966-4ebb-a436-4f96f84b9577" providerId="ADAL" clId="{B3688C2D-93B6-447B-A24E-1B4300CC839E}" dt="2023-04-11T18:45:55.885" v="28"/>
+        <pc:sldMkLst>
+          <pc:docMk/>
+          <pc:sldMk cId="2781283416" sldId="338"/>
+        </pc:sldMkLst>
+        <pc:graphicFrameChg chg="add mod">
+          <ac:chgData name="Marcos Maillot" userId="fa14b39d-e966-4ebb-a436-4f96f84b9577" providerId="ADAL" clId="{B3688C2D-93B6-447B-A24E-1B4300CC839E}" dt="2023-04-11T18:45:55.885" v="28"/>
+          <ac:graphicFrameMkLst>
+            <pc:docMk/>
+            <pc:sldMk cId="2781283416" sldId="338"/>
+            <ac:graphicFrameMk id="2" creationId="{7F017107-1DFB-00C1-36A5-9F4D9F621CF6}"/>
+          </ac:graphicFrameMkLst>
+        </pc:graphicFrameChg>
+        <pc:graphicFrameChg chg="del">
+          <ac:chgData name="Marcos Maillot" userId="fa14b39d-e966-4ebb-a436-4f96f84b9577" providerId="ADAL" clId="{B3688C2D-93B6-447B-A24E-1B4300CC839E}" dt="2023-04-11T18:45:46.440" v="25" actId="478"/>
+          <ac:graphicFrameMkLst>
+            <pc:docMk/>
+            <pc:sldMk cId="2781283416" sldId="338"/>
+            <ac:graphicFrameMk id="21" creationId="{00000000-0000-0000-0000-000000000000}"/>
+          </ac:graphicFrameMkLst>
+        </pc:graphicFrameChg>
+      </pc:sldChg>
+      <pc:sldChg chg="addSp delSp modSp mod">
+        <pc:chgData name="Marcos Maillot" userId="fa14b39d-e966-4ebb-a436-4f96f84b9577" providerId="ADAL" clId="{B3688C2D-93B6-447B-A24E-1B4300CC839E}" dt="2023-04-11T18:47:51.210" v="88" actId="6549"/>
+        <pc:sldMkLst>
+          <pc:docMk/>
+          <pc:sldMk cId="3543610326" sldId="341"/>
+        </pc:sldMkLst>
+        <pc:spChg chg="add mod">
+          <ac:chgData name="Marcos Maillot" userId="fa14b39d-e966-4ebb-a436-4f96f84b9577" providerId="ADAL" clId="{B3688C2D-93B6-447B-A24E-1B4300CC839E}" dt="2023-04-11T18:47:30.425" v="81" actId="1076"/>
+          <ac:spMkLst>
+            <pc:docMk/>
+            <pc:sldMk cId="3543610326" sldId="341"/>
+            <ac:spMk id="8" creationId="{F31BFDB1-F050-AF4F-85A0-205626F010F4}"/>
+          </ac:spMkLst>
+        </pc:spChg>
+        <pc:spChg chg="add mod">
+          <ac:chgData name="Marcos Maillot" userId="fa14b39d-e966-4ebb-a436-4f96f84b9577" providerId="ADAL" clId="{B3688C2D-93B6-447B-A24E-1B4300CC839E}" dt="2023-04-11T18:47:48.111" v="86" actId="20577"/>
+          <ac:spMkLst>
+            <pc:docMk/>
+            <pc:sldMk cId="3543610326" sldId="341"/>
+            <ac:spMk id="9" creationId="{FEAB3425-1781-1444-0C6A-C416A5C642C6}"/>
+          </ac:spMkLst>
+        </pc:spChg>
+        <pc:spChg chg="add mod">
+          <ac:chgData name="Marcos Maillot" userId="fa14b39d-e966-4ebb-a436-4f96f84b9577" providerId="ADAL" clId="{B3688C2D-93B6-447B-A24E-1B4300CC839E}" dt="2023-04-11T18:47:51.210" v="88" actId="6549"/>
+          <ac:spMkLst>
+            <pc:docMk/>
+            <pc:sldMk cId="3543610326" sldId="341"/>
+            <ac:spMk id="10" creationId="{91695AE5-52BD-ADF5-EA16-EDE1BFA98EF6}"/>
+          </ac:spMkLst>
+        </pc:spChg>
+        <pc:spChg chg="del">
+          <ac:chgData name="Marcos Maillot" userId="fa14b39d-e966-4ebb-a436-4f96f84b9577" providerId="ADAL" clId="{B3688C2D-93B6-447B-A24E-1B4300CC839E}" dt="2023-04-11T18:46:16.235" v="51" actId="478"/>
+          <ac:spMkLst>
+            <pc:docMk/>
+            <pc:sldMk cId="3543610326" sldId="341"/>
+            <ac:spMk id="17" creationId="{00000000-0000-0000-0000-000000000000}"/>
+          </ac:spMkLst>
+        </pc:spChg>
+        <pc:spChg chg="mod">
+          <ac:chgData name="Marcos Maillot" userId="fa14b39d-e966-4ebb-a436-4f96f84b9577" providerId="ADAL" clId="{B3688C2D-93B6-447B-A24E-1B4300CC839E}" dt="2023-04-11T18:46:43.698" v="60" actId="1076"/>
+          <ac:spMkLst>
+            <pc:docMk/>
+            <pc:sldMk cId="3543610326" sldId="341"/>
+            <ac:spMk id="19" creationId="{00000000-0000-0000-0000-000000000000}"/>
+          </ac:spMkLst>
+        </pc:spChg>
+        <pc:graphicFrameChg chg="add mod">
+          <ac:chgData name="Marcos Maillot" userId="fa14b39d-e966-4ebb-a436-4f96f84b9577" providerId="ADAL" clId="{B3688C2D-93B6-447B-A24E-1B4300CC839E}" dt="2023-04-11T18:47:06.315" v="66" actId="1076"/>
+          <ac:graphicFrameMkLst>
+            <pc:docMk/>
+            <pc:sldMk cId="3543610326" sldId="341"/>
+            <ac:graphicFrameMk id="3" creationId="{D0D253CF-819F-3265-33CF-DD992D21EDB2}"/>
+          </ac:graphicFrameMkLst>
+        </pc:graphicFrameChg>
+        <pc:graphicFrameChg chg="add mod">
+          <ac:chgData name="Marcos Maillot" userId="fa14b39d-e966-4ebb-a436-4f96f84b9577" providerId="ADAL" clId="{B3688C2D-93B6-447B-A24E-1B4300CC839E}" dt="2023-04-11T18:47:03.355" v="65" actId="1076"/>
+          <ac:graphicFrameMkLst>
+            <pc:docMk/>
+            <pc:sldMk cId="3543610326" sldId="341"/>
+            <ac:graphicFrameMk id="4" creationId="{15897861-515F-1AC4-A4F4-89B6FEE83852}"/>
+          </ac:graphicFrameMkLst>
+        </pc:graphicFrameChg>
+        <pc:graphicFrameChg chg="add mod">
+          <ac:chgData name="Marcos Maillot" userId="fa14b39d-e966-4ebb-a436-4f96f84b9577" providerId="ADAL" clId="{B3688C2D-93B6-447B-A24E-1B4300CC839E}" dt="2023-04-11T18:46:59.505" v="64" actId="1076"/>
+          <ac:graphicFrameMkLst>
+            <pc:docMk/>
+            <pc:sldMk cId="3543610326" sldId="341"/>
+            <ac:graphicFrameMk id="6" creationId="{532BCE95-A7DD-FBB9-2081-A05838F836D1}"/>
+          </ac:graphicFrameMkLst>
+        </pc:graphicFrameChg>
+        <pc:graphicFrameChg chg="del mod">
+          <ac:chgData name="Marcos Maillot" userId="fa14b39d-e966-4ebb-a436-4f96f84b9577" providerId="ADAL" clId="{B3688C2D-93B6-447B-A24E-1B4300CC839E}" dt="2023-04-11T18:45:49.010" v="26" actId="478"/>
+          <ac:graphicFrameMkLst>
+            <pc:docMk/>
+            <pc:sldMk cId="3543610326" sldId="341"/>
+            <ac:graphicFrameMk id="21" creationId="{00000000-0000-0000-0000-000000000000}"/>
+          </ac:graphicFrameMkLst>
+        </pc:graphicFrameChg>
+        <pc:picChg chg="ord">
+          <ac:chgData name="Marcos Maillot" userId="fa14b39d-e966-4ebb-a436-4f96f84b9577" providerId="ADAL" clId="{B3688C2D-93B6-447B-A24E-1B4300CC839E}" dt="2023-04-11T18:47:13.104" v="67" actId="167"/>
+          <ac:picMkLst>
+            <pc:docMk/>
+            <pc:sldMk cId="3543610326" sldId="341"/>
+            <ac:picMk id="2" creationId="{00000000-0000-0000-0000-000000000000}"/>
+          </ac:picMkLst>
+        </pc:picChg>
+        <pc:picChg chg="mod">
+          <ac:chgData name="Marcos Maillot" userId="fa14b39d-e966-4ebb-a436-4f96f84b9577" providerId="ADAL" clId="{B3688C2D-93B6-447B-A24E-1B4300CC839E}" dt="2023-04-11T18:46:48.065" v="61" actId="1076"/>
+          <ac:picMkLst>
+            <pc:docMk/>
+            <pc:sldMk cId="3543610326" sldId="341"/>
+            <ac:picMk id="20" creationId="{00000000-0000-0000-0000-000000000000}"/>
+          </ac:picMkLst>
+        </pc:picChg>
+      </pc:sldChg>
+      <pc:sldChg chg="modSp mod">
+        <pc:chgData name="Marcos Maillot" userId="fa14b39d-e966-4ebb-a436-4f96f84b9577" providerId="ADAL" clId="{B3688C2D-93B6-447B-A24E-1B4300CC839E}" dt="2023-04-12T00:46:02.148" v="98" actId="6549"/>
+        <pc:sldMkLst>
+          <pc:docMk/>
+          <pc:sldMk cId="1445444592" sldId="342"/>
+        </pc:sldMkLst>
+        <pc:spChg chg="mod">
+          <ac:chgData name="Marcos Maillot" userId="fa14b39d-e966-4ebb-a436-4f96f84b9577" providerId="ADAL" clId="{B3688C2D-93B6-447B-A24E-1B4300CC839E}" dt="2023-04-12T00:46:02.148" v="98" actId="6549"/>
+          <ac:spMkLst>
+            <pc:docMk/>
+            <pc:sldMk cId="1445444592" sldId="342"/>
+            <ac:spMk id="5" creationId="{C2B0A05B-07AE-2560-1843-5A60D8280C39}"/>
+          </ac:spMkLst>
+        </pc:spChg>
+      </pc:sldChg>
+    </pc:docChg>
+  </pc:docChgLst>
+  <pc:docChgLst>
     <pc:chgData name="Marcos Maillot" userId="fa14b39d-e966-4ebb-a436-4f96f84b9577" providerId="ADAL" clId="{E16F318F-549C-45A0-85AB-1BD6DC4F3462}"/>
     <pc:docChg chg="undo custSel addSld delSld modSld">
-      <pc:chgData name="Marcos Maillot" userId="fa14b39d-e966-4ebb-a436-4f96f84b9577" providerId="ADAL" clId="{E16F318F-549C-45A0-85AB-1BD6DC4F3462}" dt="2022-11-24T20:31:08.281" v="2108" actId="14100"/>
+      <pc:chgData name="Marcos Maillot" userId="fa14b39d-e966-4ebb-a436-4f96f84b9577" providerId="ADAL" clId="{E16F318F-549C-45A0-85AB-1BD6DC4F3462}" dt="2022-11-25T03:38:45.233" v="2148" actId="478"/>
       <pc:docMkLst>
         <pc:docMk/>
       </pc:docMkLst>
@@ -526,7 +744,7 @@
         </pc:picChg>
       </pc:sldChg>
       <pc:sldChg chg="addSp delSp modSp add mod">
-        <pc:chgData name="Marcos Maillot" userId="fa14b39d-e966-4ebb-a436-4f96f84b9577" providerId="ADAL" clId="{E16F318F-549C-45A0-85AB-1BD6DC4F3462}" dt="2022-11-24T20:25:10.036" v="1792" actId="6549"/>
+        <pc:chgData name="Marcos Maillot" userId="fa14b39d-e966-4ebb-a436-4f96f84b9577" providerId="ADAL" clId="{E16F318F-549C-45A0-85AB-1BD6DC4F3462}" dt="2022-11-25T03:38:18.952" v="2145" actId="478"/>
         <pc:sldMkLst>
           <pc:docMk/>
           <pc:sldMk cId="3003823636" sldId="344"/>
@@ -547,6 +765,30 @@
             <ac:spMk id="3" creationId="{00000000-0000-0000-0000-000000000000}"/>
           </ac:spMkLst>
         </pc:spChg>
+        <pc:spChg chg="add mod">
+          <ac:chgData name="Marcos Maillot" userId="fa14b39d-e966-4ebb-a436-4f96f84b9577" providerId="ADAL" clId="{E16F318F-549C-45A0-85AB-1BD6DC4F3462}" dt="2022-11-25T03:38:09.307" v="2142"/>
+          <ac:spMkLst>
+            <pc:docMk/>
+            <pc:sldMk cId="3003823636" sldId="344"/>
+            <ac:spMk id="3" creationId="{EAEDAC00-BDB9-3D0E-313F-A0F6EE49ECEB}"/>
+          </ac:spMkLst>
+        </pc:spChg>
+        <pc:spChg chg="add del mod">
+          <ac:chgData name="Marcos Maillot" userId="fa14b39d-e966-4ebb-a436-4f96f84b9577" providerId="ADAL" clId="{E16F318F-549C-45A0-85AB-1BD6DC4F3462}" dt="2022-11-25T03:38:18.952" v="2145" actId="478"/>
+          <ac:spMkLst>
+            <pc:docMk/>
+            <pc:sldMk cId="3003823636" sldId="344"/>
+            <ac:spMk id="4" creationId="{143F1C45-8C93-5823-1720-582591E7CEC6}"/>
+          </ac:spMkLst>
+        </pc:spChg>
+        <pc:spChg chg="add del mod">
+          <ac:chgData name="Marcos Maillot" userId="fa14b39d-e966-4ebb-a436-4f96f84b9577" providerId="ADAL" clId="{E16F318F-549C-45A0-85AB-1BD6DC4F3462}" dt="2022-11-25T03:38:18.952" v="2145" actId="478"/>
+          <ac:spMkLst>
+            <pc:docMk/>
+            <pc:sldMk cId="3003823636" sldId="344"/>
+            <ac:spMk id="5" creationId="{5975B222-5388-1CC9-B28A-5296A47BC740}"/>
+          </ac:spMkLst>
+        </pc:spChg>
         <pc:spChg chg="del">
           <ac:chgData name="Marcos Maillot" userId="fa14b39d-e966-4ebb-a436-4f96f84b9577" providerId="ADAL" clId="{E16F318F-549C-45A0-85AB-1BD6DC4F3462}" dt="2022-11-24T20:03:04.214" v="1349" actId="478"/>
           <ac:spMkLst>
@@ -555,8 +797,16 @@
             <ac:spMk id="6" creationId="{00000000-0000-0000-0000-000000000000}"/>
           </ac:spMkLst>
         </pc:spChg>
-        <pc:spChg chg="mod">
-          <ac:chgData name="Marcos Maillot" userId="fa14b39d-e966-4ebb-a436-4f96f84b9577" providerId="ADAL" clId="{E16F318F-549C-45A0-85AB-1BD6DC4F3462}" dt="2022-11-24T20:11:24.550" v="1451" actId="1076"/>
+        <pc:spChg chg="add del mod">
+          <ac:chgData name="Marcos Maillot" userId="fa14b39d-e966-4ebb-a436-4f96f84b9577" providerId="ADAL" clId="{E16F318F-549C-45A0-85AB-1BD6DC4F3462}" dt="2022-11-25T03:38:18.952" v="2145" actId="478"/>
+          <ac:spMkLst>
+            <pc:docMk/>
+            <pc:sldMk cId="3003823636" sldId="344"/>
+            <ac:spMk id="6" creationId="{CC0A4F65-6B11-09CE-FEEE-B5D18D58DE48}"/>
+          </ac:spMkLst>
+        </pc:spChg>
+        <pc:spChg chg="del mod">
+          <ac:chgData name="Marcos Maillot" userId="fa14b39d-e966-4ebb-a436-4f96f84b9577" providerId="ADAL" clId="{E16F318F-549C-45A0-85AB-1BD6DC4F3462}" dt="2022-11-25T03:38:08.461" v="2141" actId="478"/>
           <ac:spMkLst>
             <pc:docMk/>
             <pc:sldMk cId="3003823636" sldId="344"/>
@@ -571,12 +821,28 @@
             <ac:spMk id="8" creationId="{00000000-0000-0000-0000-000000000000}"/>
           </ac:spMkLst>
         </pc:spChg>
+        <pc:spChg chg="add mod">
+          <ac:chgData name="Marcos Maillot" userId="fa14b39d-e966-4ebb-a436-4f96f84b9577" providerId="ADAL" clId="{E16F318F-549C-45A0-85AB-1BD6DC4F3462}" dt="2022-11-25T03:38:09.307" v="2142"/>
+          <ac:spMkLst>
+            <pc:docMk/>
+            <pc:sldMk cId="3003823636" sldId="344"/>
+            <ac:spMk id="8" creationId="{42273EB3-AA8C-9E6E-7291-FB420C0C5EAE}"/>
+          </ac:spMkLst>
+        </pc:spChg>
         <pc:spChg chg="del mod">
           <ac:chgData name="Marcos Maillot" userId="fa14b39d-e966-4ebb-a436-4f96f84b9577" providerId="ADAL" clId="{E16F318F-549C-45A0-85AB-1BD6DC4F3462}" dt="2022-11-24T20:02:53.672" v="1346" actId="478"/>
           <ac:spMkLst>
             <pc:docMk/>
             <pc:sldMk cId="3003823636" sldId="344"/>
             <ac:spMk id="9" creationId="{00000000-0000-0000-0000-000000000000}"/>
+          </ac:spMkLst>
+        </pc:spChg>
+        <pc:spChg chg="add del mod">
+          <ac:chgData name="Marcos Maillot" userId="fa14b39d-e966-4ebb-a436-4f96f84b9577" providerId="ADAL" clId="{E16F318F-549C-45A0-85AB-1BD6DC4F3462}" dt="2022-11-25T03:38:18.952" v="2145" actId="478"/>
+          <ac:spMkLst>
+            <pc:docMk/>
+            <pc:sldMk cId="3003823636" sldId="344"/>
+            <ac:spMk id="9" creationId="{CBAC4EB5-4AEE-E411-A89C-441FFC804868}"/>
           </ac:spMkLst>
         </pc:spChg>
         <pc:spChg chg="del mod">
@@ -587,6 +853,14 @@
             <ac:spMk id="10" creationId="{00000000-0000-0000-0000-000000000000}"/>
           </ac:spMkLst>
         </pc:spChg>
+        <pc:spChg chg="add del mod">
+          <ac:chgData name="Marcos Maillot" userId="fa14b39d-e966-4ebb-a436-4f96f84b9577" providerId="ADAL" clId="{E16F318F-549C-45A0-85AB-1BD6DC4F3462}" dt="2022-11-25T03:38:18.952" v="2145" actId="478"/>
+          <ac:spMkLst>
+            <pc:docMk/>
+            <pc:sldMk cId="3003823636" sldId="344"/>
+            <ac:spMk id="10" creationId="{44FB7E05-B93A-FAEA-00C8-8BF7C5404271}"/>
+          </ac:spMkLst>
+        </pc:spChg>
         <pc:spChg chg="del">
           <ac:chgData name="Marcos Maillot" userId="fa14b39d-e966-4ebb-a436-4f96f84b9577" providerId="ADAL" clId="{E16F318F-549C-45A0-85AB-1BD6DC4F3462}" dt="2022-11-24T19:56:10.658" v="1278" actId="478"/>
           <ac:spMkLst>
@@ -595,8 +869,8 @@
             <ac:spMk id="13" creationId="{5D112567-8625-D0A0-0860-891525702EB9}"/>
           </ac:spMkLst>
         </pc:spChg>
-        <pc:spChg chg="add mod">
-          <ac:chgData name="Marcos Maillot" userId="fa14b39d-e966-4ebb-a436-4f96f84b9577" providerId="ADAL" clId="{E16F318F-549C-45A0-85AB-1BD6DC4F3462}" dt="2022-11-24T20:02:51.007" v="1345" actId="1076"/>
+        <pc:spChg chg="add del mod">
+          <ac:chgData name="Marcos Maillot" userId="fa14b39d-e966-4ebb-a436-4f96f84b9577" providerId="ADAL" clId="{E16F318F-549C-45A0-85AB-1BD6DC4F3462}" dt="2022-11-25T03:38:08.461" v="2141" actId="478"/>
           <ac:spMkLst>
             <pc:docMk/>
             <pc:sldMk cId="3003823636" sldId="344"/>
@@ -661,7 +935,7 @@
         </pc:picChg>
       </pc:sldChg>
       <pc:sldChg chg="addSp delSp modSp add mod">
-        <pc:chgData name="Marcos Maillot" userId="fa14b39d-e966-4ebb-a436-4f96f84b9577" providerId="ADAL" clId="{E16F318F-549C-45A0-85AB-1BD6DC4F3462}" dt="2022-11-24T20:25:28.343" v="1801" actId="20577"/>
+        <pc:chgData name="Marcos Maillot" userId="fa14b39d-e966-4ebb-a436-4f96f84b9577" providerId="ADAL" clId="{E16F318F-549C-45A0-85AB-1BD6DC4F3462}" dt="2022-11-25T03:38:03.455" v="2140" actId="478"/>
         <pc:sldMkLst>
           <pc:docMk/>
           <pc:sldMk cId="1344143258" sldId="345"/>
@@ -682,8 +956,24 @@
             <ac:spMk id="3" creationId="{00000000-0000-0000-0000-000000000000}"/>
           </ac:spMkLst>
         </pc:spChg>
-        <pc:spChg chg="mod">
-          <ac:chgData name="Marcos Maillot" userId="fa14b39d-e966-4ebb-a436-4f96f84b9577" providerId="ADAL" clId="{E16F318F-549C-45A0-85AB-1BD6DC4F3462}" dt="2022-11-24T20:11:36.049" v="1454" actId="1076"/>
+        <pc:spChg chg="add mod">
+          <ac:chgData name="Marcos Maillot" userId="fa14b39d-e966-4ebb-a436-4f96f84b9577" providerId="ADAL" clId="{E16F318F-549C-45A0-85AB-1BD6DC4F3462}" dt="2022-11-25T03:37:52.261" v="2138"/>
+          <ac:spMkLst>
+            <pc:docMk/>
+            <pc:sldMk cId="1344143258" sldId="345"/>
+            <ac:spMk id="3" creationId="{D4428FAD-AAD6-5E13-11D9-AF64F18A81A8}"/>
+          </ac:spMkLst>
+        </pc:spChg>
+        <pc:spChg chg="add mod">
+          <ac:chgData name="Marcos Maillot" userId="fa14b39d-e966-4ebb-a436-4f96f84b9577" providerId="ADAL" clId="{E16F318F-549C-45A0-85AB-1BD6DC4F3462}" dt="2022-11-25T03:37:52.261" v="2138"/>
+          <ac:spMkLst>
+            <pc:docMk/>
+            <pc:sldMk cId="1344143258" sldId="345"/>
+            <ac:spMk id="4" creationId="{6364B078-9870-9FFB-5195-46074AFF8A60}"/>
+          </ac:spMkLst>
+        </pc:spChg>
+        <pc:spChg chg="del mod">
+          <ac:chgData name="Marcos Maillot" userId="fa14b39d-e966-4ebb-a436-4f96f84b9577" providerId="ADAL" clId="{E16F318F-549C-45A0-85AB-1BD6DC4F3462}" dt="2022-11-25T03:37:51.324" v="2137" actId="478"/>
           <ac:spMkLst>
             <pc:docMk/>
             <pc:sldMk cId="1344143258" sldId="345"/>
@@ -698,6 +988,14 @@
             <ac:spMk id="7" creationId="{00000000-0000-0000-0000-000000000000}"/>
           </ac:spMkLst>
         </pc:spChg>
+        <pc:spChg chg="add del mod">
+          <ac:chgData name="Marcos Maillot" userId="fa14b39d-e966-4ebb-a436-4f96f84b9577" providerId="ADAL" clId="{E16F318F-549C-45A0-85AB-1BD6DC4F3462}" dt="2022-11-25T03:38:03.455" v="2140" actId="478"/>
+          <ac:spMkLst>
+            <pc:docMk/>
+            <pc:sldMk cId="1344143258" sldId="345"/>
+            <ac:spMk id="7" creationId="{F75EB979-4326-78A3-7E9A-A89CF6C844D2}"/>
+          </ac:spMkLst>
+        </pc:spChg>
         <pc:spChg chg="del mod">
           <ac:chgData name="Marcos Maillot" userId="fa14b39d-e966-4ebb-a436-4f96f84b9577" providerId="ADAL" clId="{E16F318F-549C-45A0-85AB-1BD6DC4F3462}" dt="2022-11-24T20:04:44.683" v="1371" actId="478"/>
           <ac:spMkLst>
@@ -706,12 +1004,28 @@
             <ac:spMk id="8" creationId="{00000000-0000-0000-0000-000000000000}"/>
           </ac:spMkLst>
         </pc:spChg>
+        <pc:spChg chg="add mod">
+          <ac:chgData name="Marcos Maillot" userId="fa14b39d-e966-4ebb-a436-4f96f84b9577" providerId="ADAL" clId="{E16F318F-549C-45A0-85AB-1BD6DC4F3462}" dt="2022-11-25T03:37:52.261" v="2138"/>
+          <ac:spMkLst>
+            <pc:docMk/>
+            <pc:sldMk cId="1344143258" sldId="345"/>
+            <ac:spMk id="8" creationId="{B8B7B081-D6C4-1A78-CCD4-485C3E3A8966}"/>
+          </ac:spMkLst>
+        </pc:spChg>
         <pc:spChg chg="del mod">
           <ac:chgData name="Marcos Maillot" userId="fa14b39d-e966-4ebb-a436-4f96f84b9577" providerId="ADAL" clId="{E16F318F-549C-45A0-85AB-1BD6DC4F3462}" dt="2022-11-24T20:04:16.345" v="1363" actId="478"/>
           <ac:spMkLst>
             <pc:docMk/>
             <pc:sldMk cId="1344143258" sldId="345"/>
             <ac:spMk id="9" creationId="{00000000-0000-0000-0000-000000000000}"/>
+          </ac:spMkLst>
+        </pc:spChg>
+        <pc:spChg chg="add mod">
+          <ac:chgData name="Marcos Maillot" userId="fa14b39d-e966-4ebb-a436-4f96f84b9577" providerId="ADAL" clId="{E16F318F-549C-45A0-85AB-1BD6DC4F3462}" dt="2022-11-25T03:37:52.261" v="2138"/>
+          <ac:spMkLst>
+            <pc:docMk/>
+            <pc:sldMk cId="1344143258" sldId="345"/>
+            <ac:spMk id="9" creationId="{95143B9E-2914-72BA-38BD-CDEE254EED77}"/>
           </ac:spMkLst>
         </pc:spChg>
         <pc:spChg chg="del">
@@ -723,6 +1037,14 @@
           </ac:spMkLst>
         </pc:spChg>
         <pc:spChg chg="add del mod">
+          <ac:chgData name="Marcos Maillot" userId="fa14b39d-e966-4ebb-a436-4f96f84b9577" providerId="ADAL" clId="{E16F318F-549C-45A0-85AB-1BD6DC4F3462}" dt="2022-11-25T03:37:57.547" v="2139" actId="478"/>
+          <ac:spMkLst>
+            <pc:docMk/>
+            <pc:sldMk cId="1344143258" sldId="345"/>
+            <ac:spMk id="10" creationId="{2D01560C-DDE1-F13F-74EA-9F4B529F0BFC}"/>
+          </ac:spMkLst>
+        </pc:spChg>
+        <pc:spChg chg="add del mod">
           <ac:chgData name="Marcos Maillot" userId="fa14b39d-e966-4ebb-a436-4f96f84b9577" providerId="ADAL" clId="{E16F318F-549C-45A0-85AB-1BD6DC4F3462}" dt="2022-11-24T20:11:30.807" v="1452" actId="478"/>
           <ac:spMkLst>
             <pc:docMk/>
@@ -730,8 +1052,16 @@
             <ac:spMk id="11" creationId="{D9803131-A3D2-35EA-9E1D-5F4E67FBC5F0}"/>
           </ac:spMkLst>
         </pc:spChg>
-        <pc:spChg chg="add mod">
-          <ac:chgData name="Marcos Maillot" userId="fa14b39d-e966-4ebb-a436-4f96f84b9577" providerId="ADAL" clId="{E16F318F-549C-45A0-85AB-1BD6DC4F3462}" dt="2022-11-24T20:04:18.832" v="1364" actId="1076"/>
+        <pc:spChg chg="add del mod">
+          <ac:chgData name="Marcos Maillot" userId="fa14b39d-e966-4ebb-a436-4f96f84b9577" providerId="ADAL" clId="{E16F318F-549C-45A0-85AB-1BD6DC4F3462}" dt="2022-11-25T03:37:57.547" v="2139" actId="478"/>
+          <ac:spMkLst>
+            <pc:docMk/>
+            <pc:sldMk cId="1344143258" sldId="345"/>
+            <ac:spMk id="11" creationId="{F7156A93-84C9-EC1F-4871-7A62B044AAB5}"/>
+          </ac:spMkLst>
+        </pc:spChg>
+        <pc:spChg chg="add del mod">
+          <ac:chgData name="Marcos Maillot" userId="fa14b39d-e966-4ebb-a436-4f96f84b9577" providerId="ADAL" clId="{E16F318F-549C-45A0-85AB-1BD6DC4F3462}" dt="2022-11-25T03:37:51.324" v="2137" actId="478"/>
           <ac:spMkLst>
             <pc:docMk/>
             <pc:sldMk cId="1344143258" sldId="345"/>
@@ -746,16 +1076,16 @@
             <ac:spMk id="14" creationId="{7FE21B80-7AF0-C0D1-AA24-28107C866D2B}"/>
           </ac:spMkLst>
         </pc:spChg>
-        <pc:spChg chg="add mod">
-          <ac:chgData name="Marcos Maillot" userId="fa14b39d-e966-4ebb-a436-4f96f84b9577" providerId="ADAL" clId="{E16F318F-549C-45A0-85AB-1BD6DC4F3462}" dt="2022-11-24T20:06:05.342" v="1413" actId="1076"/>
+        <pc:spChg chg="add del mod">
+          <ac:chgData name="Marcos Maillot" userId="fa14b39d-e966-4ebb-a436-4f96f84b9577" providerId="ADAL" clId="{E16F318F-549C-45A0-85AB-1BD6DC4F3462}" dt="2022-11-25T03:37:51.324" v="2137" actId="478"/>
           <ac:spMkLst>
             <pc:docMk/>
             <pc:sldMk cId="1344143258" sldId="345"/>
             <ac:spMk id="16" creationId="{412B5F43-294C-6A90-B9D5-BA73C88EA0DB}"/>
           </ac:spMkLst>
         </pc:spChg>
-        <pc:spChg chg="add mod">
-          <ac:chgData name="Marcos Maillot" userId="fa14b39d-e966-4ebb-a436-4f96f84b9577" providerId="ADAL" clId="{E16F318F-549C-45A0-85AB-1BD6DC4F3462}" dt="2022-11-24T20:11:32.181" v="1453"/>
+        <pc:spChg chg="add del mod">
+          <ac:chgData name="Marcos Maillot" userId="fa14b39d-e966-4ebb-a436-4f96f84b9577" providerId="ADAL" clId="{E16F318F-549C-45A0-85AB-1BD6DC4F3462}" dt="2022-11-25T03:37:51.324" v="2137" actId="478"/>
           <ac:spMkLst>
             <pc:docMk/>
             <pc:sldMk cId="1344143258" sldId="345"/>
@@ -780,7 +1110,7 @@
         </pc:picChg>
       </pc:sldChg>
       <pc:sldChg chg="addSp delSp modSp add mod">
-        <pc:chgData name="Marcos Maillot" userId="fa14b39d-e966-4ebb-a436-4f96f84b9577" providerId="ADAL" clId="{E16F318F-549C-45A0-85AB-1BD6DC4F3462}" dt="2022-11-24T20:25:35.378" v="1803"/>
+        <pc:chgData name="Marcos Maillot" userId="fa14b39d-e966-4ebb-a436-4f96f84b9577" providerId="ADAL" clId="{E16F318F-549C-45A0-85AB-1BD6DC4F3462}" dt="2022-11-25T03:37:43.200" v="2136" actId="478"/>
         <pc:sldMkLst>
           <pc:docMk/>
           <pc:sldMk cId="2508330662" sldId="346"/>
@@ -793,12 +1123,36 @@
             <ac:spMk id="2" creationId="{00000000-0000-0000-0000-000000000000}"/>
           </ac:spMkLst>
         </pc:spChg>
+        <pc:spChg chg="add mod">
+          <ac:chgData name="Marcos Maillot" userId="fa14b39d-e966-4ebb-a436-4f96f84b9577" providerId="ADAL" clId="{E16F318F-549C-45A0-85AB-1BD6DC4F3462}" dt="2022-11-25T03:37:37.711" v="2135"/>
+          <ac:spMkLst>
+            <pc:docMk/>
+            <pc:sldMk cId="2508330662" sldId="346"/>
+            <ac:spMk id="2" creationId="{FD353B88-C62B-8442-CCDF-49FE9866F2F8}"/>
+          </ac:spMkLst>
+        </pc:spChg>
+        <pc:spChg chg="add mod">
+          <ac:chgData name="Marcos Maillot" userId="fa14b39d-e966-4ebb-a436-4f96f84b9577" providerId="ADAL" clId="{E16F318F-549C-45A0-85AB-1BD6DC4F3462}" dt="2022-11-25T03:37:37.711" v="2135"/>
+          <ac:spMkLst>
+            <pc:docMk/>
+            <pc:sldMk cId="2508330662" sldId="346"/>
+            <ac:spMk id="4" creationId="{3D19D39A-65FD-88A1-6180-0CA1B4C4B80C}"/>
+          </ac:spMkLst>
+        </pc:spChg>
         <pc:spChg chg="del">
           <ac:chgData name="Marcos Maillot" userId="fa14b39d-e966-4ebb-a436-4f96f84b9577" providerId="ADAL" clId="{E16F318F-549C-45A0-85AB-1BD6DC4F3462}" dt="2022-11-24T20:11:44.519" v="1456" actId="478"/>
           <ac:spMkLst>
             <pc:docMk/>
             <pc:sldMk cId="2508330662" sldId="346"/>
             <ac:spMk id="6" creationId="{00000000-0000-0000-0000-000000000000}"/>
+          </ac:spMkLst>
+        </pc:spChg>
+        <pc:spChg chg="add mod">
+          <ac:chgData name="Marcos Maillot" userId="fa14b39d-e966-4ebb-a436-4f96f84b9577" providerId="ADAL" clId="{E16F318F-549C-45A0-85AB-1BD6DC4F3462}" dt="2022-11-25T03:37:37.711" v="2135"/>
+          <ac:spMkLst>
+            <pc:docMk/>
+            <pc:sldMk cId="2508330662" sldId="346"/>
+            <ac:spMk id="6" creationId="{98E935CC-03BA-74D4-5ADA-161BEB3664C1}"/>
           </ac:spMkLst>
         </pc:spChg>
         <pc:spChg chg="del mod">
@@ -809,12 +1163,28 @@
             <ac:spMk id="7" creationId="{00000000-0000-0000-0000-000000000000}"/>
           </ac:spMkLst>
         </pc:spChg>
-        <pc:spChg chg="mod ord">
-          <ac:chgData name="Marcos Maillot" userId="fa14b39d-e966-4ebb-a436-4f96f84b9577" providerId="ADAL" clId="{E16F318F-549C-45A0-85AB-1BD6DC4F3462}" dt="2022-11-24T20:12:59.798" v="1467" actId="1076"/>
+        <pc:spChg chg="add mod">
+          <ac:chgData name="Marcos Maillot" userId="fa14b39d-e966-4ebb-a436-4f96f84b9577" providerId="ADAL" clId="{E16F318F-549C-45A0-85AB-1BD6DC4F3462}" dt="2022-11-25T03:37:37.711" v="2135"/>
+          <ac:spMkLst>
+            <pc:docMk/>
+            <pc:sldMk cId="2508330662" sldId="346"/>
+            <ac:spMk id="7" creationId="{92CBF9E4-CFC4-8BEE-1EDC-5D075F3DEE3C}"/>
+          </ac:spMkLst>
+        </pc:spChg>
+        <pc:spChg chg="del mod ord">
+          <ac:chgData name="Marcos Maillot" userId="fa14b39d-e966-4ebb-a436-4f96f84b9577" providerId="ADAL" clId="{E16F318F-549C-45A0-85AB-1BD6DC4F3462}" dt="2022-11-25T03:37:37.075" v="2134" actId="478"/>
           <ac:spMkLst>
             <pc:docMk/>
             <pc:sldMk cId="2508330662" sldId="346"/>
             <ac:spMk id="8" creationId="{00000000-0000-0000-0000-000000000000}"/>
+          </ac:spMkLst>
+        </pc:spChg>
+        <pc:spChg chg="add mod">
+          <ac:chgData name="Marcos Maillot" userId="fa14b39d-e966-4ebb-a436-4f96f84b9577" providerId="ADAL" clId="{E16F318F-549C-45A0-85AB-1BD6DC4F3462}" dt="2022-11-25T03:37:37.711" v="2135"/>
+          <ac:spMkLst>
+            <pc:docMk/>
+            <pc:sldMk cId="2508330662" sldId="346"/>
+            <ac:spMk id="11" creationId="{1FE72D06-CD21-C6D3-9CA7-BB709D4CC485}"/>
           </ac:spMkLst>
         </pc:spChg>
         <pc:spChg chg="add del mod">
@@ -825,6 +1195,14 @@
             <ac:spMk id="11" creationId="{F3629674-13EB-0D09-5EE3-63E8B8EE7E0D}"/>
           </ac:spMkLst>
         </pc:spChg>
+        <pc:spChg chg="add mod">
+          <ac:chgData name="Marcos Maillot" userId="fa14b39d-e966-4ebb-a436-4f96f84b9577" providerId="ADAL" clId="{E16F318F-549C-45A0-85AB-1BD6DC4F3462}" dt="2022-11-25T03:37:37.711" v="2135"/>
+          <ac:spMkLst>
+            <pc:docMk/>
+            <pc:sldMk cId="2508330662" sldId="346"/>
+            <ac:spMk id="12" creationId="{4D5C8081-2C22-A20C-F888-F84FF7ED6BD5}"/>
+          </ac:spMkLst>
+        </pc:spChg>
         <pc:spChg chg="add del mod">
           <ac:chgData name="Marcos Maillot" userId="fa14b39d-e966-4ebb-a436-4f96f84b9577" providerId="ADAL" clId="{E16F318F-549C-45A0-85AB-1BD6DC4F3462}" dt="2022-11-24T20:11:41.867" v="1455" actId="478"/>
           <ac:spMkLst>
@@ -833,16 +1211,16 @@
             <ac:spMk id="12" creationId="{8E1F96F8-AC96-AF0D-C630-BBBF2C92A460}"/>
           </ac:spMkLst>
         </pc:spChg>
-        <pc:spChg chg="add mod">
-          <ac:chgData name="Marcos Maillot" userId="fa14b39d-e966-4ebb-a436-4f96f84b9577" providerId="ADAL" clId="{E16F318F-549C-45A0-85AB-1BD6DC4F3462}" dt="2022-11-24T20:07:57.157" v="1441" actId="403"/>
+        <pc:spChg chg="add del mod">
+          <ac:chgData name="Marcos Maillot" userId="fa14b39d-e966-4ebb-a436-4f96f84b9577" providerId="ADAL" clId="{E16F318F-549C-45A0-85AB-1BD6DC4F3462}" dt="2022-11-25T03:37:27.253" v="2131" actId="478"/>
           <ac:spMkLst>
             <pc:docMk/>
             <pc:sldMk cId="2508330662" sldId="346"/>
             <ac:spMk id="13" creationId="{5993B5E6-200D-970E-1E49-14625CAC3218}"/>
           </ac:spMkLst>
         </pc:spChg>
-        <pc:spChg chg="add mod">
-          <ac:chgData name="Marcos Maillot" userId="fa14b39d-e966-4ebb-a436-4f96f84b9577" providerId="ADAL" clId="{E16F318F-549C-45A0-85AB-1BD6DC4F3462}" dt="2022-11-24T20:07:54.787" v="1440" actId="14100"/>
+        <pc:spChg chg="add del mod">
+          <ac:chgData name="Marcos Maillot" userId="fa14b39d-e966-4ebb-a436-4f96f84b9577" providerId="ADAL" clId="{E16F318F-549C-45A0-85AB-1BD6DC4F3462}" dt="2022-11-25T03:37:20.363" v="2129" actId="478"/>
           <ac:spMkLst>
             <pc:docMk/>
             <pc:sldMk cId="2508330662" sldId="346"/>
@@ -857,24 +1235,24 @@
             <ac:spMk id="15" creationId="{1BC611AF-4607-48FE-ABE5-A4C681D54FBB}"/>
           </ac:spMkLst>
         </pc:spChg>
-        <pc:spChg chg="add mod">
-          <ac:chgData name="Marcos Maillot" userId="fa14b39d-e966-4ebb-a436-4f96f84b9577" providerId="ADAL" clId="{E16F318F-549C-45A0-85AB-1BD6DC4F3462}" dt="2022-11-24T20:10:42.145" v="1446" actId="6549"/>
+        <pc:spChg chg="add del mod">
+          <ac:chgData name="Marcos Maillot" userId="fa14b39d-e966-4ebb-a436-4f96f84b9577" providerId="ADAL" clId="{E16F318F-549C-45A0-85AB-1BD6DC4F3462}" dt="2022-11-25T03:37:24.583" v="2130" actId="478"/>
           <ac:spMkLst>
             <pc:docMk/>
             <pc:sldMk cId="2508330662" sldId="346"/>
             <ac:spMk id="16" creationId="{27768F33-D910-817D-A1AC-B191AB9C17A7}"/>
           </ac:spMkLst>
         </pc:spChg>
-        <pc:spChg chg="add mod">
-          <ac:chgData name="Marcos Maillot" userId="fa14b39d-e966-4ebb-a436-4f96f84b9577" providerId="ADAL" clId="{E16F318F-549C-45A0-85AB-1BD6DC4F3462}" dt="2022-11-24T20:12:13.801" v="1463" actId="1076"/>
+        <pc:spChg chg="add del mod">
+          <ac:chgData name="Marcos Maillot" userId="fa14b39d-e966-4ebb-a436-4f96f84b9577" providerId="ADAL" clId="{E16F318F-549C-45A0-85AB-1BD6DC4F3462}" dt="2022-11-25T03:37:34.011" v="2133" actId="478"/>
           <ac:spMkLst>
             <pc:docMk/>
             <pc:sldMk cId="2508330662" sldId="346"/>
             <ac:spMk id="17" creationId="{561566B7-A2D4-66EE-63AA-8182370F4F5F}"/>
           </ac:spMkLst>
         </pc:spChg>
-        <pc:spChg chg="add mod">
-          <ac:chgData name="Marcos Maillot" userId="fa14b39d-e966-4ebb-a436-4f96f84b9577" providerId="ADAL" clId="{E16F318F-549C-45A0-85AB-1BD6DC4F3462}" dt="2022-11-24T20:12:08.294" v="1462" actId="1076"/>
+        <pc:spChg chg="add del mod">
+          <ac:chgData name="Marcos Maillot" userId="fa14b39d-e966-4ebb-a436-4f96f84b9577" providerId="ADAL" clId="{E16F318F-549C-45A0-85AB-1BD6DC4F3462}" dt="2022-11-25T03:37:30.201" v="2132" actId="478"/>
           <ac:spMkLst>
             <pc:docMk/>
             <pc:sldMk cId="2508330662" sldId="346"/>
@@ -889,6 +1267,14 @@
             <ac:spMk id="19" creationId="{A997E17A-9E31-D00C-AB62-FC42645C8196}"/>
           </ac:spMkLst>
         </pc:spChg>
+        <pc:spChg chg="add del mod">
+          <ac:chgData name="Marcos Maillot" userId="fa14b39d-e966-4ebb-a436-4f96f84b9577" providerId="ADAL" clId="{E16F318F-549C-45A0-85AB-1BD6DC4F3462}" dt="2022-11-25T03:37:43.200" v="2136" actId="478"/>
+          <ac:spMkLst>
+            <pc:docMk/>
+            <pc:sldMk cId="2508330662" sldId="346"/>
+            <ac:spMk id="20" creationId="{B0B05049-AF17-155A-CCB1-8CC58DB71111}"/>
+          </ac:spMkLst>
+        </pc:spChg>
         <pc:picChg chg="add mod">
           <ac:chgData name="Marcos Maillot" userId="fa14b39d-e966-4ebb-a436-4f96f84b9577" providerId="ADAL" clId="{E16F318F-549C-45A0-85AB-1BD6DC4F3462}" dt="2022-11-24T20:00:42.950" v="1310" actId="1076"/>
           <ac:picMkLst>
@@ -899,7 +1285,7 @@
         </pc:picChg>
       </pc:sldChg>
       <pc:sldChg chg="addSp delSp modSp add mod">
-        <pc:chgData name="Marcos Maillot" userId="fa14b39d-e966-4ebb-a436-4f96f84b9577" providerId="ADAL" clId="{E16F318F-549C-45A0-85AB-1BD6DC4F3462}" dt="2022-11-24T20:25:40.762" v="1805"/>
+        <pc:chgData name="Marcos Maillot" userId="fa14b39d-e966-4ebb-a436-4f96f84b9577" providerId="ADAL" clId="{E16F318F-549C-45A0-85AB-1BD6DC4F3462}" dt="2022-11-25T03:37:10.250" v="2128" actId="1076"/>
         <pc:sldMkLst>
           <pc:docMk/>
           <pc:sldMk cId="3456761567" sldId="347"/>
@@ -937,7 +1323,7 @@
           </ac:spMkLst>
         </pc:spChg>
         <pc:spChg chg="add mod">
-          <ac:chgData name="Marcos Maillot" userId="fa14b39d-e966-4ebb-a436-4f96f84b9577" providerId="ADAL" clId="{E16F318F-549C-45A0-85AB-1BD6DC4F3462}" dt="2022-11-24T20:12:42.135" v="1465"/>
+          <ac:chgData name="Marcos Maillot" userId="fa14b39d-e966-4ebb-a436-4f96f84b9577" providerId="ADAL" clId="{E16F318F-549C-45A0-85AB-1BD6DC4F3462}" dt="2022-11-25T03:37:10.250" v="2128" actId="1076"/>
           <ac:spMkLst>
             <pc:docMk/>
             <pc:sldMk cId="3456761567" sldId="347"/>
@@ -945,7 +1331,7 @@
           </ac:spMkLst>
         </pc:spChg>
         <pc:spChg chg="add mod">
-          <ac:chgData name="Marcos Maillot" userId="fa14b39d-e966-4ebb-a436-4f96f84b9577" providerId="ADAL" clId="{E16F318F-549C-45A0-85AB-1BD6DC4F3462}" dt="2022-11-24T20:12:42.135" v="1465"/>
+          <ac:chgData name="Marcos Maillot" userId="fa14b39d-e966-4ebb-a436-4f96f84b9577" providerId="ADAL" clId="{E16F318F-549C-45A0-85AB-1BD6DC4F3462}" dt="2022-11-25T03:37:10.250" v="2128" actId="1076"/>
           <ac:spMkLst>
             <pc:docMk/>
             <pc:sldMk cId="3456761567" sldId="347"/>
@@ -961,7 +1347,7 @@
           </ac:spMkLst>
         </pc:spChg>
         <pc:spChg chg="add mod">
-          <ac:chgData name="Marcos Maillot" userId="fa14b39d-e966-4ebb-a436-4f96f84b9577" providerId="ADAL" clId="{E16F318F-549C-45A0-85AB-1BD6DC4F3462}" dt="2022-11-24T20:12:42.135" v="1465"/>
+          <ac:chgData name="Marcos Maillot" userId="fa14b39d-e966-4ebb-a436-4f96f84b9577" providerId="ADAL" clId="{E16F318F-549C-45A0-85AB-1BD6DC4F3462}" dt="2022-11-25T03:37:10.250" v="2128" actId="1076"/>
           <ac:spMkLst>
             <pc:docMk/>
             <pc:sldMk cId="3456761567" sldId="347"/>
@@ -969,7 +1355,7 @@
           </ac:spMkLst>
         </pc:spChg>
         <pc:spChg chg="add mod">
-          <ac:chgData name="Marcos Maillot" userId="fa14b39d-e966-4ebb-a436-4f96f84b9577" providerId="ADAL" clId="{E16F318F-549C-45A0-85AB-1BD6DC4F3462}" dt="2022-11-24T20:12:42.135" v="1465"/>
+          <ac:chgData name="Marcos Maillot" userId="fa14b39d-e966-4ebb-a436-4f96f84b9577" providerId="ADAL" clId="{E16F318F-549C-45A0-85AB-1BD6DC4F3462}" dt="2022-11-25T03:37:10.250" v="2128" actId="1076"/>
           <ac:spMkLst>
             <pc:docMk/>
             <pc:sldMk cId="3456761567" sldId="347"/>
@@ -977,7 +1363,7 @@
           </ac:spMkLst>
         </pc:spChg>
         <pc:spChg chg="add mod">
-          <ac:chgData name="Marcos Maillot" userId="fa14b39d-e966-4ebb-a436-4f96f84b9577" providerId="ADAL" clId="{E16F318F-549C-45A0-85AB-1BD6DC4F3462}" dt="2022-11-24T20:12:42.135" v="1465"/>
+          <ac:chgData name="Marcos Maillot" userId="fa14b39d-e966-4ebb-a436-4f96f84b9577" providerId="ADAL" clId="{E16F318F-549C-45A0-85AB-1BD6DC4F3462}" dt="2022-11-25T03:37:10.250" v="2128" actId="1076"/>
           <ac:spMkLst>
             <pc:docMk/>
             <pc:sldMk cId="3456761567" sldId="347"/>
@@ -985,7 +1371,7 @@
           </ac:spMkLst>
         </pc:spChg>
         <pc:spChg chg="add mod">
-          <ac:chgData name="Marcos Maillot" userId="fa14b39d-e966-4ebb-a436-4f96f84b9577" providerId="ADAL" clId="{E16F318F-549C-45A0-85AB-1BD6DC4F3462}" dt="2022-11-24T20:12:54.216" v="1466" actId="1076"/>
+          <ac:chgData name="Marcos Maillot" userId="fa14b39d-e966-4ebb-a436-4f96f84b9577" providerId="ADAL" clId="{E16F318F-549C-45A0-85AB-1BD6DC4F3462}" dt="2022-11-25T03:35:20.442" v="2121" actId="20577"/>
           <ac:spMkLst>
             <pc:docMk/>
             <pc:sldMk cId="3456761567" sldId="347"/>
@@ -1026,7 +1412,7 @@
         </pc:picChg>
       </pc:sldChg>
       <pc:sldChg chg="addSp delSp modSp add mod">
-        <pc:chgData name="Marcos Maillot" userId="fa14b39d-e966-4ebb-a436-4f96f84b9577" providerId="ADAL" clId="{E16F318F-549C-45A0-85AB-1BD6DC4F3462}" dt="2022-11-24T20:25:45.570" v="1807"/>
+        <pc:chgData name="Marcos Maillot" userId="fa14b39d-e966-4ebb-a436-4f96f84b9577" providerId="ADAL" clId="{E16F318F-549C-45A0-85AB-1BD6DC4F3462}" dt="2022-11-25T03:38:45.233" v="2148" actId="478"/>
         <pc:sldMkLst>
           <pc:docMk/>
           <pc:sldMk cId="500749361" sldId="348"/>
@@ -1039,6 +1425,22 @@
             <ac:spMk id="2" creationId="{00000000-0000-0000-0000-000000000000}"/>
           </ac:spMkLst>
         </pc:spChg>
+        <pc:spChg chg="add del mod">
+          <ac:chgData name="Marcos Maillot" userId="fa14b39d-e966-4ebb-a436-4f96f84b9577" providerId="ADAL" clId="{E16F318F-549C-45A0-85AB-1BD6DC4F3462}" dt="2022-11-25T03:38:45.233" v="2148" actId="478"/>
+          <ac:spMkLst>
+            <pc:docMk/>
+            <pc:sldMk cId="500749361" sldId="348"/>
+            <ac:spMk id="2" creationId="{7D7A37A3-BFAF-F36E-C4F4-000BEB3ECF02}"/>
+          </ac:spMkLst>
+        </pc:spChg>
+        <pc:spChg chg="add del mod">
+          <ac:chgData name="Marcos Maillot" userId="fa14b39d-e966-4ebb-a436-4f96f84b9577" providerId="ADAL" clId="{E16F318F-549C-45A0-85AB-1BD6DC4F3462}" dt="2022-11-25T03:38:45.233" v="2148" actId="478"/>
+          <ac:spMkLst>
+            <pc:docMk/>
+            <pc:sldMk cId="500749361" sldId="348"/>
+            <ac:spMk id="4" creationId="{5D0C9F37-C1BE-34D5-91FB-22323D34AA75}"/>
+          </ac:spMkLst>
+        </pc:spChg>
         <pc:spChg chg="del">
           <ac:chgData name="Marcos Maillot" userId="fa14b39d-e966-4ebb-a436-4f96f84b9577" providerId="ADAL" clId="{E16F318F-549C-45A0-85AB-1BD6DC4F3462}" dt="2022-11-24T20:17:27.018" v="1539" actId="478"/>
           <ac:spMkLst>
@@ -1047,12 +1449,28 @@
             <ac:spMk id="6" creationId="{00000000-0000-0000-0000-000000000000}"/>
           </ac:spMkLst>
         </pc:spChg>
+        <pc:spChg chg="add del mod">
+          <ac:chgData name="Marcos Maillot" userId="fa14b39d-e966-4ebb-a436-4f96f84b9577" providerId="ADAL" clId="{E16F318F-549C-45A0-85AB-1BD6DC4F3462}" dt="2022-11-25T03:38:45.233" v="2148" actId="478"/>
+          <ac:spMkLst>
+            <pc:docMk/>
+            <pc:sldMk cId="500749361" sldId="348"/>
+            <ac:spMk id="6" creationId="{269F9BD9-9B81-F48D-D21E-42067FA1AA20}"/>
+          </ac:spMkLst>
+        </pc:spChg>
         <pc:spChg chg="del">
           <ac:chgData name="Marcos Maillot" userId="fa14b39d-e966-4ebb-a436-4f96f84b9577" providerId="ADAL" clId="{E16F318F-549C-45A0-85AB-1BD6DC4F3462}" dt="2022-11-24T20:17:25.450" v="1538" actId="478"/>
           <ac:spMkLst>
             <pc:docMk/>
             <pc:sldMk cId="500749361" sldId="348"/>
             <ac:spMk id="7" creationId="{00000000-0000-0000-0000-000000000000}"/>
+          </ac:spMkLst>
+        </pc:spChg>
+        <pc:spChg chg="add mod">
+          <ac:chgData name="Marcos Maillot" userId="fa14b39d-e966-4ebb-a436-4f96f84b9577" providerId="ADAL" clId="{E16F318F-549C-45A0-85AB-1BD6DC4F3462}" dt="2022-11-25T03:38:29.767" v="2147"/>
+          <ac:spMkLst>
+            <pc:docMk/>
+            <pc:sldMk cId="500749361" sldId="348"/>
+            <ac:spMk id="7" creationId="{EA496627-6B2C-CD4C-D28C-9C261CDD48EC}"/>
           </ac:spMkLst>
         </pc:spChg>
         <pc:spChg chg="del">
@@ -1064,31 +1482,39 @@
           </ac:spMkLst>
         </pc:spChg>
         <pc:spChg chg="add mod">
-          <ac:chgData name="Marcos Maillot" userId="fa14b39d-e966-4ebb-a436-4f96f84b9577" providerId="ADAL" clId="{E16F318F-549C-45A0-85AB-1BD6DC4F3462}" dt="2022-11-24T20:18:19.396" v="1541"/>
+          <ac:chgData name="Marcos Maillot" userId="fa14b39d-e966-4ebb-a436-4f96f84b9577" providerId="ADAL" clId="{E16F318F-549C-45A0-85AB-1BD6DC4F3462}" dt="2022-11-25T03:38:29.767" v="2147"/>
+          <ac:spMkLst>
+            <pc:docMk/>
+            <pc:sldMk cId="500749361" sldId="348"/>
+            <ac:spMk id="8" creationId="{F00EFBD4-5DB7-2AE1-FFA7-DAD16446BE0A}"/>
+          </ac:spMkLst>
+        </pc:spChg>
+        <pc:spChg chg="add del mod">
+          <ac:chgData name="Marcos Maillot" userId="fa14b39d-e966-4ebb-a436-4f96f84b9577" providerId="ADAL" clId="{E16F318F-549C-45A0-85AB-1BD6DC4F3462}" dt="2022-11-25T03:38:28.718" v="2146" actId="478"/>
           <ac:spMkLst>
             <pc:docMk/>
             <pc:sldMk cId="500749361" sldId="348"/>
             <ac:spMk id="11" creationId="{FD6F5EAC-B1F2-540B-D1EC-A09AA90C3764}"/>
           </ac:spMkLst>
         </pc:spChg>
-        <pc:spChg chg="add mod">
-          <ac:chgData name="Marcos Maillot" userId="fa14b39d-e966-4ebb-a436-4f96f84b9577" providerId="ADAL" clId="{E16F318F-549C-45A0-85AB-1BD6DC4F3462}" dt="2022-11-24T20:18:19.396" v="1541"/>
+        <pc:spChg chg="add del mod">
+          <ac:chgData name="Marcos Maillot" userId="fa14b39d-e966-4ebb-a436-4f96f84b9577" providerId="ADAL" clId="{E16F318F-549C-45A0-85AB-1BD6DC4F3462}" dt="2022-11-25T03:38:28.718" v="2146" actId="478"/>
           <ac:spMkLst>
             <pc:docMk/>
             <pc:sldMk cId="500749361" sldId="348"/>
             <ac:spMk id="12" creationId="{A6C7C781-228C-CCF9-F283-652CF6541CAA}"/>
           </ac:spMkLst>
         </pc:spChg>
-        <pc:spChg chg="add mod ord">
-          <ac:chgData name="Marcos Maillot" userId="fa14b39d-e966-4ebb-a436-4f96f84b9577" providerId="ADAL" clId="{E16F318F-549C-45A0-85AB-1BD6DC4F3462}" dt="2022-11-24T20:18:54.294" v="1546" actId="170"/>
+        <pc:spChg chg="add del mod ord">
+          <ac:chgData name="Marcos Maillot" userId="fa14b39d-e966-4ebb-a436-4f96f84b9577" providerId="ADAL" clId="{E16F318F-549C-45A0-85AB-1BD6DC4F3462}" dt="2022-11-25T03:38:28.718" v="2146" actId="478"/>
           <ac:spMkLst>
             <pc:docMk/>
             <pc:sldMk cId="500749361" sldId="348"/>
             <ac:spMk id="13" creationId="{0AA15A25-C077-6CF1-4AED-4CEDF0C2F6D3}"/>
           </ac:spMkLst>
         </pc:spChg>
-        <pc:spChg chg="add mod ord">
-          <ac:chgData name="Marcos Maillot" userId="fa14b39d-e966-4ebb-a436-4f96f84b9577" providerId="ADAL" clId="{E16F318F-549C-45A0-85AB-1BD6DC4F3462}" dt="2022-11-24T20:20:18.953" v="1555" actId="166"/>
+        <pc:spChg chg="add del mod ord">
+          <ac:chgData name="Marcos Maillot" userId="fa14b39d-e966-4ebb-a436-4f96f84b9577" providerId="ADAL" clId="{E16F318F-549C-45A0-85AB-1BD6DC4F3462}" dt="2022-11-25T03:38:28.718" v="2146" actId="478"/>
           <ac:spMkLst>
             <pc:docMk/>
             <pc:sldMk cId="500749361" sldId="348"/>
@@ -1109,6 +1535,22 @@
             <pc:docMk/>
             <pc:sldMk cId="500749361" sldId="348"/>
             <ac:spMk id="17" creationId="{274FD1B5-D8E7-49B0-7355-9B817A070EC7}"/>
+          </ac:spMkLst>
+        </pc:spChg>
+        <pc:spChg chg="add mod">
+          <ac:chgData name="Marcos Maillot" userId="fa14b39d-e966-4ebb-a436-4f96f84b9577" providerId="ADAL" clId="{E16F318F-549C-45A0-85AB-1BD6DC4F3462}" dt="2022-11-25T03:38:29.767" v="2147"/>
+          <ac:spMkLst>
+            <pc:docMk/>
+            <pc:sldMk cId="500749361" sldId="348"/>
+            <ac:spMk id="18" creationId="{662E54A9-8F04-F218-6BCD-DE5806F042EB}"/>
+          </ac:spMkLst>
+        </pc:spChg>
+        <pc:spChg chg="add mod">
+          <ac:chgData name="Marcos Maillot" userId="fa14b39d-e966-4ebb-a436-4f96f84b9577" providerId="ADAL" clId="{E16F318F-549C-45A0-85AB-1BD6DC4F3462}" dt="2022-11-25T03:38:29.767" v="2147"/>
+          <ac:spMkLst>
+            <pc:docMk/>
+            <pc:sldMk cId="500749361" sldId="348"/>
+            <ac:spMk id="19" creationId="{46B65D97-87FB-1616-CA1B-5A9DD827F913}"/>
           </ac:spMkLst>
         </pc:spChg>
         <pc:grpChg chg="add mod">
@@ -1183,7 +1625,7 @@
           <a:noFill/>
           <a:extLst>
             <a:ext uri="{909E8E84-426E-40dd-AFC4-6F175D3DCCD1}">
-              <a14:hiddenFill xmlns="" xmlns:a14="http://schemas.microsoft.com/office/drawing/2010/main">
+              <a14:hiddenFill xmlns:a14="http://schemas.microsoft.com/office/drawing/2010/main" xmlns="">
                 <a:solidFill>
                   <a:srgbClr val="FFFFFF"/>
                 </a:solidFill>
@@ -1243,7 +1685,7 @@
             </a:ln>
             <a:extLst>
               <a:ext uri="{91240B29-F687-4f45-9708-019B960494DF}">
-                <a14:hiddenLine xmlns="" xmlns:a14="http://schemas.microsoft.com/office/drawing/2010/main" w="9525">
+                <a14:hiddenLine xmlns:a14="http://schemas.microsoft.com/office/drawing/2010/main" xmlns="" w="9525">
                   <a:solidFill>
                     <a:srgbClr val="000000"/>
                   </a:solidFill>
@@ -1333,7 +1775,7 @@
             </a:ln>
             <a:extLst>
               <a:ext uri="{91240B29-F687-4f45-9708-019B960494DF}">
-                <a14:hiddenLine xmlns="" xmlns:a14="http://schemas.microsoft.com/office/drawing/2010/main" w="9525">
+                <a14:hiddenLine xmlns:a14="http://schemas.microsoft.com/office/drawing/2010/main" xmlns="" w="9525">
                   <a:solidFill>
                     <a:srgbClr val="000000"/>
                   </a:solidFill>
@@ -1423,7 +1865,7 @@
             </a:ln>
             <a:extLst>
               <a:ext uri="{91240B29-F687-4f45-9708-019B960494DF}">
-                <a14:hiddenLine xmlns="" xmlns:a14="http://schemas.microsoft.com/office/drawing/2010/main" w="9525">
+                <a14:hiddenLine xmlns:a14="http://schemas.microsoft.com/office/drawing/2010/main" xmlns="" w="9525">
                   <a:solidFill>
                     <a:srgbClr val="000000"/>
                   </a:solidFill>
@@ -1457,7 +1899,7 @@
             </a:ln>
             <a:extLst>
               <a:ext uri="{91240B29-F687-4f45-9708-019B960494DF}">
-                <a14:hiddenLine xmlns="" xmlns:a14="http://schemas.microsoft.com/office/drawing/2010/main" w="9525">
+                <a14:hiddenLine xmlns:a14="http://schemas.microsoft.com/office/drawing/2010/main" xmlns="" w="9525">
                   <a:solidFill>
                     <a:srgbClr val="000000"/>
                   </a:solidFill>
@@ -1547,7 +1989,7 @@
             </a:ln>
             <a:extLst>
               <a:ext uri="{91240B29-F687-4f45-9708-019B960494DF}">
-                <a14:hiddenLine xmlns="" xmlns:a14="http://schemas.microsoft.com/office/drawing/2010/main" w="9525">
+                <a14:hiddenLine xmlns:a14="http://schemas.microsoft.com/office/drawing/2010/main" xmlns="" w="9525">
                   <a:solidFill>
                     <a:srgbClr val="000000"/>
                   </a:solidFill>
@@ -1609,7 +2051,7 @@
             </a:ln>
             <a:extLst>
               <a:ext uri="{91240B29-F687-4f45-9708-019B960494DF}">
-                <a14:hiddenLine xmlns="" xmlns:a14="http://schemas.microsoft.com/office/drawing/2010/main" w="9525">
+                <a14:hiddenLine xmlns:a14="http://schemas.microsoft.com/office/drawing/2010/main" xmlns="" w="9525">
                   <a:solidFill>
                     <a:srgbClr val="000000"/>
                   </a:solidFill>
@@ -1671,7 +2113,7 @@
             </a:ln>
             <a:extLst>
               <a:ext uri="{91240B29-F687-4f45-9708-019B960494DF}">
-                <a14:hiddenLine xmlns="" xmlns:a14="http://schemas.microsoft.com/office/drawing/2010/main" w="9525">
+                <a14:hiddenLine xmlns:a14="http://schemas.microsoft.com/office/drawing/2010/main" xmlns="" w="9525">
                   <a:solidFill>
                     <a:srgbClr val="000000"/>
                   </a:solidFill>
@@ -1761,7 +2203,7 @@
             </a:ln>
             <a:extLst>
               <a:ext uri="{91240B29-F687-4f45-9708-019B960494DF}">
-                <a14:hiddenLine xmlns="" xmlns:a14="http://schemas.microsoft.com/office/drawing/2010/main" w="9525">
+                <a14:hiddenLine xmlns:a14="http://schemas.microsoft.com/office/drawing/2010/main" xmlns="" w="9525">
                   <a:solidFill>
                     <a:srgbClr val="000000"/>
                   </a:solidFill>
@@ -1823,7 +2265,7 @@
             </a:ln>
             <a:extLst>
               <a:ext uri="{91240B29-F687-4f45-9708-019B960494DF}">
-                <a14:hiddenLine xmlns="" xmlns:a14="http://schemas.microsoft.com/office/drawing/2010/main" w="9525">
+                <a14:hiddenLine xmlns:a14="http://schemas.microsoft.com/office/drawing/2010/main" xmlns="" w="9525">
                   <a:solidFill>
                     <a:srgbClr val="000000"/>
                   </a:solidFill>
@@ -1885,7 +2327,7 @@
             </a:ln>
             <a:extLst>
               <a:ext uri="{91240B29-F687-4f45-9708-019B960494DF}">
-                <a14:hiddenLine xmlns="" xmlns:a14="http://schemas.microsoft.com/office/drawing/2010/main" w="9525">
+                <a14:hiddenLine xmlns:a14="http://schemas.microsoft.com/office/drawing/2010/main" xmlns="" w="9525">
                   <a:solidFill>
                     <a:srgbClr val="000000"/>
                   </a:solidFill>
@@ -1975,7 +2417,7 @@
             </a:ln>
             <a:extLst>
               <a:ext uri="{91240B29-F687-4f45-9708-019B960494DF}">
-                <a14:hiddenLine xmlns="" xmlns:a14="http://schemas.microsoft.com/office/drawing/2010/main" w="9525">
+                <a14:hiddenLine xmlns:a14="http://schemas.microsoft.com/office/drawing/2010/main" xmlns="" w="9525">
                   <a:solidFill>
                     <a:srgbClr val="000000"/>
                   </a:solidFill>
@@ -2065,7 +2507,7 @@
             </a:ln>
             <a:extLst>
               <a:ext uri="{91240B29-F687-4f45-9708-019B960494DF}">
-                <a14:hiddenLine xmlns="" xmlns:a14="http://schemas.microsoft.com/office/drawing/2010/main" w="9525">
+                <a14:hiddenLine xmlns:a14="http://schemas.microsoft.com/office/drawing/2010/main" xmlns="" w="9525">
                   <a:solidFill>
                     <a:srgbClr val="000000"/>
                   </a:solidFill>
@@ -2127,7 +2569,7 @@
             </a:ln>
             <a:extLst>
               <a:ext uri="{91240B29-F687-4f45-9708-019B960494DF}">
-                <a14:hiddenLine xmlns="" xmlns:a14="http://schemas.microsoft.com/office/drawing/2010/main" w="9525">
+                <a14:hiddenLine xmlns:a14="http://schemas.microsoft.com/office/drawing/2010/main" xmlns="" w="9525">
                   <a:solidFill>
                     <a:srgbClr val="000000"/>
                   </a:solidFill>
@@ -2237,7 +2679,7 @@
             </a:ln>
             <a:extLst>
               <a:ext uri="{91240B29-F687-4f45-9708-019B960494DF}">
-                <a14:hiddenLine xmlns="" xmlns:a14="http://schemas.microsoft.com/office/drawing/2010/main" w="9525">
+                <a14:hiddenLine xmlns:a14="http://schemas.microsoft.com/office/drawing/2010/main" xmlns="" w="9525">
                   <a:solidFill>
                     <a:srgbClr val="000000"/>
                   </a:solidFill>
@@ -2299,7 +2741,7 @@
             </a:ln>
             <a:extLst>
               <a:ext uri="{91240B29-F687-4f45-9708-019B960494DF}">
-                <a14:hiddenLine xmlns="" xmlns:a14="http://schemas.microsoft.com/office/drawing/2010/main" w="9525">
+                <a14:hiddenLine xmlns:a14="http://schemas.microsoft.com/office/drawing/2010/main" xmlns="" w="9525">
                   <a:solidFill>
                     <a:srgbClr val="000000"/>
                   </a:solidFill>
@@ -2389,7 +2831,7 @@
             </a:ln>
             <a:extLst>
               <a:ext uri="{91240B29-F687-4f45-9708-019B960494DF}">
-                <a14:hiddenLine xmlns="" xmlns:a14="http://schemas.microsoft.com/office/drawing/2010/main" w="9525">
+                <a14:hiddenLine xmlns:a14="http://schemas.microsoft.com/office/drawing/2010/main" xmlns="" w="9525">
                   <a:solidFill>
                     <a:srgbClr val="000000"/>
                   </a:solidFill>
@@ -2479,7 +2921,7 @@
             </a:ln>
             <a:extLst>
               <a:ext uri="{91240B29-F687-4f45-9708-019B960494DF}">
-                <a14:hiddenLine xmlns="" xmlns:a14="http://schemas.microsoft.com/office/drawing/2010/main" w="9525">
+                <a14:hiddenLine xmlns:a14="http://schemas.microsoft.com/office/drawing/2010/main" xmlns="" w="9525">
                   <a:solidFill>
                     <a:srgbClr val="000000"/>
                   </a:solidFill>
@@ -2541,7 +2983,7 @@
             </a:ln>
             <a:extLst>
               <a:ext uri="{91240B29-F687-4f45-9708-019B960494DF}">
-                <a14:hiddenLine xmlns="" xmlns:a14="http://schemas.microsoft.com/office/drawing/2010/main" w="9525">
+                <a14:hiddenLine xmlns:a14="http://schemas.microsoft.com/office/drawing/2010/main" xmlns="" w="9525">
                   <a:solidFill>
                     <a:srgbClr val="000000"/>
                   </a:solidFill>
@@ -2631,7 +3073,7 @@
             </a:ln>
             <a:extLst>
               <a:ext uri="{91240B29-F687-4f45-9708-019B960494DF}">
-                <a14:hiddenLine xmlns="" xmlns:a14="http://schemas.microsoft.com/office/drawing/2010/main" w="9525">
+                <a14:hiddenLine xmlns:a14="http://schemas.microsoft.com/office/drawing/2010/main" xmlns="" w="9525">
                   <a:solidFill>
                     <a:srgbClr val="000000"/>
                   </a:solidFill>
@@ -2721,7 +3163,7 @@
             </a:ln>
             <a:extLst>
               <a:ext uri="{91240B29-F687-4f45-9708-019B960494DF}">
-                <a14:hiddenLine xmlns="" xmlns:a14="http://schemas.microsoft.com/office/drawing/2010/main" w="9525">
+                <a14:hiddenLine xmlns:a14="http://schemas.microsoft.com/office/drawing/2010/main" xmlns="" w="9525">
                   <a:solidFill>
                     <a:srgbClr val="000000"/>
                   </a:solidFill>
@@ -2777,7 +3219,7 @@
             </a:ln>
             <a:extLst>
               <a:ext uri="{91240B29-F687-4f45-9708-019B960494DF}">
-                <a14:hiddenLine xmlns="" xmlns:a14="http://schemas.microsoft.com/office/drawing/2010/main" w="9525">
+                <a14:hiddenLine xmlns:a14="http://schemas.microsoft.com/office/drawing/2010/main" xmlns="" w="9525">
                   <a:solidFill>
                     <a:srgbClr val="000000"/>
                   </a:solidFill>
@@ -2867,7 +3309,7 @@
             </a:ln>
             <a:extLst>
               <a:ext uri="{91240B29-F687-4f45-9708-019B960494DF}">
-                <a14:hiddenLine xmlns="" xmlns:a14="http://schemas.microsoft.com/office/drawing/2010/main" w="9525">
+                <a14:hiddenLine xmlns:a14="http://schemas.microsoft.com/office/drawing/2010/main" xmlns="" w="9525">
                   <a:solidFill>
                     <a:srgbClr val="000000"/>
                   </a:solidFill>
@@ -2923,7 +3365,7 @@
             </a:ln>
             <a:extLst>
               <a:ext uri="{91240B29-F687-4f45-9708-019B960494DF}">
-                <a14:hiddenLine xmlns="" xmlns:a14="http://schemas.microsoft.com/office/drawing/2010/main" w="9525">
+                <a14:hiddenLine xmlns:a14="http://schemas.microsoft.com/office/drawing/2010/main" xmlns="" w="9525">
                   <a:solidFill>
                     <a:srgbClr val="000000"/>
                   </a:solidFill>
@@ -3013,7 +3455,7 @@
             </a:ln>
             <a:extLst>
               <a:ext uri="{91240B29-F687-4f45-9708-019B960494DF}">
-                <a14:hiddenLine xmlns="" xmlns:a14="http://schemas.microsoft.com/office/drawing/2010/main" w="9525">
+                <a14:hiddenLine xmlns:a14="http://schemas.microsoft.com/office/drawing/2010/main" xmlns="" w="9525">
                   <a:solidFill>
                     <a:srgbClr val="000000"/>
                   </a:solidFill>
@@ -3081,7 +3523,7 @@
             </a:ln>
             <a:extLst>
               <a:ext uri="{91240B29-F687-4f45-9708-019B960494DF}">
-                <a14:hiddenLine xmlns="" xmlns:a14="http://schemas.microsoft.com/office/drawing/2010/main" w="9525">
+                <a14:hiddenLine xmlns:a14="http://schemas.microsoft.com/office/drawing/2010/main" xmlns="" w="9525">
                   <a:solidFill>
                     <a:srgbClr val="000000"/>
                   </a:solidFill>
@@ -3171,7 +3613,7 @@
             </a:ln>
             <a:extLst>
               <a:ext uri="{91240B29-F687-4f45-9708-019B960494DF}">
-                <a14:hiddenLine xmlns="" xmlns:a14="http://schemas.microsoft.com/office/drawing/2010/main" w="9525">
+                <a14:hiddenLine xmlns:a14="http://schemas.microsoft.com/office/drawing/2010/main" xmlns="" w="9525">
                   <a:solidFill>
                     <a:srgbClr val="000000"/>
                   </a:solidFill>
@@ -3239,7 +3681,7 @@
             </a:ln>
             <a:extLst>
               <a:ext uri="{91240B29-F687-4f45-9708-019B960494DF}">
-                <a14:hiddenLine xmlns="" xmlns:a14="http://schemas.microsoft.com/office/drawing/2010/main" w="9525">
+                <a14:hiddenLine xmlns:a14="http://schemas.microsoft.com/office/drawing/2010/main" xmlns="" w="9525">
                   <a:solidFill>
                     <a:srgbClr val="000000"/>
                   </a:solidFill>
@@ -3329,7 +3771,7 @@
             </a:ln>
             <a:extLst>
               <a:ext uri="{91240B29-F687-4f45-9708-019B960494DF}">
-                <a14:hiddenLine xmlns="" xmlns:a14="http://schemas.microsoft.com/office/drawing/2010/main" w="9525">
+                <a14:hiddenLine xmlns:a14="http://schemas.microsoft.com/office/drawing/2010/main" xmlns="" w="9525">
                   <a:solidFill>
                     <a:srgbClr val="000000"/>
                   </a:solidFill>
@@ -3363,7 +3805,7 @@
             </a:ln>
             <a:extLst>
               <a:ext uri="{91240B29-F687-4f45-9708-019B960494DF}">
-                <a14:hiddenLine xmlns="" xmlns:a14="http://schemas.microsoft.com/office/drawing/2010/main" w="9525">
+                <a14:hiddenLine xmlns:a14="http://schemas.microsoft.com/office/drawing/2010/main" xmlns="" w="9525">
                   <a:solidFill>
                     <a:srgbClr val="000000"/>
                   </a:solidFill>
@@ -3453,7 +3895,7 @@
             </a:ln>
             <a:extLst>
               <a:ext uri="{91240B29-F687-4f45-9708-019B960494DF}">
-                <a14:hiddenLine xmlns="" xmlns:a14="http://schemas.microsoft.com/office/drawing/2010/main" w="9525">
+                <a14:hiddenLine xmlns:a14="http://schemas.microsoft.com/office/drawing/2010/main" xmlns="" w="9525">
                   <a:solidFill>
                     <a:srgbClr val="000000"/>
                   </a:solidFill>
@@ -3515,7 +3957,7 @@
             </a:ln>
             <a:extLst>
               <a:ext uri="{91240B29-F687-4f45-9708-019B960494DF}">
-                <a14:hiddenLine xmlns="" xmlns:a14="http://schemas.microsoft.com/office/drawing/2010/main" w="9525">
+                <a14:hiddenLine xmlns:a14="http://schemas.microsoft.com/office/drawing/2010/main" xmlns="" w="9525">
                   <a:solidFill>
                     <a:srgbClr val="000000"/>
                   </a:solidFill>
@@ -3577,7 +4019,7 @@
             </a:ln>
             <a:extLst>
               <a:ext uri="{91240B29-F687-4f45-9708-019B960494DF}">
-                <a14:hiddenLine xmlns="" xmlns:a14="http://schemas.microsoft.com/office/drawing/2010/main" w="9525">
+                <a14:hiddenLine xmlns:a14="http://schemas.microsoft.com/office/drawing/2010/main" xmlns="" w="9525">
                   <a:solidFill>
                     <a:srgbClr val="000000"/>
                   </a:solidFill>
@@ -3667,7 +4109,7 @@
             </a:ln>
             <a:extLst>
               <a:ext uri="{91240B29-F687-4f45-9708-019B960494DF}">
-                <a14:hiddenLine xmlns="" xmlns:a14="http://schemas.microsoft.com/office/drawing/2010/main" w="9525">
+                <a14:hiddenLine xmlns:a14="http://schemas.microsoft.com/office/drawing/2010/main" xmlns="" w="9525">
                   <a:solidFill>
                     <a:srgbClr val="000000"/>
                   </a:solidFill>
@@ -3735,7 +4177,7 @@
             </a:ln>
             <a:extLst>
               <a:ext uri="{91240B29-F687-4f45-9708-019B960494DF}">
-                <a14:hiddenLine xmlns="" xmlns:a14="http://schemas.microsoft.com/office/drawing/2010/main" w="9525">
+                <a14:hiddenLine xmlns:a14="http://schemas.microsoft.com/office/drawing/2010/main" xmlns="" w="9525">
                   <a:solidFill>
                     <a:srgbClr val="000000"/>
                   </a:solidFill>
@@ -3797,7 +4239,7 @@
             </a:ln>
             <a:extLst>
               <a:ext uri="{91240B29-F687-4f45-9708-019B960494DF}">
-                <a14:hiddenLine xmlns="" xmlns:a14="http://schemas.microsoft.com/office/drawing/2010/main" w="9525">
+                <a14:hiddenLine xmlns:a14="http://schemas.microsoft.com/office/drawing/2010/main" xmlns="" w="9525">
                   <a:solidFill>
                     <a:srgbClr val="000000"/>
                   </a:solidFill>
@@ -3887,7 +4329,7 @@
             </a:ln>
             <a:extLst>
               <a:ext uri="{91240B29-F687-4f45-9708-019B960494DF}">
-                <a14:hiddenLine xmlns="" xmlns:a14="http://schemas.microsoft.com/office/drawing/2010/main" w="9525">
+                <a14:hiddenLine xmlns:a14="http://schemas.microsoft.com/office/drawing/2010/main" xmlns="" w="9525">
                   <a:solidFill>
                     <a:srgbClr val="000000"/>
                   </a:solidFill>
@@ -3949,7 +4391,7 @@
             </a:ln>
             <a:extLst>
               <a:ext uri="{91240B29-F687-4f45-9708-019B960494DF}">
-                <a14:hiddenLine xmlns="" xmlns:a14="http://schemas.microsoft.com/office/drawing/2010/main" w="9525">
+                <a14:hiddenLine xmlns:a14="http://schemas.microsoft.com/office/drawing/2010/main" xmlns="" w="9525">
                   <a:solidFill>
                     <a:srgbClr val="000000"/>
                   </a:solidFill>
@@ -4039,7 +4481,7 @@
             </a:ln>
             <a:extLst>
               <a:ext uri="{91240B29-F687-4f45-9708-019B960494DF}">
-                <a14:hiddenLine xmlns="" xmlns:a14="http://schemas.microsoft.com/office/drawing/2010/main" w="9525">
+                <a14:hiddenLine xmlns:a14="http://schemas.microsoft.com/office/drawing/2010/main" xmlns="" w="9525">
                   <a:solidFill>
                     <a:srgbClr val="000000"/>
                   </a:solidFill>
@@ -4101,7 +4543,7 @@
             </a:ln>
             <a:extLst>
               <a:ext uri="{91240B29-F687-4f45-9708-019B960494DF}">
-                <a14:hiddenLine xmlns="" xmlns:a14="http://schemas.microsoft.com/office/drawing/2010/main" w="9525">
+                <a14:hiddenLine xmlns:a14="http://schemas.microsoft.com/office/drawing/2010/main" xmlns="" w="9525">
                   <a:solidFill>
                     <a:srgbClr val="000000"/>
                   </a:solidFill>
@@ -4191,7 +4633,7 @@
             </a:ln>
             <a:extLst>
               <a:ext uri="{91240B29-F687-4f45-9708-019B960494DF}">
-                <a14:hiddenLine xmlns="" xmlns:a14="http://schemas.microsoft.com/office/drawing/2010/main" w="9525">
+                <a14:hiddenLine xmlns:a14="http://schemas.microsoft.com/office/drawing/2010/main" xmlns="" w="9525">
                   <a:solidFill>
                     <a:srgbClr val="000000"/>
                   </a:solidFill>
@@ -4225,7 +4667,7 @@
             </a:ln>
             <a:extLst>
               <a:ext uri="{91240B29-F687-4f45-9708-019B960494DF}">
-                <a14:hiddenLine xmlns="" xmlns:a14="http://schemas.microsoft.com/office/drawing/2010/main" w="9525">
+                <a14:hiddenLine xmlns:a14="http://schemas.microsoft.com/office/drawing/2010/main" xmlns="" w="9525">
                   <a:solidFill>
                     <a:srgbClr val="000000"/>
                   </a:solidFill>
@@ -4290,7 +4732,7 @@
             </a:ln>
             <a:extLst>
               <a:ext uri="{91240B29-F687-4f45-9708-019B960494DF}">
-                <a14:hiddenLine xmlns="" xmlns:a14="http://schemas.microsoft.com/office/drawing/2010/main" w="9525">
+                <a14:hiddenLine xmlns:a14="http://schemas.microsoft.com/office/drawing/2010/main" xmlns="" w="9525">
                   <a:solidFill>
                     <a:srgbClr val="000000"/>
                   </a:solidFill>
@@ -4380,7 +4822,7 @@
             </a:ln>
             <a:extLst>
               <a:ext uri="{91240B29-F687-4f45-9708-019B960494DF}">
-                <a14:hiddenLine xmlns="" xmlns:a14="http://schemas.microsoft.com/office/drawing/2010/main" w="9525">
+                <a14:hiddenLine xmlns:a14="http://schemas.microsoft.com/office/drawing/2010/main" xmlns="" w="9525">
                   <a:solidFill>
                     <a:srgbClr val="000000"/>
                   </a:solidFill>
@@ -4442,7 +4884,7 @@
             </a:ln>
             <a:extLst>
               <a:ext uri="{91240B29-F687-4f45-9708-019B960494DF}">
-                <a14:hiddenLine xmlns="" xmlns:a14="http://schemas.microsoft.com/office/drawing/2010/main" w="9525">
+                <a14:hiddenLine xmlns:a14="http://schemas.microsoft.com/office/drawing/2010/main" xmlns="" w="9525">
                   <a:solidFill>
                     <a:srgbClr val="000000"/>
                   </a:solidFill>
@@ -4532,7 +4974,7 @@
             </a:ln>
             <a:extLst>
               <a:ext uri="{91240B29-F687-4f45-9708-019B960494DF}">
-                <a14:hiddenLine xmlns="" xmlns:a14="http://schemas.microsoft.com/office/drawing/2010/main" w="9525">
+                <a14:hiddenLine xmlns:a14="http://schemas.microsoft.com/office/drawing/2010/main" xmlns="" w="9525">
                   <a:solidFill>
                     <a:srgbClr val="000000"/>
                   </a:solidFill>
@@ -4622,7 +5064,7 @@
             </a:ln>
             <a:extLst>
               <a:ext uri="{91240B29-F687-4f45-9708-019B960494DF}">
-                <a14:hiddenLine xmlns="" xmlns:a14="http://schemas.microsoft.com/office/drawing/2010/main" w="9525">
+                <a14:hiddenLine xmlns:a14="http://schemas.microsoft.com/office/drawing/2010/main" xmlns="" w="9525">
                   <a:solidFill>
                     <a:srgbClr val="000000"/>
                   </a:solidFill>
@@ -4687,7 +5129,7 @@
             </a:ln>
             <a:extLst>
               <a:ext uri="{91240B29-F687-4f45-9708-019B960494DF}">
-                <a14:hiddenLine xmlns="" xmlns:a14="http://schemas.microsoft.com/office/drawing/2010/main" w="9525">
+                <a14:hiddenLine xmlns:a14="http://schemas.microsoft.com/office/drawing/2010/main" xmlns="" w="9525">
                   <a:solidFill>
                     <a:srgbClr val="000000"/>
                   </a:solidFill>
@@ -4749,7 +5191,7 @@
             </a:ln>
             <a:extLst>
               <a:ext uri="{91240B29-F687-4f45-9708-019B960494DF}">
-                <a14:hiddenLine xmlns="" xmlns:a14="http://schemas.microsoft.com/office/drawing/2010/main" w="9525">
+                <a14:hiddenLine xmlns:a14="http://schemas.microsoft.com/office/drawing/2010/main" xmlns="" w="9525">
                   <a:solidFill>
                     <a:srgbClr val="000000"/>
                   </a:solidFill>
@@ -4839,7 +5281,7 @@
             </a:ln>
             <a:extLst>
               <a:ext uri="{91240B29-F687-4f45-9708-019B960494DF}">
-                <a14:hiddenLine xmlns="" xmlns:a14="http://schemas.microsoft.com/office/drawing/2010/main" w="9525">
+                <a14:hiddenLine xmlns:a14="http://schemas.microsoft.com/office/drawing/2010/main" xmlns="" w="9525">
                   <a:solidFill>
                     <a:srgbClr val="000000"/>
                   </a:solidFill>
@@ -4929,7 +5371,7 @@
             </a:ln>
             <a:extLst>
               <a:ext uri="{91240B29-F687-4f45-9708-019B960494DF}">
-                <a14:hiddenLine xmlns="" xmlns:a14="http://schemas.microsoft.com/office/drawing/2010/main" w="9525">
+                <a14:hiddenLine xmlns:a14="http://schemas.microsoft.com/office/drawing/2010/main" xmlns="" w="9525">
                   <a:solidFill>
                     <a:srgbClr val="000000"/>
                   </a:solidFill>
@@ -4991,7 +5433,7 @@
             </a:ln>
             <a:extLst>
               <a:ext uri="{91240B29-F687-4f45-9708-019B960494DF}">
-                <a14:hiddenLine xmlns="" xmlns:a14="http://schemas.microsoft.com/office/drawing/2010/main" w="9525">
+                <a14:hiddenLine xmlns:a14="http://schemas.microsoft.com/office/drawing/2010/main" xmlns="" w="9525">
                   <a:solidFill>
                     <a:srgbClr val="000000"/>
                   </a:solidFill>
@@ -5111,7 +5553,7 @@
             </a:ln>
             <a:extLst>
               <a:ext uri="{91240B29-F687-4f45-9708-019B960494DF}">
-                <a14:hiddenLine xmlns="" xmlns:a14="http://schemas.microsoft.com/office/drawing/2010/main" w="9525">
+                <a14:hiddenLine xmlns:a14="http://schemas.microsoft.com/office/drawing/2010/main" xmlns="" w="9525">
                   <a:solidFill>
                     <a:srgbClr val="000000"/>
                   </a:solidFill>
@@ -5179,7 +5621,7 @@
             </a:ln>
             <a:extLst>
               <a:ext uri="{91240B29-F687-4f45-9708-019B960494DF}">
-                <a14:hiddenLine xmlns="" xmlns:a14="http://schemas.microsoft.com/office/drawing/2010/main" w="9525">
+                <a14:hiddenLine xmlns:a14="http://schemas.microsoft.com/office/drawing/2010/main" xmlns="" w="9525">
                   <a:solidFill>
                     <a:srgbClr val="000000"/>
                   </a:solidFill>
@@ -5269,7 +5711,7 @@
             </a:ln>
             <a:extLst>
               <a:ext uri="{91240B29-F687-4f45-9708-019B960494DF}">
-                <a14:hiddenLine xmlns="" xmlns:a14="http://schemas.microsoft.com/office/drawing/2010/main" w="9525">
+                <a14:hiddenLine xmlns:a14="http://schemas.microsoft.com/office/drawing/2010/main" xmlns="" w="9525">
                   <a:solidFill>
                     <a:srgbClr val="000000"/>
                   </a:solidFill>
@@ -5409,7 +5851,7 @@
           <a:p>
             <a:fld id="{849DE176-146E-4F1E-BCCE-E46272DCA095}" type="datetimeFigureOut">
               <a:rPr lang="es-AR" smtClean="0"/>
-              <a:t>23/11/2022</a:t>
+              <a:t>11/4/2023</a:t>
             </a:fld>
             <a:endParaRPr lang="es-AR"/>
           </a:p>
@@ -5676,7 +6118,7 @@
           <a:p>
             <a:fld id="{849DE176-146E-4F1E-BCCE-E46272DCA095}" type="datetimeFigureOut">
               <a:rPr lang="es-AR" smtClean="0"/>
-              <a:t>23/11/2022</a:t>
+              <a:t>11/4/2023</a:t>
             </a:fld>
             <a:endParaRPr lang="es-AR"/>
           </a:p>
@@ -5872,7 +6314,7 @@
           <a:p>
             <a:fld id="{849DE176-146E-4F1E-BCCE-E46272DCA095}" type="datetimeFigureOut">
               <a:rPr lang="es-AR" smtClean="0"/>
-              <a:t>23/11/2022</a:t>
+              <a:t>11/4/2023</a:t>
             </a:fld>
             <a:endParaRPr lang="es-AR"/>
           </a:p>
@@ -6135,7 +6577,7 @@
           <a:p>
             <a:fld id="{849DE176-146E-4F1E-BCCE-E46272DCA095}" type="datetimeFigureOut">
               <a:rPr lang="es-AR" smtClean="0"/>
-              <a:t>23/11/2022</a:t>
+              <a:t>11/4/2023</a:t>
             </a:fld>
             <a:endParaRPr lang="es-AR"/>
           </a:p>
@@ -6569,7 +7011,7 @@
           <a:p>
             <a:fld id="{849DE176-146E-4F1E-BCCE-E46272DCA095}" type="datetimeFigureOut">
               <a:rPr lang="es-AR" smtClean="0"/>
-              <a:t>23/11/2022</a:t>
+              <a:t>11/4/2023</a:t>
             </a:fld>
             <a:endParaRPr lang="es-AR"/>
           </a:p>
@@ -7115,7 +7557,7 @@
           <a:p>
             <a:fld id="{849DE176-146E-4F1E-BCCE-E46272DCA095}" type="datetimeFigureOut">
               <a:rPr lang="es-AR" smtClean="0"/>
-              <a:t>23/11/2022</a:t>
+              <a:t>11/4/2023</a:t>
             </a:fld>
             <a:endParaRPr lang="es-AR"/>
           </a:p>
@@ -7835,7 +8277,7 @@
           <a:p>
             <a:fld id="{849DE176-146E-4F1E-BCCE-E46272DCA095}" type="datetimeFigureOut">
               <a:rPr lang="es-AR" smtClean="0"/>
-              <a:t>23/11/2022</a:t>
+              <a:t>11/4/2023</a:t>
             </a:fld>
             <a:endParaRPr lang="es-AR"/>
           </a:p>
@@ -8005,7 +8447,7 @@
           <a:p>
             <a:fld id="{849DE176-146E-4F1E-BCCE-E46272DCA095}" type="datetimeFigureOut">
               <a:rPr lang="es-AR" smtClean="0"/>
-              <a:t>23/11/2022</a:t>
+              <a:t>11/4/2023</a:t>
             </a:fld>
             <a:endParaRPr lang="es-AR"/>
           </a:p>
@@ -8185,7 +8627,7 @@
           <a:p>
             <a:fld id="{849DE176-146E-4F1E-BCCE-E46272DCA095}" type="datetimeFigureOut">
               <a:rPr lang="es-AR" smtClean="0"/>
-              <a:t>23/11/2022</a:t>
+              <a:t>11/4/2023</a:t>
             </a:fld>
             <a:endParaRPr lang="es-AR"/>
           </a:p>
@@ -8355,7 +8797,7 @@
           <a:p>
             <a:fld id="{849DE176-146E-4F1E-BCCE-E46272DCA095}" type="datetimeFigureOut">
               <a:rPr lang="es-AR" smtClean="0"/>
-              <a:t>23/11/2022</a:t>
+              <a:t>11/4/2023</a:t>
             </a:fld>
             <a:endParaRPr lang="es-AR"/>
           </a:p>
@@ -8605,7 +9047,7 @@
           <a:p>
             <a:fld id="{849DE176-146E-4F1E-BCCE-E46272DCA095}" type="datetimeFigureOut">
               <a:rPr lang="es-AR" smtClean="0"/>
-              <a:t>23/11/2022</a:t>
+              <a:t>11/4/2023</a:t>
             </a:fld>
             <a:endParaRPr lang="es-AR"/>
           </a:p>
@@ -8837,7 +9279,7 @@
           <a:p>
             <a:fld id="{849DE176-146E-4F1E-BCCE-E46272DCA095}" type="datetimeFigureOut">
               <a:rPr lang="es-AR" smtClean="0"/>
-              <a:t>23/11/2022</a:t>
+              <a:t>11/4/2023</a:t>
             </a:fld>
             <a:endParaRPr lang="es-AR"/>
           </a:p>
@@ -9218,7 +9660,7 @@
           <a:p>
             <a:fld id="{849DE176-146E-4F1E-BCCE-E46272DCA095}" type="datetimeFigureOut">
               <a:rPr lang="es-AR" smtClean="0"/>
-              <a:t>23/11/2022</a:t>
+              <a:t>11/4/2023</a:t>
             </a:fld>
             <a:endParaRPr lang="es-AR"/>
           </a:p>
@@ -9336,7 +9778,7 @@
           <a:p>
             <a:fld id="{849DE176-146E-4F1E-BCCE-E46272DCA095}" type="datetimeFigureOut">
               <a:rPr lang="es-AR" smtClean="0"/>
-              <a:t>23/11/2022</a:t>
+              <a:t>11/4/2023</a:t>
             </a:fld>
             <a:endParaRPr lang="es-AR"/>
           </a:p>
@@ -9431,7 +9873,7 @@
           <a:p>
             <a:fld id="{849DE176-146E-4F1E-BCCE-E46272DCA095}" type="datetimeFigureOut">
               <a:rPr lang="es-AR" smtClean="0"/>
-              <a:t>23/11/2022</a:t>
+              <a:t>11/4/2023</a:t>
             </a:fld>
             <a:endParaRPr lang="es-AR"/>
           </a:p>
@@ -9680,7 +10122,7 @@
           <a:p>
             <a:fld id="{849DE176-146E-4F1E-BCCE-E46272DCA095}" type="datetimeFigureOut">
               <a:rPr lang="es-AR" smtClean="0"/>
-              <a:t>23/11/2022</a:t>
+              <a:t>11/4/2023</a:t>
             </a:fld>
             <a:endParaRPr lang="es-AR"/>
           </a:p>
@@ -9960,7 +10402,7 @@
           <a:p>
             <a:fld id="{849DE176-146E-4F1E-BCCE-E46272DCA095}" type="datetimeFigureOut">
               <a:rPr lang="es-AR" smtClean="0"/>
-              <a:t>23/11/2022</a:t>
+              <a:t>11/4/2023</a:t>
             </a:fld>
             <a:endParaRPr lang="es-AR"/>
           </a:p>
@@ -10100,7 +10542,7 @@
           <a:noFill/>
           <a:extLst>
             <a:ext uri="{909E8E84-426E-40dd-AFC4-6F175D3DCCD1}">
-              <a14:hiddenFill xmlns="" xmlns:a14="http://schemas.microsoft.com/office/drawing/2010/main">
+              <a14:hiddenFill xmlns:a14="http://schemas.microsoft.com/office/drawing/2010/main" xmlns="">
                 <a:solidFill>
                   <a:srgbClr val="FFFFFF"/>
                 </a:solidFill>
@@ -10174,7 +10616,7 @@
               </a:ln>
               <a:extLst>
                 <a:ext uri="{91240B29-F687-4f45-9708-019B960494DF}">
-                  <a14:hiddenLine xmlns="" xmlns:a14="http://schemas.microsoft.com/office/drawing/2010/main" w="9525">
+                  <a14:hiddenLine xmlns:a14="http://schemas.microsoft.com/office/drawing/2010/main" xmlns="" w="9525">
                     <a:solidFill>
                       <a:srgbClr val="000000"/>
                     </a:solidFill>
@@ -10264,7 +10706,7 @@
               </a:ln>
               <a:extLst>
                 <a:ext uri="{91240B29-F687-4f45-9708-019B960494DF}">
-                  <a14:hiddenLine xmlns="" xmlns:a14="http://schemas.microsoft.com/office/drawing/2010/main" w="9525">
+                  <a14:hiddenLine xmlns:a14="http://schemas.microsoft.com/office/drawing/2010/main" xmlns="" w="9525">
                     <a:solidFill>
                       <a:srgbClr val="000000"/>
                     </a:solidFill>
@@ -10354,7 +10796,7 @@
               </a:ln>
               <a:extLst>
                 <a:ext uri="{91240B29-F687-4f45-9708-019B960494DF}">
-                  <a14:hiddenLine xmlns="" xmlns:a14="http://schemas.microsoft.com/office/drawing/2010/main" w="9525">
+                  <a14:hiddenLine xmlns:a14="http://schemas.microsoft.com/office/drawing/2010/main" xmlns="" w="9525">
                     <a:solidFill>
                       <a:srgbClr val="000000"/>
                     </a:solidFill>
@@ -10416,7 +10858,7 @@
               </a:ln>
               <a:extLst>
                 <a:ext uri="{91240B29-F687-4f45-9708-019B960494DF}">
-                  <a14:hiddenLine xmlns="" xmlns:a14="http://schemas.microsoft.com/office/drawing/2010/main" w="9525">
+                  <a14:hiddenLine xmlns:a14="http://schemas.microsoft.com/office/drawing/2010/main" xmlns="" w="9525">
                     <a:solidFill>
                       <a:srgbClr val="000000"/>
                     </a:solidFill>
@@ -10506,7 +10948,7 @@
               </a:ln>
               <a:extLst>
                 <a:ext uri="{91240B29-F687-4f45-9708-019B960494DF}">
-                  <a14:hiddenLine xmlns="" xmlns:a14="http://schemas.microsoft.com/office/drawing/2010/main" w="9525">
+                  <a14:hiddenLine xmlns:a14="http://schemas.microsoft.com/office/drawing/2010/main" xmlns="" w="9525">
                     <a:solidFill>
                       <a:srgbClr val="000000"/>
                     </a:solidFill>
@@ -10568,7 +11010,7 @@
               </a:ln>
               <a:extLst>
                 <a:ext uri="{91240B29-F687-4f45-9708-019B960494DF}">
-                  <a14:hiddenLine xmlns="" xmlns:a14="http://schemas.microsoft.com/office/drawing/2010/main" w="9525">
+                  <a14:hiddenLine xmlns:a14="http://schemas.microsoft.com/office/drawing/2010/main" xmlns="" w="9525">
                     <a:solidFill>
                       <a:srgbClr val="000000"/>
                     </a:solidFill>
@@ -10630,7 +11072,7 @@
               </a:ln>
               <a:extLst>
                 <a:ext uri="{91240B29-F687-4f45-9708-019B960494DF}">
-                  <a14:hiddenLine xmlns="" xmlns:a14="http://schemas.microsoft.com/office/drawing/2010/main" w="9525">
+                  <a14:hiddenLine xmlns:a14="http://schemas.microsoft.com/office/drawing/2010/main" xmlns="" w="9525">
                     <a:solidFill>
                       <a:srgbClr val="000000"/>
                     </a:solidFill>
@@ -10720,7 +11162,7 @@
               </a:ln>
               <a:extLst>
                 <a:ext uri="{91240B29-F687-4f45-9708-019B960494DF}">
-                  <a14:hiddenLine xmlns="" xmlns:a14="http://schemas.microsoft.com/office/drawing/2010/main" w="9525">
+                  <a14:hiddenLine xmlns:a14="http://schemas.microsoft.com/office/drawing/2010/main" xmlns="" w="9525">
                     <a:solidFill>
                       <a:srgbClr val="000000"/>
                     </a:solidFill>
@@ -10810,7 +11252,7 @@
               </a:ln>
               <a:extLst>
                 <a:ext uri="{91240B29-F687-4f45-9708-019B960494DF}">
-                  <a14:hiddenLine xmlns="" xmlns:a14="http://schemas.microsoft.com/office/drawing/2010/main" w="9525">
+                  <a14:hiddenLine xmlns:a14="http://schemas.microsoft.com/office/drawing/2010/main" xmlns="" w="9525">
                     <a:solidFill>
                       <a:srgbClr val="000000"/>
                     </a:solidFill>
@@ -10872,7 +11314,7 @@
               </a:ln>
               <a:extLst>
                 <a:ext uri="{91240B29-F687-4f45-9708-019B960494DF}">
-                  <a14:hiddenLine xmlns="" xmlns:a14="http://schemas.microsoft.com/office/drawing/2010/main" w="9525">
+                  <a14:hiddenLine xmlns:a14="http://schemas.microsoft.com/office/drawing/2010/main" xmlns="" w="9525">
                     <a:solidFill>
                       <a:srgbClr val="000000"/>
                     </a:solidFill>
@@ -10982,7 +11424,7 @@
               </a:ln>
               <a:extLst>
                 <a:ext uri="{91240B29-F687-4f45-9708-019B960494DF}">
-                  <a14:hiddenLine xmlns="" xmlns:a14="http://schemas.microsoft.com/office/drawing/2010/main" w="9525">
+                  <a14:hiddenLine xmlns:a14="http://schemas.microsoft.com/office/drawing/2010/main" xmlns="" w="9525">
                     <a:solidFill>
                       <a:srgbClr val="000000"/>
                     </a:solidFill>
@@ -11066,7 +11508,7 @@
               </a:ln>
               <a:extLst>
                 <a:ext uri="{91240B29-F687-4f45-9708-019B960494DF}">
-                  <a14:hiddenLine xmlns="" xmlns:a14="http://schemas.microsoft.com/office/drawing/2010/main" w="9525">
+                  <a14:hiddenLine xmlns:a14="http://schemas.microsoft.com/office/drawing/2010/main" xmlns="" w="9525">
                     <a:solidFill>
                       <a:srgbClr val="000000"/>
                     </a:solidFill>
@@ -11128,7 +11570,7 @@
               </a:ln>
               <a:extLst>
                 <a:ext uri="{91240B29-F687-4f45-9708-019B960494DF}">
-                  <a14:hiddenLine xmlns="" xmlns:a14="http://schemas.microsoft.com/office/drawing/2010/main" w="9525">
+                  <a14:hiddenLine xmlns:a14="http://schemas.microsoft.com/office/drawing/2010/main" xmlns="" w="9525">
                     <a:solidFill>
                       <a:srgbClr val="000000"/>
                     </a:solidFill>
@@ -11190,7 +11632,7 @@
               </a:ln>
               <a:extLst>
                 <a:ext uri="{91240B29-F687-4f45-9708-019B960494DF}">
-                  <a14:hiddenLine xmlns="" xmlns:a14="http://schemas.microsoft.com/office/drawing/2010/main" w="9525">
+                  <a14:hiddenLine xmlns:a14="http://schemas.microsoft.com/office/drawing/2010/main" xmlns="" w="9525">
                     <a:solidFill>
                       <a:srgbClr val="000000"/>
                     </a:solidFill>
@@ -11280,7 +11722,7 @@
               </a:ln>
               <a:extLst>
                 <a:ext uri="{91240B29-F687-4f45-9708-019B960494DF}">
-                  <a14:hiddenLine xmlns="" xmlns:a14="http://schemas.microsoft.com/office/drawing/2010/main" w="9525">
+                  <a14:hiddenLine xmlns:a14="http://schemas.microsoft.com/office/drawing/2010/main" xmlns="" w="9525">
                     <a:solidFill>
                       <a:srgbClr val="000000"/>
                     </a:solidFill>
@@ -11314,7 +11756,7 @@
               </a:ln>
               <a:extLst>
                 <a:ext uri="{91240B29-F687-4f45-9708-019B960494DF}">
-                  <a14:hiddenLine xmlns="" xmlns:a14="http://schemas.microsoft.com/office/drawing/2010/main" w="9525">
+                  <a14:hiddenLine xmlns:a14="http://schemas.microsoft.com/office/drawing/2010/main" xmlns="" w="9525">
                     <a:solidFill>
                       <a:srgbClr val="000000"/>
                     </a:solidFill>
@@ -11379,7 +11821,7 @@
               </a:ln>
               <a:extLst>
                 <a:ext uri="{91240B29-F687-4f45-9708-019B960494DF}">
-                  <a14:hiddenLine xmlns="" xmlns:a14="http://schemas.microsoft.com/office/drawing/2010/main" w="9525">
+                  <a14:hiddenLine xmlns:a14="http://schemas.microsoft.com/office/drawing/2010/main" xmlns="" w="9525">
                     <a:solidFill>
                       <a:srgbClr val="000000"/>
                     </a:solidFill>
@@ -11469,7 +11911,7 @@
               </a:ln>
               <a:extLst>
                 <a:ext uri="{91240B29-F687-4f45-9708-019B960494DF}">
-                  <a14:hiddenLine xmlns="" xmlns:a14="http://schemas.microsoft.com/office/drawing/2010/main" w="9525">
+                  <a14:hiddenLine xmlns:a14="http://schemas.microsoft.com/office/drawing/2010/main" xmlns="" w="9525">
                     <a:solidFill>
                       <a:srgbClr val="000000"/>
                     </a:solidFill>
@@ -11531,7 +11973,7 @@
               </a:ln>
               <a:extLst>
                 <a:ext uri="{91240B29-F687-4f45-9708-019B960494DF}">
-                  <a14:hiddenLine xmlns="" xmlns:a14="http://schemas.microsoft.com/office/drawing/2010/main" w="9525">
+                  <a14:hiddenLine xmlns:a14="http://schemas.microsoft.com/office/drawing/2010/main" xmlns="" w="9525">
                     <a:solidFill>
                       <a:srgbClr val="000000"/>
                     </a:solidFill>
@@ -11621,7 +12063,7 @@
               </a:ln>
               <a:extLst>
                 <a:ext uri="{91240B29-F687-4f45-9708-019B960494DF}">
-                  <a14:hiddenLine xmlns="" xmlns:a14="http://schemas.microsoft.com/office/drawing/2010/main" w="9525">
+                  <a14:hiddenLine xmlns:a14="http://schemas.microsoft.com/office/drawing/2010/main" xmlns="" w="9525">
                     <a:solidFill>
                       <a:srgbClr val="000000"/>
                     </a:solidFill>
@@ -11686,7 +12128,7 @@
               </a:ln>
               <a:extLst>
                 <a:ext uri="{91240B29-F687-4f45-9708-019B960494DF}">
-                  <a14:hiddenLine xmlns="" xmlns:a14="http://schemas.microsoft.com/office/drawing/2010/main" w="9525">
+                  <a14:hiddenLine xmlns:a14="http://schemas.microsoft.com/office/drawing/2010/main" xmlns="" w="9525">
                     <a:solidFill>
                       <a:srgbClr val="000000"/>
                     </a:solidFill>
@@ -11748,7 +12190,7 @@
               </a:ln>
               <a:extLst>
                 <a:ext uri="{91240B29-F687-4f45-9708-019B960494DF}">
-                  <a14:hiddenLine xmlns="" xmlns:a14="http://schemas.microsoft.com/office/drawing/2010/main" w="9525">
+                  <a14:hiddenLine xmlns:a14="http://schemas.microsoft.com/office/drawing/2010/main" xmlns="" w="9525">
                     <a:solidFill>
                       <a:srgbClr val="000000"/>
                     </a:solidFill>
@@ -11838,7 +12280,7 @@
               </a:ln>
               <a:extLst>
                 <a:ext uri="{91240B29-F687-4f45-9708-019B960494DF}">
-                  <a14:hiddenLine xmlns="" xmlns:a14="http://schemas.microsoft.com/office/drawing/2010/main" w="9525">
+                  <a14:hiddenLine xmlns:a14="http://schemas.microsoft.com/office/drawing/2010/main" xmlns="" w="9525">
                     <a:solidFill>
                       <a:srgbClr val="000000"/>
                     </a:solidFill>
@@ -11928,7 +12370,7 @@
               </a:ln>
               <a:extLst>
                 <a:ext uri="{91240B29-F687-4f45-9708-019B960494DF}">
-                  <a14:hiddenLine xmlns="" xmlns:a14="http://schemas.microsoft.com/office/drawing/2010/main" w="9525">
+                  <a14:hiddenLine xmlns:a14="http://schemas.microsoft.com/office/drawing/2010/main" xmlns="" w="9525">
                     <a:solidFill>
                       <a:srgbClr val="000000"/>
                     </a:solidFill>
@@ -11993,7 +12435,7 @@
               </a:ln>
               <a:extLst>
                 <a:ext uri="{91240B29-F687-4f45-9708-019B960494DF}">
-                  <a14:hiddenLine xmlns="" xmlns:a14="http://schemas.microsoft.com/office/drawing/2010/main" w="9525">
+                  <a14:hiddenLine xmlns:a14="http://schemas.microsoft.com/office/drawing/2010/main" xmlns="" w="9525">
                     <a:solidFill>
                       <a:srgbClr val="000000"/>
                     </a:solidFill>
@@ -12113,7 +12555,7 @@
               </a:ln>
               <a:extLst>
                 <a:ext uri="{91240B29-F687-4f45-9708-019B960494DF}">
-                  <a14:hiddenLine xmlns="" xmlns:a14="http://schemas.microsoft.com/office/drawing/2010/main" w="9525">
+                  <a14:hiddenLine xmlns:a14="http://schemas.microsoft.com/office/drawing/2010/main" xmlns="" w="9525">
                     <a:solidFill>
                       <a:srgbClr val="000000"/>
                     </a:solidFill>
@@ -12211,7 +12653,7 @@
               </a:ln>
               <a:extLst>
                 <a:ext uri="{91240B29-F687-4f45-9708-019B960494DF}">
-                  <a14:hiddenLine xmlns="" xmlns:a14="http://schemas.microsoft.com/office/drawing/2010/main" w="9525">
+                  <a14:hiddenLine xmlns:a14="http://schemas.microsoft.com/office/drawing/2010/main" xmlns="" w="9525">
                     <a:solidFill>
                       <a:srgbClr val="000000"/>
                     </a:solidFill>
@@ -12326,7 +12768,7 @@
               </a:ln>
               <a:extLst>
                 <a:ext uri="{91240B29-F687-4f45-9708-019B960494DF}">
-                  <a14:hiddenLine xmlns="" xmlns:a14="http://schemas.microsoft.com/office/drawing/2010/main" w="9525">
+                  <a14:hiddenLine xmlns:a14="http://schemas.microsoft.com/office/drawing/2010/main" xmlns="" w="9525">
                     <a:solidFill>
                       <a:srgbClr val="000000"/>
                     </a:solidFill>
@@ -12416,7 +12858,7 @@
               </a:ln>
               <a:extLst>
                 <a:ext uri="{91240B29-F687-4f45-9708-019B960494DF}">
-                  <a14:hiddenLine xmlns="" xmlns:a14="http://schemas.microsoft.com/office/drawing/2010/main" w="9525">
+                  <a14:hiddenLine xmlns:a14="http://schemas.microsoft.com/office/drawing/2010/main" xmlns="" w="9525">
                     <a:solidFill>
                       <a:srgbClr val="000000"/>
                     </a:solidFill>
@@ -12481,7 +12923,7 @@
               </a:ln>
               <a:extLst>
                 <a:ext uri="{91240B29-F687-4f45-9708-019B960494DF}">
-                  <a14:hiddenLine xmlns="" xmlns:a14="http://schemas.microsoft.com/office/drawing/2010/main" w="9525">
+                  <a14:hiddenLine xmlns:a14="http://schemas.microsoft.com/office/drawing/2010/main" xmlns="" w="9525">
                     <a:solidFill>
                       <a:srgbClr val="000000"/>
                     </a:solidFill>
@@ -12571,7 +13013,7 @@
               </a:ln>
               <a:extLst>
                 <a:ext uri="{91240B29-F687-4f45-9708-019B960494DF}">
-                  <a14:hiddenLine xmlns="" xmlns:a14="http://schemas.microsoft.com/office/drawing/2010/main" w="9525">
+                  <a14:hiddenLine xmlns:a14="http://schemas.microsoft.com/office/drawing/2010/main" xmlns="" w="9525">
                     <a:solidFill>
                       <a:srgbClr val="000000"/>
                     </a:solidFill>
@@ -12639,7 +13081,7 @@
               </a:ln>
               <a:extLst>
                 <a:ext uri="{91240B29-F687-4f45-9708-019B960494DF}">
-                  <a14:hiddenLine xmlns="" xmlns:a14="http://schemas.microsoft.com/office/drawing/2010/main" w="9525">
+                  <a14:hiddenLine xmlns:a14="http://schemas.microsoft.com/office/drawing/2010/main" xmlns="" w="9525">
                     <a:solidFill>
                       <a:srgbClr val="000000"/>
                     </a:solidFill>
@@ -12729,7 +13171,7 @@
               </a:ln>
               <a:extLst>
                 <a:ext uri="{91240B29-F687-4f45-9708-019B960494DF}">
-                  <a14:hiddenLine xmlns="" xmlns:a14="http://schemas.microsoft.com/office/drawing/2010/main" w="9525">
+                  <a14:hiddenLine xmlns:a14="http://schemas.microsoft.com/office/drawing/2010/main" xmlns="" w="9525">
                     <a:solidFill>
                       <a:srgbClr val="000000"/>
                     </a:solidFill>
@@ -12797,7 +13239,7 @@
               </a:ln>
               <a:extLst>
                 <a:ext uri="{91240B29-F687-4f45-9708-019B960494DF}">
-                  <a14:hiddenLine xmlns="" xmlns:a14="http://schemas.microsoft.com/office/drawing/2010/main" w="9525">
+                  <a14:hiddenLine xmlns:a14="http://schemas.microsoft.com/office/drawing/2010/main" xmlns="" w="9525">
                     <a:solidFill>
                       <a:srgbClr val="000000"/>
                     </a:solidFill>
@@ -12887,7 +13329,7 @@
               </a:ln>
               <a:extLst>
                 <a:ext uri="{91240B29-F687-4f45-9708-019B960494DF}">
-                  <a14:hiddenLine xmlns="" xmlns:a14="http://schemas.microsoft.com/office/drawing/2010/main" w="9525">
+                  <a14:hiddenLine xmlns:a14="http://schemas.microsoft.com/office/drawing/2010/main" xmlns="" w="9525">
                     <a:solidFill>
                       <a:srgbClr val="000000"/>
                     </a:solidFill>
@@ -12921,7 +13363,7 @@
               </a:ln>
               <a:extLst>
                 <a:ext uri="{91240B29-F687-4f45-9708-019B960494DF}">
-                  <a14:hiddenLine xmlns="" xmlns:a14="http://schemas.microsoft.com/office/drawing/2010/main" w="9525">
+                  <a14:hiddenLine xmlns:a14="http://schemas.microsoft.com/office/drawing/2010/main" xmlns="" w="9525">
                     <a:solidFill>
                       <a:srgbClr val="000000"/>
                     </a:solidFill>
@@ -13061,7 +13503,7 @@
           <a:p>
             <a:fld id="{849DE176-146E-4F1E-BCCE-E46272DCA095}" type="datetimeFigureOut">
               <a:rPr lang="es-AR" smtClean="0"/>
-              <a:t>23/11/2022</a:t>
+              <a:t>11/4/2023</a:t>
             </a:fld>
             <a:endParaRPr lang="es-AR"/>
           </a:p>
@@ -13963,7 +14405,7 @@
                   <a:schemeClr val="bg1"/>
                 </a:solidFill>
               </a:rPr>
-              <a:t>Junio 2022</a:t>
+              <a:t>Abril 2023 </a:t>
             </a:r>
           </a:p>
         </p:txBody>
@@ -13978,7 +14420,7 @@
         </p:nvSpPr>
         <p:spPr>
           <a:xfrm>
-            <a:off x="875763" y="312361"/>
+            <a:off x="1219200" y="122349"/>
             <a:ext cx="10972800" cy="500162"/>
           </a:xfrm>
           <a:prstGeom prst="rect">
@@ -14161,7 +14603,7 @@
                   <a:schemeClr val="bg1"/>
                 </a:solidFill>
               </a:rPr>
-              <a:t>Carrera de Especialización en Inteligencia Artificial – 4ta cohorte 2021</a:t>
+              <a:t>Carrera de Especialización en Inteligencia Artificial – 8ta cohorte 2023</a:t>
             </a:r>
           </a:p>
         </p:txBody>
@@ -14647,23 +15089,53 @@
           </a:prstGeom>
         </p:spPr>
       </p:pic>
+      <p:pic>
+        <p:nvPicPr>
+          <p:cNvPr id="21" name="Picture 20"/>
+          <p:cNvPicPr>
+            <a:picLocks noChangeAspect="1"/>
+          </p:cNvPicPr>
+          <p:nvPr/>
+        </p:nvPicPr>
+        <p:blipFill>
+          <a:blip r:embed="rId3"/>
+          <a:stretch>
+            <a:fillRect/>
+          </a:stretch>
+        </p:blipFill>
+        <p:spPr>
+          <a:xfrm rot="16200000">
+            <a:off x="32733" y="3056334"/>
+            <a:ext cx="3125975" cy="2409348"/>
+          </a:xfrm>
+          <a:prstGeom prst="rect">
+            <a:avLst/>
+          </a:prstGeom>
+        </p:spPr>
+      </p:pic>
       <p:graphicFrame>
         <p:nvGraphicFramePr>
-          <p:cNvPr id="20" name="Table 19"/>
+          <p:cNvPr id="2" name="Table 19">
+            <a:extLst>
+              <a:ext uri="{FF2B5EF4-FFF2-40B4-BE49-F238E27FC236}">
+                <a16:creationId xmlns:a16="http://schemas.microsoft.com/office/drawing/2014/main" id="{9FD08027-4829-C36D-5BE5-0FF06B4970E6}"/>
+              </a:ext>
+            </a:extLst>
+          </p:cNvPr>
           <p:cNvGraphicFramePr>
             <a:graphicFrameLocks noGrp="1"/>
           </p:cNvGraphicFramePr>
           <p:nvPr>
             <p:extLst>
               <p:ext uri="{D42A27DB-BD31-4B8C-83A1-F6EECF244321}">
-                <p14:modId xmlns:p14="http://schemas.microsoft.com/office/powerpoint/2010/main" val="4108899652"/>
+                <p14:modId xmlns:p14="http://schemas.microsoft.com/office/powerpoint/2010/main" val="2067530835"/>
               </p:ext>
             </p:extLst>
           </p:nvPr>
         </p:nvGraphicFramePr>
         <p:xfrm>
-          <a:off x="5238840" y="3377569"/>
-          <a:ext cx="6506693" cy="2595880"/>
+          <a:off x="5509296" y="3343196"/>
+          <a:ext cx="6506693" cy="1854200"/>
         </p:xfrm>
         <a:graphic>
           <a:graphicData uri="http://schemas.openxmlformats.org/drawingml/2006/table">
@@ -14987,145 +15459,10 @@
                   </a:ext>
                 </a:extLst>
               </a:tr>
-              <a:tr h="370840">
-                <a:tc>
-                  <a:txBody>
-                    <a:bodyPr/>
-                    <a:lstStyle/>
-                    <a:p>
-                      <a:endParaRPr lang="es-AR"/>
-                    </a:p>
-                  </a:txBody>
-                  <a:tcPr/>
-                </a:tc>
-                <a:tc>
-                  <a:txBody>
-                    <a:bodyPr/>
-                    <a:lstStyle/>
-                    <a:p>
-                      <a:endParaRPr lang="es-AR"/>
-                    </a:p>
-                  </a:txBody>
-                  <a:tcPr/>
-                </a:tc>
-                <a:tc>
-                  <a:txBody>
-                    <a:bodyPr/>
-                    <a:lstStyle/>
-                    <a:p>
-                      <a:endParaRPr lang="es-AR" dirty="0"/>
-                    </a:p>
-                  </a:txBody>
-                  <a:tcPr/>
-                </a:tc>
-                <a:tc>
-                  <a:txBody>
-                    <a:bodyPr/>
-                    <a:lstStyle/>
-                    <a:p>
-                      <a:pPr marL="0" marR="0" indent="0" algn="l" defTabSz="914400" rtl="0" eaLnBrk="1" fontAlgn="auto" latinLnBrk="0" hangingPunct="1">
-                        <a:lnSpc>
-                          <a:spcPct val="100000"/>
-                        </a:lnSpc>
-                        <a:spcBef>
-                          <a:spcPts val="0"/>
-                        </a:spcBef>
-                        <a:spcAft>
-                          <a:spcPts val="0"/>
-                        </a:spcAft>
-                        <a:buClrTx/>
-                        <a:buSzTx/>
-                        <a:buFontTx/>
-                        <a:buNone/>
-                        <a:tabLst/>
-                        <a:defRPr/>
-                      </a:pPr>
-                      <a:endParaRPr lang="es-AR" dirty="0"/>
-                    </a:p>
-                  </a:txBody>
-                  <a:tcPr/>
-                </a:tc>
-                <a:extLst>
-                  <a:ext uri="{0D108BD9-81ED-4DB2-BD59-A6C34878D82A}">
-                    <a16:rowId xmlns:a16="http://schemas.microsoft.com/office/drawing/2014/main" val="10005"/>
-                  </a:ext>
-                </a:extLst>
-              </a:tr>
-              <a:tr h="370840">
-                <a:tc>
-                  <a:txBody>
-                    <a:bodyPr/>
-                    <a:lstStyle/>
-                    <a:p>
-                      <a:endParaRPr lang="es-AR"/>
-                    </a:p>
-                  </a:txBody>
-                  <a:tcPr/>
-                </a:tc>
-                <a:tc>
-                  <a:txBody>
-                    <a:bodyPr/>
-                    <a:lstStyle/>
-                    <a:p>
-                      <a:endParaRPr lang="es-AR" dirty="0"/>
-                    </a:p>
-                  </a:txBody>
-                  <a:tcPr/>
-                </a:tc>
-                <a:tc>
-                  <a:txBody>
-                    <a:bodyPr/>
-                    <a:lstStyle/>
-                    <a:p>
-                      <a:endParaRPr lang="es-AR"/>
-                    </a:p>
-                  </a:txBody>
-                  <a:tcPr/>
-                </a:tc>
-                <a:tc>
-                  <a:txBody>
-                    <a:bodyPr/>
-                    <a:lstStyle/>
-                    <a:p>
-                      <a:endParaRPr lang="es-AR" dirty="0"/>
-                    </a:p>
-                  </a:txBody>
-                  <a:tcPr/>
-                </a:tc>
-                <a:extLst>
-                  <a:ext uri="{0D108BD9-81ED-4DB2-BD59-A6C34878D82A}">
-                    <a16:rowId xmlns:a16="http://schemas.microsoft.com/office/drawing/2014/main" val="10006"/>
-                  </a:ext>
-                </a:extLst>
-              </a:tr>
             </a:tbl>
           </a:graphicData>
         </a:graphic>
       </p:graphicFrame>
-      <p:pic>
-        <p:nvPicPr>
-          <p:cNvPr id="21" name="Picture 20"/>
-          <p:cNvPicPr>
-            <a:picLocks noChangeAspect="1"/>
-          </p:cNvPicPr>
-          <p:nvPr/>
-        </p:nvPicPr>
-        <p:blipFill>
-          <a:blip r:embed="rId3"/>
-          <a:stretch>
-            <a:fillRect/>
-          </a:stretch>
-        </p:blipFill>
-        <p:spPr>
-          <a:xfrm rot="16200000">
-            <a:off x="32733" y="3056334"/>
-            <a:ext cx="3125975" cy="2409348"/>
-          </a:xfrm>
-          <a:prstGeom prst="rect">
-            <a:avLst/>
-          </a:prstGeom>
-        </p:spPr>
-      </p:pic>
     </p:spTree>
     <p:extLst>
       <p:ext uri="{BB962C8B-B14F-4D97-AF65-F5344CB8AC3E}">
@@ -15607,23 +15944,53 @@
           </a:prstGeom>
         </p:spPr>
       </p:pic>
+      <p:pic>
+        <p:nvPicPr>
+          <p:cNvPr id="22" name="Picture 21"/>
+          <p:cNvPicPr>
+            <a:picLocks noChangeAspect="1"/>
+          </p:cNvPicPr>
+          <p:nvPr/>
+        </p:nvPicPr>
+        <p:blipFill>
+          <a:blip r:embed="rId3"/>
+          <a:stretch>
+            <a:fillRect/>
+          </a:stretch>
+        </p:blipFill>
+        <p:spPr>
+          <a:xfrm rot="16200000">
+            <a:off x="-689189" y="2588409"/>
+            <a:ext cx="4420125" cy="2807094"/>
+          </a:xfrm>
+          <a:prstGeom prst="rect">
+            <a:avLst/>
+          </a:prstGeom>
+        </p:spPr>
+      </p:pic>
       <p:graphicFrame>
         <p:nvGraphicFramePr>
-          <p:cNvPr id="21" name="Table 20"/>
+          <p:cNvPr id="2" name="Table 19">
+            <a:extLst>
+              <a:ext uri="{FF2B5EF4-FFF2-40B4-BE49-F238E27FC236}">
+                <a16:creationId xmlns:a16="http://schemas.microsoft.com/office/drawing/2014/main" id="{7F017107-1DFB-00C1-36A5-9F4D9F621CF6}"/>
+              </a:ext>
+            </a:extLst>
+          </p:cNvPr>
           <p:cNvGraphicFramePr>
             <a:graphicFrameLocks noGrp="1"/>
           </p:cNvGraphicFramePr>
           <p:nvPr>
             <p:extLst>
               <p:ext uri="{D42A27DB-BD31-4B8C-83A1-F6EECF244321}">
-                <p14:modId xmlns:p14="http://schemas.microsoft.com/office/powerpoint/2010/main" val="4010379359"/>
+                <p14:modId xmlns:p14="http://schemas.microsoft.com/office/powerpoint/2010/main" val="2067530835"/>
               </p:ext>
             </p:extLst>
           </p:nvPr>
         </p:nvGraphicFramePr>
         <p:xfrm>
-          <a:off x="5419144" y="3353928"/>
-          <a:ext cx="6506693" cy="2595880"/>
+          <a:off x="5509296" y="3343196"/>
+          <a:ext cx="6506693" cy="1854200"/>
         </p:xfrm>
         <a:graphic>
           <a:graphicData uri="http://schemas.openxmlformats.org/drawingml/2006/table">
@@ -15947,145 +16314,10 @@
                   </a:ext>
                 </a:extLst>
               </a:tr>
-              <a:tr h="370840">
-                <a:tc>
-                  <a:txBody>
-                    <a:bodyPr/>
-                    <a:lstStyle/>
-                    <a:p>
-                      <a:endParaRPr lang="es-AR"/>
-                    </a:p>
-                  </a:txBody>
-                  <a:tcPr/>
-                </a:tc>
-                <a:tc>
-                  <a:txBody>
-                    <a:bodyPr/>
-                    <a:lstStyle/>
-                    <a:p>
-                      <a:endParaRPr lang="es-AR"/>
-                    </a:p>
-                  </a:txBody>
-                  <a:tcPr/>
-                </a:tc>
-                <a:tc>
-                  <a:txBody>
-                    <a:bodyPr/>
-                    <a:lstStyle/>
-                    <a:p>
-                      <a:endParaRPr lang="es-AR" dirty="0"/>
-                    </a:p>
-                  </a:txBody>
-                  <a:tcPr/>
-                </a:tc>
-                <a:tc>
-                  <a:txBody>
-                    <a:bodyPr/>
-                    <a:lstStyle/>
-                    <a:p>
-                      <a:pPr marL="0" marR="0" indent="0" algn="l" defTabSz="914400" rtl="0" eaLnBrk="1" fontAlgn="auto" latinLnBrk="0" hangingPunct="1">
-                        <a:lnSpc>
-                          <a:spcPct val="100000"/>
-                        </a:lnSpc>
-                        <a:spcBef>
-                          <a:spcPts val="0"/>
-                        </a:spcBef>
-                        <a:spcAft>
-                          <a:spcPts val="0"/>
-                        </a:spcAft>
-                        <a:buClrTx/>
-                        <a:buSzTx/>
-                        <a:buFontTx/>
-                        <a:buNone/>
-                        <a:tabLst/>
-                        <a:defRPr/>
-                      </a:pPr>
-                      <a:endParaRPr lang="es-AR" dirty="0"/>
-                    </a:p>
-                  </a:txBody>
-                  <a:tcPr/>
-                </a:tc>
-                <a:extLst>
-                  <a:ext uri="{0D108BD9-81ED-4DB2-BD59-A6C34878D82A}">
-                    <a16:rowId xmlns:a16="http://schemas.microsoft.com/office/drawing/2014/main" val="10005"/>
-                  </a:ext>
-                </a:extLst>
-              </a:tr>
-              <a:tr h="370840">
-                <a:tc>
-                  <a:txBody>
-                    <a:bodyPr/>
-                    <a:lstStyle/>
-                    <a:p>
-                      <a:endParaRPr lang="es-AR"/>
-                    </a:p>
-                  </a:txBody>
-                  <a:tcPr/>
-                </a:tc>
-                <a:tc>
-                  <a:txBody>
-                    <a:bodyPr/>
-                    <a:lstStyle/>
-                    <a:p>
-                      <a:endParaRPr lang="es-AR" dirty="0"/>
-                    </a:p>
-                  </a:txBody>
-                  <a:tcPr/>
-                </a:tc>
-                <a:tc>
-                  <a:txBody>
-                    <a:bodyPr/>
-                    <a:lstStyle/>
-                    <a:p>
-                      <a:endParaRPr lang="es-AR"/>
-                    </a:p>
-                  </a:txBody>
-                  <a:tcPr/>
-                </a:tc>
-                <a:tc>
-                  <a:txBody>
-                    <a:bodyPr/>
-                    <a:lstStyle/>
-                    <a:p>
-                      <a:endParaRPr lang="es-AR" dirty="0"/>
-                    </a:p>
-                  </a:txBody>
-                  <a:tcPr/>
-                </a:tc>
-                <a:extLst>
-                  <a:ext uri="{0D108BD9-81ED-4DB2-BD59-A6C34878D82A}">
-                    <a16:rowId xmlns:a16="http://schemas.microsoft.com/office/drawing/2014/main" val="10006"/>
-                  </a:ext>
-                </a:extLst>
-              </a:tr>
             </a:tbl>
           </a:graphicData>
         </a:graphic>
       </p:graphicFrame>
-      <p:pic>
-        <p:nvPicPr>
-          <p:cNvPr id="22" name="Picture 21"/>
-          <p:cNvPicPr>
-            <a:picLocks noChangeAspect="1"/>
-          </p:cNvPicPr>
-          <p:nvPr/>
-        </p:nvPicPr>
-        <p:blipFill>
-          <a:blip r:embed="rId3"/>
-          <a:stretch>
-            <a:fillRect/>
-          </a:stretch>
-        </p:blipFill>
-        <p:spPr>
-          <a:xfrm rot="16200000">
-            <a:off x="-689189" y="2588409"/>
-            <a:ext cx="4420125" cy="2807094"/>
-          </a:xfrm>
-          <a:prstGeom prst="rect">
-            <a:avLst/>
-          </a:prstGeom>
-        </p:spPr>
-      </p:pic>
     </p:spTree>
     <p:extLst>
       <p:ext uri="{BB962C8B-B14F-4D97-AF65-F5344CB8AC3E}">
@@ -16116,6 +16348,30 @@
           <a:chExt cx="0" cy="0"/>
         </a:xfrm>
       </p:grpSpPr>
+      <p:pic>
+        <p:nvPicPr>
+          <p:cNvPr id="2" name="Picture 1"/>
+          <p:cNvPicPr>
+            <a:picLocks noChangeAspect="1"/>
+          </p:cNvPicPr>
+          <p:nvPr/>
+        </p:nvPicPr>
+        <p:blipFill>
+          <a:blip r:embed="rId2"/>
+          <a:stretch>
+            <a:fillRect/>
+          </a:stretch>
+        </p:blipFill>
+        <p:spPr>
+          <a:xfrm rot="16200000">
+            <a:off x="-840242" y="2321067"/>
+            <a:ext cx="5269730" cy="2996597"/>
+          </a:xfrm>
+          <a:prstGeom prst="rect">
+            <a:avLst/>
+          </a:prstGeom>
+        </p:spPr>
+      </p:pic>
       <p:sp>
         <p:nvSpPr>
           <p:cNvPr id="5" name="Subtitle 1"/>
@@ -16335,287 +16591,6 @@
       </p:sp>
       <p:sp>
         <p:nvSpPr>
-          <p:cNvPr id="17" name="Subtitle 1"/>
-          <p:cNvSpPr txBox="1">
-            <a:spLocks/>
-          </p:cNvSpPr>
-          <p:nvPr/>
-        </p:nvSpPr>
-        <p:spPr>
-          <a:xfrm>
-            <a:off x="3575412" y="1202808"/>
-            <a:ext cx="2359038" cy="1249597"/>
-          </a:xfrm>
-          <a:prstGeom prst="rect">
-            <a:avLst/>
-          </a:prstGeom>
-        </p:spPr>
-        <p:txBody>
-          <a:bodyPr vert="horz" lIns="91440" tIns="45720" rIns="91440" bIns="45720" rtlCol="0">
-            <a:noAutofit/>
-          </a:bodyPr>
-          <a:lstStyle>
-            <a:lvl1pPr marL="0" indent="0" algn="ctr" defTabSz="914400" rtl="0" eaLnBrk="1" latinLnBrk="0" hangingPunct="1">
-              <a:lnSpc>
-                <a:spcPct val="90000"/>
-              </a:lnSpc>
-              <a:spcBef>
-                <a:spcPts val="1000"/>
-              </a:spcBef>
-              <a:buFont typeface="Arial" panose="020B0604020202020204" pitchFamily="34" charset="0"/>
-              <a:buNone/>
-              <a:defRPr sz="2400" kern="1200">
-                <a:solidFill>
-                  <a:schemeClr val="tx1"/>
-                </a:solidFill>
-                <a:latin typeface="+mn-lt"/>
-                <a:ea typeface="+mn-ea"/>
-                <a:cs typeface="+mn-cs"/>
-              </a:defRPr>
-            </a:lvl1pPr>
-            <a:lvl2pPr marL="457200" indent="0" algn="ctr" defTabSz="914400" rtl="0" eaLnBrk="1" latinLnBrk="0" hangingPunct="1">
-              <a:lnSpc>
-                <a:spcPct val="90000"/>
-              </a:lnSpc>
-              <a:spcBef>
-                <a:spcPts val="500"/>
-              </a:spcBef>
-              <a:buFont typeface="Arial" panose="020B0604020202020204" pitchFamily="34" charset="0"/>
-              <a:buNone/>
-              <a:defRPr sz="2000" kern="1200">
-                <a:solidFill>
-                  <a:schemeClr val="tx1"/>
-                </a:solidFill>
-                <a:latin typeface="+mn-lt"/>
-                <a:ea typeface="+mn-ea"/>
-                <a:cs typeface="+mn-cs"/>
-              </a:defRPr>
-            </a:lvl2pPr>
-            <a:lvl3pPr marL="914400" indent="0" algn="ctr" defTabSz="914400" rtl="0" eaLnBrk="1" latinLnBrk="0" hangingPunct="1">
-              <a:lnSpc>
-                <a:spcPct val="90000"/>
-              </a:lnSpc>
-              <a:spcBef>
-                <a:spcPts val="500"/>
-              </a:spcBef>
-              <a:buFont typeface="Arial" panose="020B0604020202020204" pitchFamily="34" charset="0"/>
-              <a:buNone/>
-              <a:defRPr sz="1800" kern="1200">
-                <a:solidFill>
-                  <a:schemeClr val="tx1"/>
-                </a:solidFill>
-                <a:latin typeface="+mn-lt"/>
-                <a:ea typeface="+mn-ea"/>
-                <a:cs typeface="+mn-cs"/>
-              </a:defRPr>
-            </a:lvl3pPr>
-            <a:lvl4pPr marL="1371600" indent="0" algn="ctr" defTabSz="914400" rtl="0" eaLnBrk="1" latinLnBrk="0" hangingPunct="1">
-              <a:lnSpc>
-                <a:spcPct val="90000"/>
-              </a:lnSpc>
-              <a:spcBef>
-                <a:spcPts val="500"/>
-              </a:spcBef>
-              <a:buFont typeface="Arial" panose="020B0604020202020204" pitchFamily="34" charset="0"/>
-              <a:buNone/>
-              <a:defRPr sz="1600" kern="1200">
-                <a:solidFill>
-                  <a:schemeClr val="tx1"/>
-                </a:solidFill>
-                <a:latin typeface="+mn-lt"/>
-                <a:ea typeface="+mn-ea"/>
-                <a:cs typeface="+mn-cs"/>
-              </a:defRPr>
-            </a:lvl4pPr>
-            <a:lvl5pPr marL="1828800" indent="0" algn="ctr" defTabSz="914400" rtl="0" eaLnBrk="1" latinLnBrk="0" hangingPunct="1">
-              <a:lnSpc>
-                <a:spcPct val="90000"/>
-              </a:lnSpc>
-              <a:spcBef>
-                <a:spcPts val="500"/>
-              </a:spcBef>
-              <a:buFont typeface="Arial" panose="020B0604020202020204" pitchFamily="34" charset="0"/>
-              <a:buNone/>
-              <a:defRPr sz="1600" kern="1200">
-                <a:solidFill>
-                  <a:schemeClr val="tx1"/>
-                </a:solidFill>
-                <a:latin typeface="+mn-lt"/>
-                <a:ea typeface="+mn-ea"/>
-                <a:cs typeface="+mn-cs"/>
-              </a:defRPr>
-            </a:lvl5pPr>
-            <a:lvl6pPr marL="2286000" indent="0" algn="ctr" defTabSz="914400" rtl="0" eaLnBrk="1" latinLnBrk="0" hangingPunct="1">
-              <a:lnSpc>
-                <a:spcPct val="90000"/>
-              </a:lnSpc>
-              <a:spcBef>
-                <a:spcPts val="500"/>
-              </a:spcBef>
-              <a:buFont typeface="Arial" panose="020B0604020202020204" pitchFamily="34" charset="0"/>
-              <a:buNone/>
-              <a:defRPr sz="1600" kern="1200">
-                <a:solidFill>
-                  <a:schemeClr val="tx1"/>
-                </a:solidFill>
-                <a:latin typeface="+mn-lt"/>
-                <a:ea typeface="+mn-ea"/>
-                <a:cs typeface="+mn-cs"/>
-              </a:defRPr>
-            </a:lvl6pPr>
-            <a:lvl7pPr marL="2743200" indent="0" algn="ctr" defTabSz="914400" rtl="0" eaLnBrk="1" latinLnBrk="0" hangingPunct="1">
-              <a:lnSpc>
-                <a:spcPct val="90000"/>
-              </a:lnSpc>
-              <a:spcBef>
-                <a:spcPts val="500"/>
-              </a:spcBef>
-              <a:buFont typeface="Arial" panose="020B0604020202020204" pitchFamily="34" charset="0"/>
-              <a:buNone/>
-              <a:defRPr sz="1600" kern="1200">
-                <a:solidFill>
-                  <a:schemeClr val="tx1"/>
-                </a:solidFill>
-                <a:latin typeface="+mn-lt"/>
-                <a:ea typeface="+mn-ea"/>
-                <a:cs typeface="+mn-cs"/>
-              </a:defRPr>
-            </a:lvl7pPr>
-            <a:lvl8pPr marL="3200400" indent="0" algn="ctr" defTabSz="914400" rtl="0" eaLnBrk="1" latinLnBrk="0" hangingPunct="1">
-              <a:lnSpc>
-                <a:spcPct val="90000"/>
-              </a:lnSpc>
-              <a:spcBef>
-                <a:spcPts val="500"/>
-              </a:spcBef>
-              <a:buFont typeface="Arial" panose="020B0604020202020204" pitchFamily="34" charset="0"/>
-              <a:buNone/>
-              <a:defRPr sz="1600" kern="1200">
-                <a:solidFill>
-                  <a:schemeClr val="tx1"/>
-                </a:solidFill>
-                <a:latin typeface="+mn-lt"/>
-                <a:ea typeface="+mn-ea"/>
-                <a:cs typeface="+mn-cs"/>
-              </a:defRPr>
-            </a:lvl8pPr>
-            <a:lvl9pPr marL="3657600" indent="0" algn="ctr" defTabSz="914400" rtl="0" eaLnBrk="1" latinLnBrk="0" hangingPunct="1">
-              <a:lnSpc>
-                <a:spcPct val="90000"/>
-              </a:lnSpc>
-              <a:spcBef>
-                <a:spcPts val="500"/>
-              </a:spcBef>
-              <a:buFont typeface="Arial" panose="020B0604020202020204" pitchFamily="34" charset="0"/>
-              <a:buNone/>
-              <a:defRPr sz="1600" kern="1200">
-                <a:solidFill>
-                  <a:schemeClr val="tx1"/>
-                </a:solidFill>
-                <a:latin typeface="+mn-lt"/>
-                <a:ea typeface="+mn-ea"/>
-                <a:cs typeface="+mn-cs"/>
-              </a:defRPr>
-            </a:lvl9pPr>
-          </a:lstStyle>
-          <a:p>
-            <a:r>
-              <a:rPr lang="es-AR" sz="2000" dirty="0">
-                <a:solidFill>
-                  <a:schemeClr val="bg1"/>
-                </a:solidFill>
-              </a:rPr>
-              <a:t>Input </a:t>
-            </a:r>
-            <a:r>
-              <a:rPr lang="es-AR" sz="2000" dirty="0" err="1">
-                <a:solidFill>
-                  <a:schemeClr val="bg1"/>
-                </a:solidFill>
-              </a:rPr>
-              <a:t>size</a:t>
-            </a:r>
-            <a:r>
-              <a:rPr lang="es-AR" sz="2000" dirty="0">
-                <a:solidFill>
-                  <a:schemeClr val="bg1"/>
-                </a:solidFill>
-              </a:rPr>
-              <a:t> = 5</a:t>
-            </a:r>
-          </a:p>
-          <a:p>
-            <a:r>
-              <a:rPr lang="es-AR" sz="2000" dirty="0" err="1">
-                <a:solidFill>
-                  <a:schemeClr val="bg1"/>
-                </a:solidFill>
-              </a:rPr>
-              <a:t>Batch</a:t>
-            </a:r>
-            <a:r>
-              <a:rPr lang="es-AR" sz="2000" dirty="0">
-                <a:solidFill>
-                  <a:schemeClr val="bg1"/>
-                </a:solidFill>
-              </a:rPr>
-              <a:t> </a:t>
-            </a:r>
-            <a:r>
-              <a:rPr lang="es-AR" sz="2000" dirty="0" err="1">
-                <a:solidFill>
-                  <a:schemeClr val="bg1"/>
-                </a:solidFill>
-              </a:rPr>
-              <a:t>size</a:t>
-            </a:r>
-            <a:r>
-              <a:rPr lang="es-AR" sz="2000" dirty="0">
-                <a:solidFill>
-                  <a:schemeClr val="bg1"/>
-                </a:solidFill>
-              </a:rPr>
-              <a:t> = 3</a:t>
-            </a:r>
-          </a:p>
-          <a:p>
-            <a:r>
-              <a:rPr lang="es-AR" sz="2000" dirty="0" err="1">
-                <a:solidFill>
-                  <a:schemeClr val="bg1"/>
-                </a:solidFill>
-              </a:rPr>
-              <a:t>Hidden</a:t>
-            </a:r>
-            <a:r>
-              <a:rPr lang="es-AR" sz="2000" dirty="0">
-                <a:solidFill>
-                  <a:schemeClr val="bg1"/>
-                </a:solidFill>
-              </a:rPr>
-              <a:t> </a:t>
-            </a:r>
-            <a:r>
-              <a:rPr lang="es-AR" sz="2000" dirty="0" err="1">
-                <a:solidFill>
-                  <a:schemeClr val="bg1"/>
-                </a:solidFill>
-              </a:rPr>
-              <a:t>size</a:t>
-            </a:r>
-            <a:r>
-              <a:rPr lang="es-AR" sz="2000" dirty="0">
-                <a:solidFill>
-                  <a:schemeClr val="bg1"/>
-                </a:solidFill>
-              </a:rPr>
-              <a:t> = 4</a:t>
-            </a:r>
-          </a:p>
-        </p:txBody>
-      </p:sp>
-      <p:sp>
-        <p:nvSpPr>
           <p:cNvPr id="19" name="Subtitle 1"/>
           <p:cNvSpPr txBox="1">
             <a:spLocks/>
@@ -16624,7 +16599,7 @@
         </p:nvSpPr>
         <p:spPr>
           <a:xfrm>
-            <a:off x="3915382" y="5949808"/>
+            <a:off x="0" y="6202020"/>
             <a:ext cx="4906646" cy="504422"/>
           </a:xfrm>
           <a:prstGeom prst="rect">
@@ -16818,7 +16793,23 @@
                   <a:srgbClr val="FF0000"/>
                 </a:solidFill>
               </a:rPr>
-              <a:t>Ejercicio 1</a:t>
+              <a:t>Ejercicio 1 (ver datos en </a:t>
+            </a:r>
+            <a:r>
+              <a:rPr lang="es-AR" b="1" dirty="0" err="1">
+                <a:solidFill>
+                  <a:srgbClr val="FF0000"/>
+                </a:solidFill>
+              </a:rPr>
+              <a:t>colab</a:t>
+            </a:r>
+            <a:r>
+              <a:rPr lang="es-AR" b="1" dirty="0">
+                <a:solidFill>
+                  <a:srgbClr val="FF0000"/>
+                </a:solidFill>
+              </a:rPr>
+              <a:t>)</a:t>
             </a:r>
           </a:p>
         </p:txBody>
@@ -16832,14 +16823,14 @@
           <p:nvPr/>
         </p:nvPicPr>
         <p:blipFill>
-          <a:blip r:embed="rId2"/>
+          <a:blip r:embed="rId3"/>
           <a:stretch>
             <a:fillRect/>
           </a:stretch>
         </p:blipFill>
         <p:spPr>
           <a:xfrm>
-            <a:off x="6216940" y="941295"/>
+            <a:off x="296324" y="543303"/>
             <a:ext cx="5210175" cy="504825"/>
           </a:xfrm>
           <a:prstGeom prst="rect">
@@ -16849,21 +16840,27 @@
       </p:pic>
       <p:graphicFrame>
         <p:nvGraphicFramePr>
-          <p:cNvPr id="21" name="Table 20"/>
+          <p:cNvPr id="3" name="Table 19">
+            <a:extLst>
+              <a:ext uri="{FF2B5EF4-FFF2-40B4-BE49-F238E27FC236}">
+                <a16:creationId xmlns:a16="http://schemas.microsoft.com/office/drawing/2014/main" id="{D0D253CF-819F-3265-33CF-DD992D21EDB2}"/>
+              </a:ext>
+            </a:extLst>
+          </p:cNvPr>
           <p:cNvGraphicFramePr>
             <a:graphicFrameLocks noGrp="1"/>
           </p:cNvGraphicFramePr>
           <p:nvPr>
             <p:extLst>
               <p:ext uri="{D42A27DB-BD31-4B8C-83A1-F6EECF244321}">
-                <p14:modId xmlns:p14="http://schemas.microsoft.com/office/powerpoint/2010/main" val="392956214"/>
+                <p14:modId xmlns:p14="http://schemas.microsoft.com/office/powerpoint/2010/main" val="3350541311"/>
               </p:ext>
             </p:extLst>
           </p:nvPr>
         </p:nvGraphicFramePr>
         <p:xfrm>
-          <a:off x="5135809" y="2903167"/>
-          <a:ext cx="6506693" cy="2595880"/>
+          <a:off x="5388979" y="917146"/>
+          <a:ext cx="6506693" cy="1854200"/>
         </p:xfrm>
         <a:graphic>
           <a:graphicData uri="http://schemas.openxmlformats.org/drawingml/2006/table">
@@ -17187,6 +17184,288 @@
                   </a:ext>
                 </a:extLst>
               </a:tr>
+            </a:tbl>
+          </a:graphicData>
+        </a:graphic>
+      </p:graphicFrame>
+      <p:graphicFrame>
+        <p:nvGraphicFramePr>
+          <p:cNvPr id="4" name="Table 19">
+            <a:extLst>
+              <a:ext uri="{FF2B5EF4-FFF2-40B4-BE49-F238E27FC236}">
+                <a16:creationId xmlns:a16="http://schemas.microsoft.com/office/drawing/2014/main" id="{15897861-515F-1AC4-A4F4-89B6FEE83852}"/>
+              </a:ext>
+            </a:extLst>
+          </p:cNvPr>
+          <p:cNvGraphicFramePr>
+            <a:graphicFrameLocks noGrp="1"/>
+          </p:cNvGraphicFramePr>
+          <p:nvPr>
+            <p:extLst>
+              <p:ext uri="{D42A27DB-BD31-4B8C-83A1-F6EECF244321}">
+                <p14:modId xmlns:p14="http://schemas.microsoft.com/office/powerpoint/2010/main" val="2076127227"/>
+              </p:ext>
+            </p:extLst>
+          </p:nvPr>
+        </p:nvGraphicFramePr>
+        <p:xfrm>
+          <a:off x="5388980" y="2892265"/>
+          <a:ext cx="6506693" cy="1854200"/>
+        </p:xfrm>
+        <a:graphic>
+          <a:graphicData uri="http://schemas.openxmlformats.org/drawingml/2006/table">
+            <a:tbl>
+              <a:tblPr firstRow="1" bandRow="1">
+                <a:tableStyleId>{073A0DAA-6AF3-43AB-8588-CEC1D06C72B9}</a:tableStyleId>
+              </a:tblPr>
+              <a:tblGrid>
+                <a:gridCol w="1625600">
+                  <a:extLst>
+                    <a:ext uri="{9D8B030D-6E8A-4147-A177-3AD203B41FA5}">
+                      <a16:colId xmlns:a16="http://schemas.microsoft.com/office/drawing/2014/main" val="20000"/>
+                    </a:ext>
+                  </a:extLst>
+                </a:gridCol>
+                <a:gridCol w="2099256">
+                  <a:extLst>
+                    <a:ext uri="{9D8B030D-6E8A-4147-A177-3AD203B41FA5}">
+                      <a16:colId xmlns:a16="http://schemas.microsoft.com/office/drawing/2014/main" val="20001"/>
+                    </a:ext>
+                  </a:extLst>
+                </a:gridCol>
+                <a:gridCol w="1609859">
+                  <a:extLst>
+                    <a:ext uri="{9D8B030D-6E8A-4147-A177-3AD203B41FA5}">
+                      <a16:colId xmlns:a16="http://schemas.microsoft.com/office/drawing/2014/main" val="20002"/>
+                    </a:ext>
+                  </a:extLst>
+                </a:gridCol>
+                <a:gridCol w="1171978">
+                  <a:extLst>
+                    <a:ext uri="{9D8B030D-6E8A-4147-A177-3AD203B41FA5}">
+                      <a16:colId xmlns:a16="http://schemas.microsoft.com/office/drawing/2014/main" val="20003"/>
+                    </a:ext>
+                  </a:extLst>
+                </a:gridCol>
+              </a:tblGrid>
+              <a:tr h="370840">
+                <a:tc>
+                  <a:txBody>
+                    <a:bodyPr/>
+                    <a:lstStyle/>
+                    <a:p>
+                      <a:r>
+                        <a:rPr lang="es-AR" dirty="0"/>
+                        <a:t>Variable</a:t>
+                      </a:r>
+                    </a:p>
+                  </a:txBody>
+                  <a:tcPr/>
+                </a:tc>
+                <a:tc>
+                  <a:txBody>
+                    <a:bodyPr/>
+                    <a:lstStyle/>
+                    <a:p>
+                      <a:r>
+                        <a:rPr lang="es-AR" dirty="0"/>
+                        <a:t>Tamaño</a:t>
+                      </a:r>
+                    </a:p>
+                  </a:txBody>
+                  <a:tcPr/>
+                </a:tc>
+                <a:tc>
+                  <a:txBody>
+                    <a:bodyPr/>
+                    <a:lstStyle/>
+                    <a:p>
+                      <a:r>
+                        <a:rPr lang="es-AR" dirty="0"/>
+                        <a:t>Parámetro</a:t>
+                      </a:r>
+                    </a:p>
+                  </a:txBody>
+                  <a:tcPr/>
+                </a:tc>
+                <a:tc>
+                  <a:txBody>
+                    <a:bodyPr/>
+                    <a:lstStyle/>
+                    <a:p>
+                      <a:r>
+                        <a:rPr lang="es-AR" dirty="0"/>
+                        <a:t>Tamaño</a:t>
+                      </a:r>
+                    </a:p>
+                  </a:txBody>
+                  <a:tcPr/>
+                </a:tc>
+                <a:extLst>
+                  <a:ext uri="{0D108BD9-81ED-4DB2-BD59-A6C34878D82A}">
+                    <a16:rowId xmlns:a16="http://schemas.microsoft.com/office/drawing/2014/main" val="10000"/>
+                  </a:ext>
+                </a:extLst>
+              </a:tr>
+              <a:tr h="370840">
+                <a:tc>
+                  <a:txBody>
+                    <a:bodyPr/>
+                    <a:lstStyle/>
+                    <a:p>
+                      <a:r>
+                        <a:rPr lang="es-AR" dirty="0"/>
+                        <a:t>x</a:t>
+                      </a:r>
+                    </a:p>
+                  </a:txBody>
+                  <a:tcPr/>
+                </a:tc>
+                <a:tc>
+                  <a:txBody>
+                    <a:bodyPr/>
+                    <a:lstStyle/>
+                    <a:p>
+                      <a:endParaRPr lang="es-AR" dirty="0"/>
+                    </a:p>
+                  </a:txBody>
+                  <a:tcPr/>
+                </a:tc>
+                <a:tc>
+                  <a:txBody>
+                    <a:bodyPr/>
+                    <a:lstStyle/>
+                    <a:p>
+                      <a:r>
+                        <a:rPr lang="es-AR" dirty="0" err="1"/>
+                        <a:t>Wih</a:t>
+                      </a:r>
+                      <a:endParaRPr lang="es-AR" dirty="0"/>
+                    </a:p>
+                  </a:txBody>
+                  <a:tcPr/>
+                </a:tc>
+                <a:tc>
+                  <a:txBody>
+                    <a:bodyPr/>
+                    <a:lstStyle/>
+                    <a:p>
+                      <a:endParaRPr lang="es-AR" dirty="0"/>
+                    </a:p>
+                  </a:txBody>
+                  <a:tcPr/>
+                </a:tc>
+                <a:extLst>
+                  <a:ext uri="{0D108BD9-81ED-4DB2-BD59-A6C34878D82A}">
+                    <a16:rowId xmlns:a16="http://schemas.microsoft.com/office/drawing/2014/main" val="10001"/>
+                  </a:ext>
+                </a:extLst>
+              </a:tr>
+              <a:tr h="370840">
+                <a:tc>
+                  <a:txBody>
+                    <a:bodyPr/>
+                    <a:lstStyle/>
+                    <a:p>
+                      <a:r>
+                        <a:rPr lang="es-AR" dirty="0"/>
+                        <a:t>h</a:t>
+                      </a:r>
+                    </a:p>
+                  </a:txBody>
+                  <a:tcPr/>
+                </a:tc>
+                <a:tc>
+                  <a:txBody>
+                    <a:bodyPr/>
+                    <a:lstStyle/>
+                    <a:p>
+                      <a:endParaRPr lang="es-AR" dirty="0"/>
+                    </a:p>
+                  </a:txBody>
+                  <a:tcPr/>
+                </a:tc>
+                <a:tc>
+                  <a:txBody>
+                    <a:bodyPr/>
+                    <a:lstStyle/>
+                    <a:p>
+                      <a:r>
+                        <a:rPr lang="es-AR" dirty="0" err="1"/>
+                        <a:t>Bih</a:t>
+                      </a:r>
+                      <a:endParaRPr lang="es-AR" dirty="0"/>
+                    </a:p>
+                  </a:txBody>
+                  <a:tcPr/>
+                </a:tc>
+                <a:tc>
+                  <a:txBody>
+                    <a:bodyPr/>
+                    <a:lstStyle/>
+                    <a:p>
+                      <a:endParaRPr lang="es-AR" dirty="0"/>
+                    </a:p>
+                  </a:txBody>
+                  <a:tcPr/>
+                </a:tc>
+                <a:extLst>
+                  <a:ext uri="{0D108BD9-81ED-4DB2-BD59-A6C34878D82A}">
+                    <a16:rowId xmlns:a16="http://schemas.microsoft.com/office/drawing/2014/main" val="10002"/>
+                  </a:ext>
+                </a:extLst>
+              </a:tr>
+              <a:tr h="370840">
+                <a:tc>
+                  <a:txBody>
+                    <a:bodyPr/>
+                    <a:lstStyle/>
+                    <a:p>
+                      <a:endParaRPr lang="es-AR" dirty="0"/>
+                    </a:p>
+                  </a:txBody>
+                  <a:tcPr/>
+                </a:tc>
+                <a:tc>
+                  <a:txBody>
+                    <a:bodyPr/>
+                    <a:lstStyle/>
+                    <a:p>
+                      <a:endParaRPr lang="es-AR" dirty="0"/>
+                    </a:p>
+                  </a:txBody>
+                  <a:tcPr/>
+                </a:tc>
+                <a:tc>
+                  <a:txBody>
+                    <a:bodyPr/>
+                    <a:lstStyle/>
+                    <a:p>
+                      <a:r>
+                        <a:rPr lang="es-AR" dirty="0" err="1"/>
+                        <a:t>Whh</a:t>
+                      </a:r>
+                      <a:endParaRPr lang="es-AR" dirty="0"/>
+                    </a:p>
+                  </a:txBody>
+                  <a:tcPr/>
+                </a:tc>
+                <a:tc>
+                  <a:txBody>
+                    <a:bodyPr/>
+                    <a:lstStyle/>
+                    <a:p>
+                      <a:endParaRPr lang="es-AR" dirty="0"/>
+                    </a:p>
+                  </a:txBody>
+                  <a:tcPr/>
+                </a:tc>
+                <a:extLst>
+                  <a:ext uri="{0D108BD9-81ED-4DB2-BD59-A6C34878D82A}">
+                    <a16:rowId xmlns:a16="http://schemas.microsoft.com/office/drawing/2014/main" val="10003"/>
+                  </a:ext>
+                </a:extLst>
+              </a:tr>
               <a:tr h="370840">
                 <a:tc>
                   <a:txBody>
@@ -17213,6 +17492,10 @@
                     <a:bodyPr/>
                     <a:lstStyle/>
                     <a:p>
+                      <a:r>
+                        <a:rPr lang="es-AR" dirty="0" err="1"/>
+                        <a:t>bhh</a:t>
+                      </a:r>
                       <a:endParaRPr lang="es-AR" dirty="0"/>
                     </a:p>
                   </a:txBody>
@@ -17247,7 +17530,289 @@
                 </a:tc>
                 <a:extLst>
                   <a:ext uri="{0D108BD9-81ED-4DB2-BD59-A6C34878D82A}">
-                    <a16:rowId xmlns:a16="http://schemas.microsoft.com/office/drawing/2014/main" val="10005"/>
+                    <a16:rowId xmlns:a16="http://schemas.microsoft.com/office/drawing/2014/main" val="10004"/>
+                  </a:ext>
+                </a:extLst>
+              </a:tr>
+            </a:tbl>
+          </a:graphicData>
+        </a:graphic>
+      </p:graphicFrame>
+      <p:graphicFrame>
+        <p:nvGraphicFramePr>
+          <p:cNvPr id="6" name="Table 19">
+            <a:extLst>
+              <a:ext uri="{FF2B5EF4-FFF2-40B4-BE49-F238E27FC236}">
+                <a16:creationId xmlns:a16="http://schemas.microsoft.com/office/drawing/2014/main" id="{532BCE95-A7DD-FBB9-2081-A05838F836D1}"/>
+              </a:ext>
+            </a:extLst>
+          </p:cNvPr>
+          <p:cNvGraphicFramePr>
+            <a:graphicFrameLocks noGrp="1"/>
+          </p:cNvGraphicFramePr>
+          <p:nvPr>
+            <p:extLst>
+              <p:ext uri="{D42A27DB-BD31-4B8C-83A1-F6EECF244321}">
+                <p14:modId xmlns:p14="http://schemas.microsoft.com/office/powerpoint/2010/main" val="3427630160"/>
+              </p:ext>
+            </p:extLst>
+          </p:nvPr>
+        </p:nvGraphicFramePr>
+        <p:xfrm>
+          <a:off x="5388981" y="4852242"/>
+          <a:ext cx="6506693" cy="1854200"/>
+        </p:xfrm>
+        <a:graphic>
+          <a:graphicData uri="http://schemas.openxmlformats.org/drawingml/2006/table">
+            <a:tbl>
+              <a:tblPr firstRow="1" bandRow="1">
+                <a:tableStyleId>{073A0DAA-6AF3-43AB-8588-CEC1D06C72B9}</a:tableStyleId>
+              </a:tblPr>
+              <a:tblGrid>
+                <a:gridCol w="1625600">
+                  <a:extLst>
+                    <a:ext uri="{9D8B030D-6E8A-4147-A177-3AD203B41FA5}">
+                      <a16:colId xmlns:a16="http://schemas.microsoft.com/office/drawing/2014/main" val="20000"/>
+                    </a:ext>
+                  </a:extLst>
+                </a:gridCol>
+                <a:gridCol w="2099256">
+                  <a:extLst>
+                    <a:ext uri="{9D8B030D-6E8A-4147-A177-3AD203B41FA5}">
+                      <a16:colId xmlns:a16="http://schemas.microsoft.com/office/drawing/2014/main" val="20001"/>
+                    </a:ext>
+                  </a:extLst>
+                </a:gridCol>
+                <a:gridCol w="1609859">
+                  <a:extLst>
+                    <a:ext uri="{9D8B030D-6E8A-4147-A177-3AD203B41FA5}">
+                      <a16:colId xmlns:a16="http://schemas.microsoft.com/office/drawing/2014/main" val="20002"/>
+                    </a:ext>
+                  </a:extLst>
+                </a:gridCol>
+                <a:gridCol w="1171978">
+                  <a:extLst>
+                    <a:ext uri="{9D8B030D-6E8A-4147-A177-3AD203B41FA5}">
+                      <a16:colId xmlns:a16="http://schemas.microsoft.com/office/drawing/2014/main" val="20003"/>
+                    </a:ext>
+                  </a:extLst>
+                </a:gridCol>
+              </a:tblGrid>
+              <a:tr h="370840">
+                <a:tc>
+                  <a:txBody>
+                    <a:bodyPr/>
+                    <a:lstStyle/>
+                    <a:p>
+                      <a:r>
+                        <a:rPr lang="es-AR" dirty="0"/>
+                        <a:t>Variable</a:t>
+                      </a:r>
+                    </a:p>
+                  </a:txBody>
+                  <a:tcPr/>
+                </a:tc>
+                <a:tc>
+                  <a:txBody>
+                    <a:bodyPr/>
+                    <a:lstStyle/>
+                    <a:p>
+                      <a:r>
+                        <a:rPr lang="es-AR" dirty="0"/>
+                        <a:t>Tamaño</a:t>
+                      </a:r>
+                    </a:p>
+                  </a:txBody>
+                  <a:tcPr/>
+                </a:tc>
+                <a:tc>
+                  <a:txBody>
+                    <a:bodyPr/>
+                    <a:lstStyle/>
+                    <a:p>
+                      <a:r>
+                        <a:rPr lang="es-AR" dirty="0"/>
+                        <a:t>Parámetro</a:t>
+                      </a:r>
+                    </a:p>
+                  </a:txBody>
+                  <a:tcPr/>
+                </a:tc>
+                <a:tc>
+                  <a:txBody>
+                    <a:bodyPr/>
+                    <a:lstStyle/>
+                    <a:p>
+                      <a:r>
+                        <a:rPr lang="es-AR" dirty="0"/>
+                        <a:t>Tamaño</a:t>
+                      </a:r>
+                    </a:p>
+                  </a:txBody>
+                  <a:tcPr/>
+                </a:tc>
+                <a:extLst>
+                  <a:ext uri="{0D108BD9-81ED-4DB2-BD59-A6C34878D82A}">
+                    <a16:rowId xmlns:a16="http://schemas.microsoft.com/office/drawing/2014/main" val="10000"/>
+                  </a:ext>
+                </a:extLst>
+              </a:tr>
+              <a:tr h="370840">
+                <a:tc>
+                  <a:txBody>
+                    <a:bodyPr/>
+                    <a:lstStyle/>
+                    <a:p>
+                      <a:r>
+                        <a:rPr lang="es-AR" dirty="0"/>
+                        <a:t>x</a:t>
+                      </a:r>
+                    </a:p>
+                  </a:txBody>
+                  <a:tcPr/>
+                </a:tc>
+                <a:tc>
+                  <a:txBody>
+                    <a:bodyPr/>
+                    <a:lstStyle/>
+                    <a:p>
+                      <a:endParaRPr lang="es-AR" dirty="0"/>
+                    </a:p>
+                  </a:txBody>
+                  <a:tcPr/>
+                </a:tc>
+                <a:tc>
+                  <a:txBody>
+                    <a:bodyPr/>
+                    <a:lstStyle/>
+                    <a:p>
+                      <a:r>
+                        <a:rPr lang="es-AR" dirty="0" err="1"/>
+                        <a:t>Wih</a:t>
+                      </a:r>
+                      <a:endParaRPr lang="es-AR" dirty="0"/>
+                    </a:p>
+                  </a:txBody>
+                  <a:tcPr/>
+                </a:tc>
+                <a:tc>
+                  <a:txBody>
+                    <a:bodyPr/>
+                    <a:lstStyle/>
+                    <a:p>
+                      <a:endParaRPr lang="es-AR" dirty="0"/>
+                    </a:p>
+                  </a:txBody>
+                  <a:tcPr/>
+                </a:tc>
+                <a:extLst>
+                  <a:ext uri="{0D108BD9-81ED-4DB2-BD59-A6C34878D82A}">
+                    <a16:rowId xmlns:a16="http://schemas.microsoft.com/office/drawing/2014/main" val="10001"/>
+                  </a:ext>
+                </a:extLst>
+              </a:tr>
+              <a:tr h="370840">
+                <a:tc>
+                  <a:txBody>
+                    <a:bodyPr/>
+                    <a:lstStyle/>
+                    <a:p>
+                      <a:r>
+                        <a:rPr lang="es-AR" dirty="0"/>
+                        <a:t>h</a:t>
+                      </a:r>
+                    </a:p>
+                  </a:txBody>
+                  <a:tcPr/>
+                </a:tc>
+                <a:tc>
+                  <a:txBody>
+                    <a:bodyPr/>
+                    <a:lstStyle/>
+                    <a:p>
+                      <a:endParaRPr lang="es-AR" dirty="0"/>
+                    </a:p>
+                  </a:txBody>
+                  <a:tcPr/>
+                </a:tc>
+                <a:tc>
+                  <a:txBody>
+                    <a:bodyPr/>
+                    <a:lstStyle/>
+                    <a:p>
+                      <a:r>
+                        <a:rPr lang="es-AR" dirty="0" err="1"/>
+                        <a:t>Bih</a:t>
+                      </a:r>
+                      <a:endParaRPr lang="es-AR" dirty="0"/>
+                    </a:p>
+                  </a:txBody>
+                  <a:tcPr/>
+                </a:tc>
+                <a:tc>
+                  <a:txBody>
+                    <a:bodyPr/>
+                    <a:lstStyle/>
+                    <a:p>
+                      <a:endParaRPr lang="es-AR" dirty="0"/>
+                    </a:p>
+                  </a:txBody>
+                  <a:tcPr/>
+                </a:tc>
+                <a:extLst>
+                  <a:ext uri="{0D108BD9-81ED-4DB2-BD59-A6C34878D82A}">
+                    <a16:rowId xmlns:a16="http://schemas.microsoft.com/office/drawing/2014/main" val="10002"/>
+                  </a:ext>
+                </a:extLst>
+              </a:tr>
+              <a:tr h="370840">
+                <a:tc>
+                  <a:txBody>
+                    <a:bodyPr/>
+                    <a:lstStyle/>
+                    <a:p>
+                      <a:endParaRPr lang="es-AR" dirty="0"/>
+                    </a:p>
+                  </a:txBody>
+                  <a:tcPr/>
+                </a:tc>
+                <a:tc>
+                  <a:txBody>
+                    <a:bodyPr/>
+                    <a:lstStyle/>
+                    <a:p>
+                      <a:endParaRPr lang="es-AR" dirty="0"/>
+                    </a:p>
+                  </a:txBody>
+                  <a:tcPr/>
+                </a:tc>
+                <a:tc>
+                  <a:txBody>
+                    <a:bodyPr/>
+                    <a:lstStyle/>
+                    <a:p>
+                      <a:r>
+                        <a:rPr lang="es-AR" dirty="0" err="1"/>
+                        <a:t>Whh</a:t>
+                      </a:r>
+                      <a:endParaRPr lang="es-AR" dirty="0"/>
+                    </a:p>
+                  </a:txBody>
+                  <a:tcPr/>
+                </a:tc>
+                <a:tc>
+                  <a:txBody>
+                    <a:bodyPr/>
+                    <a:lstStyle/>
+                    <a:p>
+                      <a:endParaRPr lang="es-AR" dirty="0"/>
+                    </a:p>
+                  </a:txBody>
+                  <a:tcPr/>
+                </a:tc>
+                <a:extLst>
+                  <a:ext uri="{0D108BD9-81ED-4DB2-BD59-A6C34878D82A}">
+                    <a16:rowId xmlns:a16="http://schemas.microsoft.com/office/drawing/2014/main" val="10003"/>
                   </a:ext>
                 </a:extLst>
               </a:tr>
@@ -17267,6 +17832,20 @@
                     <a:bodyPr/>
                     <a:lstStyle/>
                     <a:p>
+                      <a:endParaRPr lang="es-AR"/>
+                    </a:p>
+                  </a:txBody>
+                  <a:tcPr/>
+                </a:tc>
+                <a:tc>
+                  <a:txBody>
+                    <a:bodyPr/>
+                    <a:lstStyle/>
+                    <a:p>
+                      <a:r>
+                        <a:rPr lang="es-AR" dirty="0" err="1"/>
+                        <a:t>bhh</a:t>
+                      </a:r>
                       <a:endParaRPr lang="es-AR" dirty="0"/>
                     </a:p>
                   </a:txBody>
@@ -17277,16 +17856,23 @@
                     <a:bodyPr/>
                     <a:lstStyle/>
                     <a:p>
-                      <a:endParaRPr lang="es-AR"/>
-                    </a:p>
-                  </a:txBody>
-                  <a:tcPr/>
-                </a:tc>
-                <a:tc>
-                  <a:txBody>
-                    <a:bodyPr/>
-                    <a:lstStyle/>
-                    <a:p>
+                      <a:pPr marL="0" marR="0" indent="0" algn="l" defTabSz="914400" rtl="0" eaLnBrk="1" fontAlgn="auto" latinLnBrk="0" hangingPunct="1">
+                        <a:lnSpc>
+                          <a:spcPct val="100000"/>
+                        </a:lnSpc>
+                        <a:spcBef>
+                          <a:spcPts val="0"/>
+                        </a:spcBef>
+                        <a:spcAft>
+                          <a:spcPts val="0"/>
+                        </a:spcAft>
+                        <a:buClrTx/>
+                        <a:buSzTx/>
+                        <a:buFontTx/>
+                        <a:buNone/>
+                        <a:tabLst/>
+                        <a:defRPr/>
+                      </a:pPr>
                       <a:endParaRPr lang="es-AR" dirty="0"/>
                     </a:p>
                   </a:txBody>
@@ -17294,7 +17880,7 @@
                 </a:tc>
                 <a:extLst>
                   <a:ext uri="{0D108BD9-81ED-4DB2-BD59-A6C34878D82A}">
-                    <a16:rowId xmlns:a16="http://schemas.microsoft.com/office/drawing/2014/main" val="10006"/>
+                    <a16:rowId xmlns:a16="http://schemas.microsoft.com/office/drawing/2014/main" val="10004"/>
                   </a:ext>
                 </a:extLst>
               </a:tr>
@@ -17302,30 +17888,126 @@
           </a:graphicData>
         </a:graphic>
       </p:graphicFrame>
-      <p:pic>
-        <p:nvPicPr>
-          <p:cNvPr id="2" name="Picture 1"/>
-          <p:cNvPicPr>
-            <a:picLocks noChangeAspect="1"/>
-          </p:cNvPicPr>
+      <p:sp>
+        <p:nvSpPr>
+          <p:cNvPr id="8" name="CuadroTexto 7">
+            <a:extLst>
+              <a:ext uri="{FF2B5EF4-FFF2-40B4-BE49-F238E27FC236}">
+                <a16:creationId xmlns:a16="http://schemas.microsoft.com/office/drawing/2014/main" id="{F31BFDB1-F050-AF4F-85A0-205626F010F4}"/>
+              </a:ext>
+            </a:extLst>
+          </p:cNvPr>
+          <p:cNvSpPr txBox="1"/>
           <p:nvPr/>
-        </p:nvPicPr>
-        <p:blipFill>
-          <a:blip r:embed="rId3"/>
-          <a:stretch>
-            <a:fillRect/>
-          </a:stretch>
-        </p:blipFill>
+        </p:nvSpPr>
         <p:spPr>
-          <a:xfrm rot="16200000">
-            <a:off x="-840242" y="2321067"/>
-            <a:ext cx="5269730" cy="2996597"/>
+          <a:xfrm>
+            <a:off x="4010753" y="1725071"/>
+            <a:ext cx="1378226" cy="369332"/>
           </a:xfrm>
           <a:prstGeom prst="rect">
             <a:avLst/>
           </a:prstGeom>
+          <a:noFill/>
         </p:spPr>
-      </p:pic>
+        <p:txBody>
+          <a:bodyPr wrap="square">
+            <a:spAutoFit/>
+          </a:bodyPr>
+          <a:lstStyle/>
+          <a:p>
+            <a:r>
+              <a:rPr lang="es-AR" b="1" dirty="0">
+                <a:solidFill>
+                  <a:srgbClr val="FF0000"/>
+                </a:solidFill>
+              </a:rPr>
+              <a:t>Ejemplo A</a:t>
+            </a:r>
+            <a:endParaRPr lang="es-AR" dirty="0"/>
+          </a:p>
+        </p:txBody>
+      </p:sp>
+      <p:sp>
+        <p:nvSpPr>
+          <p:cNvPr id="9" name="CuadroTexto 8">
+            <a:extLst>
+              <a:ext uri="{FF2B5EF4-FFF2-40B4-BE49-F238E27FC236}">
+                <a16:creationId xmlns:a16="http://schemas.microsoft.com/office/drawing/2014/main" id="{FEAB3425-1781-1444-0C6A-C416A5C642C6}"/>
+              </a:ext>
+            </a:extLst>
+          </p:cNvPr>
+          <p:cNvSpPr txBox="1"/>
+          <p:nvPr/>
+        </p:nvSpPr>
+        <p:spPr>
+          <a:xfrm>
+            <a:off x="4010753" y="3808876"/>
+            <a:ext cx="1378226" cy="369332"/>
+          </a:xfrm>
+          <a:prstGeom prst="rect">
+            <a:avLst/>
+          </a:prstGeom>
+          <a:noFill/>
+        </p:spPr>
+        <p:txBody>
+          <a:bodyPr wrap="square">
+            <a:spAutoFit/>
+          </a:bodyPr>
+          <a:lstStyle/>
+          <a:p>
+            <a:r>
+              <a:rPr lang="es-AR" b="1" dirty="0">
+                <a:solidFill>
+                  <a:srgbClr val="FF0000"/>
+                </a:solidFill>
+              </a:rPr>
+              <a:t>Ejemplo B</a:t>
+            </a:r>
+            <a:endParaRPr lang="es-AR" dirty="0"/>
+          </a:p>
+        </p:txBody>
+      </p:sp>
+      <p:sp>
+        <p:nvSpPr>
+          <p:cNvPr id="10" name="CuadroTexto 9">
+            <a:extLst>
+              <a:ext uri="{FF2B5EF4-FFF2-40B4-BE49-F238E27FC236}">
+                <a16:creationId xmlns:a16="http://schemas.microsoft.com/office/drawing/2014/main" id="{91695AE5-52BD-ADF5-EA16-EDE1BFA98EF6}"/>
+              </a:ext>
+            </a:extLst>
+          </p:cNvPr>
+          <p:cNvSpPr txBox="1"/>
+          <p:nvPr/>
+        </p:nvSpPr>
+        <p:spPr>
+          <a:xfrm>
+            <a:off x="4010753" y="5644223"/>
+            <a:ext cx="1378226" cy="369332"/>
+          </a:xfrm>
+          <a:prstGeom prst="rect">
+            <a:avLst/>
+          </a:prstGeom>
+          <a:noFill/>
+        </p:spPr>
+        <p:txBody>
+          <a:bodyPr wrap="square">
+            <a:spAutoFit/>
+          </a:bodyPr>
+          <a:lstStyle/>
+          <a:p>
+            <a:r>
+              <a:rPr lang="es-AR" b="1">
+                <a:solidFill>
+                  <a:srgbClr val="FF0000"/>
+                </a:solidFill>
+              </a:rPr>
+              <a:t>Ejemplo C</a:t>
+            </a:r>
+            <a:endParaRPr lang="es-AR" dirty="0"/>
+          </a:p>
+        </p:txBody>
+      </p:sp>
     </p:spTree>
     <p:extLst>
       <p:ext uri="{BB962C8B-B14F-4D97-AF65-F5344CB8AC3E}">
@@ -22988,7 +23670,7 @@
                 </a:solidFill>
                 <a:sym typeface="Wingdings" panose="05000000000000000000" pitchFamily="2" charset="2"/>
               </a:rPr>
-              <a:t>y_hat</a:t>
+              <a:t>y_deseado</a:t>
             </a:r>
             <a:r>
               <a:rPr lang="es-AR" sz="2000" dirty="0">
@@ -24343,420 +25025,8 @@
           </a:p>
         </p:txBody>
       </p:sp>
-      <mc:AlternateContent xmlns:mc="http://schemas.openxmlformats.org/markup-compatibility/2006">
-        <mc:Choice xmlns:a14="http://schemas.microsoft.com/office/drawing/2010/main" Requires="a14">
-          <p:sp>
-            <p:nvSpPr>
-              <p:cNvPr id="7" name="TextBox 6"/>
-              <p:cNvSpPr txBox="1"/>
-              <p:nvPr/>
-            </p:nvSpPr>
-            <p:spPr>
-              <a:xfrm>
-                <a:off x="74310" y="6286202"/>
-                <a:ext cx="3622915" cy="399084"/>
-              </a:xfrm>
-              <a:prstGeom prst="rect">
-                <a:avLst/>
-              </a:prstGeom>
-              <a:solidFill>
-                <a:schemeClr val="tx1"/>
-              </a:solidFill>
-            </p:spPr>
-            <p:txBody>
-              <a:bodyPr wrap="none" lIns="0" tIns="0" rIns="0" bIns="0" rtlCol="0">
-                <a:spAutoFit/>
-              </a:bodyPr>
-              <a:lstStyle/>
-              <a:p>
-                <a:pPr/>
-                <a14:m>
-                  <m:oMathPara xmlns:m="http://schemas.openxmlformats.org/officeDocument/2006/math">
-                    <m:oMathParaPr>
-                      <m:jc m:val="centerGroup"/>
-                    </m:oMathParaPr>
-                    <m:oMath xmlns:m="http://schemas.openxmlformats.org/officeDocument/2006/math">
-                      <m:sSub>
-                        <m:sSubPr>
-                          <m:ctrlPr>
-                            <a:rPr lang="es-AR" sz="2400" b="0" i="1" smtClean="0">
-                              <a:solidFill>
-                                <a:schemeClr val="bg1"/>
-                              </a:solidFill>
-                              <a:latin typeface="Cambria Math" panose="02040503050406030204" pitchFamily="18" charset="0"/>
-                            </a:rPr>
-                          </m:ctrlPr>
-                        </m:sSubPr>
-                        <m:e>
-                          <m:r>
-                            <a:rPr lang="es-AR" sz="2400" i="1">
-                              <a:solidFill>
-                                <a:schemeClr val="bg1"/>
-                              </a:solidFill>
-                              <a:latin typeface="Cambria Math" panose="02040503050406030204" pitchFamily="18" charset="0"/>
-                            </a:rPr>
-                            <m:t>𝑎𝑡𝑡</m:t>
-                          </m:r>
-                          <m:r>
-                            <a:rPr lang="es-AR" sz="2400" i="1">
-                              <a:solidFill>
-                                <a:schemeClr val="bg1"/>
-                              </a:solidFill>
-                              <a:latin typeface="Cambria Math" panose="02040503050406030204" pitchFamily="18" charset="0"/>
-                            </a:rPr>
-                            <m:t>_</m:t>
-                          </m:r>
-                          <m:r>
-                            <a:rPr lang="es-AR" sz="2400" i="1">
-                              <a:solidFill>
-                                <a:schemeClr val="bg1"/>
-                              </a:solidFill>
-                              <a:latin typeface="Cambria Math" panose="02040503050406030204" pitchFamily="18" charset="0"/>
-                            </a:rPr>
-                            <m:t>𝑠𝑐𝑜𝑟𝑒</m:t>
-                          </m:r>
-                        </m:e>
-                        <m:sub>
-                          <m:r>
-                            <a:rPr lang="es-AR" sz="2400" b="0" i="1" smtClean="0">
-                              <a:solidFill>
-                                <a:schemeClr val="bg1"/>
-                              </a:solidFill>
-                              <a:latin typeface="Cambria Math" panose="02040503050406030204" pitchFamily="18" charset="0"/>
-                            </a:rPr>
-                            <m:t>𝑗</m:t>
-                          </m:r>
-                        </m:sub>
-                      </m:sSub>
-                      <m:r>
-                        <a:rPr lang="es-AR" sz="2400" b="0" i="1" smtClean="0">
-                          <a:solidFill>
-                            <a:schemeClr val="bg1"/>
-                          </a:solidFill>
-                          <a:latin typeface="Cambria Math" panose="02040503050406030204" pitchFamily="18" charset="0"/>
-                        </a:rPr>
-                        <m:t>=</m:t>
-                      </m:r>
-                      <m:r>
-                        <m:rPr>
-                          <m:sty m:val="p"/>
-                        </m:rPr>
-                        <a:rPr lang="es-AR" sz="2400" b="0" i="0" smtClean="0">
-                          <a:solidFill>
-                            <a:schemeClr val="bg1"/>
-                          </a:solidFill>
-                          <a:latin typeface="Cambria Math" panose="02040503050406030204" pitchFamily="18" charset="0"/>
-                        </a:rPr>
-                        <m:t>dot</m:t>
-                      </m:r>
-                      <m:r>
-                        <a:rPr lang="es-AR" sz="2400" b="0" i="0" smtClean="0">
-                          <a:solidFill>
-                            <a:schemeClr val="bg1"/>
-                          </a:solidFill>
-                          <a:latin typeface="Cambria Math" panose="02040503050406030204" pitchFamily="18" charset="0"/>
-                        </a:rPr>
-                        <m:t>(</m:t>
-                      </m:r>
-                      <m:sSub>
-                        <m:sSubPr>
-                          <m:ctrlPr>
-                            <a:rPr lang="es-AR" sz="2400" b="0" i="1" smtClean="0">
-                              <a:solidFill>
-                                <a:schemeClr val="bg1"/>
-                              </a:solidFill>
-                              <a:latin typeface="Cambria Math" panose="02040503050406030204" pitchFamily="18" charset="0"/>
-                            </a:rPr>
-                          </m:ctrlPr>
-                        </m:sSubPr>
-                        <m:e>
-                          <m:r>
-                            <a:rPr lang="es-AR" sz="2400" b="0" i="1" smtClean="0">
-                              <a:solidFill>
-                                <a:schemeClr val="bg1"/>
-                              </a:solidFill>
-                              <a:latin typeface="Cambria Math" panose="02040503050406030204" pitchFamily="18" charset="0"/>
-                            </a:rPr>
-                            <m:t>𝑧</m:t>
-                          </m:r>
-                        </m:e>
-                        <m:sub>
-                          <m:r>
-                            <a:rPr lang="es-AR" sz="2400" b="0" i="1" smtClean="0">
-                              <a:solidFill>
-                                <a:schemeClr val="bg1"/>
-                              </a:solidFill>
-                              <a:latin typeface="Cambria Math" panose="02040503050406030204" pitchFamily="18" charset="0"/>
-                            </a:rPr>
-                            <m:t>𝑡</m:t>
-                          </m:r>
-                          <m:r>
-                            <a:rPr lang="es-AR" sz="2400" b="0" i="1" smtClean="0">
-                              <a:solidFill>
-                                <a:schemeClr val="bg1"/>
-                              </a:solidFill>
-                              <a:latin typeface="Cambria Math" panose="02040503050406030204" pitchFamily="18" charset="0"/>
-                            </a:rPr>
-                            <m:t>−1</m:t>
-                          </m:r>
-                        </m:sub>
-                      </m:sSub>
-                      <m:r>
-                        <a:rPr lang="es-AR" sz="2400" b="0" i="1" smtClean="0">
-                          <a:solidFill>
-                            <a:schemeClr val="bg1"/>
-                          </a:solidFill>
-                          <a:latin typeface="Cambria Math" panose="02040503050406030204" pitchFamily="18" charset="0"/>
-                        </a:rPr>
-                        <m:t>,</m:t>
-                      </m:r>
-                      <m:r>
-                        <a:rPr lang="es-AR" sz="2400" i="1" smtClean="0">
-                          <a:solidFill>
-                            <a:schemeClr val="bg1"/>
-                          </a:solidFill>
-                          <a:latin typeface="Cambria Math" panose="02040503050406030204" pitchFamily="18" charset="0"/>
-                        </a:rPr>
-                        <m:t> </m:t>
-                      </m:r>
-                      <m:sSub>
-                        <m:sSubPr>
-                          <m:ctrlPr>
-                            <a:rPr lang="es-AR" sz="2400" b="0" i="1" smtClean="0">
-                              <a:solidFill>
-                                <a:schemeClr val="bg1"/>
-                              </a:solidFill>
-                              <a:latin typeface="Cambria Math" panose="02040503050406030204" pitchFamily="18" charset="0"/>
-                            </a:rPr>
-                          </m:ctrlPr>
-                        </m:sSubPr>
-                        <m:e>
-                          <m:r>
-                            <a:rPr lang="es-AR" sz="2400" b="0" i="1" smtClean="0">
-                              <a:solidFill>
-                                <a:schemeClr val="bg1"/>
-                              </a:solidFill>
-                              <a:latin typeface="Cambria Math" panose="02040503050406030204" pitchFamily="18" charset="0"/>
-                            </a:rPr>
-                            <m:t>h</m:t>
-                          </m:r>
-                        </m:e>
-                        <m:sub>
-                          <m:r>
-                            <a:rPr lang="es-AR" sz="2400" b="0" i="1" smtClean="0">
-                              <a:solidFill>
-                                <a:schemeClr val="bg1"/>
-                              </a:solidFill>
-                              <a:latin typeface="Cambria Math" panose="02040503050406030204" pitchFamily="18" charset="0"/>
-                            </a:rPr>
-                            <m:t>𝑗</m:t>
-                          </m:r>
-                        </m:sub>
-                      </m:sSub>
-                      <m:r>
-                        <a:rPr lang="es-AR" sz="2400" b="0" i="1" smtClean="0">
-                          <a:solidFill>
-                            <a:schemeClr val="bg1"/>
-                          </a:solidFill>
-                          <a:latin typeface="Cambria Math" panose="02040503050406030204" pitchFamily="18" charset="0"/>
-                        </a:rPr>
-                        <m:t>)</m:t>
-                      </m:r>
-                    </m:oMath>
-                  </m:oMathPara>
-                </a14:m>
-                <a:endParaRPr lang="es-AR" sz="2400" dirty="0">
-                  <a:solidFill>
-                    <a:schemeClr val="bg1"/>
-                  </a:solidFill>
-                </a:endParaRPr>
-              </a:p>
-            </p:txBody>
-          </p:sp>
-        </mc:Choice>
-        <mc:Fallback>
-          <p:sp>
-            <p:nvSpPr>
-              <p:cNvPr id="7" name="TextBox 6"/>
-              <p:cNvSpPr txBox="1">
-                <a:spLocks noRot="1" noChangeAspect="1" noMove="1" noResize="1" noEditPoints="1" noAdjustHandles="1" noChangeArrowheads="1" noChangeShapeType="1" noTextEdit="1"/>
-              </p:cNvSpPr>
-              <p:nvPr/>
-            </p:nvSpPr>
-            <p:spPr>
-              <a:xfrm>
-                <a:off x="74310" y="6286202"/>
-                <a:ext cx="3622915" cy="399084"/>
-              </a:xfrm>
-              <a:prstGeom prst="rect">
-                <a:avLst/>
-              </a:prstGeom>
-              <a:blipFill>
-                <a:blip r:embed="rId3"/>
-                <a:stretch>
-                  <a:fillRect r="-840" b="-25758"/>
-                </a:stretch>
-              </a:blipFill>
-            </p:spPr>
-            <p:txBody>
-              <a:bodyPr/>
-              <a:lstStyle/>
-              <a:p>
-                <a:r>
-                  <a:rPr lang="es-AR">
-                    <a:noFill/>
-                  </a:rPr>
-                  <a:t> </a:t>
-                </a:r>
-              </a:p>
-            </p:txBody>
-          </p:sp>
-        </mc:Fallback>
-      </mc:AlternateContent>
-      <mc:AlternateContent xmlns:mc="http://schemas.openxmlformats.org/markup-compatibility/2006">
-        <mc:Choice xmlns:a14="http://schemas.microsoft.com/office/drawing/2010/main" Requires="a14">
-          <p:sp>
-            <p:nvSpPr>
-              <p:cNvPr id="15" name="CuadroTexto 14">
-                <a:extLst>
-                  <a:ext uri="{FF2B5EF4-FFF2-40B4-BE49-F238E27FC236}">
-                    <a16:creationId xmlns:a16="http://schemas.microsoft.com/office/drawing/2014/main" id="{730075FE-A65D-7B74-7F71-3F241D233639}"/>
-                  </a:ext>
-                </a:extLst>
-              </p:cNvPr>
-              <p:cNvSpPr txBox="1"/>
-              <p:nvPr/>
-            </p:nvSpPr>
-            <p:spPr>
-              <a:xfrm>
-                <a:off x="325324" y="3090378"/>
-                <a:ext cx="1560444" cy="391646"/>
-              </a:xfrm>
-              <a:prstGeom prst="rect">
-                <a:avLst/>
-              </a:prstGeom>
-              <a:noFill/>
-            </p:spPr>
-            <p:txBody>
-              <a:bodyPr wrap="square">
-                <a:spAutoFit/>
-              </a:bodyPr>
-              <a:lstStyle/>
-              <a:p>
-                <a:pPr/>
-                <a14:m>
-                  <m:oMathPara xmlns:m="http://schemas.openxmlformats.org/officeDocument/2006/math">
-                    <m:oMathParaPr>
-                      <m:jc m:val="centerGroup"/>
-                    </m:oMathParaPr>
-                    <m:oMath xmlns:m="http://schemas.openxmlformats.org/officeDocument/2006/math">
-                      <m:sSub>
-                        <m:sSubPr>
-                          <m:ctrlPr>
-                            <a:rPr lang="es-AR" sz="1800" b="0" i="1" smtClean="0">
-                              <a:solidFill>
-                                <a:schemeClr val="bg1"/>
-                              </a:solidFill>
-                              <a:latin typeface="Cambria Math" panose="02040503050406030204" pitchFamily="18" charset="0"/>
-                            </a:rPr>
-                          </m:ctrlPr>
-                        </m:sSubPr>
-                        <m:e>
-                          <m:r>
-                            <a:rPr lang="es-AR" sz="1800" i="1">
-                              <a:solidFill>
-                                <a:schemeClr val="bg1"/>
-                              </a:solidFill>
-                              <a:latin typeface="Cambria Math" panose="02040503050406030204" pitchFamily="18" charset="0"/>
-                            </a:rPr>
-                            <m:t>𝑎𝑡𝑡</m:t>
-                          </m:r>
-                          <m:r>
-                            <a:rPr lang="es-AR" sz="1800" i="1">
-                              <a:solidFill>
-                                <a:schemeClr val="bg1"/>
-                              </a:solidFill>
-                              <a:latin typeface="Cambria Math" panose="02040503050406030204" pitchFamily="18" charset="0"/>
-                            </a:rPr>
-                            <m:t>_</m:t>
-                          </m:r>
-                          <m:r>
-                            <a:rPr lang="es-AR" sz="1800" i="1">
-                              <a:solidFill>
-                                <a:schemeClr val="bg1"/>
-                              </a:solidFill>
-                              <a:latin typeface="Cambria Math" panose="02040503050406030204" pitchFamily="18" charset="0"/>
-                            </a:rPr>
-                            <m:t>𝑠𝑐𝑜𝑟𝑒</m:t>
-                          </m:r>
-                        </m:e>
-                        <m:sub>
-                          <m:r>
-                            <a:rPr lang="es-AR" sz="1800" b="0" i="1" smtClean="0">
-                              <a:solidFill>
-                                <a:schemeClr val="bg1"/>
-                              </a:solidFill>
-                              <a:latin typeface="Cambria Math" panose="02040503050406030204" pitchFamily="18" charset="0"/>
-                            </a:rPr>
-                            <m:t>𝑗</m:t>
-                          </m:r>
-                        </m:sub>
-                      </m:sSub>
-                    </m:oMath>
-                  </m:oMathPara>
-                </a14:m>
-                <a:endParaRPr lang="es-AR" dirty="0"/>
-              </a:p>
-            </p:txBody>
-          </p:sp>
-        </mc:Choice>
-        <mc:Fallback>
-          <p:sp>
-            <p:nvSpPr>
-              <p:cNvPr id="15" name="CuadroTexto 14">
-                <a:extLst>
-                  <a:ext uri="{FF2B5EF4-FFF2-40B4-BE49-F238E27FC236}">
-                    <a16:creationId xmlns:a16="http://schemas.microsoft.com/office/drawing/2014/main" id="{730075FE-A65D-7B74-7F71-3F241D233639}"/>
-                  </a:ext>
-                </a:extLst>
-              </p:cNvPr>
-              <p:cNvSpPr txBox="1">
-                <a:spLocks noRot="1" noChangeAspect="1" noMove="1" noResize="1" noEditPoints="1" noAdjustHandles="1" noChangeArrowheads="1" noChangeShapeType="1" noTextEdit="1"/>
-              </p:cNvSpPr>
-              <p:nvPr/>
-            </p:nvSpPr>
-            <p:spPr>
-              <a:xfrm>
-                <a:off x="325324" y="3090378"/>
-                <a:ext cx="1560444" cy="391646"/>
-              </a:xfrm>
-              <a:prstGeom prst="rect">
-                <a:avLst/>
-              </a:prstGeom>
-              <a:blipFill>
-                <a:blip r:embed="rId4"/>
-                <a:stretch>
-                  <a:fillRect b="-7813"/>
-                </a:stretch>
-              </a:blipFill>
-            </p:spPr>
-            <p:txBody>
-              <a:bodyPr/>
-              <a:lstStyle/>
-              <a:p>
-                <a:r>
-                  <a:rPr lang="es-AR">
-                    <a:noFill/>
-                  </a:rPr>
-                  <a:t> </a:t>
-                </a:r>
-              </a:p>
-            </p:txBody>
-          </p:sp>
-        </mc:Fallback>
-      </mc:AlternateContent>
-      <mc:AlternateContent xmlns:mc="http://schemas.openxmlformats.org/markup-compatibility/2006">
-        <mc:Choice xmlns:a14="http://schemas.microsoft.com/office/drawing/2010/main" Requires="a14">
+      <mc:AlternateContent xmlns:mc="http://schemas.openxmlformats.org/markup-compatibility/2006" xmlns:a14="http://schemas.microsoft.com/office/drawing/2010/main">
+        <mc:Choice Requires="a14">
           <p:sp>
             <p:nvSpPr>
               <p:cNvPr id="17" name="CuadroTexto 16">
@@ -24843,7 +25113,7 @@
             </p:txBody>
           </p:sp>
         </mc:Choice>
-        <mc:Fallback>
+        <mc:Fallback xmlns="">
           <p:sp>
             <p:nvSpPr>
               <p:cNvPr id="17" name="CuadroTexto 16">
@@ -25118,6 +25388,457 @@
           </a:p>
         </p:txBody>
       </p:sp>
+      <mc:AlternateContent xmlns:mc="http://schemas.openxmlformats.org/markup-compatibility/2006" xmlns:a14="http://schemas.microsoft.com/office/drawing/2010/main">
+        <mc:Choice Requires="a14">
+          <p:sp>
+            <p:nvSpPr>
+              <p:cNvPr id="3" name="CuadroTexto 2">
+                <a:extLst>
+                  <a:ext uri="{FF2B5EF4-FFF2-40B4-BE49-F238E27FC236}">
+                    <a16:creationId xmlns:a16="http://schemas.microsoft.com/office/drawing/2014/main" id="{EAEDAC00-BDB9-3D0E-313F-A0F6EE49ECEB}"/>
+                  </a:ext>
+                </a:extLst>
+              </p:cNvPr>
+              <p:cNvSpPr txBox="1"/>
+              <p:nvPr/>
+            </p:nvSpPr>
+            <p:spPr>
+              <a:xfrm>
+                <a:off x="82629" y="3316211"/>
+                <a:ext cx="1560444" cy="424796"/>
+              </a:xfrm>
+              <a:prstGeom prst="rect">
+                <a:avLst/>
+              </a:prstGeom>
+              <a:noFill/>
+            </p:spPr>
+            <p:txBody>
+              <a:bodyPr wrap="square">
+                <a:spAutoFit/>
+              </a:bodyPr>
+              <a:lstStyle/>
+              <a:p>
+                <a:pPr/>
+                <a14:m>
+                  <m:oMathPara xmlns:m="http://schemas.openxmlformats.org/officeDocument/2006/math">
+                    <m:oMathParaPr>
+                      <m:jc m:val="centerGroup"/>
+                    </m:oMathParaPr>
+                    <m:oMath xmlns:m="http://schemas.openxmlformats.org/officeDocument/2006/math">
+                      <m:sSub>
+                        <m:sSubPr>
+                          <m:ctrlPr>
+                            <a:rPr lang="es-AR" sz="2000" b="0" i="1" smtClean="0">
+                              <a:solidFill>
+                                <a:schemeClr val="bg1"/>
+                              </a:solidFill>
+                              <a:latin typeface="Cambria Math" panose="02040503050406030204" pitchFamily="18" charset="0"/>
+                            </a:rPr>
+                          </m:ctrlPr>
+                        </m:sSubPr>
+                        <m:e>
+                          <m:r>
+                            <a:rPr lang="es-AR" sz="2000" i="1">
+                              <a:solidFill>
+                                <a:schemeClr val="bg1"/>
+                              </a:solidFill>
+                              <a:latin typeface="Cambria Math" panose="02040503050406030204" pitchFamily="18" charset="0"/>
+                            </a:rPr>
+                            <m:t>𝑎𝑡𝑡</m:t>
+                          </m:r>
+                          <m:r>
+                            <a:rPr lang="es-AR" sz="2000" i="1">
+                              <a:solidFill>
+                                <a:schemeClr val="bg1"/>
+                              </a:solidFill>
+                              <a:latin typeface="Cambria Math" panose="02040503050406030204" pitchFamily="18" charset="0"/>
+                            </a:rPr>
+                            <m:t>_</m:t>
+                          </m:r>
+                          <m:r>
+                            <a:rPr lang="es-AR" sz="2000" i="1">
+                              <a:solidFill>
+                                <a:schemeClr val="bg1"/>
+                              </a:solidFill>
+                              <a:latin typeface="Cambria Math" panose="02040503050406030204" pitchFamily="18" charset="0"/>
+                            </a:rPr>
+                            <m:t>𝑠𝑐𝑜𝑟𝑒</m:t>
+                          </m:r>
+                        </m:e>
+                        <m:sub>
+                          <m:r>
+                            <a:rPr lang="es-AR" sz="2000" b="0" i="1" smtClean="0">
+                              <a:solidFill>
+                                <a:schemeClr val="bg1"/>
+                              </a:solidFill>
+                              <a:latin typeface="Cambria Math" panose="02040503050406030204" pitchFamily="18" charset="0"/>
+                            </a:rPr>
+                            <m:t>𝑡</m:t>
+                          </m:r>
+                          <m:r>
+                            <a:rPr lang="es-AR" sz="2000" b="0" i="1" smtClean="0">
+                              <a:solidFill>
+                                <a:schemeClr val="bg1"/>
+                              </a:solidFill>
+                              <a:latin typeface="Cambria Math" panose="02040503050406030204" pitchFamily="18" charset="0"/>
+                            </a:rPr>
+                            <m:t>,</m:t>
+                          </m:r>
+                          <m:r>
+                            <a:rPr lang="es-AR" sz="2000" b="0" i="1" smtClean="0">
+                              <a:solidFill>
+                                <a:schemeClr val="bg1"/>
+                              </a:solidFill>
+                              <a:latin typeface="Cambria Math" panose="02040503050406030204" pitchFamily="18" charset="0"/>
+                            </a:rPr>
+                            <m:t>𝑗</m:t>
+                          </m:r>
+                        </m:sub>
+                      </m:sSub>
+                    </m:oMath>
+                  </m:oMathPara>
+                </a14:m>
+                <a:endParaRPr lang="es-AR" sz="2000" dirty="0"/>
+              </a:p>
+            </p:txBody>
+          </p:sp>
+        </mc:Choice>
+        <mc:Fallback xmlns="">
+          <p:sp>
+            <p:nvSpPr>
+              <p:cNvPr id="3" name="CuadroTexto 2">
+                <a:extLst>
+                  <a:ext uri="{FF2B5EF4-FFF2-40B4-BE49-F238E27FC236}">
+                    <a16:creationId xmlns:a16="http://schemas.microsoft.com/office/drawing/2014/main" id="{EAEDAC00-BDB9-3D0E-313F-A0F6EE49ECEB}"/>
+                  </a:ext>
+                </a:extLst>
+              </p:cNvPr>
+              <p:cNvSpPr txBox="1">
+                <a:spLocks noRot="1" noChangeAspect="1" noMove="1" noResize="1" noEditPoints="1" noAdjustHandles="1" noChangeArrowheads="1" noChangeShapeType="1" noTextEdit="1"/>
+              </p:cNvSpPr>
+              <p:nvPr/>
+            </p:nvSpPr>
+            <p:spPr>
+              <a:xfrm>
+                <a:off x="82629" y="3316211"/>
+                <a:ext cx="1560444" cy="424796"/>
+              </a:xfrm>
+              <a:prstGeom prst="rect">
+                <a:avLst/>
+              </a:prstGeom>
+              <a:blipFill>
+                <a:blip r:embed="rId6"/>
+                <a:stretch>
+                  <a:fillRect b="-8571"/>
+                </a:stretch>
+              </a:blipFill>
+            </p:spPr>
+            <p:txBody>
+              <a:bodyPr/>
+              <a:lstStyle/>
+              <a:p>
+                <a:r>
+                  <a:rPr lang="es-AR">
+                    <a:noFill/>
+                  </a:rPr>
+                  <a:t> </a:t>
+                </a:r>
+              </a:p>
+            </p:txBody>
+          </p:sp>
+        </mc:Fallback>
+      </mc:AlternateContent>
+      <mc:AlternateContent xmlns:mc="http://schemas.openxmlformats.org/markup-compatibility/2006" xmlns:a14="http://schemas.microsoft.com/office/drawing/2010/main">
+        <mc:Choice Requires="a14">
+          <p:sp>
+            <p:nvSpPr>
+              <p:cNvPr id="8" name="TextBox 6">
+                <a:extLst>
+                  <a:ext uri="{FF2B5EF4-FFF2-40B4-BE49-F238E27FC236}">
+                    <a16:creationId xmlns:a16="http://schemas.microsoft.com/office/drawing/2014/main" id="{42273EB3-AA8C-9E6E-7291-FB420C0C5EAE}"/>
+                  </a:ext>
+                </a:extLst>
+              </p:cNvPr>
+              <p:cNvSpPr txBox="1"/>
+              <p:nvPr/>
+            </p:nvSpPr>
+            <p:spPr>
+              <a:xfrm>
+                <a:off x="178986" y="6431759"/>
+                <a:ext cx="2786917" cy="332463"/>
+              </a:xfrm>
+              <a:prstGeom prst="rect">
+                <a:avLst/>
+              </a:prstGeom>
+              <a:solidFill>
+                <a:schemeClr val="tx1"/>
+              </a:solidFill>
+            </p:spPr>
+            <p:txBody>
+              <a:bodyPr wrap="none" lIns="0" tIns="0" rIns="0" bIns="0" rtlCol="0">
+                <a:spAutoFit/>
+              </a:bodyPr>
+              <a:lstStyle/>
+              <a:p>
+                <a:pPr/>
+                <a14:m>
+                  <m:oMathPara xmlns:m="http://schemas.openxmlformats.org/officeDocument/2006/math">
+                    <m:oMathParaPr>
+                      <m:jc m:val="centerGroup"/>
+                    </m:oMathParaPr>
+                    <m:oMath xmlns:m="http://schemas.openxmlformats.org/officeDocument/2006/math">
+                      <m:sSub>
+                        <m:sSubPr>
+                          <m:ctrlPr>
+                            <a:rPr lang="es-AR" sz="2000" b="0" i="1" smtClean="0">
+                              <a:solidFill>
+                                <a:schemeClr val="bg1"/>
+                              </a:solidFill>
+                              <a:latin typeface="Cambria Math" panose="02040503050406030204" pitchFamily="18" charset="0"/>
+                            </a:rPr>
+                          </m:ctrlPr>
+                        </m:sSubPr>
+                        <m:e>
+                          <m:r>
+                            <a:rPr lang="es-AR" sz="2000" i="1">
+                              <a:solidFill>
+                                <a:schemeClr val="bg1"/>
+                              </a:solidFill>
+                              <a:latin typeface="Cambria Math" panose="02040503050406030204" pitchFamily="18" charset="0"/>
+                            </a:rPr>
+                            <m:t>𝑎𝑡𝑡</m:t>
+                          </m:r>
+                          <m:r>
+                            <a:rPr lang="es-AR" sz="2000" i="1">
+                              <a:solidFill>
+                                <a:schemeClr val="bg1"/>
+                              </a:solidFill>
+                              <a:latin typeface="Cambria Math" panose="02040503050406030204" pitchFamily="18" charset="0"/>
+                            </a:rPr>
+                            <m:t>_</m:t>
+                          </m:r>
+                          <m:r>
+                            <a:rPr lang="es-AR" sz="2000" i="1">
+                              <a:solidFill>
+                                <a:schemeClr val="bg1"/>
+                              </a:solidFill>
+                              <a:latin typeface="Cambria Math" panose="02040503050406030204" pitchFamily="18" charset="0"/>
+                            </a:rPr>
+                            <m:t>𝑠𝑐𝑜𝑟𝑒</m:t>
+                          </m:r>
+                        </m:e>
+                        <m:sub>
+                          <m:r>
+                            <a:rPr lang="es-AR" sz="2000" b="0" i="1" smtClean="0">
+                              <a:solidFill>
+                                <a:schemeClr val="bg1"/>
+                              </a:solidFill>
+                              <a:latin typeface="Cambria Math" panose="02040503050406030204" pitchFamily="18" charset="0"/>
+                            </a:rPr>
+                            <m:t>𝑡</m:t>
+                          </m:r>
+                          <m:r>
+                            <a:rPr lang="es-AR" sz="2000" b="0" i="1" smtClean="0">
+                              <a:solidFill>
+                                <a:schemeClr val="bg1"/>
+                              </a:solidFill>
+                              <a:latin typeface="Cambria Math" panose="02040503050406030204" pitchFamily="18" charset="0"/>
+                            </a:rPr>
+                            <m:t>,</m:t>
+                          </m:r>
+                          <m:r>
+                            <a:rPr lang="es-AR" sz="2000" b="0" i="1" smtClean="0">
+                              <a:solidFill>
+                                <a:schemeClr val="bg1"/>
+                              </a:solidFill>
+                              <a:latin typeface="Cambria Math" panose="02040503050406030204" pitchFamily="18" charset="0"/>
+                            </a:rPr>
+                            <m:t>𝑗</m:t>
+                          </m:r>
+                        </m:sub>
+                      </m:sSub>
+                      <m:r>
+                        <a:rPr lang="es-AR" sz="2000" b="0" i="1" smtClean="0">
+                          <a:solidFill>
+                            <a:schemeClr val="bg1"/>
+                          </a:solidFill>
+                          <a:latin typeface="Cambria Math" panose="02040503050406030204" pitchFamily="18" charset="0"/>
+                        </a:rPr>
+                        <m:t>=</m:t>
+                      </m:r>
+                      <m:r>
+                        <m:rPr>
+                          <m:sty m:val="p"/>
+                        </m:rPr>
+                        <a:rPr lang="es-AR" sz="2000" b="0" i="0" smtClean="0">
+                          <a:solidFill>
+                            <a:schemeClr val="bg1"/>
+                          </a:solidFill>
+                          <a:latin typeface="Cambria Math" panose="02040503050406030204" pitchFamily="18" charset="0"/>
+                        </a:rPr>
+                        <m:t>dot</m:t>
+                      </m:r>
+                      <m:r>
+                        <a:rPr lang="es-AR" sz="2000" b="0" i="0" smtClean="0">
+                          <a:solidFill>
+                            <a:schemeClr val="bg1"/>
+                          </a:solidFill>
+                          <a:latin typeface="Cambria Math" panose="02040503050406030204" pitchFamily="18" charset="0"/>
+                        </a:rPr>
+                        <m:t>(</m:t>
+                      </m:r>
+                      <m:sSub>
+                        <m:sSubPr>
+                          <m:ctrlPr>
+                            <a:rPr lang="es-AR" sz="2000" b="0" i="1" smtClean="0">
+                              <a:solidFill>
+                                <a:schemeClr val="bg1"/>
+                              </a:solidFill>
+                              <a:latin typeface="Cambria Math" panose="02040503050406030204" pitchFamily="18" charset="0"/>
+                            </a:rPr>
+                          </m:ctrlPr>
+                        </m:sSubPr>
+                        <m:e>
+                          <m:r>
+                            <a:rPr lang="es-AR" sz="2000" b="0" i="1" smtClean="0">
+                              <a:solidFill>
+                                <a:schemeClr val="bg1"/>
+                              </a:solidFill>
+                              <a:latin typeface="Cambria Math" panose="02040503050406030204" pitchFamily="18" charset="0"/>
+                            </a:rPr>
+                            <m:t>𝑧</m:t>
+                          </m:r>
+                        </m:e>
+                        <m:sub>
+                          <m:r>
+                            <a:rPr lang="es-AR" sz="2000" b="0" i="1" smtClean="0">
+                              <a:solidFill>
+                                <a:schemeClr val="bg1"/>
+                              </a:solidFill>
+                              <a:latin typeface="Cambria Math" panose="02040503050406030204" pitchFamily="18" charset="0"/>
+                            </a:rPr>
+                            <m:t>𝑡</m:t>
+                          </m:r>
+                        </m:sub>
+                      </m:sSub>
+                      <m:r>
+                        <a:rPr lang="es-AR" sz="2000" b="0" i="1" smtClean="0">
+                          <a:solidFill>
+                            <a:schemeClr val="bg1"/>
+                          </a:solidFill>
+                          <a:latin typeface="Cambria Math" panose="02040503050406030204" pitchFamily="18" charset="0"/>
+                        </a:rPr>
+                        <m:t>,</m:t>
+                      </m:r>
+                      <m:r>
+                        <a:rPr lang="es-AR" sz="2000" i="1" smtClean="0">
+                          <a:solidFill>
+                            <a:schemeClr val="bg1"/>
+                          </a:solidFill>
+                          <a:latin typeface="Cambria Math" panose="02040503050406030204" pitchFamily="18" charset="0"/>
+                        </a:rPr>
+                        <m:t> </m:t>
+                      </m:r>
+                      <m:sSub>
+                        <m:sSubPr>
+                          <m:ctrlPr>
+                            <a:rPr lang="es-AR" sz="2000" b="0" i="1" smtClean="0">
+                              <a:solidFill>
+                                <a:schemeClr val="bg1"/>
+                              </a:solidFill>
+                              <a:latin typeface="Cambria Math" panose="02040503050406030204" pitchFamily="18" charset="0"/>
+                            </a:rPr>
+                          </m:ctrlPr>
+                        </m:sSubPr>
+                        <m:e>
+                          <m:r>
+                            <a:rPr lang="es-AR" sz="2000" b="0" i="1" smtClean="0">
+                              <a:solidFill>
+                                <a:schemeClr val="bg1"/>
+                              </a:solidFill>
+                              <a:latin typeface="Cambria Math" panose="02040503050406030204" pitchFamily="18" charset="0"/>
+                            </a:rPr>
+                            <m:t>h</m:t>
+                          </m:r>
+                        </m:e>
+                        <m:sub>
+                          <m:r>
+                            <a:rPr lang="es-AR" sz="2000" b="0" i="1" smtClean="0">
+                              <a:solidFill>
+                                <a:schemeClr val="bg1"/>
+                              </a:solidFill>
+                              <a:latin typeface="Cambria Math" panose="02040503050406030204" pitchFamily="18" charset="0"/>
+                            </a:rPr>
+                            <m:t>𝑗</m:t>
+                          </m:r>
+                        </m:sub>
+                      </m:sSub>
+                      <m:r>
+                        <a:rPr lang="es-AR" sz="2000" b="0" i="1" smtClean="0">
+                          <a:solidFill>
+                            <a:schemeClr val="bg1"/>
+                          </a:solidFill>
+                          <a:latin typeface="Cambria Math" panose="02040503050406030204" pitchFamily="18" charset="0"/>
+                        </a:rPr>
+                        <m:t>)</m:t>
+                      </m:r>
+                    </m:oMath>
+                  </m:oMathPara>
+                </a14:m>
+                <a:endParaRPr lang="es-AR" sz="2000" dirty="0">
+                  <a:solidFill>
+                    <a:schemeClr val="bg1"/>
+                  </a:solidFill>
+                </a:endParaRPr>
+              </a:p>
+            </p:txBody>
+          </p:sp>
+        </mc:Choice>
+        <mc:Fallback xmlns="">
+          <p:sp>
+            <p:nvSpPr>
+              <p:cNvPr id="8" name="TextBox 6">
+                <a:extLst>
+                  <a:ext uri="{FF2B5EF4-FFF2-40B4-BE49-F238E27FC236}">
+                    <a16:creationId xmlns:a16="http://schemas.microsoft.com/office/drawing/2014/main" id="{42273EB3-AA8C-9E6E-7291-FB420C0C5EAE}"/>
+                  </a:ext>
+                </a:extLst>
+              </p:cNvPr>
+              <p:cNvSpPr txBox="1">
+                <a:spLocks noRot="1" noChangeAspect="1" noMove="1" noResize="1" noEditPoints="1" noAdjustHandles="1" noChangeArrowheads="1" noChangeShapeType="1" noTextEdit="1"/>
+              </p:cNvSpPr>
+              <p:nvPr/>
+            </p:nvSpPr>
+            <p:spPr>
+              <a:xfrm>
+                <a:off x="178986" y="6431759"/>
+                <a:ext cx="2786917" cy="332463"/>
+              </a:xfrm>
+              <a:prstGeom prst="rect">
+                <a:avLst/>
+              </a:prstGeom>
+              <a:blipFill>
+                <a:blip r:embed="rId7"/>
+                <a:stretch>
+                  <a:fillRect l="-1528" r="-2838" b="-25455"/>
+                </a:stretch>
+              </a:blipFill>
+            </p:spPr>
+            <p:txBody>
+              <a:bodyPr/>
+              <a:lstStyle/>
+              <a:p>
+                <a:r>
+                  <a:rPr lang="es-AR">
+                    <a:noFill/>
+                  </a:rPr>
+                  <a:t> </a:t>
+                </a:r>
+              </a:p>
+            </p:txBody>
+          </p:sp>
+        </mc:Fallback>
+      </mc:AlternateContent>
     </p:spTree>
     <p:extLst>
       <p:ext uri="{BB962C8B-B14F-4D97-AF65-F5344CB8AC3E}">
@@ -25411,356 +26132,8 @@
           </a:p>
         </p:txBody>
       </p:sp>
-      <mc:AlternateContent xmlns:mc="http://schemas.openxmlformats.org/markup-compatibility/2006">
-        <mc:Choice xmlns:a14="http://schemas.microsoft.com/office/drawing/2010/main" Requires="a14">
-          <p:sp>
-            <p:nvSpPr>
-              <p:cNvPr id="6" name="TextBox 5"/>
-              <p:cNvSpPr txBox="1"/>
-              <p:nvPr/>
-            </p:nvSpPr>
-            <p:spPr>
-              <a:xfrm>
-                <a:off x="3819595" y="6286202"/>
-                <a:ext cx="3611438" cy="399084"/>
-              </a:xfrm>
-              <a:prstGeom prst="rect">
-                <a:avLst/>
-              </a:prstGeom>
-              <a:solidFill>
-                <a:schemeClr val="tx1"/>
-              </a:solidFill>
-            </p:spPr>
-            <p:txBody>
-              <a:bodyPr wrap="none" lIns="0" tIns="0" rIns="0" bIns="0" rtlCol="0">
-                <a:spAutoFit/>
-              </a:bodyPr>
-              <a:lstStyle/>
-              <a:p>
-                <a:pPr/>
-                <a14:m>
-                  <m:oMathPara xmlns:m="http://schemas.openxmlformats.org/officeDocument/2006/math">
-                    <m:oMathParaPr>
-                      <m:jc m:val="centerGroup"/>
-                    </m:oMathParaPr>
-                    <m:oMath xmlns:m="http://schemas.openxmlformats.org/officeDocument/2006/math">
-                      <m:sSub>
-                        <m:sSubPr>
-                          <m:ctrlPr>
-                            <a:rPr lang="es-AR" sz="2400" b="0" i="1" smtClean="0">
-                              <a:solidFill>
-                                <a:schemeClr val="bg1"/>
-                              </a:solidFill>
-                              <a:latin typeface="Cambria Math" panose="02040503050406030204" pitchFamily="18" charset="0"/>
-                            </a:rPr>
-                          </m:ctrlPr>
-                        </m:sSubPr>
-                        <m:e>
-                          <m:r>
-                            <a:rPr lang="es-AR" sz="2400" b="0" i="1" smtClean="0">
-                              <a:solidFill>
-                                <a:schemeClr val="bg1"/>
-                              </a:solidFill>
-                              <a:latin typeface="Cambria Math" panose="02040503050406030204" pitchFamily="18" charset="0"/>
-                            </a:rPr>
-                            <m:t>𝑎</m:t>
-                          </m:r>
-                        </m:e>
-                        <m:sub>
-                          <m:r>
-                            <a:rPr lang="es-AR" sz="2400" b="0" i="1" smtClean="0">
-                              <a:solidFill>
-                                <a:schemeClr val="bg1"/>
-                              </a:solidFill>
-                              <a:latin typeface="Cambria Math" panose="02040503050406030204" pitchFamily="18" charset="0"/>
-                            </a:rPr>
-                            <m:t>𝑗</m:t>
-                          </m:r>
-                        </m:sub>
-                      </m:sSub>
-                      <m:r>
-                        <a:rPr lang="es-AR" sz="2400" b="0" i="1" smtClean="0">
-                          <a:solidFill>
-                            <a:schemeClr val="bg1"/>
-                          </a:solidFill>
-                          <a:latin typeface="Cambria Math" panose="02040503050406030204" pitchFamily="18" charset="0"/>
-                        </a:rPr>
-                        <m:t>=</m:t>
-                      </m:r>
-                      <m:r>
-                        <a:rPr lang="es-AR" sz="2400" b="0" i="1" smtClean="0">
-                          <a:solidFill>
-                            <a:schemeClr val="bg1"/>
-                          </a:solidFill>
-                          <a:latin typeface="Cambria Math" panose="02040503050406030204" pitchFamily="18" charset="0"/>
-                        </a:rPr>
-                        <m:t>𝑠𝑜𝑓𝑡𝑚𝑎𝑥</m:t>
-                      </m:r>
-                      <m:r>
-                        <a:rPr lang="es-AR" sz="2400" b="0" i="1" smtClean="0">
-                          <a:solidFill>
-                            <a:schemeClr val="bg1"/>
-                          </a:solidFill>
-                          <a:latin typeface="Cambria Math" panose="02040503050406030204" pitchFamily="18" charset="0"/>
-                        </a:rPr>
-                        <m:t>(</m:t>
-                      </m:r>
-                      <m:sSub>
-                        <m:sSubPr>
-                          <m:ctrlPr>
-                            <a:rPr lang="es-AR" sz="2400" i="1">
-                              <a:solidFill>
-                                <a:schemeClr val="bg1"/>
-                              </a:solidFill>
-                              <a:latin typeface="Cambria Math" panose="02040503050406030204" pitchFamily="18" charset="0"/>
-                            </a:rPr>
-                          </m:ctrlPr>
-                        </m:sSubPr>
-                        <m:e>
-                          <m:r>
-                            <a:rPr lang="es-AR" sz="2400" i="1">
-                              <a:solidFill>
-                                <a:schemeClr val="bg1"/>
-                              </a:solidFill>
-                              <a:latin typeface="Cambria Math" panose="02040503050406030204" pitchFamily="18" charset="0"/>
-                            </a:rPr>
-                            <m:t>𝑎𝑡𝑡</m:t>
-                          </m:r>
-                          <m:r>
-                            <a:rPr lang="es-AR" sz="2400" i="1">
-                              <a:solidFill>
-                                <a:schemeClr val="bg1"/>
-                              </a:solidFill>
-                              <a:latin typeface="Cambria Math" panose="02040503050406030204" pitchFamily="18" charset="0"/>
-                            </a:rPr>
-                            <m:t>_</m:t>
-                          </m:r>
-                          <m:r>
-                            <a:rPr lang="es-AR" sz="2400" i="1">
-                              <a:solidFill>
-                                <a:schemeClr val="bg1"/>
-                              </a:solidFill>
-                              <a:latin typeface="Cambria Math" panose="02040503050406030204" pitchFamily="18" charset="0"/>
-                            </a:rPr>
-                            <m:t>𝑠𝑐𝑜𝑟𝑒</m:t>
-                          </m:r>
-                        </m:e>
-                        <m:sub>
-                          <m:r>
-                            <a:rPr lang="es-AR" sz="2400" i="1">
-                              <a:solidFill>
-                                <a:schemeClr val="bg1"/>
-                              </a:solidFill>
-                              <a:latin typeface="Cambria Math" panose="02040503050406030204" pitchFamily="18" charset="0"/>
-                            </a:rPr>
-                            <m:t>𝑗</m:t>
-                          </m:r>
-                        </m:sub>
-                      </m:sSub>
-                      <m:r>
-                        <a:rPr lang="es-AR" sz="2400" b="0" i="1" smtClean="0">
-                          <a:solidFill>
-                            <a:schemeClr val="bg1"/>
-                          </a:solidFill>
-                          <a:latin typeface="Cambria Math" panose="02040503050406030204" pitchFamily="18" charset="0"/>
-                        </a:rPr>
-                        <m:t>)</m:t>
-                      </m:r>
-                    </m:oMath>
-                  </m:oMathPara>
-                </a14:m>
-                <a:endParaRPr lang="es-AR" sz="2400" dirty="0">
-                  <a:solidFill>
-                    <a:schemeClr val="bg1"/>
-                  </a:solidFill>
-                </a:endParaRPr>
-              </a:p>
-            </p:txBody>
-          </p:sp>
-        </mc:Choice>
-        <mc:Fallback>
-          <p:sp>
-            <p:nvSpPr>
-              <p:cNvPr id="6" name="TextBox 5"/>
-              <p:cNvSpPr txBox="1">
-                <a:spLocks noRot="1" noChangeAspect="1" noMove="1" noResize="1" noEditPoints="1" noAdjustHandles="1" noChangeArrowheads="1" noChangeShapeType="1" noTextEdit="1"/>
-              </p:cNvSpPr>
-              <p:nvPr/>
-            </p:nvSpPr>
-            <p:spPr>
-              <a:xfrm>
-                <a:off x="3819595" y="6286202"/>
-                <a:ext cx="3611438" cy="399084"/>
-              </a:xfrm>
-              <a:prstGeom prst="rect">
-                <a:avLst/>
-              </a:prstGeom>
-              <a:blipFill>
-                <a:blip r:embed="rId3"/>
-                <a:stretch>
-                  <a:fillRect l="-507" r="-2365" b="-25758"/>
-                </a:stretch>
-              </a:blipFill>
-            </p:spPr>
-            <p:txBody>
-              <a:bodyPr/>
-              <a:lstStyle/>
-              <a:p>
-                <a:r>
-                  <a:rPr lang="es-AR">
-                    <a:noFill/>
-                  </a:rPr>
-                  <a:t> </a:t>
-                </a:r>
-              </a:p>
-            </p:txBody>
-          </p:sp>
-        </mc:Fallback>
-      </mc:AlternateContent>
-      <mc:AlternateContent xmlns:mc="http://schemas.openxmlformats.org/markup-compatibility/2006">
-        <mc:Choice xmlns:a14="http://schemas.microsoft.com/office/drawing/2010/main" Requires="a14">
-          <p:sp>
-            <p:nvSpPr>
-              <p:cNvPr id="13" name="CuadroTexto 12">
-                <a:extLst>
-                  <a:ext uri="{FF2B5EF4-FFF2-40B4-BE49-F238E27FC236}">
-                    <a16:creationId xmlns:a16="http://schemas.microsoft.com/office/drawing/2014/main" id="{610F71DB-29BD-4A38-0935-BD14EAC89A89}"/>
-                  </a:ext>
-                </a:extLst>
-              </p:cNvPr>
-              <p:cNvSpPr txBox="1"/>
-              <p:nvPr/>
-            </p:nvSpPr>
-            <p:spPr>
-              <a:xfrm>
-                <a:off x="100037" y="3316211"/>
-                <a:ext cx="1560444" cy="391646"/>
-              </a:xfrm>
-              <a:prstGeom prst="rect">
-                <a:avLst/>
-              </a:prstGeom>
-              <a:noFill/>
-            </p:spPr>
-            <p:txBody>
-              <a:bodyPr wrap="square">
-                <a:spAutoFit/>
-              </a:bodyPr>
-              <a:lstStyle/>
-              <a:p>
-                <a:pPr/>
-                <a14:m>
-                  <m:oMathPara xmlns:m="http://schemas.openxmlformats.org/officeDocument/2006/math">
-                    <m:oMathParaPr>
-                      <m:jc m:val="centerGroup"/>
-                    </m:oMathParaPr>
-                    <m:oMath xmlns:m="http://schemas.openxmlformats.org/officeDocument/2006/math">
-                      <m:sSub>
-                        <m:sSubPr>
-                          <m:ctrlPr>
-                            <a:rPr lang="es-AR" sz="1800" b="0" i="1" smtClean="0">
-                              <a:solidFill>
-                                <a:schemeClr val="bg1"/>
-                              </a:solidFill>
-                              <a:latin typeface="Cambria Math" panose="02040503050406030204" pitchFamily="18" charset="0"/>
-                            </a:rPr>
-                          </m:ctrlPr>
-                        </m:sSubPr>
-                        <m:e>
-                          <m:r>
-                            <a:rPr lang="es-AR" sz="1800" i="1">
-                              <a:solidFill>
-                                <a:schemeClr val="bg1"/>
-                              </a:solidFill>
-                              <a:latin typeface="Cambria Math" panose="02040503050406030204" pitchFamily="18" charset="0"/>
-                            </a:rPr>
-                            <m:t>𝑎𝑡𝑡</m:t>
-                          </m:r>
-                          <m:r>
-                            <a:rPr lang="es-AR" sz="1800" i="1">
-                              <a:solidFill>
-                                <a:schemeClr val="bg1"/>
-                              </a:solidFill>
-                              <a:latin typeface="Cambria Math" panose="02040503050406030204" pitchFamily="18" charset="0"/>
-                            </a:rPr>
-                            <m:t>_</m:t>
-                          </m:r>
-                          <m:r>
-                            <a:rPr lang="es-AR" sz="1800" i="1">
-                              <a:solidFill>
-                                <a:schemeClr val="bg1"/>
-                              </a:solidFill>
-                              <a:latin typeface="Cambria Math" panose="02040503050406030204" pitchFamily="18" charset="0"/>
-                            </a:rPr>
-                            <m:t>𝑠𝑐𝑜𝑟𝑒</m:t>
-                          </m:r>
-                        </m:e>
-                        <m:sub>
-                          <m:r>
-                            <a:rPr lang="es-AR" sz="1800" b="0" i="1" smtClean="0">
-                              <a:solidFill>
-                                <a:schemeClr val="bg1"/>
-                              </a:solidFill>
-                              <a:latin typeface="Cambria Math" panose="02040503050406030204" pitchFamily="18" charset="0"/>
-                            </a:rPr>
-                            <m:t>𝑗</m:t>
-                          </m:r>
-                        </m:sub>
-                      </m:sSub>
-                    </m:oMath>
-                  </m:oMathPara>
-                </a14:m>
-                <a:endParaRPr lang="es-AR" dirty="0"/>
-              </a:p>
-            </p:txBody>
-          </p:sp>
-        </mc:Choice>
-        <mc:Fallback>
-          <p:sp>
-            <p:nvSpPr>
-              <p:cNvPr id="13" name="CuadroTexto 12">
-                <a:extLst>
-                  <a:ext uri="{FF2B5EF4-FFF2-40B4-BE49-F238E27FC236}">
-                    <a16:creationId xmlns:a16="http://schemas.microsoft.com/office/drawing/2014/main" id="{610F71DB-29BD-4A38-0935-BD14EAC89A89}"/>
-                  </a:ext>
-                </a:extLst>
-              </p:cNvPr>
-              <p:cNvSpPr txBox="1">
-                <a:spLocks noRot="1" noChangeAspect="1" noMove="1" noResize="1" noEditPoints="1" noAdjustHandles="1" noChangeArrowheads="1" noChangeShapeType="1" noTextEdit="1"/>
-              </p:cNvSpPr>
-              <p:nvPr/>
-            </p:nvSpPr>
-            <p:spPr>
-              <a:xfrm>
-                <a:off x="100037" y="3316211"/>
-                <a:ext cx="1560444" cy="391646"/>
-              </a:xfrm>
-              <a:prstGeom prst="rect">
-                <a:avLst/>
-              </a:prstGeom>
-              <a:blipFill>
-                <a:blip r:embed="rId4"/>
-                <a:stretch>
-                  <a:fillRect b="-7813"/>
-                </a:stretch>
-              </a:blipFill>
-            </p:spPr>
-            <p:txBody>
-              <a:bodyPr/>
-              <a:lstStyle/>
-              <a:p>
-                <a:r>
-                  <a:rPr lang="es-AR">
-                    <a:noFill/>
-                  </a:rPr>
-                  <a:t> </a:t>
-                </a:r>
-              </a:p>
-            </p:txBody>
-          </p:sp>
-        </mc:Fallback>
-      </mc:AlternateContent>
-      <mc:AlternateContent xmlns:mc="http://schemas.openxmlformats.org/markup-compatibility/2006">
-        <mc:Choice xmlns:a14="http://schemas.microsoft.com/office/drawing/2010/main" Requires="a14">
+      <mc:AlternateContent xmlns:mc="http://schemas.openxmlformats.org/markup-compatibility/2006" xmlns:a14="http://schemas.microsoft.com/office/drawing/2010/main">
+        <mc:Choice Requires="a14">
           <p:sp>
             <p:nvSpPr>
               <p:cNvPr id="14" name="CuadroTexto 13">
@@ -25847,7 +26220,7 @@
             </p:txBody>
           </p:sp>
         </mc:Choice>
-        <mc:Fallback>
+        <mc:Fallback xmlns="">
           <p:sp>
             <p:nvSpPr>
               <p:cNvPr id="14" name="CuadroTexto 13">
@@ -25892,14 +26265,14 @@
           </p:sp>
         </mc:Fallback>
       </mc:AlternateContent>
-      <mc:AlternateContent xmlns:mc="http://schemas.openxmlformats.org/markup-compatibility/2006">
-        <mc:Choice xmlns:a14="http://schemas.microsoft.com/office/drawing/2010/main" Requires="a14">
+      <mc:AlternateContent xmlns:mc="http://schemas.openxmlformats.org/markup-compatibility/2006" xmlns:a14="http://schemas.microsoft.com/office/drawing/2010/main">
+        <mc:Choice Requires="a14">
           <p:sp>
             <p:nvSpPr>
-              <p:cNvPr id="16" name="CuadroTexto 15">
+              <p:cNvPr id="3" name="CuadroTexto 2">
                 <a:extLst>
                   <a:ext uri="{FF2B5EF4-FFF2-40B4-BE49-F238E27FC236}">
-                    <a16:creationId xmlns:a16="http://schemas.microsoft.com/office/drawing/2014/main" id="{412B5F43-294C-6A90-B9D5-BA73C88EA0DB}"/>
+                    <a16:creationId xmlns:a16="http://schemas.microsoft.com/office/drawing/2014/main" id="{D4428FAD-AAD6-5E13-11D9-AF64F18A81A8}"/>
                   </a:ext>
                 </a:extLst>
               </p:cNvPr>
@@ -25908,8 +26281,8 @@
             </p:nvSpPr>
             <p:spPr>
               <a:xfrm>
-                <a:off x="0" y="2043718"/>
-                <a:ext cx="1810883" cy="668645"/>
+                <a:off x="82629" y="3316211"/>
+                <a:ext cx="1560444" cy="424796"/>
               </a:xfrm>
               <a:prstGeom prst="rect">
                 <a:avLst/>
@@ -25932,7 +26305,7 @@
                       <m:sSub>
                         <m:sSubPr>
                           <m:ctrlPr>
-                            <a:rPr lang="es-AR" sz="1800" b="0" i="1" smtClean="0">
+                            <a:rPr lang="es-AR" sz="2000" b="0" i="1" smtClean="0">
                               <a:solidFill>
                                 <a:schemeClr val="bg1"/>
                               </a:solidFill>
@@ -25942,18 +26315,54 @@
                         </m:sSubPr>
                         <m:e>
                           <m:r>
-                            <a:rPr lang="es-AR" sz="1800" b="0" i="1" smtClean="0">
+                            <a:rPr lang="es-AR" sz="2000" i="1">
                               <a:solidFill>
                                 <a:schemeClr val="bg1"/>
                               </a:solidFill>
                               <a:latin typeface="Cambria Math" panose="02040503050406030204" pitchFamily="18" charset="0"/>
                             </a:rPr>
-                            <m:t>𝑎</m:t>
+                            <m:t>𝑎𝑡𝑡</m:t>
+                          </m:r>
+                          <m:r>
+                            <a:rPr lang="es-AR" sz="2000" i="1">
+                              <a:solidFill>
+                                <a:schemeClr val="bg1"/>
+                              </a:solidFill>
+                              <a:latin typeface="Cambria Math" panose="02040503050406030204" pitchFamily="18" charset="0"/>
+                            </a:rPr>
+                            <m:t>_</m:t>
+                          </m:r>
+                          <m:r>
+                            <a:rPr lang="es-AR" sz="2000" i="1">
+                              <a:solidFill>
+                                <a:schemeClr val="bg1"/>
+                              </a:solidFill>
+                              <a:latin typeface="Cambria Math" panose="02040503050406030204" pitchFamily="18" charset="0"/>
+                            </a:rPr>
+                            <m:t>𝑠𝑐𝑜𝑟𝑒</m:t>
                           </m:r>
                         </m:e>
                         <m:sub>
                           <m:r>
-                            <a:rPr lang="es-AR" sz="1800" b="0" i="1" smtClean="0">
+                            <a:rPr lang="es-AR" sz="2000" b="0" i="1" smtClean="0">
+                              <a:solidFill>
+                                <a:schemeClr val="bg1"/>
+                              </a:solidFill>
+                              <a:latin typeface="Cambria Math" panose="02040503050406030204" pitchFamily="18" charset="0"/>
+                            </a:rPr>
+                            <m:t>𝑡</m:t>
+                          </m:r>
+                          <m:r>
+                            <a:rPr lang="es-AR" sz="2000" b="0" i="1" smtClean="0">
+                              <a:solidFill>
+                                <a:schemeClr val="bg1"/>
+                              </a:solidFill>
+                              <a:latin typeface="Cambria Math" panose="02040503050406030204" pitchFamily="18" charset="0"/>
+                            </a:rPr>
+                            <m:t>,</m:t>
+                          </m:r>
+                          <m:r>
+                            <a:rPr lang="es-AR" sz="2000" b="0" i="1" smtClean="0">
                               <a:solidFill>
                                 <a:schemeClr val="bg1"/>
                               </a:solidFill>
@@ -25966,67 +26375,18 @@
                     </m:oMath>
                   </m:oMathPara>
                 </a14:m>
-                <a:endParaRPr lang="es-AR" dirty="0">
-                  <a:solidFill>
-                    <a:schemeClr val="bg1"/>
-                  </a:solidFill>
-                  <a:sym typeface="Wingdings" panose="05000000000000000000" pitchFamily="2" charset="2"/>
-                </a:endParaRPr>
-              </a:p>
-              <a:p>
-                <a:pPr/>
-                <a:r>
-                  <a:rPr lang="es-AR" dirty="0">
-                    <a:solidFill>
-                      <a:schemeClr val="bg1"/>
-                    </a:solidFill>
-                    <a:sym typeface="Wingdings" panose="05000000000000000000" pitchFamily="2" charset="2"/>
-                  </a:rPr>
-                  <a:t> </a:t>
-                </a:r>
-                <a:r>
-                  <a:rPr lang="es-AR" dirty="0" err="1">
-                    <a:solidFill>
-                      <a:schemeClr val="bg1"/>
-                    </a:solidFill>
-                    <a:sym typeface="Wingdings" panose="05000000000000000000" pitchFamily="2" charset="2"/>
-                  </a:rPr>
-                  <a:t>attention</a:t>
-                </a:r>
-                <a:r>
-                  <a:rPr lang="es-AR" dirty="0">
-                    <a:solidFill>
-                      <a:schemeClr val="bg1"/>
-                    </a:solidFill>
-                    <a:sym typeface="Wingdings" panose="05000000000000000000" pitchFamily="2" charset="2"/>
-                  </a:rPr>
-                  <a:t> </a:t>
-                </a:r>
-                <a:r>
-                  <a:rPr lang="es-AR" dirty="0" err="1">
-                    <a:solidFill>
-                      <a:schemeClr val="bg1"/>
-                    </a:solidFill>
-                    <a:sym typeface="Wingdings" panose="05000000000000000000" pitchFamily="2" charset="2"/>
-                  </a:rPr>
-                  <a:t>weight</a:t>
-                </a:r>
-                <a:endParaRPr lang="es-AR" dirty="0">
-                  <a:solidFill>
-                    <a:schemeClr val="bg1"/>
-                  </a:solidFill>
-                </a:endParaRPr>
+                <a:endParaRPr lang="es-AR" sz="2000" dirty="0"/>
               </a:p>
             </p:txBody>
           </p:sp>
         </mc:Choice>
-        <mc:Fallback>
+        <mc:Fallback xmlns="">
           <p:sp>
             <p:nvSpPr>
-              <p:cNvPr id="16" name="CuadroTexto 15">
+              <p:cNvPr id="3" name="CuadroTexto 2">
                 <a:extLst>
                   <a:ext uri="{FF2B5EF4-FFF2-40B4-BE49-F238E27FC236}">
-                    <a16:creationId xmlns:a16="http://schemas.microsoft.com/office/drawing/2014/main" id="{412B5F43-294C-6A90-B9D5-BA73C88EA0DB}"/>
+                    <a16:creationId xmlns:a16="http://schemas.microsoft.com/office/drawing/2014/main" id="{D4428FAD-AAD6-5E13-11D9-AF64F18A81A8}"/>
                   </a:ext>
                 </a:extLst>
               </p:cNvPr>
@@ -26037,8 +26397,8 @@
             </p:nvSpPr>
             <p:spPr>
               <a:xfrm>
-                <a:off x="0" y="2043718"/>
-                <a:ext cx="1810883" cy="668645"/>
+                <a:off x="82629" y="3316211"/>
+                <a:ext cx="1560444" cy="424796"/>
               </a:xfrm>
               <a:prstGeom prst="rect">
                 <a:avLst/>
@@ -26046,7 +26406,7 @@
               <a:blipFill>
                 <a:blip r:embed="rId6"/>
                 <a:stretch>
-                  <a:fillRect b="-13636"/>
+                  <a:fillRect b="-8571"/>
                 </a:stretch>
               </a:blipFill>
             </p:spPr>
@@ -26065,14 +26425,14 @@
           </p:sp>
         </mc:Fallback>
       </mc:AlternateContent>
-      <mc:AlternateContent xmlns:mc="http://schemas.openxmlformats.org/markup-compatibility/2006">
-        <mc:Choice xmlns:a14="http://schemas.microsoft.com/office/drawing/2010/main" Requires="a14">
+      <mc:AlternateContent xmlns:mc="http://schemas.openxmlformats.org/markup-compatibility/2006" xmlns:a14="http://schemas.microsoft.com/office/drawing/2010/main">
+        <mc:Choice Requires="a14">
           <p:sp>
             <p:nvSpPr>
-              <p:cNvPr id="17" name="TextBox 6">
+              <p:cNvPr id="4" name="CuadroTexto 3">
                 <a:extLst>
                   <a:ext uri="{FF2B5EF4-FFF2-40B4-BE49-F238E27FC236}">
-                    <a16:creationId xmlns:a16="http://schemas.microsoft.com/office/drawing/2014/main" id="{DAE805B2-92DD-EA72-8701-0E71708F33D1}"/>
+                    <a16:creationId xmlns:a16="http://schemas.microsoft.com/office/drawing/2014/main" id="{6364B078-9870-9FFB-5195-46074AFF8A60}"/>
                   </a:ext>
                 </a:extLst>
               </p:cNvPr>
@@ -26081,8 +26441,198 @@
             </p:nvSpPr>
             <p:spPr>
               <a:xfrm>
-                <a:off x="74310" y="6286202"/>
-                <a:ext cx="3622915" cy="399084"/>
+                <a:off x="-17408" y="2043718"/>
+                <a:ext cx="2049042" cy="732573"/>
+              </a:xfrm>
+              <a:prstGeom prst="rect">
+                <a:avLst/>
+              </a:prstGeom>
+              <a:noFill/>
+            </p:spPr>
+            <p:txBody>
+              <a:bodyPr wrap="square">
+                <a:spAutoFit/>
+              </a:bodyPr>
+              <a:lstStyle/>
+              <a:p>
+                <a:pPr/>
+                <a14:m>
+                  <m:oMathPara xmlns:m="http://schemas.openxmlformats.org/officeDocument/2006/math">
+                    <m:oMathParaPr>
+                      <m:jc m:val="centerGroup"/>
+                    </m:oMathParaPr>
+                    <m:oMath xmlns:m="http://schemas.openxmlformats.org/officeDocument/2006/math">
+                      <m:sSub>
+                        <m:sSubPr>
+                          <m:ctrlPr>
+                            <a:rPr lang="es-AR" sz="2000" b="0" i="1" smtClean="0">
+                              <a:solidFill>
+                                <a:schemeClr val="bg1"/>
+                              </a:solidFill>
+                              <a:latin typeface="Cambria Math" panose="02040503050406030204" pitchFamily="18" charset="0"/>
+                            </a:rPr>
+                          </m:ctrlPr>
+                        </m:sSubPr>
+                        <m:e>
+                          <m:r>
+                            <a:rPr lang="es-AR" sz="2000" b="0" i="1" smtClean="0">
+                              <a:solidFill>
+                                <a:schemeClr val="bg1"/>
+                              </a:solidFill>
+                              <a:latin typeface="Cambria Math" panose="02040503050406030204" pitchFamily="18" charset="0"/>
+                            </a:rPr>
+                            <m:t>𝑎</m:t>
+                          </m:r>
+                        </m:e>
+                        <m:sub>
+                          <m:r>
+                            <a:rPr lang="es-AR" sz="2000" b="0" i="1" smtClean="0">
+                              <a:solidFill>
+                                <a:schemeClr val="bg1"/>
+                              </a:solidFill>
+                              <a:latin typeface="Cambria Math" panose="02040503050406030204" pitchFamily="18" charset="0"/>
+                            </a:rPr>
+                            <m:t>𝑡</m:t>
+                          </m:r>
+                          <m:r>
+                            <a:rPr lang="es-AR" sz="2000" b="0" i="1" smtClean="0">
+                              <a:solidFill>
+                                <a:schemeClr val="bg1"/>
+                              </a:solidFill>
+                              <a:latin typeface="Cambria Math" panose="02040503050406030204" pitchFamily="18" charset="0"/>
+                            </a:rPr>
+                            <m:t>,</m:t>
+                          </m:r>
+                          <m:r>
+                            <a:rPr lang="es-AR" sz="2000" b="0" i="1" smtClean="0">
+                              <a:solidFill>
+                                <a:schemeClr val="bg1"/>
+                              </a:solidFill>
+                              <a:latin typeface="Cambria Math" panose="02040503050406030204" pitchFamily="18" charset="0"/>
+                            </a:rPr>
+                            <m:t>𝑗</m:t>
+                          </m:r>
+                        </m:sub>
+                      </m:sSub>
+                    </m:oMath>
+                  </m:oMathPara>
+                </a14:m>
+                <a:endParaRPr lang="es-AR" sz="2000" dirty="0">
+                  <a:solidFill>
+                    <a:schemeClr val="bg1"/>
+                  </a:solidFill>
+                  <a:sym typeface="Wingdings" panose="05000000000000000000" pitchFamily="2" charset="2"/>
+                </a:endParaRPr>
+              </a:p>
+              <a:p>
+                <a:r>
+                  <a:rPr lang="es-AR" sz="2000" dirty="0">
+                    <a:solidFill>
+                      <a:schemeClr val="bg1"/>
+                    </a:solidFill>
+                    <a:sym typeface="Wingdings" panose="05000000000000000000" pitchFamily="2" charset="2"/>
+                  </a:rPr>
+                  <a:t> </a:t>
+                </a:r>
+                <a:r>
+                  <a:rPr lang="es-AR" sz="2000" dirty="0" err="1">
+                    <a:solidFill>
+                      <a:schemeClr val="bg1"/>
+                    </a:solidFill>
+                    <a:sym typeface="Wingdings" panose="05000000000000000000" pitchFamily="2" charset="2"/>
+                  </a:rPr>
+                  <a:t>attention</a:t>
+                </a:r>
+                <a:r>
+                  <a:rPr lang="es-AR" sz="2000" dirty="0">
+                    <a:solidFill>
+                      <a:schemeClr val="bg1"/>
+                    </a:solidFill>
+                    <a:sym typeface="Wingdings" panose="05000000000000000000" pitchFamily="2" charset="2"/>
+                  </a:rPr>
+                  <a:t> </a:t>
+                </a:r>
+                <a:r>
+                  <a:rPr lang="es-AR" sz="2000" dirty="0" err="1">
+                    <a:solidFill>
+                      <a:schemeClr val="bg1"/>
+                    </a:solidFill>
+                    <a:sym typeface="Wingdings" panose="05000000000000000000" pitchFamily="2" charset="2"/>
+                  </a:rPr>
+                  <a:t>weight</a:t>
+                </a:r>
+                <a:endParaRPr lang="es-AR" sz="2000" dirty="0">
+                  <a:solidFill>
+                    <a:schemeClr val="bg1"/>
+                  </a:solidFill>
+                </a:endParaRPr>
+              </a:p>
+            </p:txBody>
+          </p:sp>
+        </mc:Choice>
+        <mc:Fallback xmlns="">
+          <p:sp>
+            <p:nvSpPr>
+              <p:cNvPr id="4" name="CuadroTexto 3">
+                <a:extLst>
+                  <a:ext uri="{FF2B5EF4-FFF2-40B4-BE49-F238E27FC236}">
+                    <a16:creationId xmlns:a16="http://schemas.microsoft.com/office/drawing/2014/main" id="{6364B078-9870-9FFB-5195-46074AFF8A60}"/>
+                  </a:ext>
+                </a:extLst>
+              </p:cNvPr>
+              <p:cNvSpPr txBox="1">
+                <a:spLocks noRot="1" noChangeAspect="1" noMove="1" noResize="1" noEditPoints="1" noAdjustHandles="1" noChangeArrowheads="1" noChangeShapeType="1" noTextEdit="1"/>
+              </p:cNvSpPr>
+              <p:nvPr/>
+            </p:nvSpPr>
+            <p:spPr>
+              <a:xfrm>
+                <a:off x="-17408" y="2043718"/>
+                <a:ext cx="2049042" cy="732573"/>
+              </a:xfrm>
+              <a:prstGeom prst="rect">
+                <a:avLst/>
+              </a:prstGeom>
+              <a:blipFill>
+                <a:blip r:embed="rId7"/>
+                <a:stretch>
+                  <a:fillRect b="-14167"/>
+                </a:stretch>
+              </a:blipFill>
+            </p:spPr>
+            <p:txBody>
+              <a:bodyPr/>
+              <a:lstStyle/>
+              <a:p>
+                <a:r>
+                  <a:rPr lang="es-AR">
+                    <a:noFill/>
+                  </a:rPr>
+                  <a:t> </a:t>
+                </a:r>
+              </a:p>
+            </p:txBody>
+          </p:sp>
+        </mc:Fallback>
+      </mc:AlternateContent>
+      <mc:AlternateContent xmlns:mc="http://schemas.openxmlformats.org/markup-compatibility/2006" xmlns:a14="http://schemas.microsoft.com/office/drawing/2010/main">
+        <mc:Choice Requires="a14">
+          <p:sp>
+            <p:nvSpPr>
+              <p:cNvPr id="8" name="TextBox 5">
+                <a:extLst>
+                  <a:ext uri="{FF2B5EF4-FFF2-40B4-BE49-F238E27FC236}">
+                    <a16:creationId xmlns:a16="http://schemas.microsoft.com/office/drawing/2014/main" id="{B8B7B081-D6C4-1A78-CCD4-485C3E3A8966}"/>
+                  </a:ext>
+                </a:extLst>
+              </p:cNvPr>
+              <p:cNvSpPr txBox="1"/>
+              <p:nvPr/>
+            </p:nvSpPr>
+            <p:spPr>
+              <a:xfrm>
+                <a:off x="3620622" y="6416455"/>
+                <a:ext cx="3278911" cy="332463"/>
               </a:xfrm>
               <a:prstGeom prst="rect">
                 <a:avLst/>
@@ -26107,7 +26657,7 @@
                       <m:sSub>
                         <m:sSubPr>
                           <m:ctrlPr>
-                            <a:rPr lang="es-AR" sz="2400" b="0" i="1" smtClean="0">
+                            <a:rPr lang="es-AR" sz="2000" b="0" i="1" smtClean="0">
                               <a:solidFill>
                                 <a:schemeClr val="bg1"/>
                               </a:solidFill>
@@ -26117,7 +26667,86 @@
                         </m:sSubPr>
                         <m:e>
                           <m:r>
-                            <a:rPr lang="es-AR" sz="2400" i="1">
+                            <a:rPr lang="es-AR" sz="2000" b="0" i="1" smtClean="0">
+                              <a:solidFill>
+                                <a:schemeClr val="bg1"/>
+                              </a:solidFill>
+                              <a:latin typeface="Cambria Math" panose="02040503050406030204" pitchFamily="18" charset="0"/>
+                            </a:rPr>
+                            <m:t>𝑎</m:t>
+                          </m:r>
+                        </m:e>
+                        <m:sub>
+                          <m:r>
+                            <a:rPr lang="es-AR" sz="2000" b="0" i="1" smtClean="0">
+                              <a:solidFill>
+                                <a:schemeClr val="bg1"/>
+                              </a:solidFill>
+                              <a:latin typeface="Cambria Math" panose="02040503050406030204" pitchFamily="18" charset="0"/>
+                            </a:rPr>
+                            <m:t>𝑡</m:t>
+                          </m:r>
+                          <m:r>
+                            <a:rPr lang="es-AR" sz="2000" b="0" i="1" smtClean="0">
+                              <a:solidFill>
+                                <a:schemeClr val="bg1"/>
+                              </a:solidFill>
+                              <a:latin typeface="Cambria Math" panose="02040503050406030204" pitchFamily="18" charset="0"/>
+                            </a:rPr>
+                            <m:t>,</m:t>
+                          </m:r>
+                          <m:r>
+                            <a:rPr lang="es-AR" sz="2000" b="0" i="1" smtClean="0">
+                              <a:solidFill>
+                                <a:schemeClr val="bg1"/>
+                              </a:solidFill>
+                              <a:latin typeface="Cambria Math" panose="02040503050406030204" pitchFamily="18" charset="0"/>
+                            </a:rPr>
+                            <m:t>𝑗</m:t>
+                          </m:r>
+                        </m:sub>
+                      </m:sSub>
+                      <m:r>
+                        <a:rPr lang="es-AR" sz="2000" b="0" i="1" smtClean="0">
+                          <a:solidFill>
+                            <a:schemeClr val="bg1"/>
+                          </a:solidFill>
+                          <a:latin typeface="Cambria Math" panose="02040503050406030204" pitchFamily="18" charset="0"/>
+                        </a:rPr>
+                        <m:t>=</m:t>
+                      </m:r>
+                      <m:r>
+                        <a:rPr lang="es-AR" sz="2000" b="0" i="1" smtClean="0">
+                          <a:solidFill>
+                            <a:schemeClr val="bg1"/>
+                          </a:solidFill>
+                          <a:latin typeface="Cambria Math" panose="02040503050406030204" pitchFamily="18" charset="0"/>
+                        </a:rPr>
+                        <m:t>𝑠𝑜𝑓𝑡𝑚𝑎𝑥</m:t>
+                      </m:r>
+                      <m:r>
+                        <a:rPr lang="es-AR" sz="2000" b="0" i="1" smtClean="0">
+                          <a:solidFill>
+                            <a:schemeClr val="bg1"/>
+                          </a:solidFill>
+                          <a:latin typeface="Cambria Math" panose="02040503050406030204" pitchFamily="18" charset="0"/>
+                        </a:rPr>
+                        <m:t>(</m:t>
+                      </m:r>
+                      <m:sSub>
+                        <m:sSubPr>
+                          <m:ctrlPr>
+                            <a:rPr lang="es-AR" sz="2000" i="1">
+                              <a:solidFill>
+                                <a:schemeClr val="bg1"/>
+                              </a:solidFill>
+                              <a:latin typeface="Cambria Math" panose="02040503050406030204" pitchFamily="18" charset="0"/>
+                            </a:rPr>
+                          </m:ctrlPr>
+                        </m:sSubPr>
+                        <m:e>
+                          <m:r>
+                            <a:rPr lang="es-AR" sz="2000" i="1">
                               <a:solidFill>
                                 <a:schemeClr val="bg1"/>
                               </a:solidFill>
@@ -26126,7 +26755,7 @@
                             <m:t>𝑎𝑡𝑡</m:t>
                           </m:r>
                           <m:r>
-                            <a:rPr lang="es-AR" sz="2400" i="1">
+                            <a:rPr lang="es-AR" sz="2000" i="1">
                               <a:solidFill>
                                 <a:schemeClr val="bg1"/>
                               </a:solidFill>
@@ -26135,7 +26764,7 @@
                             <m:t>_</m:t>
                           </m:r>
                           <m:r>
-                            <a:rPr lang="es-AR" sz="2400" i="1">
+                            <a:rPr lang="es-AR" sz="2000" i="1">
                               <a:solidFill>
                                 <a:schemeClr val="bg1"/>
                               </a:solidFill>
@@ -26146,7 +26775,25 @@
                         </m:e>
                         <m:sub>
                           <m:r>
-                            <a:rPr lang="es-AR" sz="2400" b="0" i="1" smtClean="0">
+                            <a:rPr lang="es-AR" sz="2000" b="0" i="1" smtClean="0">
+                              <a:solidFill>
+                                <a:schemeClr val="bg1"/>
+                              </a:solidFill>
+                              <a:latin typeface="Cambria Math" panose="02040503050406030204" pitchFamily="18" charset="0"/>
+                            </a:rPr>
+                            <m:t>𝑡</m:t>
+                          </m:r>
+                          <m:r>
+                            <a:rPr lang="es-AR" sz="2000" b="0" i="1" smtClean="0">
+                              <a:solidFill>
+                                <a:schemeClr val="bg1"/>
+                              </a:solidFill>
+                              <a:latin typeface="Cambria Math" panose="02040503050406030204" pitchFamily="18" charset="0"/>
+                            </a:rPr>
+                            <m:t>,</m:t>
+                          </m:r>
+                          <m:r>
+                            <a:rPr lang="es-AR" sz="2000" i="1">
                               <a:solidFill>
                                 <a:schemeClr val="bg1"/>
                               </a:solidFill>
@@ -26157,7 +26804,182 @@
                         </m:sub>
                       </m:sSub>
                       <m:r>
-                        <a:rPr lang="es-AR" sz="2400" b="0" i="1" smtClean="0">
+                        <a:rPr lang="es-AR" sz="2000" b="0" i="1" smtClean="0">
+                          <a:solidFill>
+                            <a:schemeClr val="bg1"/>
+                          </a:solidFill>
+                          <a:latin typeface="Cambria Math" panose="02040503050406030204" pitchFamily="18" charset="0"/>
+                        </a:rPr>
+                        <m:t>)</m:t>
+                      </m:r>
+                    </m:oMath>
+                  </m:oMathPara>
+                </a14:m>
+                <a:endParaRPr lang="es-AR" sz="2000" dirty="0">
+                  <a:solidFill>
+                    <a:schemeClr val="bg1"/>
+                  </a:solidFill>
+                </a:endParaRPr>
+              </a:p>
+            </p:txBody>
+          </p:sp>
+        </mc:Choice>
+        <mc:Fallback xmlns="">
+          <p:sp>
+            <p:nvSpPr>
+              <p:cNvPr id="8" name="TextBox 5">
+                <a:extLst>
+                  <a:ext uri="{FF2B5EF4-FFF2-40B4-BE49-F238E27FC236}">
+                    <a16:creationId xmlns:a16="http://schemas.microsoft.com/office/drawing/2014/main" id="{B8B7B081-D6C4-1A78-CCD4-485C3E3A8966}"/>
+                  </a:ext>
+                </a:extLst>
+              </p:cNvPr>
+              <p:cNvSpPr txBox="1">
+                <a:spLocks noRot="1" noChangeAspect="1" noMove="1" noResize="1" noEditPoints="1" noAdjustHandles="1" noChangeArrowheads="1" noChangeShapeType="1" noTextEdit="1"/>
+              </p:cNvSpPr>
+              <p:nvPr/>
+            </p:nvSpPr>
+            <p:spPr>
+              <a:xfrm>
+                <a:off x="3620622" y="6416455"/>
+                <a:ext cx="3278911" cy="332463"/>
+              </a:xfrm>
+              <a:prstGeom prst="rect">
+                <a:avLst/>
+              </a:prstGeom>
+              <a:blipFill>
+                <a:blip r:embed="rId8"/>
+                <a:stretch>
+                  <a:fillRect l="-558" t="-1852" r="-2230" b="-27778"/>
+                </a:stretch>
+              </a:blipFill>
+            </p:spPr>
+            <p:txBody>
+              <a:bodyPr/>
+              <a:lstStyle/>
+              <a:p>
+                <a:r>
+                  <a:rPr lang="es-AR">
+                    <a:noFill/>
+                  </a:rPr>
+                  <a:t> </a:t>
+                </a:r>
+              </a:p>
+            </p:txBody>
+          </p:sp>
+        </mc:Fallback>
+      </mc:AlternateContent>
+      <mc:AlternateContent xmlns:mc="http://schemas.openxmlformats.org/markup-compatibility/2006" xmlns:a14="http://schemas.microsoft.com/office/drawing/2010/main">
+        <mc:Choice Requires="a14">
+          <p:sp>
+            <p:nvSpPr>
+              <p:cNvPr id="9" name="TextBox 6">
+                <a:extLst>
+                  <a:ext uri="{FF2B5EF4-FFF2-40B4-BE49-F238E27FC236}">
+                    <a16:creationId xmlns:a16="http://schemas.microsoft.com/office/drawing/2014/main" id="{95143B9E-2914-72BA-38BD-CDEE254EED77}"/>
+                  </a:ext>
+                </a:extLst>
+              </p:cNvPr>
+              <p:cNvSpPr txBox="1"/>
+              <p:nvPr/>
+            </p:nvSpPr>
+            <p:spPr>
+              <a:xfrm>
+                <a:off x="178986" y="6431759"/>
+                <a:ext cx="2786917" cy="332463"/>
+              </a:xfrm>
+              <a:prstGeom prst="rect">
+                <a:avLst/>
+              </a:prstGeom>
+              <a:solidFill>
+                <a:schemeClr val="tx1"/>
+              </a:solidFill>
+            </p:spPr>
+            <p:txBody>
+              <a:bodyPr wrap="none" lIns="0" tIns="0" rIns="0" bIns="0" rtlCol="0">
+                <a:spAutoFit/>
+              </a:bodyPr>
+              <a:lstStyle/>
+              <a:p>
+                <a:pPr/>
+                <a14:m>
+                  <m:oMathPara xmlns:m="http://schemas.openxmlformats.org/officeDocument/2006/math">
+                    <m:oMathParaPr>
+                      <m:jc m:val="centerGroup"/>
+                    </m:oMathParaPr>
+                    <m:oMath xmlns:m="http://schemas.openxmlformats.org/officeDocument/2006/math">
+                      <m:sSub>
+                        <m:sSubPr>
+                          <m:ctrlPr>
+                            <a:rPr lang="es-AR" sz="2000" b="0" i="1" smtClean="0">
+                              <a:solidFill>
+                                <a:schemeClr val="bg1"/>
+                              </a:solidFill>
+                              <a:latin typeface="Cambria Math" panose="02040503050406030204" pitchFamily="18" charset="0"/>
+                            </a:rPr>
+                          </m:ctrlPr>
+                        </m:sSubPr>
+                        <m:e>
+                          <m:r>
+                            <a:rPr lang="es-AR" sz="2000" i="1">
+                              <a:solidFill>
+                                <a:schemeClr val="bg1"/>
+                              </a:solidFill>
+                              <a:latin typeface="Cambria Math" panose="02040503050406030204" pitchFamily="18" charset="0"/>
+                            </a:rPr>
+                            <m:t>𝑎𝑡𝑡</m:t>
+                          </m:r>
+                          <m:r>
+                            <a:rPr lang="es-AR" sz="2000" i="1">
+                              <a:solidFill>
+                                <a:schemeClr val="bg1"/>
+                              </a:solidFill>
+                              <a:latin typeface="Cambria Math" panose="02040503050406030204" pitchFamily="18" charset="0"/>
+                            </a:rPr>
+                            <m:t>_</m:t>
+                          </m:r>
+                          <m:r>
+                            <a:rPr lang="es-AR" sz="2000" i="1">
+                              <a:solidFill>
+                                <a:schemeClr val="bg1"/>
+                              </a:solidFill>
+                              <a:latin typeface="Cambria Math" panose="02040503050406030204" pitchFamily="18" charset="0"/>
+                            </a:rPr>
+                            <m:t>𝑠𝑐𝑜𝑟𝑒</m:t>
+                          </m:r>
+                        </m:e>
+                        <m:sub>
+                          <m:r>
+                            <a:rPr lang="es-AR" sz="2000" b="0" i="1" smtClean="0">
+                              <a:solidFill>
+                                <a:schemeClr val="bg1"/>
+                              </a:solidFill>
+                              <a:latin typeface="Cambria Math" panose="02040503050406030204" pitchFamily="18" charset="0"/>
+                            </a:rPr>
+                            <m:t>𝑡</m:t>
+                          </m:r>
+                          <m:r>
+                            <a:rPr lang="es-AR" sz="2000" b="0" i="1" smtClean="0">
+                              <a:solidFill>
+                                <a:schemeClr val="bg1"/>
+                              </a:solidFill>
+                              <a:latin typeface="Cambria Math" panose="02040503050406030204" pitchFamily="18" charset="0"/>
+                            </a:rPr>
+                            <m:t>,</m:t>
+                          </m:r>
+                          <m:r>
+                            <a:rPr lang="es-AR" sz="2000" b="0" i="1" smtClean="0">
+                              <a:solidFill>
+                                <a:schemeClr val="bg1"/>
+                              </a:solidFill>
+                              <a:latin typeface="Cambria Math" panose="02040503050406030204" pitchFamily="18" charset="0"/>
+                            </a:rPr>
+                            <m:t>𝑗</m:t>
+                          </m:r>
+                        </m:sub>
+                      </m:sSub>
+                      <m:r>
+                        <a:rPr lang="es-AR" sz="2000" b="0" i="1" smtClean="0">
                           <a:solidFill>
                             <a:schemeClr val="bg1"/>
                           </a:solidFill>
@@ -26169,7 +26991,7 @@
                         <m:rPr>
                           <m:sty m:val="p"/>
                         </m:rPr>
-                        <a:rPr lang="es-AR" sz="2400" b="0" i="0" smtClean="0">
+                        <a:rPr lang="es-AR" sz="2000" b="0" i="0" smtClean="0">
                           <a:solidFill>
                             <a:schemeClr val="bg1"/>
                           </a:solidFill>
@@ -26178,7 +27000,7 @@
                         <m:t>dot</m:t>
                       </m:r>
                       <m:r>
-                        <a:rPr lang="es-AR" sz="2400" b="0" i="0" smtClean="0">
+                        <a:rPr lang="es-AR" sz="2000" b="0" i="0" smtClean="0">
                           <a:solidFill>
                             <a:schemeClr val="bg1"/>
                           </a:solidFill>
@@ -26189,7 +27011,7 @@
                       <m:sSub>
                         <m:sSubPr>
                           <m:ctrlPr>
-                            <a:rPr lang="es-AR" sz="2400" b="0" i="1" smtClean="0">
+                            <a:rPr lang="es-AR" sz="2000" b="0" i="1" smtClean="0">
                               <a:solidFill>
                                 <a:schemeClr val="bg1"/>
                               </a:solidFill>
@@ -26199,7 +27021,7 @@
                         </m:sSubPr>
                         <m:e>
                           <m:r>
-                            <a:rPr lang="es-AR" sz="2400" b="0" i="1" smtClean="0">
+                            <a:rPr lang="es-AR" sz="2000" b="0" i="1" smtClean="0">
                               <a:solidFill>
                                 <a:schemeClr val="bg1"/>
                               </a:solidFill>
@@ -26210,7 +27032,7 @@
                         </m:e>
                         <m:sub>
                           <m:r>
-                            <a:rPr lang="es-AR" sz="2400" b="0" i="1" smtClean="0">
+                            <a:rPr lang="es-AR" sz="2000" b="0" i="1" smtClean="0">
                               <a:solidFill>
                                 <a:schemeClr val="bg1"/>
                               </a:solidFill>
@@ -26218,19 +27040,10 @@
                             </a:rPr>
                             <m:t>𝑡</m:t>
                           </m:r>
-                          <m:r>
-                            <a:rPr lang="es-AR" sz="2400" b="0" i="1" smtClean="0">
-                              <a:solidFill>
-                                <a:schemeClr val="bg1"/>
-                              </a:solidFill>
-                              <a:latin typeface="Cambria Math" panose="02040503050406030204" pitchFamily="18" charset="0"/>
-                            </a:rPr>
-                            <m:t>−1</m:t>
-                          </m:r>
                         </m:sub>
                       </m:sSub>
                       <m:r>
-                        <a:rPr lang="es-AR" sz="2400" b="0" i="1" smtClean="0">
+                        <a:rPr lang="es-AR" sz="2000" b="0" i="1" smtClean="0">
                           <a:solidFill>
                             <a:schemeClr val="bg1"/>
                           </a:solidFill>
@@ -26239,7 +27052,7 @@
                         <m:t>,</m:t>
                       </m:r>
                       <m:r>
-                        <a:rPr lang="es-AR" sz="2400" i="1" smtClean="0">
+                        <a:rPr lang="es-AR" sz="2000" i="1" smtClean="0">
                           <a:solidFill>
                             <a:schemeClr val="bg1"/>
                           </a:solidFill>
@@ -26250,7 +27063,7 @@
                       <m:sSub>
                         <m:sSubPr>
                           <m:ctrlPr>
-                            <a:rPr lang="es-AR" sz="2400" b="0" i="1" smtClean="0">
+                            <a:rPr lang="es-AR" sz="2000" b="0" i="1" smtClean="0">
                               <a:solidFill>
                                 <a:schemeClr val="bg1"/>
                               </a:solidFill>
@@ -26260,7 +27073,7 @@
                         </m:sSubPr>
                         <m:e>
                           <m:r>
-                            <a:rPr lang="es-AR" sz="2400" b="0" i="1" smtClean="0">
+                            <a:rPr lang="es-AR" sz="2000" b="0" i="1" smtClean="0">
                               <a:solidFill>
                                 <a:schemeClr val="bg1"/>
                               </a:solidFill>
@@ -26271,7 +27084,7 @@
                         </m:e>
                         <m:sub>
                           <m:r>
-                            <a:rPr lang="es-AR" sz="2400" b="0" i="1" smtClean="0">
+                            <a:rPr lang="es-AR" sz="2000" b="0" i="1" smtClean="0">
                               <a:solidFill>
                                 <a:schemeClr val="bg1"/>
                               </a:solidFill>
@@ -26282,7 +27095,7 @@
                         </m:sub>
                       </m:sSub>
                       <m:r>
-                        <a:rPr lang="es-AR" sz="2400" b="0" i="1" smtClean="0">
+                        <a:rPr lang="es-AR" sz="2000" b="0" i="1" smtClean="0">
                           <a:solidFill>
                             <a:schemeClr val="bg1"/>
                           </a:solidFill>
@@ -26293,7 +27106,7 @@
                     </m:oMath>
                   </m:oMathPara>
                 </a14:m>
-                <a:endParaRPr lang="es-AR" sz="2400" dirty="0">
+                <a:endParaRPr lang="es-AR" sz="2000" dirty="0">
                   <a:solidFill>
                     <a:schemeClr val="bg1"/>
                   </a:solidFill>
@@ -26302,13 +27115,13 @@
             </p:txBody>
           </p:sp>
         </mc:Choice>
-        <mc:Fallback>
+        <mc:Fallback xmlns="">
           <p:sp>
             <p:nvSpPr>
-              <p:cNvPr id="17" name="TextBox 6">
+              <p:cNvPr id="9" name="TextBox 6">
                 <a:extLst>
                   <a:ext uri="{FF2B5EF4-FFF2-40B4-BE49-F238E27FC236}">
-                    <a16:creationId xmlns:a16="http://schemas.microsoft.com/office/drawing/2014/main" id="{DAE805B2-92DD-EA72-8701-0E71708F33D1}"/>
+                    <a16:creationId xmlns:a16="http://schemas.microsoft.com/office/drawing/2014/main" id="{95143B9E-2914-72BA-38BD-CDEE254EED77}"/>
                   </a:ext>
                 </a:extLst>
               </p:cNvPr>
@@ -26319,16 +27132,16 @@
             </p:nvSpPr>
             <p:spPr>
               <a:xfrm>
-                <a:off x="74310" y="6286202"/>
-                <a:ext cx="3622915" cy="399084"/>
+                <a:off x="178986" y="6431759"/>
+                <a:ext cx="2786917" cy="332463"/>
               </a:xfrm>
               <a:prstGeom prst="rect">
                 <a:avLst/>
               </a:prstGeom>
               <a:blipFill>
-                <a:blip r:embed="rId7"/>
+                <a:blip r:embed="rId9"/>
                 <a:stretch>
-                  <a:fillRect r="-840" b="-25758"/>
+                  <a:fillRect l="-1528" r="-2838" b="-25455"/>
                 </a:stretch>
               </a:blipFill>
             </p:spPr>
@@ -26488,8 +27301,8 @@
           </p:sp>
         </mc:Fallback>
       </mc:AlternateContent>
-      <mc:AlternateContent xmlns:mc="http://schemas.openxmlformats.org/markup-compatibility/2006">
-        <mc:Choice xmlns:a14="http://schemas.microsoft.com/office/drawing/2010/main" Requires="a14">
+      <mc:AlternateContent xmlns:mc="http://schemas.openxmlformats.org/markup-compatibility/2006" xmlns:a14="http://schemas.microsoft.com/office/drawing/2010/main">
+        <mc:Choice Requires="a14">
           <p:sp>
             <p:nvSpPr>
               <p:cNvPr id="10" name="Rectangle 9"/>
@@ -26825,7 +27638,7 @@
             </p:txBody>
           </p:sp>
         </mc:Choice>
-        <mc:Fallback>
+        <mc:Fallback xmlns="">
           <p:sp>
             <p:nvSpPr>
               <p:cNvPr id="10" name="Rectangle 9"/>
@@ -27005,323 +27818,8 @@
           </a:prstGeom>
         </p:spPr>
       </p:pic>
-      <mc:AlternateContent xmlns:mc="http://schemas.openxmlformats.org/markup-compatibility/2006">
-        <mc:Choice xmlns:a14="http://schemas.microsoft.com/office/drawing/2010/main" Requires="a14">
-          <p:sp>
-            <p:nvSpPr>
-              <p:cNvPr id="13" name="CuadroTexto 12">
-                <a:extLst>
-                  <a:ext uri="{FF2B5EF4-FFF2-40B4-BE49-F238E27FC236}">
-                    <a16:creationId xmlns:a16="http://schemas.microsoft.com/office/drawing/2014/main" id="{5993B5E6-200D-970E-1E49-14625CAC3218}"/>
-                  </a:ext>
-                </a:extLst>
-              </p:cNvPr>
-              <p:cNvSpPr txBox="1"/>
-              <p:nvPr/>
-            </p:nvSpPr>
-            <p:spPr>
-              <a:xfrm>
-                <a:off x="100037" y="3316211"/>
-                <a:ext cx="1560444" cy="424796"/>
-              </a:xfrm>
-              <a:prstGeom prst="rect">
-                <a:avLst/>
-              </a:prstGeom>
-              <a:noFill/>
-            </p:spPr>
-            <p:txBody>
-              <a:bodyPr wrap="square">
-                <a:spAutoFit/>
-              </a:bodyPr>
-              <a:lstStyle/>
-              <a:p>
-                <a:pPr/>
-                <a14:m>
-                  <m:oMathPara xmlns:m="http://schemas.openxmlformats.org/officeDocument/2006/math">
-                    <m:oMathParaPr>
-                      <m:jc m:val="centerGroup"/>
-                    </m:oMathParaPr>
-                    <m:oMath xmlns:m="http://schemas.openxmlformats.org/officeDocument/2006/math">
-                      <m:sSub>
-                        <m:sSubPr>
-                          <m:ctrlPr>
-                            <a:rPr lang="es-AR" sz="2000" b="0" i="1" smtClean="0">
-                              <a:solidFill>
-                                <a:schemeClr val="bg1"/>
-                              </a:solidFill>
-                              <a:latin typeface="Cambria Math" panose="02040503050406030204" pitchFamily="18" charset="0"/>
-                            </a:rPr>
-                          </m:ctrlPr>
-                        </m:sSubPr>
-                        <m:e>
-                          <m:r>
-                            <a:rPr lang="es-AR" sz="2000" i="1">
-                              <a:solidFill>
-                                <a:schemeClr val="bg1"/>
-                              </a:solidFill>
-                              <a:latin typeface="Cambria Math" panose="02040503050406030204" pitchFamily="18" charset="0"/>
-                            </a:rPr>
-                            <m:t>𝑎𝑡𝑡</m:t>
-                          </m:r>
-                          <m:r>
-                            <a:rPr lang="es-AR" sz="2000" i="1">
-                              <a:solidFill>
-                                <a:schemeClr val="bg1"/>
-                              </a:solidFill>
-                              <a:latin typeface="Cambria Math" panose="02040503050406030204" pitchFamily="18" charset="0"/>
-                            </a:rPr>
-                            <m:t>_</m:t>
-                          </m:r>
-                          <m:r>
-                            <a:rPr lang="es-AR" sz="2000" i="1">
-                              <a:solidFill>
-                                <a:schemeClr val="bg1"/>
-                              </a:solidFill>
-                              <a:latin typeface="Cambria Math" panose="02040503050406030204" pitchFamily="18" charset="0"/>
-                            </a:rPr>
-                            <m:t>𝑠𝑐𝑜𝑟𝑒</m:t>
-                          </m:r>
-                        </m:e>
-                        <m:sub>
-                          <m:r>
-                            <a:rPr lang="es-AR" sz="2000" b="0" i="1" smtClean="0">
-                              <a:solidFill>
-                                <a:schemeClr val="bg1"/>
-                              </a:solidFill>
-                              <a:latin typeface="Cambria Math" panose="02040503050406030204" pitchFamily="18" charset="0"/>
-                            </a:rPr>
-                            <m:t>𝑗</m:t>
-                          </m:r>
-                        </m:sub>
-                      </m:sSub>
-                    </m:oMath>
-                  </m:oMathPara>
-                </a14:m>
-                <a:endParaRPr lang="es-AR" sz="2000" dirty="0"/>
-              </a:p>
-            </p:txBody>
-          </p:sp>
-        </mc:Choice>
-        <mc:Fallback>
-          <p:sp>
-            <p:nvSpPr>
-              <p:cNvPr id="13" name="CuadroTexto 12">
-                <a:extLst>
-                  <a:ext uri="{FF2B5EF4-FFF2-40B4-BE49-F238E27FC236}">
-                    <a16:creationId xmlns:a16="http://schemas.microsoft.com/office/drawing/2014/main" id="{5993B5E6-200D-970E-1E49-14625CAC3218}"/>
-                  </a:ext>
-                </a:extLst>
-              </p:cNvPr>
-              <p:cNvSpPr txBox="1">
-                <a:spLocks noRot="1" noChangeAspect="1" noMove="1" noResize="1" noEditPoints="1" noAdjustHandles="1" noChangeArrowheads="1" noChangeShapeType="1" noTextEdit="1"/>
-              </p:cNvSpPr>
-              <p:nvPr/>
-            </p:nvSpPr>
-            <p:spPr>
-              <a:xfrm>
-                <a:off x="100037" y="3316211"/>
-                <a:ext cx="1560444" cy="424796"/>
-              </a:xfrm>
-              <a:prstGeom prst="rect">
-                <a:avLst/>
-              </a:prstGeom>
-              <a:blipFill>
-                <a:blip r:embed="rId10"/>
-                <a:stretch>
-                  <a:fillRect b="-8571"/>
-                </a:stretch>
-              </a:blipFill>
-            </p:spPr>
-            <p:txBody>
-              <a:bodyPr/>
-              <a:lstStyle/>
-              <a:p>
-                <a:r>
-                  <a:rPr lang="es-AR">
-                    <a:noFill/>
-                  </a:rPr>
-                  <a:t> </a:t>
-                </a:r>
-              </a:p>
-            </p:txBody>
-          </p:sp>
-        </mc:Fallback>
-      </mc:AlternateContent>
-      <mc:AlternateContent xmlns:mc="http://schemas.openxmlformats.org/markup-compatibility/2006">
-        <mc:Choice xmlns:a14="http://schemas.microsoft.com/office/drawing/2010/main" Requires="a14">
-          <p:sp>
-            <p:nvSpPr>
-              <p:cNvPr id="14" name="CuadroTexto 13">
-                <a:extLst>
-                  <a:ext uri="{FF2B5EF4-FFF2-40B4-BE49-F238E27FC236}">
-                    <a16:creationId xmlns:a16="http://schemas.microsoft.com/office/drawing/2014/main" id="{256CFBA1-5E5C-7920-F9AE-90E60AFEC615}"/>
-                  </a:ext>
-                </a:extLst>
-              </p:cNvPr>
-              <p:cNvSpPr txBox="1"/>
-              <p:nvPr/>
-            </p:nvSpPr>
-            <p:spPr>
-              <a:xfrm>
-                <a:off x="0" y="2043718"/>
-                <a:ext cx="2049042" cy="732573"/>
-              </a:xfrm>
-              <a:prstGeom prst="rect">
-                <a:avLst/>
-              </a:prstGeom>
-              <a:noFill/>
-            </p:spPr>
-            <p:txBody>
-              <a:bodyPr wrap="square">
-                <a:spAutoFit/>
-              </a:bodyPr>
-              <a:lstStyle/>
-              <a:p>
-                <a:pPr/>
-                <a14:m>
-                  <m:oMathPara xmlns:m="http://schemas.openxmlformats.org/officeDocument/2006/math">
-                    <m:oMathParaPr>
-                      <m:jc m:val="centerGroup"/>
-                    </m:oMathParaPr>
-                    <m:oMath xmlns:m="http://schemas.openxmlformats.org/officeDocument/2006/math">
-                      <m:sSub>
-                        <m:sSubPr>
-                          <m:ctrlPr>
-                            <a:rPr lang="es-AR" sz="2000" b="0" i="1" smtClean="0">
-                              <a:solidFill>
-                                <a:schemeClr val="bg1"/>
-                              </a:solidFill>
-                              <a:latin typeface="Cambria Math" panose="02040503050406030204" pitchFamily="18" charset="0"/>
-                            </a:rPr>
-                          </m:ctrlPr>
-                        </m:sSubPr>
-                        <m:e>
-                          <m:r>
-                            <a:rPr lang="es-AR" sz="2000" b="0" i="1" smtClean="0">
-                              <a:solidFill>
-                                <a:schemeClr val="bg1"/>
-                              </a:solidFill>
-                              <a:latin typeface="Cambria Math" panose="02040503050406030204" pitchFamily="18" charset="0"/>
-                            </a:rPr>
-                            <m:t>𝑎</m:t>
-                          </m:r>
-                        </m:e>
-                        <m:sub>
-                          <m:r>
-                            <a:rPr lang="es-AR" sz="2000" b="0" i="1" smtClean="0">
-                              <a:solidFill>
-                                <a:schemeClr val="bg1"/>
-                              </a:solidFill>
-                              <a:latin typeface="Cambria Math" panose="02040503050406030204" pitchFamily="18" charset="0"/>
-                            </a:rPr>
-                            <m:t>𝑗</m:t>
-                          </m:r>
-                        </m:sub>
-                      </m:sSub>
-                    </m:oMath>
-                  </m:oMathPara>
-                </a14:m>
-                <a:endParaRPr lang="es-AR" sz="2000" dirty="0">
-                  <a:solidFill>
-                    <a:schemeClr val="bg1"/>
-                  </a:solidFill>
-                  <a:sym typeface="Wingdings" panose="05000000000000000000" pitchFamily="2" charset="2"/>
-                </a:endParaRPr>
-              </a:p>
-              <a:p>
-                <a:pPr/>
-                <a:r>
-                  <a:rPr lang="es-AR" sz="2000" dirty="0">
-                    <a:solidFill>
-                      <a:schemeClr val="bg1"/>
-                    </a:solidFill>
-                    <a:sym typeface="Wingdings" panose="05000000000000000000" pitchFamily="2" charset="2"/>
-                  </a:rPr>
-                  <a:t> </a:t>
-                </a:r>
-                <a:r>
-                  <a:rPr lang="es-AR" sz="2000" dirty="0" err="1">
-                    <a:solidFill>
-                      <a:schemeClr val="bg1"/>
-                    </a:solidFill>
-                    <a:sym typeface="Wingdings" panose="05000000000000000000" pitchFamily="2" charset="2"/>
-                  </a:rPr>
-                  <a:t>attention</a:t>
-                </a:r>
-                <a:r>
-                  <a:rPr lang="es-AR" sz="2000" dirty="0">
-                    <a:solidFill>
-                      <a:schemeClr val="bg1"/>
-                    </a:solidFill>
-                    <a:sym typeface="Wingdings" panose="05000000000000000000" pitchFamily="2" charset="2"/>
-                  </a:rPr>
-                  <a:t> </a:t>
-                </a:r>
-                <a:r>
-                  <a:rPr lang="es-AR" sz="2000" dirty="0" err="1">
-                    <a:solidFill>
-                      <a:schemeClr val="bg1"/>
-                    </a:solidFill>
-                    <a:sym typeface="Wingdings" panose="05000000000000000000" pitchFamily="2" charset="2"/>
-                  </a:rPr>
-                  <a:t>weight</a:t>
-                </a:r>
-                <a:endParaRPr lang="es-AR" sz="2000" dirty="0">
-                  <a:solidFill>
-                    <a:schemeClr val="bg1"/>
-                  </a:solidFill>
-                </a:endParaRPr>
-              </a:p>
-            </p:txBody>
-          </p:sp>
-        </mc:Choice>
-        <mc:Fallback>
-          <p:sp>
-            <p:nvSpPr>
-              <p:cNvPr id="14" name="CuadroTexto 13">
-                <a:extLst>
-                  <a:ext uri="{FF2B5EF4-FFF2-40B4-BE49-F238E27FC236}">
-                    <a16:creationId xmlns:a16="http://schemas.microsoft.com/office/drawing/2014/main" id="{256CFBA1-5E5C-7920-F9AE-90E60AFEC615}"/>
-                  </a:ext>
-                </a:extLst>
-              </p:cNvPr>
-              <p:cNvSpPr txBox="1">
-                <a:spLocks noRot="1" noChangeAspect="1" noMove="1" noResize="1" noEditPoints="1" noAdjustHandles="1" noChangeArrowheads="1" noChangeShapeType="1" noTextEdit="1"/>
-              </p:cNvSpPr>
-              <p:nvPr/>
-            </p:nvSpPr>
-            <p:spPr>
-              <a:xfrm>
-                <a:off x="0" y="2043718"/>
-                <a:ext cx="2049042" cy="732573"/>
-              </a:xfrm>
-              <a:prstGeom prst="rect">
-                <a:avLst/>
-              </a:prstGeom>
-              <a:blipFill>
-                <a:blip r:embed="rId11"/>
-                <a:stretch>
-                  <a:fillRect b="-14167"/>
-                </a:stretch>
-              </a:blipFill>
-            </p:spPr>
-            <p:txBody>
-              <a:bodyPr/>
-              <a:lstStyle/>
-              <a:p>
-                <a:r>
-                  <a:rPr lang="es-AR">
-                    <a:noFill/>
-                  </a:rPr>
-                  <a:t> </a:t>
-                </a:r>
-              </a:p>
-            </p:txBody>
-          </p:sp>
-        </mc:Fallback>
-      </mc:AlternateContent>
-      <mc:AlternateContent xmlns:mc="http://schemas.openxmlformats.org/markup-compatibility/2006">
-        <mc:Choice xmlns:a14="http://schemas.microsoft.com/office/drawing/2010/main" Requires="a14">
+      <mc:AlternateContent xmlns:mc="http://schemas.openxmlformats.org/markup-compatibility/2006" xmlns:a14="http://schemas.microsoft.com/office/drawing/2010/main">
+        <mc:Choice Requires="a14">
           <p:sp>
             <p:nvSpPr>
               <p:cNvPr id="15" name="CuadroTexto 14">
@@ -27408,7 +27906,7 @@
             </p:txBody>
           </p:sp>
         </mc:Choice>
-        <mc:Fallback>
+        <mc:Fallback xmlns="">
           <p:sp>
             <p:nvSpPr>
               <p:cNvPr id="15" name="CuadroTexto 14">
@@ -27453,14 +27951,253 @@
           </p:sp>
         </mc:Fallback>
       </mc:AlternateContent>
-      <mc:AlternateContent xmlns:mc="http://schemas.openxmlformats.org/markup-compatibility/2006">
-        <mc:Choice xmlns:a14="http://schemas.microsoft.com/office/drawing/2010/main" Requires="a14">
+      <p:sp>
+        <p:nvSpPr>
+          <p:cNvPr id="19" name="Subtitle 1">
+            <a:extLst>
+              <a:ext uri="{FF2B5EF4-FFF2-40B4-BE49-F238E27FC236}">
+                <a16:creationId xmlns:a16="http://schemas.microsoft.com/office/drawing/2014/main" id="{A997E17A-9E31-D00C-AB62-FC42645C8196}"/>
+              </a:ext>
+            </a:extLst>
+          </p:cNvPr>
+          <p:cNvSpPr txBox="1">
+            <a:spLocks/>
+          </p:cNvSpPr>
+          <p:nvPr/>
+        </p:nvSpPr>
+        <p:spPr>
+          <a:xfrm>
+            <a:off x="296213" y="0"/>
+            <a:ext cx="11694017" cy="811369"/>
+          </a:xfrm>
+          <a:prstGeom prst="rect">
+            <a:avLst/>
+          </a:prstGeom>
+        </p:spPr>
+        <p:txBody>
+          <a:bodyPr vert="horz" lIns="91440" tIns="45720" rIns="91440" bIns="45720" rtlCol="0">
+            <a:noAutofit/>
+          </a:bodyPr>
+          <a:lstStyle>
+            <a:lvl1pPr marL="228600" indent="-228600" algn="l" defTabSz="914400" rtl="0" eaLnBrk="1" latinLnBrk="0" hangingPunct="1">
+              <a:lnSpc>
+                <a:spcPct val="120000"/>
+              </a:lnSpc>
+              <a:spcBef>
+                <a:spcPts val="1000"/>
+              </a:spcBef>
+              <a:buSzPct val="125000"/>
+              <a:buFont typeface="Arial" panose="020B0604020202020204" pitchFamily="34" charset="0"/>
+              <a:buChar char="•"/>
+              <a:defRPr sz="2400" kern="1200">
+                <a:solidFill>
+                  <a:schemeClr val="tx1"/>
+                </a:solidFill>
+                <a:latin typeface="+mn-lt"/>
+                <a:ea typeface="+mn-ea"/>
+                <a:cs typeface="+mn-cs"/>
+              </a:defRPr>
+            </a:lvl1pPr>
+            <a:lvl2pPr marL="685800" indent="-228600" algn="l" defTabSz="914400" rtl="0" eaLnBrk="1" latinLnBrk="0" hangingPunct="1">
+              <a:lnSpc>
+                <a:spcPct val="120000"/>
+              </a:lnSpc>
+              <a:spcBef>
+                <a:spcPts val="500"/>
+              </a:spcBef>
+              <a:buSzPct val="125000"/>
+              <a:buFont typeface="Arial" panose="020B0604020202020204" pitchFamily="34" charset="0"/>
+              <a:buChar char="•"/>
+              <a:defRPr sz="2000" kern="1200">
+                <a:solidFill>
+                  <a:schemeClr val="tx1"/>
+                </a:solidFill>
+                <a:latin typeface="+mn-lt"/>
+                <a:ea typeface="+mn-ea"/>
+                <a:cs typeface="+mn-cs"/>
+              </a:defRPr>
+            </a:lvl2pPr>
+            <a:lvl3pPr marL="1143000" indent="-228600" algn="l" defTabSz="914400" rtl="0" eaLnBrk="1" latinLnBrk="0" hangingPunct="1">
+              <a:lnSpc>
+                <a:spcPct val="120000"/>
+              </a:lnSpc>
+              <a:spcBef>
+                <a:spcPts val="500"/>
+              </a:spcBef>
+              <a:buSzPct val="125000"/>
+              <a:buFont typeface="Arial" panose="020B0604020202020204" pitchFamily="34" charset="0"/>
+              <a:buChar char="•"/>
+              <a:defRPr sz="1800" kern="1200">
+                <a:solidFill>
+                  <a:schemeClr val="tx1"/>
+                </a:solidFill>
+                <a:latin typeface="+mn-lt"/>
+                <a:ea typeface="+mn-ea"/>
+                <a:cs typeface="+mn-cs"/>
+              </a:defRPr>
+            </a:lvl3pPr>
+            <a:lvl4pPr marL="1600200" indent="-228600" algn="l" defTabSz="914400" rtl="0" eaLnBrk="1" latinLnBrk="0" hangingPunct="1">
+              <a:lnSpc>
+                <a:spcPct val="120000"/>
+              </a:lnSpc>
+              <a:spcBef>
+                <a:spcPts val="500"/>
+              </a:spcBef>
+              <a:buSzPct val="125000"/>
+              <a:buFont typeface="Arial" panose="020B0604020202020204" pitchFamily="34" charset="0"/>
+              <a:buChar char="•"/>
+              <a:defRPr sz="1600" kern="1200">
+                <a:solidFill>
+                  <a:schemeClr val="tx1"/>
+                </a:solidFill>
+                <a:latin typeface="+mn-lt"/>
+                <a:ea typeface="+mn-ea"/>
+                <a:cs typeface="+mn-cs"/>
+              </a:defRPr>
+            </a:lvl4pPr>
+            <a:lvl5pPr marL="2057400" indent="-228600" algn="l" defTabSz="914400" rtl="0" eaLnBrk="1" latinLnBrk="0" hangingPunct="1">
+              <a:lnSpc>
+                <a:spcPct val="120000"/>
+              </a:lnSpc>
+              <a:spcBef>
+                <a:spcPts val="500"/>
+              </a:spcBef>
+              <a:buSzPct val="125000"/>
+              <a:buFont typeface="Arial" panose="020B0604020202020204" pitchFamily="34" charset="0"/>
+              <a:buChar char="•"/>
+              <a:defRPr sz="1600" kern="1200">
+                <a:solidFill>
+                  <a:schemeClr val="tx1"/>
+                </a:solidFill>
+                <a:latin typeface="+mn-lt"/>
+                <a:ea typeface="+mn-ea"/>
+                <a:cs typeface="+mn-cs"/>
+              </a:defRPr>
+            </a:lvl5pPr>
+            <a:lvl6pPr marL="2514600" indent="-228600" algn="l" defTabSz="914400" rtl="0" eaLnBrk="1" latinLnBrk="0" hangingPunct="1">
+              <a:lnSpc>
+                <a:spcPct val="120000"/>
+              </a:lnSpc>
+              <a:spcBef>
+                <a:spcPts val="500"/>
+              </a:spcBef>
+              <a:buSzPct val="125000"/>
+              <a:buFont typeface="Arial" panose="020B0604020202020204" pitchFamily="34" charset="0"/>
+              <a:buChar char="•"/>
+              <a:defRPr sz="1400" kern="1200">
+                <a:solidFill>
+                  <a:schemeClr val="tx1"/>
+                </a:solidFill>
+                <a:latin typeface="+mn-lt"/>
+                <a:ea typeface="+mn-ea"/>
+                <a:cs typeface="+mn-cs"/>
+              </a:defRPr>
+            </a:lvl6pPr>
+            <a:lvl7pPr marL="2971800" indent="-228600" algn="l" defTabSz="914400" rtl="0" eaLnBrk="1" latinLnBrk="0" hangingPunct="1">
+              <a:lnSpc>
+                <a:spcPct val="120000"/>
+              </a:lnSpc>
+              <a:spcBef>
+                <a:spcPts val="500"/>
+              </a:spcBef>
+              <a:buSzPct val="125000"/>
+              <a:buFont typeface="Arial" panose="020B0604020202020204" pitchFamily="34" charset="0"/>
+              <a:buChar char="•"/>
+              <a:defRPr sz="1400" kern="1200">
+                <a:solidFill>
+                  <a:schemeClr val="tx1"/>
+                </a:solidFill>
+                <a:latin typeface="+mn-lt"/>
+                <a:ea typeface="+mn-ea"/>
+                <a:cs typeface="+mn-cs"/>
+              </a:defRPr>
+            </a:lvl7pPr>
+            <a:lvl8pPr marL="3429000" indent="-228600" algn="l" defTabSz="914400" rtl="0" eaLnBrk="1" latinLnBrk="0" hangingPunct="1">
+              <a:lnSpc>
+                <a:spcPct val="120000"/>
+              </a:lnSpc>
+              <a:spcBef>
+                <a:spcPts val="500"/>
+              </a:spcBef>
+              <a:buSzPct val="125000"/>
+              <a:buFont typeface="Arial" panose="020B0604020202020204" pitchFamily="34" charset="0"/>
+              <a:buChar char="•"/>
+              <a:defRPr sz="1400" kern="1200">
+                <a:solidFill>
+                  <a:schemeClr val="tx1"/>
+                </a:solidFill>
+                <a:latin typeface="+mn-lt"/>
+                <a:ea typeface="+mn-ea"/>
+                <a:cs typeface="+mn-cs"/>
+              </a:defRPr>
+            </a:lvl8pPr>
+            <a:lvl9pPr marL="3886200" indent="-228600" algn="l" defTabSz="914400" rtl="0" eaLnBrk="1" latinLnBrk="0" hangingPunct="1">
+              <a:lnSpc>
+                <a:spcPct val="120000"/>
+              </a:lnSpc>
+              <a:spcBef>
+                <a:spcPts val="500"/>
+              </a:spcBef>
+              <a:buSzPct val="125000"/>
+              <a:buFont typeface="Arial" panose="020B0604020202020204" pitchFamily="34" charset="0"/>
+              <a:buChar char="•"/>
+              <a:defRPr sz="1400" kern="1200">
+                <a:solidFill>
+                  <a:schemeClr val="tx1"/>
+                </a:solidFill>
+                <a:latin typeface="+mn-lt"/>
+                <a:ea typeface="+mn-ea"/>
+                <a:cs typeface="+mn-cs"/>
+              </a:defRPr>
+            </a:lvl9pPr>
+          </a:lstStyle>
+          <a:p>
+            <a:pPr marL="0" indent="0" algn="ctr">
+              <a:buNone/>
+            </a:pPr>
+            <a:r>
+              <a:rPr lang="es-AR" sz="3200" dirty="0" err="1">
+                <a:solidFill>
+                  <a:schemeClr val="bg1"/>
+                </a:solidFill>
+              </a:rPr>
+              <a:t>Recurrent</a:t>
+            </a:r>
+            <a:r>
+              <a:rPr lang="es-AR" sz="3200" dirty="0">
+                <a:solidFill>
+                  <a:schemeClr val="bg1"/>
+                </a:solidFill>
+              </a:rPr>
+              <a:t> Neural Network (RNN)  - </a:t>
+            </a:r>
+            <a:r>
+              <a:rPr lang="es-AR" sz="3200" dirty="0" err="1">
+                <a:solidFill>
+                  <a:schemeClr val="bg1"/>
+                </a:solidFill>
+              </a:rPr>
+              <a:t>Attention</a:t>
+            </a:r>
+            <a:r>
+              <a:rPr lang="es-AR" sz="3200" dirty="0">
+                <a:solidFill>
+                  <a:schemeClr val="bg1"/>
+                </a:solidFill>
+              </a:rPr>
+              <a:t>!!</a:t>
+            </a:r>
+          </a:p>
+        </p:txBody>
+      </p:sp>
+      <mc:AlternateContent xmlns:mc="http://schemas.openxmlformats.org/markup-compatibility/2006" xmlns:a14="http://schemas.microsoft.com/office/drawing/2010/main">
+        <mc:Choice Requires="a14">
           <p:sp>
             <p:nvSpPr>
-              <p:cNvPr id="16" name="CuadroTexto 15">
+              <p:cNvPr id="2" name="CuadroTexto 1">
                 <a:extLst>
                   <a:ext uri="{FF2B5EF4-FFF2-40B4-BE49-F238E27FC236}">
-                    <a16:creationId xmlns:a16="http://schemas.microsoft.com/office/drawing/2014/main" id="{27768F33-D910-817D-A1AC-B191AB9C17A7}"/>
+                    <a16:creationId xmlns:a16="http://schemas.microsoft.com/office/drawing/2014/main" id="{FD353B88-C62B-8442-CCDF-49FE9866F2F8}"/>
                   </a:ext>
                 </a:extLst>
               </p:cNvPr>
@@ -27469,7 +28206,357 @@
             </p:nvSpPr>
             <p:spPr>
               <a:xfrm>
-                <a:off x="2049042" y="989972"/>
+                <a:off x="82629" y="3316211"/>
+                <a:ext cx="1560444" cy="424796"/>
+              </a:xfrm>
+              <a:prstGeom prst="rect">
+                <a:avLst/>
+              </a:prstGeom>
+              <a:noFill/>
+            </p:spPr>
+            <p:txBody>
+              <a:bodyPr wrap="square">
+                <a:spAutoFit/>
+              </a:bodyPr>
+              <a:lstStyle/>
+              <a:p>
+                <a:pPr/>
+                <a14:m>
+                  <m:oMathPara xmlns:m="http://schemas.openxmlformats.org/officeDocument/2006/math">
+                    <m:oMathParaPr>
+                      <m:jc m:val="centerGroup"/>
+                    </m:oMathParaPr>
+                    <m:oMath xmlns:m="http://schemas.openxmlformats.org/officeDocument/2006/math">
+                      <m:sSub>
+                        <m:sSubPr>
+                          <m:ctrlPr>
+                            <a:rPr lang="es-AR" sz="2000" b="0" i="1" smtClean="0">
+                              <a:solidFill>
+                                <a:schemeClr val="bg1"/>
+                              </a:solidFill>
+                              <a:latin typeface="Cambria Math" panose="02040503050406030204" pitchFamily="18" charset="0"/>
+                            </a:rPr>
+                          </m:ctrlPr>
+                        </m:sSubPr>
+                        <m:e>
+                          <m:r>
+                            <a:rPr lang="es-AR" sz="2000" i="1">
+                              <a:solidFill>
+                                <a:schemeClr val="bg1"/>
+                              </a:solidFill>
+                              <a:latin typeface="Cambria Math" panose="02040503050406030204" pitchFamily="18" charset="0"/>
+                            </a:rPr>
+                            <m:t>𝑎𝑡𝑡</m:t>
+                          </m:r>
+                          <m:r>
+                            <a:rPr lang="es-AR" sz="2000" i="1">
+                              <a:solidFill>
+                                <a:schemeClr val="bg1"/>
+                              </a:solidFill>
+                              <a:latin typeface="Cambria Math" panose="02040503050406030204" pitchFamily="18" charset="0"/>
+                            </a:rPr>
+                            <m:t>_</m:t>
+                          </m:r>
+                          <m:r>
+                            <a:rPr lang="es-AR" sz="2000" i="1">
+                              <a:solidFill>
+                                <a:schemeClr val="bg1"/>
+                              </a:solidFill>
+                              <a:latin typeface="Cambria Math" panose="02040503050406030204" pitchFamily="18" charset="0"/>
+                            </a:rPr>
+                            <m:t>𝑠𝑐𝑜𝑟𝑒</m:t>
+                          </m:r>
+                        </m:e>
+                        <m:sub>
+                          <m:r>
+                            <a:rPr lang="es-AR" sz="2000" b="0" i="1" smtClean="0">
+                              <a:solidFill>
+                                <a:schemeClr val="bg1"/>
+                              </a:solidFill>
+                              <a:latin typeface="Cambria Math" panose="02040503050406030204" pitchFamily="18" charset="0"/>
+                            </a:rPr>
+                            <m:t>𝑡</m:t>
+                          </m:r>
+                          <m:r>
+                            <a:rPr lang="es-AR" sz="2000" b="0" i="1" smtClean="0">
+                              <a:solidFill>
+                                <a:schemeClr val="bg1"/>
+                              </a:solidFill>
+                              <a:latin typeface="Cambria Math" panose="02040503050406030204" pitchFamily="18" charset="0"/>
+                            </a:rPr>
+                            <m:t>,</m:t>
+                          </m:r>
+                          <m:r>
+                            <a:rPr lang="es-AR" sz="2000" b="0" i="1" smtClean="0">
+                              <a:solidFill>
+                                <a:schemeClr val="bg1"/>
+                              </a:solidFill>
+                              <a:latin typeface="Cambria Math" panose="02040503050406030204" pitchFamily="18" charset="0"/>
+                            </a:rPr>
+                            <m:t>𝑗</m:t>
+                          </m:r>
+                        </m:sub>
+                      </m:sSub>
+                    </m:oMath>
+                  </m:oMathPara>
+                </a14:m>
+                <a:endParaRPr lang="es-AR" sz="2000" dirty="0"/>
+              </a:p>
+            </p:txBody>
+          </p:sp>
+        </mc:Choice>
+        <mc:Fallback xmlns="">
+          <p:sp>
+            <p:nvSpPr>
+              <p:cNvPr id="2" name="CuadroTexto 1">
+                <a:extLst>
+                  <a:ext uri="{FF2B5EF4-FFF2-40B4-BE49-F238E27FC236}">
+                    <a16:creationId xmlns:a16="http://schemas.microsoft.com/office/drawing/2014/main" id="{FD353B88-C62B-8442-CCDF-49FE9866F2F8}"/>
+                  </a:ext>
+                </a:extLst>
+              </p:cNvPr>
+              <p:cNvSpPr txBox="1">
+                <a:spLocks noRot="1" noChangeAspect="1" noMove="1" noResize="1" noEditPoints="1" noAdjustHandles="1" noChangeArrowheads="1" noChangeShapeType="1" noTextEdit="1"/>
+              </p:cNvSpPr>
+              <p:nvPr/>
+            </p:nvSpPr>
+            <p:spPr>
+              <a:xfrm>
+                <a:off x="82629" y="3316211"/>
+                <a:ext cx="1560444" cy="424796"/>
+              </a:xfrm>
+              <a:prstGeom prst="rect">
+                <a:avLst/>
+              </a:prstGeom>
+              <a:blipFill>
+                <a:blip r:embed="rId13"/>
+                <a:stretch>
+                  <a:fillRect b="-8571"/>
+                </a:stretch>
+              </a:blipFill>
+            </p:spPr>
+            <p:txBody>
+              <a:bodyPr/>
+              <a:lstStyle/>
+              <a:p>
+                <a:r>
+                  <a:rPr lang="es-AR">
+                    <a:noFill/>
+                  </a:rPr>
+                  <a:t> </a:t>
+                </a:r>
+              </a:p>
+            </p:txBody>
+          </p:sp>
+        </mc:Fallback>
+      </mc:AlternateContent>
+      <mc:AlternateContent xmlns:mc="http://schemas.openxmlformats.org/markup-compatibility/2006" xmlns:a14="http://schemas.microsoft.com/office/drawing/2010/main">
+        <mc:Choice Requires="a14">
+          <p:sp>
+            <p:nvSpPr>
+              <p:cNvPr id="4" name="CuadroTexto 3">
+                <a:extLst>
+                  <a:ext uri="{FF2B5EF4-FFF2-40B4-BE49-F238E27FC236}">
+                    <a16:creationId xmlns:a16="http://schemas.microsoft.com/office/drawing/2014/main" id="{3D19D39A-65FD-88A1-6180-0CA1B4C4B80C}"/>
+                  </a:ext>
+                </a:extLst>
+              </p:cNvPr>
+              <p:cNvSpPr txBox="1"/>
+              <p:nvPr/>
+            </p:nvSpPr>
+            <p:spPr>
+              <a:xfrm>
+                <a:off x="-17408" y="2043718"/>
+                <a:ext cx="2049042" cy="732573"/>
+              </a:xfrm>
+              <a:prstGeom prst="rect">
+                <a:avLst/>
+              </a:prstGeom>
+              <a:noFill/>
+            </p:spPr>
+            <p:txBody>
+              <a:bodyPr wrap="square">
+                <a:spAutoFit/>
+              </a:bodyPr>
+              <a:lstStyle/>
+              <a:p>
+                <a:pPr/>
+                <a14:m>
+                  <m:oMathPara xmlns:m="http://schemas.openxmlformats.org/officeDocument/2006/math">
+                    <m:oMathParaPr>
+                      <m:jc m:val="centerGroup"/>
+                    </m:oMathParaPr>
+                    <m:oMath xmlns:m="http://schemas.openxmlformats.org/officeDocument/2006/math">
+                      <m:sSub>
+                        <m:sSubPr>
+                          <m:ctrlPr>
+                            <a:rPr lang="es-AR" sz="2000" b="0" i="1" smtClean="0">
+                              <a:solidFill>
+                                <a:schemeClr val="bg1"/>
+                              </a:solidFill>
+                              <a:latin typeface="Cambria Math" panose="02040503050406030204" pitchFamily="18" charset="0"/>
+                            </a:rPr>
+                          </m:ctrlPr>
+                        </m:sSubPr>
+                        <m:e>
+                          <m:r>
+                            <a:rPr lang="es-AR" sz="2000" b="0" i="1" smtClean="0">
+                              <a:solidFill>
+                                <a:schemeClr val="bg1"/>
+                              </a:solidFill>
+                              <a:latin typeface="Cambria Math" panose="02040503050406030204" pitchFamily="18" charset="0"/>
+                            </a:rPr>
+                            <m:t>𝑎</m:t>
+                          </m:r>
+                        </m:e>
+                        <m:sub>
+                          <m:r>
+                            <a:rPr lang="es-AR" sz="2000" b="0" i="1" smtClean="0">
+                              <a:solidFill>
+                                <a:schemeClr val="bg1"/>
+                              </a:solidFill>
+                              <a:latin typeface="Cambria Math" panose="02040503050406030204" pitchFamily="18" charset="0"/>
+                            </a:rPr>
+                            <m:t>𝑡</m:t>
+                          </m:r>
+                          <m:r>
+                            <a:rPr lang="es-AR" sz="2000" b="0" i="1" smtClean="0">
+                              <a:solidFill>
+                                <a:schemeClr val="bg1"/>
+                              </a:solidFill>
+                              <a:latin typeface="Cambria Math" panose="02040503050406030204" pitchFamily="18" charset="0"/>
+                            </a:rPr>
+                            <m:t>,</m:t>
+                          </m:r>
+                          <m:r>
+                            <a:rPr lang="es-AR" sz="2000" b="0" i="1" smtClean="0">
+                              <a:solidFill>
+                                <a:schemeClr val="bg1"/>
+                              </a:solidFill>
+                              <a:latin typeface="Cambria Math" panose="02040503050406030204" pitchFamily="18" charset="0"/>
+                            </a:rPr>
+                            <m:t>𝑗</m:t>
+                          </m:r>
+                        </m:sub>
+                      </m:sSub>
+                    </m:oMath>
+                  </m:oMathPara>
+                </a14:m>
+                <a:endParaRPr lang="es-AR" sz="2000" dirty="0">
+                  <a:solidFill>
+                    <a:schemeClr val="bg1"/>
+                  </a:solidFill>
+                  <a:sym typeface="Wingdings" panose="05000000000000000000" pitchFamily="2" charset="2"/>
+                </a:endParaRPr>
+              </a:p>
+              <a:p>
+                <a:r>
+                  <a:rPr lang="es-AR" sz="2000" dirty="0">
+                    <a:solidFill>
+                      <a:schemeClr val="bg1"/>
+                    </a:solidFill>
+                    <a:sym typeface="Wingdings" panose="05000000000000000000" pitchFamily="2" charset="2"/>
+                  </a:rPr>
+                  <a:t> </a:t>
+                </a:r>
+                <a:r>
+                  <a:rPr lang="es-AR" sz="2000" dirty="0" err="1">
+                    <a:solidFill>
+                      <a:schemeClr val="bg1"/>
+                    </a:solidFill>
+                    <a:sym typeface="Wingdings" panose="05000000000000000000" pitchFamily="2" charset="2"/>
+                  </a:rPr>
+                  <a:t>attention</a:t>
+                </a:r>
+                <a:r>
+                  <a:rPr lang="es-AR" sz="2000" dirty="0">
+                    <a:solidFill>
+                      <a:schemeClr val="bg1"/>
+                    </a:solidFill>
+                    <a:sym typeface="Wingdings" panose="05000000000000000000" pitchFamily="2" charset="2"/>
+                  </a:rPr>
+                  <a:t> </a:t>
+                </a:r>
+                <a:r>
+                  <a:rPr lang="es-AR" sz="2000" dirty="0" err="1">
+                    <a:solidFill>
+                      <a:schemeClr val="bg1"/>
+                    </a:solidFill>
+                    <a:sym typeface="Wingdings" panose="05000000000000000000" pitchFamily="2" charset="2"/>
+                  </a:rPr>
+                  <a:t>weight</a:t>
+                </a:r>
+                <a:endParaRPr lang="es-AR" sz="2000" dirty="0">
+                  <a:solidFill>
+                    <a:schemeClr val="bg1"/>
+                  </a:solidFill>
+                </a:endParaRPr>
+              </a:p>
+            </p:txBody>
+          </p:sp>
+        </mc:Choice>
+        <mc:Fallback xmlns="">
+          <p:sp>
+            <p:nvSpPr>
+              <p:cNvPr id="4" name="CuadroTexto 3">
+                <a:extLst>
+                  <a:ext uri="{FF2B5EF4-FFF2-40B4-BE49-F238E27FC236}">
+                    <a16:creationId xmlns:a16="http://schemas.microsoft.com/office/drawing/2014/main" id="{3D19D39A-65FD-88A1-6180-0CA1B4C4B80C}"/>
+                  </a:ext>
+                </a:extLst>
+              </p:cNvPr>
+              <p:cNvSpPr txBox="1">
+                <a:spLocks noRot="1" noChangeAspect="1" noMove="1" noResize="1" noEditPoints="1" noAdjustHandles="1" noChangeArrowheads="1" noChangeShapeType="1" noTextEdit="1"/>
+              </p:cNvSpPr>
+              <p:nvPr/>
+            </p:nvSpPr>
+            <p:spPr>
+              <a:xfrm>
+                <a:off x="-17408" y="2043718"/>
+                <a:ext cx="2049042" cy="732573"/>
+              </a:xfrm>
+              <a:prstGeom prst="rect">
+                <a:avLst/>
+              </a:prstGeom>
+              <a:blipFill>
+                <a:blip r:embed="rId14"/>
+                <a:stretch>
+                  <a:fillRect b="-14167"/>
+                </a:stretch>
+              </a:blipFill>
+            </p:spPr>
+            <p:txBody>
+              <a:bodyPr/>
+              <a:lstStyle/>
+              <a:p>
+                <a:r>
+                  <a:rPr lang="es-AR">
+                    <a:noFill/>
+                  </a:rPr>
+                  <a:t> </a:t>
+                </a:r>
+              </a:p>
+            </p:txBody>
+          </p:sp>
+        </mc:Fallback>
+      </mc:AlternateContent>
+      <mc:AlternateContent xmlns:mc="http://schemas.openxmlformats.org/markup-compatibility/2006" xmlns:a14="http://schemas.microsoft.com/office/drawing/2010/main">
+        <mc:Choice Requires="a14">
+          <p:sp>
+            <p:nvSpPr>
+              <p:cNvPr id="6" name="CuadroTexto 5">
+                <a:extLst>
+                  <a:ext uri="{FF2B5EF4-FFF2-40B4-BE49-F238E27FC236}">
+                    <a16:creationId xmlns:a16="http://schemas.microsoft.com/office/drawing/2014/main" id="{98E935CC-03BA-74D4-5ADA-161BEB3664C1}"/>
+                  </a:ext>
+                </a:extLst>
+              </p:cNvPr>
+              <p:cNvSpPr txBox="1"/>
+              <p:nvPr/>
+            </p:nvSpPr>
+            <p:spPr>
+              <a:xfrm>
+                <a:off x="2031634" y="989972"/>
                 <a:ext cx="1810883" cy="707886"/>
               </a:xfrm>
               <a:prstGeom prst="rect">
@@ -27535,7 +28622,6 @@
                 </a:endParaRPr>
               </a:p>
               <a:p>
-                <a:pPr/>
                 <a:r>
                   <a:rPr lang="es-AR" sz="2000" dirty="0">
                     <a:solidFill>
@@ -27572,13 +28658,13 @@
             </p:txBody>
           </p:sp>
         </mc:Choice>
-        <mc:Fallback>
+        <mc:Fallback xmlns="">
           <p:sp>
             <p:nvSpPr>
-              <p:cNvPr id="16" name="CuadroTexto 15">
+              <p:cNvPr id="6" name="CuadroTexto 5">
                 <a:extLst>
                   <a:ext uri="{FF2B5EF4-FFF2-40B4-BE49-F238E27FC236}">
-                    <a16:creationId xmlns:a16="http://schemas.microsoft.com/office/drawing/2014/main" id="{27768F33-D910-817D-A1AC-B191AB9C17A7}"/>
+                    <a16:creationId xmlns:a16="http://schemas.microsoft.com/office/drawing/2014/main" id="{98E935CC-03BA-74D4-5ADA-161BEB3664C1}"/>
                   </a:ext>
                 </a:extLst>
               </p:cNvPr>
@@ -27589,14 +28675,14 @@
             </p:nvSpPr>
             <p:spPr>
               <a:xfrm>
-                <a:off x="2049042" y="989972"/>
+                <a:off x="2031634" y="989972"/>
                 <a:ext cx="1810883" cy="707886"/>
               </a:xfrm>
               <a:prstGeom prst="rect">
                 <a:avLst/>
               </a:prstGeom>
               <a:blipFill>
-                <a:blip r:embed="rId13"/>
+                <a:blip r:embed="rId15"/>
                 <a:stretch>
                   <a:fillRect b="-13675"/>
                 </a:stretch>
@@ -27617,14 +28703,14 @@
           </p:sp>
         </mc:Fallback>
       </mc:AlternateContent>
-      <mc:AlternateContent xmlns:mc="http://schemas.openxmlformats.org/markup-compatibility/2006">
-        <mc:Choice xmlns:a14="http://schemas.microsoft.com/office/drawing/2010/main" Requires="a14">
+      <mc:AlternateContent xmlns:mc="http://schemas.openxmlformats.org/markup-compatibility/2006" xmlns:a14="http://schemas.microsoft.com/office/drawing/2010/main">
+        <mc:Choice Requires="a14">
           <p:sp>
             <p:nvSpPr>
-              <p:cNvPr id="17" name="TextBox 5">
+              <p:cNvPr id="7" name="TextBox 5">
                 <a:extLst>
                   <a:ext uri="{FF2B5EF4-FFF2-40B4-BE49-F238E27FC236}">
-                    <a16:creationId xmlns:a16="http://schemas.microsoft.com/office/drawing/2014/main" id="{561566B7-A2D4-66EE-63AA-8182370F4F5F}"/>
+                    <a16:creationId xmlns:a16="http://schemas.microsoft.com/office/drawing/2014/main" id="{92CBF9E4-CFC4-8BEE-1EDC-5D075F3DEE3C}"/>
                   </a:ext>
                 </a:extLst>
               </p:cNvPr>
@@ -27633,8 +28719,8 @@
             </p:nvSpPr>
             <p:spPr>
               <a:xfrm>
-                <a:off x="3638030" y="6416455"/>
-                <a:ext cx="3005630" cy="332463"/>
+                <a:off x="3620622" y="6416455"/>
+                <a:ext cx="3278911" cy="332463"/>
               </a:xfrm>
               <a:prstGeom prst="rect">
                 <a:avLst/>
@@ -27679,6 +28765,24 @@
                           </m:r>
                         </m:e>
                         <m:sub>
+                          <m:r>
+                            <a:rPr lang="es-AR" sz="2000" b="0" i="1" smtClean="0">
+                              <a:solidFill>
+                                <a:schemeClr val="bg1"/>
+                              </a:solidFill>
+                              <a:latin typeface="Cambria Math" panose="02040503050406030204" pitchFamily="18" charset="0"/>
+                            </a:rPr>
+                            <m:t>𝑡</m:t>
+                          </m:r>
+                          <m:r>
+                            <a:rPr lang="es-AR" sz="2000" b="0" i="1" smtClean="0">
+                              <a:solidFill>
+                                <a:schemeClr val="bg1"/>
+                              </a:solidFill>
+                              <a:latin typeface="Cambria Math" panose="02040503050406030204" pitchFamily="18" charset="0"/>
+                            </a:rPr>
+                            <m:t>,</m:t>
+                          </m:r>
                           <m:r>
                             <a:rPr lang="es-AR" sz="2000" b="0" i="1" smtClean="0">
                               <a:solidFill>
@@ -27759,6 +28863,24 @@
                         </m:e>
                         <m:sub>
                           <m:r>
+                            <a:rPr lang="es-AR" sz="2000" b="0" i="1" smtClean="0">
+                              <a:solidFill>
+                                <a:schemeClr val="bg1"/>
+                              </a:solidFill>
+                              <a:latin typeface="Cambria Math" panose="02040503050406030204" pitchFamily="18" charset="0"/>
+                            </a:rPr>
+                            <m:t>𝑡</m:t>
+                          </m:r>
+                          <m:r>
+                            <a:rPr lang="es-AR" sz="2000" b="0" i="1" smtClean="0">
+                              <a:solidFill>
+                                <a:schemeClr val="bg1"/>
+                              </a:solidFill>
+                              <a:latin typeface="Cambria Math" panose="02040503050406030204" pitchFamily="18" charset="0"/>
+                            </a:rPr>
+                            <m:t>,</m:t>
+                          </m:r>
+                          <m:r>
                             <a:rPr lang="es-AR" sz="2000" i="1">
                               <a:solidFill>
                                 <a:schemeClr val="bg1"/>
@@ -27790,13 +28912,13 @@
             </p:txBody>
           </p:sp>
         </mc:Choice>
-        <mc:Fallback>
+        <mc:Fallback xmlns="">
           <p:sp>
             <p:nvSpPr>
-              <p:cNvPr id="17" name="TextBox 5">
+              <p:cNvPr id="7" name="TextBox 5">
                 <a:extLst>
                   <a:ext uri="{FF2B5EF4-FFF2-40B4-BE49-F238E27FC236}">
-                    <a16:creationId xmlns:a16="http://schemas.microsoft.com/office/drawing/2014/main" id="{561566B7-A2D4-66EE-63AA-8182370F4F5F}"/>
+                    <a16:creationId xmlns:a16="http://schemas.microsoft.com/office/drawing/2014/main" id="{92CBF9E4-CFC4-8BEE-1EDC-5D075F3DEE3C}"/>
                   </a:ext>
                 </a:extLst>
               </p:cNvPr>
@@ -27807,16 +28929,16 @@
             </p:nvSpPr>
             <p:spPr>
               <a:xfrm>
-                <a:off x="3638030" y="6416455"/>
-                <a:ext cx="3005630" cy="332463"/>
+                <a:off x="3620622" y="6416455"/>
+                <a:ext cx="3278911" cy="332463"/>
               </a:xfrm>
               <a:prstGeom prst="rect">
                 <a:avLst/>
               </a:prstGeom>
               <a:blipFill>
-                <a:blip r:embed="rId14"/>
+                <a:blip r:embed="rId16"/>
                 <a:stretch>
-                  <a:fillRect l="-609" t="-1852" r="-2637" b="-27778"/>
+                  <a:fillRect l="-558" t="-1852" r="-2230" b="-27778"/>
                 </a:stretch>
               </a:blipFill>
             </p:spPr>
@@ -27835,14 +28957,14 @@
           </p:sp>
         </mc:Fallback>
       </mc:AlternateContent>
-      <mc:AlternateContent xmlns:mc="http://schemas.openxmlformats.org/markup-compatibility/2006">
-        <mc:Choice xmlns:a14="http://schemas.microsoft.com/office/drawing/2010/main" Requires="a14">
+      <mc:AlternateContent xmlns:mc="http://schemas.openxmlformats.org/markup-compatibility/2006" xmlns:a14="http://schemas.microsoft.com/office/drawing/2010/main">
+        <mc:Choice Requires="a14">
           <p:sp>
             <p:nvSpPr>
-              <p:cNvPr id="18" name="TextBox 6">
+              <p:cNvPr id="11" name="TextBox 6">
                 <a:extLst>
                   <a:ext uri="{FF2B5EF4-FFF2-40B4-BE49-F238E27FC236}">
-                    <a16:creationId xmlns:a16="http://schemas.microsoft.com/office/drawing/2014/main" id="{EFB31BEE-13C5-B575-58A7-B606E6959D28}"/>
+                    <a16:creationId xmlns:a16="http://schemas.microsoft.com/office/drawing/2014/main" id="{1FE72D06-CD21-C6D3-9CA7-BB709D4CC485}"/>
                   </a:ext>
                 </a:extLst>
               </p:cNvPr>
@@ -27851,8 +28973,8 @@
             </p:nvSpPr>
             <p:spPr>
               <a:xfrm>
-                <a:off x="196394" y="6431759"/>
-                <a:ext cx="2928173" cy="332463"/>
+                <a:off x="178986" y="6431759"/>
+                <a:ext cx="2786917" cy="332463"/>
               </a:xfrm>
               <a:prstGeom prst="rect">
                 <a:avLst/>
@@ -27915,6 +29037,24 @@
                           </m:r>
                         </m:e>
                         <m:sub>
+                          <m:r>
+                            <a:rPr lang="es-AR" sz="2000" b="0" i="1" smtClean="0">
+                              <a:solidFill>
+                                <a:schemeClr val="bg1"/>
+                              </a:solidFill>
+                              <a:latin typeface="Cambria Math" panose="02040503050406030204" pitchFamily="18" charset="0"/>
+                            </a:rPr>
+                            <m:t>𝑡</m:t>
+                          </m:r>
+                          <m:r>
+                            <a:rPr lang="es-AR" sz="2000" b="0" i="1" smtClean="0">
+                              <a:solidFill>
+                                <a:schemeClr val="bg1"/>
+                              </a:solidFill>
+                              <a:latin typeface="Cambria Math" panose="02040503050406030204" pitchFamily="18" charset="0"/>
+                            </a:rPr>
+                            <m:t>,</m:t>
+                          </m:r>
                           <m:r>
                             <a:rPr lang="es-AR" sz="2000" b="0" i="1" smtClean="0">
                               <a:solidFill>
@@ -27987,15 +29127,6 @@
                               <a:latin typeface="Cambria Math" panose="02040503050406030204" pitchFamily="18" charset="0"/>
                             </a:rPr>
                             <m:t>𝑡</m:t>
-                          </m:r>
-                          <m:r>
-                            <a:rPr lang="es-AR" sz="2000" b="0" i="1" smtClean="0">
-                              <a:solidFill>
-                                <a:schemeClr val="bg1"/>
-                              </a:solidFill>
-                              <a:latin typeface="Cambria Math" panose="02040503050406030204" pitchFamily="18" charset="0"/>
-                            </a:rPr>
-                            <m:t>−1</m:t>
                           </m:r>
                         </m:sub>
                       </m:sSub>
@@ -28072,13 +29203,13 @@
             </p:txBody>
           </p:sp>
         </mc:Choice>
-        <mc:Fallback>
+        <mc:Fallback xmlns="">
           <p:sp>
             <p:nvSpPr>
-              <p:cNvPr id="18" name="TextBox 6">
+              <p:cNvPr id="11" name="TextBox 6">
                 <a:extLst>
                   <a:ext uri="{FF2B5EF4-FFF2-40B4-BE49-F238E27FC236}">
-                    <a16:creationId xmlns:a16="http://schemas.microsoft.com/office/drawing/2014/main" id="{EFB31BEE-13C5-B575-58A7-B606E6959D28}"/>
+                    <a16:creationId xmlns:a16="http://schemas.microsoft.com/office/drawing/2014/main" id="{1FE72D06-CD21-C6D3-9CA7-BB709D4CC485}"/>
                   </a:ext>
                 </a:extLst>
               </p:cNvPr>
@@ -28089,16 +29220,16 @@
             </p:nvSpPr>
             <p:spPr>
               <a:xfrm>
-                <a:off x="196394" y="6431759"/>
-                <a:ext cx="2928173" cy="332463"/>
+                <a:off x="178986" y="6431759"/>
+                <a:ext cx="2786917" cy="332463"/>
               </a:xfrm>
               <a:prstGeom prst="rect">
                 <a:avLst/>
               </a:prstGeom>
               <a:blipFill>
-                <a:blip r:embed="rId15"/>
+                <a:blip r:embed="rId17"/>
                 <a:stretch>
-                  <a:fillRect l="-1040" r="-2287" b="-25455"/>
+                  <a:fillRect l="-1528" r="-2838" b="-25455"/>
                 </a:stretch>
               </a:blipFill>
             </p:spPr>
@@ -28117,18 +29248,24 @@
           </p:sp>
         </mc:Fallback>
       </mc:AlternateContent>
-      <mc:AlternateContent xmlns:mc="http://schemas.openxmlformats.org/markup-compatibility/2006">
-        <mc:Choice xmlns:a14="http://schemas.microsoft.com/office/drawing/2010/main" Requires="a14">
+      <mc:AlternateContent xmlns:mc="http://schemas.openxmlformats.org/markup-compatibility/2006" xmlns:a14="http://schemas.microsoft.com/office/drawing/2010/main">
+        <mc:Choice Requires="a14">
           <p:sp>
             <p:nvSpPr>
-              <p:cNvPr id="8" name="TextBox 7"/>
+              <p:cNvPr id="12" name="TextBox 7">
+                <a:extLst>
+                  <a:ext uri="{FF2B5EF4-FFF2-40B4-BE49-F238E27FC236}">
+                    <a16:creationId xmlns:a16="http://schemas.microsoft.com/office/drawing/2014/main" id="{4D5C8081-2C22-A20C-F888-F84FF7ED6BD5}"/>
+                  </a:ext>
+                </a:extLst>
+              </p:cNvPr>
               <p:cNvSpPr txBox="1"/>
               <p:nvPr/>
             </p:nvSpPr>
             <p:spPr>
               <a:xfrm>
-                <a:off x="6921791" y="5982470"/>
-                <a:ext cx="1448024" cy="781752"/>
+                <a:off x="7200087" y="6017786"/>
+                <a:ext cx="1596078" cy="781752"/>
               </a:xfrm>
               <a:prstGeom prst="rect">
                 <a:avLst/>
@@ -28252,6 +29389,24 @@
                                   </a:solidFill>
                                   <a:latin typeface="Cambria Math" panose="02040503050406030204" pitchFamily="18" charset="0"/>
                                 </a:rPr>
+                                <m:t>𝑡</m:t>
+                              </m:r>
+                              <m:r>
+                                <a:rPr lang="es-AR" sz="2000" b="0" i="1" smtClean="0">
+                                  <a:solidFill>
+                                    <a:schemeClr val="bg1"/>
+                                  </a:solidFill>
+                                  <a:latin typeface="Cambria Math" panose="02040503050406030204" pitchFamily="18" charset="0"/>
+                                </a:rPr>
+                                <m:t>,</m:t>
+                              </m:r>
+                              <m:r>
+                                <a:rPr lang="es-AR" sz="2000" b="0" i="1" smtClean="0">
+                                  <a:solidFill>
+                                    <a:schemeClr val="bg1"/>
+                                  </a:solidFill>
+                                  <a:latin typeface="Cambria Math" panose="02040503050406030204" pitchFamily="18" charset="0"/>
+                                </a:rPr>
                                 <m:t>𝑗</m:t>
                               </m:r>
                             </m:sub>
@@ -28304,10 +29459,16 @@
             </p:txBody>
           </p:sp>
         </mc:Choice>
-        <mc:Fallback>
+        <mc:Fallback xmlns="">
           <p:sp>
             <p:nvSpPr>
-              <p:cNvPr id="8" name="TextBox 7"/>
+              <p:cNvPr id="12" name="TextBox 7">
+                <a:extLst>
+                  <a:ext uri="{FF2B5EF4-FFF2-40B4-BE49-F238E27FC236}">
+                    <a16:creationId xmlns:a16="http://schemas.microsoft.com/office/drawing/2014/main" id="{4D5C8081-2C22-A20C-F888-F84FF7ED6BD5}"/>
+                  </a:ext>
+                </a:extLst>
+              </p:cNvPr>
               <p:cNvSpPr txBox="1">
                 <a:spLocks noRot="1" noChangeAspect="1" noMove="1" noResize="1" noEditPoints="1" noAdjustHandles="1" noChangeArrowheads="1" noChangeShapeType="1" noTextEdit="1"/>
               </p:cNvSpPr>
@@ -28315,14 +29476,14 @@
             </p:nvSpPr>
             <p:spPr>
               <a:xfrm>
-                <a:off x="6921791" y="5982470"/>
-                <a:ext cx="1448024" cy="781752"/>
+                <a:off x="7200087" y="6017786"/>
+                <a:ext cx="1596078" cy="781752"/>
               </a:xfrm>
               <a:prstGeom prst="rect">
                 <a:avLst/>
               </a:prstGeom>
               <a:blipFill>
-                <a:blip r:embed="rId16"/>
+                <a:blip r:embed="rId18"/>
                 <a:stretch>
                   <a:fillRect/>
                 </a:stretch>
@@ -28343,245 +29504,6 @@
           </p:sp>
         </mc:Fallback>
       </mc:AlternateContent>
-      <p:sp>
-        <p:nvSpPr>
-          <p:cNvPr id="19" name="Subtitle 1">
-            <a:extLst>
-              <a:ext uri="{FF2B5EF4-FFF2-40B4-BE49-F238E27FC236}">
-                <a16:creationId xmlns:a16="http://schemas.microsoft.com/office/drawing/2014/main" id="{A997E17A-9E31-D00C-AB62-FC42645C8196}"/>
-              </a:ext>
-            </a:extLst>
-          </p:cNvPr>
-          <p:cNvSpPr txBox="1">
-            <a:spLocks/>
-          </p:cNvSpPr>
-          <p:nvPr/>
-        </p:nvSpPr>
-        <p:spPr>
-          <a:xfrm>
-            <a:off x="296213" y="0"/>
-            <a:ext cx="11694017" cy="811369"/>
-          </a:xfrm>
-          <a:prstGeom prst="rect">
-            <a:avLst/>
-          </a:prstGeom>
-        </p:spPr>
-        <p:txBody>
-          <a:bodyPr vert="horz" lIns="91440" tIns="45720" rIns="91440" bIns="45720" rtlCol="0">
-            <a:noAutofit/>
-          </a:bodyPr>
-          <a:lstStyle>
-            <a:lvl1pPr marL="228600" indent="-228600" algn="l" defTabSz="914400" rtl="0" eaLnBrk="1" latinLnBrk="0" hangingPunct="1">
-              <a:lnSpc>
-                <a:spcPct val="120000"/>
-              </a:lnSpc>
-              <a:spcBef>
-                <a:spcPts val="1000"/>
-              </a:spcBef>
-              <a:buSzPct val="125000"/>
-              <a:buFont typeface="Arial" panose="020B0604020202020204" pitchFamily="34" charset="0"/>
-              <a:buChar char="•"/>
-              <a:defRPr sz="2400" kern="1200">
-                <a:solidFill>
-                  <a:schemeClr val="tx1"/>
-                </a:solidFill>
-                <a:latin typeface="+mn-lt"/>
-                <a:ea typeface="+mn-ea"/>
-                <a:cs typeface="+mn-cs"/>
-              </a:defRPr>
-            </a:lvl1pPr>
-            <a:lvl2pPr marL="685800" indent="-228600" algn="l" defTabSz="914400" rtl="0" eaLnBrk="1" latinLnBrk="0" hangingPunct="1">
-              <a:lnSpc>
-                <a:spcPct val="120000"/>
-              </a:lnSpc>
-              <a:spcBef>
-                <a:spcPts val="500"/>
-              </a:spcBef>
-              <a:buSzPct val="125000"/>
-              <a:buFont typeface="Arial" panose="020B0604020202020204" pitchFamily="34" charset="0"/>
-              <a:buChar char="•"/>
-              <a:defRPr sz="2000" kern="1200">
-                <a:solidFill>
-                  <a:schemeClr val="tx1"/>
-                </a:solidFill>
-                <a:latin typeface="+mn-lt"/>
-                <a:ea typeface="+mn-ea"/>
-                <a:cs typeface="+mn-cs"/>
-              </a:defRPr>
-            </a:lvl2pPr>
-            <a:lvl3pPr marL="1143000" indent="-228600" algn="l" defTabSz="914400" rtl="0" eaLnBrk="1" latinLnBrk="0" hangingPunct="1">
-              <a:lnSpc>
-                <a:spcPct val="120000"/>
-              </a:lnSpc>
-              <a:spcBef>
-                <a:spcPts val="500"/>
-              </a:spcBef>
-              <a:buSzPct val="125000"/>
-              <a:buFont typeface="Arial" panose="020B0604020202020204" pitchFamily="34" charset="0"/>
-              <a:buChar char="•"/>
-              <a:defRPr sz="1800" kern="1200">
-                <a:solidFill>
-                  <a:schemeClr val="tx1"/>
-                </a:solidFill>
-                <a:latin typeface="+mn-lt"/>
-                <a:ea typeface="+mn-ea"/>
-                <a:cs typeface="+mn-cs"/>
-              </a:defRPr>
-            </a:lvl3pPr>
-            <a:lvl4pPr marL="1600200" indent="-228600" algn="l" defTabSz="914400" rtl="0" eaLnBrk="1" latinLnBrk="0" hangingPunct="1">
-              <a:lnSpc>
-                <a:spcPct val="120000"/>
-              </a:lnSpc>
-              <a:spcBef>
-                <a:spcPts val="500"/>
-              </a:spcBef>
-              <a:buSzPct val="125000"/>
-              <a:buFont typeface="Arial" panose="020B0604020202020204" pitchFamily="34" charset="0"/>
-              <a:buChar char="•"/>
-              <a:defRPr sz="1600" kern="1200">
-                <a:solidFill>
-                  <a:schemeClr val="tx1"/>
-                </a:solidFill>
-                <a:latin typeface="+mn-lt"/>
-                <a:ea typeface="+mn-ea"/>
-                <a:cs typeface="+mn-cs"/>
-              </a:defRPr>
-            </a:lvl4pPr>
-            <a:lvl5pPr marL="2057400" indent="-228600" algn="l" defTabSz="914400" rtl="0" eaLnBrk="1" latinLnBrk="0" hangingPunct="1">
-              <a:lnSpc>
-                <a:spcPct val="120000"/>
-              </a:lnSpc>
-              <a:spcBef>
-                <a:spcPts val="500"/>
-              </a:spcBef>
-              <a:buSzPct val="125000"/>
-              <a:buFont typeface="Arial" panose="020B0604020202020204" pitchFamily="34" charset="0"/>
-              <a:buChar char="•"/>
-              <a:defRPr sz="1600" kern="1200">
-                <a:solidFill>
-                  <a:schemeClr val="tx1"/>
-                </a:solidFill>
-                <a:latin typeface="+mn-lt"/>
-                <a:ea typeface="+mn-ea"/>
-                <a:cs typeface="+mn-cs"/>
-              </a:defRPr>
-            </a:lvl5pPr>
-            <a:lvl6pPr marL="2514600" indent="-228600" algn="l" defTabSz="914400" rtl="0" eaLnBrk="1" latinLnBrk="0" hangingPunct="1">
-              <a:lnSpc>
-                <a:spcPct val="120000"/>
-              </a:lnSpc>
-              <a:spcBef>
-                <a:spcPts val="500"/>
-              </a:spcBef>
-              <a:buSzPct val="125000"/>
-              <a:buFont typeface="Arial" panose="020B0604020202020204" pitchFamily="34" charset="0"/>
-              <a:buChar char="•"/>
-              <a:defRPr sz="1400" kern="1200">
-                <a:solidFill>
-                  <a:schemeClr val="tx1"/>
-                </a:solidFill>
-                <a:latin typeface="+mn-lt"/>
-                <a:ea typeface="+mn-ea"/>
-                <a:cs typeface="+mn-cs"/>
-              </a:defRPr>
-            </a:lvl6pPr>
-            <a:lvl7pPr marL="2971800" indent="-228600" algn="l" defTabSz="914400" rtl="0" eaLnBrk="1" latinLnBrk="0" hangingPunct="1">
-              <a:lnSpc>
-                <a:spcPct val="120000"/>
-              </a:lnSpc>
-              <a:spcBef>
-                <a:spcPts val="500"/>
-              </a:spcBef>
-              <a:buSzPct val="125000"/>
-              <a:buFont typeface="Arial" panose="020B0604020202020204" pitchFamily="34" charset="0"/>
-              <a:buChar char="•"/>
-              <a:defRPr sz="1400" kern="1200">
-                <a:solidFill>
-                  <a:schemeClr val="tx1"/>
-                </a:solidFill>
-                <a:latin typeface="+mn-lt"/>
-                <a:ea typeface="+mn-ea"/>
-                <a:cs typeface="+mn-cs"/>
-              </a:defRPr>
-            </a:lvl7pPr>
-            <a:lvl8pPr marL="3429000" indent="-228600" algn="l" defTabSz="914400" rtl="0" eaLnBrk="1" latinLnBrk="0" hangingPunct="1">
-              <a:lnSpc>
-                <a:spcPct val="120000"/>
-              </a:lnSpc>
-              <a:spcBef>
-                <a:spcPts val="500"/>
-              </a:spcBef>
-              <a:buSzPct val="125000"/>
-              <a:buFont typeface="Arial" panose="020B0604020202020204" pitchFamily="34" charset="0"/>
-              <a:buChar char="•"/>
-              <a:defRPr sz="1400" kern="1200">
-                <a:solidFill>
-                  <a:schemeClr val="tx1"/>
-                </a:solidFill>
-                <a:latin typeface="+mn-lt"/>
-                <a:ea typeface="+mn-ea"/>
-                <a:cs typeface="+mn-cs"/>
-              </a:defRPr>
-            </a:lvl8pPr>
-            <a:lvl9pPr marL="3886200" indent="-228600" algn="l" defTabSz="914400" rtl="0" eaLnBrk="1" latinLnBrk="0" hangingPunct="1">
-              <a:lnSpc>
-                <a:spcPct val="120000"/>
-              </a:lnSpc>
-              <a:spcBef>
-                <a:spcPts val="500"/>
-              </a:spcBef>
-              <a:buSzPct val="125000"/>
-              <a:buFont typeface="Arial" panose="020B0604020202020204" pitchFamily="34" charset="0"/>
-              <a:buChar char="•"/>
-              <a:defRPr sz="1400" kern="1200">
-                <a:solidFill>
-                  <a:schemeClr val="tx1"/>
-                </a:solidFill>
-                <a:latin typeface="+mn-lt"/>
-                <a:ea typeface="+mn-ea"/>
-                <a:cs typeface="+mn-cs"/>
-              </a:defRPr>
-            </a:lvl9pPr>
-          </a:lstStyle>
-          <a:p>
-            <a:pPr marL="0" indent="0" algn="ctr">
-              <a:buNone/>
-            </a:pPr>
-            <a:r>
-              <a:rPr lang="es-AR" sz="3200" dirty="0" err="1">
-                <a:solidFill>
-                  <a:schemeClr val="bg1"/>
-                </a:solidFill>
-              </a:rPr>
-              <a:t>Recurrent</a:t>
-            </a:r>
-            <a:r>
-              <a:rPr lang="es-AR" sz="3200" dirty="0">
-                <a:solidFill>
-                  <a:schemeClr val="bg1"/>
-                </a:solidFill>
-              </a:rPr>
-              <a:t> Neural Network (RNN)  - </a:t>
-            </a:r>
-            <a:r>
-              <a:rPr lang="es-AR" sz="3200" dirty="0" err="1">
-                <a:solidFill>
-                  <a:schemeClr val="bg1"/>
-                </a:solidFill>
-              </a:rPr>
-              <a:t>Attention</a:t>
-            </a:r>
-            <a:r>
-              <a:rPr lang="es-AR" sz="3200" dirty="0">
-                <a:solidFill>
-                  <a:schemeClr val="bg1"/>
-                </a:solidFill>
-              </a:rPr>
-              <a:t>!!</a:t>
-            </a:r>
-          </a:p>
-        </p:txBody>
-      </p:sp>
     </p:spTree>
     <p:extLst>
       <p:ext uri="{BB962C8B-B14F-4D97-AF65-F5344CB8AC3E}">
@@ -28723,8 +29645,8 @@
           </p:sp>
         </mc:Fallback>
       </mc:AlternateContent>
-      <mc:AlternateContent xmlns:mc="http://schemas.openxmlformats.org/markup-compatibility/2006">
-        <mc:Choice xmlns:a14="http://schemas.microsoft.com/office/drawing/2010/main" Requires="a14">
+      <mc:AlternateContent xmlns:mc="http://schemas.openxmlformats.org/markup-compatibility/2006" xmlns:a14="http://schemas.microsoft.com/office/drawing/2010/main">
+        <mc:Choice Requires="a14">
           <p:sp>
             <p:nvSpPr>
               <p:cNvPr id="10" name="Rectangle 9"/>
@@ -29060,7 +29982,7 @@
             </p:txBody>
           </p:sp>
         </mc:Choice>
-        <mc:Fallback>
+        <mc:Fallback xmlns="">
           <p:sp>
             <p:nvSpPr>
               <p:cNvPr id="10" name="Rectangle 9"/>
@@ -29240,8 +30162,8 @@
           </a:prstGeom>
         </p:spPr>
       </p:pic>
-      <mc:AlternateContent xmlns:mc="http://schemas.openxmlformats.org/markup-compatibility/2006">
-        <mc:Choice xmlns:a14="http://schemas.microsoft.com/office/drawing/2010/main" Requires="a14">
+      <mc:AlternateContent xmlns:mc="http://schemas.openxmlformats.org/markup-compatibility/2006" xmlns:a14="http://schemas.microsoft.com/office/drawing/2010/main">
+        <mc:Choice Requires="a14">
           <p:sp>
             <p:nvSpPr>
               <p:cNvPr id="11" name="CuadroTexto 10">
@@ -29256,7 +30178,7 @@
             </p:nvSpPr>
             <p:spPr>
               <a:xfrm>
-                <a:off x="100037" y="3316211"/>
+                <a:off x="82629" y="3316211"/>
                 <a:ext cx="1560444" cy="424796"/>
               </a:xfrm>
               <a:prstGeom prst="rect">
@@ -29325,6 +30247,24 @@
                               </a:solidFill>
                               <a:latin typeface="Cambria Math" panose="02040503050406030204" pitchFamily="18" charset="0"/>
                             </a:rPr>
+                            <m:t>𝑡</m:t>
+                          </m:r>
+                          <m:r>
+                            <a:rPr lang="es-AR" sz="2000" b="0" i="1" smtClean="0">
+                              <a:solidFill>
+                                <a:schemeClr val="bg1"/>
+                              </a:solidFill>
+                              <a:latin typeface="Cambria Math" panose="02040503050406030204" pitchFamily="18" charset="0"/>
+                            </a:rPr>
+                            <m:t>,</m:t>
+                          </m:r>
+                          <m:r>
+                            <a:rPr lang="es-AR" sz="2000" b="0" i="1" smtClean="0">
+                              <a:solidFill>
+                                <a:schemeClr val="bg1"/>
+                              </a:solidFill>
+                              <a:latin typeface="Cambria Math" panose="02040503050406030204" pitchFamily="18" charset="0"/>
+                            </a:rPr>
                             <m:t>𝑗</m:t>
                           </m:r>
                         </m:sub>
@@ -29337,7 +30277,7 @@
             </p:txBody>
           </p:sp>
         </mc:Choice>
-        <mc:Fallback>
+        <mc:Fallback xmlns="">
           <p:sp>
             <p:nvSpPr>
               <p:cNvPr id="11" name="CuadroTexto 10">
@@ -29354,7 +30294,7 @@
             </p:nvSpPr>
             <p:spPr>
               <a:xfrm>
-                <a:off x="100037" y="3316211"/>
+                <a:off x="82629" y="3316211"/>
                 <a:ext cx="1560444" cy="424796"/>
               </a:xfrm>
               <a:prstGeom prst="rect">
@@ -29382,8 +30322,8 @@
           </p:sp>
         </mc:Fallback>
       </mc:AlternateContent>
-      <mc:AlternateContent xmlns:mc="http://schemas.openxmlformats.org/markup-compatibility/2006">
-        <mc:Choice xmlns:a14="http://schemas.microsoft.com/office/drawing/2010/main" Requires="a14">
+      <mc:AlternateContent xmlns:mc="http://schemas.openxmlformats.org/markup-compatibility/2006" xmlns:a14="http://schemas.microsoft.com/office/drawing/2010/main">
+        <mc:Choice Requires="a14">
           <p:sp>
             <p:nvSpPr>
               <p:cNvPr id="12" name="CuadroTexto 11">
@@ -29398,7 +30338,7 @@
             </p:nvSpPr>
             <p:spPr>
               <a:xfrm>
-                <a:off x="0" y="2043718"/>
+                <a:off x="-17408" y="2043718"/>
                 <a:ext cx="2049042" cy="732573"/>
               </a:xfrm>
               <a:prstGeom prst="rect">
@@ -29449,6 +30389,24 @@
                               </a:solidFill>
                               <a:latin typeface="Cambria Math" panose="02040503050406030204" pitchFamily="18" charset="0"/>
                             </a:rPr>
+                            <m:t>𝑡</m:t>
+                          </m:r>
+                          <m:r>
+                            <a:rPr lang="es-AR" sz="2000" b="0" i="1" smtClean="0">
+                              <a:solidFill>
+                                <a:schemeClr val="bg1"/>
+                              </a:solidFill>
+                              <a:latin typeface="Cambria Math" panose="02040503050406030204" pitchFamily="18" charset="0"/>
+                            </a:rPr>
+                            <m:t>,</m:t>
+                          </m:r>
+                          <m:r>
+                            <a:rPr lang="es-AR" sz="2000" b="0" i="1" smtClean="0">
+                              <a:solidFill>
+                                <a:schemeClr val="bg1"/>
+                              </a:solidFill>
+                              <a:latin typeface="Cambria Math" panose="02040503050406030204" pitchFamily="18" charset="0"/>
+                            </a:rPr>
                             <m:t>𝑗</m:t>
                           </m:r>
                         </m:sub>
@@ -29464,7 +30422,6 @@
                 </a:endParaRPr>
               </a:p>
               <a:p>
-                <a:pPr/>
                 <a:r>
                   <a:rPr lang="es-AR" sz="2000" dirty="0">
                     <a:solidFill>
@@ -29510,7 +30467,7 @@
             </p:txBody>
           </p:sp>
         </mc:Choice>
-        <mc:Fallback>
+        <mc:Fallback xmlns="">
           <p:sp>
             <p:nvSpPr>
               <p:cNvPr id="12" name="CuadroTexto 11">
@@ -29527,7 +30484,7 @@
             </p:nvSpPr>
             <p:spPr>
               <a:xfrm>
-                <a:off x="0" y="2043718"/>
+                <a:off x="-17408" y="2043718"/>
                 <a:ext cx="2049042" cy="732573"/>
               </a:xfrm>
               <a:prstGeom prst="rect">
@@ -29555,8 +30512,8 @@
           </p:sp>
         </mc:Fallback>
       </mc:AlternateContent>
-      <mc:AlternateContent xmlns:mc="http://schemas.openxmlformats.org/markup-compatibility/2006">
-        <mc:Choice xmlns:a14="http://schemas.microsoft.com/office/drawing/2010/main" Requires="a14">
+      <mc:AlternateContent xmlns:mc="http://schemas.openxmlformats.org/markup-compatibility/2006" xmlns:a14="http://schemas.microsoft.com/office/drawing/2010/main">
+        <mc:Choice Requires="a14">
           <p:sp>
             <p:nvSpPr>
               <p:cNvPr id="13" name="CuadroTexto 12">
@@ -29643,7 +30600,7 @@
             </p:txBody>
           </p:sp>
         </mc:Choice>
-        <mc:Fallback>
+        <mc:Fallback xmlns="">
           <p:sp>
             <p:nvSpPr>
               <p:cNvPr id="13" name="CuadroTexto 12">
@@ -29688,8 +30645,8 @@
           </p:sp>
         </mc:Fallback>
       </mc:AlternateContent>
-      <mc:AlternateContent xmlns:mc="http://schemas.openxmlformats.org/markup-compatibility/2006">
-        <mc:Choice xmlns:a14="http://schemas.microsoft.com/office/drawing/2010/main" Requires="a14">
+      <mc:AlternateContent xmlns:mc="http://schemas.openxmlformats.org/markup-compatibility/2006" xmlns:a14="http://schemas.microsoft.com/office/drawing/2010/main">
+        <mc:Choice Requires="a14">
           <p:sp>
             <p:nvSpPr>
               <p:cNvPr id="14" name="CuadroTexto 13">
@@ -29704,7 +30661,7 @@
             </p:nvSpPr>
             <p:spPr>
               <a:xfrm>
-                <a:off x="2049042" y="989972"/>
+                <a:off x="2031634" y="989972"/>
                 <a:ext cx="1810883" cy="707886"/>
               </a:xfrm>
               <a:prstGeom prst="rect">
@@ -29770,7 +30727,6 @@
                 </a:endParaRPr>
               </a:p>
               <a:p>
-                <a:pPr/>
                 <a:r>
                   <a:rPr lang="es-AR" sz="2000" dirty="0">
                     <a:solidFill>
@@ -29807,7 +30763,7 @@
             </p:txBody>
           </p:sp>
         </mc:Choice>
-        <mc:Fallback>
+        <mc:Fallback xmlns="">
           <p:sp>
             <p:nvSpPr>
               <p:cNvPr id="14" name="CuadroTexto 13">
@@ -29824,7 +30780,7 @@
             </p:nvSpPr>
             <p:spPr>
               <a:xfrm>
-                <a:off x="2049042" y="989972"/>
+                <a:off x="2031634" y="989972"/>
                 <a:ext cx="1810883" cy="707886"/>
               </a:xfrm>
               <a:prstGeom prst="rect">
@@ -29852,8 +30808,8 @@
           </p:sp>
         </mc:Fallback>
       </mc:AlternateContent>
-      <mc:AlternateContent xmlns:mc="http://schemas.openxmlformats.org/markup-compatibility/2006">
-        <mc:Choice xmlns:a14="http://schemas.microsoft.com/office/drawing/2010/main" Requires="a14">
+      <mc:AlternateContent xmlns:mc="http://schemas.openxmlformats.org/markup-compatibility/2006" xmlns:a14="http://schemas.microsoft.com/office/drawing/2010/main">
+        <mc:Choice Requires="a14">
           <p:sp>
             <p:nvSpPr>
               <p:cNvPr id="15" name="TextBox 5">
@@ -29868,8 +30824,8 @@
             </p:nvSpPr>
             <p:spPr>
               <a:xfrm>
-                <a:off x="3638030" y="6416455"/>
-                <a:ext cx="3005630" cy="332463"/>
+                <a:off x="3620622" y="6416455"/>
+                <a:ext cx="3278911" cy="332463"/>
               </a:xfrm>
               <a:prstGeom prst="rect">
                 <a:avLst/>
@@ -29914,6 +30870,24 @@
                           </m:r>
                         </m:e>
                         <m:sub>
+                          <m:r>
+                            <a:rPr lang="es-AR" sz="2000" b="0" i="1" smtClean="0">
+                              <a:solidFill>
+                                <a:schemeClr val="bg1"/>
+                              </a:solidFill>
+                              <a:latin typeface="Cambria Math" panose="02040503050406030204" pitchFamily="18" charset="0"/>
+                            </a:rPr>
+                            <m:t>𝑡</m:t>
+                          </m:r>
+                          <m:r>
+                            <a:rPr lang="es-AR" sz="2000" b="0" i="1" smtClean="0">
+                              <a:solidFill>
+                                <a:schemeClr val="bg1"/>
+                              </a:solidFill>
+                              <a:latin typeface="Cambria Math" panose="02040503050406030204" pitchFamily="18" charset="0"/>
+                            </a:rPr>
+                            <m:t>,</m:t>
+                          </m:r>
                           <m:r>
                             <a:rPr lang="es-AR" sz="2000" b="0" i="1" smtClean="0">
                               <a:solidFill>
@@ -29994,6 +30968,24 @@
                         </m:e>
                         <m:sub>
                           <m:r>
+                            <a:rPr lang="es-AR" sz="2000" b="0" i="1" smtClean="0">
+                              <a:solidFill>
+                                <a:schemeClr val="bg1"/>
+                              </a:solidFill>
+                              <a:latin typeface="Cambria Math" panose="02040503050406030204" pitchFamily="18" charset="0"/>
+                            </a:rPr>
+                            <m:t>𝑡</m:t>
+                          </m:r>
+                          <m:r>
+                            <a:rPr lang="es-AR" sz="2000" b="0" i="1" smtClean="0">
+                              <a:solidFill>
+                                <a:schemeClr val="bg1"/>
+                              </a:solidFill>
+                              <a:latin typeface="Cambria Math" panose="02040503050406030204" pitchFamily="18" charset="0"/>
+                            </a:rPr>
+                            <m:t>,</m:t>
+                          </m:r>
+                          <m:r>
                             <a:rPr lang="es-AR" sz="2000" i="1">
                               <a:solidFill>
                                 <a:schemeClr val="bg1"/>
@@ -30025,7 +31017,7 @@
             </p:txBody>
           </p:sp>
         </mc:Choice>
-        <mc:Fallback>
+        <mc:Fallback xmlns="">
           <p:sp>
             <p:nvSpPr>
               <p:cNvPr id="15" name="TextBox 5">
@@ -30042,8 +31034,8 @@
             </p:nvSpPr>
             <p:spPr>
               <a:xfrm>
-                <a:off x="3638030" y="6416455"/>
-                <a:ext cx="3005630" cy="332463"/>
+                <a:off x="3620622" y="6416455"/>
+                <a:ext cx="3278911" cy="332463"/>
               </a:xfrm>
               <a:prstGeom prst="rect">
                 <a:avLst/>
@@ -30051,7 +31043,7 @@
               <a:blipFill>
                 <a:blip r:embed="rId14"/>
                 <a:stretch>
-                  <a:fillRect l="-609" t="-1852" r="-2637" b="-27778"/>
+                  <a:fillRect l="-558" t="-1852" r="-2230" b="-27778"/>
                 </a:stretch>
               </a:blipFill>
             </p:spPr>
@@ -30070,8 +31062,8 @@
           </p:sp>
         </mc:Fallback>
       </mc:AlternateContent>
-      <mc:AlternateContent xmlns:mc="http://schemas.openxmlformats.org/markup-compatibility/2006">
-        <mc:Choice xmlns:a14="http://schemas.microsoft.com/office/drawing/2010/main" Requires="a14">
+      <mc:AlternateContent xmlns:mc="http://schemas.openxmlformats.org/markup-compatibility/2006" xmlns:a14="http://schemas.microsoft.com/office/drawing/2010/main">
+        <mc:Choice Requires="a14">
           <p:sp>
             <p:nvSpPr>
               <p:cNvPr id="16" name="TextBox 6">
@@ -30086,8 +31078,8 @@
             </p:nvSpPr>
             <p:spPr>
               <a:xfrm>
-                <a:off x="196394" y="6431759"/>
-                <a:ext cx="2928173" cy="332463"/>
+                <a:off x="178986" y="6431759"/>
+                <a:ext cx="2786917" cy="332463"/>
               </a:xfrm>
               <a:prstGeom prst="rect">
                 <a:avLst/>
@@ -30150,6 +31142,24 @@
                           </m:r>
                         </m:e>
                         <m:sub>
+                          <m:r>
+                            <a:rPr lang="es-AR" sz="2000" b="0" i="1" smtClean="0">
+                              <a:solidFill>
+                                <a:schemeClr val="bg1"/>
+                              </a:solidFill>
+                              <a:latin typeface="Cambria Math" panose="02040503050406030204" pitchFamily="18" charset="0"/>
+                            </a:rPr>
+                            <m:t>𝑡</m:t>
+                          </m:r>
+                          <m:r>
+                            <a:rPr lang="es-AR" sz="2000" b="0" i="1" smtClean="0">
+                              <a:solidFill>
+                                <a:schemeClr val="bg1"/>
+                              </a:solidFill>
+                              <a:latin typeface="Cambria Math" panose="02040503050406030204" pitchFamily="18" charset="0"/>
+                            </a:rPr>
+                            <m:t>,</m:t>
+                          </m:r>
                           <m:r>
                             <a:rPr lang="es-AR" sz="2000" b="0" i="1" smtClean="0">
                               <a:solidFill>
@@ -30222,15 +31232,6 @@
                               <a:latin typeface="Cambria Math" panose="02040503050406030204" pitchFamily="18" charset="0"/>
                             </a:rPr>
                             <m:t>𝑡</m:t>
-                          </m:r>
-                          <m:r>
-                            <a:rPr lang="es-AR" sz="2000" b="0" i="1" smtClean="0">
-                              <a:solidFill>
-                                <a:schemeClr val="bg1"/>
-                              </a:solidFill>
-                              <a:latin typeface="Cambria Math" panose="02040503050406030204" pitchFamily="18" charset="0"/>
-                            </a:rPr>
-                            <m:t>−1</m:t>
                           </m:r>
                         </m:sub>
                       </m:sSub>
@@ -30307,7 +31308,7 @@
             </p:txBody>
           </p:sp>
         </mc:Choice>
-        <mc:Fallback>
+        <mc:Fallback xmlns="">
           <p:sp>
             <p:nvSpPr>
               <p:cNvPr id="16" name="TextBox 6">
@@ -30324,8 +31325,8 @@
             </p:nvSpPr>
             <p:spPr>
               <a:xfrm>
-                <a:off x="196394" y="6431759"/>
-                <a:ext cx="2928173" cy="332463"/>
+                <a:off x="178986" y="6431759"/>
+                <a:ext cx="2786917" cy="332463"/>
               </a:xfrm>
               <a:prstGeom prst="rect">
                 <a:avLst/>
@@ -30333,7 +31334,7 @@
               <a:blipFill>
                 <a:blip r:embed="rId15"/>
                 <a:stretch>
-                  <a:fillRect l="-1040" r="-2287" b="-25455"/>
+                  <a:fillRect l="-1528" r="-2838" b="-25455"/>
                 </a:stretch>
               </a:blipFill>
             </p:spPr>
@@ -30352,8 +31353,8 @@
           </p:sp>
         </mc:Fallback>
       </mc:AlternateContent>
-      <mc:AlternateContent xmlns:mc="http://schemas.openxmlformats.org/markup-compatibility/2006">
-        <mc:Choice xmlns:a14="http://schemas.microsoft.com/office/drawing/2010/main" Requires="a14">
+      <mc:AlternateContent xmlns:mc="http://schemas.openxmlformats.org/markup-compatibility/2006" xmlns:a14="http://schemas.microsoft.com/office/drawing/2010/main">
+        <mc:Choice Requires="a14">
           <p:sp>
             <p:nvSpPr>
               <p:cNvPr id="17" name="TextBox 7">
@@ -30368,8 +31369,8 @@
             </p:nvSpPr>
             <p:spPr>
               <a:xfrm>
-                <a:off x="6961548" y="6017786"/>
-                <a:ext cx="1448024" cy="781752"/>
+                <a:off x="7200087" y="6017786"/>
+                <a:ext cx="1596078" cy="781752"/>
               </a:xfrm>
               <a:prstGeom prst="rect">
                 <a:avLst/>
@@ -30493,6 +31494,24 @@
                                   </a:solidFill>
                                   <a:latin typeface="Cambria Math" panose="02040503050406030204" pitchFamily="18" charset="0"/>
                                 </a:rPr>
+                                <m:t>𝑡</m:t>
+                              </m:r>
+                              <m:r>
+                                <a:rPr lang="es-AR" sz="2000" b="0" i="1" smtClean="0">
+                                  <a:solidFill>
+                                    <a:schemeClr val="bg1"/>
+                                  </a:solidFill>
+                                  <a:latin typeface="Cambria Math" panose="02040503050406030204" pitchFamily="18" charset="0"/>
+                                </a:rPr>
+                                <m:t>,</m:t>
+                              </m:r>
+                              <m:r>
+                                <a:rPr lang="es-AR" sz="2000" b="0" i="1" smtClean="0">
+                                  <a:solidFill>
+                                    <a:schemeClr val="bg1"/>
+                                  </a:solidFill>
+                                  <a:latin typeface="Cambria Math" panose="02040503050406030204" pitchFamily="18" charset="0"/>
+                                </a:rPr>
                                 <m:t>𝑗</m:t>
                               </m:r>
                             </m:sub>
@@ -30545,7 +31564,7 @@
             </p:txBody>
           </p:sp>
         </mc:Choice>
-        <mc:Fallback>
+        <mc:Fallback xmlns="">
           <p:sp>
             <p:nvSpPr>
               <p:cNvPr id="17" name="TextBox 7">
@@ -30562,8 +31581,8 @@
             </p:nvSpPr>
             <p:spPr>
               <a:xfrm>
-                <a:off x="6961548" y="6017786"/>
-                <a:ext cx="1448024" cy="781752"/>
+                <a:off x="7200087" y="6017786"/>
+                <a:ext cx="1596078" cy="781752"/>
               </a:xfrm>
               <a:prstGeom prst="rect">
                 <a:avLst/>
@@ -30590,8 +31609,8 @@
           </p:sp>
         </mc:Fallback>
       </mc:AlternateContent>
-      <mc:AlternateContent xmlns:mc="http://schemas.openxmlformats.org/markup-compatibility/2006">
-        <mc:Choice xmlns:a14="http://schemas.microsoft.com/office/drawing/2010/main" Requires="a14">
+      <mc:AlternateContent xmlns:mc="http://schemas.openxmlformats.org/markup-compatibility/2006" xmlns:a14="http://schemas.microsoft.com/office/drawing/2010/main">
+        <mc:Choice Requires="a14">
           <p:sp>
             <p:nvSpPr>
               <p:cNvPr id="18" name="TextBox 5">
@@ -30954,7 +31973,7 @@
             </p:txBody>
           </p:sp>
         </mc:Choice>
-        <mc:Fallback>
+        <mc:Fallback xmlns="">
           <p:sp>
             <p:nvSpPr>
               <p:cNvPr id="18" name="TextBox 5">
@@ -31379,8 +32398,8 @@
           </p:sp>
         </mc:Fallback>
       </mc:AlternateContent>
-      <mc:AlternateContent xmlns:mc="http://schemas.openxmlformats.org/markup-compatibility/2006">
-        <mc:Choice xmlns:a14="http://schemas.microsoft.com/office/drawing/2010/main" Requires="a14">
+      <mc:AlternateContent xmlns:mc="http://schemas.openxmlformats.org/markup-compatibility/2006" xmlns:a14="http://schemas.microsoft.com/office/drawing/2010/main">
+        <mc:Choice Requires="a14">
           <p:sp>
             <p:nvSpPr>
               <p:cNvPr id="10" name="Rectangle 9"/>
@@ -31716,7 +32735,7 @@
             </p:txBody>
           </p:sp>
         </mc:Choice>
-        <mc:Fallback>
+        <mc:Fallback xmlns="">
           <p:sp>
             <p:nvSpPr>
               <p:cNvPr id="10" name="Rectangle 9"/>
@@ -31866,14 +32885,353 @@
           </p:sp>
         </mc:Fallback>
       </mc:AlternateContent>
-      <mc:AlternateContent xmlns:mc="http://schemas.openxmlformats.org/markup-compatibility/2006">
-        <mc:Choice xmlns:a14="http://schemas.microsoft.com/office/drawing/2010/main" Requires="a14">
+      <p:grpSp>
+        <p:nvGrpSpPr>
+          <p:cNvPr id="16" name="Grupo 15">
+            <a:extLst>
+              <a:ext uri="{FF2B5EF4-FFF2-40B4-BE49-F238E27FC236}">
+                <a16:creationId xmlns:a16="http://schemas.microsoft.com/office/drawing/2014/main" id="{BB30C073-BE20-9807-C739-813C29BC6A66}"/>
+              </a:ext>
+            </a:extLst>
+          </p:cNvPr>
+          <p:cNvGrpSpPr/>
+          <p:nvPr/>
+        </p:nvGrpSpPr>
+        <p:grpSpPr>
+          <a:xfrm>
+            <a:off x="1171043" y="1538832"/>
+            <a:ext cx="7848600" cy="4667250"/>
+            <a:chOff x="1171043" y="1538832"/>
+            <a:chExt cx="7848600" cy="4667250"/>
+          </a:xfrm>
+        </p:grpSpPr>
+        <p:pic>
+          <p:nvPicPr>
+            <p:cNvPr id="5" name="Imagen 4">
+              <a:extLst>
+                <a:ext uri="{FF2B5EF4-FFF2-40B4-BE49-F238E27FC236}">
+                  <a16:creationId xmlns:a16="http://schemas.microsoft.com/office/drawing/2014/main" id="{B5A0F1BB-E63B-66F1-E849-782CDB2B868E}"/>
+                </a:ext>
+              </a:extLst>
+            </p:cNvPr>
+            <p:cNvPicPr>
+              <a:picLocks noChangeAspect="1"/>
+            </p:cNvPicPr>
+            <p:nvPr/>
+          </p:nvPicPr>
+          <p:blipFill>
+            <a:blip r:embed="rId9"/>
+            <a:stretch>
+              <a:fillRect/>
+            </a:stretch>
+          </p:blipFill>
+          <p:spPr>
+            <a:xfrm>
+              <a:off x="1171043" y="1538832"/>
+              <a:ext cx="7848600" cy="4667250"/>
+            </a:xfrm>
+            <a:prstGeom prst="rect">
+              <a:avLst/>
+            </a:prstGeom>
+          </p:spPr>
+        </p:pic>
+        <p:sp>
+          <p:nvSpPr>
+            <p:cNvPr id="15" name="Rectángulo 14">
+              <a:extLst>
+                <a:ext uri="{FF2B5EF4-FFF2-40B4-BE49-F238E27FC236}">
+                  <a16:creationId xmlns:a16="http://schemas.microsoft.com/office/drawing/2014/main" id="{AA4DE4CC-D985-0B95-9501-C0CE603E2C8B}"/>
+                </a:ext>
+              </a:extLst>
+            </p:cNvPr>
+            <p:cNvSpPr/>
+            <p:nvPr/>
+          </p:nvSpPr>
+          <p:spPr>
+            <a:xfrm>
+              <a:off x="5526157" y="4152296"/>
+              <a:ext cx="2637182" cy="2053786"/>
+            </a:xfrm>
+            <a:prstGeom prst="rect">
+              <a:avLst/>
+            </a:prstGeom>
+            <a:ln>
+              <a:solidFill>
+                <a:schemeClr val="tx1"/>
+              </a:solidFill>
+            </a:ln>
+          </p:spPr>
+          <p:style>
+            <a:lnRef idx="2">
+              <a:schemeClr val="accent6"/>
+            </a:lnRef>
+            <a:fillRef idx="1">
+              <a:schemeClr val="lt1"/>
+            </a:fillRef>
+            <a:effectRef idx="0">
+              <a:schemeClr val="accent6"/>
+            </a:effectRef>
+            <a:fontRef idx="minor">
+              <a:schemeClr val="dk1"/>
+            </a:fontRef>
+          </p:style>
+          <p:txBody>
+            <a:bodyPr rtlCol="0" anchor="ctr"/>
+            <a:lstStyle/>
+            <a:p>
+              <a:pPr algn="ctr"/>
+              <a:endParaRPr lang="es-AR"/>
+            </a:p>
+          </p:txBody>
+        </p:sp>
+      </p:grpSp>
+      <p:sp>
+        <p:nvSpPr>
+          <p:cNvPr id="17" name="Subtitle 1">
+            <a:extLst>
+              <a:ext uri="{FF2B5EF4-FFF2-40B4-BE49-F238E27FC236}">
+                <a16:creationId xmlns:a16="http://schemas.microsoft.com/office/drawing/2014/main" id="{274FD1B5-D8E7-49B0-7355-9B817A070EC7}"/>
+              </a:ext>
+            </a:extLst>
+          </p:cNvPr>
+          <p:cNvSpPr txBox="1">
+            <a:spLocks/>
+          </p:cNvSpPr>
+          <p:nvPr/>
+        </p:nvSpPr>
+        <p:spPr>
+          <a:xfrm>
+            <a:off x="296213" y="0"/>
+            <a:ext cx="11694017" cy="811369"/>
+          </a:xfrm>
+          <a:prstGeom prst="rect">
+            <a:avLst/>
+          </a:prstGeom>
+        </p:spPr>
+        <p:txBody>
+          <a:bodyPr vert="horz" lIns="91440" tIns="45720" rIns="91440" bIns="45720" rtlCol="0">
+            <a:noAutofit/>
+          </a:bodyPr>
+          <a:lstStyle>
+            <a:lvl1pPr marL="228600" indent="-228600" algn="l" defTabSz="914400" rtl="0" eaLnBrk="1" latinLnBrk="0" hangingPunct="1">
+              <a:lnSpc>
+                <a:spcPct val="120000"/>
+              </a:lnSpc>
+              <a:spcBef>
+                <a:spcPts val="1000"/>
+              </a:spcBef>
+              <a:buSzPct val="125000"/>
+              <a:buFont typeface="Arial" panose="020B0604020202020204" pitchFamily="34" charset="0"/>
+              <a:buChar char="•"/>
+              <a:defRPr sz="2400" kern="1200">
+                <a:solidFill>
+                  <a:schemeClr val="tx1"/>
+                </a:solidFill>
+                <a:latin typeface="+mn-lt"/>
+                <a:ea typeface="+mn-ea"/>
+                <a:cs typeface="+mn-cs"/>
+              </a:defRPr>
+            </a:lvl1pPr>
+            <a:lvl2pPr marL="685800" indent="-228600" algn="l" defTabSz="914400" rtl="0" eaLnBrk="1" latinLnBrk="0" hangingPunct="1">
+              <a:lnSpc>
+                <a:spcPct val="120000"/>
+              </a:lnSpc>
+              <a:spcBef>
+                <a:spcPts val="500"/>
+              </a:spcBef>
+              <a:buSzPct val="125000"/>
+              <a:buFont typeface="Arial" panose="020B0604020202020204" pitchFamily="34" charset="0"/>
+              <a:buChar char="•"/>
+              <a:defRPr sz="2000" kern="1200">
+                <a:solidFill>
+                  <a:schemeClr val="tx1"/>
+                </a:solidFill>
+                <a:latin typeface="+mn-lt"/>
+                <a:ea typeface="+mn-ea"/>
+                <a:cs typeface="+mn-cs"/>
+              </a:defRPr>
+            </a:lvl2pPr>
+            <a:lvl3pPr marL="1143000" indent="-228600" algn="l" defTabSz="914400" rtl="0" eaLnBrk="1" latinLnBrk="0" hangingPunct="1">
+              <a:lnSpc>
+                <a:spcPct val="120000"/>
+              </a:lnSpc>
+              <a:spcBef>
+                <a:spcPts val="500"/>
+              </a:spcBef>
+              <a:buSzPct val="125000"/>
+              <a:buFont typeface="Arial" panose="020B0604020202020204" pitchFamily="34" charset="0"/>
+              <a:buChar char="•"/>
+              <a:defRPr sz="1800" kern="1200">
+                <a:solidFill>
+                  <a:schemeClr val="tx1"/>
+                </a:solidFill>
+                <a:latin typeface="+mn-lt"/>
+                <a:ea typeface="+mn-ea"/>
+                <a:cs typeface="+mn-cs"/>
+              </a:defRPr>
+            </a:lvl3pPr>
+            <a:lvl4pPr marL="1600200" indent="-228600" algn="l" defTabSz="914400" rtl="0" eaLnBrk="1" latinLnBrk="0" hangingPunct="1">
+              <a:lnSpc>
+                <a:spcPct val="120000"/>
+              </a:lnSpc>
+              <a:spcBef>
+                <a:spcPts val="500"/>
+              </a:spcBef>
+              <a:buSzPct val="125000"/>
+              <a:buFont typeface="Arial" panose="020B0604020202020204" pitchFamily="34" charset="0"/>
+              <a:buChar char="•"/>
+              <a:defRPr sz="1600" kern="1200">
+                <a:solidFill>
+                  <a:schemeClr val="tx1"/>
+                </a:solidFill>
+                <a:latin typeface="+mn-lt"/>
+                <a:ea typeface="+mn-ea"/>
+                <a:cs typeface="+mn-cs"/>
+              </a:defRPr>
+            </a:lvl4pPr>
+            <a:lvl5pPr marL="2057400" indent="-228600" algn="l" defTabSz="914400" rtl="0" eaLnBrk="1" latinLnBrk="0" hangingPunct="1">
+              <a:lnSpc>
+                <a:spcPct val="120000"/>
+              </a:lnSpc>
+              <a:spcBef>
+                <a:spcPts val="500"/>
+              </a:spcBef>
+              <a:buSzPct val="125000"/>
+              <a:buFont typeface="Arial" panose="020B0604020202020204" pitchFamily="34" charset="0"/>
+              <a:buChar char="•"/>
+              <a:defRPr sz="1600" kern="1200">
+                <a:solidFill>
+                  <a:schemeClr val="tx1"/>
+                </a:solidFill>
+                <a:latin typeface="+mn-lt"/>
+                <a:ea typeface="+mn-ea"/>
+                <a:cs typeface="+mn-cs"/>
+              </a:defRPr>
+            </a:lvl5pPr>
+            <a:lvl6pPr marL="2514600" indent="-228600" algn="l" defTabSz="914400" rtl="0" eaLnBrk="1" latinLnBrk="0" hangingPunct="1">
+              <a:lnSpc>
+                <a:spcPct val="120000"/>
+              </a:lnSpc>
+              <a:spcBef>
+                <a:spcPts val="500"/>
+              </a:spcBef>
+              <a:buSzPct val="125000"/>
+              <a:buFont typeface="Arial" panose="020B0604020202020204" pitchFamily="34" charset="0"/>
+              <a:buChar char="•"/>
+              <a:defRPr sz="1400" kern="1200">
+                <a:solidFill>
+                  <a:schemeClr val="tx1"/>
+                </a:solidFill>
+                <a:latin typeface="+mn-lt"/>
+                <a:ea typeface="+mn-ea"/>
+                <a:cs typeface="+mn-cs"/>
+              </a:defRPr>
+            </a:lvl6pPr>
+            <a:lvl7pPr marL="2971800" indent="-228600" algn="l" defTabSz="914400" rtl="0" eaLnBrk="1" latinLnBrk="0" hangingPunct="1">
+              <a:lnSpc>
+                <a:spcPct val="120000"/>
+              </a:lnSpc>
+              <a:spcBef>
+                <a:spcPts val="500"/>
+              </a:spcBef>
+              <a:buSzPct val="125000"/>
+              <a:buFont typeface="Arial" panose="020B0604020202020204" pitchFamily="34" charset="0"/>
+              <a:buChar char="•"/>
+              <a:defRPr sz="1400" kern="1200">
+                <a:solidFill>
+                  <a:schemeClr val="tx1"/>
+                </a:solidFill>
+                <a:latin typeface="+mn-lt"/>
+                <a:ea typeface="+mn-ea"/>
+                <a:cs typeface="+mn-cs"/>
+              </a:defRPr>
+            </a:lvl7pPr>
+            <a:lvl8pPr marL="3429000" indent="-228600" algn="l" defTabSz="914400" rtl="0" eaLnBrk="1" latinLnBrk="0" hangingPunct="1">
+              <a:lnSpc>
+                <a:spcPct val="120000"/>
+              </a:lnSpc>
+              <a:spcBef>
+                <a:spcPts val="500"/>
+              </a:spcBef>
+              <a:buSzPct val="125000"/>
+              <a:buFont typeface="Arial" panose="020B0604020202020204" pitchFamily="34" charset="0"/>
+              <a:buChar char="•"/>
+              <a:defRPr sz="1400" kern="1200">
+                <a:solidFill>
+                  <a:schemeClr val="tx1"/>
+                </a:solidFill>
+                <a:latin typeface="+mn-lt"/>
+                <a:ea typeface="+mn-ea"/>
+                <a:cs typeface="+mn-cs"/>
+              </a:defRPr>
+            </a:lvl8pPr>
+            <a:lvl9pPr marL="3886200" indent="-228600" algn="l" defTabSz="914400" rtl="0" eaLnBrk="1" latinLnBrk="0" hangingPunct="1">
+              <a:lnSpc>
+                <a:spcPct val="120000"/>
+              </a:lnSpc>
+              <a:spcBef>
+                <a:spcPts val="500"/>
+              </a:spcBef>
+              <a:buSzPct val="125000"/>
+              <a:buFont typeface="Arial" panose="020B0604020202020204" pitchFamily="34" charset="0"/>
+              <a:buChar char="•"/>
+              <a:defRPr sz="1400" kern="1200">
+                <a:solidFill>
+                  <a:schemeClr val="tx1"/>
+                </a:solidFill>
+                <a:latin typeface="+mn-lt"/>
+                <a:ea typeface="+mn-ea"/>
+                <a:cs typeface="+mn-cs"/>
+              </a:defRPr>
+            </a:lvl9pPr>
+          </a:lstStyle>
+          <a:p>
+            <a:pPr marL="0" indent="0" algn="ctr">
+              <a:buNone/>
+            </a:pPr>
+            <a:r>
+              <a:rPr lang="es-AR" sz="3200" dirty="0" err="1">
+                <a:solidFill>
+                  <a:schemeClr val="bg1"/>
+                </a:solidFill>
+              </a:rPr>
+              <a:t>Recurrent</a:t>
+            </a:r>
+            <a:r>
+              <a:rPr lang="es-AR" sz="3200" dirty="0">
+                <a:solidFill>
+                  <a:schemeClr val="bg1"/>
+                </a:solidFill>
+              </a:rPr>
+              <a:t> Neural Network (RNN)  - </a:t>
+            </a:r>
+            <a:r>
+              <a:rPr lang="es-AR" sz="3200" dirty="0" err="1">
+                <a:solidFill>
+                  <a:schemeClr val="bg1"/>
+                </a:solidFill>
+              </a:rPr>
+              <a:t>Attention</a:t>
+            </a:r>
+            <a:r>
+              <a:rPr lang="es-AR" sz="3200" dirty="0">
+                <a:solidFill>
+                  <a:schemeClr val="bg1"/>
+                </a:solidFill>
+              </a:rPr>
+              <a:t>!!</a:t>
+            </a:r>
+          </a:p>
+        </p:txBody>
+      </p:sp>
+      <mc:AlternateContent xmlns:mc="http://schemas.openxmlformats.org/markup-compatibility/2006" xmlns:a14="http://schemas.microsoft.com/office/drawing/2010/main">
+        <mc:Choice Requires="a14">
           <p:sp>
             <p:nvSpPr>
-              <p:cNvPr id="11" name="TextBox 5">
+              <p:cNvPr id="7" name="TextBox 5">
                 <a:extLst>
                   <a:ext uri="{FF2B5EF4-FFF2-40B4-BE49-F238E27FC236}">
-                    <a16:creationId xmlns:a16="http://schemas.microsoft.com/office/drawing/2014/main" id="{FD6F5EAC-B1F2-540B-D1EC-A09AA90C3764}"/>
+                    <a16:creationId xmlns:a16="http://schemas.microsoft.com/office/drawing/2014/main" id="{EA496627-6B2C-CD4C-D28C-9C261CDD48EC}"/>
                   </a:ext>
                 </a:extLst>
               </p:cNvPr>
@@ -31882,8 +33240,8 @@
             </p:nvSpPr>
             <p:spPr>
               <a:xfrm>
-                <a:off x="3638030" y="6416455"/>
-                <a:ext cx="3005630" cy="332463"/>
+                <a:off x="3620622" y="6416455"/>
+                <a:ext cx="3278911" cy="332463"/>
               </a:xfrm>
               <a:prstGeom prst="rect">
                 <a:avLst/>
@@ -31928,6 +33286,24 @@
                           </m:r>
                         </m:e>
                         <m:sub>
+                          <m:r>
+                            <a:rPr lang="es-AR" sz="2000" b="0" i="1" smtClean="0">
+                              <a:solidFill>
+                                <a:schemeClr val="bg1"/>
+                              </a:solidFill>
+                              <a:latin typeface="Cambria Math" panose="02040503050406030204" pitchFamily="18" charset="0"/>
+                            </a:rPr>
+                            <m:t>𝑡</m:t>
+                          </m:r>
+                          <m:r>
+                            <a:rPr lang="es-AR" sz="2000" b="0" i="1" smtClean="0">
+                              <a:solidFill>
+                                <a:schemeClr val="bg1"/>
+                              </a:solidFill>
+                              <a:latin typeface="Cambria Math" panose="02040503050406030204" pitchFamily="18" charset="0"/>
+                            </a:rPr>
+                            <m:t>,</m:t>
+                          </m:r>
                           <m:r>
                             <a:rPr lang="es-AR" sz="2000" b="0" i="1" smtClean="0">
                               <a:solidFill>
@@ -32008,6 +33384,24 @@
                         </m:e>
                         <m:sub>
                           <m:r>
+                            <a:rPr lang="es-AR" sz="2000" b="0" i="1" smtClean="0">
+                              <a:solidFill>
+                                <a:schemeClr val="bg1"/>
+                              </a:solidFill>
+                              <a:latin typeface="Cambria Math" panose="02040503050406030204" pitchFamily="18" charset="0"/>
+                            </a:rPr>
+                            <m:t>𝑡</m:t>
+                          </m:r>
+                          <m:r>
+                            <a:rPr lang="es-AR" sz="2000" b="0" i="1" smtClean="0">
+                              <a:solidFill>
+                                <a:schemeClr val="bg1"/>
+                              </a:solidFill>
+                              <a:latin typeface="Cambria Math" panose="02040503050406030204" pitchFamily="18" charset="0"/>
+                            </a:rPr>
+                            <m:t>,</m:t>
+                          </m:r>
+                          <m:r>
                             <a:rPr lang="es-AR" sz="2000" i="1">
                               <a:solidFill>
                                 <a:schemeClr val="bg1"/>
@@ -32039,13 +33433,13 @@
             </p:txBody>
           </p:sp>
         </mc:Choice>
-        <mc:Fallback>
+        <mc:Fallback xmlns="">
           <p:sp>
             <p:nvSpPr>
-              <p:cNvPr id="11" name="TextBox 5">
+              <p:cNvPr id="7" name="TextBox 5">
                 <a:extLst>
                   <a:ext uri="{FF2B5EF4-FFF2-40B4-BE49-F238E27FC236}">
-                    <a16:creationId xmlns:a16="http://schemas.microsoft.com/office/drawing/2014/main" id="{FD6F5EAC-B1F2-540B-D1EC-A09AA90C3764}"/>
+                    <a16:creationId xmlns:a16="http://schemas.microsoft.com/office/drawing/2014/main" id="{EA496627-6B2C-CD4C-D28C-9C261CDD48EC}"/>
                   </a:ext>
                 </a:extLst>
               </p:cNvPr>
@@ -32056,16 +33450,16 @@
             </p:nvSpPr>
             <p:spPr>
               <a:xfrm>
-                <a:off x="3638030" y="6416455"/>
-                <a:ext cx="3005630" cy="332463"/>
+                <a:off x="3620622" y="6416455"/>
+                <a:ext cx="3278911" cy="332463"/>
               </a:xfrm>
               <a:prstGeom prst="rect">
                 <a:avLst/>
               </a:prstGeom>
               <a:blipFill>
-                <a:blip r:embed="rId9"/>
+                <a:blip r:embed="rId10"/>
                 <a:stretch>
-                  <a:fillRect l="-609" t="-1852" r="-2637" b="-27778"/>
+                  <a:fillRect l="-558" t="-1852" r="-2230" b="-27778"/>
                 </a:stretch>
               </a:blipFill>
             </p:spPr>
@@ -32084,14 +33478,14 @@
           </p:sp>
         </mc:Fallback>
       </mc:AlternateContent>
-      <mc:AlternateContent xmlns:mc="http://schemas.openxmlformats.org/markup-compatibility/2006">
-        <mc:Choice xmlns:a14="http://schemas.microsoft.com/office/drawing/2010/main" Requires="a14">
+      <mc:AlternateContent xmlns:mc="http://schemas.openxmlformats.org/markup-compatibility/2006" xmlns:a14="http://schemas.microsoft.com/office/drawing/2010/main">
+        <mc:Choice Requires="a14">
           <p:sp>
             <p:nvSpPr>
-              <p:cNvPr id="12" name="TextBox 6">
+              <p:cNvPr id="8" name="TextBox 6">
                 <a:extLst>
                   <a:ext uri="{FF2B5EF4-FFF2-40B4-BE49-F238E27FC236}">
-                    <a16:creationId xmlns:a16="http://schemas.microsoft.com/office/drawing/2014/main" id="{A6C7C781-228C-CCF9-F283-652CF6541CAA}"/>
+                    <a16:creationId xmlns:a16="http://schemas.microsoft.com/office/drawing/2014/main" id="{F00EFBD4-5DB7-2AE1-FFA7-DAD16446BE0A}"/>
                   </a:ext>
                 </a:extLst>
               </p:cNvPr>
@@ -32100,8 +33494,8 @@
             </p:nvSpPr>
             <p:spPr>
               <a:xfrm>
-                <a:off x="196394" y="6431759"/>
-                <a:ext cx="2928173" cy="332463"/>
+                <a:off x="178986" y="6431759"/>
+                <a:ext cx="2786917" cy="332463"/>
               </a:xfrm>
               <a:prstGeom prst="rect">
                 <a:avLst/>
@@ -32164,6 +33558,24 @@
                           </m:r>
                         </m:e>
                         <m:sub>
+                          <m:r>
+                            <a:rPr lang="es-AR" sz="2000" b="0" i="1" smtClean="0">
+                              <a:solidFill>
+                                <a:schemeClr val="bg1"/>
+                              </a:solidFill>
+                              <a:latin typeface="Cambria Math" panose="02040503050406030204" pitchFamily="18" charset="0"/>
+                            </a:rPr>
+                            <m:t>𝑡</m:t>
+                          </m:r>
+                          <m:r>
+                            <a:rPr lang="es-AR" sz="2000" b="0" i="1" smtClean="0">
+                              <a:solidFill>
+                                <a:schemeClr val="bg1"/>
+                              </a:solidFill>
+                              <a:latin typeface="Cambria Math" panose="02040503050406030204" pitchFamily="18" charset="0"/>
+                            </a:rPr>
+                            <m:t>,</m:t>
+                          </m:r>
                           <m:r>
                             <a:rPr lang="es-AR" sz="2000" b="0" i="1" smtClean="0">
                               <a:solidFill>
@@ -32236,15 +33648,6 @@
                               <a:latin typeface="Cambria Math" panose="02040503050406030204" pitchFamily="18" charset="0"/>
                             </a:rPr>
                             <m:t>𝑡</m:t>
-                          </m:r>
-                          <m:r>
-                            <a:rPr lang="es-AR" sz="2000" b="0" i="1" smtClean="0">
-                              <a:solidFill>
-                                <a:schemeClr val="bg1"/>
-                              </a:solidFill>
-                              <a:latin typeface="Cambria Math" panose="02040503050406030204" pitchFamily="18" charset="0"/>
-                            </a:rPr>
-                            <m:t>−1</m:t>
                           </m:r>
                         </m:sub>
                       </m:sSub>
@@ -32321,13 +33724,13 @@
             </p:txBody>
           </p:sp>
         </mc:Choice>
-        <mc:Fallback>
+        <mc:Fallback xmlns="">
           <p:sp>
             <p:nvSpPr>
-              <p:cNvPr id="12" name="TextBox 6">
+              <p:cNvPr id="8" name="TextBox 6">
                 <a:extLst>
                   <a:ext uri="{FF2B5EF4-FFF2-40B4-BE49-F238E27FC236}">
-                    <a16:creationId xmlns:a16="http://schemas.microsoft.com/office/drawing/2014/main" id="{A6C7C781-228C-CCF9-F283-652CF6541CAA}"/>
+                    <a16:creationId xmlns:a16="http://schemas.microsoft.com/office/drawing/2014/main" id="{F00EFBD4-5DB7-2AE1-FFA7-DAD16446BE0A}"/>
                   </a:ext>
                 </a:extLst>
               </p:cNvPr>
@@ -32338,16 +33741,16 @@
             </p:nvSpPr>
             <p:spPr>
               <a:xfrm>
-                <a:off x="196394" y="6431759"/>
-                <a:ext cx="2928173" cy="332463"/>
+                <a:off x="178986" y="6431759"/>
+                <a:ext cx="2786917" cy="332463"/>
               </a:xfrm>
               <a:prstGeom prst="rect">
                 <a:avLst/>
               </a:prstGeom>
               <a:blipFill>
-                <a:blip r:embed="rId10"/>
+                <a:blip r:embed="rId11"/>
                 <a:stretch>
-                  <a:fillRect l="-1040" r="-2287" b="-25455"/>
+                  <a:fillRect l="-1528" r="-2838" b="-25455"/>
                 </a:stretch>
               </a:blipFill>
             </p:spPr>
@@ -32366,114 +33769,14 @@
           </p:sp>
         </mc:Fallback>
       </mc:AlternateContent>
-      <p:grpSp>
-        <p:nvGrpSpPr>
-          <p:cNvPr id="16" name="Grupo 15">
-            <a:extLst>
-              <a:ext uri="{FF2B5EF4-FFF2-40B4-BE49-F238E27FC236}">
-                <a16:creationId xmlns:a16="http://schemas.microsoft.com/office/drawing/2014/main" id="{BB30C073-BE20-9807-C739-813C29BC6A66}"/>
-              </a:ext>
-            </a:extLst>
-          </p:cNvPr>
-          <p:cNvGrpSpPr/>
-          <p:nvPr/>
-        </p:nvGrpSpPr>
-        <p:grpSpPr>
-          <a:xfrm>
-            <a:off x="1171043" y="1538832"/>
-            <a:ext cx="7848600" cy="4667250"/>
-            <a:chOff x="1171043" y="1538832"/>
-            <a:chExt cx="7848600" cy="4667250"/>
-          </a:xfrm>
-        </p:grpSpPr>
-        <p:pic>
-          <p:nvPicPr>
-            <p:cNvPr id="5" name="Imagen 4">
-              <a:extLst>
-                <a:ext uri="{FF2B5EF4-FFF2-40B4-BE49-F238E27FC236}">
-                  <a16:creationId xmlns:a16="http://schemas.microsoft.com/office/drawing/2014/main" id="{B5A0F1BB-E63B-66F1-E849-782CDB2B868E}"/>
-                </a:ext>
-              </a:extLst>
-            </p:cNvPr>
-            <p:cNvPicPr>
-              <a:picLocks noChangeAspect="1"/>
-            </p:cNvPicPr>
-            <p:nvPr/>
-          </p:nvPicPr>
-          <p:blipFill>
-            <a:blip r:embed="rId11"/>
-            <a:stretch>
-              <a:fillRect/>
-            </a:stretch>
-          </p:blipFill>
-          <p:spPr>
-            <a:xfrm>
-              <a:off x="1171043" y="1538832"/>
-              <a:ext cx="7848600" cy="4667250"/>
-            </a:xfrm>
-            <a:prstGeom prst="rect">
-              <a:avLst/>
-            </a:prstGeom>
-          </p:spPr>
-        </p:pic>
-        <p:sp>
-          <p:nvSpPr>
-            <p:cNvPr id="15" name="Rectángulo 14">
-              <a:extLst>
-                <a:ext uri="{FF2B5EF4-FFF2-40B4-BE49-F238E27FC236}">
-                  <a16:creationId xmlns:a16="http://schemas.microsoft.com/office/drawing/2014/main" id="{AA4DE4CC-D985-0B95-9501-C0CE603E2C8B}"/>
-                </a:ext>
-              </a:extLst>
-            </p:cNvPr>
-            <p:cNvSpPr/>
-            <p:nvPr/>
-          </p:nvSpPr>
-          <p:spPr>
-            <a:xfrm>
-              <a:off x="5526157" y="4152296"/>
-              <a:ext cx="2637182" cy="2053786"/>
-            </a:xfrm>
-            <a:prstGeom prst="rect">
-              <a:avLst/>
-            </a:prstGeom>
-            <a:ln>
-              <a:solidFill>
-                <a:schemeClr val="tx1"/>
-              </a:solidFill>
-            </a:ln>
-          </p:spPr>
-          <p:style>
-            <a:lnRef idx="2">
-              <a:schemeClr val="accent6"/>
-            </a:lnRef>
-            <a:fillRef idx="1">
-              <a:schemeClr val="lt1"/>
-            </a:fillRef>
-            <a:effectRef idx="0">
-              <a:schemeClr val="accent6"/>
-            </a:effectRef>
-            <a:fontRef idx="minor">
-              <a:schemeClr val="dk1"/>
-            </a:fontRef>
-          </p:style>
-          <p:txBody>
-            <a:bodyPr rtlCol="0" anchor="ctr"/>
-            <a:lstStyle/>
-            <a:p>
-              <a:pPr algn="ctr"/>
-              <a:endParaRPr lang="es-AR"/>
-            </a:p>
-          </p:txBody>
-        </p:sp>
-      </p:grpSp>
-      <mc:AlternateContent xmlns:mc="http://schemas.openxmlformats.org/markup-compatibility/2006">
-        <mc:Choice xmlns:a14="http://schemas.microsoft.com/office/drawing/2010/main" Requires="a14">
+      <mc:AlternateContent xmlns:mc="http://schemas.openxmlformats.org/markup-compatibility/2006" xmlns:a14="http://schemas.microsoft.com/office/drawing/2010/main">
+        <mc:Choice Requires="a14">
           <p:sp>
             <p:nvSpPr>
-              <p:cNvPr id="13" name="TextBox 7">
+              <p:cNvPr id="18" name="TextBox 7">
                 <a:extLst>
                   <a:ext uri="{FF2B5EF4-FFF2-40B4-BE49-F238E27FC236}">
-                    <a16:creationId xmlns:a16="http://schemas.microsoft.com/office/drawing/2014/main" id="{0AA15A25-C077-6CF1-4AED-4CEDF0C2F6D3}"/>
+                    <a16:creationId xmlns:a16="http://schemas.microsoft.com/office/drawing/2014/main" id="{662E54A9-8F04-F218-6BCD-DE5806F042EB}"/>
                   </a:ext>
                 </a:extLst>
               </p:cNvPr>
@@ -32482,8 +33785,8 @@
             </p:nvSpPr>
             <p:spPr>
               <a:xfrm>
-                <a:off x="6961548" y="6017786"/>
-                <a:ext cx="1448024" cy="781752"/>
+                <a:off x="7200087" y="6017786"/>
+                <a:ext cx="1596078" cy="781752"/>
               </a:xfrm>
               <a:prstGeom prst="rect">
                 <a:avLst/>
@@ -32607,6 +33910,24 @@
                                   </a:solidFill>
                                   <a:latin typeface="Cambria Math" panose="02040503050406030204" pitchFamily="18" charset="0"/>
                                 </a:rPr>
+                                <m:t>𝑡</m:t>
+                              </m:r>
+                              <m:r>
+                                <a:rPr lang="es-AR" sz="2000" b="0" i="1" smtClean="0">
+                                  <a:solidFill>
+                                    <a:schemeClr val="bg1"/>
+                                  </a:solidFill>
+                                  <a:latin typeface="Cambria Math" panose="02040503050406030204" pitchFamily="18" charset="0"/>
+                                </a:rPr>
+                                <m:t>,</m:t>
+                              </m:r>
+                              <m:r>
+                                <a:rPr lang="es-AR" sz="2000" b="0" i="1" smtClean="0">
+                                  <a:solidFill>
+                                    <a:schemeClr val="bg1"/>
+                                  </a:solidFill>
+                                  <a:latin typeface="Cambria Math" panose="02040503050406030204" pitchFamily="18" charset="0"/>
+                                </a:rPr>
                                 <m:t>𝑗</m:t>
                               </m:r>
                             </m:sub>
@@ -32659,13 +33980,13 @@
             </p:txBody>
           </p:sp>
         </mc:Choice>
-        <mc:Fallback>
+        <mc:Fallback xmlns="">
           <p:sp>
             <p:nvSpPr>
-              <p:cNvPr id="13" name="TextBox 7">
+              <p:cNvPr id="18" name="TextBox 7">
                 <a:extLst>
                   <a:ext uri="{FF2B5EF4-FFF2-40B4-BE49-F238E27FC236}">
-                    <a16:creationId xmlns:a16="http://schemas.microsoft.com/office/drawing/2014/main" id="{0AA15A25-C077-6CF1-4AED-4CEDF0C2F6D3}"/>
+                    <a16:creationId xmlns:a16="http://schemas.microsoft.com/office/drawing/2014/main" id="{662E54A9-8F04-F218-6BCD-DE5806F042EB}"/>
                   </a:ext>
                 </a:extLst>
               </p:cNvPr>
@@ -32676,8 +33997,8 @@
             </p:nvSpPr>
             <p:spPr>
               <a:xfrm>
-                <a:off x="6961548" y="6017786"/>
-                <a:ext cx="1448024" cy="781752"/>
+                <a:off x="7200087" y="6017786"/>
+                <a:ext cx="1596078" cy="781752"/>
               </a:xfrm>
               <a:prstGeom prst="rect">
                 <a:avLst/>
@@ -32704,14 +34025,14 @@
           </p:sp>
         </mc:Fallback>
       </mc:AlternateContent>
-      <mc:AlternateContent xmlns:mc="http://schemas.openxmlformats.org/markup-compatibility/2006">
-        <mc:Choice xmlns:a14="http://schemas.microsoft.com/office/drawing/2010/main" Requires="a14">
+      <mc:AlternateContent xmlns:mc="http://schemas.openxmlformats.org/markup-compatibility/2006" xmlns:a14="http://schemas.microsoft.com/office/drawing/2010/main">
+        <mc:Choice Requires="a14">
           <p:sp>
             <p:nvSpPr>
-              <p:cNvPr id="14" name="TextBox 5">
+              <p:cNvPr id="19" name="TextBox 5">
                 <a:extLst>
                   <a:ext uri="{FF2B5EF4-FFF2-40B4-BE49-F238E27FC236}">
-                    <a16:creationId xmlns:a16="http://schemas.microsoft.com/office/drawing/2014/main" id="{7A019169-B46A-43A3-DB7D-73453E7EDD69}"/>
+                    <a16:creationId xmlns:a16="http://schemas.microsoft.com/office/drawing/2014/main" id="{46B65D97-87FB-1616-CA1B-5A9DD827F913}"/>
                   </a:ext>
                 </a:extLst>
               </p:cNvPr>
@@ -33068,13 +34389,13 @@
             </p:txBody>
           </p:sp>
         </mc:Choice>
-        <mc:Fallback>
+        <mc:Fallback xmlns="">
           <p:sp>
             <p:nvSpPr>
-              <p:cNvPr id="14" name="TextBox 5">
+              <p:cNvPr id="19" name="TextBox 5">
                 <a:extLst>
                   <a:ext uri="{FF2B5EF4-FFF2-40B4-BE49-F238E27FC236}">
-                    <a16:creationId xmlns:a16="http://schemas.microsoft.com/office/drawing/2014/main" id="{7A019169-B46A-43A3-DB7D-73453E7EDD69}"/>
+                    <a16:creationId xmlns:a16="http://schemas.microsoft.com/office/drawing/2014/main" id="{46B65D97-87FB-1616-CA1B-5A9DD827F913}"/>
                   </a:ext>
                 </a:extLst>
               </p:cNvPr>
@@ -33113,245 +34434,6 @@
           </p:sp>
         </mc:Fallback>
       </mc:AlternateContent>
-      <p:sp>
-        <p:nvSpPr>
-          <p:cNvPr id="17" name="Subtitle 1">
-            <a:extLst>
-              <a:ext uri="{FF2B5EF4-FFF2-40B4-BE49-F238E27FC236}">
-                <a16:creationId xmlns:a16="http://schemas.microsoft.com/office/drawing/2014/main" id="{274FD1B5-D8E7-49B0-7355-9B817A070EC7}"/>
-              </a:ext>
-            </a:extLst>
-          </p:cNvPr>
-          <p:cNvSpPr txBox="1">
-            <a:spLocks/>
-          </p:cNvSpPr>
-          <p:nvPr/>
-        </p:nvSpPr>
-        <p:spPr>
-          <a:xfrm>
-            <a:off x="296213" y="0"/>
-            <a:ext cx="11694017" cy="811369"/>
-          </a:xfrm>
-          <a:prstGeom prst="rect">
-            <a:avLst/>
-          </a:prstGeom>
-        </p:spPr>
-        <p:txBody>
-          <a:bodyPr vert="horz" lIns="91440" tIns="45720" rIns="91440" bIns="45720" rtlCol="0">
-            <a:noAutofit/>
-          </a:bodyPr>
-          <a:lstStyle>
-            <a:lvl1pPr marL="228600" indent="-228600" algn="l" defTabSz="914400" rtl="0" eaLnBrk="1" latinLnBrk="0" hangingPunct="1">
-              <a:lnSpc>
-                <a:spcPct val="120000"/>
-              </a:lnSpc>
-              <a:spcBef>
-                <a:spcPts val="1000"/>
-              </a:spcBef>
-              <a:buSzPct val="125000"/>
-              <a:buFont typeface="Arial" panose="020B0604020202020204" pitchFamily="34" charset="0"/>
-              <a:buChar char="•"/>
-              <a:defRPr sz="2400" kern="1200">
-                <a:solidFill>
-                  <a:schemeClr val="tx1"/>
-                </a:solidFill>
-                <a:latin typeface="+mn-lt"/>
-                <a:ea typeface="+mn-ea"/>
-                <a:cs typeface="+mn-cs"/>
-              </a:defRPr>
-            </a:lvl1pPr>
-            <a:lvl2pPr marL="685800" indent="-228600" algn="l" defTabSz="914400" rtl="0" eaLnBrk="1" latinLnBrk="0" hangingPunct="1">
-              <a:lnSpc>
-                <a:spcPct val="120000"/>
-              </a:lnSpc>
-              <a:spcBef>
-                <a:spcPts val="500"/>
-              </a:spcBef>
-              <a:buSzPct val="125000"/>
-              <a:buFont typeface="Arial" panose="020B0604020202020204" pitchFamily="34" charset="0"/>
-              <a:buChar char="•"/>
-              <a:defRPr sz="2000" kern="1200">
-                <a:solidFill>
-                  <a:schemeClr val="tx1"/>
-                </a:solidFill>
-                <a:latin typeface="+mn-lt"/>
-                <a:ea typeface="+mn-ea"/>
-                <a:cs typeface="+mn-cs"/>
-              </a:defRPr>
-            </a:lvl2pPr>
-            <a:lvl3pPr marL="1143000" indent="-228600" algn="l" defTabSz="914400" rtl="0" eaLnBrk="1" latinLnBrk="0" hangingPunct="1">
-              <a:lnSpc>
-                <a:spcPct val="120000"/>
-              </a:lnSpc>
-              <a:spcBef>
-                <a:spcPts val="500"/>
-              </a:spcBef>
-              <a:buSzPct val="125000"/>
-              <a:buFont typeface="Arial" panose="020B0604020202020204" pitchFamily="34" charset="0"/>
-              <a:buChar char="•"/>
-              <a:defRPr sz="1800" kern="1200">
-                <a:solidFill>
-                  <a:schemeClr val="tx1"/>
-                </a:solidFill>
-                <a:latin typeface="+mn-lt"/>
-                <a:ea typeface="+mn-ea"/>
-                <a:cs typeface="+mn-cs"/>
-              </a:defRPr>
-            </a:lvl3pPr>
-            <a:lvl4pPr marL="1600200" indent="-228600" algn="l" defTabSz="914400" rtl="0" eaLnBrk="1" latinLnBrk="0" hangingPunct="1">
-              <a:lnSpc>
-                <a:spcPct val="120000"/>
-              </a:lnSpc>
-              <a:spcBef>
-                <a:spcPts val="500"/>
-              </a:spcBef>
-              <a:buSzPct val="125000"/>
-              <a:buFont typeface="Arial" panose="020B0604020202020204" pitchFamily="34" charset="0"/>
-              <a:buChar char="•"/>
-              <a:defRPr sz="1600" kern="1200">
-                <a:solidFill>
-                  <a:schemeClr val="tx1"/>
-                </a:solidFill>
-                <a:latin typeface="+mn-lt"/>
-                <a:ea typeface="+mn-ea"/>
-                <a:cs typeface="+mn-cs"/>
-              </a:defRPr>
-            </a:lvl4pPr>
-            <a:lvl5pPr marL="2057400" indent="-228600" algn="l" defTabSz="914400" rtl="0" eaLnBrk="1" latinLnBrk="0" hangingPunct="1">
-              <a:lnSpc>
-                <a:spcPct val="120000"/>
-              </a:lnSpc>
-              <a:spcBef>
-                <a:spcPts val="500"/>
-              </a:spcBef>
-              <a:buSzPct val="125000"/>
-              <a:buFont typeface="Arial" panose="020B0604020202020204" pitchFamily="34" charset="0"/>
-              <a:buChar char="•"/>
-              <a:defRPr sz="1600" kern="1200">
-                <a:solidFill>
-                  <a:schemeClr val="tx1"/>
-                </a:solidFill>
-                <a:latin typeface="+mn-lt"/>
-                <a:ea typeface="+mn-ea"/>
-                <a:cs typeface="+mn-cs"/>
-              </a:defRPr>
-            </a:lvl5pPr>
-            <a:lvl6pPr marL="2514600" indent="-228600" algn="l" defTabSz="914400" rtl="0" eaLnBrk="1" latinLnBrk="0" hangingPunct="1">
-              <a:lnSpc>
-                <a:spcPct val="120000"/>
-              </a:lnSpc>
-              <a:spcBef>
-                <a:spcPts val="500"/>
-              </a:spcBef>
-              <a:buSzPct val="125000"/>
-              <a:buFont typeface="Arial" panose="020B0604020202020204" pitchFamily="34" charset="0"/>
-              <a:buChar char="•"/>
-              <a:defRPr sz="1400" kern="1200">
-                <a:solidFill>
-                  <a:schemeClr val="tx1"/>
-                </a:solidFill>
-                <a:latin typeface="+mn-lt"/>
-                <a:ea typeface="+mn-ea"/>
-                <a:cs typeface="+mn-cs"/>
-              </a:defRPr>
-            </a:lvl6pPr>
-            <a:lvl7pPr marL="2971800" indent="-228600" algn="l" defTabSz="914400" rtl="0" eaLnBrk="1" latinLnBrk="0" hangingPunct="1">
-              <a:lnSpc>
-                <a:spcPct val="120000"/>
-              </a:lnSpc>
-              <a:spcBef>
-                <a:spcPts val="500"/>
-              </a:spcBef>
-              <a:buSzPct val="125000"/>
-              <a:buFont typeface="Arial" panose="020B0604020202020204" pitchFamily="34" charset="0"/>
-              <a:buChar char="•"/>
-              <a:defRPr sz="1400" kern="1200">
-                <a:solidFill>
-                  <a:schemeClr val="tx1"/>
-                </a:solidFill>
-                <a:latin typeface="+mn-lt"/>
-                <a:ea typeface="+mn-ea"/>
-                <a:cs typeface="+mn-cs"/>
-              </a:defRPr>
-            </a:lvl7pPr>
-            <a:lvl8pPr marL="3429000" indent="-228600" algn="l" defTabSz="914400" rtl="0" eaLnBrk="1" latinLnBrk="0" hangingPunct="1">
-              <a:lnSpc>
-                <a:spcPct val="120000"/>
-              </a:lnSpc>
-              <a:spcBef>
-                <a:spcPts val="500"/>
-              </a:spcBef>
-              <a:buSzPct val="125000"/>
-              <a:buFont typeface="Arial" panose="020B0604020202020204" pitchFamily="34" charset="0"/>
-              <a:buChar char="•"/>
-              <a:defRPr sz="1400" kern="1200">
-                <a:solidFill>
-                  <a:schemeClr val="tx1"/>
-                </a:solidFill>
-                <a:latin typeface="+mn-lt"/>
-                <a:ea typeface="+mn-ea"/>
-                <a:cs typeface="+mn-cs"/>
-              </a:defRPr>
-            </a:lvl8pPr>
-            <a:lvl9pPr marL="3886200" indent="-228600" algn="l" defTabSz="914400" rtl="0" eaLnBrk="1" latinLnBrk="0" hangingPunct="1">
-              <a:lnSpc>
-                <a:spcPct val="120000"/>
-              </a:lnSpc>
-              <a:spcBef>
-                <a:spcPts val="500"/>
-              </a:spcBef>
-              <a:buSzPct val="125000"/>
-              <a:buFont typeface="Arial" panose="020B0604020202020204" pitchFamily="34" charset="0"/>
-              <a:buChar char="•"/>
-              <a:defRPr sz="1400" kern="1200">
-                <a:solidFill>
-                  <a:schemeClr val="tx1"/>
-                </a:solidFill>
-                <a:latin typeface="+mn-lt"/>
-                <a:ea typeface="+mn-ea"/>
-                <a:cs typeface="+mn-cs"/>
-              </a:defRPr>
-            </a:lvl9pPr>
-          </a:lstStyle>
-          <a:p>
-            <a:pPr marL="0" indent="0" algn="ctr">
-              <a:buNone/>
-            </a:pPr>
-            <a:r>
-              <a:rPr lang="es-AR" sz="3200" dirty="0" err="1">
-                <a:solidFill>
-                  <a:schemeClr val="bg1"/>
-                </a:solidFill>
-              </a:rPr>
-              <a:t>Recurrent</a:t>
-            </a:r>
-            <a:r>
-              <a:rPr lang="es-AR" sz="3200" dirty="0">
-                <a:solidFill>
-                  <a:schemeClr val="bg1"/>
-                </a:solidFill>
-              </a:rPr>
-              <a:t> Neural Network (RNN)  - </a:t>
-            </a:r>
-            <a:r>
-              <a:rPr lang="es-AR" sz="3200" dirty="0" err="1">
-                <a:solidFill>
-                  <a:schemeClr val="bg1"/>
-                </a:solidFill>
-              </a:rPr>
-              <a:t>Attention</a:t>
-            </a:r>
-            <a:r>
-              <a:rPr lang="es-AR" sz="3200" dirty="0">
-                <a:solidFill>
-                  <a:schemeClr val="bg1"/>
-                </a:solidFill>
-              </a:rPr>
-              <a:t>!!</a:t>
-            </a:r>
-          </a:p>
-        </p:txBody>
-      </p:sp>
     </p:spTree>
     <p:extLst>
       <p:ext uri="{BB962C8B-B14F-4D97-AF65-F5344CB8AC3E}">
@@ -33923,8 +35005,8 @@
           </a:p>
         </p:txBody>
       </p:sp>
-      <mc:AlternateContent xmlns:mc="http://schemas.openxmlformats.org/markup-compatibility/2006">
-        <mc:Choice xmlns:a14="http://schemas.microsoft.com/office/drawing/2010/main" Requires="a14">
+      <mc:AlternateContent xmlns:mc="http://schemas.openxmlformats.org/markup-compatibility/2006" xmlns:a14="http://schemas.microsoft.com/office/drawing/2010/main">
+        <mc:Choice Requires="a14">
           <p:sp>
             <p:nvSpPr>
               <p:cNvPr id="9" name="Rectangle 1">
@@ -34205,7 +35287,7 @@
             </p:txBody>
           </p:sp>
         </mc:Choice>
-        <mc:Fallback>
+        <mc:Fallback xmlns="">
           <p:sp>
             <p:nvSpPr>
               <p:cNvPr id="9" name="Rectangle 1">
@@ -34582,7 +35664,7 @@
         </p:nvSpPr>
         <p:spPr>
           <a:xfrm>
-            <a:off x="1614150" y="6585799"/>
+            <a:off x="1614149" y="6488668"/>
             <a:ext cx="8723290" cy="369332"/>
           </a:xfrm>
           <a:prstGeom prst="rect">
@@ -42738,14 +43820,14 @@
           <p:nvPr>
             <p:extLst>
               <p:ext uri="{D42A27DB-BD31-4B8C-83A1-F6EECF244321}">
-                <p14:modId xmlns:p14="http://schemas.microsoft.com/office/powerpoint/2010/main" val="1518593002"/>
+                <p14:modId xmlns:p14="http://schemas.microsoft.com/office/powerpoint/2010/main" val="2260800895"/>
               </p:ext>
             </p:extLst>
           </p:nvPr>
         </p:nvGraphicFramePr>
         <p:xfrm>
           <a:off x="5509296" y="3343196"/>
-          <a:ext cx="6506693" cy="2595880"/>
+          <a:ext cx="6506693" cy="1854200"/>
         </p:xfrm>
         <a:graphic>
           <a:graphicData uri="http://schemas.openxmlformats.org/drawingml/2006/table">
@@ -43069,117 +44151,6 @@
                   </a:ext>
                 </a:extLst>
               </a:tr>
-              <a:tr h="370840">
-                <a:tc>
-                  <a:txBody>
-                    <a:bodyPr/>
-                    <a:lstStyle/>
-                    <a:p>
-                      <a:endParaRPr lang="es-AR"/>
-                    </a:p>
-                  </a:txBody>
-                  <a:tcPr/>
-                </a:tc>
-                <a:tc>
-                  <a:txBody>
-                    <a:bodyPr/>
-                    <a:lstStyle/>
-                    <a:p>
-                      <a:endParaRPr lang="es-AR"/>
-                    </a:p>
-                  </a:txBody>
-                  <a:tcPr/>
-                </a:tc>
-                <a:tc>
-                  <a:txBody>
-                    <a:bodyPr/>
-                    <a:lstStyle/>
-                    <a:p>
-                      <a:endParaRPr lang="es-AR" dirty="0"/>
-                    </a:p>
-                  </a:txBody>
-                  <a:tcPr/>
-                </a:tc>
-                <a:tc>
-                  <a:txBody>
-                    <a:bodyPr/>
-                    <a:lstStyle/>
-                    <a:p>
-                      <a:pPr marL="0" marR="0" indent="0" algn="l" defTabSz="914400" rtl="0" eaLnBrk="1" fontAlgn="auto" latinLnBrk="0" hangingPunct="1">
-                        <a:lnSpc>
-                          <a:spcPct val="100000"/>
-                        </a:lnSpc>
-                        <a:spcBef>
-                          <a:spcPts val="0"/>
-                        </a:spcBef>
-                        <a:spcAft>
-                          <a:spcPts val="0"/>
-                        </a:spcAft>
-                        <a:buClrTx/>
-                        <a:buSzTx/>
-                        <a:buFontTx/>
-                        <a:buNone/>
-                        <a:tabLst/>
-                        <a:defRPr/>
-                      </a:pPr>
-                      <a:endParaRPr lang="es-AR" dirty="0"/>
-                    </a:p>
-                  </a:txBody>
-                  <a:tcPr/>
-                </a:tc>
-                <a:extLst>
-                  <a:ext uri="{0D108BD9-81ED-4DB2-BD59-A6C34878D82A}">
-                    <a16:rowId xmlns:a16="http://schemas.microsoft.com/office/drawing/2014/main" val="10005"/>
-                  </a:ext>
-                </a:extLst>
-              </a:tr>
-              <a:tr h="370840">
-                <a:tc>
-                  <a:txBody>
-                    <a:bodyPr/>
-                    <a:lstStyle/>
-                    <a:p>
-                      <a:endParaRPr lang="es-AR"/>
-                    </a:p>
-                  </a:txBody>
-                  <a:tcPr/>
-                </a:tc>
-                <a:tc>
-                  <a:txBody>
-                    <a:bodyPr/>
-                    <a:lstStyle/>
-                    <a:p>
-                      <a:endParaRPr lang="es-AR" dirty="0"/>
-                    </a:p>
-                  </a:txBody>
-                  <a:tcPr/>
-                </a:tc>
-                <a:tc>
-                  <a:txBody>
-                    <a:bodyPr/>
-                    <a:lstStyle/>
-                    <a:p>
-                      <a:endParaRPr lang="es-AR"/>
-                    </a:p>
-                  </a:txBody>
-                  <a:tcPr/>
-                </a:tc>
-                <a:tc>
-                  <a:txBody>
-                    <a:bodyPr/>
-                    <a:lstStyle/>
-                    <a:p>
-                      <a:endParaRPr lang="es-AR" dirty="0"/>
-                    </a:p>
-                  </a:txBody>
-                  <a:tcPr/>
-                </a:tc>
-                <a:extLst>
-                  <a:ext uri="{0D108BD9-81ED-4DB2-BD59-A6C34878D82A}">
-                    <a16:rowId xmlns:a16="http://schemas.microsoft.com/office/drawing/2014/main" val="10006"/>
-                  </a:ext>
-                </a:extLst>
-              </a:tr>
             </a:tbl>
           </a:graphicData>
         </a:graphic>

--- a/clase_6/teoria/RNN.E2.pptx
+++ b/clase_6/teoria/RNN.E2.pptx
@@ -27,14 +27,15 @@
     <p:sldId id="327" r:id="rId21"/>
     <p:sldId id="342" r:id="rId22"/>
     <p:sldId id="313" r:id="rId23"/>
-    <p:sldId id="344" r:id="rId24"/>
-    <p:sldId id="345" r:id="rId25"/>
-    <p:sldId id="346" r:id="rId26"/>
-    <p:sldId id="347" r:id="rId27"/>
-    <p:sldId id="348" r:id="rId28"/>
-    <p:sldId id="330" r:id="rId29"/>
-    <p:sldId id="331" r:id="rId30"/>
-    <p:sldId id="295" r:id="rId31"/>
+    <p:sldId id="349" r:id="rId24"/>
+    <p:sldId id="344" r:id="rId25"/>
+    <p:sldId id="345" r:id="rId26"/>
+    <p:sldId id="346" r:id="rId27"/>
+    <p:sldId id="347" r:id="rId28"/>
+    <p:sldId id="348" r:id="rId29"/>
+    <p:sldId id="330" r:id="rId30"/>
+    <p:sldId id="331" r:id="rId31"/>
+    <p:sldId id="295" r:id="rId32"/>
   </p:sldIdLst>
   <p:sldSz cx="12192000" cy="6858000"/>
   <p:notesSz cx="6858000" cy="9144000"/>
@@ -144,7 +145,7 @@
 <file path=ppt/revisionInfo.xml><?xml version="1.0" encoding="utf-8"?>
 <p1510:revInfo xmlns:a="http://schemas.openxmlformats.org/drawingml/2006/main" xmlns:r="http://schemas.openxmlformats.org/officeDocument/2006/relationships" xmlns:p1510="http://schemas.microsoft.com/office/powerpoint/2015/10/main">
   <p1510:revLst>
-    <p1510:client id="{B3688C2D-93B6-447B-A24E-1B4300CC839E}" v="8" dt="2023-04-11T18:47:37.214"/>
+    <p1510:client id="{BBC1F5B9-8030-490E-B43A-698173D0CD76}" v="1" dt="2023-06-02T15:01:58.785"/>
   </p1510:revLst>
 </p1510:revInfo>
 </file>
@@ -1572,6 +1573,69 @@
       </pc:sldChg>
     </pc:docChg>
   </pc:docChgLst>
+  <pc:docChgLst>
+    <pc:chgData name="Marcos Maillot" userId="fa14b39d-e966-4ebb-a436-4f96f84b9577" providerId="ADAL" clId="{BBC1F5B9-8030-490E-B43A-698173D0CD76}"/>
+    <pc:docChg chg="custSel addSld modSld">
+      <pc:chgData name="Marcos Maillot" userId="fa14b39d-e966-4ebb-a436-4f96f84b9577" providerId="ADAL" clId="{BBC1F5B9-8030-490E-B43A-698173D0CD76}" dt="2023-06-02T15:04:16.675" v="22" actId="1076"/>
+      <pc:docMkLst>
+        <pc:docMk/>
+      </pc:docMkLst>
+      <pc:sldChg chg="addSp modSp mod">
+        <pc:chgData name="Marcos Maillot" userId="fa14b39d-e966-4ebb-a436-4f96f84b9577" providerId="ADAL" clId="{BBC1F5B9-8030-490E-B43A-698173D0CD76}" dt="2023-06-02T15:04:16.675" v="22" actId="1076"/>
+        <pc:sldMkLst>
+          <pc:docMk/>
+          <pc:sldMk cId="3456761567" sldId="347"/>
+        </pc:sldMkLst>
+        <pc:spChg chg="add mod">
+          <ac:chgData name="Marcos Maillot" userId="fa14b39d-e966-4ebb-a436-4f96f84b9577" providerId="ADAL" clId="{BBC1F5B9-8030-490E-B43A-698173D0CD76}" dt="2023-06-02T15:03:55.095" v="9" actId="1076"/>
+          <ac:spMkLst>
+            <pc:docMk/>
+            <pc:sldMk cId="3456761567" sldId="347"/>
+            <ac:spMk id="2" creationId="{B10AB5D6-505D-CAA8-8105-8B43A4964934}"/>
+          </ac:spMkLst>
+        </pc:spChg>
+        <pc:spChg chg="add mod">
+          <ac:chgData name="Marcos Maillot" userId="fa14b39d-e966-4ebb-a436-4f96f84b9577" providerId="ADAL" clId="{BBC1F5B9-8030-490E-B43A-698173D0CD76}" dt="2023-06-02T15:04:16.675" v="22" actId="1076"/>
+          <ac:spMkLst>
+            <pc:docMk/>
+            <pc:sldMk cId="3456761567" sldId="347"/>
+            <ac:spMk id="6" creationId="{E8087C9F-A5D4-9287-2F64-0DFD527A245F}"/>
+          </ac:spMkLst>
+        </pc:spChg>
+      </pc:sldChg>
+      <pc:sldChg chg="addSp delSp modSp add mod">
+        <pc:chgData name="Marcos Maillot" userId="fa14b39d-e966-4ebb-a436-4f96f84b9577" providerId="ADAL" clId="{BBC1F5B9-8030-490E-B43A-698173D0CD76}" dt="2023-06-02T15:02:31.695" v="6" actId="14100"/>
+        <pc:sldMkLst>
+          <pc:docMk/>
+          <pc:sldMk cId="2525390603" sldId="349"/>
+        </pc:sldMkLst>
+        <pc:spChg chg="del">
+          <ac:chgData name="Marcos Maillot" userId="fa14b39d-e966-4ebb-a436-4f96f84b9577" providerId="ADAL" clId="{BBC1F5B9-8030-490E-B43A-698173D0CD76}" dt="2023-06-02T15:02:05.145" v="1" actId="478"/>
+          <ac:spMkLst>
+            <pc:docMk/>
+            <pc:sldMk cId="2525390603" sldId="349"/>
+            <ac:spMk id="3" creationId="{EAEDAC00-BDB9-3D0E-313F-A0F6EE49ECEB}"/>
+          </ac:spMkLst>
+        </pc:spChg>
+        <pc:spChg chg="add mod">
+          <ac:chgData name="Marcos Maillot" userId="fa14b39d-e966-4ebb-a436-4f96f84b9577" providerId="ADAL" clId="{BBC1F5B9-8030-490E-B43A-698173D0CD76}" dt="2023-06-02T15:02:31.695" v="6" actId="14100"/>
+          <ac:spMkLst>
+            <pc:docMk/>
+            <pc:sldMk cId="2525390603" sldId="349"/>
+            <ac:spMk id="4" creationId="{7A9074C5-81DC-19FC-02E4-7E6BDFC542ED}"/>
+          </ac:spMkLst>
+        </pc:spChg>
+        <pc:spChg chg="del">
+          <ac:chgData name="Marcos Maillot" userId="fa14b39d-e966-4ebb-a436-4f96f84b9577" providerId="ADAL" clId="{BBC1F5B9-8030-490E-B43A-698173D0CD76}" dt="2023-06-02T15:02:07.919" v="2" actId="478"/>
+          <ac:spMkLst>
+            <pc:docMk/>
+            <pc:sldMk cId="2525390603" sldId="349"/>
+            <ac:spMk id="8" creationId="{42273EB3-AA8C-9E6E-7291-FB420C0C5EAE}"/>
+          </ac:spMkLst>
+        </pc:spChg>
+      </pc:sldChg>
+    </pc:docChg>
+  </pc:docChgLst>
 </pc:chgInfo>
 </file>
 
@@ -1625,7 +1689,7 @@
           <a:noFill/>
           <a:extLst>
             <a:ext uri="{909E8E84-426E-40dd-AFC4-6F175D3DCCD1}">
-              <a14:hiddenFill xmlns:a14="http://schemas.microsoft.com/office/drawing/2010/main" xmlns="">
+              <a14:hiddenFill xmlns="" xmlns:a14="http://schemas.microsoft.com/office/drawing/2010/main">
                 <a:solidFill>
                   <a:srgbClr val="FFFFFF"/>
                 </a:solidFill>
@@ -1685,7 +1749,7 @@
             </a:ln>
             <a:extLst>
               <a:ext uri="{91240B29-F687-4f45-9708-019B960494DF}">
-                <a14:hiddenLine xmlns:a14="http://schemas.microsoft.com/office/drawing/2010/main" xmlns="" w="9525">
+                <a14:hiddenLine xmlns="" xmlns:a14="http://schemas.microsoft.com/office/drawing/2010/main" w="9525">
                   <a:solidFill>
                     <a:srgbClr val="000000"/>
                   </a:solidFill>
@@ -1775,7 +1839,7 @@
             </a:ln>
             <a:extLst>
               <a:ext uri="{91240B29-F687-4f45-9708-019B960494DF}">
-                <a14:hiddenLine xmlns:a14="http://schemas.microsoft.com/office/drawing/2010/main" xmlns="" w="9525">
+                <a14:hiddenLine xmlns="" xmlns:a14="http://schemas.microsoft.com/office/drawing/2010/main" w="9525">
                   <a:solidFill>
                     <a:srgbClr val="000000"/>
                   </a:solidFill>
@@ -1865,7 +1929,7 @@
             </a:ln>
             <a:extLst>
               <a:ext uri="{91240B29-F687-4f45-9708-019B960494DF}">
-                <a14:hiddenLine xmlns:a14="http://schemas.microsoft.com/office/drawing/2010/main" xmlns="" w="9525">
+                <a14:hiddenLine xmlns="" xmlns:a14="http://schemas.microsoft.com/office/drawing/2010/main" w="9525">
                   <a:solidFill>
                     <a:srgbClr val="000000"/>
                   </a:solidFill>
@@ -1899,7 +1963,7 @@
             </a:ln>
             <a:extLst>
               <a:ext uri="{91240B29-F687-4f45-9708-019B960494DF}">
-                <a14:hiddenLine xmlns:a14="http://schemas.microsoft.com/office/drawing/2010/main" xmlns="" w="9525">
+                <a14:hiddenLine xmlns="" xmlns:a14="http://schemas.microsoft.com/office/drawing/2010/main" w="9525">
                   <a:solidFill>
                     <a:srgbClr val="000000"/>
                   </a:solidFill>
@@ -1989,7 +2053,7 @@
             </a:ln>
             <a:extLst>
               <a:ext uri="{91240B29-F687-4f45-9708-019B960494DF}">
-                <a14:hiddenLine xmlns:a14="http://schemas.microsoft.com/office/drawing/2010/main" xmlns="" w="9525">
+                <a14:hiddenLine xmlns="" xmlns:a14="http://schemas.microsoft.com/office/drawing/2010/main" w="9525">
                   <a:solidFill>
                     <a:srgbClr val="000000"/>
                   </a:solidFill>
@@ -2051,7 +2115,7 @@
             </a:ln>
             <a:extLst>
               <a:ext uri="{91240B29-F687-4f45-9708-019B960494DF}">
-                <a14:hiddenLine xmlns:a14="http://schemas.microsoft.com/office/drawing/2010/main" xmlns="" w="9525">
+                <a14:hiddenLine xmlns="" xmlns:a14="http://schemas.microsoft.com/office/drawing/2010/main" w="9525">
                   <a:solidFill>
                     <a:srgbClr val="000000"/>
                   </a:solidFill>
@@ -2113,7 +2177,7 @@
             </a:ln>
             <a:extLst>
               <a:ext uri="{91240B29-F687-4f45-9708-019B960494DF}">
-                <a14:hiddenLine xmlns:a14="http://schemas.microsoft.com/office/drawing/2010/main" xmlns="" w="9525">
+                <a14:hiddenLine xmlns="" xmlns:a14="http://schemas.microsoft.com/office/drawing/2010/main" w="9525">
                   <a:solidFill>
                     <a:srgbClr val="000000"/>
                   </a:solidFill>
@@ -2203,7 +2267,7 @@
             </a:ln>
             <a:extLst>
               <a:ext uri="{91240B29-F687-4f45-9708-019B960494DF}">
-                <a14:hiddenLine xmlns:a14="http://schemas.microsoft.com/office/drawing/2010/main" xmlns="" w="9525">
+                <a14:hiddenLine xmlns="" xmlns:a14="http://schemas.microsoft.com/office/drawing/2010/main" w="9525">
                   <a:solidFill>
                     <a:srgbClr val="000000"/>
                   </a:solidFill>
@@ -2265,7 +2329,7 @@
             </a:ln>
             <a:extLst>
               <a:ext uri="{91240B29-F687-4f45-9708-019B960494DF}">
-                <a14:hiddenLine xmlns:a14="http://schemas.microsoft.com/office/drawing/2010/main" xmlns="" w="9525">
+                <a14:hiddenLine xmlns="" xmlns:a14="http://schemas.microsoft.com/office/drawing/2010/main" w="9525">
                   <a:solidFill>
                     <a:srgbClr val="000000"/>
                   </a:solidFill>
@@ -2327,7 +2391,7 @@
             </a:ln>
             <a:extLst>
               <a:ext uri="{91240B29-F687-4f45-9708-019B960494DF}">
-                <a14:hiddenLine xmlns:a14="http://schemas.microsoft.com/office/drawing/2010/main" xmlns="" w="9525">
+                <a14:hiddenLine xmlns="" xmlns:a14="http://schemas.microsoft.com/office/drawing/2010/main" w="9525">
                   <a:solidFill>
                     <a:srgbClr val="000000"/>
                   </a:solidFill>
@@ -2417,7 +2481,7 @@
             </a:ln>
             <a:extLst>
               <a:ext uri="{91240B29-F687-4f45-9708-019B960494DF}">
-                <a14:hiddenLine xmlns:a14="http://schemas.microsoft.com/office/drawing/2010/main" xmlns="" w="9525">
+                <a14:hiddenLine xmlns="" xmlns:a14="http://schemas.microsoft.com/office/drawing/2010/main" w="9525">
                   <a:solidFill>
                     <a:srgbClr val="000000"/>
                   </a:solidFill>
@@ -2507,7 +2571,7 @@
             </a:ln>
             <a:extLst>
               <a:ext uri="{91240B29-F687-4f45-9708-019B960494DF}">
-                <a14:hiddenLine xmlns:a14="http://schemas.microsoft.com/office/drawing/2010/main" xmlns="" w="9525">
+                <a14:hiddenLine xmlns="" xmlns:a14="http://schemas.microsoft.com/office/drawing/2010/main" w="9525">
                   <a:solidFill>
                     <a:srgbClr val="000000"/>
                   </a:solidFill>
@@ -2569,7 +2633,7 @@
             </a:ln>
             <a:extLst>
               <a:ext uri="{91240B29-F687-4f45-9708-019B960494DF}">
-                <a14:hiddenLine xmlns:a14="http://schemas.microsoft.com/office/drawing/2010/main" xmlns="" w="9525">
+                <a14:hiddenLine xmlns="" xmlns:a14="http://schemas.microsoft.com/office/drawing/2010/main" w="9525">
                   <a:solidFill>
                     <a:srgbClr val="000000"/>
                   </a:solidFill>
@@ -2679,7 +2743,7 @@
             </a:ln>
             <a:extLst>
               <a:ext uri="{91240B29-F687-4f45-9708-019B960494DF}">
-                <a14:hiddenLine xmlns:a14="http://schemas.microsoft.com/office/drawing/2010/main" xmlns="" w="9525">
+                <a14:hiddenLine xmlns="" xmlns:a14="http://schemas.microsoft.com/office/drawing/2010/main" w="9525">
                   <a:solidFill>
                     <a:srgbClr val="000000"/>
                   </a:solidFill>
@@ -2741,7 +2805,7 @@
             </a:ln>
             <a:extLst>
               <a:ext uri="{91240B29-F687-4f45-9708-019B960494DF}">
-                <a14:hiddenLine xmlns:a14="http://schemas.microsoft.com/office/drawing/2010/main" xmlns="" w="9525">
+                <a14:hiddenLine xmlns="" xmlns:a14="http://schemas.microsoft.com/office/drawing/2010/main" w="9525">
                   <a:solidFill>
                     <a:srgbClr val="000000"/>
                   </a:solidFill>
@@ -2831,7 +2895,7 @@
             </a:ln>
             <a:extLst>
               <a:ext uri="{91240B29-F687-4f45-9708-019B960494DF}">
-                <a14:hiddenLine xmlns:a14="http://schemas.microsoft.com/office/drawing/2010/main" xmlns="" w="9525">
+                <a14:hiddenLine xmlns="" xmlns:a14="http://schemas.microsoft.com/office/drawing/2010/main" w="9525">
                   <a:solidFill>
                     <a:srgbClr val="000000"/>
                   </a:solidFill>
@@ -2921,7 +2985,7 @@
             </a:ln>
             <a:extLst>
               <a:ext uri="{91240B29-F687-4f45-9708-019B960494DF}">
-                <a14:hiddenLine xmlns:a14="http://schemas.microsoft.com/office/drawing/2010/main" xmlns="" w="9525">
+                <a14:hiddenLine xmlns="" xmlns:a14="http://schemas.microsoft.com/office/drawing/2010/main" w="9525">
                   <a:solidFill>
                     <a:srgbClr val="000000"/>
                   </a:solidFill>
@@ -2983,7 +3047,7 @@
             </a:ln>
             <a:extLst>
               <a:ext uri="{91240B29-F687-4f45-9708-019B960494DF}">
-                <a14:hiddenLine xmlns:a14="http://schemas.microsoft.com/office/drawing/2010/main" xmlns="" w="9525">
+                <a14:hiddenLine xmlns="" xmlns:a14="http://schemas.microsoft.com/office/drawing/2010/main" w="9525">
                   <a:solidFill>
                     <a:srgbClr val="000000"/>
                   </a:solidFill>
@@ -3073,7 +3137,7 @@
             </a:ln>
             <a:extLst>
               <a:ext uri="{91240B29-F687-4f45-9708-019B960494DF}">
-                <a14:hiddenLine xmlns:a14="http://schemas.microsoft.com/office/drawing/2010/main" xmlns="" w="9525">
+                <a14:hiddenLine xmlns="" xmlns:a14="http://schemas.microsoft.com/office/drawing/2010/main" w="9525">
                   <a:solidFill>
                     <a:srgbClr val="000000"/>
                   </a:solidFill>
@@ -3163,7 +3227,7 @@
             </a:ln>
             <a:extLst>
               <a:ext uri="{91240B29-F687-4f45-9708-019B960494DF}">
-                <a14:hiddenLine xmlns:a14="http://schemas.microsoft.com/office/drawing/2010/main" xmlns="" w="9525">
+                <a14:hiddenLine xmlns="" xmlns:a14="http://schemas.microsoft.com/office/drawing/2010/main" w="9525">
                   <a:solidFill>
                     <a:srgbClr val="000000"/>
                   </a:solidFill>
@@ -3219,7 +3283,7 @@
             </a:ln>
             <a:extLst>
               <a:ext uri="{91240B29-F687-4f45-9708-019B960494DF}">
-                <a14:hiddenLine xmlns:a14="http://schemas.microsoft.com/office/drawing/2010/main" xmlns="" w="9525">
+                <a14:hiddenLine xmlns="" xmlns:a14="http://schemas.microsoft.com/office/drawing/2010/main" w="9525">
                   <a:solidFill>
                     <a:srgbClr val="000000"/>
                   </a:solidFill>
@@ -3309,7 +3373,7 @@
             </a:ln>
             <a:extLst>
               <a:ext uri="{91240B29-F687-4f45-9708-019B960494DF}">
-                <a14:hiddenLine xmlns:a14="http://schemas.microsoft.com/office/drawing/2010/main" xmlns="" w="9525">
+                <a14:hiddenLine xmlns="" xmlns:a14="http://schemas.microsoft.com/office/drawing/2010/main" w="9525">
                   <a:solidFill>
                     <a:srgbClr val="000000"/>
                   </a:solidFill>
@@ -3365,7 +3429,7 @@
             </a:ln>
             <a:extLst>
               <a:ext uri="{91240B29-F687-4f45-9708-019B960494DF}">
-                <a14:hiddenLine xmlns:a14="http://schemas.microsoft.com/office/drawing/2010/main" xmlns="" w="9525">
+                <a14:hiddenLine xmlns="" xmlns:a14="http://schemas.microsoft.com/office/drawing/2010/main" w="9525">
                   <a:solidFill>
                     <a:srgbClr val="000000"/>
                   </a:solidFill>
@@ -3455,7 +3519,7 @@
             </a:ln>
             <a:extLst>
               <a:ext uri="{91240B29-F687-4f45-9708-019B960494DF}">
-                <a14:hiddenLine xmlns:a14="http://schemas.microsoft.com/office/drawing/2010/main" xmlns="" w="9525">
+                <a14:hiddenLine xmlns="" xmlns:a14="http://schemas.microsoft.com/office/drawing/2010/main" w="9525">
                   <a:solidFill>
                     <a:srgbClr val="000000"/>
                   </a:solidFill>
@@ -3523,7 +3587,7 @@
             </a:ln>
             <a:extLst>
               <a:ext uri="{91240B29-F687-4f45-9708-019B960494DF}">
-                <a14:hiddenLine xmlns:a14="http://schemas.microsoft.com/office/drawing/2010/main" xmlns="" w="9525">
+                <a14:hiddenLine xmlns="" xmlns:a14="http://schemas.microsoft.com/office/drawing/2010/main" w="9525">
                   <a:solidFill>
                     <a:srgbClr val="000000"/>
                   </a:solidFill>
@@ -3613,7 +3677,7 @@
             </a:ln>
             <a:extLst>
               <a:ext uri="{91240B29-F687-4f45-9708-019B960494DF}">
-                <a14:hiddenLine xmlns:a14="http://schemas.microsoft.com/office/drawing/2010/main" xmlns="" w="9525">
+                <a14:hiddenLine xmlns="" xmlns:a14="http://schemas.microsoft.com/office/drawing/2010/main" w="9525">
                   <a:solidFill>
                     <a:srgbClr val="000000"/>
                   </a:solidFill>
@@ -3681,7 +3745,7 @@
             </a:ln>
             <a:extLst>
               <a:ext uri="{91240B29-F687-4f45-9708-019B960494DF}">
-                <a14:hiddenLine xmlns:a14="http://schemas.microsoft.com/office/drawing/2010/main" xmlns="" w="9525">
+                <a14:hiddenLine xmlns="" xmlns:a14="http://schemas.microsoft.com/office/drawing/2010/main" w="9525">
                   <a:solidFill>
                     <a:srgbClr val="000000"/>
                   </a:solidFill>
@@ -3771,7 +3835,7 @@
             </a:ln>
             <a:extLst>
               <a:ext uri="{91240B29-F687-4f45-9708-019B960494DF}">
-                <a14:hiddenLine xmlns:a14="http://schemas.microsoft.com/office/drawing/2010/main" xmlns="" w="9525">
+                <a14:hiddenLine xmlns="" xmlns:a14="http://schemas.microsoft.com/office/drawing/2010/main" w="9525">
                   <a:solidFill>
                     <a:srgbClr val="000000"/>
                   </a:solidFill>
@@ -3805,7 +3869,7 @@
             </a:ln>
             <a:extLst>
               <a:ext uri="{91240B29-F687-4f45-9708-019B960494DF}">
-                <a14:hiddenLine xmlns:a14="http://schemas.microsoft.com/office/drawing/2010/main" xmlns="" w="9525">
+                <a14:hiddenLine xmlns="" xmlns:a14="http://schemas.microsoft.com/office/drawing/2010/main" w="9525">
                   <a:solidFill>
                     <a:srgbClr val="000000"/>
                   </a:solidFill>
@@ -3895,7 +3959,7 @@
             </a:ln>
             <a:extLst>
               <a:ext uri="{91240B29-F687-4f45-9708-019B960494DF}">
-                <a14:hiddenLine xmlns:a14="http://schemas.microsoft.com/office/drawing/2010/main" xmlns="" w="9525">
+                <a14:hiddenLine xmlns="" xmlns:a14="http://schemas.microsoft.com/office/drawing/2010/main" w="9525">
                   <a:solidFill>
                     <a:srgbClr val="000000"/>
                   </a:solidFill>
@@ -3957,7 +4021,7 @@
             </a:ln>
             <a:extLst>
               <a:ext uri="{91240B29-F687-4f45-9708-019B960494DF}">
-                <a14:hiddenLine xmlns:a14="http://schemas.microsoft.com/office/drawing/2010/main" xmlns="" w="9525">
+                <a14:hiddenLine xmlns="" xmlns:a14="http://schemas.microsoft.com/office/drawing/2010/main" w="9525">
                   <a:solidFill>
                     <a:srgbClr val="000000"/>
                   </a:solidFill>
@@ -4019,7 +4083,7 @@
             </a:ln>
             <a:extLst>
               <a:ext uri="{91240B29-F687-4f45-9708-019B960494DF}">
-                <a14:hiddenLine xmlns:a14="http://schemas.microsoft.com/office/drawing/2010/main" xmlns="" w="9525">
+                <a14:hiddenLine xmlns="" xmlns:a14="http://schemas.microsoft.com/office/drawing/2010/main" w="9525">
                   <a:solidFill>
                     <a:srgbClr val="000000"/>
                   </a:solidFill>
@@ -4109,7 +4173,7 @@
             </a:ln>
             <a:extLst>
               <a:ext uri="{91240B29-F687-4f45-9708-019B960494DF}">
-                <a14:hiddenLine xmlns:a14="http://schemas.microsoft.com/office/drawing/2010/main" xmlns="" w="9525">
+                <a14:hiddenLine xmlns="" xmlns:a14="http://schemas.microsoft.com/office/drawing/2010/main" w="9525">
                   <a:solidFill>
                     <a:srgbClr val="000000"/>
                   </a:solidFill>
@@ -4177,7 +4241,7 @@
             </a:ln>
             <a:extLst>
               <a:ext uri="{91240B29-F687-4f45-9708-019B960494DF}">
-                <a14:hiddenLine xmlns:a14="http://schemas.microsoft.com/office/drawing/2010/main" xmlns="" w="9525">
+                <a14:hiddenLine xmlns="" xmlns:a14="http://schemas.microsoft.com/office/drawing/2010/main" w="9525">
                   <a:solidFill>
                     <a:srgbClr val="000000"/>
                   </a:solidFill>
@@ -4239,7 +4303,7 @@
             </a:ln>
             <a:extLst>
               <a:ext uri="{91240B29-F687-4f45-9708-019B960494DF}">
-                <a14:hiddenLine xmlns:a14="http://schemas.microsoft.com/office/drawing/2010/main" xmlns="" w="9525">
+                <a14:hiddenLine xmlns="" xmlns:a14="http://schemas.microsoft.com/office/drawing/2010/main" w="9525">
                   <a:solidFill>
                     <a:srgbClr val="000000"/>
                   </a:solidFill>
@@ -4329,7 +4393,7 @@
             </a:ln>
             <a:extLst>
               <a:ext uri="{91240B29-F687-4f45-9708-019B960494DF}">
-                <a14:hiddenLine xmlns:a14="http://schemas.microsoft.com/office/drawing/2010/main" xmlns="" w="9525">
+                <a14:hiddenLine xmlns="" xmlns:a14="http://schemas.microsoft.com/office/drawing/2010/main" w="9525">
                   <a:solidFill>
                     <a:srgbClr val="000000"/>
                   </a:solidFill>
@@ -4391,7 +4455,7 @@
             </a:ln>
             <a:extLst>
               <a:ext uri="{91240B29-F687-4f45-9708-019B960494DF}">
-                <a14:hiddenLine xmlns:a14="http://schemas.microsoft.com/office/drawing/2010/main" xmlns="" w="9525">
+                <a14:hiddenLine xmlns="" xmlns:a14="http://schemas.microsoft.com/office/drawing/2010/main" w="9525">
                   <a:solidFill>
                     <a:srgbClr val="000000"/>
                   </a:solidFill>
@@ -4481,7 +4545,7 @@
             </a:ln>
             <a:extLst>
               <a:ext uri="{91240B29-F687-4f45-9708-019B960494DF}">
-                <a14:hiddenLine xmlns:a14="http://schemas.microsoft.com/office/drawing/2010/main" xmlns="" w="9525">
+                <a14:hiddenLine xmlns="" xmlns:a14="http://schemas.microsoft.com/office/drawing/2010/main" w="9525">
                   <a:solidFill>
                     <a:srgbClr val="000000"/>
                   </a:solidFill>
@@ -4543,7 +4607,7 @@
             </a:ln>
             <a:extLst>
               <a:ext uri="{91240B29-F687-4f45-9708-019B960494DF}">
-                <a14:hiddenLine xmlns:a14="http://schemas.microsoft.com/office/drawing/2010/main" xmlns="" w="9525">
+                <a14:hiddenLine xmlns="" xmlns:a14="http://schemas.microsoft.com/office/drawing/2010/main" w="9525">
                   <a:solidFill>
                     <a:srgbClr val="000000"/>
                   </a:solidFill>
@@ -4633,7 +4697,7 @@
             </a:ln>
             <a:extLst>
               <a:ext uri="{91240B29-F687-4f45-9708-019B960494DF}">
-                <a14:hiddenLine xmlns:a14="http://schemas.microsoft.com/office/drawing/2010/main" xmlns="" w="9525">
+                <a14:hiddenLine xmlns="" xmlns:a14="http://schemas.microsoft.com/office/drawing/2010/main" w="9525">
                   <a:solidFill>
                     <a:srgbClr val="000000"/>
                   </a:solidFill>
@@ -4667,7 +4731,7 @@
             </a:ln>
             <a:extLst>
               <a:ext uri="{91240B29-F687-4f45-9708-019B960494DF}">
-                <a14:hiddenLine xmlns:a14="http://schemas.microsoft.com/office/drawing/2010/main" xmlns="" w="9525">
+                <a14:hiddenLine xmlns="" xmlns:a14="http://schemas.microsoft.com/office/drawing/2010/main" w="9525">
                   <a:solidFill>
                     <a:srgbClr val="000000"/>
                   </a:solidFill>
@@ -4732,7 +4796,7 @@
             </a:ln>
             <a:extLst>
               <a:ext uri="{91240B29-F687-4f45-9708-019B960494DF}">
-                <a14:hiddenLine xmlns:a14="http://schemas.microsoft.com/office/drawing/2010/main" xmlns="" w="9525">
+                <a14:hiddenLine xmlns="" xmlns:a14="http://schemas.microsoft.com/office/drawing/2010/main" w="9525">
                   <a:solidFill>
                     <a:srgbClr val="000000"/>
                   </a:solidFill>
@@ -4822,7 +4886,7 @@
             </a:ln>
             <a:extLst>
               <a:ext uri="{91240B29-F687-4f45-9708-019B960494DF}">
-                <a14:hiddenLine xmlns:a14="http://schemas.microsoft.com/office/drawing/2010/main" xmlns="" w="9525">
+                <a14:hiddenLine xmlns="" xmlns:a14="http://schemas.microsoft.com/office/drawing/2010/main" w="9525">
                   <a:solidFill>
                     <a:srgbClr val="000000"/>
                   </a:solidFill>
@@ -4884,7 +4948,7 @@
             </a:ln>
             <a:extLst>
               <a:ext uri="{91240B29-F687-4f45-9708-019B960494DF}">
-                <a14:hiddenLine xmlns:a14="http://schemas.microsoft.com/office/drawing/2010/main" xmlns="" w="9525">
+                <a14:hiddenLine xmlns="" xmlns:a14="http://schemas.microsoft.com/office/drawing/2010/main" w="9525">
                   <a:solidFill>
                     <a:srgbClr val="000000"/>
                   </a:solidFill>
@@ -4974,7 +5038,7 @@
             </a:ln>
             <a:extLst>
               <a:ext uri="{91240B29-F687-4f45-9708-019B960494DF}">
-                <a14:hiddenLine xmlns:a14="http://schemas.microsoft.com/office/drawing/2010/main" xmlns="" w="9525">
+                <a14:hiddenLine xmlns="" xmlns:a14="http://schemas.microsoft.com/office/drawing/2010/main" w="9525">
                   <a:solidFill>
                     <a:srgbClr val="000000"/>
                   </a:solidFill>
@@ -5064,7 +5128,7 @@
             </a:ln>
             <a:extLst>
               <a:ext uri="{91240B29-F687-4f45-9708-019B960494DF}">
-                <a14:hiddenLine xmlns:a14="http://schemas.microsoft.com/office/drawing/2010/main" xmlns="" w="9525">
+                <a14:hiddenLine xmlns="" xmlns:a14="http://schemas.microsoft.com/office/drawing/2010/main" w="9525">
                   <a:solidFill>
                     <a:srgbClr val="000000"/>
                   </a:solidFill>
@@ -5129,7 +5193,7 @@
             </a:ln>
             <a:extLst>
               <a:ext uri="{91240B29-F687-4f45-9708-019B960494DF}">
-                <a14:hiddenLine xmlns:a14="http://schemas.microsoft.com/office/drawing/2010/main" xmlns="" w="9525">
+                <a14:hiddenLine xmlns="" xmlns:a14="http://schemas.microsoft.com/office/drawing/2010/main" w="9525">
                   <a:solidFill>
                     <a:srgbClr val="000000"/>
                   </a:solidFill>
@@ -5191,7 +5255,7 @@
             </a:ln>
             <a:extLst>
               <a:ext uri="{91240B29-F687-4f45-9708-019B960494DF}">
-                <a14:hiddenLine xmlns:a14="http://schemas.microsoft.com/office/drawing/2010/main" xmlns="" w="9525">
+                <a14:hiddenLine xmlns="" xmlns:a14="http://schemas.microsoft.com/office/drawing/2010/main" w="9525">
                   <a:solidFill>
                     <a:srgbClr val="000000"/>
                   </a:solidFill>
@@ -5281,7 +5345,7 @@
             </a:ln>
             <a:extLst>
               <a:ext uri="{91240B29-F687-4f45-9708-019B960494DF}">
-                <a14:hiddenLine xmlns:a14="http://schemas.microsoft.com/office/drawing/2010/main" xmlns="" w="9525">
+                <a14:hiddenLine xmlns="" xmlns:a14="http://schemas.microsoft.com/office/drawing/2010/main" w="9525">
                   <a:solidFill>
                     <a:srgbClr val="000000"/>
                   </a:solidFill>
@@ -5371,7 +5435,7 @@
             </a:ln>
             <a:extLst>
               <a:ext uri="{91240B29-F687-4f45-9708-019B960494DF}">
-                <a14:hiddenLine xmlns:a14="http://schemas.microsoft.com/office/drawing/2010/main" xmlns="" w="9525">
+                <a14:hiddenLine xmlns="" xmlns:a14="http://schemas.microsoft.com/office/drawing/2010/main" w="9525">
                   <a:solidFill>
                     <a:srgbClr val="000000"/>
                   </a:solidFill>
@@ -5433,7 +5497,7 @@
             </a:ln>
             <a:extLst>
               <a:ext uri="{91240B29-F687-4f45-9708-019B960494DF}">
-                <a14:hiddenLine xmlns:a14="http://schemas.microsoft.com/office/drawing/2010/main" xmlns="" w="9525">
+                <a14:hiddenLine xmlns="" xmlns:a14="http://schemas.microsoft.com/office/drawing/2010/main" w="9525">
                   <a:solidFill>
                     <a:srgbClr val="000000"/>
                   </a:solidFill>
@@ -5553,7 +5617,7 @@
             </a:ln>
             <a:extLst>
               <a:ext uri="{91240B29-F687-4f45-9708-019B960494DF}">
-                <a14:hiddenLine xmlns:a14="http://schemas.microsoft.com/office/drawing/2010/main" xmlns="" w="9525">
+                <a14:hiddenLine xmlns="" xmlns:a14="http://schemas.microsoft.com/office/drawing/2010/main" w="9525">
                   <a:solidFill>
                     <a:srgbClr val="000000"/>
                   </a:solidFill>
@@ -5621,7 +5685,7 @@
             </a:ln>
             <a:extLst>
               <a:ext uri="{91240B29-F687-4f45-9708-019B960494DF}">
-                <a14:hiddenLine xmlns:a14="http://schemas.microsoft.com/office/drawing/2010/main" xmlns="" w="9525">
+                <a14:hiddenLine xmlns="" xmlns:a14="http://schemas.microsoft.com/office/drawing/2010/main" w="9525">
                   <a:solidFill>
                     <a:srgbClr val="000000"/>
                   </a:solidFill>
@@ -5711,7 +5775,7 @@
             </a:ln>
             <a:extLst>
               <a:ext uri="{91240B29-F687-4f45-9708-019B960494DF}">
-                <a14:hiddenLine xmlns:a14="http://schemas.microsoft.com/office/drawing/2010/main" xmlns="" w="9525">
+                <a14:hiddenLine xmlns="" xmlns:a14="http://schemas.microsoft.com/office/drawing/2010/main" w="9525">
                   <a:solidFill>
                     <a:srgbClr val="000000"/>
                   </a:solidFill>
@@ -5851,7 +5915,7 @@
           <a:p>
             <a:fld id="{849DE176-146E-4F1E-BCCE-E46272DCA095}" type="datetimeFigureOut">
               <a:rPr lang="es-AR" smtClean="0"/>
-              <a:t>11/4/2023</a:t>
+              <a:t>2/6/2023</a:t>
             </a:fld>
             <a:endParaRPr lang="es-AR"/>
           </a:p>
@@ -6118,7 +6182,7 @@
           <a:p>
             <a:fld id="{849DE176-146E-4F1E-BCCE-E46272DCA095}" type="datetimeFigureOut">
               <a:rPr lang="es-AR" smtClean="0"/>
-              <a:t>11/4/2023</a:t>
+              <a:t>2/6/2023</a:t>
             </a:fld>
             <a:endParaRPr lang="es-AR"/>
           </a:p>
@@ -6314,7 +6378,7 @@
           <a:p>
             <a:fld id="{849DE176-146E-4F1E-BCCE-E46272DCA095}" type="datetimeFigureOut">
               <a:rPr lang="es-AR" smtClean="0"/>
-              <a:t>11/4/2023</a:t>
+              <a:t>2/6/2023</a:t>
             </a:fld>
             <a:endParaRPr lang="es-AR"/>
           </a:p>
@@ -6577,7 +6641,7 @@
           <a:p>
             <a:fld id="{849DE176-146E-4F1E-BCCE-E46272DCA095}" type="datetimeFigureOut">
               <a:rPr lang="es-AR" smtClean="0"/>
-              <a:t>11/4/2023</a:t>
+              <a:t>2/6/2023</a:t>
             </a:fld>
             <a:endParaRPr lang="es-AR"/>
           </a:p>
@@ -7011,7 +7075,7 @@
           <a:p>
             <a:fld id="{849DE176-146E-4F1E-BCCE-E46272DCA095}" type="datetimeFigureOut">
               <a:rPr lang="es-AR" smtClean="0"/>
-              <a:t>11/4/2023</a:t>
+              <a:t>2/6/2023</a:t>
             </a:fld>
             <a:endParaRPr lang="es-AR"/>
           </a:p>
@@ -7557,7 +7621,7 @@
           <a:p>
             <a:fld id="{849DE176-146E-4F1E-BCCE-E46272DCA095}" type="datetimeFigureOut">
               <a:rPr lang="es-AR" smtClean="0"/>
-              <a:t>11/4/2023</a:t>
+              <a:t>2/6/2023</a:t>
             </a:fld>
             <a:endParaRPr lang="es-AR"/>
           </a:p>
@@ -8277,7 +8341,7 @@
           <a:p>
             <a:fld id="{849DE176-146E-4F1E-BCCE-E46272DCA095}" type="datetimeFigureOut">
               <a:rPr lang="es-AR" smtClean="0"/>
-              <a:t>11/4/2023</a:t>
+              <a:t>2/6/2023</a:t>
             </a:fld>
             <a:endParaRPr lang="es-AR"/>
           </a:p>
@@ -8447,7 +8511,7 @@
           <a:p>
             <a:fld id="{849DE176-146E-4F1E-BCCE-E46272DCA095}" type="datetimeFigureOut">
               <a:rPr lang="es-AR" smtClean="0"/>
-              <a:t>11/4/2023</a:t>
+              <a:t>2/6/2023</a:t>
             </a:fld>
             <a:endParaRPr lang="es-AR"/>
           </a:p>
@@ -8627,7 +8691,7 @@
           <a:p>
             <a:fld id="{849DE176-146E-4F1E-BCCE-E46272DCA095}" type="datetimeFigureOut">
               <a:rPr lang="es-AR" smtClean="0"/>
-              <a:t>11/4/2023</a:t>
+              <a:t>2/6/2023</a:t>
             </a:fld>
             <a:endParaRPr lang="es-AR"/>
           </a:p>
@@ -8797,7 +8861,7 @@
           <a:p>
             <a:fld id="{849DE176-146E-4F1E-BCCE-E46272DCA095}" type="datetimeFigureOut">
               <a:rPr lang="es-AR" smtClean="0"/>
-              <a:t>11/4/2023</a:t>
+              <a:t>2/6/2023</a:t>
             </a:fld>
             <a:endParaRPr lang="es-AR"/>
           </a:p>
@@ -9047,7 +9111,7 @@
           <a:p>
             <a:fld id="{849DE176-146E-4F1E-BCCE-E46272DCA095}" type="datetimeFigureOut">
               <a:rPr lang="es-AR" smtClean="0"/>
-              <a:t>11/4/2023</a:t>
+              <a:t>2/6/2023</a:t>
             </a:fld>
             <a:endParaRPr lang="es-AR"/>
           </a:p>
@@ -9279,7 +9343,7 @@
           <a:p>
             <a:fld id="{849DE176-146E-4F1E-BCCE-E46272DCA095}" type="datetimeFigureOut">
               <a:rPr lang="es-AR" smtClean="0"/>
-              <a:t>11/4/2023</a:t>
+              <a:t>2/6/2023</a:t>
             </a:fld>
             <a:endParaRPr lang="es-AR"/>
           </a:p>
@@ -9660,7 +9724,7 @@
           <a:p>
             <a:fld id="{849DE176-146E-4F1E-BCCE-E46272DCA095}" type="datetimeFigureOut">
               <a:rPr lang="es-AR" smtClean="0"/>
-              <a:t>11/4/2023</a:t>
+              <a:t>2/6/2023</a:t>
             </a:fld>
             <a:endParaRPr lang="es-AR"/>
           </a:p>
@@ -9778,7 +9842,7 @@
           <a:p>
             <a:fld id="{849DE176-146E-4F1E-BCCE-E46272DCA095}" type="datetimeFigureOut">
               <a:rPr lang="es-AR" smtClean="0"/>
-              <a:t>11/4/2023</a:t>
+              <a:t>2/6/2023</a:t>
             </a:fld>
             <a:endParaRPr lang="es-AR"/>
           </a:p>
@@ -9873,7 +9937,7 @@
           <a:p>
             <a:fld id="{849DE176-146E-4F1E-BCCE-E46272DCA095}" type="datetimeFigureOut">
               <a:rPr lang="es-AR" smtClean="0"/>
-              <a:t>11/4/2023</a:t>
+              <a:t>2/6/2023</a:t>
             </a:fld>
             <a:endParaRPr lang="es-AR"/>
           </a:p>
@@ -10122,7 +10186,7 @@
           <a:p>
             <a:fld id="{849DE176-146E-4F1E-BCCE-E46272DCA095}" type="datetimeFigureOut">
               <a:rPr lang="es-AR" smtClean="0"/>
-              <a:t>11/4/2023</a:t>
+              <a:t>2/6/2023</a:t>
             </a:fld>
             <a:endParaRPr lang="es-AR"/>
           </a:p>
@@ -10402,7 +10466,7 @@
           <a:p>
             <a:fld id="{849DE176-146E-4F1E-BCCE-E46272DCA095}" type="datetimeFigureOut">
               <a:rPr lang="es-AR" smtClean="0"/>
-              <a:t>11/4/2023</a:t>
+              <a:t>2/6/2023</a:t>
             </a:fld>
             <a:endParaRPr lang="es-AR"/>
           </a:p>
@@ -10542,7 +10606,7 @@
           <a:noFill/>
           <a:extLst>
             <a:ext uri="{909E8E84-426E-40dd-AFC4-6F175D3DCCD1}">
-              <a14:hiddenFill xmlns:a14="http://schemas.microsoft.com/office/drawing/2010/main" xmlns="">
+              <a14:hiddenFill xmlns="" xmlns:a14="http://schemas.microsoft.com/office/drawing/2010/main">
                 <a:solidFill>
                   <a:srgbClr val="FFFFFF"/>
                 </a:solidFill>
@@ -10616,7 +10680,7 @@
               </a:ln>
               <a:extLst>
                 <a:ext uri="{91240B29-F687-4f45-9708-019B960494DF}">
-                  <a14:hiddenLine xmlns:a14="http://schemas.microsoft.com/office/drawing/2010/main" xmlns="" w="9525">
+                  <a14:hiddenLine xmlns="" xmlns:a14="http://schemas.microsoft.com/office/drawing/2010/main" w="9525">
                     <a:solidFill>
                       <a:srgbClr val="000000"/>
                     </a:solidFill>
@@ -10706,7 +10770,7 @@
               </a:ln>
               <a:extLst>
                 <a:ext uri="{91240B29-F687-4f45-9708-019B960494DF}">
-                  <a14:hiddenLine xmlns:a14="http://schemas.microsoft.com/office/drawing/2010/main" xmlns="" w="9525">
+                  <a14:hiddenLine xmlns="" xmlns:a14="http://schemas.microsoft.com/office/drawing/2010/main" w="9525">
                     <a:solidFill>
                       <a:srgbClr val="000000"/>
                     </a:solidFill>
@@ -10796,7 +10860,7 @@
               </a:ln>
               <a:extLst>
                 <a:ext uri="{91240B29-F687-4f45-9708-019B960494DF}">
-                  <a14:hiddenLine xmlns:a14="http://schemas.microsoft.com/office/drawing/2010/main" xmlns="" w="9525">
+                  <a14:hiddenLine xmlns="" xmlns:a14="http://schemas.microsoft.com/office/drawing/2010/main" w="9525">
                     <a:solidFill>
                       <a:srgbClr val="000000"/>
                     </a:solidFill>
@@ -10858,7 +10922,7 @@
               </a:ln>
               <a:extLst>
                 <a:ext uri="{91240B29-F687-4f45-9708-019B960494DF}">
-                  <a14:hiddenLine xmlns:a14="http://schemas.microsoft.com/office/drawing/2010/main" xmlns="" w="9525">
+                  <a14:hiddenLine xmlns="" xmlns:a14="http://schemas.microsoft.com/office/drawing/2010/main" w="9525">
                     <a:solidFill>
                       <a:srgbClr val="000000"/>
                     </a:solidFill>
@@ -10948,7 +11012,7 @@
               </a:ln>
               <a:extLst>
                 <a:ext uri="{91240B29-F687-4f45-9708-019B960494DF}">
-                  <a14:hiddenLine xmlns:a14="http://schemas.microsoft.com/office/drawing/2010/main" xmlns="" w="9525">
+                  <a14:hiddenLine xmlns="" xmlns:a14="http://schemas.microsoft.com/office/drawing/2010/main" w="9525">
                     <a:solidFill>
                       <a:srgbClr val="000000"/>
                     </a:solidFill>
@@ -11010,7 +11074,7 @@
               </a:ln>
               <a:extLst>
                 <a:ext uri="{91240B29-F687-4f45-9708-019B960494DF}">
-                  <a14:hiddenLine xmlns:a14="http://schemas.microsoft.com/office/drawing/2010/main" xmlns="" w="9525">
+                  <a14:hiddenLine xmlns="" xmlns:a14="http://schemas.microsoft.com/office/drawing/2010/main" w="9525">
                     <a:solidFill>
                       <a:srgbClr val="000000"/>
                     </a:solidFill>
@@ -11072,7 +11136,7 @@
               </a:ln>
               <a:extLst>
                 <a:ext uri="{91240B29-F687-4f45-9708-019B960494DF}">
-                  <a14:hiddenLine xmlns:a14="http://schemas.microsoft.com/office/drawing/2010/main" xmlns="" w="9525">
+                  <a14:hiddenLine xmlns="" xmlns:a14="http://schemas.microsoft.com/office/drawing/2010/main" w="9525">
                     <a:solidFill>
                       <a:srgbClr val="000000"/>
                     </a:solidFill>
@@ -11162,7 +11226,7 @@
               </a:ln>
               <a:extLst>
                 <a:ext uri="{91240B29-F687-4f45-9708-019B960494DF}">
-                  <a14:hiddenLine xmlns:a14="http://schemas.microsoft.com/office/drawing/2010/main" xmlns="" w="9525">
+                  <a14:hiddenLine xmlns="" xmlns:a14="http://schemas.microsoft.com/office/drawing/2010/main" w="9525">
                     <a:solidFill>
                       <a:srgbClr val="000000"/>
                     </a:solidFill>
@@ -11252,7 +11316,7 @@
               </a:ln>
               <a:extLst>
                 <a:ext uri="{91240B29-F687-4f45-9708-019B960494DF}">
-                  <a14:hiddenLine xmlns:a14="http://schemas.microsoft.com/office/drawing/2010/main" xmlns="" w="9525">
+                  <a14:hiddenLine xmlns="" xmlns:a14="http://schemas.microsoft.com/office/drawing/2010/main" w="9525">
                     <a:solidFill>
                       <a:srgbClr val="000000"/>
                     </a:solidFill>
@@ -11314,7 +11378,7 @@
               </a:ln>
               <a:extLst>
                 <a:ext uri="{91240B29-F687-4f45-9708-019B960494DF}">
-                  <a14:hiddenLine xmlns:a14="http://schemas.microsoft.com/office/drawing/2010/main" xmlns="" w="9525">
+                  <a14:hiddenLine xmlns="" xmlns:a14="http://schemas.microsoft.com/office/drawing/2010/main" w="9525">
                     <a:solidFill>
                       <a:srgbClr val="000000"/>
                     </a:solidFill>
@@ -11424,7 +11488,7 @@
               </a:ln>
               <a:extLst>
                 <a:ext uri="{91240B29-F687-4f45-9708-019B960494DF}">
-                  <a14:hiddenLine xmlns:a14="http://schemas.microsoft.com/office/drawing/2010/main" xmlns="" w="9525">
+                  <a14:hiddenLine xmlns="" xmlns:a14="http://schemas.microsoft.com/office/drawing/2010/main" w="9525">
                     <a:solidFill>
                       <a:srgbClr val="000000"/>
                     </a:solidFill>
@@ -11508,7 +11572,7 @@
               </a:ln>
               <a:extLst>
                 <a:ext uri="{91240B29-F687-4f45-9708-019B960494DF}">
-                  <a14:hiddenLine xmlns:a14="http://schemas.microsoft.com/office/drawing/2010/main" xmlns="" w="9525">
+                  <a14:hiddenLine xmlns="" xmlns:a14="http://schemas.microsoft.com/office/drawing/2010/main" w="9525">
                     <a:solidFill>
                       <a:srgbClr val="000000"/>
                     </a:solidFill>
@@ -11570,7 +11634,7 @@
               </a:ln>
               <a:extLst>
                 <a:ext uri="{91240B29-F687-4f45-9708-019B960494DF}">
-                  <a14:hiddenLine xmlns:a14="http://schemas.microsoft.com/office/drawing/2010/main" xmlns="" w="9525">
+                  <a14:hiddenLine xmlns="" xmlns:a14="http://schemas.microsoft.com/office/drawing/2010/main" w="9525">
                     <a:solidFill>
                       <a:srgbClr val="000000"/>
                     </a:solidFill>
@@ -11632,7 +11696,7 @@
               </a:ln>
               <a:extLst>
                 <a:ext uri="{91240B29-F687-4f45-9708-019B960494DF}">
-                  <a14:hiddenLine xmlns:a14="http://schemas.microsoft.com/office/drawing/2010/main" xmlns="" w="9525">
+                  <a14:hiddenLine xmlns="" xmlns:a14="http://schemas.microsoft.com/office/drawing/2010/main" w="9525">
                     <a:solidFill>
                       <a:srgbClr val="000000"/>
                     </a:solidFill>
@@ -11722,7 +11786,7 @@
               </a:ln>
               <a:extLst>
                 <a:ext uri="{91240B29-F687-4f45-9708-019B960494DF}">
-                  <a14:hiddenLine xmlns:a14="http://schemas.microsoft.com/office/drawing/2010/main" xmlns="" w="9525">
+                  <a14:hiddenLine xmlns="" xmlns:a14="http://schemas.microsoft.com/office/drawing/2010/main" w="9525">
                     <a:solidFill>
                       <a:srgbClr val="000000"/>
                     </a:solidFill>
@@ -11756,7 +11820,7 @@
               </a:ln>
               <a:extLst>
                 <a:ext uri="{91240B29-F687-4f45-9708-019B960494DF}">
-                  <a14:hiddenLine xmlns:a14="http://schemas.microsoft.com/office/drawing/2010/main" xmlns="" w="9525">
+                  <a14:hiddenLine xmlns="" xmlns:a14="http://schemas.microsoft.com/office/drawing/2010/main" w="9525">
                     <a:solidFill>
                       <a:srgbClr val="000000"/>
                     </a:solidFill>
@@ -11821,7 +11885,7 @@
               </a:ln>
               <a:extLst>
                 <a:ext uri="{91240B29-F687-4f45-9708-019B960494DF}">
-                  <a14:hiddenLine xmlns:a14="http://schemas.microsoft.com/office/drawing/2010/main" xmlns="" w="9525">
+                  <a14:hiddenLine xmlns="" xmlns:a14="http://schemas.microsoft.com/office/drawing/2010/main" w="9525">
                     <a:solidFill>
                       <a:srgbClr val="000000"/>
                     </a:solidFill>
@@ -11911,7 +11975,7 @@
               </a:ln>
               <a:extLst>
                 <a:ext uri="{91240B29-F687-4f45-9708-019B960494DF}">
-                  <a14:hiddenLine xmlns:a14="http://schemas.microsoft.com/office/drawing/2010/main" xmlns="" w="9525">
+                  <a14:hiddenLine xmlns="" xmlns:a14="http://schemas.microsoft.com/office/drawing/2010/main" w="9525">
                     <a:solidFill>
                       <a:srgbClr val="000000"/>
                     </a:solidFill>
@@ -11973,7 +12037,7 @@
               </a:ln>
               <a:extLst>
                 <a:ext uri="{91240B29-F687-4f45-9708-019B960494DF}">
-                  <a14:hiddenLine xmlns:a14="http://schemas.microsoft.com/office/drawing/2010/main" xmlns="" w="9525">
+                  <a14:hiddenLine xmlns="" xmlns:a14="http://schemas.microsoft.com/office/drawing/2010/main" w="9525">
                     <a:solidFill>
                       <a:srgbClr val="000000"/>
                     </a:solidFill>
@@ -12063,7 +12127,7 @@
               </a:ln>
               <a:extLst>
                 <a:ext uri="{91240B29-F687-4f45-9708-019B960494DF}">
-                  <a14:hiddenLine xmlns:a14="http://schemas.microsoft.com/office/drawing/2010/main" xmlns="" w="9525">
+                  <a14:hiddenLine xmlns="" xmlns:a14="http://schemas.microsoft.com/office/drawing/2010/main" w="9525">
                     <a:solidFill>
                       <a:srgbClr val="000000"/>
                     </a:solidFill>
@@ -12128,7 +12192,7 @@
               </a:ln>
               <a:extLst>
                 <a:ext uri="{91240B29-F687-4f45-9708-019B960494DF}">
-                  <a14:hiddenLine xmlns:a14="http://schemas.microsoft.com/office/drawing/2010/main" xmlns="" w="9525">
+                  <a14:hiddenLine xmlns="" xmlns:a14="http://schemas.microsoft.com/office/drawing/2010/main" w="9525">
                     <a:solidFill>
                       <a:srgbClr val="000000"/>
                     </a:solidFill>
@@ -12190,7 +12254,7 @@
               </a:ln>
               <a:extLst>
                 <a:ext uri="{91240B29-F687-4f45-9708-019B960494DF}">
-                  <a14:hiddenLine xmlns:a14="http://schemas.microsoft.com/office/drawing/2010/main" xmlns="" w="9525">
+                  <a14:hiddenLine xmlns="" xmlns:a14="http://schemas.microsoft.com/office/drawing/2010/main" w="9525">
                     <a:solidFill>
                       <a:srgbClr val="000000"/>
                     </a:solidFill>
@@ -12280,7 +12344,7 @@
               </a:ln>
               <a:extLst>
                 <a:ext uri="{91240B29-F687-4f45-9708-019B960494DF}">
-                  <a14:hiddenLine xmlns:a14="http://schemas.microsoft.com/office/drawing/2010/main" xmlns="" w="9525">
+                  <a14:hiddenLine xmlns="" xmlns:a14="http://schemas.microsoft.com/office/drawing/2010/main" w="9525">
                     <a:solidFill>
                       <a:srgbClr val="000000"/>
                     </a:solidFill>
@@ -12370,7 +12434,7 @@
               </a:ln>
               <a:extLst>
                 <a:ext uri="{91240B29-F687-4f45-9708-019B960494DF}">
-                  <a14:hiddenLine xmlns:a14="http://schemas.microsoft.com/office/drawing/2010/main" xmlns="" w="9525">
+                  <a14:hiddenLine xmlns="" xmlns:a14="http://schemas.microsoft.com/office/drawing/2010/main" w="9525">
                     <a:solidFill>
                       <a:srgbClr val="000000"/>
                     </a:solidFill>
@@ -12435,7 +12499,7 @@
               </a:ln>
               <a:extLst>
                 <a:ext uri="{91240B29-F687-4f45-9708-019B960494DF}">
-                  <a14:hiddenLine xmlns:a14="http://schemas.microsoft.com/office/drawing/2010/main" xmlns="" w="9525">
+                  <a14:hiddenLine xmlns="" xmlns:a14="http://schemas.microsoft.com/office/drawing/2010/main" w="9525">
                     <a:solidFill>
                       <a:srgbClr val="000000"/>
                     </a:solidFill>
@@ -12555,7 +12619,7 @@
               </a:ln>
               <a:extLst>
                 <a:ext uri="{91240B29-F687-4f45-9708-019B960494DF}">
-                  <a14:hiddenLine xmlns:a14="http://schemas.microsoft.com/office/drawing/2010/main" xmlns="" w="9525">
+                  <a14:hiddenLine xmlns="" xmlns:a14="http://schemas.microsoft.com/office/drawing/2010/main" w="9525">
                     <a:solidFill>
                       <a:srgbClr val="000000"/>
                     </a:solidFill>
@@ -12653,7 +12717,7 @@
               </a:ln>
               <a:extLst>
                 <a:ext uri="{91240B29-F687-4f45-9708-019B960494DF}">
-                  <a14:hiddenLine xmlns:a14="http://schemas.microsoft.com/office/drawing/2010/main" xmlns="" w="9525">
+                  <a14:hiddenLine xmlns="" xmlns:a14="http://schemas.microsoft.com/office/drawing/2010/main" w="9525">
                     <a:solidFill>
                       <a:srgbClr val="000000"/>
                     </a:solidFill>
@@ -12768,7 +12832,7 @@
               </a:ln>
               <a:extLst>
                 <a:ext uri="{91240B29-F687-4f45-9708-019B960494DF}">
-                  <a14:hiddenLine xmlns:a14="http://schemas.microsoft.com/office/drawing/2010/main" xmlns="" w="9525">
+                  <a14:hiddenLine xmlns="" xmlns:a14="http://schemas.microsoft.com/office/drawing/2010/main" w="9525">
                     <a:solidFill>
                       <a:srgbClr val="000000"/>
                     </a:solidFill>
@@ -12858,7 +12922,7 @@
               </a:ln>
               <a:extLst>
                 <a:ext uri="{91240B29-F687-4f45-9708-019B960494DF}">
-                  <a14:hiddenLine xmlns:a14="http://schemas.microsoft.com/office/drawing/2010/main" xmlns="" w="9525">
+                  <a14:hiddenLine xmlns="" xmlns:a14="http://schemas.microsoft.com/office/drawing/2010/main" w="9525">
                     <a:solidFill>
                       <a:srgbClr val="000000"/>
                     </a:solidFill>
@@ -12923,7 +12987,7 @@
               </a:ln>
               <a:extLst>
                 <a:ext uri="{91240B29-F687-4f45-9708-019B960494DF}">
-                  <a14:hiddenLine xmlns:a14="http://schemas.microsoft.com/office/drawing/2010/main" xmlns="" w="9525">
+                  <a14:hiddenLine xmlns="" xmlns:a14="http://schemas.microsoft.com/office/drawing/2010/main" w="9525">
                     <a:solidFill>
                       <a:srgbClr val="000000"/>
                     </a:solidFill>
@@ -13013,7 +13077,7 @@
               </a:ln>
               <a:extLst>
                 <a:ext uri="{91240B29-F687-4f45-9708-019B960494DF}">
-                  <a14:hiddenLine xmlns:a14="http://schemas.microsoft.com/office/drawing/2010/main" xmlns="" w="9525">
+                  <a14:hiddenLine xmlns="" xmlns:a14="http://schemas.microsoft.com/office/drawing/2010/main" w="9525">
                     <a:solidFill>
                       <a:srgbClr val="000000"/>
                     </a:solidFill>
@@ -13081,7 +13145,7 @@
               </a:ln>
               <a:extLst>
                 <a:ext uri="{91240B29-F687-4f45-9708-019B960494DF}">
-                  <a14:hiddenLine xmlns:a14="http://schemas.microsoft.com/office/drawing/2010/main" xmlns="" w="9525">
+                  <a14:hiddenLine xmlns="" xmlns:a14="http://schemas.microsoft.com/office/drawing/2010/main" w="9525">
                     <a:solidFill>
                       <a:srgbClr val="000000"/>
                     </a:solidFill>
@@ -13171,7 +13235,7 @@
               </a:ln>
               <a:extLst>
                 <a:ext uri="{91240B29-F687-4f45-9708-019B960494DF}">
-                  <a14:hiddenLine xmlns:a14="http://schemas.microsoft.com/office/drawing/2010/main" xmlns="" w="9525">
+                  <a14:hiddenLine xmlns="" xmlns:a14="http://schemas.microsoft.com/office/drawing/2010/main" w="9525">
                     <a:solidFill>
                       <a:srgbClr val="000000"/>
                     </a:solidFill>
@@ -13239,7 +13303,7 @@
               </a:ln>
               <a:extLst>
                 <a:ext uri="{91240B29-F687-4f45-9708-019B960494DF}">
-                  <a14:hiddenLine xmlns:a14="http://schemas.microsoft.com/office/drawing/2010/main" xmlns="" w="9525">
+                  <a14:hiddenLine xmlns="" xmlns:a14="http://schemas.microsoft.com/office/drawing/2010/main" w="9525">
                     <a:solidFill>
                       <a:srgbClr val="000000"/>
                     </a:solidFill>
@@ -13329,7 +13393,7 @@
               </a:ln>
               <a:extLst>
                 <a:ext uri="{91240B29-F687-4f45-9708-019B960494DF}">
-                  <a14:hiddenLine xmlns:a14="http://schemas.microsoft.com/office/drawing/2010/main" xmlns="" w="9525">
+                  <a14:hiddenLine xmlns="" xmlns:a14="http://schemas.microsoft.com/office/drawing/2010/main" w="9525">
                     <a:solidFill>
                       <a:srgbClr val="000000"/>
                     </a:solidFill>
@@ -13363,7 +13427,7 @@
               </a:ln>
               <a:extLst>
                 <a:ext uri="{91240B29-F687-4f45-9708-019B960494DF}">
-                  <a14:hiddenLine xmlns:a14="http://schemas.microsoft.com/office/drawing/2010/main" xmlns="" w="9525">
+                  <a14:hiddenLine xmlns="" xmlns:a14="http://schemas.microsoft.com/office/drawing/2010/main" w="9525">
                     <a:solidFill>
                       <a:srgbClr val="000000"/>
                     </a:solidFill>
@@ -13503,7 +13567,7 @@
           <a:p>
             <a:fld id="{849DE176-146E-4F1E-BCCE-E46272DCA095}" type="datetimeFigureOut">
               <a:rPr lang="es-AR" smtClean="0"/>
-              <a:t>11/4/2023</a:t>
+              <a:t>2/6/2023</a:t>
             </a:fld>
             <a:endParaRPr lang="es-AR"/>
           </a:p>
@@ -25388,6 +25452,709 @@
           </a:p>
         </p:txBody>
       </p:sp>
+      <p:sp>
+        <p:nvSpPr>
+          <p:cNvPr id="4" name="Rectángulo 3">
+            <a:extLst>
+              <a:ext uri="{FF2B5EF4-FFF2-40B4-BE49-F238E27FC236}">
+                <a16:creationId xmlns:a16="http://schemas.microsoft.com/office/drawing/2014/main" id="{7A9074C5-81DC-19FC-02E4-7E6BDFC542ED}"/>
+              </a:ext>
+            </a:extLst>
+          </p:cNvPr>
+          <p:cNvSpPr/>
+          <p:nvPr/>
+        </p:nvSpPr>
+        <p:spPr>
+          <a:xfrm>
+            <a:off x="1689238" y="1656522"/>
+            <a:ext cx="3903179" cy="2105615"/>
+          </a:xfrm>
+          <a:prstGeom prst="rect">
+            <a:avLst/>
+          </a:prstGeom>
+          <a:ln>
+            <a:noFill/>
+          </a:ln>
+        </p:spPr>
+        <p:style>
+          <a:lnRef idx="2">
+            <a:schemeClr val="accent6"/>
+          </a:lnRef>
+          <a:fillRef idx="1">
+            <a:schemeClr val="lt1"/>
+          </a:fillRef>
+          <a:effectRef idx="0">
+            <a:schemeClr val="accent6"/>
+          </a:effectRef>
+          <a:fontRef idx="minor">
+            <a:schemeClr val="dk1"/>
+          </a:fontRef>
+        </p:style>
+        <p:txBody>
+          <a:bodyPr rtlCol="0" anchor="ctr"/>
+          <a:lstStyle/>
+          <a:p>
+            <a:pPr algn="ctr"/>
+            <a:endParaRPr lang="es-AR"/>
+          </a:p>
+        </p:txBody>
+      </p:sp>
+    </p:spTree>
+    <p:extLst>
+      <p:ext uri="{BB962C8B-B14F-4D97-AF65-F5344CB8AC3E}">
+        <p14:creationId xmlns:p14="http://schemas.microsoft.com/office/powerpoint/2010/main" val="2525390603"/>
+      </p:ext>
+    </p:extLst>
+  </p:cSld>
+  <p:clrMapOvr>
+    <a:masterClrMapping/>
+  </p:clrMapOvr>
+</p:sld>
+</file>
+
+<file path=ppt/slides/slide24.xml><?xml version="1.0" encoding="utf-8"?>
+<p:sld xmlns:a="http://schemas.openxmlformats.org/drawingml/2006/main" xmlns:r="http://schemas.openxmlformats.org/officeDocument/2006/relationships" xmlns:p="http://schemas.openxmlformats.org/presentationml/2006/main">
+  <p:cSld>
+    <p:spTree>
+      <p:nvGrpSpPr>
+        <p:cNvPr id="1" name=""/>
+        <p:cNvGrpSpPr/>
+        <p:nvPr/>
+      </p:nvGrpSpPr>
+      <p:grpSpPr>
+        <a:xfrm>
+          <a:off x="0" y="0"/>
+          <a:ext cx="0" cy="0"/>
+          <a:chOff x="0" y="0"/>
+          <a:chExt cx="0" cy="0"/>
+        </a:xfrm>
+      </p:grpSpPr>
+      <p:pic>
+        <p:nvPicPr>
+          <p:cNvPr id="12" name="Imagen 11">
+            <a:extLst>
+              <a:ext uri="{FF2B5EF4-FFF2-40B4-BE49-F238E27FC236}">
+                <a16:creationId xmlns:a16="http://schemas.microsoft.com/office/drawing/2014/main" id="{4B3C537F-34D0-876E-13EE-7A84796E9FE1}"/>
+              </a:ext>
+            </a:extLst>
+          </p:cNvPr>
+          <p:cNvPicPr>
+            <a:picLocks noChangeAspect="1"/>
+          </p:cNvPicPr>
+          <p:nvPr/>
+        </p:nvPicPr>
+        <p:blipFill>
+          <a:blip r:embed="rId2"/>
+          <a:stretch>
+            <a:fillRect/>
+          </a:stretch>
+        </p:blipFill>
+        <p:spPr>
+          <a:xfrm>
+            <a:off x="1689238" y="1519719"/>
+            <a:ext cx="7753350" cy="4257675"/>
+          </a:xfrm>
+          <a:prstGeom prst="rect">
+            <a:avLst/>
+          </a:prstGeom>
+        </p:spPr>
+      </p:pic>
+      <p:sp>
+        <p:nvSpPr>
+          <p:cNvPr id="2" name="Subtitle 1"/>
+          <p:cNvSpPr txBox="1">
+            <a:spLocks/>
+          </p:cNvSpPr>
+          <p:nvPr/>
+        </p:nvSpPr>
+        <p:spPr>
+          <a:xfrm>
+            <a:off x="296213" y="0"/>
+            <a:ext cx="11694017" cy="811369"/>
+          </a:xfrm>
+          <a:prstGeom prst="rect">
+            <a:avLst/>
+          </a:prstGeom>
+        </p:spPr>
+        <p:txBody>
+          <a:bodyPr vert="horz" lIns="91440" tIns="45720" rIns="91440" bIns="45720" rtlCol="0">
+            <a:noAutofit/>
+          </a:bodyPr>
+          <a:lstStyle>
+            <a:lvl1pPr marL="228600" indent="-228600" algn="l" defTabSz="914400" rtl="0" eaLnBrk="1" latinLnBrk="0" hangingPunct="1">
+              <a:lnSpc>
+                <a:spcPct val="120000"/>
+              </a:lnSpc>
+              <a:spcBef>
+                <a:spcPts val="1000"/>
+              </a:spcBef>
+              <a:buSzPct val="125000"/>
+              <a:buFont typeface="Arial" panose="020B0604020202020204" pitchFamily="34" charset="0"/>
+              <a:buChar char="•"/>
+              <a:defRPr sz="2400" kern="1200">
+                <a:solidFill>
+                  <a:schemeClr val="tx1"/>
+                </a:solidFill>
+                <a:latin typeface="+mn-lt"/>
+                <a:ea typeface="+mn-ea"/>
+                <a:cs typeface="+mn-cs"/>
+              </a:defRPr>
+            </a:lvl1pPr>
+            <a:lvl2pPr marL="685800" indent="-228600" algn="l" defTabSz="914400" rtl="0" eaLnBrk="1" latinLnBrk="0" hangingPunct="1">
+              <a:lnSpc>
+                <a:spcPct val="120000"/>
+              </a:lnSpc>
+              <a:spcBef>
+                <a:spcPts val="500"/>
+              </a:spcBef>
+              <a:buSzPct val="125000"/>
+              <a:buFont typeface="Arial" panose="020B0604020202020204" pitchFamily="34" charset="0"/>
+              <a:buChar char="•"/>
+              <a:defRPr sz="2000" kern="1200">
+                <a:solidFill>
+                  <a:schemeClr val="tx1"/>
+                </a:solidFill>
+                <a:latin typeface="+mn-lt"/>
+                <a:ea typeface="+mn-ea"/>
+                <a:cs typeface="+mn-cs"/>
+              </a:defRPr>
+            </a:lvl2pPr>
+            <a:lvl3pPr marL="1143000" indent="-228600" algn="l" defTabSz="914400" rtl="0" eaLnBrk="1" latinLnBrk="0" hangingPunct="1">
+              <a:lnSpc>
+                <a:spcPct val="120000"/>
+              </a:lnSpc>
+              <a:spcBef>
+                <a:spcPts val="500"/>
+              </a:spcBef>
+              <a:buSzPct val="125000"/>
+              <a:buFont typeface="Arial" panose="020B0604020202020204" pitchFamily="34" charset="0"/>
+              <a:buChar char="•"/>
+              <a:defRPr sz="1800" kern="1200">
+                <a:solidFill>
+                  <a:schemeClr val="tx1"/>
+                </a:solidFill>
+                <a:latin typeface="+mn-lt"/>
+                <a:ea typeface="+mn-ea"/>
+                <a:cs typeface="+mn-cs"/>
+              </a:defRPr>
+            </a:lvl3pPr>
+            <a:lvl4pPr marL="1600200" indent="-228600" algn="l" defTabSz="914400" rtl="0" eaLnBrk="1" latinLnBrk="0" hangingPunct="1">
+              <a:lnSpc>
+                <a:spcPct val="120000"/>
+              </a:lnSpc>
+              <a:spcBef>
+                <a:spcPts val="500"/>
+              </a:spcBef>
+              <a:buSzPct val="125000"/>
+              <a:buFont typeface="Arial" panose="020B0604020202020204" pitchFamily="34" charset="0"/>
+              <a:buChar char="•"/>
+              <a:defRPr sz="1600" kern="1200">
+                <a:solidFill>
+                  <a:schemeClr val="tx1"/>
+                </a:solidFill>
+                <a:latin typeface="+mn-lt"/>
+                <a:ea typeface="+mn-ea"/>
+                <a:cs typeface="+mn-cs"/>
+              </a:defRPr>
+            </a:lvl4pPr>
+            <a:lvl5pPr marL="2057400" indent="-228600" algn="l" defTabSz="914400" rtl="0" eaLnBrk="1" latinLnBrk="0" hangingPunct="1">
+              <a:lnSpc>
+                <a:spcPct val="120000"/>
+              </a:lnSpc>
+              <a:spcBef>
+                <a:spcPts val="500"/>
+              </a:spcBef>
+              <a:buSzPct val="125000"/>
+              <a:buFont typeface="Arial" panose="020B0604020202020204" pitchFamily="34" charset="0"/>
+              <a:buChar char="•"/>
+              <a:defRPr sz="1600" kern="1200">
+                <a:solidFill>
+                  <a:schemeClr val="tx1"/>
+                </a:solidFill>
+                <a:latin typeface="+mn-lt"/>
+                <a:ea typeface="+mn-ea"/>
+                <a:cs typeface="+mn-cs"/>
+              </a:defRPr>
+            </a:lvl5pPr>
+            <a:lvl6pPr marL="2514600" indent="-228600" algn="l" defTabSz="914400" rtl="0" eaLnBrk="1" latinLnBrk="0" hangingPunct="1">
+              <a:lnSpc>
+                <a:spcPct val="120000"/>
+              </a:lnSpc>
+              <a:spcBef>
+                <a:spcPts val="500"/>
+              </a:spcBef>
+              <a:buSzPct val="125000"/>
+              <a:buFont typeface="Arial" panose="020B0604020202020204" pitchFamily="34" charset="0"/>
+              <a:buChar char="•"/>
+              <a:defRPr sz="1400" kern="1200">
+                <a:solidFill>
+                  <a:schemeClr val="tx1"/>
+                </a:solidFill>
+                <a:latin typeface="+mn-lt"/>
+                <a:ea typeface="+mn-ea"/>
+                <a:cs typeface="+mn-cs"/>
+              </a:defRPr>
+            </a:lvl6pPr>
+            <a:lvl7pPr marL="2971800" indent="-228600" algn="l" defTabSz="914400" rtl="0" eaLnBrk="1" latinLnBrk="0" hangingPunct="1">
+              <a:lnSpc>
+                <a:spcPct val="120000"/>
+              </a:lnSpc>
+              <a:spcBef>
+                <a:spcPts val="500"/>
+              </a:spcBef>
+              <a:buSzPct val="125000"/>
+              <a:buFont typeface="Arial" panose="020B0604020202020204" pitchFamily="34" charset="0"/>
+              <a:buChar char="•"/>
+              <a:defRPr sz="1400" kern="1200">
+                <a:solidFill>
+                  <a:schemeClr val="tx1"/>
+                </a:solidFill>
+                <a:latin typeface="+mn-lt"/>
+                <a:ea typeface="+mn-ea"/>
+                <a:cs typeface="+mn-cs"/>
+              </a:defRPr>
+            </a:lvl7pPr>
+            <a:lvl8pPr marL="3429000" indent="-228600" algn="l" defTabSz="914400" rtl="0" eaLnBrk="1" latinLnBrk="0" hangingPunct="1">
+              <a:lnSpc>
+                <a:spcPct val="120000"/>
+              </a:lnSpc>
+              <a:spcBef>
+                <a:spcPts val="500"/>
+              </a:spcBef>
+              <a:buSzPct val="125000"/>
+              <a:buFont typeface="Arial" panose="020B0604020202020204" pitchFamily="34" charset="0"/>
+              <a:buChar char="•"/>
+              <a:defRPr sz="1400" kern="1200">
+                <a:solidFill>
+                  <a:schemeClr val="tx1"/>
+                </a:solidFill>
+                <a:latin typeface="+mn-lt"/>
+                <a:ea typeface="+mn-ea"/>
+                <a:cs typeface="+mn-cs"/>
+              </a:defRPr>
+            </a:lvl8pPr>
+            <a:lvl9pPr marL="3886200" indent="-228600" algn="l" defTabSz="914400" rtl="0" eaLnBrk="1" latinLnBrk="0" hangingPunct="1">
+              <a:lnSpc>
+                <a:spcPct val="120000"/>
+              </a:lnSpc>
+              <a:spcBef>
+                <a:spcPts val="500"/>
+              </a:spcBef>
+              <a:buSzPct val="125000"/>
+              <a:buFont typeface="Arial" panose="020B0604020202020204" pitchFamily="34" charset="0"/>
+              <a:buChar char="•"/>
+              <a:defRPr sz="1400" kern="1200">
+                <a:solidFill>
+                  <a:schemeClr val="tx1"/>
+                </a:solidFill>
+                <a:latin typeface="+mn-lt"/>
+                <a:ea typeface="+mn-ea"/>
+                <a:cs typeface="+mn-cs"/>
+              </a:defRPr>
+            </a:lvl9pPr>
+          </a:lstStyle>
+          <a:p>
+            <a:pPr marL="0" indent="0" algn="ctr">
+              <a:buNone/>
+            </a:pPr>
+            <a:r>
+              <a:rPr lang="es-AR" sz="3200" dirty="0" err="1">
+                <a:solidFill>
+                  <a:schemeClr val="bg1"/>
+                </a:solidFill>
+              </a:rPr>
+              <a:t>Recurrent</a:t>
+            </a:r>
+            <a:r>
+              <a:rPr lang="es-AR" sz="3200" dirty="0">
+                <a:solidFill>
+                  <a:schemeClr val="bg1"/>
+                </a:solidFill>
+              </a:rPr>
+              <a:t> Neural Network (RNN) - </a:t>
+            </a:r>
+            <a:r>
+              <a:rPr lang="es-AR" sz="3200" dirty="0" err="1">
+                <a:solidFill>
+                  <a:schemeClr val="bg1"/>
+                </a:solidFill>
+              </a:rPr>
+              <a:t>Attention</a:t>
+            </a:r>
+            <a:r>
+              <a:rPr lang="es-AR" sz="3200" dirty="0">
+                <a:solidFill>
+                  <a:schemeClr val="bg1"/>
+                </a:solidFill>
+              </a:rPr>
+              <a:t>!!</a:t>
+            </a:r>
+          </a:p>
+        </p:txBody>
+      </p:sp>
+      <mc:AlternateContent xmlns:mc="http://schemas.openxmlformats.org/markup-compatibility/2006" xmlns:a14="http://schemas.microsoft.com/office/drawing/2010/main">
+        <mc:Choice Requires="a14">
+          <p:sp>
+            <p:nvSpPr>
+              <p:cNvPr id="17" name="CuadroTexto 16">
+                <a:extLst>
+                  <a:ext uri="{FF2B5EF4-FFF2-40B4-BE49-F238E27FC236}">
+                    <a16:creationId xmlns:a16="http://schemas.microsoft.com/office/drawing/2014/main" id="{9D5CC659-0D42-1A24-0259-952EC9CEA43A}"/>
+                  </a:ext>
+                </a:extLst>
+              </p:cNvPr>
+              <p:cNvSpPr txBox="1"/>
+              <p:nvPr/>
+            </p:nvSpPr>
+            <p:spPr>
+              <a:xfrm>
+                <a:off x="4278124" y="3762137"/>
+                <a:ext cx="871330" cy="369332"/>
+              </a:xfrm>
+              <a:prstGeom prst="rect">
+                <a:avLst/>
+              </a:prstGeom>
+              <a:noFill/>
+            </p:spPr>
+            <p:txBody>
+              <a:bodyPr wrap="square">
+                <a:spAutoFit/>
+              </a:bodyPr>
+              <a:lstStyle/>
+              <a:p>
+                <a:pPr/>
+                <a14:m>
+                  <m:oMathPara xmlns:m="http://schemas.openxmlformats.org/officeDocument/2006/math">
+                    <m:oMathParaPr>
+                      <m:jc m:val="centerGroup"/>
+                    </m:oMathParaPr>
+                    <m:oMath xmlns:m="http://schemas.openxmlformats.org/officeDocument/2006/math">
+                      <m:sSub>
+                        <m:sSubPr>
+                          <m:ctrlPr>
+                            <a:rPr lang="es-AR" sz="1800" b="0" i="1" smtClean="0">
+                              <a:solidFill>
+                                <a:schemeClr val="bg1"/>
+                              </a:solidFill>
+                              <a:latin typeface="Cambria Math" panose="02040503050406030204" pitchFamily="18" charset="0"/>
+                            </a:rPr>
+                          </m:ctrlPr>
+                        </m:sSubPr>
+                        <m:e>
+                          <m:r>
+                            <a:rPr lang="es-AR" sz="1800" b="0" i="1" smtClean="0">
+                              <a:solidFill>
+                                <a:schemeClr val="bg1"/>
+                              </a:solidFill>
+                              <a:latin typeface="Cambria Math" panose="02040503050406030204" pitchFamily="18" charset="0"/>
+                            </a:rPr>
+                            <m:t>𝑧</m:t>
+                          </m:r>
+                        </m:e>
+                        <m:sub>
+                          <m:r>
+                            <a:rPr lang="es-AR" sz="1800" b="0" i="1" smtClean="0">
+                              <a:solidFill>
+                                <a:schemeClr val="bg1"/>
+                              </a:solidFill>
+                              <a:latin typeface="Cambria Math" panose="02040503050406030204" pitchFamily="18" charset="0"/>
+                            </a:rPr>
+                            <m:t>𝑡</m:t>
+                          </m:r>
+                          <m:r>
+                            <a:rPr lang="es-AR" sz="1800" b="0" i="1" smtClean="0">
+                              <a:solidFill>
+                                <a:schemeClr val="bg1"/>
+                              </a:solidFill>
+                              <a:latin typeface="Cambria Math" panose="02040503050406030204" pitchFamily="18" charset="0"/>
+                            </a:rPr>
+                            <m:t>−1</m:t>
+                          </m:r>
+                        </m:sub>
+                      </m:sSub>
+                    </m:oMath>
+                  </m:oMathPara>
+                </a14:m>
+                <a:endParaRPr lang="es-AR" dirty="0"/>
+              </a:p>
+            </p:txBody>
+          </p:sp>
+        </mc:Choice>
+        <mc:Fallback xmlns="">
+          <p:sp>
+            <p:nvSpPr>
+              <p:cNvPr id="17" name="CuadroTexto 16">
+                <a:extLst>
+                  <a:ext uri="{FF2B5EF4-FFF2-40B4-BE49-F238E27FC236}">
+                    <a16:creationId xmlns:a16="http://schemas.microsoft.com/office/drawing/2014/main" id="{9D5CC659-0D42-1A24-0259-952EC9CEA43A}"/>
+                  </a:ext>
+                </a:extLst>
+              </p:cNvPr>
+              <p:cNvSpPr txBox="1">
+                <a:spLocks noRot="1" noChangeAspect="1" noMove="1" noResize="1" noEditPoints="1" noAdjustHandles="1" noChangeArrowheads="1" noChangeShapeType="1" noTextEdit="1"/>
+              </p:cNvSpPr>
+              <p:nvPr/>
+            </p:nvSpPr>
+            <p:spPr>
+              <a:xfrm>
+                <a:off x="4278124" y="3762137"/>
+                <a:ext cx="871330" cy="369332"/>
+              </a:xfrm>
+              <a:prstGeom prst="rect">
+                <a:avLst/>
+              </a:prstGeom>
+              <a:blipFill>
+                <a:blip r:embed="rId5"/>
+                <a:stretch>
+                  <a:fillRect/>
+                </a:stretch>
+              </a:blipFill>
+            </p:spPr>
+            <p:txBody>
+              <a:bodyPr/>
+              <a:lstStyle/>
+              <a:p>
+                <a:r>
+                  <a:rPr lang="es-AR">
+                    <a:noFill/>
+                  </a:rPr>
+                  <a:t> </a:t>
+                </a:r>
+              </a:p>
+            </p:txBody>
+          </p:sp>
+        </mc:Fallback>
+      </mc:AlternateContent>
+      <p:sp>
+        <p:nvSpPr>
+          <p:cNvPr id="18" name="Subtitle 1">
+            <a:extLst>
+              <a:ext uri="{FF2B5EF4-FFF2-40B4-BE49-F238E27FC236}">
+                <a16:creationId xmlns:a16="http://schemas.microsoft.com/office/drawing/2014/main" id="{86CB9C89-7847-AD8D-1BC5-460F5AE06AD6}"/>
+              </a:ext>
+            </a:extLst>
+          </p:cNvPr>
+          <p:cNvSpPr txBox="1">
+            <a:spLocks/>
+          </p:cNvSpPr>
+          <p:nvPr/>
+        </p:nvSpPr>
+        <p:spPr>
+          <a:xfrm>
+            <a:off x="-192857" y="576184"/>
+            <a:ext cx="4906646" cy="504422"/>
+          </a:xfrm>
+          <a:prstGeom prst="rect">
+            <a:avLst/>
+          </a:prstGeom>
+        </p:spPr>
+        <p:txBody>
+          <a:bodyPr vert="horz" lIns="91440" tIns="45720" rIns="91440" bIns="45720" rtlCol="0">
+            <a:noAutofit/>
+          </a:bodyPr>
+          <a:lstStyle>
+            <a:lvl1pPr marL="228600" indent="-228600" algn="l" defTabSz="914400" rtl="0" eaLnBrk="1" latinLnBrk="0" hangingPunct="1">
+              <a:lnSpc>
+                <a:spcPct val="120000"/>
+              </a:lnSpc>
+              <a:spcBef>
+                <a:spcPts val="1000"/>
+              </a:spcBef>
+              <a:buSzPct val="125000"/>
+              <a:buFont typeface="Arial" panose="020B0604020202020204" pitchFamily="34" charset="0"/>
+              <a:buChar char="•"/>
+              <a:defRPr sz="2400" kern="1200">
+                <a:solidFill>
+                  <a:schemeClr val="tx1"/>
+                </a:solidFill>
+                <a:latin typeface="+mn-lt"/>
+                <a:ea typeface="+mn-ea"/>
+                <a:cs typeface="+mn-cs"/>
+              </a:defRPr>
+            </a:lvl1pPr>
+            <a:lvl2pPr marL="685800" indent="-228600" algn="l" defTabSz="914400" rtl="0" eaLnBrk="1" latinLnBrk="0" hangingPunct="1">
+              <a:lnSpc>
+                <a:spcPct val="120000"/>
+              </a:lnSpc>
+              <a:spcBef>
+                <a:spcPts val="500"/>
+              </a:spcBef>
+              <a:buSzPct val="125000"/>
+              <a:buFont typeface="Arial" panose="020B0604020202020204" pitchFamily="34" charset="0"/>
+              <a:buChar char="•"/>
+              <a:defRPr sz="2000" kern="1200">
+                <a:solidFill>
+                  <a:schemeClr val="tx1"/>
+                </a:solidFill>
+                <a:latin typeface="+mn-lt"/>
+                <a:ea typeface="+mn-ea"/>
+                <a:cs typeface="+mn-cs"/>
+              </a:defRPr>
+            </a:lvl2pPr>
+            <a:lvl3pPr marL="1143000" indent="-228600" algn="l" defTabSz="914400" rtl="0" eaLnBrk="1" latinLnBrk="0" hangingPunct="1">
+              <a:lnSpc>
+                <a:spcPct val="120000"/>
+              </a:lnSpc>
+              <a:spcBef>
+                <a:spcPts val="500"/>
+              </a:spcBef>
+              <a:buSzPct val="125000"/>
+              <a:buFont typeface="Arial" panose="020B0604020202020204" pitchFamily="34" charset="0"/>
+              <a:buChar char="•"/>
+              <a:defRPr sz="1800" kern="1200">
+                <a:solidFill>
+                  <a:schemeClr val="tx1"/>
+                </a:solidFill>
+                <a:latin typeface="+mn-lt"/>
+                <a:ea typeface="+mn-ea"/>
+                <a:cs typeface="+mn-cs"/>
+              </a:defRPr>
+            </a:lvl3pPr>
+            <a:lvl4pPr marL="1600200" indent="-228600" algn="l" defTabSz="914400" rtl="0" eaLnBrk="1" latinLnBrk="0" hangingPunct="1">
+              <a:lnSpc>
+                <a:spcPct val="120000"/>
+              </a:lnSpc>
+              <a:spcBef>
+                <a:spcPts val="500"/>
+              </a:spcBef>
+              <a:buSzPct val="125000"/>
+              <a:buFont typeface="Arial" panose="020B0604020202020204" pitchFamily="34" charset="0"/>
+              <a:buChar char="•"/>
+              <a:defRPr sz="1600" kern="1200">
+                <a:solidFill>
+                  <a:schemeClr val="tx1"/>
+                </a:solidFill>
+                <a:latin typeface="+mn-lt"/>
+                <a:ea typeface="+mn-ea"/>
+                <a:cs typeface="+mn-cs"/>
+              </a:defRPr>
+            </a:lvl4pPr>
+            <a:lvl5pPr marL="2057400" indent="-228600" algn="l" defTabSz="914400" rtl="0" eaLnBrk="1" latinLnBrk="0" hangingPunct="1">
+              <a:lnSpc>
+                <a:spcPct val="120000"/>
+              </a:lnSpc>
+              <a:spcBef>
+                <a:spcPts val="500"/>
+              </a:spcBef>
+              <a:buSzPct val="125000"/>
+              <a:buFont typeface="Arial" panose="020B0604020202020204" pitchFamily="34" charset="0"/>
+              <a:buChar char="•"/>
+              <a:defRPr sz="1600" kern="1200">
+                <a:solidFill>
+                  <a:schemeClr val="tx1"/>
+                </a:solidFill>
+                <a:latin typeface="+mn-lt"/>
+                <a:ea typeface="+mn-ea"/>
+                <a:cs typeface="+mn-cs"/>
+              </a:defRPr>
+            </a:lvl5pPr>
+            <a:lvl6pPr marL="2514600" indent="-228600" algn="l" defTabSz="914400" rtl="0" eaLnBrk="1" latinLnBrk="0" hangingPunct="1">
+              <a:lnSpc>
+                <a:spcPct val="120000"/>
+              </a:lnSpc>
+              <a:spcBef>
+                <a:spcPts val="500"/>
+              </a:spcBef>
+              <a:buSzPct val="125000"/>
+              <a:buFont typeface="Arial" panose="020B0604020202020204" pitchFamily="34" charset="0"/>
+              <a:buChar char="•"/>
+              <a:defRPr sz="1400" kern="1200">
+                <a:solidFill>
+                  <a:schemeClr val="tx1"/>
+                </a:solidFill>
+                <a:latin typeface="+mn-lt"/>
+                <a:ea typeface="+mn-ea"/>
+                <a:cs typeface="+mn-cs"/>
+              </a:defRPr>
+            </a:lvl6pPr>
+            <a:lvl7pPr marL="2971800" indent="-228600" algn="l" defTabSz="914400" rtl="0" eaLnBrk="1" latinLnBrk="0" hangingPunct="1">
+              <a:lnSpc>
+                <a:spcPct val="120000"/>
+              </a:lnSpc>
+              <a:spcBef>
+                <a:spcPts val="500"/>
+              </a:spcBef>
+              <a:buSzPct val="125000"/>
+              <a:buFont typeface="Arial" panose="020B0604020202020204" pitchFamily="34" charset="0"/>
+              <a:buChar char="•"/>
+              <a:defRPr sz="1400" kern="1200">
+                <a:solidFill>
+                  <a:schemeClr val="tx1"/>
+                </a:solidFill>
+                <a:latin typeface="+mn-lt"/>
+                <a:ea typeface="+mn-ea"/>
+                <a:cs typeface="+mn-cs"/>
+              </a:defRPr>
+            </a:lvl7pPr>
+            <a:lvl8pPr marL="3429000" indent="-228600" algn="l" defTabSz="914400" rtl="0" eaLnBrk="1" latinLnBrk="0" hangingPunct="1">
+              <a:lnSpc>
+                <a:spcPct val="120000"/>
+              </a:lnSpc>
+              <a:spcBef>
+                <a:spcPts val="500"/>
+              </a:spcBef>
+              <a:buSzPct val="125000"/>
+              <a:buFont typeface="Arial" panose="020B0604020202020204" pitchFamily="34" charset="0"/>
+              <a:buChar char="•"/>
+              <a:defRPr sz="1400" kern="1200">
+                <a:solidFill>
+                  <a:schemeClr val="tx1"/>
+                </a:solidFill>
+                <a:latin typeface="+mn-lt"/>
+                <a:ea typeface="+mn-ea"/>
+                <a:cs typeface="+mn-cs"/>
+              </a:defRPr>
+            </a:lvl8pPr>
+            <a:lvl9pPr marL="3886200" indent="-228600" algn="l" defTabSz="914400" rtl="0" eaLnBrk="1" latinLnBrk="0" hangingPunct="1">
+              <a:lnSpc>
+                <a:spcPct val="120000"/>
+              </a:lnSpc>
+              <a:spcBef>
+                <a:spcPts val="500"/>
+              </a:spcBef>
+              <a:buSzPct val="125000"/>
+              <a:buFont typeface="Arial" panose="020B0604020202020204" pitchFamily="34" charset="0"/>
+              <a:buChar char="•"/>
+              <a:defRPr sz="1400" kern="1200">
+                <a:solidFill>
+                  <a:schemeClr val="tx1"/>
+                </a:solidFill>
+                <a:latin typeface="+mn-lt"/>
+                <a:ea typeface="+mn-ea"/>
+                <a:cs typeface="+mn-cs"/>
+              </a:defRPr>
+            </a:lvl9pPr>
+          </a:lstStyle>
+          <a:p>
+            <a:pPr marL="0" indent="0" algn="ctr">
+              <a:buNone/>
+            </a:pPr>
+            <a:r>
+              <a:rPr lang="es-AR" b="1" dirty="0">
+                <a:solidFill>
+                  <a:srgbClr val="FF0000"/>
+                </a:solidFill>
+              </a:rPr>
+              <a:t>Ver en bibliografía</a:t>
+            </a:r>
+            <a:br>
+              <a:rPr lang="es-AR" b="1" dirty="0">
+                <a:solidFill>
+                  <a:srgbClr val="FF0000"/>
+                </a:solidFill>
+              </a:rPr>
+            </a:br>
+            <a:r>
+              <a:rPr lang="es-AR" b="1" dirty="0">
+                <a:solidFill>
+                  <a:srgbClr val="FF0000"/>
+                </a:solidFill>
+              </a:rPr>
+              <a:t>cs224n-2021-lecture07-nmt.pdf</a:t>
+            </a:r>
+          </a:p>
+        </p:txBody>
+      </p:sp>
       <mc:AlternateContent xmlns:mc="http://schemas.openxmlformats.org/markup-compatibility/2006" xmlns:a14="http://schemas.microsoft.com/office/drawing/2010/main">
         <mc:Choice Requires="a14">
           <p:sp>
@@ -25852,7 +26619,7 @@
 </p:sld>
 </file>
 
-<file path=ppt/slides/slide24.xml><?xml version="1.0" encoding="utf-8"?>
+<file path=ppt/slides/slide25.xml><?xml version="1.0" encoding="utf-8"?>
 <p:sld xmlns:a="http://schemas.openxmlformats.org/drawingml/2006/main" xmlns:r="http://schemas.openxmlformats.org/officeDocument/2006/relationships" xmlns:p="http://schemas.openxmlformats.org/presentationml/2006/main">
   <p:cSld>
     <p:spTree>
@@ -27173,7 +27940,7 @@
 </p:sld>
 </file>
 
-<file path=ppt/slides/slide25.xml><?xml version="1.0" encoding="utf-8"?>
+<file path=ppt/slides/slide26.xml><?xml version="1.0" encoding="utf-8"?>
 <p:sld xmlns:a="http://schemas.openxmlformats.org/drawingml/2006/main" xmlns:r="http://schemas.openxmlformats.org/officeDocument/2006/relationships" xmlns:p="http://schemas.openxmlformats.org/presentationml/2006/main">
   <p:cSld>
     <p:spTree>
@@ -29517,7 +30284,7 @@
 </p:sld>
 </file>
 
-<file path=ppt/slides/slide26.xml><?xml version="1.0" encoding="utf-8"?>
+<file path=ppt/slides/slide27.xml><?xml version="1.0" encoding="utf-8"?>
 <p:sld xmlns:a="http://schemas.openxmlformats.org/drawingml/2006/main" xmlns:r="http://schemas.openxmlformats.org/officeDocument/2006/relationships" xmlns:p="http://schemas.openxmlformats.org/presentationml/2006/main">
   <p:cSld>
     <p:spTree>
@@ -32257,6 +33024,93 @@
           </a:p>
         </p:txBody>
       </p:sp>
+      <p:sp>
+        <p:nvSpPr>
+          <p:cNvPr id="2" name="Flecha: hacia abajo 1">
+            <a:extLst>
+              <a:ext uri="{FF2B5EF4-FFF2-40B4-BE49-F238E27FC236}">
+                <a16:creationId xmlns:a16="http://schemas.microsoft.com/office/drawing/2014/main" id="{B10AB5D6-505D-CAA8-8105-8B43A4964934}"/>
+              </a:ext>
+            </a:extLst>
+          </p:cNvPr>
+          <p:cNvSpPr/>
+          <p:nvPr/>
+        </p:nvSpPr>
+        <p:spPr>
+          <a:xfrm>
+            <a:off x="11290852" y="2472229"/>
+            <a:ext cx="278296" cy="497426"/>
+          </a:xfrm>
+          <a:prstGeom prst="downArrow">
+            <a:avLst/>
+          </a:prstGeom>
+        </p:spPr>
+        <p:style>
+          <a:lnRef idx="2">
+            <a:schemeClr val="accent3">
+              <a:shade val="50000"/>
+            </a:schemeClr>
+          </a:lnRef>
+          <a:fillRef idx="1">
+            <a:schemeClr val="accent3"/>
+          </a:fillRef>
+          <a:effectRef idx="0">
+            <a:schemeClr val="accent3"/>
+          </a:effectRef>
+          <a:fontRef idx="minor">
+            <a:schemeClr val="lt1"/>
+          </a:fontRef>
+        </p:style>
+        <p:txBody>
+          <a:bodyPr rtlCol="0" anchor="ctr"/>
+          <a:lstStyle/>
+          <a:p>
+            <a:pPr algn="ctr"/>
+            <a:endParaRPr lang="es-AR"/>
+          </a:p>
+        </p:txBody>
+      </p:sp>
+      <p:sp>
+        <p:nvSpPr>
+          <p:cNvPr id="6" name="CuadroTexto 5">
+            <a:extLst>
+              <a:ext uri="{FF2B5EF4-FFF2-40B4-BE49-F238E27FC236}">
+                <a16:creationId xmlns:a16="http://schemas.microsoft.com/office/drawing/2014/main" id="{E8087C9F-A5D4-9287-2F64-0DFD527A245F}"/>
+              </a:ext>
+            </a:extLst>
+          </p:cNvPr>
+          <p:cNvSpPr txBox="1"/>
+          <p:nvPr/>
+        </p:nvSpPr>
+        <p:spPr>
+          <a:xfrm>
+            <a:off x="10894590" y="2023634"/>
+            <a:ext cx="1070819" cy="369332"/>
+          </a:xfrm>
+          <a:prstGeom prst="rect">
+            <a:avLst/>
+          </a:prstGeom>
+          <a:noFill/>
+        </p:spPr>
+        <p:txBody>
+          <a:bodyPr wrap="square">
+            <a:spAutoFit/>
+          </a:bodyPr>
+          <a:lstStyle/>
+          <a:p>
+            <a:pPr algn="ctr"/>
+            <a:r>
+              <a:rPr lang="es-AR" sz="1800" dirty="0">
+                <a:solidFill>
+                  <a:schemeClr val="bg1"/>
+                </a:solidFill>
+              </a:rPr>
+              <a:t>NUEVO!</a:t>
+            </a:r>
+            <a:endParaRPr lang="es-AR" dirty="0"/>
+          </a:p>
+        </p:txBody>
+      </p:sp>
     </p:spTree>
     <p:extLst>
       <p:ext uri="{BB962C8B-B14F-4D97-AF65-F5344CB8AC3E}">
@@ -32270,7 +33124,7 @@
 </p:sld>
 </file>
 
-<file path=ppt/slides/slide27.xml><?xml version="1.0" encoding="utf-8"?>
+<file path=ppt/slides/slide28.xml><?xml version="1.0" encoding="utf-8"?>
 <p:sld xmlns:a="http://schemas.openxmlformats.org/drawingml/2006/main" xmlns:r="http://schemas.openxmlformats.org/officeDocument/2006/relationships" xmlns:p="http://schemas.openxmlformats.org/presentationml/2006/main">
   <p:cSld>
     <p:spTree>
@@ -34447,7 +35301,7 @@
 </p:sld>
 </file>
 
-<file path=ppt/slides/slide28.xml><?xml version="1.0" encoding="utf-8"?>
+<file path=ppt/slides/slide29.xml><?xml version="1.0" encoding="utf-8"?>
 <p:sld xmlns:a="http://schemas.openxmlformats.org/drawingml/2006/main" xmlns:r="http://schemas.openxmlformats.org/officeDocument/2006/relationships" xmlns:p="http://schemas.openxmlformats.org/presentationml/2006/main">
   <p:cSld>
     <p:spTree>
@@ -35368,326 +36222,6 @@
     <p:extLst>
       <p:ext uri="{BB962C8B-B14F-4D97-AF65-F5344CB8AC3E}">
         <p14:creationId xmlns:p14="http://schemas.microsoft.com/office/powerpoint/2010/main" val="918011862"/>
-      </p:ext>
-    </p:extLst>
-  </p:cSld>
-  <p:clrMapOvr>
-    <a:masterClrMapping/>
-  </p:clrMapOvr>
-</p:sld>
-</file>
-
-<file path=ppt/slides/slide29.xml><?xml version="1.0" encoding="utf-8"?>
-<p:sld xmlns:a="http://schemas.openxmlformats.org/drawingml/2006/main" xmlns:r="http://schemas.openxmlformats.org/officeDocument/2006/relationships" xmlns:p="http://schemas.openxmlformats.org/presentationml/2006/main">
-  <p:cSld>
-    <p:spTree>
-      <p:nvGrpSpPr>
-        <p:cNvPr id="1" name=""/>
-        <p:cNvGrpSpPr/>
-        <p:nvPr/>
-      </p:nvGrpSpPr>
-      <p:grpSpPr>
-        <a:xfrm>
-          <a:off x="0" y="0"/>
-          <a:ext cx="0" cy="0"/>
-          <a:chOff x="0" y="0"/>
-          <a:chExt cx="0" cy="0"/>
-        </a:xfrm>
-      </p:grpSpPr>
-      <p:sp>
-        <p:nvSpPr>
-          <p:cNvPr id="2" name="Subtitle 1"/>
-          <p:cNvSpPr txBox="1">
-            <a:spLocks/>
-          </p:cNvSpPr>
-          <p:nvPr/>
-        </p:nvSpPr>
-        <p:spPr>
-          <a:xfrm>
-            <a:off x="296213" y="0"/>
-            <a:ext cx="11694017" cy="811369"/>
-          </a:xfrm>
-          <a:prstGeom prst="rect">
-            <a:avLst/>
-          </a:prstGeom>
-        </p:spPr>
-        <p:txBody>
-          <a:bodyPr vert="horz" lIns="91440" tIns="45720" rIns="91440" bIns="45720" rtlCol="0">
-            <a:noAutofit/>
-          </a:bodyPr>
-          <a:lstStyle>
-            <a:lvl1pPr marL="228600" indent="-228600" algn="l" defTabSz="914400" rtl="0" eaLnBrk="1" latinLnBrk="0" hangingPunct="1">
-              <a:lnSpc>
-                <a:spcPct val="120000"/>
-              </a:lnSpc>
-              <a:spcBef>
-                <a:spcPts val="1000"/>
-              </a:spcBef>
-              <a:buSzPct val="125000"/>
-              <a:buFont typeface="Arial" panose="020B0604020202020204" pitchFamily="34" charset="0"/>
-              <a:buChar char="•"/>
-              <a:defRPr sz="2400" kern="1200">
-                <a:solidFill>
-                  <a:schemeClr val="tx1"/>
-                </a:solidFill>
-                <a:latin typeface="+mn-lt"/>
-                <a:ea typeface="+mn-ea"/>
-                <a:cs typeface="+mn-cs"/>
-              </a:defRPr>
-            </a:lvl1pPr>
-            <a:lvl2pPr marL="685800" indent="-228600" algn="l" defTabSz="914400" rtl="0" eaLnBrk="1" latinLnBrk="0" hangingPunct="1">
-              <a:lnSpc>
-                <a:spcPct val="120000"/>
-              </a:lnSpc>
-              <a:spcBef>
-                <a:spcPts val="500"/>
-              </a:spcBef>
-              <a:buSzPct val="125000"/>
-              <a:buFont typeface="Arial" panose="020B0604020202020204" pitchFamily="34" charset="0"/>
-              <a:buChar char="•"/>
-              <a:defRPr sz="2000" kern="1200">
-                <a:solidFill>
-                  <a:schemeClr val="tx1"/>
-                </a:solidFill>
-                <a:latin typeface="+mn-lt"/>
-                <a:ea typeface="+mn-ea"/>
-                <a:cs typeface="+mn-cs"/>
-              </a:defRPr>
-            </a:lvl2pPr>
-            <a:lvl3pPr marL="1143000" indent="-228600" algn="l" defTabSz="914400" rtl="0" eaLnBrk="1" latinLnBrk="0" hangingPunct="1">
-              <a:lnSpc>
-                <a:spcPct val="120000"/>
-              </a:lnSpc>
-              <a:spcBef>
-                <a:spcPts val="500"/>
-              </a:spcBef>
-              <a:buSzPct val="125000"/>
-              <a:buFont typeface="Arial" panose="020B0604020202020204" pitchFamily="34" charset="0"/>
-              <a:buChar char="•"/>
-              <a:defRPr sz="1800" kern="1200">
-                <a:solidFill>
-                  <a:schemeClr val="tx1"/>
-                </a:solidFill>
-                <a:latin typeface="+mn-lt"/>
-                <a:ea typeface="+mn-ea"/>
-                <a:cs typeface="+mn-cs"/>
-              </a:defRPr>
-            </a:lvl3pPr>
-            <a:lvl4pPr marL="1600200" indent="-228600" algn="l" defTabSz="914400" rtl="0" eaLnBrk="1" latinLnBrk="0" hangingPunct="1">
-              <a:lnSpc>
-                <a:spcPct val="120000"/>
-              </a:lnSpc>
-              <a:spcBef>
-                <a:spcPts val="500"/>
-              </a:spcBef>
-              <a:buSzPct val="125000"/>
-              <a:buFont typeface="Arial" panose="020B0604020202020204" pitchFamily="34" charset="0"/>
-              <a:buChar char="•"/>
-              <a:defRPr sz="1600" kern="1200">
-                <a:solidFill>
-                  <a:schemeClr val="tx1"/>
-                </a:solidFill>
-                <a:latin typeface="+mn-lt"/>
-                <a:ea typeface="+mn-ea"/>
-                <a:cs typeface="+mn-cs"/>
-              </a:defRPr>
-            </a:lvl4pPr>
-            <a:lvl5pPr marL="2057400" indent="-228600" algn="l" defTabSz="914400" rtl="0" eaLnBrk="1" latinLnBrk="0" hangingPunct="1">
-              <a:lnSpc>
-                <a:spcPct val="120000"/>
-              </a:lnSpc>
-              <a:spcBef>
-                <a:spcPts val="500"/>
-              </a:spcBef>
-              <a:buSzPct val="125000"/>
-              <a:buFont typeface="Arial" panose="020B0604020202020204" pitchFamily="34" charset="0"/>
-              <a:buChar char="•"/>
-              <a:defRPr sz="1600" kern="1200">
-                <a:solidFill>
-                  <a:schemeClr val="tx1"/>
-                </a:solidFill>
-                <a:latin typeface="+mn-lt"/>
-                <a:ea typeface="+mn-ea"/>
-                <a:cs typeface="+mn-cs"/>
-              </a:defRPr>
-            </a:lvl5pPr>
-            <a:lvl6pPr marL="2514600" indent="-228600" algn="l" defTabSz="914400" rtl="0" eaLnBrk="1" latinLnBrk="0" hangingPunct="1">
-              <a:lnSpc>
-                <a:spcPct val="120000"/>
-              </a:lnSpc>
-              <a:spcBef>
-                <a:spcPts val="500"/>
-              </a:spcBef>
-              <a:buSzPct val="125000"/>
-              <a:buFont typeface="Arial" panose="020B0604020202020204" pitchFamily="34" charset="0"/>
-              <a:buChar char="•"/>
-              <a:defRPr sz="1400" kern="1200">
-                <a:solidFill>
-                  <a:schemeClr val="tx1"/>
-                </a:solidFill>
-                <a:latin typeface="+mn-lt"/>
-                <a:ea typeface="+mn-ea"/>
-                <a:cs typeface="+mn-cs"/>
-              </a:defRPr>
-            </a:lvl6pPr>
-            <a:lvl7pPr marL="2971800" indent="-228600" algn="l" defTabSz="914400" rtl="0" eaLnBrk="1" latinLnBrk="0" hangingPunct="1">
-              <a:lnSpc>
-                <a:spcPct val="120000"/>
-              </a:lnSpc>
-              <a:spcBef>
-                <a:spcPts val="500"/>
-              </a:spcBef>
-              <a:buSzPct val="125000"/>
-              <a:buFont typeface="Arial" panose="020B0604020202020204" pitchFamily="34" charset="0"/>
-              <a:buChar char="•"/>
-              <a:defRPr sz="1400" kern="1200">
-                <a:solidFill>
-                  <a:schemeClr val="tx1"/>
-                </a:solidFill>
-                <a:latin typeface="+mn-lt"/>
-                <a:ea typeface="+mn-ea"/>
-                <a:cs typeface="+mn-cs"/>
-              </a:defRPr>
-            </a:lvl7pPr>
-            <a:lvl8pPr marL="3429000" indent="-228600" algn="l" defTabSz="914400" rtl="0" eaLnBrk="1" latinLnBrk="0" hangingPunct="1">
-              <a:lnSpc>
-                <a:spcPct val="120000"/>
-              </a:lnSpc>
-              <a:spcBef>
-                <a:spcPts val="500"/>
-              </a:spcBef>
-              <a:buSzPct val="125000"/>
-              <a:buFont typeface="Arial" panose="020B0604020202020204" pitchFamily="34" charset="0"/>
-              <a:buChar char="•"/>
-              <a:defRPr sz="1400" kern="1200">
-                <a:solidFill>
-                  <a:schemeClr val="tx1"/>
-                </a:solidFill>
-                <a:latin typeface="+mn-lt"/>
-                <a:ea typeface="+mn-ea"/>
-                <a:cs typeface="+mn-cs"/>
-              </a:defRPr>
-            </a:lvl8pPr>
-            <a:lvl9pPr marL="3886200" indent="-228600" algn="l" defTabSz="914400" rtl="0" eaLnBrk="1" latinLnBrk="0" hangingPunct="1">
-              <a:lnSpc>
-                <a:spcPct val="120000"/>
-              </a:lnSpc>
-              <a:spcBef>
-                <a:spcPts val="500"/>
-              </a:spcBef>
-              <a:buSzPct val="125000"/>
-              <a:buFont typeface="Arial" panose="020B0604020202020204" pitchFamily="34" charset="0"/>
-              <a:buChar char="•"/>
-              <a:defRPr sz="1400" kern="1200">
-                <a:solidFill>
-                  <a:schemeClr val="tx1"/>
-                </a:solidFill>
-                <a:latin typeface="+mn-lt"/>
-                <a:ea typeface="+mn-ea"/>
-                <a:cs typeface="+mn-cs"/>
-              </a:defRPr>
-            </a:lvl9pPr>
-          </a:lstStyle>
-          <a:p>
-            <a:pPr marL="0" indent="0" algn="ctr">
-              <a:buNone/>
-            </a:pPr>
-            <a:r>
-              <a:rPr lang="es-AR" sz="3200" dirty="0" err="1">
-                <a:solidFill>
-                  <a:schemeClr val="bg1"/>
-                </a:solidFill>
-              </a:rPr>
-              <a:t>Recurrent</a:t>
-            </a:r>
-            <a:r>
-              <a:rPr lang="es-AR" sz="3200" dirty="0">
-                <a:solidFill>
-                  <a:schemeClr val="bg1"/>
-                </a:solidFill>
-              </a:rPr>
-              <a:t> Neural Network (RNN)</a:t>
-            </a:r>
-          </a:p>
-          <a:p>
-            <a:pPr marL="0" indent="0" algn="ctr">
-              <a:buNone/>
-            </a:pPr>
-            <a:r>
-              <a:rPr lang="es-AR" sz="3200" dirty="0" err="1">
-                <a:solidFill>
-                  <a:schemeClr val="bg1"/>
-                </a:solidFill>
-              </a:rPr>
-              <a:t>Attention</a:t>
-            </a:r>
-            <a:r>
-              <a:rPr lang="es-AR" sz="3200" dirty="0">
-                <a:solidFill>
-                  <a:schemeClr val="bg1"/>
-                </a:solidFill>
-              </a:rPr>
-              <a:t> se aplica a mas que NLP (o traducción)</a:t>
-            </a:r>
-          </a:p>
-        </p:txBody>
-      </p:sp>
-      <p:pic>
-        <p:nvPicPr>
-          <p:cNvPr id="3" name="Picture 2"/>
-          <p:cNvPicPr>
-            <a:picLocks noChangeAspect="1"/>
-          </p:cNvPicPr>
-          <p:nvPr/>
-        </p:nvPicPr>
-        <p:blipFill>
-          <a:blip r:embed="rId2"/>
-          <a:stretch>
-            <a:fillRect/>
-          </a:stretch>
-        </p:blipFill>
-        <p:spPr>
-          <a:xfrm>
-            <a:off x="934554" y="1332190"/>
-            <a:ext cx="10082481" cy="5137699"/>
-          </a:xfrm>
-          <a:prstGeom prst="rect">
-            <a:avLst/>
-          </a:prstGeom>
-        </p:spPr>
-      </p:pic>
-      <p:sp>
-        <p:nvSpPr>
-          <p:cNvPr id="4" name="Rectangle 3"/>
-          <p:cNvSpPr/>
-          <p:nvPr/>
-        </p:nvSpPr>
-        <p:spPr>
-          <a:xfrm>
-            <a:off x="1614149" y="6488668"/>
-            <a:ext cx="8723290" cy="369332"/>
-          </a:xfrm>
-          <a:prstGeom prst="rect">
-            <a:avLst/>
-          </a:prstGeom>
-        </p:spPr>
-        <p:txBody>
-          <a:bodyPr wrap="square">
-            <a:spAutoFit/>
-          </a:bodyPr>
-          <a:lstStyle/>
-          <a:p>
-            <a:r>
-              <a:rPr lang="es-AR" dirty="0"/>
-              <a:t>http://cs231n.stanford.edu/slides/2017/cs231n_2017_lecture10.pdf</a:t>
-            </a:r>
-          </a:p>
-        </p:txBody>
-      </p:sp>
-    </p:spTree>
-    <p:extLst>
-      <p:ext uri="{BB962C8B-B14F-4D97-AF65-F5344CB8AC3E}">
-        <p14:creationId xmlns:p14="http://schemas.microsoft.com/office/powerpoint/2010/main" val="2959708940"/>
       </p:ext>
     </p:extLst>
   </p:cSld>
@@ -37714,6 +38248,326 @@
 </file>
 
 <file path=ppt/slides/slide30.xml><?xml version="1.0" encoding="utf-8"?>
+<p:sld xmlns:a="http://schemas.openxmlformats.org/drawingml/2006/main" xmlns:r="http://schemas.openxmlformats.org/officeDocument/2006/relationships" xmlns:p="http://schemas.openxmlformats.org/presentationml/2006/main">
+  <p:cSld>
+    <p:spTree>
+      <p:nvGrpSpPr>
+        <p:cNvPr id="1" name=""/>
+        <p:cNvGrpSpPr/>
+        <p:nvPr/>
+      </p:nvGrpSpPr>
+      <p:grpSpPr>
+        <a:xfrm>
+          <a:off x="0" y="0"/>
+          <a:ext cx="0" cy="0"/>
+          <a:chOff x="0" y="0"/>
+          <a:chExt cx="0" cy="0"/>
+        </a:xfrm>
+      </p:grpSpPr>
+      <p:sp>
+        <p:nvSpPr>
+          <p:cNvPr id="2" name="Subtitle 1"/>
+          <p:cNvSpPr txBox="1">
+            <a:spLocks/>
+          </p:cNvSpPr>
+          <p:nvPr/>
+        </p:nvSpPr>
+        <p:spPr>
+          <a:xfrm>
+            <a:off x="296213" y="0"/>
+            <a:ext cx="11694017" cy="811369"/>
+          </a:xfrm>
+          <a:prstGeom prst="rect">
+            <a:avLst/>
+          </a:prstGeom>
+        </p:spPr>
+        <p:txBody>
+          <a:bodyPr vert="horz" lIns="91440" tIns="45720" rIns="91440" bIns="45720" rtlCol="0">
+            <a:noAutofit/>
+          </a:bodyPr>
+          <a:lstStyle>
+            <a:lvl1pPr marL="228600" indent="-228600" algn="l" defTabSz="914400" rtl="0" eaLnBrk="1" latinLnBrk="0" hangingPunct="1">
+              <a:lnSpc>
+                <a:spcPct val="120000"/>
+              </a:lnSpc>
+              <a:spcBef>
+                <a:spcPts val="1000"/>
+              </a:spcBef>
+              <a:buSzPct val="125000"/>
+              <a:buFont typeface="Arial" panose="020B0604020202020204" pitchFamily="34" charset="0"/>
+              <a:buChar char="•"/>
+              <a:defRPr sz="2400" kern="1200">
+                <a:solidFill>
+                  <a:schemeClr val="tx1"/>
+                </a:solidFill>
+                <a:latin typeface="+mn-lt"/>
+                <a:ea typeface="+mn-ea"/>
+                <a:cs typeface="+mn-cs"/>
+              </a:defRPr>
+            </a:lvl1pPr>
+            <a:lvl2pPr marL="685800" indent="-228600" algn="l" defTabSz="914400" rtl="0" eaLnBrk="1" latinLnBrk="0" hangingPunct="1">
+              <a:lnSpc>
+                <a:spcPct val="120000"/>
+              </a:lnSpc>
+              <a:spcBef>
+                <a:spcPts val="500"/>
+              </a:spcBef>
+              <a:buSzPct val="125000"/>
+              <a:buFont typeface="Arial" panose="020B0604020202020204" pitchFamily="34" charset="0"/>
+              <a:buChar char="•"/>
+              <a:defRPr sz="2000" kern="1200">
+                <a:solidFill>
+                  <a:schemeClr val="tx1"/>
+                </a:solidFill>
+                <a:latin typeface="+mn-lt"/>
+                <a:ea typeface="+mn-ea"/>
+                <a:cs typeface="+mn-cs"/>
+              </a:defRPr>
+            </a:lvl2pPr>
+            <a:lvl3pPr marL="1143000" indent="-228600" algn="l" defTabSz="914400" rtl="0" eaLnBrk="1" latinLnBrk="0" hangingPunct="1">
+              <a:lnSpc>
+                <a:spcPct val="120000"/>
+              </a:lnSpc>
+              <a:spcBef>
+                <a:spcPts val="500"/>
+              </a:spcBef>
+              <a:buSzPct val="125000"/>
+              <a:buFont typeface="Arial" panose="020B0604020202020204" pitchFamily="34" charset="0"/>
+              <a:buChar char="•"/>
+              <a:defRPr sz="1800" kern="1200">
+                <a:solidFill>
+                  <a:schemeClr val="tx1"/>
+                </a:solidFill>
+                <a:latin typeface="+mn-lt"/>
+                <a:ea typeface="+mn-ea"/>
+                <a:cs typeface="+mn-cs"/>
+              </a:defRPr>
+            </a:lvl3pPr>
+            <a:lvl4pPr marL="1600200" indent="-228600" algn="l" defTabSz="914400" rtl="0" eaLnBrk="1" latinLnBrk="0" hangingPunct="1">
+              <a:lnSpc>
+                <a:spcPct val="120000"/>
+              </a:lnSpc>
+              <a:spcBef>
+                <a:spcPts val="500"/>
+              </a:spcBef>
+              <a:buSzPct val="125000"/>
+              <a:buFont typeface="Arial" panose="020B0604020202020204" pitchFamily="34" charset="0"/>
+              <a:buChar char="•"/>
+              <a:defRPr sz="1600" kern="1200">
+                <a:solidFill>
+                  <a:schemeClr val="tx1"/>
+                </a:solidFill>
+                <a:latin typeface="+mn-lt"/>
+                <a:ea typeface="+mn-ea"/>
+                <a:cs typeface="+mn-cs"/>
+              </a:defRPr>
+            </a:lvl4pPr>
+            <a:lvl5pPr marL="2057400" indent="-228600" algn="l" defTabSz="914400" rtl="0" eaLnBrk="1" latinLnBrk="0" hangingPunct="1">
+              <a:lnSpc>
+                <a:spcPct val="120000"/>
+              </a:lnSpc>
+              <a:spcBef>
+                <a:spcPts val="500"/>
+              </a:spcBef>
+              <a:buSzPct val="125000"/>
+              <a:buFont typeface="Arial" panose="020B0604020202020204" pitchFamily="34" charset="0"/>
+              <a:buChar char="•"/>
+              <a:defRPr sz="1600" kern="1200">
+                <a:solidFill>
+                  <a:schemeClr val="tx1"/>
+                </a:solidFill>
+                <a:latin typeface="+mn-lt"/>
+                <a:ea typeface="+mn-ea"/>
+                <a:cs typeface="+mn-cs"/>
+              </a:defRPr>
+            </a:lvl5pPr>
+            <a:lvl6pPr marL="2514600" indent="-228600" algn="l" defTabSz="914400" rtl="0" eaLnBrk="1" latinLnBrk="0" hangingPunct="1">
+              <a:lnSpc>
+                <a:spcPct val="120000"/>
+              </a:lnSpc>
+              <a:spcBef>
+                <a:spcPts val="500"/>
+              </a:spcBef>
+              <a:buSzPct val="125000"/>
+              <a:buFont typeface="Arial" panose="020B0604020202020204" pitchFamily="34" charset="0"/>
+              <a:buChar char="•"/>
+              <a:defRPr sz="1400" kern="1200">
+                <a:solidFill>
+                  <a:schemeClr val="tx1"/>
+                </a:solidFill>
+                <a:latin typeface="+mn-lt"/>
+                <a:ea typeface="+mn-ea"/>
+                <a:cs typeface="+mn-cs"/>
+              </a:defRPr>
+            </a:lvl6pPr>
+            <a:lvl7pPr marL="2971800" indent="-228600" algn="l" defTabSz="914400" rtl="0" eaLnBrk="1" latinLnBrk="0" hangingPunct="1">
+              <a:lnSpc>
+                <a:spcPct val="120000"/>
+              </a:lnSpc>
+              <a:spcBef>
+                <a:spcPts val="500"/>
+              </a:spcBef>
+              <a:buSzPct val="125000"/>
+              <a:buFont typeface="Arial" panose="020B0604020202020204" pitchFamily="34" charset="0"/>
+              <a:buChar char="•"/>
+              <a:defRPr sz="1400" kern="1200">
+                <a:solidFill>
+                  <a:schemeClr val="tx1"/>
+                </a:solidFill>
+                <a:latin typeface="+mn-lt"/>
+                <a:ea typeface="+mn-ea"/>
+                <a:cs typeface="+mn-cs"/>
+              </a:defRPr>
+            </a:lvl7pPr>
+            <a:lvl8pPr marL="3429000" indent="-228600" algn="l" defTabSz="914400" rtl="0" eaLnBrk="1" latinLnBrk="0" hangingPunct="1">
+              <a:lnSpc>
+                <a:spcPct val="120000"/>
+              </a:lnSpc>
+              <a:spcBef>
+                <a:spcPts val="500"/>
+              </a:spcBef>
+              <a:buSzPct val="125000"/>
+              <a:buFont typeface="Arial" panose="020B0604020202020204" pitchFamily="34" charset="0"/>
+              <a:buChar char="•"/>
+              <a:defRPr sz="1400" kern="1200">
+                <a:solidFill>
+                  <a:schemeClr val="tx1"/>
+                </a:solidFill>
+                <a:latin typeface="+mn-lt"/>
+                <a:ea typeface="+mn-ea"/>
+                <a:cs typeface="+mn-cs"/>
+              </a:defRPr>
+            </a:lvl8pPr>
+            <a:lvl9pPr marL="3886200" indent="-228600" algn="l" defTabSz="914400" rtl="0" eaLnBrk="1" latinLnBrk="0" hangingPunct="1">
+              <a:lnSpc>
+                <a:spcPct val="120000"/>
+              </a:lnSpc>
+              <a:spcBef>
+                <a:spcPts val="500"/>
+              </a:spcBef>
+              <a:buSzPct val="125000"/>
+              <a:buFont typeface="Arial" panose="020B0604020202020204" pitchFamily="34" charset="0"/>
+              <a:buChar char="•"/>
+              <a:defRPr sz="1400" kern="1200">
+                <a:solidFill>
+                  <a:schemeClr val="tx1"/>
+                </a:solidFill>
+                <a:latin typeface="+mn-lt"/>
+                <a:ea typeface="+mn-ea"/>
+                <a:cs typeface="+mn-cs"/>
+              </a:defRPr>
+            </a:lvl9pPr>
+          </a:lstStyle>
+          <a:p>
+            <a:pPr marL="0" indent="0" algn="ctr">
+              <a:buNone/>
+            </a:pPr>
+            <a:r>
+              <a:rPr lang="es-AR" sz="3200" dirty="0" err="1">
+                <a:solidFill>
+                  <a:schemeClr val="bg1"/>
+                </a:solidFill>
+              </a:rPr>
+              <a:t>Recurrent</a:t>
+            </a:r>
+            <a:r>
+              <a:rPr lang="es-AR" sz="3200" dirty="0">
+                <a:solidFill>
+                  <a:schemeClr val="bg1"/>
+                </a:solidFill>
+              </a:rPr>
+              <a:t> Neural Network (RNN)</a:t>
+            </a:r>
+          </a:p>
+          <a:p>
+            <a:pPr marL="0" indent="0" algn="ctr">
+              <a:buNone/>
+            </a:pPr>
+            <a:r>
+              <a:rPr lang="es-AR" sz="3200" dirty="0" err="1">
+                <a:solidFill>
+                  <a:schemeClr val="bg1"/>
+                </a:solidFill>
+              </a:rPr>
+              <a:t>Attention</a:t>
+            </a:r>
+            <a:r>
+              <a:rPr lang="es-AR" sz="3200" dirty="0">
+                <a:solidFill>
+                  <a:schemeClr val="bg1"/>
+                </a:solidFill>
+              </a:rPr>
+              <a:t> se aplica a mas que NLP (o traducción)</a:t>
+            </a:r>
+          </a:p>
+        </p:txBody>
+      </p:sp>
+      <p:pic>
+        <p:nvPicPr>
+          <p:cNvPr id="3" name="Picture 2"/>
+          <p:cNvPicPr>
+            <a:picLocks noChangeAspect="1"/>
+          </p:cNvPicPr>
+          <p:nvPr/>
+        </p:nvPicPr>
+        <p:blipFill>
+          <a:blip r:embed="rId2"/>
+          <a:stretch>
+            <a:fillRect/>
+          </a:stretch>
+        </p:blipFill>
+        <p:spPr>
+          <a:xfrm>
+            <a:off x="934554" y="1332190"/>
+            <a:ext cx="10082481" cy="5137699"/>
+          </a:xfrm>
+          <a:prstGeom prst="rect">
+            <a:avLst/>
+          </a:prstGeom>
+        </p:spPr>
+      </p:pic>
+      <p:sp>
+        <p:nvSpPr>
+          <p:cNvPr id="4" name="Rectangle 3"/>
+          <p:cNvSpPr/>
+          <p:nvPr/>
+        </p:nvSpPr>
+        <p:spPr>
+          <a:xfrm>
+            <a:off x="1614149" y="6488668"/>
+            <a:ext cx="8723290" cy="369332"/>
+          </a:xfrm>
+          <a:prstGeom prst="rect">
+            <a:avLst/>
+          </a:prstGeom>
+        </p:spPr>
+        <p:txBody>
+          <a:bodyPr wrap="square">
+            <a:spAutoFit/>
+          </a:bodyPr>
+          <a:lstStyle/>
+          <a:p>
+            <a:r>
+              <a:rPr lang="es-AR" dirty="0"/>
+              <a:t>http://cs231n.stanford.edu/slides/2017/cs231n_2017_lecture10.pdf</a:t>
+            </a:r>
+          </a:p>
+        </p:txBody>
+      </p:sp>
+    </p:spTree>
+    <p:extLst>
+      <p:ext uri="{BB962C8B-B14F-4D97-AF65-F5344CB8AC3E}">
+        <p14:creationId xmlns:p14="http://schemas.microsoft.com/office/powerpoint/2010/main" val="2959708940"/>
+      </p:ext>
+    </p:extLst>
+  </p:cSld>
+  <p:clrMapOvr>
+    <a:masterClrMapping/>
+  </p:clrMapOvr>
+</p:sld>
+</file>
+
+<file path=ppt/slides/slide31.xml><?xml version="1.0" encoding="utf-8"?>
 <p:sld xmlns:a="http://schemas.openxmlformats.org/drawingml/2006/main" xmlns:r="http://schemas.openxmlformats.org/officeDocument/2006/relationships" xmlns:p="http://schemas.openxmlformats.org/presentationml/2006/main">
   <p:cSld>
     <p:spTree>

--- a/clase_6/teoria/RNN.E2.pptx
+++ b/clase_6/teoria/RNN.E2.pptx
@@ -31,11 +31,12 @@
     <p:sldId id="344" r:id="rId25"/>
     <p:sldId id="345" r:id="rId26"/>
     <p:sldId id="346" r:id="rId27"/>
-    <p:sldId id="347" r:id="rId28"/>
-    <p:sldId id="348" r:id="rId29"/>
-    <p:sldId id="330" r:id="rId30"/>
-    <p:sldId id="331" r:id="rId31"/>
-    <p:sldId id="295" r:id="rId32"/>
+    <p:sldId id="350" r:id="rId28"/>
+    <p:sldId id="347" r:id="rId29"/>
+    <p:sldId id="348" r:id="rId30"/>
+    <p:sldId id="330" r:id="rId31"/>
+    <p:sldId id="331" r:id="rId32"/>
+    <p:sldId id="295" r:id="rId33"/>
   </p:sldIdLst>
   <p:sldSz cx="12192000" cy="6858000"/>
   <p:notesSz cx="6858000" cy="9144000"/>
@@ -145,13 +146,410 @@
 <file path=ppt/revisionInfo.xml><?xml version="1.0" encoding="utf-8"?>
 <p1510:revInfo xmlns:a="http://schemas.openxmlformats.org/drawingml/2006/main" xmlns:r="http://schemas.openxmlformats.org/officeDocument/2006/relationships" xmlns:p1510="http://schemas.microsoft.com/office/powerpoint/2015/10/main">
   <p1510:revLst>
-    <p1510:client id="{BBC1F5B9-8030-490E-B43A-698173D0CD76}" v="1" dt="2023-06-02T15:01:58.785"/>
+    <p1510:client id="{69209DB1-11CC-4DAF-B51D-51445CD12554}" v="57" dt="2023-09-29T16:20:28.098"/>
   </p1510:revLst>
 </p1510:revInfo>
 </file>
 
 <file path=ppt/changesInfos/changesInfo1.xml><?xml version="1.0" encoding="utf-8"?>
 <pc:chgInfo xmlns:a="http://schemas.openxmlformats.org/drawingml/2006/main" xmlns:r="http://schemas.openxmlformats.org/officeDocument/2006/relationships" xmlns:ac="http://schemas.microsoft.com/office/drawing/2013/main/command" xmlns:pc="http://schemas.microsoft.com/office/powerpoint/2013/main/command">
+  <pc:docChgLst>
+    <pc:chgData name="Marcos Maillot" userId="fa14b39d-e966-4ebb-a436-4f96f84b9577" providerId="ADAL" clId="{69209DB1-11CC-4DAF-B51D-51445CD12554}"/>
+    <pc:docChg chg="undo custSel addSld modSld">
+      <pc:chgData name="Marcos Maillot" userId="fa14b39d-e966-4ebb-a436-4f96f84b9577" providerId="ADAL" clId="{69209DB1-11CC-4DAF-B51D-51445CD12554}" dt="2023-09-30T01:15:02.616" v="157" actId="1076"/>
+      <pc:docMkLst>
+        <pc:docMk/>
+      </pc:docMkLst>
+      <pc:sldChg chg="addSp modSp mod">
+        <pc:chgData name="Marcos Maillot" userId="fa14b39d-e966-4ebb-a436-4f96f84b9577" providerId="ADAL" clId="{69209DB1-11CC-4DAF-B51D-51445CD12554}" dt="2023-09-29T22:47:48.959" v="152" actId="732"/>
+        <pc:sldMkLst>
+          <pc:docMk/>
+          <pc:sldMk cId="2034413485" sldId="298"/>
+        </pc:sldMkLst>
+        <pc:spChg chg="mod">
+          <ac:chgData name="Marcos Maillot" userId="fa14b39d-e966-4ebb-a436-4f96f84b9577" providerId="ADAL" clId="{69209DB1-11CC-4DAF-B51D-51445CD12554}" dt="2023-09-29T14:00:09.785" v="0" actId="14100"/>
+          <ac:spMkLst>
+            <pc:docMk/>
+            <pc:sldMk cId="2034413485" sldId="298"/>
+            <ac:spMk id="2" creationId="{00000000-0000-0000-0000-000000000000}"/>
+          </ac:spMkLst>
+        </pc:spChg>
+        <pc:spChg chg="add mod">
+          <ac:chgData name="Marcos Maillot" userId="fa14b39d-e966-4ebb-a436-4f96f84b9577" providerId="ADAL" clId="{69209DB1-11CC-4DAF-B51D-51445CD12554}" dt="2023-09-29T14:00:47.647" v="8" actId="14100"/>
+          <ac:spMkLst>
+            <pc:docMk/>
+            <pc:sldMk cId="2034413485" sldId="298"/>
+            <ac:spMk id="3" creationId="{7C6128E6-BB50-820F-C3D5-7522CC6C2FF2}"/>
+          </ac:spMkLst>
+        </pc:spChg>
+        <pc:picChg chg="mod modCrop">
+          <ac:chgData name="Marcos Maillot" userId="fa14b39d-e966-4ebb-a436-4f96f84b9577" providerId="ADAL" clId="{69209DB1-11CC-4DAF-B51D-51445CD12554}" dt="2023-09-29T22:47:44.311" v="151" actId="732"/>
+          <ac:picMkLst>
+            <pc:docMk/>
+            <pc:sldMk cId="2034413485" sldId="298"/>
+            <ac:picMk id="6" creationId="{00000000-0000-0000-0000-000000000000}"/>
+          </ac:picMkLst>
+        </pc:picChg>
+        <pc:picChg chg="mod modCrop">
+          <ac:chgData name="Marcos Maillot" userId="fa14b39d-e966-4ebb-a436-4f96f84b9577" providerId="ADAL" clId="{69209DB1-11CC-4DAF-B51D-51445CD12554}" dt="2023-09-29T22:47:48.959" v="152" actId="732"/>
+          <ac:picMkLst>
+            <pc:docMk/>
+            <pc:sldMk cId="2034413485" sldId="298"/>
+            <ac:picMk id="7" creationId="{00000000-0000-0000-0000-000000000000}"/>
+          </ac:picMkLst>
+        </pc:picChg>
+      </pc:sldChg>
+      <pc:sldChg chg="modSp mod">
+        <pc:chgData name="Marcos Maillot" userId="fa14b39d-e966-4ebb-a436-4f96f84b9577" providerId="ADAL" clId="{69209DB1-11CC-4DAF-B51D-51445CD12554}" dt="2023-09-29T16:14:27.734" v="134" actId="5793"/>
+        <pc:sldMkLst>
+          <pc:docMk/>
+          <pc:sldMk cId="214906062" sldId="313"/>
+        </pc:sldMkLst>
+        <pc:spChg chg="mod">
+          <ac:chgData name="Marcos Maillot" userId="fa14b39d-e966-4ebb-a436-4f96f84b9577" providerId="ADAL" clId="{69209DB1-11CC-4DAF-B51D-51445CD12554}" dt="2023-09-29T16:14:27.734" v="134" actId="5793"/>
+          <ac:spMkLst>
+            <pc:docMk/>
+            <pc:sldMk cId="214906062" sldId="313"/>
+            <ac:spMk id="2" creationId="{00000000-0000-0000-0000-000000000000}"/>
+          </ac:spMkLst>
+        </pc:spChg>
+      </pc:sldChg>
+      <pc:sldChg chg="addSp delSp modSp mod">
+        <pc:chgData name="Marcos Maillot" userId="fa14b39d-e966-4ebb-a436-4f96f84b9577" providerId="ADAL" clId="{69209DB1-11CC-4DAF-B51D-51445CD12554}" dt="2023-09-29T16:20:28.098" v="150"/>
+        <pc:sldMkLst>
+          <pc:docMk/>
+          <pc:sldMk cId="918011862" sldId="330"/>
+        </pc:sldMkLst>
+        <pc:spChg chg="add mod">
+          <ac:chgData name="Marcos Maillot" userId="fa14b39d-e966-4ebb-a436-4f96f84b9577" providerId="ADAL" clId="{69209DB1-11CC-4DAF-B51D-51445CD12554}" dt="2023-09-29T16:20:28.098" v="150"/>
+          <ac:spMkLst>
+            <pc:docMk/>
+            <pc:sldMk cId="918011862" sldId="330"/>
+            <ac:spMk id="2" creationId="{625A77AF-8C69-B4D3-D2C5-846641C4F43A}"/>
+          </ac:spMkLst>
+        </pc:spChg>
+        <pc:spChg chg="mod">
+          <ac:chgData name="Marcos Maillot" userId="fa14b39d-e966-4ebb-a436-4f96f84b9577" providerId="ADAL" clId="{69209DB1-11CC-4DAF-B51D-51445CD12554}" dt="2023-09-29T16:13:40.162" v="125" actId="33524"/>
+          <ac:spMkLst>
+            <pc:docMk/>
+            <pc:sldMk cId="918011862" sldId="330"/>
+            <ac:spMk id="3" creationId="{00000000-0000-0000-0000-000000000000}"/>
+          </ac:spMkLst>
+        </pc:spChg>
+        <pc:spChg chg="del">
+          <ac:chgData name="Marcos Maillot" userId="fa14b39d-e966-4ebb-a436-4f96f84b9577" providerId="ADAL" clId="{69209DB1-11CC-4DAF-B51D-51445CD12554}" dt="2023-09-29T16:20:27.789" v="149" actId="478"/>
+          <ac:spMkLst>
+            <pc:docMk/>
+            <pc:sldMk cId="918011862" sldId="330"/>
+            <ac:spMk id="5" creationId="{677C0339-2F23-7658-EB34-436E41D83BAC}"/>
+          </ac:spMkLst>
+        </pc:spChg>
+        <pc:spChg chg="mod">
+          <ac:chgData name="Marcos Maillot" userId="fa14b39d-e966-4ebb-a436-4f96f84b9577" providerId="ADAL" clId="{69209DB1-11CC-4DAF-B51D-51445CD12554}" dt="2023-09-29T16:13:23.717" v="124" actId="20577"/>
+          <ac:spMkLst>
+            <pc:docMk/>
+            <pc:sldMk cId="918011862" sldId="330"/>
+            <ac:spMk id="9" creationId="{429F1ABB-894F-F391-25F6-302C4E1F3812}"/>
+          </ac:spMkLst>
+        </pc:spChg>
+      </pc:sldChg>
+      <pc:sldChg chg="modSp mod">
+        <pc:chgData name="Marcos Maillot" userId="fa14b39d-e966-4ebb-a436-4f96f84b9577" providerId="ADAL" clId="{69209DB1-11CC-4DAF-B51D-51445CD12554}" dt="2023-09-30T01:15:02.616" v="157" actId="1076"/>
+        <pc:sldMkLst>
+          <pc:docMk/>
+          <pc:sldMk cId="3351127212" sldId="332"/>
+        </pc:sldMkLst>
+        <pc:picChg chg="mod">
+          <ac:chgData name="Marcos Maillot" userId="fa14b39d-e966-4ebb-a436-4f96f84b9577" providerId="ADAL" clId="{69209DB1-11CC-4DAF-B51D-51445CD12554}" dt="2023-09-30T01:15:02.616" v="157" actId="1076"/>
+          <ac:picMkLst>
+            <pc:docMk/>
+            <pc:sldMk cId="3351127212" sldId="332"/>
+            <ac:picMk id="22" creationId="{00000000-0000-0000-0000-000000000000}"/>
+          </ac:picMkLst>
+        </pc:picChg>
+      </pc:sldChg>
+      <pc:sldChg chg="addSp delSp modSp mod">
+        <pc:chgData name="Marcos Maillot" userId="fa14b39d-e966-4ebb-a436-4f96f84b9577" providerId="ADAL" clId="{69209DB1-11CC-4DAF-B51D-51445CD12554}" dt="2023-09-29T16:20:00.803" v="138"/>
+        <pc:sldMkLst>
+          <pc:docMk/>
+          <pc:sldMk cId="3003823636" sldId="344"/>
+        </pc:sldMkLst>
+        <pc:spChg chg="del">
+          <ac:chgData name="Marcos Maillot" userId="fa14b39d-e966-4ebb-a436-4f96f84b9577" providerId="ADAL" clId="{69209DB1-11CC-4DAF-B51D-51445CD12554}" dt="2023-09-29T16:20:00.112" v="137" actId="478"/>
+          <ac:spMkLst>
+            <pc:docMk/>
+            <pc:sldMk cId="3003823636" sldId="344"/>
+            <ac:spMk id="2" creationId="{00000000-0000-0000-0000-000000000000}"/>
+          </ac:spMkLst>
+        </pc:spChg>
+        <pc:spChg chg="add mod">
+          <ac:chgData name="Marcos Maillot" userId="fa14b39d-e966-4ebb-a436-4f96f84b9577" providerId="ADAL" clId="{69209DB1-11CC-4DAF-B51D-51445CD12554}" dt="2023-09-29T16:20:00.803" v="138"/>
+          <ac:spMkLst>
+            <pc:docMk/>
+            <pc:sldMk cId="3003823636" sldId="344"/>
+            <ac:spMk id="4" creationId="{E264684F-772B-4923-D72B-AD7945B3CB7E}"/>
+          </ac:spMkLst>
+        </pc:spChg>
+      </pc:sldChg>
+      <pc:sldChg chg="addSp delSp modSp mod">
+        <pc:chgData name="Marcos Maillot" userId="fa14b39d-e966-4ebb-a436-4f96f84b9577" providerId="ADAL" clId="{69209DB1-11CC-4DAF-B51D-51445CD12554}" dt="2023-09-29T16:20:05.279" v="140"/>
+        <pc:sldMkLst>
+          <pc:docMk/>
+          <pc:sldMk cId="1344143258" sldId="345"/>
+        </pc:sldMkLst>
+        <pc:spChg chg="del">
+          <ac:chgData name="Marcos Maillot" userId="fa14b39d-e966-4ebb-a436-4f96f84b9577" providerId="ADAL" clId="{69209DB1-11CC-4DAF-B51D-51445CD12554}" dt="2023-09-29T16:20:04.879" v="139" actId="478"/>
+          <ac:spMkLst>
+            <pc:docMk/>
+            <pc:sldMk cId="1344143258" sldId="345"/>
+            <ac:spMk id="2" creationId="{00000000-0000-0000-0000-000000000000}"/>
+          </ac:spMkLst>
+        </pc:spChg>
+        <pc:spChg chg="add mod">
+          <ac:chgData name="Marcos Maillot" userId="fa14b39d-e966-4ebb-a436-4f96f84b9577" providerId="ADAL" clId="{69209DB1-11CC-4DAF-B51D-51445CD12554}" dt="2023-09-29T16:20:05.279" v="140"/>
+          <ac:spMkLst>
+            <pc:docMk/>
+            <pc:sldMk cId="1344143258" sldId="345"/>
+            <ac:spMk id="6" creationId="{0420C7BB-2909-3E7E-5922-1F9F98C6100D}"/>
+          </ac:spMkLst>
+        </pc:spChg>
+      </pc:sldChg>
+      <pc:sldChg chg="addSp delSp modSp mod">
+        <pc:chgData name="Marcos Maillot" userId="fa14b39d-e966-4ebb-a436-4f96f84b9577" providerId="ADAL" clId="{69209DB1-11CC-4DAF-B51D-51445CD12554}" dt="2023-09-29T16:20:09.880" v="142"/>
+        <pc:sldMkLst>
+          <pc:docMk/>
+          <pc:sldMk cId="2508330662" sldId="346"/>
+        </pc:sldMkLst>
+        <pc:spChg chg="add mod">
+          <ac:chgData name="Marcos Maillot" userId="fa14b39d-e966-4ebb-a436-4f96f84b9577" providerId="ADAL" clId="{69209DB1-11CC-4DAF-B51D-51445CD12554}" dt="2023-09-29T16:20:09.880" v="142"/>
+          <ac:spMkLst>
+            <pc:docMk/>
+            <pc:sldMk cId="2508330662" sldId="346"/>
+            <ac:spMk id="8" creationId="{CBD8BF0A-7E29-C097-5FD0-0872C9CD57A5}"/>
+          </ac:spMkLst>
+        </pc:spChg>
+        <pc:spChg chg="del">
+          <ac:chgData name="Marcos Maillot" userId="fa14b39d-e966-4ebb-a436-4f96f84b9577" providerId="ADAL" clId="{69209DB1-11CC-4DAF-B51D-51445CD12554}" dt="2023-09-29T16:20:09.354" v="141" actId="478"/>
+          <ac:spMkLst>
+            <pc:docMk/>
+            <pc:sldMk cId="2508330662" sldId="346"/>
+            <ac:spMk id="19" creationId="{A997E17A-9E31-D00C-AB62-FC42645C8196}"/>
+          </ac:spMkLst>
+        </pc:spChg>
+      </pc:sldChg>
+      <pc:sldChg chg="addSp delSp modSp mod">
+        <pc:chgData name="Marcos Maillot" userId="fa14b39d-e966-4ebb-a436-4f96f84b9577" providerId="ADAL" clId="{69209DB1-11CC-4DAF-B51D-51445CD12554}" dt="2023-09-29T16:20:19.646" v="146"/>
+        <pc:sldMkLst>
+          <pc:docMk/>
+          <pc:sldMk cId="3456761567" sldId="347"/>
+        </pc:sldMkLst>
+        <pc:spChg chg="add mod">
+          <ac:chgData name="Marcos Maillot" userId="fa14b39d-e966-4ebb-a436-4f96f84b9577" providerId="ADAL" clId="{69209DB1-11CC-4DAF-B51D-51445CD12554}" dt="2023-09-29T14:10:56.723" v="21" actId="692"/>
+          <ac:spMkLst>
+            <pc:docMk/>
+            <pc:sldMk cId="3456761567" sldId="347"/>
+            <ac:spMk id="4" creationId="{C4CAED55-F5E9-8991-A566-090343556052}"/>
+          </ac:spMkLst>
+        </pc:spChg>
+        <pc:spChg chg="add mod">
+          <ac:chgData name="Marcos Maillot" userId="fa14b39d-e966-4ebb-a436-4f96f84b9577" providerId="ADAL" clId="{69209DB1-11CC-4DAF-B51D-51445CD12554}" dt="2023-09-29T14:11:31.105" v="74" actId="1076"/>
+          <ac:spMkLst>
+            <pc:docMk/>
+            <pc:sldMk cId="3456761567" sldId="347"/>
+            <ac:spMk id="7" creationId="{C652E631-E0F3-920D-A54B-01EB36438778}"/>
+          </ac:spMkLst>
+        </pc:spChg>
+        <pc:spChg chg="add mod">
+          <ac:chgData name="Marcos Maillot" userId="fa14b39d-e966-4ebb-a436-4f96f84b9577" providerId="ADAL" clId="{69209DB1-11CC-4DAF-B51D-51445CD12554}" dt="2023-09-29T16:20:19.646" v="146"/>
+          <ac:spMkLst>
+            <pc:docMk/>
+            <pc:sldMk cId="3456761567" sldId="347"/>
+            <ac:spMk id="8" creationId="{CE885D82-A64A-746D-1A2B-74F17A76D6FC}"/>
+          </ac:spMkLst>
+        </pc:spChg>
+        <pc:spChg chg="del">
+          <ac:chgData name="Marcos Maillot" userId="fa14b39d-e966-4ebb-a436-4f96f84b9577" providerId="ADAL" clId="{69209DB1-11CC-4DAF-B51D-51445CD12554}" dt="2023-09-29T16:20:19.294" v="145" actId="478"/>
+          <ac:spMkLst>
+            <pc:docMk/>
+            <pc:sldMk cId="3456761567" sldId="347"/>
+            <ac:spMk id="20" creationId="{20C369E0-A626-18D8-7B98-F0B5CD0DEA4C}"/>
+          </ac:spMkLst>
+        </pc:spChg>
+      </pc:sldChg>
+      <pc:sldChg chg="addSp delSp modSp mod">
+        <pc:chgData name="Marcos Maillot" userId="fa14b39d-e966-4ebb-a436-4f96f84b9577" providerId="ADAL" clId="{69209DB1-11CC-4DAF-B51D-51445CD12554}" dt="2023-09-29T16:20:23.945" v="148"/>
+        <pc:sldMkLst>
+          <pc:docMk/>
+          <pc:sldMk cId="500749361" sldId="348"/>
+        </pc:sldMkLst>
+        <pc:spChg chg="add del mod">
+          <ac:chgData name="Marcos Maillot" userId="fa14b39d-e966-4ebb-a436-4f96f84b9577" providerId="ADAL" clId="{69209DB1-11CC-4DAF-B51D-51445CD12554}" dt="2023-09-29T16:14:03.420" v="127" actId="478"/>
+          <ac:spMkLst>
+            <pc:docMk/>
+            <pc:sldMk cId="500749361" sldId="348"/>
+            <ac:spMk id="2" creationId="{3235EE0D-5C2F-1AB3-D64B-AA21E9B41FC8}"/>
+          </ac:spMkLst>
+        </pc:spChg>
+        <pc:spChg chg="add mod">
+          <ac:chgData name="Marcos Maillot" userId="fa14b39d-e966-4ebb-a436-4f96f84b9577" providerId="ADAL" clId="{69209DB1-11CC-4DAF-B51D-51445CD12554}" dt="2023-09-29T16:20:23.945" v="148"/>
+          <ac:spMkLst>
+            <pc:docMk/>
+            <pc:sldMk cId="500749361" sldId="348"/>
+            <ac:spMk id="4" creationId="{269D6440-62C3-9671-CE11-913B40A1AC91}"/>
+          </ac:spMkLst>
+        </pc:spChg>
+        <pc:spChg chg="del">
+          <ac:chgData name="Marcos Maillot" userId="fa14b39d-e966-4ebb-a436-4f96f84b9577" providerId="ADAL" clId="{69209DB1-11CC-4DAF-B51D-51445CD12554}" dt="2023-09-29T16:20:23.581" v="147" actId="478"/>
+          <ac:spMkLst>
+            <pc:docMk/>
+            <pc:sldMk cId="500749361" sldId="348"/>
+            <ac:spMk id="17" creationId="{274FD1B5-D8E7-49B0-7355-9B817A070EC7}"/>
+          </ac:spMkLst>
+        </pc:spChg>
+      </pc:sldChg>
+      <pc:sldChg chg="addSp delSp modSp mod">
+        <pc:chgData name="Marcos Maillot" userId="fa14b39d-e966-4ebb-a436-4f96f84b9577" providerId="ADAL" clId="{69209DB1-11CC-4DAF-B51D-51445CD12554}" dt="2023-09-29T16:19:56.295" v="136"/>
+        <pc:sldMkLst>
+          <pc:docMk/>
+          <pc:sldMk cId="2525390603" sldId="349"/>
+        </pc:sldMkLst>
+        <pc:spChg chg="del">
+          <ac:chgData name="Marcos Maillot" userId="fa14b39d-e966-4ebb-a436-4f96f84b9577" providerId="ADAL" clId="{69209DB1-11CC-4DAF-B51D-51445CD12554}" dt="2023-09-29T16:19:55.583" v="135" actId="478"/>
+          <ac:spMkLst>
+            <pc:docMk/>
+            <pc:sldMk cId="2525390603" sldId="349"/>
+            <ac:spMk id="2" creationId="{00000000-0000-0000-0000-000000000000}"/>
+          </ac:spMkLst>
+        </pc:spChg>
+        <pc:spChg chg="add mod">
+          <ac:chgData name="Marcos Maillot" userId="fa14b39d-e966-4ebb-a436-4f96f84b9577" providerId="ADAL" clId="{69209DB1-11CC-4DAF-B51D-51445CD12554}" dt="2023-09-29T16:19:56.295" v="136"/>
+          <ac:spMkLst>
+            <pc:docMk/>
+            <pc:sldMk cId="2525390603" sldId="349"/>
+            <ac:spMk id="3" creationId="{7962851B-BBB8-B23B-E217-615EDFC472FC}"/>
+          </ac:spMkLst>
+        </pc:spChg>
+      </pc:sldChg>
+      <pc:sldChg chg="addSp delSp modSp add mod">
+        <pc:chgData name="Marcos Maillot" userId="fa14b39d-e966-4ebb-a436-4f96f84b9577" providerId="ADAL" clId="{69209DB1-11CC-4DAF-B51D-51445CD12554}" dt="2023-09-29T16:20:14.437" v="144"/>
+        <pc:sldMkLst>
+          <pc:docMk/>
+          <pc:sldMk cId="3630984815" sldId="350"/>
+        </pc:sldMkLst>
+        <pc:spChg chg="mod">
+          <ac:chgData name="Marcos Maillot" userId="fa14b39d-e966-4ebb-a436-4f96f84b9577" providerId="ADAL" clId="{69209DB1-11CC-4DAF-B51D-51445CD12554}" dt="2023-09-29T16:09:55.096" v="81" actId="1076"/>
+          <ac:spMkLst>
+            <pc:docMk/>
+            <pc:sldMk cId="3630984815" sldId="350"/>
+            <ac:spMk id="2" creationId="{FD353B88-C62B-8442-CCDF-49FE9866F2F8}"/>
+          </ac:spMkLst>
+        </pc:spChg>
+        <pc:spChg chg="add mod">
+          <ac:chgData name="Marcos Maillot" userId="fa14b39d-e966-4ebb-a436-4f96f84b9577" providerId="ADAL" clId="{69209DB1-11CC-4DAF-B51D-51445CD12554}" dt="2023-09-29T16:11:46.943" v="95" actId="1076"/>
+          <ac:spMkLst>
+            <pc:docMk/>
+            <pc:sldMk cId="3630984815" sldId="350"/>
+            <ac:spMk id="8" creationId="{0FA51EC4-F1D4-B690-792E-AE09701E01C6}"/>
+          </ac:spMkLst>
+        </pc:spChg>
+        <pc:spChg chg="add mod">
+          <ac:chgData name="Marcos Maillot" userId="fa14b39d-e966-4ebb-a436-4f96f84b9577" providerId="ADAL" clId="{69209DB1-11CC-4DAF-B51D-51445CD12554}" dt="2023-09-29T16:12:05.356" v="106" actId="20577"/>
+          <ac:spMkLst>
+            <pc:docMk/>
+            <pc:sldMk cId="3630984815" sldId="350"/>
+            <ac:spMk id="13" creationId="{FE62D5F3-955A-8FF5-6355-8E61F5C3CF96}"/>
+          </ac:spMkLst>
+        </pc:spChg>
+        <pc:spChg chg="add mod">
+          <ac:chgData name="Marcos Maillot" userId="fa14b39d-e966-4ebb-a436-4f96f84b9577" providerId="ADAL" clId="{69209DB1-11CC-4DAF-B51D-51445CD12554}" dt="2023-09-29T16:14:15.664" v="128"/>
+          <ac:spMkLst>
+            <pc:docMk/>
+            <pc:sldMk cId="3630984815" sldId="350"/>
+            <ac:spMk id="14" creationId="{97150158-2829-B12A-AC77-B5F365EEEC79}"/>
+          </ac:spMkLst>
+        </pc:spChg>
+        <pc:spChg chg="add mod">
+          <ac:chgData name="Marcos Maillot" userId="fa14b39d-e966-4ebb-a436-4f96f84b9577" providerId="ADAL" clId="{69209DB1-11CC-4DAF-B51D-51445CD12554}" dt="2023-09-29T16:20:14.437" v="144"/>
+          <ac:spMkLst>
+            <pc:docMk/>
+            <pc:sldMk cId="3630984815" sldId="350"/>
+            <ac:spMk id="16" creationId="{84669DF7-1DC8-34FB-4A0B-BEC09623B657}"/>
+          </ac:spMkLst>
+        </pc:spChg>
+        <pc:spChg chg="del">
+          <ac:chgData name="Marcos Maillot" userId="fa14b39d-e966-4ebb-a436-4f96f84b9577" providerId="ADAL" clId="{69209DB1-11CC-4DAF-B51D-51445CD12554}" dt="2023-09-29T16:20:13.977" v="143" actId="478"/>
+          <ac:spMkLst>
+            <pc:docMk/>
+            <pc:sldMk cId="3630984815" sldId="350"/>
+            <ac:spMk id="19" creationId="{A997E17A-9E31-D00C-AB62-FC42645C8196}"/>
+          </ac:spMkLst>
+        </pc:spChg>
+      </pc:sldChg>
+    </pc:docChg>
+  </pc:docChgLst>
+  <pc:docChgLst>
+    <pc:chgData name="Marcos Maillot" userId="fa14b39d-e966-4ebb-a436-4f96f84b9577" providerId="ADAL" clId="{BBC1F5B9-8030-490E-B43A-698173D0CD76}"/>
+    <pc:docChg chg="custSel addSld modSld">
+      <pc:chgData name="Marcos Maillot" userId="fa14b39d-e966-4ebb-a436-4f96f84b9577" providerId="ADAL" clId="{BBC1F5B9-8030-490E-B43A-698173D0CD76}" dt="2023-06-02T15:04:16.675" v="22" actId="1076"/>
+      <pc:docMkLst>
+        <pc:docMk/>
+      </pc:docMkLst>
+      <pc:sldChg chg="addSp modSp mod">
+        <pc:chgData name="Marcos Maillot" userId="fa14b39d-e966-4ebb-a436-4f96f84b9577" providerId="ADAL" clId="{BBC1F5B9-8030-490E-B43A-698173D0CD76}" dt="2023-06-02T15:04:16.675" v="22" actId="1076"/>
+        <pc:sldMkLst>
+          <pc:docMk/>
+          <pc:sldMk cId="3456761567" sldId="347"/>
+        </pc:sldMkLst>
+        <pc:spChg chg="add mod">
+          <ac:chgData name="Marcos Maillot" userId="fa14b39d-e966-4ebb-a436-4f96f84b9577" providerId="ADAL" clId="{BBC1F5B9-8030-490E-B43A-698173D0CD76}" dt="2023-06-02T15:03:55.095" v="9" actId="1076"/>
+          <ac:spMkLst>
+            <pc:docMk/>
+            <pc:sldMk cId="3456761567" sldId="347"/>
+            <ac:spMk id="2" creationId="{B10AB5D6-505D-CAA8-8105-8B43A4964934}"/>
+          </ac:spMkLst>
+        </pc:spChg>
+        <pc:spChg chg="add mod">
+          <ac:chgData name="Marcos Maillot" userId="fa14b39d-e966-4ebb-a436-4f96f84b9577" providerId="ADAL" clId="{BBC1F5B9-8030-490E-B43A-698173D0CD76}" dt="2023-06-02T15:04:16.675" v="22" actId="1076"/>
+          <ac:spMkLst>
+            <pc:docMk/>
+            <pc:sldMk cId="3456761567" sldId="347"/>
+            <ac:spMk id="6" creationId="{E8087C9F-A5D4-9287-2F64-0DFD527A245F}"/>
+          </ac:spMkLst>
+        </pc:spChg>
+      </pc:sldChg>
+      <pc:sldChg chg="addSp delSp modSp add mod">
+        <pc:chgData name="Marcos Maillot" userId="fa14b39d-e966-4ebb-a436-4f96f84b9577" providerId="ADAL" clId="{BBC1F5B9-8030-490E-B43A-698173D0CD76}" dt="2023-06-02T15:02:31.695" v="6" actId="14100"/>
+        <pc:sldMkLst>
+          <pc:docMk/>
+          <pc:sldMk cId="2525390603" sldId="349"/>
+        </pc:sldMkLst>
+        <pc:spChg chg="del">
+          <ac:chgData name="Marcos Maillot" userId="fa14b39d-e966-4ebb-a436-4f96f84b9577" providerId="ADAL" clId="{BBC1F5B9-8030-490E-B43A-698173D0CD76}" dt="2023-06-02T15:02:05.145" v="1" actId="478"/>
+          <ac:spMkLst>
+            <pc:docMk/>
+            <pc:sldMk cId="2525390603" sldId="349"/>
+            <ac:spMk id="3" creationId="{EAEDAC00-BDB9-3D0E-313F-A0F6EE49ECEB}"/>
+          </ac:spMkLst>
+        </pc:spChg>
+        <pc:spChg chg="add mod">
+          <ac:chgData name="Marcos Maillot" userId="fa14b39d-e966-4ebb-a436-4f96f84b9577" providerId="ADAL" clId="{BBC1F5B9-8030-490E-B43A-698173D0CD76}" dt="2023-06-02T15:02:31.695" v="6" actId="14100"/>
+          <ac:spMkLst>
+            <pc:docMk/>
+            <pc:sldMk cId="2525390603" sldId="349"/>
+            <ac:spMk id="4" creationId="{7A9074C5-81DC-19FC-02E4-7E6BDFC542ED}"/>
+          </ac:spMkLst>
+        </pc:spChg>
+        <pc:spChg chg="del">
+          <ac:chgData name="Marcos Maillot" userId="fa14b39d-e966-4ebb-a436-4f96f84b9577" providerId="ADAL" clId="{BBC1F5B9-8030-490E-B43A-698173D0CD76}" dt="2023-06-02T15:02:07.919" v="2" actId="478"/>
+          <ac:spMkLst>
+            <pc:docMk/>
+            <pc:sldMk cId="2525390603" sldId="349"/>
+            <ac:spMk id="8" creationId="{42273EB3-AA8C-9E6E-7291-FB420C0C5EAE}"/>
+          </ac:spMkLst>
+        </pc:spChg>
+      </pc:sldChg>
+    </pc:docChg>
+  </pc:docChgLst>
   <pc:docChgLst>
     <pc:chgData name="Marcos Maillot" userId="fa14b39d-e966-4ebb-a436-4f96f84b9577" providerId="ADAL" clId="{8F841005-53CF-403B-89FE-BA2342944AB1}"/>
     <pc:docChg chg="undo custSel modSld">
@@ -242,224 +640,6 @@
             <pc:docMk/>
             <pc:sldMk cId="3543610326" sldId="341"/>
             <ac:spMk id="17" creationId="{00000000-0000-0000-0000-000000000000}"/>
-          </ac:spMkLst>
-        </pc:spChg>
-      </pc:sldChg>
-    </pc:docChg>
-  </pc:docChgLst>
-  <pc:docChgLst>
-    <pc:chgData name="Marcos Maillot" userId="fa14b39d-e966-4ebb-a436-4f96f84b9577" providerId="ADAL" clId="{B3688C2D-93B6-447B-A24E-1B4300CC839E}"/>
-    <pc:docChg chg="custSel modSld">
-      <pc:chgData name="Marcos Maillot" userId="fa14b39d-e966-4ebb-a436-4f96f84b9577" providerId="ADAL" clId="{B3688C2D-93B6-447B-A24E-1B4300CC839E}" dt="2023-04-12T00:46:02.148" v="98" actId="6549"/>
-      <pc:docMkLst>
-        <pc:docMk/>
-      </pc:docMkLst>
-      <pc:sldChg chg="modSp mod">
-        <pc:chgData name="Marcos Maillot" userId="fa14b39d-e966-4ebb-a436-4f96f84b9577" providerId="ADAL" clId="{B3688C2D-93B6-447B-A24E-1B4300CC839E}" dt="2023-04-11T18:17:32.365" v="19" actId="20577"/>
-        <pc:sldMkLst>
-          <pc:docMk/>
-          <pc:sldMk cId="787285808" sldId="256"/>
-        </pc:sldMkLst>
-        <pc:spChg chg="mod">
-          <ac:chgData name="Marcos Maillot" userId="fa14b39d-e966-4ebb-a436-4f96f84b9577" providerId="ADAL" clId="{B3688C2D-93B6-447B-A24E-1B4300CC839E}" dt="2023-04-11T18:17:25.397" v="15" actId="20577"/>
-          <ac:spMkLst>
-            <pc:docMk/>
-            <pc:sldMk cId="787285808" sldId="256"/>
-            <ac:spMk id="6" creationId="{00000000-0000-0000-0000-000000000000}"/>
-          </ac:spMkLst>
-        </pc:spChg>
-        <pc:spChg chg="mod">
-          <ac:chgData name="Marcos Maillot" userId="fa14b39d-e966-4ebb-a436-4f96f84b9577" providerId="ADAL" clId="{B3688C2D-93B6-447B-A24E-1B4300CC839E}" dt="2023-04-11T18:17:32.365" v="19" actId="20577"/>
-          <ac:spMkLst>
-            <pc:docMk/>
-            <pc:sldMk cId="787285808" sldId="256"/>
-            <ac:spMk id="8" creationId="{00000000-0000-0000-0000-000000000000}"/>
-          </ac:spMkLst>
-        </pc:spChg>
-      </pc:sldChg>
-      <pc:sldChg chg="modSp mod">
-        <pc:chgData name="Marcos Maillot" userId="fa14b39d-e966-4ebb-a436-4f96f84b9577" providerId="ADAL" clId="{B3688C2D-93B6-447B-A24E-1B4300CC839E}" dt="2023-04-11T18:26:40.584" v="20" actId="1076"/>
-        <pc:sldMkLst>
-          <pc:docMk/>
-          <pc:sldMk cId="2959708940" sldId="331"/>
-        </pc:sldMkLst>
-        <pc:spChg chg="mod">
-          <ac:chgData name="Marcos Maillot" userId="fa14b39d-e966-4ebb-a436-4f96f84b9577" providerId="ADAL" clId="{B3688C2D-93B6-447B-A24E-1B4300CC839E}" dt="2023-04-11T18:26:40.584" v="20" actId="1076"/>
-          <ac:spMkLst>
-            <pc:docMk/>
-            <pc:sldMk cId="2959708940" sldId="331"/>
-            <ac:spMk id="4" creationId="{00000000-0000-0000-0000-000000000000}"/>
-          </ac:spMkLst>
-        </pc:spChg>
-      </pc:sldChg>
-      <pc:sldChg chg="modSp mod">
-        <pc:chgData name="Marcos Maillot" userId="fa14b39d-e966-4ebb-a436-4f96f84b9577" providerId="ADAL" clId="{B3688C2D-93B6-447B-A24E-1B4300CC839E}" dt="2023-04-11T18:45:33.742" v="23" actId="2165"/>
-        <pc:sldMkLst>
-          <pc:docMk/>
-          <pc:sldMk cId="11788617" sldId="336"/>
-        </pc:sldMkLst>
-        <pc:graphicFrameChg chg="modGraphic">
-          <ac:chgData name="Marcos Maillot" userId="fa14b39d-e966-4ebb-a436-4f96f84b9577" providerId="ADAL" clId="{B3688C2D-93B6-447B-A24E-1B4300CC839E}" dt="2023-04-11T18:45:33.742" v="23" actId="2165"/>
-          <ac:graphicFrameMkLst>
-            <pc:docMk/>
-            <pc:sldMk cId="11788617" sldId="336"/>
-            <ac:graphicFrameMk id="20" creationId="{00000000-0000-0000-0000-000000000000}"/>
-          </ac:graphicFrameMkLst>
-        </pc:graphicFrameChg>
-      </pc:sldChg>
-      <pc:sldChg chg="addSp delSp modSp mod">
-        <pc:chgData name="Marcos Maillot" userId="fa14b39d-e966-4ebb-a436-4f96f84b9577" providerId="ADAL" clId="{B3688C2D-93B6-447B-A24E-1B4300CC839E}" dt="2023-04-11T18:45:54.295" v="27"/>
-        <pc:sldMkLst>
-          <pc:docMk/>
-          <pc:sldMk cId="3837195495" sldId="337"/>
-        </pc:sldMkLst>
-        <pc:graphicFrameChg chg="add mod">
-          <ac:chgData name="Marcos Maillot" userId="fa14b39d-e966-4ebb-a436-4f96f84b9577" providerId="ADAL" clId="{B3688C2D-93B6-447B-A24E-1B4300CC839E}" dt="2023-04-11T18:45:54.295" v="27"/>
-          <ac:graphicFrameMkLst>
-            <pc:docMk/>
-            <pc:sldMk cId="3837195495" sldId="337"/>
-            <ac:graphicFrameMk id="2" creationId="{9FD08027-4829-C36D-5BE5-0FF06B4970E6}"/>
-          </ac:graphicFrameMkLst>
-        </pc:graphicFrameChg>
-        <pc:graphicFrameChg chg="del">
-          <ac:chgData name="Marcos Maillot" userId="fa14b39d-e966-4ebb-a436-4f96f84b9577" providerId="ADAL" clId="{B3688C2D-93B6-447B-A24E-1B4300CC839E}" dt="2023-04-11T18:45:43.766" v="24" actId="478"/>
-          <ac:graphicFrameMkLst>
-            <pc:docMk/>
-            <pc:sldMk cId="3837195495" sldId="337"/>
-            <ac:graphicFrameMk id="20" creationId="{00000000-0000-0000-0000-000000000000}"/>
-          </ac:graphicFrameMkLst>
-        </pc:graphicFrameChg>
-      </pc:sldChg>
-      <pc:sldChg chg="addSp delSp modSp mod">
-        <pc:chgData name="Marcos Maillot" userId="fa14b39d-e966-4ebb-a436-4f96f84b9577" providerId="ADAL" clId="{B3688C2D-93B6-447B-A24E-1B4300CC839E}" dt="2023-04-11T18:45:55.885" v="28"/>
-        <pc:sldMkLst>
-          <pc:docMk/>
-          <pc:sldMk cId="2781283416" sldId="338"/>
-        </pc:sldMkLst>
-        <pc:graphicFrameChg chg="add mod">
-          <ac:chgData name="Marcos Maillot" userId="fa14b39d-e966-4ebb-a436-4f96f84b9577" providerId="ADAL" clId="{B3688C2D-93B6-447B-A24E-1B4300CC839E}" dt="2023-04-11T18:45:55.885" v="28"/>
-          <ac:graphicFrameMkLst>
-            <pc:docMk/>
-            <pc:sldMk cId="2781283416" sldId="338"/>
-            <ac:graphicFrameMk id="2" creationId="{7F017107-1DFB-00C1-36A5-9F4D9F621CF6}"/>
-          </ac:graphicFrameMkLst>
-        </pc:graphicFrameChg>
-        <pc:graphicFrameChg chg="del">
-          <ac:chgData name="Marcos Maillot" userId="fa14b39d-e966-4ebb-a436-4f96f84b9577" providerId="ADAL" clId="{B3688C2D-93B6-447B-A24E-1B4300CC839E}" dt="2023-04-11T18:45:46.440" v="25" actId="478"/>
-          <ac:graphicFrameMkLst>
-            <pc:docMk/>
-            <pc:sldMk cId="2781283416" sldId="338"/>
-            <ac:graphicFrameMk id="21" creationId="{00000000-0000-0000-0000-000000000000}"/>
-          </ac:graphicFrameMkLst>
-        </pc:graphicFrameChg>
-      </pc:sldChg>
-      <pc:sldChg chg="addSp delSp modSp mod">
-        <pc:chgData name="Marcos Maillot" userId="fa14b39d-e966-4ebb-a436-4f96f84b9577" providerId="ADAL" clId="{B3688C2D-93B6-447B-A24E-1B4300CC839E}" dt="2023-04-11T18:47:51.210" v="88" actId="6549"/>
-        <pc:sldMkLst>
-          <pc:docMk/>
-          <pc:sldMk cId="3543610326" sldId="341"/>
-        </pc:sldMkLst>
-        <pc:spChg chg="add mod">
-          <ac:chgData name="Marcos Maillot" userId="fa14b39d-e966-4ebb-a436-4f96f84b9577" providerId="ADAL" clId="{B3688C2D-93B6-447B-A24E-1B4300CC839E}" dt="2023-04-11T18:47:30.425" v="81" actId="1076"/>
-          <ac:spMkLst>
-            <pc:docMk/>
-            <pc:sldMk cId="3543610326" sldId="341"/>
-            <ac:spMk id="8" creationId="{F31BFDB1-F050-AF4F-85A0-205626F010F4}"/>
-          </ac:spMkLst>
-        </pc:spChg>
-        <pc:spChg chg="add mod">
-          <ac:chgData name="Marcos Maillot" userId="fa14b39d-e966-4ebb-a436-4f96f84b9577" providerId="ADAL" clId="{B3688C2D-93B6-447B-A24E-1B4300CC839E}" dt="2023-04-11T18:47:48.111" v="86" actId="20577"/>
-          <ac:spMkLst>
-            <pc:docMk/>
-            <pc:sldMk cId="3543610326" sldId="341"/>
-            <ac:spMk id="9" creationId="{FEAB3425-1781-1444-0C6A-C416A5C642C6}"/>
-          </ac:spMkLst>
-        </pc:spChg>
-        <pc:spChg chg="add mod">
-          <ac:chgData name="Marcos Maillot" userId="fa14b39d-e966-4ebb-a436-4f96f84b9577" providerId="ADAL" clId="{B3688C2D-93B6-447B-A24E-1B4300CC839E}" dt="2023-04-11T18:47:51.210" v="88" actId="6549"/>
-          <ac:spMkLst>
-            <pc:docMk/>
-            <pc:sldMk cId="3543610326" sldId="341"/>
-            <ac:spMk id="10" creationId="{91695AE5-52BD-ADF5-EA16-EDE1BFA98EF6}"/>
-          </ac:spMkLst>
-        </pc:spChg>
-        <pc:spChg chg="del">
-          <ac:chgData name="Marcos Maillot" userId="fa14b39d-e966-4ebb-a436-4f96f84b9577" providerId="ADAL" clId="{B3688C2D-93B6-447B-A24E-1B4300CC839E}" dt="2023-04-11T18:46:16.235" v="51" actId="478"/>
-          <ac:spMkLst>
-            <pc:docMk/>
-            <pc:sldMk cId="3543610326" sldId="341"/>
-            <ac:spMk id="17" creationId="{00000000-0000-0000-0000-000000000000}"/>
-          </ac:spMkLst>
-        </pc:spChg>
-        <pc:spChg chg="mod">
-          <ac:chgData name="Marcos Maillot" userId="fa14b39d-e966-4ebb-a436-4f96f84b9577" providerId="ADAL" clId="{B3688C2D-93B6-447B-A24E-1B4300CC839E}" dt="2023-04-11T18:46:43.698" v="60" actId="1076"/>
-          <ac:spMkLst>
-            <pc:docMk/>
-            <pc:sldMk cId="3543610326" sldId="341"/>
-            <ac:spMk id="19" creationId="{00000000-0000-0000-0000-000000000000}"/>
-          </ac:spMkLst>
-        </pc:spChg>
-        <pc:graphicFrameChg chg="add mod">
-          <ac:chgData name="Marcos Maillot" userId="fa14b39d-e966-4ebb-a436-4f96f84b9577" providerId="ADAL" clId="{B3688C2D-93B6-447B-A24E-1B4300CC839E}" dt="2023-04-11T18:47:06.315" v="66" actId="1076"/>
-          <ac:graphicFrameMkLst>
-            <pc:docMk/>
-            <pc:sldMk cId="3543610326" sldId="341"/>
-            <ac:graphicFrameMk id="3" creationId="{D0D253CF-819F-3265-33CF-DD992D21EDB2}"/>
-          </ac:graphicFrameMkLst>
-        </pc:graphicFrameChg>
-        <pc:graphicFrameChg chg="add mod">
-          <ac:chgData name="Marcos Maillot" userId="fa14b39d-e966-4ebb-a436-4f96f84b9577" providerId="ADAL" clId="{B3688C2D-93B6-447B-A24E-1B4300CC839E}" dt="2023-04-11T18:47:03.355" v="65" actId="1076"/>
-          <ac:graphicFrameMkLst>
-            <pc:docMk/>
-            <pc:sldMk cId="3543610326" sldId="341"/>
-            <ac:graphicFrameMk id="4" creationId="{15897861-515F-1AC4-A4F4-89B6FEE83852}"/>
-          </ac:graphicFrameMkLst>
-        </pc:graphicFrameChg>
-        <pc:graphicFrameChg chg="add mod">
-          <ac:chgData name="Marcos Maillot" userId="fa14b39d-e966-4ebb-a436-4f96f84b9577" providerId="ADAL" clId="{B3688C2D-93B6-447B-A24E-1B4300CC839E}" dt="2023-04-11T18:46:59.505" v="64" actId="1076"/>
-          <ac:graphicFrameMkLst>
-            <pc:docMk/>
-            <pc:sldMk cId="3543610326" sldId="341"/>
-            <ac:graphicFrameMk id="6" creationId="{532BCE95-A7DD-FBB9-2081-A05838F836D1}"/>
-          </ac:graphicFrameMkLst>
-        </pc:graphicFrameChg>
-        <pc:graphicFrameChg chg="del mod">
-          <ac:chgData name="Marcos Maillot" userId="fa14b39d-e966-4ebb-a436-4f96f84b9577" providerId="ADAL" clId="{B3688C2D-93B6-447B-A24E-1B4300CC839E}" dt="2023-04-11T18:45:49.010" v="26" actId="478"/>
-          <ac:graphicFrameMkLst>
-            <pc:docMk/>
-            <pc:sldMk cId="3543610326" sldId="341"/>
-            <ac:graphicFrameMk id="21" creationId="{00000000-0000-0000-0000-000000000000}"/>
-          </ac:graphicFrameMkLst>
-        </pc:graphicFrameChg>
-        <pc:picChg chg="ord">
-          <ac:chgData name="Marcos Maillot" userId="fa14b39d-e966-4ebb-a436-4f96f84b9577" providerId="ADAL" clId="{B3688C2D-93B6-447B-A24E-1B4300CC839E}" dt="2023-04-11T18:47:13.104" v="67" actId="167"/>
-          <ac:picMkLst>
-            <pc:docMk/>
-            <pc:sldMk cId="3543610326" sldId="341"/>
-            <ac:picMk id="2" creationId="{00000000-0000-0000-0000-000000000000}"/>
-          </ac:picMkLst>
-        </pc:picChg>
-        <pc:picChg chg="mod">
-          <ac:chgData name="Marcos Maillot" userId="fa14b39d-e966-4ebb-a436-4f96f84b9577" providerId="ADAL" clId="{B3688C2D-93B6-447B-A24E-1B4300CC839E}" dt="2023-04-11T18:46:48.065" v="61" actId="1076"/>
-          <ac:picMkLst>
-            <pc:docMk/>
-            <pc:sldMk cId="3543610326" sldId="341"/>
-            <ac:picMk id="20" creationId="{00000000-0000-0000-0000-000000000000}"/>
-          </ac:picMkLst>
-        </pc:picChg>
-      </pc:sldChg>
-      <pc:sldChg chg="modSp mod">
-        <pc:chgData name="Marcos Maillot" userId="fa14b39d-e966-4ebb-a436-4f96f84b9577" providerId="ADAL" clId="{B3688C2D-93B6-447B-A24E-1B4300CC839E}" dt="2023-04-12T00:46:02.148" v="98" actId="6549"/>
-        <pc:sldMkLst>
-          <pc:docMk/>
-          <pc:sldMk cId="1445444592" sldId="342"/>
-        </pc:sldMkLst>
-        <pc:spChg chg="mod">
-          <ac:chgData name="Marcos Maillot" userId="fa14b39d-e966-4ebb-a436-4f96f84b9577" providerId="ADAL" clId="{B3688C2D-93B6-447B-A24E-1B4300CC839E}" dt="2023-04-12T00:46:02.148" v="98" actId="6549"/>
-          <ac:spMkLst>
-            <pc:docMk/>
-            <pc:sldMk cId="1445444592" sldId="342"/>
-            <ac:spMk id="5" creationId="{C2B0A05B-07AE-2560-1843-5A60D8280C39}"/>
           </ac:spMkLst>
         </pc:spChg>
       </pc:sldChg>
@@ -1574,63 +1754,218 @@
     </pc:docChg>
   </pc:docChgLst>
   <pc:docChgLst>
-    <pc:chgData name="Marcos Maillot" userId="fa14b39d-e966-4ebb-a436-4f96f84b9577" providerId="ADAL" clId="{BBC1F5B9-8030-490E-B43A-698173D0CD76}"/>
-    <pc:docChg chg="custSel addSld modSld">
-      <pc:chgData name="Marcos Maillot" userId="fa14b39d-e966-4ebb-a436-4f96f84b9577" providerId="ADAL" clId="{BBC1F5B9-8030-490E-B43A-698173D0CD76}" dt="2023-06-02T15:04:16.675" v="22" actId="1076"/>
+    <pc:chgData name="Marcos Maillot" userId="fa14b39d-e966-4ebb-a436-4f96f84b9577" providerId="ADAL" clId="{B3688C2D-93B6-447B-A24E-1B4300CC839E}"/>
+    <pc:docChg chg="custSel modSld">
+      <pc:chgData name="Marcos Maillot" userId="fa14b39d-e966-4ebb-a436-4f96f84b9577" providerId="ADAL" clId="{B3688C2D-93B6-447B-A24E-1B4300CC839E}" dt="2023-04-12T00:46:02.148" v="98" actId="6549"/>
       <pc:docMkLst>
         <pc:docMk/>
       </pc:docMkLst>
-      <pc:sldChg chg="addSp modSp mod">
-        <pc:chgData name="Marcos Maillot" userId="fa14b39d-e966-4ebb-a436-4f96f84b9577" providerId="ADAL" clId="{BBC1F5B9-8030-490E-B43A-698173D0CD76}" dt="2023-06-02T15:04:16.675" v="22" actId="1076"/>
+      <pc:sldChg chg="modSp mod">
+        <pc:chgData name="Marcos Maillot" userId="fa14b39d-e966-4ebb-a436-4f96f84b9577" providerId="ADAL" clId="{B3688C2D-93B6-447B-A24E-1B4300CC839E}" dt="2023-04-11T18:17:32.365" v="19" actId="20577"/>
         <pc:sldMkLst>
           <pc:docMk/>
-          <pc:sldMk cId="3456761567" sldId="347"/>
+          <pc:sldMk cId="787285808" sldId="256"/>
+        </pc:sldMkLst>
+        <pc:spChg chg="mod">
+          <ac:chgData name="Marcos Maillot" userId="fa14b39d-e966-4ebb-a436-4f96f84b9577" providerId="ADAL" clId="{B3688C2D-93B6-447B-A24E-1B4300CC839E}" dt="2023-04-11T18:17:25.397" v="15" actId="20577"/>
+          <ac:spMkLst>
+            <pc:docMk/>
+            <pc:sldMk cId="787285808" sldId="256"/>
+            <ac:spMk id="6" creationId="{00000000-0000-0000-0000-000000000000}"/>
+          </ac:spMkLst>
+        </pc:spChg>
+        <pc:spChg chg="mod">
+          <ac:chgData name="Marcos Maillot" userId="fa14b39d-e966-4ebb-a436-4f96f84b9577" providerId="ADAL" clId="{B3688C2D-93B6-447B-A24E-1B4300CC839E}" dt="2023-04-11T18:17:32.365" v="19" actId="20577"/>
+          <ac:spMkLst>
+            <pc:docMk/>
+            <pc:sldMk cId="787285808" sldId="256"/>
+            <ac:spMk id="8" creationId="{00000000-0000-0000-0000-000000000000}"/>
+          </ac:spMkLst>
+        </pc:spChg>
+      </pc:sldChg>
+      <pc:sldChg chg="modSp mod">
+        <pc:chgData name="Marcos Maillot" userId="fa14b39d-e966-4ebb-a436-4f96f84b9577" providerId="ADAL" clId="{B3688C2D-93B6-447B-A24E-1B4300CC839E}" dt="2023-04-11T18:26:40.584" v="20" actId="1076"/>
+        <pc:sldMkLst>
+          <pc:docMk/>
+          <pc:sldMk cId="2959708940" sldId="331"/>
+        </pc:sldMkLst>
+        <pc:spChg chg="mod">
+          <ac:chgData name="Marcos Maillot" userId="fa14b39d-e966-4ebb-a436-4f96f84b9577" providerId="ADAL" clId="{B3688C2D-93B6-447B-A24E-1B4300CC839E}" dt="2023-04-11T18:26:40.584" v="20" actId="1076"/>
+          <ac:spMkLst>
+            <pc:docMk/>
+            <pc:sldMk cId="2959708940" sldId="331"/>
+            <ac:spMk id="4" creationId="{00000000-0000-0000-0000-000000000000}"/>
+          </ac:spMkLst>
+        </pc:spChg>
+      </pc:sldChg>
+      <pc:sldChg chg="modSp mod">
+        <pc:chgData name="Marcos Maillot" userId="fa14b39d-e966-4ebb-a436-4f96f84b9577" providerId="ADAL" clId="{B3688C2D-93B6-447B-A24E-1B4300CC839E}" dt="2023-04-11T18:45:33.742" v="23" actId="2165"/>
+        <pc:sldMkLst>
+          <pc:docMk/>
+          <pc:sldMk cId="11788617" sldId="336"/>
+        </pc:sldMkLst>
+        <pc:graphicFrameChg chg="modGraphic">
+          <ac:chgData name="Marcos Maillot" userId="fa14b39d-e966-4ebb-a436-4f96f84b9577" providerId="ADAL" clId="{B3688C2D-93B6-447B-A24E-1B4300CC839E}" dt="2023-04-11T18:45:33.742" v="23" actId="2165"/>
+          <ac:graphicFrameMkLst>
+            <pc:docMk/>
+            <pc:sldMk cId="11788617" sldId="336"/>
+            <ac:graphicFrameMk id="20" creationId="{00000000-0000-0000-0000-000000000000}"/>
+          </ac:graphicFrameMkLst>
+        </pc:graphicFrameChg>
+      </pc:sldChg>
+      <pc:sldChg chg="addSp delSp modSp mod">
+        <pc:chgData name="Marcos Maillot" userId="fa14b39d-e966-4ebb-a436-4f96f84b9577" providerId="ADAL" clId="{B3688C2D-93B6-447B-A24E-1B4300CC839E}" dt="2023-04-11T18:45:54.295" v="27"/>
+        <pc:sldMkLst>
+          <pc:docMk/>
+          <pc:sldMk cId="3837195495" sldId="337"/>
+        </pc:sldMkLst>
+        <pc:graphicFrameChg chg="add mod">
+          <ac:chgData name="Marcos Maillot" userId="fa14b39d-e966-4ebb-a436-4f96f84b9577" providerId="ADAL" clId="{B3688C2D-93B6-447B-A24E-1B4300CC839E}" dt="2023-04-11T18:45:54.295" v="27"/>
+          <ac:graphicFrameMkLst>
+            <pc:docMk/>
+            <pc:sldMk cId="3837195495" sldId="337"/>
+            <ac:graphicFrameMk id="2" creationId="{9FD08027-4829-C36D-5BE5-0FF06B4970E6}"/>
+          </ac:graphicFrameMkLst>
+        </pc:graphicFrameChg>
+        <pc:graphicFrameChg chg="del">
+          <ac:chgData name="Marcos Maillot" userId="fa14b39d-e966-4ebb-a436-4f96f84b9577" providerId="ADAL" clId="{B3688C2D-93B6-447B-A24E-1B4300CC839E}" dt="2023-04-11T18:45:43.766" v="24" actId="478"/>
+          <ac:graphicFrameMkLst>
+            <pc:docMk/>
+            <pc:sldMk cId="3837195495" sldId="337"/>
+            <ac:graphicFrameMk id="20" creationId="{00000000-0000-0000-0000-000000000000}"/>
+          </ac:graphicFrameMkLst>
+        </pc:graphicFrameChg>
+      </pc:sldChg>
+      <pc:sldChg chg="addSp delSp modSp mod">
+        <pc:chgData name="Marcos Maillot" userId="fa14b39d-e966-4ebb-a436-4f96f84b9577" providerId="ADAL" clId="{B3688C2D-93B6-447B-A24E-1B4300CC839E}" dt="2023-04-11T18:45:55.885" v="28"/>
+        <pc:sldMkLst>
+          <pc:docMk/>
+          <pc:sldMk cId="2781283416" sldId="338"/>
+        </pc:sldMkLst>
+        <pc:graphicFrameChg chg="add mod">
+          <ac:chgData name="Marcos Maillot" userId="fa14b39d-e966-4ebb-a436-4f96f84b9577" providerId="ADAL" clId="{B3688C2D-93B6-447B-A24E-1B4300CC839E}" dt="2023-04-11T18:45:55.885" v="28"/>
+          <ac:graphicFrameMkLst>
+            <pc:docMk/>
+            <pc:sldMk cId="2781283416" sldId="338"/>
+            <ac:graphicFrameMk id="2" creationId="{7F017107-1DFB-00C1-36A5-9F4D9F621CF6}"/>
+          </ac:graphicFrameMkLst>
+        </pc:graphicFrameChg>
+        <pc:graphicFrameChg chg="del">
+          <ac:chgData name="Marcos Maillot" userId="fa14b39d-e966-4ebb-a436-4f96f84b9577" providerId="ADAL" clId="{B3688C2D-93B6-447B-A24E-1B4300CC839E}" dt="2023-04-11T18:45:46.440" v="25" actId="478"/>
+          <ac:graphicFrameMkLst>
+            <pc:docMk/>
+            <pc:sldMk cId="2781283416" sldId="338"/>
+            <ac:graphicFrameMk id="21" creationId="{00000000-0000-0000-0000-000000000000}"/>
+          </ac:graphicFrameMkLst>
+        </pc:graphicFrameChg>
+      </pc:sldChg>
+      <pc:sldChg chg="addSp delSp modSp mod">
+        <pc:chgData name="Marcos Maillot" userId="fa14b39d-e966-4ebb-a436-4f96f84b9577" providerId="ADAL" clId="{B3688C2D-93B6-447B-A24E-1B4300CC839E}" dt="2023-04-11T18:47:51.210" v="88" actId="6549"/>
+        <pc:sldMkLst>
+          <pc:docMk/>
+          <pc:sldMk cId="3543610326" sldId="341"/>
         </pc:sldMkLst>
         <pc:spChg chg="add mod">
-          <ac:chgData name="Marcos Maillot" userId="fa14b39d-e966-4ebb-a436-4f96f84b9577" providerId="ADAL" clId="{BBC1F5B9-8030-490E-B43A-698173D0CD76}" dt="2023-06-02T15:03:55.095" v="9" actId="1076"/>
+          <ac:chgData name="Marcos Maillot" userId="fa14b39d-e966-4ebb-a436-4f96f84b9577" providerId="ADAL" clId="{B3688C2D-93B6-447B-A24E-1B4300CC839E}" dt="2023-04-11T18:47:30.425" v="81" actId="1076"/>
           <ac:spMkLst>
             <pc:docMk/>
-            <pc:sldMk cId="3456761567" sldId="347"/>
-            <ac:spMk id="2" creationId="{B10AB5D6-505D-CAA8-8105-8B43A4964934}"/>
+            <pc:sldMk cId="3543610326" sldId="341"/>
+            <ac:spMk id="8" creationId="{F31BFDB1-F050-AF4F-85A0-205626F010F4}"/>
           </ac:spMkLst>
         </pc:spChg>
         <pc:spChg chg="add mod">
-          <ac:chgData name="Marcos Maillot" userId="fa14b39d-e966-4ebb-a436-4f96f84b9577" providerId="ADAL" clId="{BBC1F5B9-8030-490E-B43A-698173D0CD76}" dt="2023-06-02T15:04:16.675" v="22" actId="1076"/>
+          <ac:chgData name="Marcos Maillot" userId="fa14b39d-e966-4ebb-a436-4f96f84b9577" providerId="ADAL" clId="{B3688C2D-93B6-447B-A24E-1B4300CC839E}" dt="2023-04-11T18:47:48.111" v="86" actId="20577"/>
           <ac:spMkLst>
             <pc:docMk/>
-            <pc:sldMk cId="3456761567" sldId="347"/>
-            <ac:spMk id="6" creationId="{E8087C9F-A5D4-9287-2F64-0DFD527A245F}"/>
-          </ac:spMkLst>
-        </pc:spChg>
-      </pc:sldChg>
-      <pc:sldChg chg="addSp delSp modSp add mod">
-        <pc:chgData name="Marcos Maillot" userId="fa14b39d-e966-4ebb-a436-4f96f84b9577" providerId="ADAL" clId="{BBC1F5B9-8030-490E-B43A-698173D0CD76}" dt="2023-06-02T15:02:31.695" v="6" actId="14100"/>
-        <pc:sldMkLst>
-          <pc:docMk/>
-          <pc:sldMk cId="2525390603" sldId="349"/>
-        </pc:sldMkLst>
-        <pc:spChg chg="del">
-          <ac:chgData name="Marcos Maillot" userId="fa14b39d-e966-4ebb-a436-4f96f84b9577" providerId="ADAL" clId="{BBC1F5B9-8030-490E-B43A-698173D0CD76}" dt="2023-06-02T15:02:05.145" v="1" actId="478"/>
-          <ac:spMkLst>
-            <pc:docMk/>
-            <pc:sldMk cId="2525390603" sldId="349"/>
-            <ac:spMk id="3" creationId="{EAEDAC00-BDB9-3D0E-313F-A0F6EE49ECEB}"/>
+            <pc:sldMk cId="3543610326" sldId="341"/>
+            <ac:spMk id="9" creationId="{FEAB3425-1781-1444-0C6A-C416A5C642C6}"/>
           </ac:spMkLst>
         </pc:spChg>
         <pc:spChg chg="add mod">
-          <ac:chgData name="Marcos Maillot" userId="fa14b39d-e966-4ebb-a436-4f96f84b9577" providerId="ADAL" clId="{BBC1F5B9-8030-490E-B43A-698173D0CD76}" dt="2023-06-02T15:02:31.695" v="6" actId="14100"/>
+          <ac:chgData name="Marcos Maillot" userId="fa14b39d-e966-4ebb-a436-4f96f84b9577" providerId="ADAL" clId="{B3688C2D-93B6-447B-A24E-1B4300CC839E}" dt="2023-04-11T18:47:51.210" v="88" actId="6549"/>
           <ac:spMkLst>
             <pc:docMk/>
-            <pc:sldMk cId="2525390603" sldId="349"/>
-            <ac:spMk id="4" creationId="{7A9074C5-81DC-19FC-02E4-7E6BDFC542ED}"/>
+            <pc:sldMk cId="3543610326" sldId="341"/>
+            <ac:spMk id="10" creationId="{91695AE5-52BD-ADF5-EA16-EDE1BFA98EF6}"/>
           </ac:spMkLst>
         </pc:spChg>
         <pc:spChg chg="del">
-          <ac:chgData name="Marcos Maillot" userId="fa14b39d-e966-4ebb-a436-4f96f84b9577" providerId="ADAL" clId="{BBC1F5B9-8030-490E-B43A-698173D0CD76}" dt="2023-06-02T15:02:07.919" v="2" actId="478"/>
+          <ac:chgData name="Marcos Maillot" userId="fa14b39d-e966-4ebb-a436-4f96f84b9577" providerId="ADAL" clId="{B3688C2D-93B6-447B-A24E-1B4300CC839E}" dt="2023-04-11T18:46:16.235" v="51" actId="478"/>
           <ac:spMkLst>
             <pc:docMk/>
-            <pc:sldMk cId="2525390603" sldId="349"/>
-            <ac:spMk id="8" creationId="{42273EB3-AA8C-9E6E-7291-FB420C0C5EAE}"/>
+            <pc:sldMk cId="3543610326" sldId="341"/>
+            <ac:spMk id="17" creationId="{00000000-0000-0000-0000-000000000000}"/>
+          </ac:spMkLst>
+        </pc:spChg>
+        <pc:spChg chg="mod">
+          <ac:chgData name="Marcos Maillot" userId="fa14b39d-e966-4ebb-a436-4f96f84b9577" providerId="ADAL" clId="{B3688C2D-93B6-447B-A24E-1B4300CC839E}" dt="2023-04-11T18:46:43.698" v="60" actId="1076"/>
+          <ac:spMkLst>
+            <pc:docMk/>
+            <pc:sldMk cId="3543610326" sldId="341"/>
+            <ac:spMk id="19" creationId="{00000000-0000-0000-0000-000000000000}"/>
+          </ac:spMkLst>
+        </pc:spChg>
+        <pc:graphicFrameChg chg="add mod">
+          <ac:chgData name="Marcos Maillot" userId="fa14b39d-e966-4ebb-a436-4f96f84b9577" providerId="ADAL" clId="{B3688C2D-93B6-447B-A24E-1B4300CC839E}" dt="2023-04-11T18:47:06.315" v="66" actId="1076"/>
+          <ac:graphicFrameMkLst>
+            <pc:docMk/>
+            <pc:sldMk cId="3543610326" sldId="341"/>
+            <ac:graphicFrameMk id="3" creationId="{D0D253CF-819F-3265-33CF-DD992D21EDB2}"/>
+          </ac:graphicFrameMkLst>
+        </pc:graphicFrameChg>
+        <pc:graphicFrameChg chg="add mod">
+          <ac:chgData name="Marcos Maillot" userId="fa14b39d-e966-4ebb-a436-4f96f84b9577" providerId="ADAL" clId="{B3688C2D-93B6-447B-A24E-1B4300CC839E}" dt="2023-04-11T18:47:03.355" v="65" actId="1076"/>
+          <ac:graphicFrameMkLst>
+            <pc:docMk/>
+            <pc:sldMk cId="3543610326" sldId="341"/>
+            <ac:graphicFrameMk id="4" creationId="{15897861-515F-1AC4-A4F4-89B6FEE83852}"/>
+          </ac:graphicFrameMkLst>
+        </pc:graphicFrameChg>
+        <pc:graphicFrameChg chg="add mod">
+          <ac:chgData name="Marcos Maillot" userId="fa14b39d-e966-4ebb-a436-4f96f84b9577" providerId="ADAL" clId="{B3688C2D-93B6-447B-A24E-1B4300CC839E}" dt="2023-04-11T18:46:59.505" v="64" actId="1076"/>
+          <ac:graphicFrameMkLst>
+            <pc:docMk/>
+            <pc:sldMk cId="3543610326" sldId="341"/>
+            <ac:graphicFrameMk id="6" creationId="{532BCE95-A7DD-FBB9-2081-A05838F836D1}"/>
+          </ac:graphicFrameMkLst>
+        </pc:graphicFrameChg>
+        <pc:graphicFrameChg chg="del mod">
+          <ac:chgData name="Marcos Maillot" userId="fa14b39d-e966-4ebb-a436-4f96f84b9577" providerId="ADAL" clId="{B3688C2D-93B6-447B-A24E-1B4300CC839E}" dt="2023-04-11T18:45:49.010" v="26" actId="478"/>
+          <ac:graphicFrameMkLst>
+            <pc:docMk/>
+            <pc:sldMk cId="3543610326" sldId="341"/>
+            <ac:graphicFrameMk id="21" creationId="{00000000-0000-0000-0000-000000000000}"/>
+          </ac:graphicFrameMkLst>
+        </pc:graphicFrameChg>
+        <pc:picChg chg="ord">
+          <ac:chgData name="Marcos Maillot" userId="fa14b39d-e966-4ebb-a436-4f96f84b9577" providerId="ADAL" clId="{B3688C2D-93B6-447B-A24E-1B4300CC839E}" dt="2023-04-11T18:47:13.104" v="67" actId="167"/>
+          <ac:picMkLst>
+            <pc:docMk/>
+            <pc:sldMk cId="3543610326" sldId="341"/>
+            <ac:picMk id="2" creationId="{00000000-0000-0000-0000-000000000000}"/>
+          </ac:picMkLst>
+        </pc:picChg>
+        <pc:picChg chg="mod">
+          <ac:chgData name="Marcos Maillot" userId="fa14b39d-e966-4ebb-a436-4f96f84b9577" providerId="ADAL" clId="{B3688C2D-93B6-447B-A24E-1B4300CC839E}" dt="2023-04-11T18:46:48.065" v="61" actId="1076"/>
+          <ac:picMkLst>
+            <pc:docMk/>
+            <pc:sldMk cId="3543610326" sldId="341"/>
+            <ac:picMk id="20" creationId="{00000000-0000-0000-0000-000000000000}"/>
+          </ac:picMkLst>
+        </pc:picChg>
+      </pc:sldChg>
+      <pc:sldChg chg="modSp mod">
+        <pc:chgData name="Marcos Maillot" userId="fa14b39d-e966-4ebb-a436-4f96f84b9577" providerId="ADAL" clId="{B3688C2D-93B6-447B-A24E-1B4300CC839E}" dt="2023-04-12T00:46:02.148" v="98" actId="6549"/>
+        <pc:sldMkLst>
+          <pc:docMk/>
+          <pc:sldMk cId="1445444592" sldId="342"/>
+        </pc:sldMkLst>
+        <pc:spChg chg="mod">
+          <ac:chgData name="Marcos Maillot" userId="fa14b39d-e966-4ebb-a436-4f96f84b9577" providerId="ADAL" clId="{B3688C2D-93B6-447B-A24E-1B4300CC839E}" dt="2023-04-12T00:46:02.148" v="98" actId="6549"/>
+          <ac:spMkLst>
+            <pc:docMk/>
+            <pc:sldMk cId="1445444592" sldId="342"/>
+            <ac:spMk id="5" creationId="{C2B0A05B-07AE-2560-1843-5A60D8280C39}"/>
           </ac:spMkLst>
         </pc:spChg>
       </pc:sldChg>
@@ -1689,7 +2024,7 @@
           <a:noFill/>
           <a:extLst>
             <a:ext uri="{909E8E84-426E-40dd-AFC4-6F175D3DCCD1}">
-              <a14:hiddenFill xmlns="" xmlns:a14="http://schemas.microsoft.com/office/drawing/2010/main">
+              <a14:hiddenFill xmlns:a14="http://schemas.microsoft.com/office/drawing/2010/main" xmlns="">
                 <a:solidFill>
                   <a:srgbClr val="FFFFFF"/>
                 </a:solidFill>
@@ -1749,7 +2084,7 @@
             </a:ln>
             <a:extLst>
               <a:ext uri="{91240B29-F687-4f45-9708-019B960494DF}">
-                <a14:hiddenLine xmlns="" xmlns:a14="http://schemas.microsoft.com/office/drawing/2010/main" w="9525">
+                <a14:hiddenLine xmlns:a14="http://schemas.microsoft.com/office/drawing/2010/main" xmlns="" w="9525">
                   <a:solidFill>
                     <a:srgbClr val="000000"/>
                   </a:solidFill>
@@ -1839,7 +2174,7 @@
             </a:ln>
             <a:extLst>
               <a:ext uri="{91240B29-F687-4f45-9708-019B960494DF}">
-                <a14:hiddenLine xmlns="" xmlns:a14="http://schemas.microsoft.com/office/drawing/2010/main" w="9525">
+                <a14:hiddenLine xmlns:a14="http://schemas.microsoft.com/office/drawing/2010/main" xmlns="" w="9525">
                   <a:solidFill>
                     <a:srgbClr val="000000"/>
                   </a:solidFill>
@@ -1929,7 +2264,7 @@
             </a:ln>
             <a:extLst>
               <a:ext uri="{91240B29-F687-4f45-9708-019B960494DF}">
-                <a14:hiddenLine xmlns="" xmlns:a14="http://schemas.microsoft.com/office/drawing/2010/main" w="9525">
+                <a14:hiddenLine xmlns:a14="http://schemas.microsoft.com/office/drawing/2010/main" xmlns="" w="9525">
                   <a:solidFill>
                     <a:srgbClr val="000000"/>
                   </a:solidFill>
@@ -1963,7 +2298,7 @@
             </a:ln>
             <a:extLst>
               <a:ext uri="{91240B29-F687-4f45-9708-019B960494DF}">
-                <a14:hiddenLine xmlns="" xmlns:a14="http://schemas.microsoft.com/office/drawing/2010/main" w="9525">
+                <a14:hiddenLine xmlns:a14="http://schemas.microsoft.com/office/drawing/2010/main" xmlns="" w="9525">
                   <a:solidFill>
                     <a:srgbClr val="000000"/>
                   </a:solidFill>
@@ -2053,7 +2388,7 @@
             </a:ln>
             <a:extLst>
               <a:ext uri="{91240B29-F687-4f45-9708-019B960494DF}">
-                <a14:hiddenLine xmlns="" xmlns:a14="http://schemas.microsoft.com/office/drawing/2010/main" w="9525">
+                <a14:hiddenLine xmlns:a14="http://schemas.microsoft.com/office/drawing/2010/main" xmlns="" w="9525">
                   <a:solidFill>
                     <a:srgbClr val="000000"/>
                   </a:solidFill>
@@ -2115,7 +2450,7 @@
             </a:ln>
             <a:extLst>
               <a:ext uri="{91240B29-F687-4f45-9708-019B960494DF}">
-                <a14:hiddenLine xmlns="" xmlns:a14="http://schemas.microsoft.com/office/drawing/2010/main" w="9525">
+                <a14:hiddenLine xmlns:a14="http://schemas.microsoft.com/office/drawing/2010/main" xmlns="" w="9525">
                   <a:solidFill>
                     <a:srgbClr val="000000"/>
                   </a:solidFill>
@@ -2177,7 +2512,7 @@
             </a:ln>
             <a:extLst>
               <a:ext uri="{91240B29-F687-4f45-9708-019B960494DF}">
-                <a14:hiddenLine xmlns="" xmlns:a14="http://schemas.microsoft.com/office/drawing/2010/main" w="9525">
+                <a14:hiddenLine xmlns:a14="http://schemas.microsoft.com/office/drawing/2010/main" xmlns="" w="9525">
                   <a:solidFill>
                     <a:srgbClr val="000000"/>
                   </a:solidFill>
@@ -2267,7 +2602,7 @@
             </a:ln>
             <a:extLst>
               <a:ext uri="{91240B29-F687-4f45-9708-019B960494DF}">
-                <a14:hiddenLine xmlns="" xmlns:a14="http://schemas.microsoft.com/office/drawing/2010/main" w="9525">
+                <a14:hiddenLine xmlns:a14="http://schemas.microsoft.com/office/drawing/2010/main" xmlns="" w="9525">
                   <a:solidFill>
                     <a:srgbClr val="000000"/>
                   </a:solidFill>
@@ -2329,7 +2664,7 @@
             </a:ln>
             <a:extLst>
               <a:ext uri="{91240B29-F687-4f45-9708-019B960494DF}">
-                <a14:hiddenLine xmlns="" xmlns:a14="http://schemas.microsoft.com/office/drawing/2010/main" w="9525">
+                <a14:hiddenLine xmlns:a14="http://schemas.microsoft.com/office/drawing/2010/main" xmlns="" w="9525">
                   <a:solidFill>
                     <a:srgbClr val="000000"/>
                   </a:solidFill>
@@ -2391,7 +2726,7 @@
             </a:ln>
             <a:extLst>
               <a:ext uri="{91240B29-F687-4f45-9708-019B960494DF}">
-                <a14:hiddenLine xmlns="" xmlns:a14="http://schemas.microsoft.com/office/drawing/2010/main" w="9525">
+                <a14:hiddenLine xmlns:a14="http://schemas.microsoft.com/office/drawing/2010/main" xmlns="" w="9525">
                   <a:solidFill>
                     <a:srgbClr val="000000"/>
                   </a:solidFill>
@@ -2481,7 +2816,7 @@
             </a:ln>
             <a:extLst>
               <a:ext uri="{91240B29-F687-4f45-9708-019B960494DF}">
-                <a14:hiddenLine xmlns="" xmlns:a14="http://schemas.microsoft.com/office/drawing/2010/main" w="9525">
+                <a14:hiddenLine xmlns:a14="http://schemas.microsoft.com/office/drawing/2010/main" xmlns="" w="9525">
                   <a:solidFill>
                     <a:srgbClr val="000000"/>
                   </a:solidFill>
@@ -2571,7 +2906,7 @@
             </a:ln>
             <a:extLst>
               <a:ext uri="{91240B29-F687-4f45-9708-019B960494DF}">
-                <a14:hiddenLine xmlns="" xmlns:a14="http://schemas.microsoft.com/office/drawing/2010/main" w="9525">
+                <a14:hiddenLine xmlns:a14="http://schemas.microsoft.com/office/drawing/2010/main" xmlns="" w="9525">
                   <a:solidFill>
                     <a:srgbClr val="000000"/>
                   </a:solidFill>
@@ -2633,7 +2968,7 @@
             </a:ln>
             <a:extLst>
               <a:ext uri="{91240B29-F687-4f45-9708-019B960494DF}">
-                <a14:hiddenLine xmlns="" xmlns:a14="http://schemas.microsoft.com/office/drawing/2010/main" w="9525">
+                <a14:hiddenLine xmlns:a14="http://schemas.microsoft.com/office/drawing/2010/main" xmlns="" w="9525">
                   <a:solidFill>
                     <a:srgbClr val="000000"/>
                   </a:solidFill>
@@ -2743,7 +3078,7 @@
             </a:ln>
             <a:extLst>
               <a:ext uri="{91240B29-F687-4f45-9708-019B960494DF}">
-                <a14:hiddenLine xmlns="" xmlns:a14="http://schemas.microsoft.com/office/drawing/2010/main" w="9525">
+                <a14:hiddenLine xmlns:a14="http://schemas.microsoft.com/office/drawing/2010/main" xmlns="" w="9525">
                   <a:solidFill>
                     <a:srgbClr val="000000"/>
                   </a:solidFill>
@@ -2805,7 +3140,7 @@
             </a:ln>
             <a:extLst>
               <a:ext uri="{91240B29-F687-4f45-9708-019B960494DF}">
-                <a14:hiddenLine xmlns="" xmlns:a14="http://schemas.microsoft.com/office/drawing/2010/main" w="9525">
+                <a14:hiddenLine xmlns:a14="http://schemas.microsoft.com/office/drawing/2010/main" xmlns="" w="9525">
                   <a:solidFill>
                     <a:srgbClr val="000000"/>
                   </a:solidFill>
@@ -2895,7 +3230,7 @@
             </a:ln>
             <a:extLst>
               <a:ext uri="{91240B29-F687-4f45-9708-019B960494DF}">
-                <a14:hiddenLine xmlns="" xmlns:a14="http://schemas.microsoft.com/office/drawing/2010/main" w="9525">
+                <a14:hiddenLine xmlns:a14="http://schemas.microsoft.com/office/drawing/2010/main" xmlns="" w="9525">
                   <a:solidFill>
                     <a:srgbClr val="000000"/>
                   </a:solidFill>
@@ -2985,7 +3320,7 @@
             </a:ln>
             <a:extLst>
               <a:ext uri="{91240B29-F687-4f45-9708-019B960494DF}">
-                <a14:hiddenLine xmlns="" xmlns:a14="http://schemas.microsoft.com/office/drawing/2010/main" w="9525">
+                <a14:hiddenLine xmlns:a14="http://schemas.microsoft.com/office/drawing/2010/main" xmlns="" w="9525">
                   <a:solidFill>
                     <a:srgbClr val="000000"/>
                   </a:solidFill>
@@ -3047,7 +3382,7 @@
             </a:ln>
             <a:extLst>
               <a:ext uri="{91240B29-F687-4f45-9708-019B960494DF}">
-                <a14:hiddenLine xmlns="" xmlns:a14="http://schemas.microsoft.com/office/drawing/2010/main" w="9525">
+                <a14:hiddenLine xmlns:a14="http://schemas.microsoft.com/office/drawing/2010/main" xmlns="" w="9525">
                   <a:solidFill>
                     <a:srgbClr val="000000"/>
                   </a:solidFill>
@@ -3137,7 +3472,7 @@
             </a:ln>
             <a:extLst>
               <a:ext uri="{91240B29-F687-4f45-9708-019B960494DF}">
-                <a14:hiddenLine xmlns="" xmlns:a14="http://schemas.microsoft.com/office/drawing/2010/main" w="9525">
+                <a14:hiddenLine xmlns:a14="http://schemas.microsoft.com/office/drawing/2010/main" xmlns="" w="9525">
                   <a:solidFill>
                     <a:srgbClr val="000000"/>
                   </a:solidFill>
@@ -3227,7 +3562,7 @@
             </a:ln>
             <a:extLst>
               <a:ext uri="{91240B29-F687-4f45-9708-019B960494DF}">
-                <a14:hiddenLine xmlns="" xmlns:a14="http://schemas.microsoft.com/office/drawing/2010/main" w="9525">
+                <a14:hiddenLine xmlns:a14="http://schemas.microsoft.com/office/drawing/2010/main" xmlns="" w="9525">
                   <a:solidFill>
                     <a:srgbClr val="000000"/>
                   </a:solidFill>
@@ -3283,7 +3618,7 @@
             </a:ln>
             <a:extLst>
               <a:ext uri="{91240B29-F687-4f45-9708-019B960494DF}">
-                <a14:hiddenLine xmlns="" xmlns:a14="http://schemas.microsoft.com/office/drawing/2010/main" w="9525">
+                <a14:hiddenLine xmlns:a14="http://schemas.microsoft.com/office/drawing/2010/main" xmlns="" w="9525">
                   <a:solidFill>
                     <a:srgbClr val="000000"/>
                   </a:solidFill>
@@ -3373,7 +3708,7 @@
             </a:ln>
             <a:extLst>
               <a:ext uri="{91240B29-F687-4f45-9708-019B960494DF}">
-                <a14:hiddenLine xmlns="" xmlns:a14="http://schemas.microsoft.com/office/drawing/2010/main" w="9525">
+                <a14:hiddenLine xmlns:a14="http://schemas.microsoft.com/office/drawing/2010/main" xmlns="" w="9525">
                   <a:solidFill>
                     <a:srgbClr val="000000"/>
                   </a:solidFill>
@@ -3429,7 +3764,7 @@
             </a:ln>
             <a:extLst>
               <a:ext uri="{91240B29-F687-4f45-9708-019B960494DF}">
-                <a14:hiddenLine xmlns="" xmlns:a14="http://schemas.microsoft.com/office/drawing/2010/main" w="9525">
+                <a14:hiddenLine xmlns:a14="http://schemas.microsoft.com/office/drawing/2010/main" xmlns="" w="9525">
                   <a:solidFill>
                     <a:srgbClr val="000000"/>
                   </a:solidFill>
@@ -3519,7 +3854,7 @@
             </a:ln>
             <a:extLst>
               <a:ext uri="{91240B29-F687-4f45-9708-019B960494DF}">
-                <a14:hiddenLine xmlns="" xmlns:a14="http://schemas.microsoft.com/office/drawing/2010/main" w="9525">
+                <a14:hiddenLine xmlns:a14="http://schemas.microsoft.com/office/drawing/2010/main" xmlns="" w="9525">
                   <a:solidFill>
                     <a:srgbClr val="000000"/>
                   </a:solidFill>
@@ -3587,7 +3922,7 @@
             </a:ln>
             <a:extLst>
               <a:ext uri="{91240B29-F687-4f45-9708-019B960494DF}">
-                <a14:hiddenLine xmlns="" xmlns:a14="http://schemas.microsoft.com/office/drawing/2010/main" w="9525">
+                <a14:hiddenLine xmlns:a14="http://schemas.microsoft.com/office/drawing/2010/main" xmlns="" w="9525">
                   <a:solidFill>
                     <a:srgbClr val="000000"/>
                   </a:solidFill>
@@ -3677,7 +4012,7 @@
             </a:ln>
             <a:extLst>
               <a:ext uri="{91240B29-F687-4f45-9708-019B960494DF}">
-                <a14:hiddenLine xmlns="" xmlns:a14="http://schemas.microsoft.com/office/drawing/2010/main" w="9525">
+                <a14:hiddenLine xmlns:a14="http://schemas.microsoft.com/office/drawing/2010/main" xmlns="" w="9525">
                   <a:solidFill>
                     <a:srgbClr val="000000"/>
                   </a:solidFill>
@@ -3745,7 +4080,7 @@
             </a:ln>
             <a:extLst>
               <a:ext uri="{91240B29-F687-4f45-9708-019B960494DF}">
-                <a14:hiddenLine xmlns="" xmlns:a14="http://schemas.microsoft.com/office/drawing/2010/main" w="9525">
+                <a14:hiddenLine xmlns:a14="http://schemas.microsoft.com/office/drawing/2010/main" xmlns="" w="9525">
                   <a:solidFill>
                     <a:srgbClr val="000000"/>
                   </a:solidFill>
@@ -3835,7 +4170,7 @@
             </a:ln>
             <a:extLst>
               <a:ext uri="{91240B29-F687-4f45-9708-019B960494DF}">
-                <a14:hiddenLine xmlns="" xmlns:a14="http://schemas.microsoft.com/office/drawing/2010/main" w="9525">
+                <a14:hiddenLine xmlns:a14="http://schemas.microsoft.com/office/drawing/2010/main" xmlns="" w="9525">
                   <a:solidFill>
                     <a:srgbClr val="000000"/>
                   </a:solidFill>
@@ -3869,7 +4204,7 @@
             </a:ln>
             <a:extLst>
               <a:ext uri="{91240B29-F687-4f45-9708-019B960494DF}">
-                <a14:hiddenLine xmlns="" xmlns:a14="http://schemas.microsoft.com/office/drawing/2010/main" w="9525">
+                <a14:hiddenLine xmlns:a14="http://schemas.microsoft.com/office/drawing/2010/main" xmlns="" w="9525">
                   <a:solidFill>
                     <a:srgbClr val="000000"/>
                   </a:solidFill>
@@ -3959,7 +4294,7 @@
             </a:ln>
             <a:extLst>
               <a:ext uri="{91240B29-F687-4f45-9708-019B960494DF}">
-                <a14:hiddenLine xmlns="" xmlns:a14="http://schemas.microsoft.com/office/drawing/2010/main" w="9525">
+                <a14:hiddenLine xmlns:a14="http://schemas.microsoft.com/office/drawing/2010/main" xmlns="" w="9525">
                   <a:solidFill>
                     <a:srgbClr val="000000"/>
                   </a:solidFill>
@@ -4021,7 +4356,7 @@
             </a:ln>
             <a:extLst>
               <a:ext uri="{91240B29-F687-4f45-9708-019B960494DF}">
-                <a14:hiddenLine xmlns="" xmlns:a14="http://schemas.microsoft.com/office/drawing/2010/main" w="9525">
+                <a14:hiddenLine xmlns:a14="http://schemas.microsoft.com/office/drawing/2010/main" xmlns="" w="9525">
                   <a:solidFill>
                     <a:srgbClr val="000000"/>
                   </a:solidFill>
@@ -4083,7 +4418,7 @@
             </a:ln>
             <a:extLst>
               <a:ext uri="{91240B29-F687-4f45-9708-019B960494DF}">
-                <a14:hiddenLine xmlns="" xmlns:a14="http://schemas.microsoft.com/office/drawing/2010/main" w="9525">
+                <a14:hiddenLine xmlns:a14="http://schemas.microsoft.com/office/drawing/2010/main" xmlns="" w="9525">
                   <a:solidFill>
                     <a:srgbClr val="000000"/>
                   </a:solidFill>
@@ -4173,7 +4508,7 @@
             </a:ln>
             <a:extLst>
               <a:ext uri="{91240B29-F687-4f45-9708-019B960494DF}">
-                <a14:hiddenLine xmlns="" xmlns:a14="http://schemas.microsoft.com/office/drawing/2010/main" w="9525">
+                <a14:hiddenLine xmlns:a14="http://schemas.microsoft.com/office/drawing/2010/main" xmlns="" w="9525">
                   <a:solidFill>
                     <a:srgbClr val="000000"/>
                   </a:solidFill>
@@ -4241,7 +4576,7 @@
             </a:ln>
             <a:extLst>
               <a:ext uri="{91240B29-F687-4f45-9708-019B960494DF}">
-                <a14:hiddenLine xmlns="" xmlns:a14="http://schemas.microsoft.com/office/drawing/2010/main" w="9525">
+                <a14:hiddenLine xmlns:a14="http://schemas.microsoft.com/office/drawing/2010/main" xmlns="" w="9525">
                   <a:solidFill>
                     <a:srgbClr val="000000"/>
                   </a:solidFill>
@@ -4303,7 +4638,7 @@
             </a:ln>
             <a:extLst>
               <a:ext uri="{91240B29-F687-4f45-9708-019B960494DF}">
-                <a14:hiddenLine xmlns="" xmlns:a14="http://schemas.microsoft.com/office/drawing/2010/main" w="9525">
+                <a14:hiddenLine xmlns:a14="http://schemas.microsoft.com/office/drawing/2010/main" xmlns="" w="9525">
                   <a:solidFill>
                     <a:srgbClr val="000000"/>
                   </a:solidFill>
@@ -4393,7 +4728,7 @@
             </a:ln>
             <a:extLst>
               <a:ext uri="{91240B29-F687-4f45-9708-019B960494DF}">
-                <a14:hiddenLine xmlns="" xmlns:a14="http://schemas.microsoft.com/office/drawing/2010/main" w="9525">
+                <a14:hiddenLine xmlns:a14="http://schemas.microsoft.com/office/drawing/2010/main" xmlns="" w="9525">
                   <a:solidFill>
                     <a:srgbClr val="000000"/>
                   </a:solidFill>
@@ -4455,7 +4790,7 @@
             </a:ln>
             <a:extLst>
               <a:ext uri="{91240B29-F687-4f45-9708-019B960494DF}">
-                <a14:hiddenLine xmlns="" xmlns:a14="http://schemas.microsoft.com/office/drawing/2010/main" w="9525">
+                <a14:hiddenLine xmlns:a14="http://schemas.microsoft.com/office/drawing/2010/main" xmlns="" w="9525">
                   <a:solidFill>
                     <a:srgbClr val="000000"/>
                   </a:solidFill>
@@ -4545,7 +4880,7 @@
             </a:ln>
             <a:extLst>
               <a:ext uri="{91240B29-F687-4f45-9708-019B960494DF}">
-                <a14:hiddenLine xmlns="" xmlns:a14="http://schemas.microsoft.com/office/drawing/2010/main" w="9525">
+                <a14:hiddenLine xmlns:a14="http://schemas.microsoft.com/office/drawing/2010/main" xmlns="" w="9525">
                   <a:solidFill>
                     <a:srgbClr val="000000"/>
                   </a:solidFill>
@@ -4607,7 +4942,7 @@
             </a:ln>
             <a:extLst>
               <a:ext uri="{91240B29-F687-4f45-9708-019B960494DF}">
-                <a14:hiddenLine xmlns="" xmlns:a14="http://schemas.microsoft.com/office/drawing/2010/main" w="9525">
+                <a14:hiddenLine xmlns:a14="http://schemas.microsoft.com/office/drawing/2010/main" xmlns="" w="9525">
                   <a:solidFill>
                     <a:srgbClr val="000000"/>
                   </a:solidFill>
@@ -4697,7 +5032,7 @@
             </a:ln>
             <a:extLst>
               <a:ext uri="{91240B29-F687-4f45-9708-019B960494DF}">
-                <a14:hiddenLine xmlns="" xmlns:a14="http://schemas.microsoft.com/office/drawing/2010/main" w="9525">
+                <a14:hiddenLine xmlns:a14="http://schemas.microsoft.com/office/drawing/2010/main" xmlns="" w="9525">
                   <a:solidFill>
                     <a:srgbClr val="000000"/>
                   </a:solidFill>
@@ -4731,7 +5066,7 @@
             </a:ln>
             <a:extLst>
               <a:ext uri="{91240B29-F687-4f45-9708-019B960494DF}">
-                <a14:hiddenLine xmlns="" xmlns:a14="http://schemas.microsoft.com/office/drawing/2010/main" w="9525">
+                <a14:hiddenLine xmlns:a14="http://schemas.microsoft.com/office/drawing/2010/main" xmlns="" w="9525">
                   <a:solidFill>
                     <a:srgbClr val="000000"/>
                   </a:solidFill>
@@ -4796,7 +5131,7 @@
             </a:ln>
             <a:extLst>
               <a:ext uri="{91240B29-F687-4f45-9708-019B960494DF}">
-                <a14:hiddenLine xmlns="" xmlns:a14="http://schemas.microsoft.com/office/drawing/2010/main" w="9525">
+                <a14:hiddenLine xmlns:a14="http://schemas.microsoft.com/office/drawing/2010/main" xmlns="" w="9525">
                   <a:solidFill>
                     <a:srgbClr val="000000"/>
                   </a:solidFill>
@@ -4886,7 +5221,7 @@
             </a:ln>
             <a:extLst>
               <a:ext uri="{91240B29-F687-4f45-9708-019B960494DF}">
-                <a14:hiddenLine xmlns="" xmlns:a14="http://schemas.microsoft.com/office/drawing/2010/main" w="9525">
+                <a14:hiddenLine xmlns:a14="http://schemas.microsoft.com/office/drawing/2010/main" xmlns="" w="9525">
                   <a:solidFill>
                     <a:srgbClr val="000000"/>
                   </a:solidFill>
@@ -4948,7 +5283,7 @@
             </a:ln>
             <a:extLst>
               <a:ext uri="{91240B29-F687-4f45-9708-019B960494DF}">
-                <a14:hiddenLine xmlns="" xmlns:a14="http://schemas.microsoft.com/office/drawing/2010/main" w="9525">
+                <a14:hiddenLine xmlns:a14="http://schemas.microsoft.com/office/drawing/2010/main" xmlns="" w="9525">
                   <a:solidFill>
                     <a:srgbClr val="000000"/>
                   </a:solidFill>
@@ -5038,7 +5373,7 @@
             </a:ln>
             <a:extLst>
               <a:ext uri="{91240B29-F687-4f45-9708-019B960494DF}">
-                <a14:hiddenLine xmlns="" xmlns:a14="http://schemas.microsoft.com/office/drawing/2010/main" w="9525">
+                <a14:hiddenLine xmlns:a14="http://schemas.microsoft.com/office/drawing/2010/main" xmlns="" w="9525">
                   <a:solidFill>
                     <a:srgbClr val="000000"/>
                   </a:solidFill>
@@ -5128,7 +5463,7 @@
             </a:ln>
             <a:extLst>
               <a:ext uri="{91240B29-F687-4f45-9708-019B960494DF}">
-                <a14:hiddenLine xmlns="" xmlns:a14="http://schemas.microsoft.com/office/drawing/2010/main" w="9525">
+                <a14:hiddenLine xmlns:a14="http://schemas.microsoft.com/office/drawing/2010/main" xmlns="" w="9525">
                   <a:solidFill>
                     <a:srgbClr val="000000"/>
                   </a:solidFill>
@@ -5193,7 +5528,7 @@
             </a:ln>
             <a:extLst>
               <a:ext uri="{91240B29-F687-4f45-9708-019B960494DF}">
-                <a14:hiddenLine xmlns="" xmlns:a14="http://schemas.microsoft.com/office/drawing/2010/main" w="9525">
+                <a14:hiddenLine xmlns:a14="http://schemas.microsoft.com/office/drawing/2010/main" xmlns="" w="9525">
                   <a:solidFill>
                     <a:srgbClr val="000000"/>
                   </a:solidFill>
@@ -5255,7 +5590,7 @@
             </a:ln>
             <a:extLst>
               <a:ext uri="{91240B29-F687-4f45-9708-019B960494DF}">
-                <a14:hiddenLine xmlns="" xmlns:a14="http://schemas.microsoft.com/office/drawing/2010/main" w="9525">
+                <a14:hiddenLine xmlns:a14="http://schemas.microsoft.com/office/drawing/2010/main" xmlns="" w="9525">
                   <a:solidFill>
                     <a:srgbClr val="000000"/>
                   </a:solidFill>
@@ -5345,7 +5680,7 @@
             </a:ln>
             <a:extLst>
               <a:ext uri="{91240B29-F687-4f45-9708-019B960494DF}">
-                <a14:hiddenLine xmlns="" xmlns:a14="http://schemas.microsoft.com/office/drawing/2010/main" w="9525">
+                <a14:hiddenLine xmlns:a14="http://schemas.microsoft.com/office/drawing/2010/main" xmlns="" w="9525">
                   <a:solidFill>
                     <a:srgbClr val="000000"/>
                   </a:solidFill>
@@ -5435,7 +5770,7 @@
             </a:ln>
             <a:extLst>
               <a:ext uri="{91240B29-F687-4f45-9708-019B960494DF}">
-                <a14:hiddenLine xmlns="" xmlns:a14="http://schemas.microsoft.com/office/drawing/2010/main" w="9525">
+                <a14:hiddenLine xmlns:a14="http://schemas.microsoft.com/office/drawing/2010/main" xmlns="" w="9525">
                   <a:solidFill>
                     <a:srgbClr val="000000"/>
                   </a:solidFill>
@@ -5497,7 +5832,7 @@
             </a:ln>
             <a:extLst>
               <a:ext uri="{91240B29-F687-4f45-9708-019B960494DF}">
-                <a14:hiddenLine xmlns="" xmlns:a14="http://schemas.microsoft.com/office/drawing/2010/main" w="9525">
+                <a14:hiddenLine xmlns:a14="http://schemas.microsoft.com/office/drawing/2010/main" xmlns="" w="9525">
                   <a:solidFill>
                     <a:srgbClr val="000000"/>
                   </a:solidFill>
@@ -5617,7 +5952,7 @@
             </a:ln>
             <a:extLst>
               <a:ext uri="{91240B29-F687-4f45-9708-019B960494DF}">
-                <a14:hiddenLine xmlns="" xmlns:a14="http://schemas.microsoft.com/office/drawing/2010/main" w="9525">
+                <a14:hiddenLine xmlns:a14="http://schemas.microsoft.com/office/drawing/2010/main" xmlns="" w="9525">
                   <a:solidFill>
                     <a:srgbClr val="000000"/>
                   </a:solidFill>
@@ -5685,7 +6020,7 @@
             </a:ln>
             <a:extLst>
               <a:ext uri="{91240B29-F687-4f45-9708-019B960494DF}">
-                <a14:hiddenLine xmlns="" xmlns:a14="http://schemas.microsoft.com/office/drawing/2010/main" w="9525">
+                <a14:hiddenLine xmlns:a14="http://schemas.microsoft.com/office/drawing/2010/main" xmlns="" w="9525">
                   <a:solidFill>
                     <a:srgbClr val="000000"/>
                   </a:solidFill>
@@ -5775,7 +6110,7 @@
             </a:ln>
             <a:extLst>
               <a:ext uri="{91240B29-F687-4f45-9708-019B960494DF}">
-                <a14:hiddenLine xmlns="" xmlns:a14="http://schemas.microsoft.com/office/drawing/2010/main" w="9525">
+                <a14:hiddenLine xmlns:a14="http://schemas.microsoft.com/office/drawing/2010/main" xmlns="" w="9525">
                   <a:solidFill>
                     <a:srgbClr val="000000"/>
                   </a:solidFill>
@@ -5915,7 +6250,7 @@
           <a:p>
             <a:fld id="{849DE176-146E-4F1E-BCCE-E46272DCA095}" type="datetimeFigureOut">
               <a:rPr lang="es-AR" smtClean="0"/>
-              <a:t>2/6/2023</a:t>
+              <a:t>29/9/2023</a:t>
             </a:fld>
             <a:endParaRPr lang="es-AR"/>
           </a:p>
@@ -6182,7 +6517,7 @@
           <a:p>
             <a:fld id="{849DE176-146E-4F1E-BCCE-E46272DCA095}" type="datetimeFigureOut">
               <a:rPr lang="es-AR" smtClean="0"/>
-              <a:t>2/6/2023</a:t>
+              <a:t>29/9/2023</a:t>
             </a:fld>
             <a:endParaRPr lang="es-AR"/>
           </a:p>
@@ -6378,7 +6713,7 @@
           <a:p>
             <a:fld id="{849DE176-146E-4F1E-BCCE-E46272DCA095}" type="datetimeFigureOut">
               <a:rPr lang="es-AR" smtClean="0"/>
-              <a:t>2/6/2023</a:t>
+              <a:t>29/9/2023</a:t>
             </a:fld>
             <a:endParaRPr lang="es-AR"/>
           </a:p>
@@ -6641,7 +6976,7 @@
           <a:p>
             <a:fld id="{849DE176-146E-4F1E-BCCE-E46272DCA095}" type="datetimeFigureOut">
               <a:rPr lang="es-AR" smtClean="0"/>
-              <a:t>2/6/2023</a:t>
+              <a:t>29/9/2023</a:t>
             </a:fld>
             <a:endParaRPr lang="es-AR"/>
           </a:p>
@@ -7075,7 +7410,7 @@
           <a:p>
             <a:fld id="{849DE176-146E-4F1E-BCCE-E46272DCA095}" type="datetimeFigureOut">
               <a:rPr lang="es-AR" smtClean="0"/>
-              <a:t>2/6/2023</a:t>
+              <a:t>29/9/2023</a:t>
             </a:fld>
             <a:endParaRPr lang="es-AR"/>
           </a:p>
@@ -7621,7 +7956,7 @@
           <a:p>
             <a:fld id="{849DE176-146E-4F1E-BCCE-E46272DCA095}" type="datetimeFigureOut">
               <a:rPr lang="es-AR" smtClean="0"/>
-              <a:t>2/6/2023</a:t>
+              <a:t>29/9/2023</a:t>
             </a:fld>
             <a:endParaRPr lang="es-AR"/>
           </a:p>
@@ -8341,7 +8676,7 @@
           <a:p>
             <a:fld id="{849DE176-146E-4F1E-BCCE-E46272DCA095}" type="datetimeFigureOut">
               <a:rPr lang="es-AR" smtClean="0"/>
-              <a:t>2/6/2023</a:t>
+              <a:t>29/9/2023</a:t>
             </a:fld>
             <a:endParaRPr lang="es-AR"/>
           </a:p>
@@ -8511,7 +8846,7 @@
           <a:p>
             <a:fld id="{849DE176-146E-4F1E-BCCE-E46272DCA095}" type="datetimeFigureOut">
               <a:rPr lang="es-AR" smtClean="0"/>
-              <a:t>2/6/2023</a:t>
+              <a:t>29/9/2023</a:t>
             </a:fld>
             <a:endParaRPr lang="es-AR"/>
           </a:p>
@@ -8691,7 +9026,7 @@
           <a:p>
             <a:fld id="{849DE176-146E-4F1E-BCCE-E46272DCA095}" type="datetimeFigureOut">
               <a:rPr lang="es-AR" smtClean="0"/>
-              <a:t>2/6/2023</a:t>
+              <a:t>29/9/2023</a:t>
             </a:fld>
             <a:endParaRPr lang="es-AR"/>
           </a:p>
@@ -8861,7 +9196,7 @@
           <a:p>
             <a:fld id="{849DE176-146E-4F1E-BCCE-E46272DCA095}" type="datetimeFigureOut">
               <a:rPr lang="es-AR" smtClean="0"/>
-              <a:t>2/6/2023</a:t>
+              <a:t>29/9/2023</a:t>
             </a:fld>
             <a:endParaRPr lang="es-AR"/>
           </a:p>
@@ -9111,7 +9446,7 @@
           <a:p>
             <a:fld id="{849DE176-146E-4F1E-BCCE-E46272DCA095}" type="datetimeFigureOut">
               <a:rPr lang="es-AR" smtClean="0"/>
-              <a:t>2/6/2023</a:t>
+              <a:t>29/9/2023</a:t>
             </a:fld>
             <a:endParaRPr lang="es-AR"/>
           </a:p>
@@ -9343,7 +9678,7 @@
           <a:p>
             <a:fld id="{849DE176-146E-4F1E-BCCE-E46272DCA095}" type="datetimeFigureOut">
               <a:rPr lang="es-AR" smtClean="0"/>
-              <a:t>2/6/2023</a:t>
+              <a:t>29/9/2023</a:t>
             </a:fld>
             <a:endParaRPr lang="es-AR"/>
           </a:p>
@@ -9724,7 +10059,7 @@
           <a:p>
             <a:fld id="{849DE176-146E-4F1E-BCCE-E46272DCA095}" type="datetimeFigureOut">
               <a:rPr lang="es-AR" smtClean="0"/>
-              <a:t>2/6/2023</a:t>
+              <a:t>29/9/2023</a:t>
             </a:fld>
             <a:endParaRPr lang="es-AR"/>
           </a:p>
@@ -9842,7 +10177,7 @@
           <a:p>
             <a:fld id="{849DE176-146E-4F1E-BCCE-E46272DCA095}" type="datetimeFigureOut">
               <a:rPr lang="es-AR" smtClean="0"/>
-              <a:t>2/6/2023</a:t>
+              <a:t>29/9/2023</a:t>
             </a:fld>
             <a:endParaRPr lang="es-AR"/>
           </a:p>
@@ -9937,7 +10272,7 @@
           <a:p>
             <a:fld id="{849DE176-146E-4F1E-BCCE-E46272DCA095}" type="datetimeFigureOut">
               <a:rPr lang="es-AR" smtClean="0"/>
-              <a:t>2/6/2023</a:t>
+              <a:t>29/9/2023</a:t>
             </a:fld>
             <a:endParaRPr lang="es-AR"/>
           </a:p>
@@ -10186,7 +10521,7 @@
           <a:p>
             <a:fld id="{849DE176-146E-4F1E-BCCE-E46272DCA095}" type="datetimeFigureOut">
               <a:rPr lang="es-AR" smtClean="0"/>
-              <a:t>2/6/2023</a:t>
+              <a:t>29/9/2023</a:t>
             </a:fld>
             <a:endParaRPr lang="es-AR"/>
           </a:p>
@@ -10466,7 +10801,7 @@
           <a:p>
             <a:fld id="{849DE176-146E-4F1E-BCCE-E46272DCA095}" type="datetimeFigureOut">
               <a:rPr lang="es-AR" smtClean="0"/>
-              <a:t>2/6/2023</a:t>
+              <a:t>29/9/2023</a:t>
             </a:fld>
             <a:endParaRPr lang="es-AR"/>
           </a:p>
@@ -10606,7 +10941,7 @@
           <a:noFill/>
           <a:extLst>
             <a:ext uri="{909E8E84-426E-40dd-AFC4-6F175D3DCCD1}">
-              <a14:hiddenFill xmlns="" xmlns:a14="http://schemas.microsoft.com/office/drawing/2010/main">
+              <a14:hiddenFill xmlns:a14="http://schemas.microsoft.com/office/drawing/2010/main" xmlns="">
                 <a:solidFill>
                   <a:srgbClr val="FFFFFF"/>
                 </a:solidFill>
@@ -10680,7 +11015,7 @@
               </a:ln>
               <a:extLst>
                 <a:ext uri="{91240B29-F687-4f45-9708-019B960494DF}">
-                  <a14:hiddenLine xmlns="" xmlns:a14="http://schemas.microsoft.com/office/drawing/2010/main" w="9525">
+                  <a14:hiddenLine xmlns:a14="http://schemas.microsoft.com/office/drawing/2010/main" xmlns="" w="9525">
                     <a:solidFill>
                       <a:srgbClr val="000000"/>
                     </a:solidFill>
@@ -10770,7 +11105,7 @@
               </a:ln>
               <a:extLst>
                 <a:ext uri="{91240B29-F687-4f45-9708-019B960494DF}">
-                  <a14:hiddenLine xmlns="" xmlns:a14="http://schemas.microsoft.com/office/drawing/2010/main" w="9525">
+                  <a14:hiddenLine xmlns:a14="http://schemas.microsoft.com/office/drawing/2010/main" xmlns="" w="9525">
                     <a:solidFill>
                       <a:srgbClr val="000000"/>
                     </a:solidFill>
@@ -10860,7 +11195,7 @@
               </a:ln>
               <a:extLst>
                 <a:ext uri="{91240B29-F687-4f45-9708-019B960494DF}">
-                  <a14:hiddenLine xmlns="" xmlns:a14="http://schemas.microsoft.com/office/drawing/2010/main" w="9525">
+                  <a14:hiddenLine xmlns:a14="http://schemas.microsoft.com/office/drawing/2010/main" xmlns="" w="9525">
                     <a:solidFill>
                       <a:srgbClr val="000000"/>
                     </a:solidFill>
@@ -10922,7 +11257,7 @@
               </a:ln>
               <a:extLst>
                 <a:ext uri="{91240B29-F687-4f45-9708-019B960494DF}">
-                  <a14:hiddenLine xmlns="" xmlns:a14="http://schemas.microsoft.com/office/drawing/2010/main" w="9525">
+                  <a14:hiddenLine xmlns:a14="http://schemas.microsoft.com/office/drawing/2010/main" xmlns="" w="9525">
                     <a:solidFill>
                       <a:srgbClr val="000000"/>
                     </a:solidFill>
@@ -11012,7 +11347,7 @@
               </a:ln>
               <a:extLst>
                 <a:ext uri="{91240B29-F687-4f45-9708-019B960494DF}">
-                  <a14:hiddenLine xmlns="" xmlns:a14="http://schemas.microsoft.com/office/drawing/2010/main" w="9525">
+                  <a14:hiddenLine xmlns:a14="http://schemas.microsoft.com/office/drawing/2010/main" xmlns="" w="9525">
                     <a:solidFill>
                       <a:srgbClr val="000000"/>
                     </a:solidFill>
@@ -11074,7 +11409,7 @@
               </a:ln>
               <a:extLst>
                 <a:ext uri="{91240B29-F687-4f45-9708-019B960494DF}">
-                  <a14:hiddenLine xmlns="" xmlns:a14="http://schemas.microsoft.com/office/drawing/2010/main" w="9525">
+                  <a14:hiddenLine xmlns:a14="http://schemas.microsoft.com/office/drawing/2010/main" xmlns="" w="9525">
                     <a:solidFill>
                       <a:srgbClr val="000000"/>
                     </a:solidFill>
@@ -11136,7 +11471,7 @@
               </a:ln>
               <a:extLst>
                 <a:ext uri="{91240B29-F687-4f45-9708-019B960494DF}">
-                  <a14:hiddenLine xmlns="" xmlns:a14="http://schemas.microsoft.com/office/drawing/2010/main" w="9525">
+                  <a14:hiddenLine xmlns:a14="http://schemas.microsoft.com/office/drawing/2010/main" xmlns="" w="9525">
                     <a:solidFill>
                       <a:srgbClr val="000000"/>
                     </a:solidFill>
@@ -11226,7 +11561,7 @@
               </a:ln>
               <a:extLst>
                 <a:ext uri="{91240B29-F687-4f45-9708-019B960494DF}">
-                  <a14:hiddenLine xmlns="" xmlns:a14="http://schemas.microsoft.com/office/drawing/2010/main" w="9525">
+                  <a14:hiddenLine xmlns:a14="http://schemas.microsoft.com/office/drawing/2010/main" xmlns="" w="9525">
                     <a:solidFill>
                       <a:srgbClr val="000000"/>
                     </a:solidFill>
@@ -11316,7 +11651,7 @@
               </a:ln>
               <a:extLst>
                 <a:ext uri="{91240B29-F687-4f45-9708-019B960494DF}">
-                  <a14:hiddenLine xmlns="" xmlns:a14="http://schemas.microsoft.com/office/drawing/2010/main" w="9525">
+                  <a14:hiddenLine xmlns:a14="http://schemas.microsoft.com/office/drawing/2010/main" xmlns="" w="9525">
                     <a:solidFill>
                       <a:srgbClr val="000000"/>
                     </a:solidFill>
@@ -11378,7 +11713,7 @@
               </a:ln>
               <a:extLst>
                 <a:ext uri="{91240B29-F687-4f45-9708-019B960494DF}">
-                  <a14:hiddenLine xmlns="" xmlns:a14="http://schemas.microsoft.com/office/drawing/2010/main" w="9525">
+                  <a14:hiddenLine xmlns:a14="http://schemas.microsoft.com/office/drawing/2010/main" xmlns="" w="9525">
                     <a:solidFill>
                       <a:srgbClr val="000000"/>
                     </a:solidFill>
@@ -11488,7 +11823,7 @@
               </a:ln>
               <a:extLst>
                 <a:ext uri="{91240B29-F687-4f45-9708-019B960494DF}">
-                  <a14:hiddenLine xmlns="" xmlns:a14="http://schemas.microsoft.com/office/drawing/2010/main" w="9525">
+                  <a14:hiddenLine xmlns:a14="http://schemas.microsoft.com/office/drawing/2010/main" xmlns="" w="9525">
                     <a:solidFill>
                       <a:srgbClr val="000000"/>
                     </a:solidFill>
@@ -11572,7 +11907,7 @@
               </a:ln>
               <a:extLst>
                 <a:ext uri="{91240B29-F687-4f45-9708-019B960494DF}">
-                  <a14:hiddenLine xmlns="" xmlns:a14="http://schemas.microsoft.com/office/drawing/2010/main" w="9525">
+                  <a14:hiddenLine xmlns:a14="http://schemas.microsoft.com/office/drawing/2010/main" xmlns="" w="9525">
                     <a:solidFill>
                       <a:srgbClr val="000000"/>
                     </a:solidFill>
@@ -11634,7 +11969,7 @@
               </a:ln>
               <a:extLst>
                 <a:ext uri="{91240B29-F687-4f45-9708-019B960494DF}">
-                  <a14:hiddenLine xmlns="" xmlns:a14="http://schemas.microsoft.com/office/drawing/2010/main" w="9525">
+                  <a14:hiddenLine xmlns:a14="http://schemas.microsoft.com/office/drawing/2010/main" xmlns="" w="9525">
                     <a:solidFill>
                       <a:srgbClr val="000000"/>
                     </a:solidFill>
@@ -11696,7 +12031,7 @@
               </a:ln>
               <a:extLst>
                 <a:ext uri="{91240B29-F687-4f45-9708-019B960494DF}">
-                  <a14:hiddenLine xmlns="" xmlns:a14="http://schemas.microsoft.com/office/drawing/2010/main" w="9525">
+                  <a14:hiddenLine xmlns:a14="http://schemas.microsoft.com/office/drawing/2010/main" xmlns="" w="9525">
                     <a:solidFill>
                       <a:srgbClr val="000000"/>
                     </a:solidFill>
@@ -11786,7 +12121,7 @@
               </a:ln>
               <a:extLst>
                 <a:ext uri="{91240B29-F687-4f45-9708-019B960494DF}">
-                  <a14:hiddenLine xmlns="" xmlns:a14="http://schemas.microsoft.com/office/drawing/2010/main" w="9525">
+                  <a14:hiddenLine xmlns:a14="http://schemas.microsoft.com/office/drawing/2010/main" xmlns="" w="9525">
                     <a:solidFill>
                       <a:srgbClr val="000000"/>
                     </a:solidFill>
@@ -11820,7 +12155,7 @@
               </a:ln>
               <a:extLst>
                 <a:ext uri="{91240B29-F687-4f45-9708-019B960494DF}">
-                  <a14:hiddenLine xmlns="" xmlns:a14="http://schemas.microsoft.com/office/drawing/2010/main" w="9525">
+                  <a14:hiddenLine xmlns:a14="http://schemas.microsoft.com/office/drawing/2010/main" xmlns="" w="9525">
                     <a:solidFill>
                       <a:srgbClr val="000000"/>
                     </a:solidFill>
@@ -11885,7 +12220,7 @@
               </a:ln>
               <a:extLst>
                 <a:ext uri="{91240B29-F687-4f45-9708-019B960494DF}">
-                  <a14:hiddenLine xmlns="" xmlns:a14="http://schemas.microsoft.com/office/drawing/2010/main" w="9525">
+                  <a14:hiddenLine xmlns:a14="http://schemas.microsoft.com/office/drawing/2010/main" xmlns="" w="9525">
                     <a:solidFill>
                       <a:srgbClr val="000000"/>
                     </a:solidFill>
@@ -11975,7 +12310,7 @@
               </a:ln>
               <a:extLst>
                 <a:ext uri="{91240B29-F687-4f45-9708-019B960494DF}">
-                  <a14:hiddenLine xmlns="" xmlns:a14="http://schemas.microsoft.com/office/drawing/2010/main" w="9525">
+                  <a14:hiddenLine xmlns:a14="http://schemas.microsoft.com/office/drawing/2010/main" xmlns="" w="9525">
                     <a:solidFill>
                       <a:srgbClr val="000000"/>
                     </a:solidFill>
@@ -12037,7 +12372,7 @@
               </a:ln>
               <a:extLst>
                 <a:ext uri="{91240B29-F687-4f45-9708-019B960494DF}">
-                  <a14:hiddenLine xmlns="" xmlns:a14="http://schemas.microsoft.com/office/drawing/2010/main" w="9525">
+                  <a14:hiddenLine xmlns:a14="http://schemas.microsoft.com/office/drawing/2010/main" xmlns="" w="9525">
                     <a:solidFill>
                       <a:srgbClr val="000000"/>
                     </a:solidFill>
@@ -12127,7 +12462,7 @@
               </a:ln>
               <a:extLst>
                 <a:ext uri="{91240B29-F687-4f45-9708-019B960494DF}">
-                  <a14:hiddenLine xmlns="" xmlns:a14="http://schemas.microsoft.com/office/drawing/2010/main" w="9525">
+                  <a14:hiddenLine xmlns:a14="http://schemas.microsoft.com/office/drawing/2010/main" xmlns="" w="9525">
                     <a:solidFill>
                       <a:srgbClr val="000000"/>
                     </a:solidFill>
@@ -12192,7 +12527,7 @@
               </a:ln>
               <a:extLst>
                 <a:ext uri="{91240B29-F687-4f45-9708-019B960494DF}">
-                  <a14:hiddenLine xmlns="" xmlns:a14="http://schemas.microsoft.com/office/drawing/2010/main" w="9525">
+                  <a14:hiddenLine xmlns:a14="http://schemas.microsoft.com/office/drawing/2010/main" xmlns="" w="9525">
                     <a:solidFill>
                       <a:srgbClr val="000000"/>
                     </a:solidFill>
@@ -12254,7 +12589,7 @@
               </a:ln>
               <a:extLst>
                 <a:ext uri="{91240B29-F687-4f45-9708-019B960494DF}">
-                  <a14:hiddenLine xmlns="" xmlns:a14="http://schemas.microsoft.com/office/drawing/2010/main" w="9525">
+                  <a14:hiddenLine xmlns:a14="http://schemas.microsoft.com/office/drawing/2010/main" xmlns="" w="9525">
                     <a:solidFill>
                       <a:srgbClr val="000000"/>
                     </a:solidFill>
@@ -12344,7 +12679,7 @@
               </a:ln>
               <a:extLst>
                 <a:ext uri="{91240B29-F687-4f45-9708-019B960494DF}">
-                  <a14:hiddenLine xmlns="" xmlns:a14="http://schemas.microsoft.com/office/drawing/2010/main" w="9525">
+                  <a14:hiddenLine xmlns:a14="http://schemas.microsoft.com/office/drawing/2010/main" xmlns="" w="9525">
                     <a:solidFill>
                       <a:srgbClr val="000000"/>
                     </a:solidFill>
@@ -12434,7 +12769,7 @@
               </a:ln>
               <a:extLst>
                 <a:ext uri="{91240B29-F687-4f45-9708-019B960494DF}">
-                  <a14:hiddenLine xmlns="" xmlns:a14="http://schemas.microsoft.com/office/drawing/2010/main" w="9525">
+                  <a14:hiddenLine xmlns:a14="http://schemas.microsoft.com/office/drawing/2010/main" xmlns="" w="9525">
                     <a:solidFill>
                       <a:srgbClr val="000000"/>
                     </a:solidFill>
@@ -12499,7 +12834,7 @@
               </a:ln>
               <a:extLst>
                 <a:ext uri="{91240B29-F687-4f45-9708-019B960494DF}">
-                  <a14:hiddenLine xmlns="" xmlns:a14="http://schemas.microsoft.com/office/drawing/2010/main" w="9525">
+                  <a14:hiddenLine xmlns:a14="http://schemas.microsoft.com/office/drawing/2010/main" xmlns="" w="9525">
                     <a:solidFill>
                       <a:srgbClr val="000000"/>
                     </a:solidFill>
@@ -12619,7 +12954,7 @@
               </a:ln>
               <a:extLst>
                 <a:ext uri="{91240B29-F687-4f45-9708-019B960494DF}">
-                  <a14:hiddenLine xmlns="" xmlns:a14="http://schemas.microsoft.com/office/drawing/2010/main" w="9525">
+                  <a14:hiddenLine xmlns:a14="http://schemas.microsoft.com/office/drawing/2010/main" xmlns="" w="9525">
                     <a:solidFill>
                       <a:srgbClr val="000000"/>
                     </a:solidFill>
@@ -12717,7 +13052,7 @@
               </a:ln>
               <a:extLst>
                 <a:ext uri="{91240B29-F687-4f45-9708-019B960494DF}">
-                  <a14:hiddenLine xmlns="" xmlns:a14="http://schemas.microsoft.com/office/drawing/2010/main" w="9525">
+                  <a14:hiddenLine xmlns:a14="http://schemas.microsoft.com/office/drawing/2010/main" xmlns="" w="9525">
                     <a:solidFill>
                       <a:srgbClr val="000000"/>
                     </a:solidFill>
@@ -12832,7 +13167,7 @@
               </a:ln>
               <a:extLst>
                 <a:ext uri="{91240B29-F687-4f45-9708-019B960494DF}">
-                  <a14:hiddenLine xmlns="" xmlns:a14="http://schemas.microsoft.com/office/drawing/2010/main" w="9525">
+                  <a14:hiddenLine xmlns:a14="http://schemas.microsoft.com/office/drawing/2010/main" xmlns="" w="9525">
                     <a:solidFill>
                       <a:srgbClr val="000000"/>
                     </a:solidFill>
@@ -12922,7 +13257,7 @@
               </a:ln>
               <a:extLst>
                 <a:ext uri="{91240B29-F687-4f45-9708-019B960494DF}">
-                  <a14:hiddenLine xmlns="" xmlns:a14="http://schemas.microsoft.com/office/drawing/2010/main" w="9525">
+                  <a14:hiddenLine xmlns:a14="http://schemas.microsoft.com/office/drawing/2010/main" xmlns="" w="9525">
                     <a:solidFill>
                       <a:srgbClr val="000000"/>
                     </a:solidFill>
@@ -12987,7 +13322,7 @@
               </a:ln>
               <a:extLst>
                 <a:ext uri="{91240B29-F687-4f45-9708-019B960494DF}">
-                  <a14:hiddenLine xmlns="" xmlns:a14="http://schemas.microsoft.com/office/drawing/2010/main" w="9525">
+                  <a14:hiddenLine xmlns:a14="http://schemas.microsoft.com/office/drawing/2010/main" xmlns="" w="9525">
                     <a:solidFill>
                       <a:srgbClr val="000000"/>
                     </a:solidFill>
@@ -13077,7 +13412,7 @@
               </a:ln>
               <a:extLst>
                 <a:ext uri="{91240B29-F687-4f45-9708-019B960494DF}">
-                  <a14:hiddenLine xmlns="" xmlns:a14="http://schemas.microsoft.com/office/drawing/2010/main" w="9525">
+                  <a14:hiddenLine xmlns:a14="http://schemas.microsoft.com/office/drawing/2010/main" xmlns="" w="9525">
                     <a:solidFill>
                       <a:srgbClr val="000000"/>
                     </a:solidFill>
@@ -13145,7 +13480,7 @@
               </a:ln>
               <a:extLst>
                 <a:ext uri="{91240B29-F687-4f45-9708-019B960494DF}">
-                  <a14:hiddenLine xmlns="" xmlns:a14="http://schemas.microsoft.com/office/drawing/2010/main" w="9525">
+                  <a14:hiddenLine xmlns:a14="http://schemas.microsoft.com/office/drawing/2010/main" xmlns="" w="9525">
                     <a:solidFill>
                       <a:srgbClr val="000000"/>
                     </a:solidFill>
@@ -13235,7 +13570,7 @@
               </a:ln>
               <a:extLst>
                 <a:ext uri="{91240B29-F687-4f45-9708-019B960494DF}">
-                  <a14:hiddenLine xmlns="" xmlns:a14="http://schemas.microsoft.com/office/drawing/2010/main" w="9525">
+                  <a14:hiddenLine xmlns:a14="http://schemas.microsoft.com/office/drawing/2010/main" xmlns="" w="9525">
                     <a:solidFill>
                       <a:srgbClr val="000000"/>
                     </a:solidFill>
@@ -13303,7 +13638,7 @@
               </a:ln>
               <a:extLst>
                 <a:ext uri="{91240B29-F687-4f45-9708-019B960494DF}">
-                  <a14:hiddenLine xmlns="" xmlns:a14="http://schemas.microsoft.com/office/drawing/2010/main" w="9525">
+                  <a14:hiddenLine xmlns:a14="http://schemas.microsoft.com/office/drawing/2010/main" xmlns="" w="9525">
                     <a:solidFill>
                       <a:srgbClr val="000000"/>
                     </a:solidFill>
@@ -13393,7 +13728,7 @@
               </a:ln>
               <a:extLst>
                 <a:ext uri="{91240B29-F687-4f45-9708-019B960494DF}">
-                  <a14:hiddenLine xmlns="" xmlns:a14="http://schemas.microsoft.com/office/drawing/2010/main" w="9525">
+                  <a14:hiddenLine xmlns:a14="http://schemas.microsoft.com/office/drawing/2010/main" xmlns="" w="9525">
                     <a:solidFill>
                       <a:srgbClr val="000000"/>
                     </a:solidFill>
@@ -13427,7 +13762,7 @@
               </a:ln>
               <a:extLst>
                 <a:ext uri="{91240B29-F687-4f45-9708-019B960494DF}">
-                  <a14:hiddenLine xmlns="" xmlns:a14="http://schemas.microsoft.com/office/drawing/2010/main" w="9525">
+                  <a14:hiddenLine xmlns:a14="http://schemas.microsoft.com/office/drawing/2010/main" xmlns="" w="9525">
                     <a:solidFill>
                       <a:srgbClr val="000000"/>
                     </a:solidFill>
@@ -13567,7 +13902,7 @@
           <a:p>
             <a:fld id="{849DE176-146E-4F1E-BCCE-E46272DCA095}" type="datetimeFigureOut">
               <a:rPr lang="es-AR" smtClean="0"/>
-              <a:t>2/6/2023</a:t>
+              <a:t>29/9/2023</a:t>
             </a:fld>
             <a:endParaRPr lang="es-AR"/>
           </a:p>
@@ -24097,7 +24432,23 @@
                   <a:schemeClr val="bg1"/>
                 </a:solidFill>
               </a:rPr>
-              <a:t> Neural Network (RNN) - </a:t>
+              <a:t> Neural Network (RNN) – </a:t>
+            </a:r>
+            <a:r>
+              <a:rPr lang="es-AR" sz="3200" dirty="0" err="1">
+                <a:solidFill>
+                  <a:schemeClr val="bg1"/>
+                </a:solidFill>
+              </a:rPr>
+              <a:t>Self</a:t>
+            </a:r>
+            <a:r>
+              <a:rPr lang="es-AR" sz="3200" dirty="0">
+                <a:solidFill>
+                  <a:schemeClr val="bg1"/>
+                </a:solidFill>
+              </a:rPr>
+              <a:t> </a:t>
             </a:r>
             <a:r>
               <a:rPr lang="es-AR" sz="3200" dirty="0" err="1">
@@ -24856,239 +25207,6 @@
           </a:prstGeom>
         </p:spPr>
       </p:pic>
-      <p:sp>
-        <p:nvSpPr>
-          <p:cNvPr id="2" name="Subtitle 1"/>
-          <p:cNvSpPr txBox="1">
-            <a:spLocks/>
-          </p:cNvSpPr>
-          <p:nvPr/>
-        </p:nvSpPr>
-        <p:spPr>
-          <a:xfrm>
-            <a:off x="296213" y="0"/>
-            <a:ext cx="11694017" cy="811369"/>
-          </a:xfrm>
-          <a:prstGeom prst="rect">
-            <a:avLst/>
-          </a:prstGeom>
-        </p:spPr>
-        <p:txBody>
-          <a:bodyPr vert="horz" lIns="91440" tIns="45720" rIns="91440" bIns="45720" rtlCol="0">
-            <a:noAutofit/>
-          </a:bodyPr>
-          <a:lstStyle>
-            <a:lvl1pPr marL="228600" indent="-228600" algn="l" defTabSz="914400" rtl="0" eaLnBrk="1" latinLnBrk="0" hangingPunct="1">
-              <a:lnSpc>
-                <a:spcPct val="120000"/>
-              </a:lnSpc>
-              <a:spcBef>
-                <a:spcPts val="1000"/>
-              </a:spcBef>
-              <a:buSzPct val="125000"/>
-              <a:buFont typeface="Arial" panose="020B0604020202020204" pitchFamily="34" charset="0"/>
-              <a:buChar char="•"/>
-              <a:defRPr sz="2400" kern="1200">
-                <a:solidFill>
-                  <a:schemeClr val="tx1"/>
-                </a:solidFill>
-                <a:latin typeface="+mn-lt"/>
-                <a:ea typeface="+mn-ea"/>
-                <a:cs typeface="+mn-cs"/>
-              </a:defRPr>
-            </a:lvl1pPr>
-            <a:lvl2pPr marL="685800" indent="-228600" algn="l" defTabSz="914400" rtl="0" eaLnBrk="1" latinLnBrk="0" hangingPunct="1">
-              <a:lnSpc>
-                <a:spcPct val="120000"/>
-              </a:lnSpc>
-              <a:spcBef>
-                <a:spcPts val="500"/>
-              </a:spcBef>
-              <a:buSzPct val="125000"/>
-              <a:buFont typeface="Arial" panose="020B0604020202020204" pitchFamily="34" charset="0"/>
-              <a:buChar char="•"/>
-              <a:defRPr sz="2000" kern="1200">
-                <a:solidFill>
-                  <a:schemeClr val="tx1"/>
-                </a:solidFill>
-                <a:latin typeface="+mn-lt"/>
-                <a:ea typeface="+mn-ea"/>
-                <a:cs typeface="+mn-cs"/>
-              </a:defRPr>
-            </a:lvl2pPr>
-            <a:lvl3pPr marL="1143000" indent="-228600" algn="l" defTabSz="914400" rtl="0" eaLnBrk="1" latinLnBrk="0" hangingPunct="1">
-              <a:lnSpc>
-                <a:spcPct val="120000"/>
-              </a:lnSpc>
-              <a:spcBef>
-                <a:spcPts val="500"/>
-              </a:spcBef>
-              <a:buSzPct val="125000"/>
-              <a:buFont typeface="Arial" panose="020B0604020202020204" pitchFamily="34" charset="0"/>
-              <a:buChar char="•"/>
-              <a:defRPr sz="1800" kern="1200">
-                <a:solidFill>
-                  <a:schemeClr val="tx1"/>
-                </a:solidFill>
-                <a:latin typeface="+mn-lt"/>
-                <a:ea typeface="+mn-ea"/>
-                <a:cs typeface="+mn-cs"/>
-              </a:defRPr>
-            </a:lvl3pPr>
-            <a:lvl4pPr marL="1600200" indent="-228600" algn="l" defTabSz="914400" rtl="0" eaLnBrk="1" latinLnBrk="0" hangingPunct="1">
-              <a:lnSpc>
-                <a:spcPct val="120000"/>
-              </a:lnSpc>
-              <a:spcBef>
-                <a:spcPts val="500"/>
-              </a:spcBef>
-              <a:buSzPct val="125000"/>
-              <a:buFont typeface="Arial" panose="020B0604020202020204" pitchFamily="34" charset="0"/>
-              <a:buChar char="•"/>
-              <a:defRPr sz="1600" kern="1200">
-                <a:solidFill>
-                  <a:schemeClr val="tx1"/>
-                </a:solidFill>
-                <a:latin typeface="+mn-lt"/>
-                <a:ea typeface="+mn-ea"/>
-                <a:cs typeface="+mn-cs"/>
-              </a:defRPr>
-            </a:lvl4pPr>
-            <a:lvl5pPr marL="2057400" indent="-228600" algn="l" defTabSz="914400" rtl="0" eaLnBrk="1" latinLnBrk="0" hangingPunct="1">
-              <a:lnSpc>
-                <a:spcPct val="120000"/>
-              </a:lnSpc>
-              <a:spcBef>
-                <a:spcPts val="500"/>
-              </a:spcBef>
-              <a:buSzPct val="125000"/>
-              <a:buFont typeface="Arial" panose="020B0604020202020204" pitchFamily="34" charset="0"/>
-              <a:buChar char="•"/>
-              <a:defRPr sz="1600" kern="1200">
-                <a:solidFill>
-                  <a:schemeClr val="tx1"/>
-                </a:solidFill>
-                <a:latin typeface="+mn-lt"/>
-                <a:ea typeface="+mn-ea"/>
-                <a:cs typeface="+mn-cs"/>
-              </a:defRPr>
-            </a:lvl5pPr>
-            <a:lvl6pPr marL="2514600" indent="-228600" algn="l" defTabSz="914400" rtl="0" eaLnBrk="1" latinLnBrk="0" hangingPunct="1">
-              <a:lnSpc>
-                <a:spcPct val="120000"/>
-              </a:lnSpc>
-              <a:spcBef>
-                <a:spcPts val="500"/>
-              </a:spcBef>
-              <a:buSzPct val="125000"/>
-              <a:buFont typeface="Arial" panose="020B0604020202020204" pitchFamily="34" charset="0"/>
-              <a:buChar char="•"/>
-              <a:defRPr sz="1400" kern="1200">
-                <a:solidFill>
-                  <a:schemeClr val="tx1"/>
-                </a:solidFill>
-                <a:latin typeface="+mn-lt"/>
-                <a:ea typeface="+mn-ea"/>
-                <a:cs typeface="+mn-cs"/>
-              </a:defRPr>
-            </a:lvl6pPr>
-            <a:lvl7pPr marL="2971800" indent="-228600" algn="l" defTabSz="914400" rtl="0" eaLnBrk="1" latinLnBrk="0" hangingPunct="1">
-              <a:lnSpc>
-                <a:spcPct val="120000"/>
-              </a:lnSpc>
-              <a:spcBef>
-                <a:spcPts val="500"/>
-              </a:spcBef>
-              <a:buSzPct val="125000"/>
-              <a:buFont typeface="Arial" panose="020B0604020202020204" pitchFamily="34" charset="0"/>
-              <a:buChar char="•"/>
-              <a:defRPr sz="1400" kern="1200">
-                <a:solidFill>
-                  <a:schemeClr val="tx1"/>
-                </a:solidFill>
-                <a:latin typeface="+mn-lt"/>
-                <a:ea typeface="+mn-ea"/>
-                <a:cs typeface="+mn-cs"/>
-              </a:defRPr>
-            </a:lvl7pPr>
-            <a:lvl8pPr marL="3429000" indent="-228600" algn="l" defTabSz="914400" rtl="0" eaLnBrk="1" latinLnBrk="0" hangingPunct="1">
-              <a:lnSpc>
-                <a:spcPct val="120000"/>
-              </a:lnSpc>
-              <a:spcBef>
-                <a:spcPts val="500"/>
-              </a:spcBef>
-              <a:buSzPct val="125000"/>
-              <a:buFont typeface="Arial" panose="020B0604020202020204" pitchFamily="34" charset="0"/>
-              <a:buChar char="•"/>
-              <a:defRPr sz="1400" kern="1200">
-                <a:solidFill>
-                  <a:schemeClr val="tx1"/>
-                </a:solidFill>
-                <a:latin typeface="+mn-lt"/>
-                <a:ea typeface="+mn-ea"/>
-                <a:cs typeface="+mn-cs"/>
-              </a:defRPr>
-            </a:lvl8pPr>
-            <a:lvl9pPr marL="3886200" indent="-228600" algn="l" defTabSz="914400" rtl="0" eaLnBrk="1" latinLnBrk="0" hangingPunct="1">
-              <a:lnSpc>
-                <a:spcPct val="120000"/>
-              </a:lnSpc>
-              <a:spcBef>
-                <a:spcPts val="500"/>
-              </a:spcBef>
-              <a:buSzPct val="125000"/>
-              <a:buFont typeface="Arial" panose="020B0604020202020204" pitchFamily="34" charset="0"/>
-              <a:buChar char="•"/>
-              <a:defRPr sz="1400" kern="1200">
-                <a:solidFill>
-                  <a:schemeClr val="tx1"/>
-                </a:solidFill>
-                <a:latin typeface="+mn-lt"/>
-                <a:ea typeface="+mn-ea"/>
-                <a:cs typeface="+mn-cs"/>
-              </a:defRPr>
-            </a:lvl9pPr>
-          </a:lstStyle>
-          <a:p>
-            <a:pPr marL="0" indent="0" algn="ctr">
-              <a:buNone/>
-            </a:pPr>
-            <a:r>
-              <a:rPr lang="es-AR" sz="3200" dirty="0" err="1">
-                <a:solidFill>
-                  <a:schemeClr val="bg1"/>
-                </a:solidFill>
-              </a:rPr>
-              <a:t>Recurrent</a:t>
-            </a:r>
-            <a:r>
-              <a:rPr lang="es-AR" sz="3200" dirty="0">
-                <a:solidFill>
-                  <a:schemeClr val="bg1"/>
-                </a:solidFill>
-              </a:rPr>
-              <a:t> Neural Network (RNN) - </a:t>
-            </a:r>
-            <a:r>
-              <a:rPr lang="es-AR" sz="3200" dirty="0" err="1">
-                <a:solidFill>
-                  <a:schemeClr val="bg1"/>
-                </a:solidFill>
-              </a:rPr>
-              <a:t>Attention</a:t>
-            </a:r>
-            <a:r>
-              <a:rPr lang="es-AR" sz="3200" dirty="0">
-                <a:solidFill>
-                  <a:schemeClr val="bg1"/>
-                </a:solidFill>
-              </a:rPr>
-              <a:t>!!</a:t>
-            </a:r>
-          </a:p>
-        </p:txBody>
-      </p:sp>
       <mc:AlternateContent xmlns:mc="http://schemas.openxmlformats.org/markup-compatibility/2006" xmlns:a14="http://schemas.microsoft.com/office/drawing/2010/main">
         <mc:Choice Requires="a14">
           <p:sp>
@@ -25499,6 +25617,261 @@
           </a:p>
         </p:txBody>
       </p:sp>
+      <p:sp>
+        <p:nvSpPr>
+          <p:cNvPr id="3" name="Subtitle 1">
+            <a:extLst>
+              <a:ext uri="{FF2B5EF4-FFF2-40B4-BE49-F238E27FC236}">
+                <a16:creationId xmlns:a16="http://schemas.microsoft.com/office/drawing/2014/main" id="{7962851B-BBB8-B23B-E217-615EDFC472FC}"/>
+              </a:ext>
+            </a:extLst>
+          </p:cNvPr>
+          <p:cNvSpPr txBox="1">
+            <a:spLocks/>
+          </p:cNvSpPr>
+          <p:nvPr/>
+        </p:nvSpPr>
+        <p:spPr>
+          <a:xfrm>
+            <a:off x="92765" y="54658"/>
+            <a:ext cx="11694017" cy="811369"/>
+          </a:xfrm>
+          <a:prstGeom prst="rect">
+            <a:avLst/>
+          </a:prstGeom>
+        </p:spPr>
+        <p:txBody>
+          <a:bodyPr vert="horz" lIns="91440" tIns="45720" rIns="91440" bIns="45720" rtlCol="0">
+            <a:noAutofit/>
+          </a:bodyPr>
+          <a:lstStyle>
+            <a:lvl1pPr marL="228600" indent="-228600" algn="l" defTabSz="914400" rtl="0" eaLnBrk="1" latinLnBrk="0" hangingPunct="1">
+              <a:lnSpc>
+                <a:spcPct val="120000"/>
+              </a:lnSpc>
+              <a:spcBef>
+                <a:spcPts val="1000"/>
+              </a:spcBef>
+              <a:buSzPct val="125000"/>
+              <a:buFont typeface="Arial" panose="020B0604020202020204" pitchFamily="34" charset="0"/>
+              <a:buChar char="•"/>
+              <a:defRPr sz="2400" kern="1200">
+                <a:solidFill>
+                  <a:schemeClr val="tx1"/>
+                </a:solidFill>
+                <a:latin typeface="+mn-lt"/>
+                <a:ea typeface="+mn-ea"/>
+                <a:cs typeface="+mn-cs"/>
+              </a:defRPr>
+            </a:lvl1pPr>
+            <a:lvl2pPr marL="685800" indent="-228600" algn="l" defTabSz="914400" rtl="0" eaLnBrk="1" latinLnBrk="0" hangingPunct="1">
+              <a:lnSpc>
+                <a:spcPct val="120000"/>
+              </a:lnSpc>
+              <a:spcBef>
+                <a:spcPts val="500"/>
+              </a:spcBef>
+              <a:buSzPct val="125000"/>
+              <a:buFont typeface="Arial" panose="020B0604020202020204" pitchFamily="34" charset="0"/>
+              <a:buChar char="•"/>
+              <a:defRPr sz="2000" kern="1200">
+                <a:solidFill>
+                  <a:schemeClr val="tx1"/>
+                </a:solidFill>
+                <a:latin typeface="+mn-lt"/>
+                <a:ea typeface="+mn-ea"/>
+                <a:cs typeface="+mn-cs"/>
+              </a:defRPr>
+            </a:lvl2pPr>
+            <a:lvl3pPr marL="1143000" indent="-228600" algn="l" defTabSz="914400" rtl="0" eaLnBrk="1" latinLnBrk="0" hangingPunct="1">
+              <a:lnSpc>
+                <a:spcPct val="120000"/>
+              </a:lnSpc>
+              <a:spcBef>
+                <a:spcPts val="500"/>
+              </a:spcBef>
+              <a:buSzPct val="125000"/>
+              <a:buFont typeface="Arial" panose="020B0604020202020204" pitchFamily="34" charset="0"/>
+              <a:buChar char="•"/>
+              <a:defRPr sz="1800" kern="1200">
+                <a:solidFill>
+                  <a:schemeClr val="tx1"/>
+                </a:solidFill>
+                <a:latin typeface="+mn-lt"/>
+                <a:ea typeface="+mn-ea"/>
+                <a:cs typeface="+mn-cs"/>
+              </a:defRPr>
+            </a:lvl3pPr>
+            <a:lvl4pPr marL="1600200" indent="-228600" algn="l" defTabSz="914400" rtl="0" eaLnBrk="1" latinLnBrk="0" hangingPunct="1">
+              <a:lnSpc>
+                <a:spcPct val="120000"/>
+              </a:lnSpc>
+              <a:spcBef>
+                <a:spcPts val="500"/>
+              </a:spcBef>
+              <a:buSzPct val="125000"/>
+              <a:buFont typeface="Arial" panose="020B0604020202020204" pitchFamily="34" charset="0"/>
+              <a:buChar char="•"/>
+              <a:defRPr sz="1600" kern="1200">
+                <a:solidFill>
+                  <a:schemeClr val="tx1"/>
+                </a:solidFill>
+                <a:latin typeface="+mn-lt"/>
+                <a:ea typeface="+mn-ea"/>
+                <a:cs typeface="+mn-cs"/>
+              </a:defRPr>
+            </a:lvl4pPr>
+            <a:lvl5pPr marL="2057400" indent="-228600" algn="l" defTabSz="914400" rtl="0" eaLnBrk="1" latinLnBrk="0" hangingPunct="1">
+              <a:lnSpc>
+                <a:spcPct val="120000"/>
+              </a:lnSpc>
+              <a:spcBef>
+                <a:spcPts val="500"/>
+              </a:spcBef>
+              <a:buSzPct val="125000"/>
+              <a:buFont typeface="Arial" panose="020B0604020202020204" pitchFamily="34" charset="0"/>
+              <a:buChar char="•"/>
+              <a:defRPr sz="1600" kern="1200">
+                <a:solidFill>
+                  <a:schemeClr val="tx1"/>
+                </a:solidFill>
+                <a:latin typeface="+mn-lt"/>
+                <a:ea typeface="+mn-ea"/>
+                <a:cs typeface="+mn-cs"/>
+              </a:defRPr>
+            </a:lvl5pPr>
+            <a:lvl6pPr marL="2514600" indent="-228600" algn="l" defTabSz="914400" rtl="0" eaLnBrk="1" latinLnBrk="0" hangingPunct="1">
+              <a:lnSpc>
+                <a:spcPct val="120000"/>
+              </a:lnSpc>
+              <a:spcBef>
+                <a:spcPts val="500"/>
+              </a:spcBef>
+              <a:buSzPct val="125000"/>
+              <a:buFont typeface="Arial" panose="020B0604020202020204" pitchFamily="34" charset="0"/>
+              <a:buChar char="•"/>
+              <a:defRPr sz="1400" kern="1200">
+                <a:solidFill>
+                  <a:schemeClr val="tx1"/>
+                </a:solidFill>
+                <a:latin typeface="+mn-lt"/>
+                <a:ea typeface="+mn-ea"/>
+                <a:cs typeface="+mn-cs"/>
+              </a:defRPr>
+            </a:lvl6pPr>
+            <a:lvl7pPr marL="2971800" indent="-228600" algn="l" defTabSz="914400" rtl="0" eaLnBrk="1" latinLnBrk="0" hangingPunct="1">
+              <a:lnSpc>
+                <a:spcPct val="120000"/>
+              </a:lnSpc>
+              <a:spcBef>
+                <a:spcPts val="500"/>
+              </a:spcBef>
+              <a:buSzPct val="125000"/>
+              <a:buFont typeface="Arial" panose="020B0604020202020204" pitchFamily="34" charset="0"/>
+              <a:buChar char="•"/>
+              <a:defRPr sz="1400" kern="1200">
+                <a:solidFill>
+                  <a:schemeClr val="tx1"/>
+                </a:solidFill>
+                <a:latin typeface="+mn-lt"/>
+                <a:ea typeface="+mn-ea"/>
+                <a:cs typeface="+mn-cs"/>
+              </a:defRPr>
+            </a:lvl7pPr>
+            <a:lvl8pPr marL="3429000" indent="-228600" algn="l" defTabSz="914400" rtl="0" eaLnBrk="1" latinLnBrk="0" hangingPunct="1">
+              <a:lnSpc>
+                <a:spcPct val="120000"/>
+              </a:lnSpc>
+              <a:spcBef>
+                <a:spcPts val="500"/>
+              </a:spcBef>
+              <a:buSzPct val="125000"/>
+              <a:buFont typeface="Arial" panose="020B0604020202020204" pitchFamily="34" charset="0"/>
+              <a:buChar char="•"/>
+              <a:defRPr sz="1400" kern="1200">
+                <a:solidFill>
+                  <a:schemeClr val="tx1"/>
+                </a:solidFill>
+                <a:latin typeface="+mn-lt"/>
+                <a:ea typeface="+mn-ea"/>
+                <a:cs typeface="+mn-cs"/>
+              </a:defRPr>
+            </a:lvl8pPr>
+            <a:lvl9pPr marL="3886200" indent="-228600" algn="l" defTabSz="914400" rtl="0" eaLnBrk="1" latinLnBrk="0" hangingPunct="1">
+              <a:lnSpc>
+                <a:spcPct val="120000"/>
+              </a:lnSpc>
+              <a:spcBef>
+                <a:spcPts val="500"/>
+              </a:spcBef>
+              <a:buSzPct val="125000"/>
+              <a:buFont typeface="Arial" panose="020B0604020202020204" pitchFamily="34" charset="0"/>
+              <a:buChar char="•"/>
+              <a:defRPr sz="1400" kern="1200">
+                <a:solidFill>
+                  <a:schemeClr val="tx1"/>
+                </a:solidFill>
+                <a:latin typeface="+mn-lt"/>
+                <a:ea typeface="+mn-ea"/>
+                <a:cs typeface="+mn-cs"/>
+              </a:defRPr>
+            </a:lvl9pPr>
+          </a:lstStyle>
+          <a:p>
+            <a:pPr marL="0" indent="0" algn="ctr">
+              <a:buNone/>
+            </a:pPr>
+            <a:r>
+              <a:rPr lang="es-AR" sz="3200" dirty="0" err="1">
+                <a:solidFill>
+                  <a:schemeClr val="bg1"/>
+                </a:solidFill>
+              </a:rPr>
+              <a:t>Recurrent</a:t>
+            </a:r>
+            <a:r>
+              <a:rPr lang="es-AR" sz="3200" dirty="0">
+                <a:solidFill>
+                  <a:schemeClr val="bg1"/>
+                </a:solidFill>
+              </a:rPr>
+              <a:t> Neural Network (RNN) – </a:t>
+            </a:r>
+            <a:r>
+              <a:rPr lang="es-AR" sz="3200" dirty="0" err="1">
+                <a:solidFill>
+                  <a:schemeClr val="bg1"/>
+                </a:solidFill>
+              </a:rPr>
+              <a:t>Self</a:t>
+            </a:r>
+            <a:r>
+              <a:rPr lang="es-AR" sz="3200" dirty="0">
+                <a:solidFill>
+                  <a:schemeClr val="bg1"/>
+                </a:solidFill>
+              </a:rPr>
+              <a:t> </a:t>
+            </a:r>
+            <a:r>
+              <a:rPr lang="es-AR" sz="3200" dirty="0" err="1">
+                <a:solidFill>
+                  <a:schemeClr val="bg1"/>
+                </a:solidFill>
+              </a:rPr>
+              <a:t>Attention</a:t>
+            </a:r>
+            <a:r>
+              <a:rPr lang="es-AR" sz="3200" dirty="0">
+                <a:solidFill>
+                  <a:schemeClr val="bg1"/>
+                </a:solidFill>
+              </a:rPr>
+              <a:t>!!</a:t>
+            </a:r>
+          </a:p>
+        </p:txBody>
+      </p:sp>
     </p:spTree>
     <p:extLst>
       <p:ext uri="{BB962C8B-B14F-4D97-AF65-F5344CB8AC3E}">
@@ -25559,239 +25932,6 @@
           </a:prstGeom>
         </p:spPr>
       </p:pic>
-      <p:sp>
-        <p:nvSpPr>
-          <p:cNvPr id="2" name="Subtitle 1"/>
-          <p:cNvSpPr txBox="1">
-            <a:spLocks/>
-          </p:cNvSpPr>
-          <p:nvPr/>
-        </p:nvSpPr>
-        <p:spPr>
-          <a:xfrm>
-            <a:off x="296213" y="0"/>
-            <a:ext cx="11694017" cy="811369"/>
-          </a:xfrm>
-          <a:prstGeom prst="rect">
-            <a:avLst/>
-          </a:prstGeom>
-        </p:spPr>
-        <p:txBody>
-          <a:bodyPr vert="horz" lIns="91440" tIns="45720" rIns="91440" bIns="45720" rtlCol="0">
-            <a:noAutofit/>
-          </a:bodyPr>
-          <a:lstStyle>
-            <a:lvl1pPr marL="228600" indent="-228600" algn="l" defTabSz="914400" rtl="0" eaLnBrk="1" latinLnBrk="0" hangingPunct="1">
-              <a:lnSpc>
-                <a:spcPct val="120000"/>
-              </a:lnSpc>
-              <a:spcBef>
-                <a:spcPts val="1000"/>
-              </a:spcBef>
-              <a:buSzPct val="125000"/>
-              <a:buFont typeface="Arial" panose="020B0604020202020204" pitchFamily="34" charset="0"/>
-              <a:buChar char="•"/>
-              <a:defRPr sz="2400" kern="1200">
-                <a:solidFill>
-                  <a:schemeClr val="tx1"/>
-                </a:solidFill>
-                <a:latin typeface="+mn-lt"/>
-                <a:ea typeface="+mn-ea"/>
-                <a:cs typeface="+mn-cs"/>
-              </a:defRPr>
-            </a:lvl1pPr>
-            <a:lvl2pPr marL="685800" indent="-228600" algn="l" defTabSz="914400" rtl="0" eaLnBrk="1" latinLnBrk="0" hangingPunct="1">
-              <a:lnSpc>
-                <a:spcPct val="120000"/>
-              </a:lnSpc>
-              <a:spcBef>
-                <a:spcPts val="500"/>
-              </a:spcBef>
-              <a:buSzPct val="125000"/>
-              <a:buFont typeface="Arial" panose="020B0604020202020204" pitchFamily="34" charset="0"/>
-              <a:buChar char="•"/>
-              <a:defRPr sz="2000" kern="1200">
-                <a:solidFill>
-                  <a:schemeClr val="tx1"/>
-                </a:solidFill>
-                <a:latin typeface="+mn-lt"/>
-                <a:ea typeface="+mn-ea"/>
-                <a:cs typeface="+mn-cs"/>
-              </a:defRPr>
-            </a:lvl2pPr>
-            <a:lvl3pPr marL="1143000" indent="-228600" algn="l" defTabSz="914400" rtl="0" eaLnBrk="1" latinLnBrk="0" hangingPunct="1">
-              <a:lnSpc>
-                <a:spcPct val="120000"/>
-              </a:lnSpc>
-              <a:spcBef>
-                <a:spcPts val="500"/>
-              </a:spcBef>
-              <a:buSzPct val="125000"/>
-              <a:buFont typeface="Arial" panose="020B0604020202020204" pitchFamily="34" charset="0"/>
-              <a:buChar char="•"/>
-              <a:defRPr sz="1800" kern="1200">
-                <a:solidFill>
-                  <a:schemeClr val="tx1"/>
-                </a:solidFill>
-                <a:latin typeface="+mn-lt"/>
-                <a:ea typeface="+mn-ea"/>
-                <a:cs typeface="+mn-cs"/>
-              </a:defRPr>
-            </a:lvl3pPr>
-            <a:lvl4pPr marL="1600200" indent="-228600" algn="l" defTabSz="914400" rtl="0" eaLnBrk="1" latinLnBrk="0" hangingPunct="1">
-              <a:lnSpc>
-                <a:spcPct val="120000"/>
-              </a:lnSpc>
-              <a:spcBef>
-                <a:spcPts val="500"/>
-              </a:spcBef>
-              <a:buSzPct val="125000"/>
-              <a:buFont typeface="Arial" panose="020B0604020202020204" pitchFamily="34" charset="0"/>
-              <a:buChar char="•"/>
-              <a:defRPr sz="1600" kern="1200">
-                <a:solidFill>
-                  <a:schemeClr val="tx1"/>
-                </a:solidFill>
-                <a:latin typeface="+mn-lt"/>
-                <a:ea typeface="+mn-ea"/>
-                <a:cs typeface="+mn-cs"/>
-              </a:defRPr>
-            </a:lvl4pPr>
-            <a:lvl5pPr marL="2057400" indent="-228600" algn="l" defTabSz="914400" rtl="0" eaLnBrk="1" latinLnBrk="0" hangingPunct="1">
-              <a:lnSpc>
-                <a:spcPct val="120000"/>
-              </a:lnSpc>
-              <a:spcBef>
-                <a:spcPts val="500"/>
-              </a:spcBef>
-              <a:buSzPct val="125000"/>
-              <a:buFont typeface="Arial" panose="020B0604020202020204" pitchFamily="34" charset="0"/>
-              <a:buChar char="•"/>
-              <a:defRPr sz="1600" kern="1200">
-                <a:solidFill>
-                  <a:schemeClr val="tx1"/>
-                </a:solidFill>
-                <a:latin typeface="+mn-lt"/>
-                <a:ea typeface="+mn-ea"/>
-                <a:cs typeface="+mn-cs"/>
-              </a:defRPr>
-            </a:lvl5pPr>
-            <a:lvl6pPr marL="2514600" indent="-228600" algn="l" defTabSz="914400" rtl="0" eaLnBrk="1" latinLnBrk="0" hangingPunct="1">
-              <a:lnSpc>
-                <a:spcPct val="120000"/>
-              </a:lnSpc>
-              <a:spcBef>
-                <a:spcPts val="500"/>
-              </a:spcBef>
-              <a:buSzPct val="125000"/>
-              <a:buFont typeface="Arial" panose="020B0604020202020204" pitchFamily="34" charset="0"/>
-              <a:buChar char="•"/>
-              <a:defRPr sz="1400" kern="1200">
-                <a:solidFill>
-                  <a:schemeClr val="tx1"/>
-                </a:solidFill>
-                <a:latin typeface="+mn-lt"/>
-                <a:ea typeface="+mn-ea"/>
-                <a:cs typeface="+mn-cs"/>
-              </a:defRPr>
-            </a:lvl6pPr>
-            <a:lvl7pPr marL="2971800" indent="-228600" algn="l" defTabSz="914400" rtl="0" eaLnBrk="1" latinLnBrk="0" hangingPunct="1">
-              <a:lnSpc>
-                <a:spcPct val="120000"/>
-              </a:lnSpc>
-              <a:spcBef>
-                <a:spcPts val="500"/>
-              </a:spcBef>
-              <a:buSzPct val="125000"/>
-              <a:buFont typeface="Arial" panose="020B0604020202020204" pitchFamily="34" charset="0"/>
-              <a:buChar char="•"/>
-              <a:defRPr sz="1400" kern="1200">
-                <a:solidFill>
-                  <a:schemeClr val="tx1"/>
-                </a:solidFill>
-                <a:latin typeface="+mn-lt"/>
-                <a:ea typeface="+mn-ea"/>
-                <a:cs typeface="+mn-cs"/>
-              </a:defRPr>
-            </a:lvl7pPr>
-            <a:lvl8pPr marL="3429000" indent="-228600" algn="l" defTabSz="914400" rtl="0" eaLnBrk="1" latinLnBrk="0" hangingPunct="1">
-              <a:lnSpc>
-                <a:spcPct val="120000"/>
-              </a:lnSpc>
-              <a:spcBef>
-                <a:spcPts val="500"/>
-              </a:spcBef>
-              <a:buSzPct val="125000"/>
-              <a:buFont typeface="Arial" panose="020B0604020202020204" pitchFamily="34" charset="0"/>
-              <a:buChar char="•"/>
-              <a:defRPr sz="1400" kern="1200">
-                <a:solidFill>
-                  <a:schemeClr val="tx1"/>
-                </a:solidFill>
-                <a:latin typeface="+mn-lt"/>
-                <a:ea typeface="+mn-ea"/>
-                <a:cs typeface="+mn-cs"/>
-              </a:defRPr>
-            </a:lvl8pPr>
-            <a:lvl9pPr marL="3886200" indent="-228600" algn="l" defTabSz="914400" rtl="0" eaLnBrk="1" latinLnBrk="0" hangingPunct="1">
-              <a:lnSpc>
-                <a:spcPct val="120000"/>
-              </a:lnSpc>
-              <a:spcBef>
-                <a:spcPts val="500"/>
-              </a:spcBef>
-              <a:buSzPct val="125000"/>
-              <a:buFont typeface="Arial" panose="020B0604020202020204" pitchFamily="34" charset="0"/>
-              <a:buChar char="•"/>
-              <a:defRPr sz="1400" kern="1200">
-                <a:solidFill>
-                  <a:schemeClr val="tx1"/>
-                </a:solidFill>
-                <a:latin typeface="+mn-lt"/>
-                <a:ea typeface="+mn-ea"/>
-                <a:cs typeface="+mn-cs"/>
-              </a:defRPr>
-            </a:lvl9pPr>
-          </a:lstStyle>
-          <a:p>
-            <a:pPr marL="0" indent="0" algn="ctr">
-              <a:buNone/>
-            </a:pPr>
-            <a:r>
-              <a:rPr lang="es-AR" sz="3200" dirty="0" err="1">
-                <a:solidFill>
-                  <a:schemeClr val="bg1"/>
-                </a:solidFill>
-              </a:rPr>
-              <a:t>Recurrent</a:t>
-            </a:r>
-            <a:r>
-              <a:rPr lang="es-AR" sz="3200" dirty="0">
-                <a:solidFill>
-                  <a:schemeClr val="bg1"/>
-                </a:solidFill>
-              </a:rPr>
-              <a:t> Neural Network (RNN) - </a:t>
-            </a:r>
-            <a:r>
-              <a:rPr lang="es-AR" sz="3200" dirty="0" err="1">
-                <a:solidFill>
-                  <a:schemeClr val="bg1"/>
-                </a:solidFill>
-              </a:rPr>
-              <a:t>Attention</a:t>
-            </a:r>
-            <a:r>
-              <a:rPr lang="es-AR" sz="3200" dirty="0">
-                <a:solidFill>
-                  <a:schemeClr val="bg1"/>
-                </a:solidFill>
-              </a:rPr>
-              <a:t>!!</a:t>
-            </a:r>
-          </a:p>
-        </p:txBody>
-      </p:sp>
       <mc:AlternateContent xmlns:mc="http://schemas.openxmlformats.org/markup-compatibility/2006" xmlns:a14="http://schemas.microsoft.com/office/drawing/2010/main">
         <mc:Choice Requires="a14">
           <p:sp>
@@ -26606,6 +26746,261 @@
           </p:sp>
         </mc:Fallback>
       </mc:AlternateContent>
+      <p:sp>
+        <p:nvSpPr>
+          <p:cNvPr id="4" name="Subtitle 1">
+            <a:extLst>
+              <a:ext uri="{FF2B5EF4-FFF2-40B4-BE49-F238E27FC236}">
+                <a16:creationId xmlns:a16="http://schemas.microsoft.com/office/drawing/2014/main" id="{E264684F-772B-4923-D72B-AD7945B3CB7E}"/>
+              </a:ext>
+            </a:extLst>
+          </p:cNvPr>
+          <p:cNvSpPr txBox="1">
+            <a:spLocks/>
+          </p:cNvSpPr>
+          <p:nvPr/>
+        </p:nvSpPr>
+        <p:spPr>
+          <a:xfrm>
+            <a:off x="92765" y="54658"/>
+            <a:ext cx="11694017" cy="811369"/>
+          </a:xfrm>
+          <a:prstGeom prst="rect">
+            <a:avLst/>
+          </a:prstGeom>
+        </p:spPr>
+        <p:txBody>
+          <a:bodyPr vert="horz" lIns="91440" tIns="45720" rIns="91440" bIns="45720" rtlCol="0">
+            <a:noAutofit/>
+          </a:bodyPr>
+          <a:lstStyle>
+            <a:lvl1pPr marL="228600" indent="-228600" algn="l" defTabSz="914400" rtl="0" eaLnBrk="1" latinLnBrk="0" hangingPunct="1">
+              <a:lnSpc>
+                <a:spcPct val="120000"/>
+              </a:lnSpc>
+              <a:spcBef>
+                <a:spcPts val="1000"/>
+              </a:spcBef>
+              <a:buSzPct val="125000"/>
+              <a:buFont typeface="Arial" panose="020B0604020202020204" pitchFamily="34" charset="0"/>
+              <a:buChar char="•"/>
+              <a:defRPr sz="2400" kern="1200">
+                <a:solidFill>
+                  <a:schemeClr val="tx1"/>
+                </a:solidFill>
+                <a:latin typeface="+mn-lt"/>
+                <a:ea typeface="+mn-ea"/>
+                <a:cs typeface="+mn-cs"/>
+              </a:defRPr>
+            </a:lvl1pPr>
+            <a:lvl2pPr marL="685800" indent="-228600" algn="l" defTabSz="914400" rtl="0" eaLnBrk="1" latinLnBrk="0" hangingPunct="1">
+              <a:lnSpc>
+                <a:spcPct val="120000"/>
+              </a:lnSpc>
+              <a:spcBef>
+                <a:spcPts val="500"/>
+              </a:spcBef>
+              <a:buSzPct val="125000"/>
+              <a:buFont typeface="Arial" panose="020B0604020202020204" pitchFamily="34" charset="0"/>
+              <a:buChar char="•"/>
+              <a:defRPr sz="2000" kern="1200">
+                <a:solidFill>
+                  <a:schemeClr val="tx1"/>
+                </a:solidFill>
+                <a:latin typeface="+mn-lt"/>
+                <a:ea typeface="+mn-ea"/>
+                <a:cs typeface="+mn-cs"/>
+              </a:defRPr>
+            </a:lvl2pPr>
+            <a:lvl3pPr marL="1143000" indent="-228600" algn="l" defTabSz="914400" rtl="0" eaLnBrk="1" latinLnBrk="0" hangingPunct="1">
+              <a:lnSpc>
+                <a:spcPct val="120000"/>
+              </a:lnSpc>
+              <a:spcBef>
+                <a:spcPts val="500"/>
+              </a:spcBef>
+              <a:buSzPct val="125000"/>
+              <a:buFont typeface="Arial" panose="020B0604020202020204" pitchFamily="34" charset="0"/>
+              <a:buChar char="•"/>
+              <a:defRPr sz="1800" kern="1200">
+                <a:solidFill>
+                  <a:schemeClr val="tx1"/>
+                </a:solidFill>
+                <a:latin typeface="+mn-lt"/>
+                <a:ea typeface="+mn-ea"/>
+                <a:cs typeface="+mn-cs"/>
+              </a:defRPr>
+            </a:lvl3pPr>
+            <a:lvl4pPr marL="1600200" indent="-228600" algn="l" defTabSz="914400" rtl="0" eaLnBrk="1" latinLnBrk="0" hangingPunct="1">
+              <a:lnSpc>
+                <a:spcPct val="120000"/>
+              </a:lnSpc>
+              <a:spcBef>
+                <a:spcPts val="500"/>
+              </a:spcBef>
+              <a:buSzPct val="125000"/>
+              <a:buFont typeface="Arial" panose="020B0604020202020204" pitchFamily="34" charset="0"/>
+              <a:buChar char="•"/>
+              <a:defRPr sz="1600" kern="1200">
+                <a:solidFill>
+                  <a:schemeClr val="tx1"/>
+                </a:solidFill>
+                <a:latin typeface="+mn-lt"/>
+                <a:ea typeface="+mn-ea"/>
+                <a:cs typeface="+mn-cs"/>
+              </a:defRPr>
+            </a:lvl4pPr>
+            <a:lvl5pPr marL="2057400" indent="-228600" algn="l" defTabSz="914400" rtl="0" eaLnBrk="1" latinLnBrk="0" hangingPunct="1">
+              <a:lnSpc>
+                <a:spcPct val="120000"/>
+              </a:lnSpc>
+              <a:spcBef>
+                <a:spcPts val="500"/>
+              </a:spcBef>
+              <a:buSzPct val="125000"/>
+              <a:buFont typeface="Arial" panose="020B0604020202020204" pitchFamily="34" charset="0"/>
+              <a:buChar char="•"/>
+              <a:defRPr sz="1600" kern="1200">
+                <a:solidFill>
+                  <a:schemeClr val="tx1"/>
+                </a:solidFill>
+                <a:latin typeface="+mn-lt"/>
+                <a:ea typeface="+mn-ea"/>
+                <a:cs typeface="+mn-cs"/>
+              </a:defRPr>
+            </a:lvl5pPr>
+            <a:lvl6pPr marL="2514600" indent="-228600" algn="l" defTabSz="914400" rtl="0" eaLnBrk="1" latinLnBrk="0" hangingPunct="1">
+              <a:lnSpc>
+                <a:spcPct val="120000"/>
+              </a:lnSpc>
+              <a:spcBef>
+                <a:spcPts val="500"/>
+              </a:spcBef>
+              <a:buSzPct val="125000"/>
+              <a:buFont typeface="Arial" panose="020B0604020202020204" pitchFamily="34" charset="0"/>
+              <a:buChar char="•"/>
+              <a:defRPr sz="1400" kern="1200">
+                <a:solidFill>
+                  <a:schemeClr val="tx1"/>
+                </a:solidFill>
+                <a:latin typeface="+mn-lt"/>
+                <a:ea typeface="+mn-ea"/>
+                <a:cs typeface="+mn-cs"/>
+              </a:defRPr>
+            </a:lvl6pPr>
+            <a:lvl7pPr marL="2971800" indent="-228600" algn="l" defTabSz="914400" rtl="0" eaLnBrk="1" latinLnBrk="0" hangingPunct="1">
+              <a:lnSpc>
+                <a:spcPct val="120000"/>
+              </a:lnSpc>
+              <a:spcBef>
+                <a:spcPts val="500"/>
+              </a:spcBef>
+              <a:buSzPct val="125000"/>
+              <a:buFont typeface="Arial" panose="020B0604020202020204" pitchFamily="34" charset="0"/>
+              <a:buChar char="•"/>
+              <a:defRPr sz="1400" kern="1200">
+                <a:solidFill>
+                  <a:schemeClr val="tx1"/>
+                </a:solidFill>
+                <a:latin typeface="+mn-lt"/>
+                <a:ea typeface="+mn-ea"/>
+                <a:cs typeface="+mn-cs"/>
+              </a:defRPr>
+            </a:lvl7pPr>
+            <a:lvl8pPr marL="3429000" indent="-228600" algn="l" defTabSz="914400" rtl="0" eaLnBrk="1" latinLnBrk="0" hangingPunct="1">
+              <a:lnSpc>
+                <a:spcPct val="120000"/>
+              </a:lnSpc>
+              <a:spcBef>
+                <a:spcPts val="500"/>
+              </a:spcBef>
+              <a:buSzPct val="125000"/>
+              <a:buFont typeface="Arial" panose="020B0604020202020204" pitchFamily="34" charset="0"/>
+              <a:buChar char="•"/>
+              <a:defRPr sz="1400" kern="1200">
+                <a:solidFill>
+                  <a:schemeClr val="tx1"/>
+                </a:solidFill>
+                <a:latin typeface="+mn-lt"/>
+                <a:ea typeface="+mn-ea"/>
+                <a:cs typeface="+mn-cs"/>
+              </a:defRPr>
+            </a:lvl8pPr>
+            <a:lvl9pPr marL="3886200" indent="-228600" algn="l" defTabSz="914400" rtl="0" eaLnBrk="1" latinLnBrk="0" hangingPunct="1">
+              <a:lnSpc>
+                <a:spcPct val="120000"/>
+              </a:lnSpc>
+              <a:spcBef>
+                <a:spcPts val="500"/>
+              </a:spcBef>
+              <a:buSzPct val="125000"/>
+              <a:buFont typeface="Arial" panose="020B0604020202020204" pitchFamily="34" charset="0"/>
+              <a:buChar char="•"/>
+              <a:defRPr sz="1400" kern="1200">
+                <a:solidFill>
+                  <a:schemeClr val="tx1"/>
+                </a:solidFill>
+                <a:latin typeface="+mn-lt"/>
+                <a:ea typeface="+mn-ea"/>
+                <a:cs typeface="+mn-cs"/>
+              </a:defRPr>
+            </a:lvl9pPr>
+          </a:lstStyle>
+          <a:p>
+            <a:pPr marL="0" indent="0" algn="ctr">
+              <a:buNone/>
+            </a:pPr>
+            <a:r>
+              <a:rPr lang="es-AR" sz="3200" dirty="0" err="1">
+                <a:solidFill>
+                  <a:schemeClr val="bg1"/>
+                </a:solidFill>
+              </a:rPr>
+              <a:t>Recurrent</a:t>
+            </a:r>
+            <a:r>
+              <a:rPr lang="es-AR" sz="3200" dirty="0">
+                <a:solidFill>
+                  <a:schemeClr val="bg1"/>
+                </a:solidFill>
+              </a:rPr>
+              <a:t> Neural Network (RNN) – </a:t>
+            </a:r>
+            <a:r>
+              <a:rPr lang="es-AR" sz="3200" dirty="0" err="1">
+                <a:solidFill>
+                  <a:schemeClr val="bg1"/>
+                </a:solidFill>
+              </a:rPr>
+              <a:t>Self</a:t>
+            </a:r>
+            <a:r>
+              <a:rPr lang="es-AR" sz="3200" dirty="0">
+                <a:solidFill>
+                  <a:schemeClr val="bg1"/>
+                </a:solidFill>
+              </a:rPr>
+              <a:t> </a:t>
+            </a:r>
+            <a:r>
+              <a:rPr lang="es-AR" sz="3200" dirty="0" err="1">
+                <a:solidFill>
+                  <a:schemeClr val="bg1"/>
+                </a:solidFill>
+              </a:rPr>
+              <a:t>Attention</a:t>
+            </a:r>
+            <a:r>
+              <a:rPr lang="es-AR" sz="3200" dirty="0">
+                <a:solidFill>
+                  <a:schemeClr val="bg1"/>
+                </a:solidFill>
+              </a:rPr>
+              <a:t>!!</a:t>
+            </a:r>
+          </a:p>
+        </p:txBody>
+      </p:sp>
     </p:spTree>
     <p:extLst>
       <p:ext uri="{BB962C8B-B14F-4D97-AF65-F5344CB8AC3E}">
@@ -26666,239 +27061,6 @@
           </a:prstGeom>
         </p:spPr>
       </p:pic>
-      <p:sp>
-        <p:nvSpPr>
-          <p:cNvPr id="2" name="Subtitle 1"/>
-          <p:cNvSpPr txBox="1">
-            <a:spLocks/>
-          </p:cNvSpPr>
-          <p:nvPr/>
-        </p:nvSpPr>
-        <p:spPr>
-          <a:xfrm>
-            <a:off x="296213" y="0"/>
-            <a:ext cx="11694017" cy="811369"/>
-          </a:xfrm>
-          <a:prstGeom prst="rect">
-            <a:avLst/>
-          </a:prstGeom>
-        </p:spPr>
-        <p:txBody>
-          <a:bodyPr vert="horz" lIns="91440" tIns="45720" rIns="91440" bIns="45720" rtlCol="0">
-            <a:noAutofit/>
-          </a:bodyPr>
-          <a:lstStyle>
-            <a:lvl1pPr marL="228600" indent="-228600" algn="l" defTabSz="914400" rtl="0" eaLnBrk="1" latinLnBrk="0" hangingPunct="1">
-              <a:lnSpc>
-                <a:spcPct val="120000"/>
-              </a:lnSpc>
-              <a:spcBef>
-                <a:spcPts val="1000"/>
-              </a:spcBef>
-              <a:buSzPct val="125000"/>
-              <a:buFont typeface="Arial" panose="020B0604020202020204" pitchFamily="34" charset="0"/>
-              <a:buChar char="•"/>
-              <a:defRPr sz="2400" kern="1200">
-                <a:solidFill>
-                  <a:schemeClr val="tx1"/>
-                </a:solidFill>
-                <a:latin typeface="+mn-lt"/>
-                <a:ea typeface="+mn-ea"/>
-                <a:cs typeface="+mn-cs"/>
-              </a:defRPr>
-            </a:lvl1pPr>
-            <a:lvl2pPr marL="685800" indent="-228600" algn="l" defTabSz="914400" rtl="0" eaLnBrk="1" latinLnBrk="0" hangingPunct="1">
-              <a:lnSpc>
-                <a:spcPct val="120000"/>
-              </a:lnSpc>
-              <a:spcBef>
-                <a:spcPts val="500"/>
-              </a:spcBef>
-              <a:buSzPct val="125000"/>
-              <a:buFont typeface="Arial" panose="020B0604020202020204" pitchFamily="34" charset="0"/>
-              <a:buChar char="•"/>
-              <a:defRPr sz="2000" kern="1200">
-                <a:solidFill>
-                  <a:schemeClr val="tx1"/>
-                </a:solidFill>
-                <a:latin typeface="+mn-lt"/>
-                <a:ea typeface="+mn-ea"/>
-                <a:cs typeface="+mn-cs"/>
-              </a:defRPr>
-            </a:lvl2pPr>
-            <a:lvl3pPr marL="1143000" indent="-228600" algn="l" defTabSz="914400" rtl="0" eaLnBrk="1" latinLnBrk="0" hangingPunct="1">
-              <a:lnSpc>
-                <a:spcPct val="120000"/>
-              </a:lnSpc>
-              <a:spcBef>
-                <a:spcPts val="500"/>
-              </a:spcBef>
-              <a:buSzPct val="125000"/>
-              <a:buFont typeface="Arial" panose="020B0604020202020204" pitchFamily="34" charset="0"/>
-              <a:buChar char="•"/>
-              <a:defRPr sz="1800" kern="1200">
-                <a:solidFill>
-                  <a:schemeClr val="tx1"/>
-                </a:solidFill>
-                <a:latin typeface="+mn-lt"/>
-                <a:ea typeface="+mn-ea"/>
-                <a:cs typeface="+mn-cs"/>
-              </a:defRPr>
-            </a:lvl3pPr>
-            <a:lvl4pPr marL="1600200" indent="-228600" algn="l" defTabSz="914400" rtl="0" eaLnBrk="1" latinLnBrk="0" hangingPunct="1">
-              <a:lnSpc>
-                <a:spcPct val="120000"/>
-              </a:lnSpc>
-              <a:spcBef>
-                <a:spcPts val="500"/>
-              </a:spcBef>
-              <a:buSzPct val="125000"/>
-              <a:buFont typeface="Arial" panose="020B0604020202020204" pitchFamily="34" charset="0"/>
-              <a:buChar char="•"/>
-              <a:defRPr sz="1600" kern="1200">
-                <a:solidFill>
-                  <a:schemeClr val="tx1"/>
-                </a:solidFill>
-                <a:latin typeface="+mn-lt"/>
-                <a:ea typeface="+mn-ea"/>
-                <a:cs typeface="+mn-cs"/>
-              </a:defRPr>
-            </a:lvl4pPr>
-            <a:lvl5pPr marL="2057400" indent="-228600" algn="l" defTabSz="914400" rtl="0" eaLnBrk="1" latinLnBrk="0" hangingPunct="1">
-              <a:lnSpc>
-                <a:spcPct val="120000"/>
-              </a:lnSpc>
-              <a:spcBef>
-                <a:spcPts val="500"/>
-              </a:spcBef>
-              <a:buSzPct val="125000"/>
-              <a:buFont typeface="Arial" panose="020B0604020202020204" pitchFamily="34" charset="0"/>
-              <a:buChar char="•"/>
-              <a:defRPr sz="1600" kern="1200">
-                <a:solidFill>
-                  <a:schemeClr val="tx1"/>
-                </a:solidFill>
-                <a:latin typeface="+mn-lt"/>
-                <a:ea typeface="+mn-ea"/>
-                <a:cs typeface="+mn-cs"/>
-              </a:defRPr>
-            </a:lvl5pPr>
-            <a:lvl6pPr marL="2514600" indent="-228600" algn="l" defTabSz="914400" rtl="0" eaLnBrk="1" latinLnBrk="0" hangingPunct="1">
-              <a:lnSpc>
-                <a:spcPct val="120000"/>
-              </a:lnSpc>
-              <a:spcBef>
-                <a:spcPts val="500"/>
-              </a:spcBef>
-              <a:buSzPct val="125000"/>
-              <a:buFont typeface="Arial" panose="020B0604020202020204" pitchFamily="34" charset="0"/>
-              <a:buChar char="•"/>
-              <a:defRPr sz="1400" kern="1200">
-                <a:solidFill>
-                  <a:schemeClr val="tx1"/>
-                </a:solidFill>
-                <a:latin typeface="+mn-lt"/>
-                <a:ea typeface="+mn-ea"/>
-                <a:cs typeface="+mn-cs"/>
-              </a:defRPr>
-            </a:lvl6pPr>
-            <a:lvl7pPr marL="2971800" indent="-228600" algn="l" defTabSz="914400" rtl="0" eaLnBrk="1" latinLnBrk="0" hangingPunct="1">
-              <a:lnSpc>
-                <a:spcPct val="120000"/>
-              </a:lnSpc>
-              <a:spcBef>
-                <a:spcPts val="500"/>
-              </a:spcBef>
-              <a:buSzPct val="125000"/>
-              <a:buFont typeface="Arial" panose="020B0604020202020204" pitchFamily="34" charset="0"/>
-              <a:buChar char="•"/>
-              <a:defRPr sz="1400" kern="1200">
-                <a:solidFill>
-                  <a:schemeClr val="tx1"/>
-                </a:solidFill>
-                <a:latin typeface="+mn-lt"/>
-                <a:ea typeface="+mn-ea"/>
-                <a:cs typeface="+mn-cs"/>
-              </a:defRPr>
-            </a:lvl7pPr>
-            <a:lvl8pPr marL="3429000" indent="-228600" algn="l" defTabSz="914400" rtl="0" eaLnBrk="1" latinLnBrk="0" hangingPunct="1">
-              <a:lnSpc>
-                <a:spcPct val="120000"/>
-              </a:lnSpc>
-              <a:spcBef>
-                <a:spcPts val="500"/>
-              </a:spcBef>
-              <a:buSzPct val="125000"/>
-              <a:buFont typeface="Arial" panose="020B0604020202020204" pitchFamily="34" charset="0"/>
-              <a:buChar char="•"/>
-              <a:defRPr sz="1400" kern="1200">
-                <a:solidFill>
-                  <a:schemeClr val="tx1"/>
-                </a:solidFill>
-                <a:latin typeface="+mn-lt"/>
-                <a:ea typeface="+mn-ea"/>
-                <a:cs typeface="+mn-cs"/>
-              </a:defRPr>
-            </a:lvl8pPr>
-            <a:lvl9pPr marL="3886200" indent="-228600" algn="l" defTabSz="914400" rtl="0" eaLnBrk="1" latinLnBrk="0" hangingPunct="1">
-              <a:lnSpc>
-                <a:spcPct val="120000"/>
-              </a:lnSpc>
-              <a:spcBef>
-                <a:spcPts val="500"/>
-              </a:spcBef>
-              <a:buSzPct val="125000"/>
-              <a:buFont typeface="Arial" panose="020B0604020202020204" pitchFamily="34" charset="0"/>
-              <a:buChar char="•"/>
-              <a:defRPr sz="1400" kern="1200">
-                <a:solidFill>
-                  <a:schemeClr val="tx1"/>
-                </a:solidFill>
-                <a:latin typeface="+mn-lt"/>
-                <a:ea typeface="+mn-ea"/>
-                <a:cs typeface="+mn-cs"/>
-              </a:defRPr>
-            </a:lvl9pPr>
-          </a:lstStyle>
-          <a:p>
-            <a:pPr marL="0" indent="0" algn="ctr">
-              <a:buNone/>
-            </a:pPr>
-            <a:r>
-              <a:rPr lang="es-AR" sz="3200" dirty="0" err="1">
-                <a:solidFill>
-                  <a:schemeClr val="bg1"/>
-                </a:solidFill>
-              </a:rPr>
-              <a:t>Recurrent</a:t>
-            </a:r>
-            <a:r>
-              <a:rPr lang="es-AR" sz="3200" dirty="0">
-                <a:solidFill>
-                  <a:schemeClr val="bg1"/>
-                </a:solidFill>
-              </a:rPr>
-              <a:t> Neural Network (RNN)  - </a:t>
-            </a:r>
-            <a:r>
-              <a:rPr lang="es-AR" sz="3200" dirty="0" err="1">
-                <a:solidFill>
-                  <a:schemeClr val="bg1"/>
-                </a:solidFill>
-              </a:rPr>
-              <a:t>Attention</a:t>
-            </a:r>
-            <a:r>
-              <a:rPr lang="es-AR" sz="3200" dirty="0">
-                <a:solidFill>
-                  <a:schemeClr val="bg1"/>
-                </a:solidFill>
-              </a:rPr>
-              <a:t>!!</a:t>
-            </a:r>
-          </a:p>
-        </p:txBody>
-      </p:sp>
       <mc:AlternateContent xmlns:mc="http://schemas.openxmlformats.org/markup-compatibility/2006" xmlns:a14="http://schemas.microsoft.com/office/drawing/2010/main">
         <mc:Choice Requires="a14">
           <p:sp>
@@ -27927,6 +28089,261 @@
           </p:sp>
         </mc:Fallback>
       </mc:AlternateContent>
+      <p:sp>
+        <p:nvSpPr>
+          <p:cNvPr id="6" name="Subtitle 1">
+            <a:extLst>
+              <a:ext uri="{FF2B5EF4-FFF2-40B4-BE49-F238E27FC236}">
+                <a16:creationId xmlns:a16="http://schemas.microsoft.com/office/drawing/2014/main" id="{0420C7BB-2909-3E7E-5922-1F9F98C6100D}"/>
+              </a:ext>
+            </a:extLst>
+          </p:cNvPr>
+          <p:cNvSpPr txBox="1">
+            <a:spLocks/>
+          </p:cNvSpPr>
+          <p:nvPr/>
+        </p:nvSpPr>
+        <p:spPr>
+          <a:xfrm>
+            <a:off x="92765" y="54658"/>
+            <a:ext cx="11694017" cy="811369"/>
+          </a:xfrm>
+          <a:prstGeom prst="rect">
+            <a:avLst/>
+          </a:prstGeom>
+        </p:spPr>
+        <p:txBody>
+          <a:bodyPr vert="horz" lIns="91440" tIns="45720" rIns="91440" bIns="45720" rtlCol="0">
+            <a:noAutofit/>
+          </a:bodyPr>
+          <a:lstStyle>
+            <a:lvl1pPr marL="228600" indent="-228600" algn="l" defTabSz="914400" rtl="0" eaLnBrk="1" latinLnBrk="0" hangingPunct="1">
+              <a:lnSpc>
+                <a:spcPct val="120000"/>
+              </a:lnSpc>
+              <a:spcBef>
+                <a:spcPts val="1000"/>
+              </a:spcBef>
+              <a:buSzPct val="125000"/>
+              <a:buFont typeface="Arial" panose="020B0604020202020204" pitchFamily="34" charset="0"/>
+              <a:buChar char="•"/>
+              <a:defRPr sz="2400" kern="1200">
+                <a:solidFill>
+                  <a:schemeClr val="tx1"/>
+                </a:solidFill>
+                <a:latin typeface="+mn-lt"/>
+                <a:ea typeface="+mn-ea"/>
+                <a:cs typeface="+mn-cs"/>
+              </a:defRPr>
+            </a:lvl1pPr>
+            <a:lvl2pPr marL="685800" indent="-228600" algn="l" defTabSz="914400" rtl="0" eaLnBrk="1" latinLnBrk="0" hangingPunct="1">
+              <a:lnSpc>
+                <a:spcPct val="120000"/>
+              </a:lnSpc>
+              <a:spcBef>
+                <a:spcPts val="500"/>
+              </a:spcBef>
+              <a:buSzPct val="125000"/>
+              <a:buFont typeface="Arial" panose="020B0604020202020204" pitchFamily="34" charset="0"/>
+              <a:buChar char="•"/>
+              <a:defRPr sz="2000" kern="1200">
+                <a:solidFill>
+                  <a:schemeClr val="tx1"/>
+                </a:solidFill>
+                <a:latin typeface="+mn-lt"/>
+                <a:ea typeface="+mn-ea"/>
+                <a:cs typeface="+mn-cs"/>
+              </a:defRPr>
+            </a:lvl2pPr>
+            <a:lvl3pPr marL="1143000" indent="-228600" algn="l" defTabSz="914400" rtl="0" eaLnBrk="1" latinLnBrk="0" hangingPunct="1">
+              <a:lnSpc>
+                <a:spcPct val="120000"/>
+              </a:lnSpc>
+              <a:spcBef>
+                <a:spcPts val="500"/>
+              </a:spcBef>
+              <a:buSzPct val="125000"/>
+              <a:buFont typeface="Arial" panose="020B0604020202020204" pitchFamily="34" charset="0"/>
+              <a:buChar char="•"/>
+              <a:defRPr sz="1800" kern="1200">
+                <a:solidFill>
+                  <a:schemeClr val="tx1"/>
+                </a:solidFill>
+                <a:latin typeface="+mn-lt"/>
+                <a:ea typeface="+mn-ea"/>
+                <a:cs typeface="+mn-cs"/>
+              </a:defRPr>
+            </a:lvl3pPr>
+            <a:lvl4pPr marL="1600200" indent="-228600" algn="l" defTabSz="914400" rtl="0" eaLnBrk="1" latinLnBrk="0" hangingPunct="1">
+              <a:lnSpc>
+                <a:spcPct val="120000"/>
+              </a:lnSpc>
+              <a:spcBef>
+                <a:spcPts val="500"/>
+              </a:spcBef>
+              <a:buSzPct val="125000"/>
+              <a:buFont typeface="Arial" panose="020B0604020202020204" pitchFamily="34" charset="0"/>
+              <a:buChar char="•"/>
+              <a:defRPr sz="1600" kern="1200">
+                <a:solidFill>
+                  <a:schemeClr val="tx1"/>
+                </a:solidFill>
+                <a:latin typeface="+mn-lt"/>
+                <a:ea typeface="+mn-ea"/>
+                <a:cs typeface="+mn-cs"/>
+              </a:defRPr>
+            </a:lvl4pPr>
+            <a:lvl5pPr marL="2057400" indent="-228600" algn="l" defTabSz="914400" rtl="0" eaLnBrk="1" latinLnBrk="0" hangingPunct="1">
+              <a:lnSpc>
+                <a:spcPct val="120000"/>
+              </a:lnSpc>
+              <a:spcBef>
+                <a:spcPts val="500"/>
+              </a:spcBef>
+              <a:buSzPct val="125000"/>
+              <a:buFont typeface="Arial" panose="020B0604020202020204" pitchFamily="34" charset="0"/>
+              <a:buChar char="•"/>
+              <a:defRPr sz="1600" kern="1200">
+                <a:solidFill>
+                  <a:schemeClr val="tx1"/>
+                </a:solidFill>
+                <a:latin typeface="+mn-lt"/>
+                <a:ea typeface="+mn-ea"/>
+                <a:cs typeface="+mn-cs"/>
+              </a:defRPr>
+            </a:lvl5pPr>
+            <a:lvl6pPr marL="2514600" indent="-228600" algn="l" defTabSz="914400" rtl="0" eaLnBrk="1" latinLnBrk="0" hangingPunct="1">
+              <a:lnSpc>
+                <a:spcPct val="120000"/>
+              </a:lnSpc>
+              <a:spcBef>
+                <a:spcPts val="500"/>
+              </a:spcBef>
+              <a:buSzPct val="125000"/>
+              <a:buFont typeface="Arial" panose="020B0604020202020204" pitchFamily="34" charset="0"/>
+              <a:buChar char="•"/>
+              <a:defRPr sz="1400" kern="1200">
+                <a:solidFill>
+                  <a:schemeClr val="tx1"/>
+                </a:solidFill>
+                <a:latin typeface="+mn-lt"/>
+                <a:ea typeface="+mn-ea"/>
+                <a:cs typeface="+mn-cs"/>
+              </a:defRPr>
+            </a:lvl6pPr>
+            <a:lvl7pPr marL="2971800" indent="-228600" algn="l" defTabSz="914400" rtl="0" eaLnBrk="1" latinLnBrk="0" hangingPunct="1">
+              <a:lnSpc>
+                <a:spcPct val="120000"/>
+              </a:lnSpc>
+              <a:spcBef>
+                <a:spcPts val="500"/>
+              </a:spcBef>
+              <a:buSzPct val="125000"/>
+              <a:buFont typeface="Arial" panose="020B0604020202020204" pitchFamily="34" charset="0"/>
+              <a:buChar char="•"/>
+              <a:defRPr sz="1400" kern="1200">
+                <a:solidFill>
+                  <a:schemeClr val="tx1"/>
+                </a:solidFill>
+                <a:latin typeface="+mn-lt"/>
+                <a:ea typeface="+mn-ea"/>
+                <a:cs typeface="+mn-cs"/>
+              </a:defRPr>
+            </a:lvl7pPr>
+            <a:lvl8pPr marL="3429000" indent="-228600" algn="l" defTabSz="914400" rtl="0" eaLnBrk="1" latinLnBrk="0" hangingPunct="1">
+              <a:lnSpc>
+                <a:spcPct val="120000"/>
+              </a:lnSpc>
+              <a:spcBef>
+                <a:spcPts val="500"/>
+              </a:spcBef>
+              <a:buSzPct val="125000"/>
+              <a:buFont typeface="Arial" panose="020B0604020202020204" pitchFamily="34" charset="0"/>
+              <a:buChar char="•"/>
+              <a:defRPr sz="1400" kern="1200">
+                <a:solidFill>
+                  <a:schemeClr val="tx1"/>
+                </a:solidFill>
+                <a:latin typeface="+mn-lt"/>
+                <a:ea typeface="+mn-ea"/>
+                <a:cs typeface="+mn-cs"/>
+              </a:defRPr>
+            </a:lvl8pPr>
+            <a:lvl9pPr marL="3886200" indent="-228600" algn="l" defTabSz="914400" rtl="0" eaLnBrk="1" latinLnBrk="0" hangingPunct="1">
+              <a:lnSpc>
+                <a:spcPct val="120000"/>
+              </a:lnSpc>
+              <a:spcBef>
+                <a:spcPts val="500"/>
+              </a:spcBef>
+              <a:buSzPct val="125000"/>
+              <a:buFont typeface="Arial" panose="020B0604020202020204" pitchFamily="34" charset="0"/>
+              <a:buChar char="•"/>
+              <a:defRPr sz="1400" kern="1200">
+                <a:solidFill>
+                  <a:schemeClr val="tx1"/>
+                </a:solidFill>
+                <a:latin typeface="+mn-lt"/>
+                <a:ea typeface="+mn-ea"/>
+                <a:cs typeface="+mn-cs"/>
+              </a:defRPr>
+            </a:lvl9pPr>
+          </a:lstStyle>
+          <a:p>
+            <a:pPr marL="0" indent="0" algn="ctr">
+              <a:buNone/>
+            </a:pPr>
+            <a:r>
+              <a:rPr lang="es-AR" sz="3200" dirty="0" err="1">
+                <a:solidFill>
+                  <a:schemeClr val="bg1"/>
+                </a:solidFill>
+              </a:rPr>
+              <a:t>Recurrent</a:t>
+            </a:r>
+            <a:r>
+              <a:rPr lang="es-AR" sz="3200" dirty="0">
+                <a:solidFill>
+                  <a:schemeClr val="bg1"/>
+                </a:solidFill>
+              </a:rPr>
+              <a:t> Neural Network (RNN) – </a:t>
+            </a:r>
+            <a:r>
+              <a:rPr lang="es-AR" sz="3200" dirty="0" err="1">
+                <a:solidFill>
+                  <a:schemeClr val="bg1"/>
+                </a:solidFill>
+              </a:rPr>
+              <a:t>Self</a:t>
+            </a:r>
+            <a:r>
+              <a:rPr lang="es-AR" sz="3200" dirty="0">
+                <a:solidFill>
+                  <a:schemeClr val="bg1"/>
+                </a:solidFill>
+              </a:rPr>
+              <a:t> </a:t>
+            </a:r>
+            <a:r>
+              <a:rPr lang="es-AR" sz="3200" dirty="0" err="1">
+                <a:solidFill>
+                  <a:schemeClr val="bg1"/>
+                </a:solidFill>
+              </a:rPr>
+              <a:t>Attention</a:t>
+            </a:r>
+            <a:r>
+              <a:rPr lang="es-AR" sz="3200" dirty="0">
+                <a:solidFill>
+                  <a:schemeClr val="bg1"/>
+                </a:solidFill>
+              </a:rPr>
+              <a:t>!!</a:t>
+            </a:r>
+          </a:p>
+        </p:txBody>
+      </p:sp>
     </p:spTree>
     <p:extLst>
       <p:ext uri="{BB962C8B-B14F-4D97-AF65-F5344CB8AC3E}">
@@ -28718,245 +29135,6 @@
           </p:sp>
         </mc:Fallback>
       </mc:AlternateContent>
-      <p:sp>
-        <p:nvSpPr>
-          <p:cNvPr id="19" name="Subtitle 1">
-            <a:extLst>
-              <a:ext uri="{FF2B5EF4-FFF2-40B4-BE49-F238E27FC236}">
-                <a16:creationId xmlns:a16="http://schemas.microsoft.com/office/drawing/2014/main" id="{A997E17A-9E31-D00C-AB62-FC42645C8196}"/>
-              </a:ext>
-            </a:extLst>
-          </p:cNvPr>
-          <p:cNvSpPr txBox="1">
-            <a:spLocks/>
-          </p:cNvSpPr>
-          <p:nvPr/>
-        </p:nvSpPr>
-        <p:spPr>
-          <a:xfrm>
-            <a:off x="296213" y="0"/>
-            <a:ext cx="11694017" cy="811369"/>
-          </a:xfrm>
-          <a:prstGeom prst="rect">
-            <a:avLst/>
-          </a:prstGeom>
-        </p:spPr>
-        <p:txBody>
-          <a:bodyPr vert="horz" lIns="91440" tIns="45720" rIns="91440" bIns="45720" rtlCol="0">
-            <a:noAutofit/>
-          </a:bodyPr>
-          <a:lstStyle>
-            <a:lvl1pPr marL="228600" indent="-228600" algn="l" defTabSz="914400" rtl="0" eaLnBrk="1" latinLnBrk="0" hangingPunct="1">
-              <a:lnSpc>
-                <a:spcPct val="120000"/>
-              </a:lnSpc>
-              <a:spcBef>
-                <a:spcPts val="1000"/>
-              </a:spcBef>
-              <a:buSzPct val="125000"/>
-              <a:buFont typeface="Arial" panose="020B0604020202020204" pitchFamily="34" charset="0"/>
-              <a:buChar char="•"/>
-              <a:defRPr sz="2400" kern="1200">
-                <a:solidFill>
-                  <a:schemeClr val="tx1"/>
-                </a:solidFill>
-                <a:latin typeface="+mn-lt"/>
-                <a:ea typeface="+mn-ea"/>
-                <a:cs typeface="+mn-cs"/>
-              </a:defRPr>
-            </a:lvl1pPr>
-            <a:lvl2pPr marL="685800" indent="-228600" algn="l" defTabSz="914400" rtl="0" eaLnBrk="1" latinLnBrk="0" hangingPunct="1">
-              <a:lnSpc>
-                <a:spcPct val="120000"/>
-              </a:lnSpc>
-              <a:spcBef>
-                <a:spcPts val="500"/>
-              </a:spcBef>
-              <a:buSzPct val="125000"/>
-              <a:buFont typeface="Arial" panose="020B0604020202020204" pitchFamily="34" charset="0"/>
-              <a:buChar char="•"/>
-              <a:defRPr sz="2000" kern="1200">
-                <a:solidFill>
-                  <a:schemeClr val="tx1"/>
-                </a:solidFill>
-                <a:latin typeface="+mn-lt"/>
-                <a:ea typeface="+mn-ea"/>
-                <a:cs typeface="+mn-cs"/>
-              </a:defRPr>
-            </a:lvl2pPr>
-            <a:lvl3pPr marL="1143000" indent="-228600" algn="l" defTabSz="914400" rtl="0" eaLnBrk="1" latinLnBrk="0" hangingPunct="1">
-              <a:lnSpc>
-                <a:spcPct val="120000"/>
-              </a:lnSpc>
-              <a:spcBef>
-                <a:spcPts val="500"/>
-              </a:spcBef>
-              <a:buSzPct val="125000"/>
-              <a:buFont typeface="Arial" panose="020B0604020202020204" pitchFamily="34" charset="0"/>
-              <a:buChar char="•"/>
-              <a:defRPr sz="1800" kern="1200">
-                <a:solidFill>
-                  <a:schemeClr val="tx1"/>
-                </a:solidFill>
-                <a:latin typeface="+mn-lt"/>
-                <a:ea typeface="+mn-ea"/>
-                <a:cs typeface="+mn-cs"/>
-              </a:defRPr>
-            </a:lvl3pPr>
-            <a:lvl4pPr marL="1600200" indent="-228600" algn="l" defTabSz="914400" rtl="0" eaLnBrk="1" latinLnBrk="0" hangingPunct="1">
-              <a:lnSpc>
-                <a:spcPct val="120000"/>
-              </a:lnSpc>
-              <a:spcBef>
-                <a:spcPts val="500"/>
-              </a:spcBef>
-              <a:buSzPct val="125000"/>
-              <a:buFont typeface="Arial" panose="020B0604020202020204" pitchFamily="34" charset="0"/>
-              <a:buChar char="•"/>
-              <a:defRPr sz="1600" kern="1200">
-                <a:solidFill>
-                  <a:schemeClr val="tx1"/>
-                </a:solidFill>
-                <a:latin typeface="+mn-lt"/>
-                <a:ea typeface="+mn-ea"/>
-                <a:cs typeface="+mn-cs"/>
-              </a:defRPr>
-            </a:lvl4pPr>
-            <a:lvl5pPr marL="2057400" indent="-228600" algn="l" defTabSz="914400" rtl="0" eaLnBrk="1" latinLnBrk="0" hangingPunct="1">
-              <a:lnSpc>
-                <a:spcPct val="120000"/>
-              </a:lnSpc>
-              <a:spcBef>
-                <a:spcPts val="500"/>
-              </a:spcBef>
-              <a:buSzPct val="125000"/>
-              <a:buFont typeface="Arial" panose="020B0604020202020204" pitchFamily="34" charset="0"/>
-              <a:buChar char="•"/>
-              <a:defRPr sz="1600" kern="1200">
-                <a:solidFill>
-                  <a:schemeClr val="tx1"/>
-                </a:solidFill>
-                <a:latin typeface="+mn-lt"/>
-                <a:ea typeface="+mn-ea"/>
-                <a:cs typeface="+mn-cs"/>
-              </a:defRPr>
-            </a:lvl5pPr>
-            <a:lvl6pPr marL="2514600" indent="-228600" algn="l" defTabSz="914400" rtl="0" eaLnBrk="1" latinLnBrk="0" hangingPunct="1">
-              <a:lnSpc>
-                <a:spcPct val="120000"/>
-              </a:lnSpc>
-              <a:spcBef>
-                <a:spcPts val="500"/>
-              </a:spcBef>
-              <a:buSzPct val="125000"/>
-              <a:buFont typeface="Arial" panose="020B0604020202020204" pitchFamily="34" charset="0"/>
-              <a:buChar char="•"/>
-              <a:defRPr sz="1400" kern="1200">
-                <a:solidFill>
-                  <a:schemeClr val="tx1"/>
-                </a:solidFill>
-                <a:latin typeface="+mn-lt"/>
-                <a:ea typeface="+mn-ea"/>
-                <a:cs typeface="+mn-cs"/>
-              </a:defRPr>
-            </a:lvl6pPr>
-            <a:lvl7pPr marL="2971800" indent="-228600" algn="l" defTabSz="914400" rtl="0" eaLnBrk="1" latinLnBrk="0" hangingPunct="1">
-              <a:lnSpc>
-                <a:spcPct val="120000"/>
-              </a:lnSpc>
-              <a:spcBef>
-                <a:spcPts val="500"/>
-              </a:spcBef>
-              <a:buSzPct val="125000"/>
-              <a:buFont typeface="Arial" panose="020B0604020202020204" pitchFamily="34" charset="0"/>
-              <a:buChar char="•"/>
-              <a:defRPr sz="1400" kern="1200">
-                <a:solidFill>
-                  <a:schemeClr val="tx1"/>
-                </a:solidFill>
-                <a:latin typeface="+mn-lt"/>
-                <a:ea typeface="+mn-ea"/>
-                <a:cs typeface="+mn-cs"/>
-              </a:defRPr>
-            </a:lvl7pPr>
-            <a:lvl8pPr marL="3429000" indent="-228600" algn="l" defTabSz="914400" rtl="0" eaLnBrk="1" latinLnBrk="0" hangingPunct="1">
-              <a:lnSpc>
-                <a:spcPct val="120000"/>
-              </a:lnSpc>
-              <a:spcBef>
-                <a:spcPts val="500"/>
-              </a:spcBef>
-              <a:buSzPct val="125000"/>
-              <a:buFont typeface="Arial" panose="020B0604020202020204" pitchFamily="34" charset="0"/>
-              <a:buChar char="•"/>
-              <a:defRPr sz="1400" kern="1200">
-                <a:solidFill>
-                  <a:schemeClr val="tx1"/>
-                </a:solidFill>
-                <a:latin typeface="+mn-lt"/>
-                <a:ea typeface="+mn-ea"/>
-                <a:cs typeface="+mn-cs"/>
-              </a:defRPr>
-            </a:lvl8pPr>
-            <a:lvl9pPr marL="3886200" indent="-228600" algn="l" defTabSz="914400" rtl="0" eaLnBrk="1" latinLnBrk="0" hangingPunct="1">
-              <a:lnSpc>
-                <a:spcPct val="120000"/>
-              </a:lnSpc>
-              <a:spcBef>
-                <a:spcPts val="500"/>
-              </a:spcBef>
-              <a:buSzPct val="125000"/>
-              <a:buFont typeface="Arial" panose="020B0604020202020204" pitchFamily="34" charset="0"/>
-              <a:buChar char="•"/>
-              <a:defRPr sz="1400" kern="1200">
-                <a:solidFill>
-                  <a:schemeClr val="tx1"/>
-                </a:solidFill>
-                <a:latin typeface="+mn-lt"/>
-                <a:ea typeface="+mn-ea"/>
-                <a:cs typeface="+mn-cs"/>
-              </a:defRPr>
-            </a:lvl9pPr>
-          </a:lstStyle>
-          <a:p>
-            <a:pPr marL="0" indent="0" algn="ctr">
-              <a:buNone/>
-            </a:pPr>
-            <a:r>
-              <a:rPr lang="es-AR" sz="3200" dirty="0" err="1">
-                <a:solidFill>
-                  <a:schemeClr val="bg1"/>
-                </a:solidFill>
-              </a:rPr>
-              <a:t>Recurrent</a:t>
-            </a:r>
-            <a:r>
-              <a:rPr lang="es-AR" sz="3200" dirty="0">
-                <a:solidFill>
-                  <a:schemeClr val="bg1"/>
-                </a:solidFill>
-              </a:rPr>
-              <a:t> Neural Network (RNN)  - </a:t>
-            </a:r>
-            <a:r>
-              <a:rPr lang="es-AR" sz="3200" dirty="0" err="1">
-                <a:solidFill>
-                  <a:schemeClr val="bg1"/>
-                </a:solidFill>
-              </a:rPr>
-              <a:t>Attention</a:t>
-            </a:r>
-            <a:r>
-              <a:rPr lang="es-AR" sz="3200" dirty="0">
-                <a:solidFill>
-                  <a:schemeClr val="bg1"/>
-                </a:solidFill>
-              </a:rPr>
-              <a:t>!!</a:t>
-            </a:r>
-          </a:p>
-        </p:txBody>
-      </p:sp>
       <mc:AlternateContent xmlns:mc="http://schemas.openxmlformats.org/markup-compatibility/2006" xmlns:a14="http://schemas.microsoft.com/office/drawing/2010/main">
         <mc:Choice Requires="a14">
           <p:sp>
@@ -30271,6 +30449,261 @@
           </p:sp>
         </mc:Fallback>
       </mc:AlternateContent>
+      <p:sp>
+        <p:nvSpPr>
+          <p:cNvPr id="8" name="Subtitle 1">
+            <a:extLst>
+              <a:ext uri="{FF2B5EF4-FFF2-40B4-BE49-F238E27FC236}">
+                <a16:creationId xmlns:a16="http://schemas.microsoft.com/office/drawing/2014/main" id="{CBD8BF0A-7E29-C097-5FD0-0872C9CD57A5}"/>
+              </a:ext>
+            </a:extLst>
+          </p:cNvPr>
+          <p:cNvSpPr txBox="1">
+            <a:spLocks/>
+          </p:cNvSpPr>
+          <p:nvPr/>
+        </p:nvSpPr>
+        <p:spPr>
+          <a:xfrm>
+            <a:off x="92765" y="54658"/>
+            <a:ext cx="11694017" cy="811369"/>
+          </a:xfrm>
+          <a:prstGeom prst="rect">
+            <a:avLst/>
+          </a:prstGeom>
+        </p:spPr>
+        <p:txBody>
+          <a:bodyPr vert="horz" lIns="91440" tIns="45720" rIns="91440" bIns="45720" rtlCol="0">
+            <a:noAutofit/>
+          </a:bodyPr>
+          <a:lstStyle>
+            <a:lvl1pPr marL="228600" indent="-228600" algn="l" defTabSz="914400" rtl="0" eaLnBrk="1" latinLnBrk="0" hangingPunct="1">
+              <a:lnSpc>
+                <a:spcPct val="120000"/>
+              </a:lnSpc>
+              <a:spcBef>
+                <a:spcPts val="1000"/>
+              </a:spcBef>
+              <a:buSzPct val="125000"/>
+              <a:buFont typeface="Arial" panose="020B0604020202020204" pitchFamily="34" charset="0"/>
+              <a:buChar char="•"/>
+              <a:defRPr sz="2400" kern="1200">
+                <a:solidFill>
+                  <a:schemeClr val="tx1"/>
+                </a:solidFill>
+                <a:latin typeface="+mn-lt"/>
+                <a:ea typeface="+mn-ea"/>
+                <a:cs typeface="+mn-cs"/>
+              </a:defRPr>
+            </a:lvl1pPr>
+            <a:lvl2pPr marL="685800" indent="-228600" algn="l" defTabSz="914400" rtl="0" eaLnBrk="1" latinLnBrk="0" hangingPunct="1">
+              <a:lnSpc>
+                <a:spcPct val="120000"/>
+              </a:lnSpc>
+              <a:spcBef>
+                <a:spcPts val="500"/>
+              </a:spcBef>
+              <a:buSzPct val="125000"/>
+              <a:buFont typeface="Arial" panose="020B0604020202020204" pitchFamily="34" charset="0"/>
+              <a:buChar char="•"/>
+              <a:defRPr sz="2000" kern="1200">
+                <a:solidFill>
+                  <a:schemeClr val="tx1"/>
+                </a:solidFill>
+                <a:latin typeface="+mn-lt"/>
+                <a:ea typeface="+mn-ea"/>
+                <a:cs typeface="+mn-cs"/>
+              </a:defRPr>
+            </a:lvl2pPr>
+            <a:lvl3pPr marL="1143000" indent="-228600" algn="l" defTabSz="914400" rtl="0" eaLnBrk="1" latinLnBrk="0" hangingPunct="1">
+              <a:lnSpc>
+                <a:spcPct val="120000"/>
+              </a:lnSpc>
+              <a:spcBef>
+                <a:spcPts val="500"/>
+              </a:spcBef>
+              <a:buSzPct val="125000"/>
+              <a:buFont typeface="Arial" panose="020B0604020202020204" pitchFamily="34" charset="0"/>
+              <a:buChar char="•"/>
+              <a:defRPr sz="1800" kern="1200">
+                <a:solidFill>
+                  <a:schemeClr val="tx1"/>
+                </a:solidFill>
+                <a:latin typeface="+mn-lt"/>
+                <a:ea typeface="+mn-ea"/>
+                <a:cs typeface="+mn-cs"/>
+              </a:defRPr>
+            </a:lvl3pPr>
+            <a:lvl4pPr marL="1600200" indent="-228600" algn="l" defTabSz="914400" rtl="0" eaLnBrk="1" latinLnBrk="0" hangingPunct="1">
+              <a:lnSpc>
+                <a:spcPct val="120000"/>
+              </a:lnSpc>
+              <a:spcBef>
+                <a:spcPts val="500"/>
+              </a:spcBef>
+              <a:buSzPct val="125000"/>
+              <a:buFont typeface="Arial" panose="020B0604020202020204" pitchFamily="34" charset="0"/>
+              <a:buChar char="•"/>
+              <a:defRPr sz="1600" kern="1200">
+                <a:solidFill>
+                  <a:schemeClr val="tx1"/>
+                </a:solidFill>
+                <a:latin typeface="+mn-lt"/>
+                <a:ea typeface="+mn-ea"/>
+                <a:cs typeface="+mn-cs"/>
+              </a:defRPr>
+            </a:lvl4pPr>
+            <a:lvl5pPr marL="2057400" indent="-228600" algn="l" defTabSz="914400" rtl="0" eaLnBrk="1" latinLnBrk="0" hangingPunct="1">
+              <a:lnSpc>
+                <a:spcPct val="120000"/>
+              </a:lnSpc>
+              <a:spcBef>
+                <a:spcPts val="500"/>
+              </a:spcBef>
+              <a:buSzPct val="125000"/>
+              <a:buFont typeface="Arial" panose="020B0604020202020204" pitchFamily="34" charset="0"/>
+              <a:buChar char="•"/>
+              <a:defRPr sz="1600" kern="1200">
+                <a:solidFill>
+                  <a:schemeClr val="tx1"/>
+                </a:solidFill>
+                <a:latin typeface="+mn-lt"/>
+                <a:ea typeface="+mn-ea"/>
+                <a:cs typeface="+mn-cs"/>
+              </a:defRPr>
+            </a:lvl5pPr>
+            <a:lvl6pPr marL="2514600" indent="-228600" algn="l" defTabSz="914400" rtl="0" eaLnBrk="1" latinLnBrk="0" hangingPunct="1">
+              <a:lnSpc>
+                <a:spcPct val="120000"/>
+              </a:lnSpc>
+              <a:spcBef>
+                <a:spcPts val="500"/>
+              </a:spcBef>
+              <a:buSzPct val="125000"/>
+              <a:buFont typeface="Arial" panose="020B0604020202020204" pitchFamily="34" charset="0"/>
+              <a:buChar char="•"/>
+              <a:defRPr sz="1400" kern="1200">
+                <a:solidFill>
+                  <a:schemeClr val="tx1"/>
+                </a:solidFill>
+                <a:latin typeface="+mn-lt"/>
+                <a:ea typeface="+mn-ea"/>
+                <a:cs typeface="+mn-cs"/>
+              </a:defRPr>
+            </a:lvl6pPr>
+            <a:lvl7pPr marL="2971800" indent="-228600" algn="l" defTabSz="914400" rtl="0" eaLnBrk="1" latinLnBrk="0" hangingPunct="1">
+              <a:lnSpc>
+                <a:spcPct val="120000"/>
+              </a:lnSpc>
+              <a:spcBef>
+                <a:spcPts val="500"/>
+              </a:spcBef>
+              <a:buSzPct val="125000"/>
+              <a:buFont typeface="Arial" panose="020B0604020202020204" pitchFamily="34" charset="0"/>
+              <a:buChar char="•"/>
+              <a:defRPr sz="1400" kern="1200">
+                <a:solidFill>
+                  <a:schemeClr val="tx1"/>
+                </a:solidFill>
+                <a:latin typeface="+mn-lt"/>
+                <a:ea typeface="+mn-ea"/>
+                <a:cs typeface="+mn-cs"/>
+              </a:defRPr>
+            </a:lvl7pPr>
+            <a:lvl8pPr marL="3429000" indent="-228600" algn="l" defTabSz="914400" rtl="0" eaLnBrk="1" latinLnBrk="0" hangingPunct="1">
+              <a:lnSpc>
+                <a:spcPct val="120000"/>
+              </a:lnSpc>
+              <a:spcBef>
+                <a:spcPts val="500"/>
+              </a:spcBef>
+              <a:buSzPct val="125000"/>
+              <a:buFont typeface="Arial" panose="020B0604020202020204" pitchFamily="34" charset="0"/>
+              <a:buChar char="•"/>
+              <a:defRPr sz="1400" kern="1200">
+                <a:solidFill>
+                  <a:schemeClr val="tx1"/>
+                </a:solidFill>
+                <a:latin typeface="+mn-lt"/>
+                <a:ea typeface="+mn-ea"/>
+                <a:cs typeface="+mn-cs"/>
+              </a:defRPr>
+            </a:lvl8pPr>
+            <a:lvl9pPr marL="3886200" indent="-228600" algn="l" defTabSz="914400" rtl="0" eaLnBrk="1" latinLnBrk="0" hangingPunct="1">
+              <a:lnSpc>
+                <a:spcPct val="120000"/>
+              </a:lnSpc>
+              <a:spcBef>
+                <a:spcPts val="500"/>
+              </a:spcBef>
+              <a:buSzPct val="125000"/>
+              <a:buFont typeface="Arial" panose="020B0604020202020204" pitchFamily="34" charset="0"/>
+              <a:buChar char="•"/>
+              <a:defRPr sz="1400" kern="1200">
+                <a:solidFill>
+                  <a:schemeClr val="tx1"/>
+                </a:solidFill>
+                <a:latin typeface="+mn-lt"/>
+                <a:ea typeface="+mn-ea"/>
+                <a:cs typeface="+mn-cs"/>
+              </a:defRPr>
+            </a:lvl9pPr>
+          </a:lstStyle>
+          <a:p>
+            <a:pPr marL="0" indent="0" algn="ctr">
+              <a:buNone/>
+            </a:pPr>
+            <a:r>
+              <a:rPr lang="es-AR" sz="3200" dirty="0" err="1">
+                <a:solidFill>
+                  <a:schemeClr val="bg1"/>
+                </a:solidFill>
+              </a:rPr>
+              <a:t>Recurrent</a:t>
+            </a:r>
+            <a:r>
+              <a:rPr lang="es-AR" sz="3200" dirty="0">
+                <a:solidFill>
+                  <a:schemeClr val="bg1"/>
+                </a:solidFill>
+              </a:rPr>
+              <a:t> Neural Network (RNN) – </a:t>
+            </a:r>
+            <a:r>
+              <a:rPr lang="es-AR" sz="3200" dirty="0" err="1">
+                <a:solidFill>
+                  <a:schemeClr val="bg1"/>
+                </a:solidFill>
+              </a:rPr>
+              <a:t>Self</a:t>
+            </a:r>
+            <a:r>
+              <a:rPr lang="es-AR" sz="3200" dirty="0">
+                <a:solidFill>
+                  <a:schemeClr val="bg1"/>
+                </a:solidFill>
+              </a:rPr>
+              <a:t> </a:t>
+            </a:r>
+            <a:r>
+              <a:rPr lang="es-AR" sz="3200" dirty="0" err="1">
+                <a:solidFill>
+                  <a:schemeClr val="bg1"/>
+                </a:solidFill>
+              </a:rPr>
+              <a:t>Attention</a:t>
+            </a:r>
+            <a:r>
+              <a:rPr lang="es-AR" sz="3200" dirty="0">
+                <a:solidFill>
+                  <a:schemeClr val="bg1"/>
+                </a:solidFill>
+              </a:rPr>
+              <a:t>!!</a:t>
+            </a:r>
+          </a:p>
+        </p:txBody>
+      </p:sp>
     </p:spTree>
     <p:extLst>
       <p:ext uri="{BB962C8B-B14F-4D97-AF65-F5344CB8AC3E}">
@@ -30285,6 +30718,2675 @@
 </file>
 
 <file path=ppt/slides/slide27.xml><?xml version="1.0" encoding="utf-8"?>
+<p:sld xmlns:a="http://schemas.openxmlformats.org/drawingml/2006/main" xmlns:r="http://schemas.openxmlformats.org/officeDocument/2006/relationships" xmlns:p="http://schemas.openxmlformats.org/presentationml/2006/main">
+  <p:cSld>
+    <p:spTree>
+      <p:nvGrpSpPr>
+        <p:cNvPr id="1" name=""/>
+        <p:cNvGrpSpPr/>
+        <p:nvPr/>
+      </p:nvGrpSpPr>
+      <p:grpSpPr>
+        <a:xfrm>
+          <a:off x="0" y="0"/>
+          <a:ext cx="0" cy="0"/>
+          <a:chOff x="0" y="0"/>
+          <a:chExt cx="0" cy="0"/>
+        </a:xfrm>
+      </p:grpSpPr>
+      <mc:AlternateContent xmlns:mc="http://schemas.openxmlformats.org/markup-compatibility/2006" xmlns:a14="http://schemas.microsoft.com/office/drawing/2010/main">
+        <mc:Choice Requires="a14">
+          <p:sp>
+            <p:nvSpPr>
+              <p:cNvPr id="9" name="Rectangle 8"/>
+              <p:cNvSpPr/>
+              <p:nvPr/>
+            </p:nvSpPr>
+            <p:spPr>
+              <a:xfrm>
+                <a:off x="2962204" y="3328254"/>
+                <a:ext cx="476156" cy="400110"/>
+              </a:xfrm>
+              <a:prstGeom prst="rect">
+                <a:avLst/>
+              </a:prstGeom>
+            </p:spPr>
+            <p:txBody>
+              <a:bodyPr wrap="none">
+                <a:spAutoFit/>
+              </a:bodyPr>
+              <a:lstStyle/>
+              <a:p>
+                <a:pPr/>
+                <a14:m>
+                  <m:oMathPara xmlns:m="http://schemas.openxmlformats.org/officeDocument/2006/math">
+                    <m:oMathParaPr>
+                      <m:jc m:val="centerGroup"/>
+                    </m:oMathParaPr>
+                    <m:oMath xmlns:m="http://schemas.openxmlformats.org/officeDocument/2006/math">
+                      <m:sSub>
+                        <m:sSubPr>
+                          <m:ctrlPr>
+                            <a:rPr lang="es-AR" sz="2000" i="1">
+                              <a:solidFill>
+                                <a:schemeClr val="bg1"/>
+                              </a:solidFill>
+                              <a:latin typeface="Cambria Math" panose="02040503050406030204" pitchFamily="18" charset="0"/>
+                            </a:rPr>
+                          </m:ctrlPr>
+                        </m:sSubPr>
+                        <m:e>
+                          <m:r>
+                            <a:rPr lang="es-AR" sz="2000" i="1">
+                              <a:solidFill>
+                                <a:schemeClr val="bg1"/>
+                              </a:solidFill>
+                              <a:latin typeface="Cambria Math" panose="02040503050406030204" pitchFamily="18" charset="0"/>
+                            </a:rPr>
+                            <m:t>𝑐</m:t>
+                          </m:r>
+                        </m:e>
+                        <m:sub>
+                          <m:r>
+                            <a:rPr lang="es-AR" sz="2000" i="1">
+                              <a:solidFill>
+                                <a:schemeClr val="bg1"/>
+                              </a:solidFill>
+                              <a:latin typeface="Cambria Math" panose="02040503050406030204" pitchFamily="18" charset="0"/>
+                            </a:rPr>
+                            <m:t>𝑡</m:t>
+                          </m:r>
+                        </m:sub>
+                      </m:sSub>
+                    </m:oMath>
+                  </m:oMathPara>
+                </a14:m>
+                <a:endParaRPr lang="es-AR" sz="2000" dirty="0"/>
+              </a:p>
+            </p:txBody>
+          </p:sp>
+        </mc:Choice>
+        <mc:Fallback xmlns="">
+          <p:sp>
+            <p:nvSpPr>
+              <p:cNvPr id="9" name="Rectangle 8"/>
+              <p:cNvSpPr>
+                <a:spLocks noRot="1" noChangeAspect="1" noMove="1" noResize="1" noEditPoints="1" noAdjustHandles="1" noChangeArrowheads="1" noChangeShapeType="1" noTextEdit="1"/>
+              </p:cNvSpPr>
+              <p:nvPr/>
+            </p:nvSpPr>
+            <p:spPr>
+              <a:xfrm>
+                <a:off x="2962204" y="3328254"/>
+                <a:ext cx="476156" cy="400110"/>
+              </a:xfrm>
+              <a:prstGeom prst="rect">
+                <a:avLst/>
+              </a:prstGeom>
+              <a:blipFill rotWithShape="0">
+                <a:blip r:embed="rId6"/>
+                <a:stretch>
+                  <a:fillRect/>
+                </a:stretch>
+              </a:blipFill>
+            </p:spPr>
+            <p:txBody>
+              <a:bodyPr/>
+              <a:lstStyle/>
+              <a:p>
+                <a:r>
+                  <a:rPr lang="es-AR">
+                    <a:noFill/>
+                  </a:rPr>
+                  <a:t> </a:t>
+                </a:r>
+              </a:p>
+            </p:txBody>
+          </p:sp>
+        </mc:Fallback>
+      </mc:AlternateContent>
+      <mc:AlternateContent xmlns:mc="http://schemas.openxmlformats.org/markup-compatibility/2006" xmlns:a14="http://schemas.microsoft.com/office/drawing/2010/main">
+        <mc:Choice Requires="a14">
+          <p:sp>
+            <p:nvSpPr>
+              <p:cNvPr id="10" name="Rectangle 9"/>
+              <p:cNvSpPr/>
+              <p:nvPr/>
+            </p:nvSpPr>
+            <p:spPr>
+              <a:xfrm>
+                <a:off x="3714518" y="5392920"/>
+                <a:ext cx="4544193" cy="461665"/>
+              </a:xfrm>
+              <a:prstGeom prst="rect">
+                <a:avLst/>
+              </a:prstGeom>
+              <a:solidFill>
+                <a:schemeClr val="tx1"/>
+              </a:solidFill>
+            </p:spPr>
+            <p:txBody>
+              <a:bodyPr wrap="none">
+                <a:spAutoFit/>
+              </a:bodyPr>
+              <a:lstStyle/>
+              <a:p>
+                <a14:m>
+                  <m:oMath xmlns:m="http://schemas.openxmlformats.org/officeDocument/2006/math">
+                    <m:sSub>
+                      <m:sSubPr>
+                        <m:ctrlPr>
+                          <a:rPr lang="es-AR" sz="2400" i="1" smtClean="0">
+                            <a:solidFill>
+                              <a:schemeClr val="bg1"/>
+                            </a:solidFill>
+                            <a:latin typeface="Cambria Math" panose="02040503050406030204" pitchFamily="18" charset="0"/>
+                          </a:rPr>
+                        </m:ctrlPr>
+                      </m:sSubPr>
+                      <m:e>
+                        <m:r>
+                          <a:rPr lang="es-AR" sz="2400" b="0" i="1" smtClean="0">
+                            <a:solidFill>
+                              <a:schemeClr val="bg1"/>
+                            </a:solidFill>
+                            <a:latin typeface="Cambria Math" panose="02040503050406030204" pitchFamily="18" charset="0"/>
+                          </a:rPr>
+                          <m:t>𝑧</m:t>
+                        </m:r>
+                      </m:e>
+                      <m:sub>
+                        <m:r>
+                          <a:rPr lang="es-AR" sz="2400" i="1">
+                            <a:solidFill>
+                              <a:schemeClr val="bg1"/>
+                            </a:solidFill>
+                            <a:latin typeface="Cambria Math" panose="02040503050406030204" pitchFamily="18" charset="0"/>
+                          </a:rPr>
+                          <m:t>𝑡</m:t>
+                        </m:r>
+                      </m:sub>
+                    </m:sSub>
+                    <m:r>
+                      <a:rPr lang="es-AR" sz="2400" b="0" i="1" smtClean="0">
+                        <a:solidFill>
+                          <a:schemeClr val="bg1"/>
+                        </a:solidFill>
+                        <a:latin typeface="Cambria Math" panose="02040503050406030204" pitchFamily="18" charset="0"/>
+                      </a:rPr>
+                      <m:t>=</m:t>
+                    </m:r>
+                    <m:sSub>
+                      <m:sSubPr>
+                        <m:ctrlPr>
+                          <a:rPr lang="es-AR" sz="2400" i="1">
+                            <a:solidFill>
+                              <a:schemeClr val="bg1"/>
+                            </a:solidFill>
+                            <a:latin typeface="Cambria Math" panose="02040503050406030204" pitchFamily="18" charset="0"/>
+                          </a:rPr>
+                        </m:ctrlPr>
+                      </m:sSubPr>
+                      <m:e>
+                        <m:r>
+                          <a:rPr lang="es-AR" sz="2400" b="0" i="1" smtClean="0">
+                            <a:solidFill>
+                              <a:schemeClr val="bg1"/>
+                            </a:solidFill>
+                            <a:latin typeface="Cambria Math" panose="02040503050406030204" pitchFamily="18" charset="0"/>
+                          </a:rPr>
+                          <m:t>𝑤</m:t>
+                        </m:r>
+                      </m:e>
+                      <m:sub>
+                        <m:r>
+                          <a:rPr lang="es-AR" sz="2400" b="0" i="1" smtClean="0">
+                            <a:solidFill>
+                              <a:schemeClr val="bg1"/>
+                            </a:solidFill>
+                            <a:latin typeface="Cambria Math" panose="02040503050406030204" pitchFamily="18" charset="0"/>
+                          </a:rPr>
+                          <m:t>𝑧𝑑</m:t>
+                        </m:r>
+                      </m:sub>
+                    </m:sSub>
+                    <m:sSub>
+                      <m:sSubPr>
+                        <m:ctrlPr>
+                          <a:rPr lang="es-AR" sz="2400" i="1">
+                            <a:solidFill>
+                              <a:schemeClr val="bg1"/>
+                            </a:solidFill>
+                            <a:latin typeface="Cambria Math" panose="02040503050406030204" pitchFamily="18" charset="0"/>
+                          </a:rPr>
+                        </m:ctrlPr>
+                      </m:sSubPr>
+                      <m:e>
+                        <m:r>
+                          <a:rPr lang="es-AR" sz="2400" i="1">
+                            <a:solidFill>
+                              <a:schemeClr val="bg1"/>
+                            </a:solidFill>
+                            <a:latin typeface="Cambria Math" panose="02040503050406030204" pitchFamily="18" charset="0"/>
+                          </a:rPr>
+                          <m:t>𝑧</m:t>
+                        </m:r>
+                      </m:e>
+                      <m:sub>
+                        <m:r>
+                          <a:rPr lang="es-AR" sz="2400" i="1">
+                            <a:solidFill>
+                              <a:schemeClr val="bg1"/>
+                            </a:solidFill>
+                            <a:latin typeface="Cambria Math" panose="02040503050406030204" pitchFamily="18" charset="0"/>
+                          </a:rPr>
+                          <m:t>𝑡</m:t>
+                        </m:r>
+                        <m:r>
+                          <a:rPr lang="es-AR" sz="2400" b="0" i="1" smtClean="0">
+                            <a:solidFill>
+                              <a:schemeClr val="bg1"/>
+                            </a:solidFill>
+                            <a:latin typeface="Cambria Math" panose="02040503050406030204" pitchFamily="18" charset="0"/>
+                          </a:rPr>
+                          <m:t>−1</m:t>
+                        </m:r>
+                      </m:sub>
+                    </m:sSub>
+                  </m:oMath>
+                </a14:m>
+                <a:r>
+                  <a:rPr lang="es-AR" sz="2400" dirty="0">
+                    <a:solidFill>
+                      <a:schemeClr val="bg1"/>
+                    </a:solidFill>
+                  </a:rPr>
+                  <a:t> +</a:t>
+                </a:r>
+                <a14:m>
+                  <m:oMath xmlns:m="http://schemas.openxmlformats.org/officeDocument/2006/math">
+                    <m:sSub>
+                      <m:sSubPr>
+                        <m:ctrlPr>
+                          <a:rPr lang="es-AR" sz="2400" i="1">
+                            <a:solidFill>
+                              <a:schemeClr val="bg1"/>
+                            </a:solidFill>
+                            <a:latin typeface="Cambria Math" panose="02040503050406030204" pitchFamily="18" charset="0"/>
+                          </a:rPr>
+                        </m:ctrlPr>
+                      </m:sSubPr>
+                      <m:e>
+                        <m:r>
+                          <a:rPr lang="es-AR" sz="2400" i="1">
+                            <a:solidFill>
+                              <a:schemeClr val="bg1"/>
+                            </a:solidFill>
+                            <a:latin typeface="Cambria Math" panose="02040503050406030204" pitchFamily="18" charset="0"/>
+                          </a:rPr>
+                          <m:t>𝑤</m:t>
+                        </m:r>
+                      </m:e>
+                      <m:sub>
+                        <m:r>
+                          <a:rPr lang="es-AR" sz="2400" b="0" i="1" smtClean="0">
+                            <a:solidFill>
+                              <a:schemeClr val="bg1"/>
+                            </a:solidFill>
+                            <a:latin typeface="Cambria Math" panose="02040503050406030204" pitchFamily="18" charset="0"/>
+                          </a:rPr>
+                          <m:t>𝑢</m:t>
+                        </m:r>
+                        <m:r>
+                          <a:rPr lang="es-AR" sz="2400" i="1">
+                            <a:solidFill>
+                              <a:schemeClr val="bg1"/>
+                            </a:solidFill>
+                            <a:latin typeface="Cambria Math" panose="02040503050406030204" pitchFamily="18" charset="0"/>
+                          </a:rPr>
+                          <m:t>𝑑</m:t>
+                        </m:r>
+                      </m:sub>
+                    </m:sSub>
+                    <m:sSub>
+                      <m:sSubPr>
+                        <m:ctrlPr>
+                          <a:rPr lang="es-AR" sz="2400" i="1">
+                            <a:solidFill>
+                              <a:schemeClr val="bg1"/>
+                            </a:solidFill>
+                            <a:latin typeface="Cambria Math" panose="02040503050406030204" pitchFamily="18" charset="0"/>
+                          </a:rPr>
+                        </m:ctrlPr>
+                      </m:sSubPr>
+                      <m:e>
+                        <m:r>
+                          <a:rPr lang="es-AR" sz="2400" b="0" i="1" smtClean="0">
+                            <a:solidFill>
+                              <a:schemeClr val="bg1"/>
+                            </a:solidFill>
+                            <a:latin typeface="Cambria Math" panose="02040503050406030204" pitchFamily="18" charset="0"/>
+                          </a:rPr>
+                          <m:t>𝑢</m:t>
+                        </m:r>
+                      </m:e>
+                      <m:sub>
+                        <m:r>
+                          <a:rPr lang="es-AR" sz="2400" i="1">
+                            <a:solidFill>
+                              <a:schemeClr val="bg1"/>
+                            </a:solidFill>
+                            <a:latin typeface="Cambria Math" panose="02040503050406030204" pitchFamily="18" charset="0"/>
+                          </a:rPr>
+                          <m:t>𝑡</m:t>
+                        </m:r>
+                        <m:r>
+                          <a:rPr lang="es-AR" sz="2400" b="0" i="1" smtClean="0">
+                            <a:solidFill>
+                              <a:schemeClr val="bg1"/>
+                            </a:solidFill>
+                            <a:latin typeface="Cambria Math" panose="02040503050406030204" pitchFamily="18" charset="0"/>
+                          </a:rPr>
+                          <m:t>−1</m:t>
+                        </m:r>
+                      </m:sub>
+                    </m:sSub>
+                  </m:oMath>
+                </a14:m>
+                <a:r>
+                  <a:rPr lang="es-AR" sz="2400" dirty="0">
+                    <a:solidFill>
+                      <a:schemeClr val="bg1"/>
+                    </a:solidFill>
+                  </a:rPr>
+                  <a:t> + </a:t>
+                </a:r>
+                <a14:m>
+                  <m:oMath xmlns:m="http://schemas.openxmlformats.org/officeDocument/2006/math">
+                    <m:sSub>
+                      <m:sSubPr>
+                        <m:ctrlPr>
+                          <a:rPr lang="es-AR" sz="2400" i="1">
+                            <a:solidFill>
+                              <a:schemeClr val="bg1"/>
+                            </a:solidFill>
+                            <a:latin typeface="Cambria Math" panose="02040503050406030204" pitchFamily="18" charset="0"/>
+                          </a:rPr>
+                        </m:ctrlPr>
+                      </m:sSubPr>
+                      <m:e>
+                        <m:r>
+                          <a:rPr lang="es-AR" sz="2400" b="0" i="1" smtClean="0">
+                            <a:solidFill>
+                              <a:schemeClr val="bg1"/>
+                            </a:solidFill>
+                            <a:latin typeface="Cambria Math" panose="02040503050406030204" pitchFamily="18" charset="0"/>
+                          </a:rPr>
+                          <m:t>𝑤</m:t>
+                        </m:r>
+                      </m:e>
+                      <m:sub>
+                        <m:r>
+                          <a:rPr lang="es-AR" sz="2400" b="0" i="1" smtClean="0">
+                            <a:solidFill>
+                              <a:schemeClr val="bg1"/>
+                            </a:solidFill>
+                            <a:latin typeface="Cambria Math" panose="02040503050406030204" pitchFamily="18" charset="0"/>
+                          </a:rPr>
+                          <m:t>𝑐</m:t>
+                        </m:r>
+                      </m:sub>
+                    </m:sSub>
+                    <m:sSub>
+                      <m:sSubPr>
+                        <m:ctrlPr>
+                          <a:rPr lang="es-AR" sz="2400" i="1">
+                            <a:solidFill>
+                              <a:schemeClr val="bg1"/>
+                            </a:solidFill>
+                            <a:latin typeface="Cambria Math" panose="02040503050406030204" pitchFamily="18" charset="0"/>
+                          </a:rPr>
+                        </m:ctrlPr>
+                      </m:sSubPr>
+                      <m:e>
+                        <m:r>
+                          <a:rPr lang="es-AR" sz="2400" b="0" i="1" smtClean="0">
+                            <a:solidFill>
+                              <a:schemeClr val="bg1"/>
+                            </a:solidFill>
+                            <a:latin typeface="Cambria Math" panose="02040503050406030204" pitchFamily="18" charset="0"/>
+                          </a:rPr>
+                          <m:t>𝑐</m:t>
+                        </m:r>
+                      </m:e>
+                      <m:sub>
+                        <m:r>
+                          <a:rPr lang="es-AR" sz="2400" i="1">
+                            <a:solidFill>
+                              <a:schemeClr val="bg1"/>
+                            </a:solidFill>
+                            <a:latin typeface="Cambria Math" panose="02040503050406030204" pitchFamily="18" charset="0"/>
+                          </a:rPr>
+                          <m:t>𝑡</m:t>
+                        </m:r>
+                      </m:sub>
+                    </m:sSub>
+                  </m:oMath>
+                </a14:m>
+                <a:endParaRPr lang="es-AR" sz="2400" dirty="0">
+                  <a:solidFill>
+                    <a:schemeClr val="bg1"/>
+                  </a:solidFill>
+                </a:endParaRPr>
+              </a:p>
+            </p:txBody>
+          </p:sp>
+        </mc:Choice>
+        <mc:Fallback xmlns="">
+          <p:sp>
+            <p:nvSpPr>
+              <p:cNvPr id="10" name="Rectangle 9"/>
+              <p:cNvSpPr>
+                <a:spLocks noRot="1" noChangeAspect="1" noMove="1" noResize="1" noEditPoints="1" noAdjustHandles="1" noChangeArrowheads="1" noChangeShapeType="1" noTextEdit="1"/>
+              </p:cNvSpPr>
+              <p:nvPr/>
+            </p:nvSpPr>
+            <p:spPr>
+              <a:xfrm>
+                <a:off x="3714518" y="5392920"/>
+                <a:ext cx="4544193" cy="461665"/>
+              </a:xfrm>
+              <a:prstGeom prst="rect">
+                <a:avLst/>
+              </a:prstGeom>
+              <a:blipFill>
+                <a:blip r:embed="rId7"/>
+                <a:stretch>
+                  <a:fillRect t="-10667" b="-30667"/>
+                </a:stretch>
+              </a:blipFill>
+            </p:spPr>
+            <p:txBody>
+              <a:bodyPr/>
+              <a:lstStyle/>
+              <a:p>
+                <a:r>
+                  <a:rPr lang="es-AR">
+                    <a:noFill/>
+                  </a:rPr>
+                  <a:t> </a:t>
+                </a:r>
+              </a:p>
+            </p:txBody>
+          </p:sp>
+        </mc:Fallback>
+      </mc:AlternateContent>
+      <mc:AlternateContent xmlns:mc="http://schemas.openxmlformats.org/markup-compatibility/2006" xmlns:a14="http://schemas.microsoft.com/office/drawing/2010/main">
+        <mc:Choice Requires="a14">
+          <p:sp>
+            <p:nvSpPr>
+              <p:cNvPr id="3" name="Rectangle 2"/>
+              <p:cNvSpPr/>
+              <p:nvPr/>
+            </p:nvSpPr>
+            <p:spPr>
+              <a:xfrm>
+                <a:off x="3200282" y="4152296"/>
+                <a:ext cx="459998" cy="391646"/>
+              </a:xfrm>
+              <a:prstGeom prst="rect">
+                <a:avLst/>
+              </a:prstGeom>
+            </p:spPr>
+            <p:txBody>
+              <a:bodyPr wrap="none">
+                <a:spAutoFit/>
+              </a:bodyPr>
+              <a:lstStyle/>
+              <a:p>
+                <a:pPr/>
+                <a14:m>
+                  <m:oMathPara xmlns:m="http://schemas.openxmlformats.org/officeDocument/2006/math">
+                    <m:oMathParaPr>
+                      <m:jc m:val="centerGroup"/>
+                    </m:oMathParaPr>
+                    <m:oMath xmlns:m="http://schemas.openxmlformats.org/officeDocument/2006/math">
+                      <m:sSub>
+                        <m:sSubPr>
+                          <m:ctrlPr>
+                            <a:rPr lang="es-AR" i="1">
+                              <a:solidFill>
+                                <a:schemeClr val="accent4"/>
+                              </a:solidFill>
+                              <a:latin typeface="Cambria Math" panose="02040503050406030204" pitchFamily="18" charset="0"/>
+                            </a:rPr>
+                          </m:ctrlPr>
+                        </m:sSubPr>
+                        <m:e>
+                          <m:r>
+                            <a:rPr lang="es-AR" i="1">
+                              <a:solidFill>
+                                <a:schemeClr val="accent4"/>
+                              </a:solidFill>
+                              <a:latin typeface="Cambria Math" panose="02040503050406030204" pitchFamily="18" charset="0"/>
+                            </a:rPr>
+                            <m:t>𝑎</m:t>
+                          </m:r>
+                        </m:e>
+                        <m:sub>
+                          <m:r>
+                            <a:rPr lang="es-AR" i="1">
+                              <a:solidFill>
+                                <a:schemeClr val="accent4"/>
+                              </a:solidFill>
+                              <a:latin typeface="Cambria Math" panose="02040503050406030204" pitchFamily="18" charset="0"/>
+                            </a:rPr>
+                            <m:t>𝑗</m:t>
+                          </m:r>
+                        </m:sub>
+                      </m:sSub>
+                    </m:oMath>
+                  </m:oMathPara>
+                </a14:m>
+                <a:endParaRPr lang="es-AR" dirty="0"/>
+              </a:p>
+            </p:txBody>
+          </p:sp>
+        </mc:Choice>
+        <mc:Fallback xmlns="">
+          <p:sp>
+            <p:nvSpPr>
+              <p:cNvPr id="3" name="Rectangle 2"/>
+              <p:cNvSpPr>
+                <a:spLocks noRot="1" noChangeAspect="1" noMove="1" noResize="1" noEditPoints="1" noAdjustHandles="1" noChangeArrowheads="1" noChangeShapeType="1" noTextEdit="1"/>
+              </p:cNvSpPr>
+              <p:nvPr/>
+            </p:nvSpPr>
+            <p:spPr>
+              <a:xfrm>
+                <a:off x="3200282" y="4152296"/>
+                <a:ext cx="459998" cy="391646"/>
+              </a:xfrm>
+              <a:prstGeom prst="rect">
+                <a:avLst/>
+              </a:prstGeom>
+              <a:blipFill rotWithShape="0">
+                <a:blip r:embed="rId8"/>
+                <a:stretch>
+                  <a:fillRect b="-9375"/>
+                </a:stretch>
+              </a:blipFill>
+            </p:spPr>
+            <p:txBody>
+              <a:bodyPr/>
+              <a:lstStyle/>
+              <a:p>
+                <a:r>
+                  <a:rPr lang="es-AR">
+                    <a:noFill/>
+                  </a:rPr>
+                  <a:t> </a:t>
+                </a:r>
+              </a:p>
+            </p:txBody>
+          </p:sp>
+        </mc:Fallback>
+      </mc:AlternateContent>
+      <p:pic>
+        <p:nvPicPr>
+          <p:cNvPr id="5" name="Imagen 4">
+            <a:extLst>
+              <a:ext uri="{FF2B5EF4-FFF2-40B4-BE49-F238E27FC236}">
+                <a16:creationId xmlns:a16="http://schemas.microsoft.com/office/drawing/2014/main" id="{F2A2FF73-55EA-09D2-B406-9A04D6056E19}"/>
+              </a:ext>
+            </a:extLst>
+          </p:cNvPr>
+          <p:cNvPicPr>
+            <a:picLocks noChangeAspect="1"/>
+          </p:cNvPicPr>
+          <p:nvPr/>
+        </p:nvPicPr>
+        <p:blipFill>
+          <a:blip r:embed="rId9"/>
+          <a:stretch>
+            <a:fillRect/>
+          </a:stretch>
+        </p:blipFill>
+        <p:spPr>
+          <a:xfrm>
+            <a:off x="1345133" y="1503980"/>
+            <a:ext cx="7591425" cy="4772025"/>
+          </a:xfrm>
+          <a:prstGeom prst="rect">
+            <a:avLst/>
+          </a:prstGeom>
+        </p:spPr>
+      </p:pic>
+      <mc:AlternateContent xmlns:mc="http://schemas.openxmlformats.org/markup-compatibility/2006" xmlns:a14="http://schemas.microsoft.com/office/drawing/2010/main">
+        <mc:Choice Requires="a14">
+          <p:sp>
+            <p:nvSpPr>
+              <p:cNvPr id="15" name="CuadroTexto 14">
+                <a:extLst>
+                  <a:ext uri="{FF2B5EF4-FFF2-40B4-BE49-F238E27FC236}">
+                    <a16:creationId xmlns:a16="http://schemas.microsoft.com/office/drawing/2014/main" id="{1BC611AF-4607-48FE-ABE5-A4C681D54FBB}"/>
+                  </a:ext>
+                </a:extLst>
+              </p:cNvPr>
+              <p:cNvSpPr txBox="1"/>
+              <p:nvPr/>
+            </p:nvSpPr>
+            <p:spPr>
+              <a:xfrm>
+                <a:off x="3926665" y="4174610"/>
+                <a:ext cx="871330" cy="400110"/>
+              </a:xfrm>
+              <a:prstGeom prst="rect">
+                <a:avLst/>
+              </a:prstGeom>
+              <a:noFill/>
+            </p:spPr>
+            <p:txBody>
+              <a:bodyPr wrap="square">
+                <a:spAutoFit/>
+              </a:bodyPr>
+              <a:lstStyle/>
+              <a:p>
+                <a:pPr/>
+                <a14:m>
+                  <m:oMathPara xmlns:m="http://schemas.openxmlformats.org/officeDocument/2006/math">
+                    <m:oMathParaPr>
+                      <m:jc m:val="centerGroup"/>
+                    </m:oMathParaPr>
+                    <m:oMath xmlns:m="http://schemas.openxmlformats.org/officeDocument/2006/math">
+                      <m:sSub>
+                        <m:sSubPr>
+                          <m:ctrlPr>
+                            <a:rPr lang="es-AR" sz="2000" b="0" i="1" smtClean="0">
+                              <a:solidFill>
+                                <a:schemeClr val="bg1"/>
+                              </a:solidFill>
+                              <a:latin typeface="Cambria Math" panose="02040503050406030204" pitchFamily="18" charset="0"/>
+                            </a:rPr>
+                          </m:ctrlPr>
+                        </m:sSubPr>
+                        <m:e>
+                          <m:r>
+                            <a:rPr lang="es-AR" sz="2000" b="0" i="1" smtClean="0">
+                              <a:solidFill>
+                                <a:schemeClr val="bg1"/>
+                              </a:solidFill>
+                              <a:latin typeface="Cambria Math" panose="02040503050406030204" pitchFamily="18" charset="0"/>
+                            </a:rPr>
+                            <m:t>𝑧</m:t>
+                          </m:r>
+                        </m:e>
+                        <m:sub>
+                          <m:r>
+                            <a:rPr lang="es-AR" sz="2000" b="0" i="1" smtClean="0">
+                              <a:solidFill>
+                                <a:schemeClr val="bg1"/>
+                              </a:solidFill>
+                              <a:latin typeface="Cambria Math" panose="02040503050406030204" pitchFamily="18" charset="0"/>
+                            </a:rPr>
+                            <m:t>𝑡</m:t>
+                          </m:r>
+                          <m:r>
+                            <a:rPr lang="es-AR" sz="2000" b="0" i="1" smtClean="0">
+                              <a:solidFill>
+                                <a:schemeClr val="bg1"/>
+                              </a:solidFill>
+                              <a:latin typeface="Cambria Math" panose="02040503050406030204" pitchFamily="18" charset="0"/>
+                            </a:rPr>
+                            <m:t>−1</m:t>
+                          </m:r>
+                        </m:sub>
+                      </m:sSub>
+                    </m:oMath>
+                  </m:oMathPara>
+                </a14:m>
+                <a:endParaRPr lang="es-AR" sz="2000" dirty="0"/>
+              </a:p>
+            </p:txBody>
+          </p:sp>
+        </mc:Choice>
+        <mc:Fallback xmlns="">
+          <p:sp>
+            <p:nvSpPr>
+              <p:cNvPr id="15" name="CuadroTexto 14">
+                <a:extLst>
+                  <a:ext uri="{FF2B5EF4-FFF2-40B4-BE49-F238E27FC236}">
+                    <a16:creationId xmlns:a16="http://schemas.microsoft.com/office/drawing/2014/main" id="{1BC611AF-4607-48FE-ABE5-A4C681D54FBB}"/>
+                  </a:ext>
+                </a:extLst>
+              </p:cNvPr>
+              <p:cNvSpPr txBox="1">
+                <a:spLocks noRot="1" noChangeAspect="1" noMove="1" noResize="1" noEditPoints="1" noAdjustHandles="1" noChangeArrowheads="1" noChangeShapeType="1" noTextEdit="1"/>
+              </p:cNvSpPr>
+              <p:nvPr/>
+            </p:nvSpPr>
+            <p:spPr>
+              <a:xfrm>
+                <a:off x="3926665" y="4174610"/>
+                <a:ext cx="871330" cy="400110"/>
+              </a:xfrm>
+              <a:prstGeom prst="rect">
+                <a:avLst/>
+              </a:prstGeom>
+              <a:blipFill>
+                <a:blip r:embed="rId12"/>
+                <a:stretch>
+                  <a:fillRect/>
+                </a:stretch>
+              </a:blipFill>
+            </p:spPr>
+            <p:txBody>
+              <a:bodyPr/>
+              <a:lstStyle/>
+              <a:p>
+                <a:r>
+                  <a:rPr lang="es-AR">
+                    <a:noFill/>
+                  </a:rPr>
+                  <a:t> </a:t>
+                </a:r>
+              </a:p>
+            </p:txBody>
+          </p:sp>
+        </mc:Fallback>
+      </mc:AlternateContent>
+      <mc:AlternateContent xmlns:mc="http://schemas.openxmlformats.org/markup-compatibility/2006" xmlns:a14="http://schemas.microsoft.com/office/drawing/2010/main">
+        <mc:Choice Requires="a14">
+          <p:sp>
+            <p:nvSpPr>
+              <p:cNvPr id="2" name="CuadroTexto 1">
+                <a:extLst>
+                  <a:ext uri="{FF2B5EF4-FFF2-40B4-BE49-F238E27FC236}">
+                    <a16:creationId xmlns:a16="http://schemas.microsoft.com/office/drawing/2014/main" id="{FD353B88-C62B-8442-CCDF-49FE9866F2F8}"/>
+                  </a:ext>
+                </a:extLst>
+              </p:cNvPr>
+              <p:cNvSpPr txBox="1"/>
+              <p:nvPr/>
+            </p:nvSpPr>
+            <p:spPr>
+              <a:xfrm>
+                <a:off x="1113551" y="5900705"/>
+                <a:ext cx="1560444" cy="400110"/>
+              </a:xfrm>
+              <a:prstGeom prst="rect">
+                <a:avLst/>
+              </a:prstGeom>
+              <a:noFill/>
+            </p:spPr>
+            <p:txBody>
+              <a:bodyPr wrap="square">
+                <a:spAutoFit/>
+              </a:bodyPr>
+              <a:lstStyle/>
+              <a:p>
+                <a:pPr/>
+                <a14:m>
+                  <m:oMathPara xmlns:m="http://schemas.openxmlformats.org/officeDocument/2006/math">
+                    <m:oMathParaPr>
+                      <m:jc m:val="centerGroup"/>
+                    </m:oMathParaPr>
+                    <m:oMath xmlns:m="http://schemas.openxmlformats.org/officeDocument/2006/math">
+                      <m:r>
+                        <a:rPr lang="es-AR" sz="2000" b="0" i="1" smtClean="0">
+                          <a:solidFill>
+                            <a:srgbClr val="FF0000"/>
+                          </a:solidFill>
+                          <a:latin typeface="Cambria Math" panose="02040503050406030204" pitchFamily="18" charset="0"/>
+                        </a:rPr>
+                        <m:t>𝐾𝐸𝑌</m:t>
+                      </m:r>
+                    </m:oMath>
+                  </m:oMathPara>
+                </a14:m>
+                <a:endParaRPr lang="es-AR" sz="2000" dirty="0">
+                  <a:solidFill>
+                    <a:srgbClr val="FF0000"/>
+                  </a:solidFill>
+                </a:endParaRPr>
+              </a:p>
+            </p:txBody>
+          </p:sp>
+        </mc:Choice>
+        <mc:Fallback xmlns="">
+          <p:sp>
+            <p:nvSpPr>
+              <p:cNvPr id="2" name="CuadroTexto 1">
+                <a:extLst>
+                  <a:ext uri="{FF2B5EF4-FFF2-40B4-BE49-F238E27FC236}">
+                    <a16:creationId xmlns:a16="http://schemas.microsoft.com/office/drawing/2014/main" id="{FD353B88-C62B-8442-CCDF-49FE9866F2F8}"/>
+                  </a:ext>
+                </a:extLst>
+              </p:cNvPr>
+              <p:cNvSpPr txBox="1">
+                <a:spLocks noRot="1" noChangeAspect="1" noMove="1" noResize="1" noEditPoints="1" noAdjustHandles="1" noChangeArrowheads="1" noChangeShapeType="1" noTextEdit="1"/>
+              </p:cNvSpPr>
+              <p:nvPr/>
+            </p:nvSpPr>
+            <p:spPr>
+              <a:xfrm>
+                <a:off x="1113551" y="5900705"/>
+                <a:ext cx="1560444" cy="400110"/>
+              </a:xfrm>
+              <a:prstGeom prst="rect">
+                <a:avLst/>
+              </a:prstGeom>
+              <a:blipFill>
+                <a:blip r:embed="rId13"/>
+                <a:stretch>
+                  <a:fillRect/>
+                </a:stretch>
+              </a:blipFill>
+            </p:spPr>
+            <p:txBody>
+              <a:bodyPr/>
+              <a:lstStyle/>
+              <a:p>
+                <a:r>
+                  <a:rPr lang="es-AR">
+                    <a:noFill/>
+                  </a:rPr>
+                  <a:t> </a:t>
+                </a:r>
+              </a:p>
+            </p:txBody>
+          </p:sp>
+        </mc:Fallback>
+      </mc:AlternateContent>
+      <mc:AlternateContent xmlns:mc="http://schemas.openxmlformats.org/markup-compatibility/2006" xmlns:a14="http://schemas.microsoft.com/office/drawing/2010/main">
+        <mc:Choice Requires="a14">
+          <p:sp>
+            <p:nvSpPr>
+              <p:cNvPr id="4" name="CuadroTexto 3">
+                <a:extLst>
+                  <a:ext uri="{FF2B5EF4-FFF2-40B4-BE49-F238E27FC236}">
+                    <a16:creationId xmlns:a16="http://schemas.microsoft.com/office/drawing/2014/main" id="{3D19D39A-65FD-88A1-6180-0CA1B4C4B80C}"/>
+                  </a:ext>
+                </a:extLst>
+              </p:cNvPr>
+              <p:cNvSpPr txBox="1"/>
+              <p:nvPr/>
+            </p:nvSpPr>
+            <p:spPr>
+              <a:xfrm>
+                <a:off x="-17408" y="2043718"/>
+                <a:ext cx="2049042" cy="732573"/>
+              </a:xfrm>
+              <a:prstGeom prst="rect">
+                <a:avLst/>
+              </a:prstGeom>
+              <a:noFill/>
+            </p:spPr>
+            <p:txBody>
+              <a:bodyPr wrap="square">
+                <a:spAutoFit/>
+              </a:bodyPr>
+              <a:lstStyle/>
+              <a:p>
+                <a:pPr/>
+                <a14:m>
+                  <m:oMathPara xmlns:m="http://schemas.openxmlformats.org/officeDocument/2006/math">
+                    <m:oMathParaPr>
+                      <m:jc m:val="centerGroup"/>
+                    </m:oMathParaPr>
+                    <m:oMath xmlns:m="http://schemas.openxmlformats.org/officeDocument/2006/math">
+                      <m:sSub>
+                        <m:sSubPr>
+                          <m:ctrlPr>
+                            <a:rPr lang="es-AR" sz="2000" b="0" i="1" smtClean="0">
+                              <a:solidFill>
+                                <a:schemeClr val="bg1"/>
+                              </a:solidFill>
+                              <a:latin typeface="Cambria Math" panose="02040503050406030204" pitchFamily="18" charset="0"/>
+                            </a:rPr>
+                          </m:ctrlPr>
+                        </m:sSubPr>
+                        <m:e>
+                          <m:r>
+                            <a:rPr lang="es-AR" sz="2000" b="0" i="1" smtClean="0">
+                              <a:solidFill>
+                                <a:schemeClr val="bg1"/>
+                              </a:solidFill>
+                              <a:latin typeface="Cambria Math" panose="02040503050406030204" pitchFamily="18" charset="0"/>
+                            </a:rPr>
+                            <m:t>𝑎</m:t>
+                          </m:r>
+                        </m:e>
+                        <m:sub>
+                          <m:r>
+                            <a:rPr lang="es-AR" sz="2000" b="0" i="1" smtClean="0">
+                              <a:solidFill>
+                                <a:schemeClr val="bg1"/>
+                              </a:solidFill>
+                              <a:latin typeface="Cambria Math" panose="02040503050406030204" pitchFamily="18" charset="0"/>
+                            </a:rPr>
+                            <m:t>𝑡</m:t>
+                          </m:r>
+                          <m:r>
+                            <a:rPr lang="es-AR" sz="2000" b="0" i="1" smtClean="0">
+                              <a:solidFill>
+                                <a:schemeClr val="bg1"/>
+                              </a:solidFill>
+                              <a:latin typeface="Cambria Math" panose="02040503050406030204" pitchFamily="18" charset="0"/>
+                            </a:rPr>
+                            <m:t>,</m:t>
+                          </m:r>
+                          <m:r>
+                            <a:rPr lang="es-AR" sz="2000" b="0" i="1" smtClean="0">
+                              <a:solidFill>
+                                <a:schemeClr val="bg1"/>
+                              </a:solidFill>
+                              <a:latin typeface="Cambria Math" panose="02040503050406030204" pitchFamily="18" charset="0"/>
+                            </a:rPr>
+                            <m:t>𝑗</m:t>
+                          </m:r>
+                        </m:sub>
+                      </m:sSub>
+                    </m:oMath>
+                  </m:oMathPara>
+                </a14:m>
+                <a:endParaRPr lang="es-AR" sz="2000" dirty="0">
+                  <a:solidFill>
+                    <a:schemeClr val="bg1"/>
+                  </a:solidFill>
+                  <a:sym typeface="Wingdings" panose="05000000000000000000" pitchFamily="2" charset="2"/>
+                </a:endParaRPr>
+              </a:p>
+              <a:p>
+                <a:r>
+                  <a:rPr lang="es-AR" sz="2000" dirty="0">
+                    <a:solidFill>
+                      <a:schemeClr val="bg1"/>
+                    </a:solidFill>
+                    <a:sym typeface="Wingdings" panose="05000000000000000000" pitchFamily="2" charset="2"/>
+                  </a:rPr>
+                  <a:t> </a:t>
+                </a:r>
+                <a:r>
+                  <a:rPr lang="es-AR" sz="2000" dirty="0" err="1">
+                    <a:solidFill>
+                      <a:schemeClr val="bg1"/>
+                    </a:solidFill>
+                    <a:sym typeface="Wingdings" panose="05000000000000000000" pitchFamily="2" charset="2"/>
+                  </a:rPr>
+                  <a:t>attention</a:t>
+                </a:r>
+                <a:r>
+                  <a:rPr lang="es-AR" sz="2000" dirty="0">
+                    <a:solidFill>
+                      <a:schemeClr val="bg1"/>
+                    </a:solidFill>
+                    <a:sym typeface="Wingdings" panose="05000000000000000000" pitchFamily="2" charset="2"/>
+                  </a:rPr>
+                  <a:t> </a:t>
+                </a:r>
+                <a:r>
+                  <a:rPr lang="es-AR" sz="2000" dirty="0" err="1">
+                    <a:solidFill>
+                      <a:schemeClr val="bg1"/>
+                    </a:solidFill>
+                    <a:sym typeface="Wingdings" panose="05000000000000000000" pitchFamily="2" charset="2"/>
+                  </a:rPr>
+                  <a:t>weight</a:t>
+                </a:r>
+                <a:endParaRPr lang="es-AR" sz="2000" dirty="0">
+                  <a:solidFill>
+                    <a:schemeClr val="bg1"/>
+                  </a:solidFill>
+                </a:endParaRPr>
+              </a:p>
+            </p:txBody>
+          </p:sp>
+        </mc:Choice>
+        <mc:Fallback xmlns="">
+          <p:sp>
+            <p:nvSpPr>
+              <p:cNvPr id="4" name="CuadroTexto 3">
+                <a:extLst>
+                  <a:ext uri="{FF2B5EF4-FFF2-40B4-BE49-F238E27FC236}">
+                    <a16:creationId xmlns:a16="http://schemas.microsoft.com/office/drawing/2014/main" id="{3D19D39A-65FD-88A1-6180-0CA1B4C4B80C}"/>
+                  </a:ext>
+                </a:extLst>
+              </p:cNvPr>
+              <p:cNvSpPr txBox="1">
+                <a:spLocks noRot="1" noChangeAspect="1" noMove="1" noResize="1" noEditPoints="1" noAdjustHandles="1" noChangeArrowheads="1" noChangeShapeType="1" noTextEdit="1"/>
+              </p:cNvSpPr>
+              <p:nvPr/>
+            </p:nvSpPr>
+            <p:spPr>
+              <a:xfrm>
+                <a:off x="-17408" y="2043718"/>
+                <a:ext cx="2049042" cy="732573"/>
+              </a:xfrm>
+              <a:prstGeom prst="rect">
+                <a:avLst/>
+              </a:prstGeom>
+              <a:blipFill>
+                <a:blip r:embed="rId14"/>
+                <a:stretch>
+                  <a:fillRect b="-14167"/>
+                </a:stretch>
+              </a:blipFill>
+            </p:spPr>
+            <p:txBody>
+              <a:bodyPr/>
+              <a:lstStyle/>
+              <a:p>
+                <a:r>
+                  <a:rPr lang="es-AR">
+                    <a:noFill/>
+                  </a:rPr>
+                  <a:t> </a:t>
+                </a:r>
+              </a:p>
+            </p:txBody>
+          </p:sp>
+        </mc:Fallback>
+      </mc:AlternateContent>
+      <mc:AlternateContent xmlns:mc="http://schemas.openxmlformats.org/markup-compatibility/2006" xmlns:a14="http://schemas.microsoft.com/office/drawing/2010/main">
+        <mc:Choice Requires="a14">
+          <p:sp>
+            <p:nvSpPr>
+              <p:cNvPr id="6" name="CuadroTexto 5">
+                <a:extLst>
+                  <a:ext uri="{FF2B5EF4-FFF2-40B4-BE49-F238E27FC236}">
+                    <a16:creationId xmlns:a16="http://schemas.microsoft.com/office/drawing/2014/main" id="{98E935CC-03BA-74D4-5ADA-161BEB3664C1}"/>
+                  </a:ext>
+                </a:extLst>
+              </p:cNvPr>
+              <p:cNvSpPr txBox="1"/>
+              <p:nvPr/>
+            </p:nvSpPr>
+            <p:spPr>
+              <a:xfrm>
+                <a:off x="2031634" y="989972"/>
+                <a:ext cx="1810883" cy="707886"/>
+              </a:xfrm>
+              <a:prstGeom prst="rect">
+                <a:avLst/>
+              </a:prstGeom>
+              <a:noFill/>
+            </p:spPr>
+            <p:txBody>
+              <a:bodyPr wrap="square">
+                <a:spAutoFit/>
+              </a:bodyPr>
+              <a:lstStyle/>
+              <a:p>
+                <a:pPr/>
+                <a14:m>
+                  <m:oMathPara xmlns:m="http://schemas.openxmlformats.org/officeDocument/2006/math">
+                    <m:oMathParaPr>
+                      <m:jc m:val="centerGroup"/>
+                    </m:oMathParaPr>
+                    <m:oMath xmlns:m="http://schemas.openxmlformats.org/officeDocument/2006/math">
+                      <m:sSub>
+                        <m:sSubPr>
+                          <m:ctrlPr>
+                            <a:rPr lang="es-AR" sz="2000" b="0" i="1" smtClean="0">
+                              <a:solidFill>
+                                <a:schemeClr val="bg1"/>
+                              </a:solidFill>
+                              <a:latin typeface="Cambria Math" panose="02040503050406030204" pitchFamily="18" charset="0"/>
+                            </a:rPr>
+                          </m:ctrlPr>
+                        </m:sSubPr>
+                        <m:e>
+                          <m:r>
+                            <a:rPr lang="es-AR" sz="2000" b="0" i="1" smtClean="0">
+                              <a:solidFill>
+                                <a:schemeClr val="bg1"/>
+                              </a:solidFill>
+                              <a:latin typeface="Cambria Math" panose="02040503050406030204" pitchFamily="18" charset="0"/>
+                            </a:rPr>
+                            <m:t>𝑐</m:t>
+                          </m:r>
+                        </m:e>
+                        <m:sub>
+                          <m:r>
+                            <a:rPr lang="es-AR" sz="2000" b="0" i="1" smtClean="0">
+                              <a:solidFill>
+                                <a:schemeClr val="bg1"/>
+                              </a:solidFill>
+                              <a:latin typeface="Cambria Math" panose="02040503050406030204" pitchFamily="18" charset="0"/>
+                            </a:rPr>
+                            <m:t>𝑡</m:t>
+                          </m:r>
+                        </m:sub>
+                      </m:sSub>
+                    </m:oMath>
+                  </m:oMathPara>
+                </a14:m>
+                <a:endParaRPr lang="es-AR" sz="2000" dirty="0">
+                  <a:solidFill>
+                    <a:schemeClr val="bg1"/>
+                  </a:solidFill>
+                  <a:sym typeface="Wingdings" panose="05000000000000000000" pitchFamily="2" charset="2"/>
+                </a:endParaRPr>
+              </a:p>
+              <a:p>
+                <a:r>
+                  <a:rPr lang="es-AR" sz="2000" dirty="0">
+                    <a:solidFill>
+                      <a:schemeClr val="bg1"/>
+                    </a:solidFill>
+                    <a:sym typeface="Wingdings" panose="05000000000000000000" pitchFamily="2" charset="2"/>
+                  </a:rPr>
+                  <a:t> </a:t>
+                </a:r>
+                <a:r>
+                  <a:rPr lang="es-AR" sz="2000" dirty="0" err="1">
+                    <a:solidFill>
+                      <a:schemeClr val="bg1"/>
+                    </a:solidFill>
+                    <a:sym typeface="Wingdings" panose="05000000000000000000" pitchFamily="2" charset="2"/>
+                  </a:rPr>
+                  <a:t>context</a:t>
+                </a:r>
+                <a:r>
+                  <a:rPr lang="es-AR" sz="2000" dirty="0">
+                    <a:solidFill>
+                      <a:schemeClr val="bg1"/>
+                    </a:solidFill>
+                    <a:sym typeface="Wingdings" panose="05000000000000000000" pitchFamily="2" charset="2"/>
+                  </a:rPr>
+                  <a:t> vector</a:t>
+                </a:r>
+                <a:endParaRPr lang="es-AR" sz="2000" dirty="0">
+                  <a:solidFill>
+                    <a:schemeClr val="bg1"/>
+                  </a:solidFill>
+                </a:endParaRPr>
+              </a:p>
+            </p:txBody>
+          </p:sp>
+        </mc:Choice>
+        <mc:Fallback xmlns="">
+          <p:sp>
+            <p:nvSpPr>
+              <p:cNvPr id="6" name="CuadroTexto 5">
+                <a:extLst>
+                  <a:ext uri="{FF2B5EF4-FFF2-40B4-BE49-F238E27FC236}">
+                    <a16:creationId xmlns:a16="http://schemas.microsoft.com/office/drawing/2014/main" id="{98E935CC-03BA-74D4-5ADA-161BEB3664C1}"/>
+                  </a:ext>
+                </a:extLst>
+              </p:cNvPr>
+              <p:cNvSpPr txBox="1">
+                <a:spLocks noRot="1" noChangeAspect="1" noMove="1" noResize="1" noEditPoints="1" noAdjustHandles="1" noChangeArrowheads="1" noChangeShapeType="1" noTextEdit="1"/>
+              </p:cNvSpPr>
+              <p:nvPr/>
+            </p:nvSpPr>
+            <p:spPr>
+              <a:xfrm>
+                <a:off x="2031634" y="989972"/>
+                <a:ext cx="1810883" cy="707886"/>
+              </a:xfrm>
+              <a:prstGeom prst="rect">
+                <a:avLst/>
+              </a:prstGeom>
+              <a:blipFill>
+                <a:blip r:embed="rId15"/>
+                <a:stretch>
+                  <a:fillRect b="-13675"/>
+                </a:stretch>
+              </a:blipFill>
+            </p:spPr>
+            <p:txBody>
+              <a:bodyPr/>
+              <a:lstStyle/>
+              <a:p>
+                <a:r>
+                  <a:rPr lang="es-AR">
+                    <a:noFill/>
+                  </a:rPr>
+                  <a:t> </a:t>
+                </a:r>
+              </a:p>
+            </p:txBody>
+          </p:sp>
+        </mc:Fallback>
+      </mc:AlternateContent>
+      <mc:AlternateContent xmlns:mc="http://schemas.openxmlformats.org/markup-compatibility/2006" xmlns:a14="http://schemas.microsoft.com/office/drawing/2010/main">
+        <mc:Choice Requires="a14">
+          <p:sp>
+            <p:nvSpPr>
+              <p:cNvPr id="7" name="TextBox 5">
+                <a:extLst>
+                  <a:ext uri="{FF2B5EF4-FFF2-40B4-BE49-F238E27FC236}">
+                    <a16:creationId xmlns:a16="http://schemas.microsoft.com/office/drawing/2014/main" id="{92CBF9E4-CFC4-8BEE-1EDC-5D075F3DEE3C}"/>
+                  </a:ext>
+                </a:extLst>
+              </p:cNvPr>
+              <p:cNvSpPr txBox="1"/>
+              <p:nvPr/>
+            </p:nvSpPr>
+            <p:spPr>
+              <a:xfrm>
+                <a:off x="3620622" y="6416455"/>
+                <a:ext cx="3278911" cy="332463"/>
+              </a:xfrm>
+              <a:prstGeom prst="rect">
+                <a:avLst/>
+              </a:prstGeom>
+              <a:solidFill>
+                <a:schemeClr val="tx1"/>
+              </a:solidFill>
+            </p:spPr>
+            <p:txBody>
+              <a:bodyPr wrap="none" lIns="0" tIns="0" rIns="0" bIns="0" rtlCol="0">
+                <a:spAutoFit/>
+              </a:bodyPr>
+              <a:lstStyle/>
+              <a:p>
+                <a:pPr/>
+                <a14:m>
+                  <m:oMathPara xmlns:m="http://schemas.openxmlformats.org/officeDocument/2006/math">
+                    <m:oMathParaPr>
+                      <m:jc m:val="centerGroup"/>
+                    </m:oMathParaPr>
+                    <m:oMath xmlns:m="http://schemas.openxmlformats.org/officeDocument/2006/math">
+                      <m:sSub>
+                        <m:sSubPr>
+                          <m:ctrlPr>
+                            <a:rPr lang="es-AR" sz="2000" b="0" i="1" smtClean="0">
+                              <a:solidFill>
+                                <a:schemeClr val="bg1"/>
+                              </a:solidFill>
+                              <a:latin typeface="Cambria Math" panose="02040503050406030204" pitchFamily="18" charset="0"/>
+                            </a:rPr>
+                          </m:ctrlPr>
+                        </m:sSubPr>
+                        <m:e>
+                          <m:r>
+                            <a:rPr lang="es-AR" sz="2000" b="0" i="1" smtClean="0">
+                              <a:solidFill>
+                                <a:schemeClr val="bg1"/>
+                              </a:solidFill>
+                              <a:latin typeface="Cambria Math" panose="02040503050406030204" pitchFamily="18" charset="0"/>
+                            </a:rPr>
+                            <m:t>𝑎</m:t>
+                          </m:r>
+                        </m:e>
+                        <m:sub>
+                          <m:r>
+                            <a:rPr lang="es-AR" sz="2000" b="0" i="1" smtClean="0">
+                              <a:solidFill>
+                                <a:schemeClr val="bg1"/>
+                              </a:solidFill>
+                              <a:latin typeface="Cambria Math" panose="02040503050406030204" pitchFamily="18" charset="0"/>
+                            </a:rPr>
+                            <m:t>𝑡</m:t>
+                          </m:r>
+                          <m:r>
+                            <a:rPr lang="es-AR" sz="2000" b="0" i="1" smtClean="0">
+                              <a:solidFill>
+                                <a:schemeClr val="bg1"/>
+                              </a:solidFill>
+                              <a:latin typeface="Cambria Math" panose="02040503050406030204" pitchFamily="18" charset="0"/>
+                            </a:rPr>
+                            <m:t>,</m:t>
+                          </m:r>
+                          <m:r>
+                            <a:rPr lang="es-AR" sz="2000" b="0" i="1" smtClean="0">
+                              <a:solidFill>
+                                <a:schemeClr val="bg1"/>
+                              </a:solidFill>
+                              <a:latin typeface="Cambria Math" panose="02040503050406030204" pitchFamily="18" charset="0"/>
+                            </a:rPr>
+                            <m:t>𝑗</m:t>
+                          </m:r>
+                        </m:sub>
+                      </m:sSub>
+                      <m:r>
+                        <a:rPr lang="es-AR" sz="2000" b="0" i="1" smtClean="0">
+                          <a:solidFill>
+                            <a:schemeClr val="bg1"/>
+                          </a:solidFill>
+                          <a:latin typeface="Cambria Math" panose="02040503050406030204" pitchFamily="18" charset="0"/>
+                        </a:rPr>
+                        <m:t>=</m:t>
+                      </m:r>
+                      <m:r>
+                        <a:rPr lang="es-AR" sz="2000" b="0" i="1" smtClean="0">
+                          <a:solidFill>
+                            <a:schemeClr val="bg1"/>
+                          </a:solidFill>
+                          <a:latin typeface="Cambria Math" panose="02040503050406030204" pitchFamily="18" charset="0"/>
+                        </a:rPr>
+                        <m:t>𝑠𝑜𝑓𝑡𝑚𝑎𝑥</m:t>
+                      </m:r>
+                      <m:r>
+                        <a:rPr lang="es-AR" sz="2000" b="0" i="1" smtClean="0">
+                          <a:solidFill>
+                            <a:schemeClr val="bg1"/>
+                          </a:solidFill>
+                          <a:latin typeface="Cambria Math" panose="02040503050406030204" pitchFamily="18" charset="0"/>
+                        </a:rPr>
+                        <m:t>(</m:t>
+                      </m:r>
+                      <m:sSub>
+                        <m:sSubPr>
+                          <m:ctrlPr>
+                            <a:rPr lang="es-AR" sz="2000" i="1">
+                              <a:solidFill>
+                                <a:schemeClr val="bg1"/>
+                              </a:solidFill>
+                              <a:latin typeface="Cambria Math" panose="02040503050406030204" pitchFamily="18" charset="0"/>
+                            </a:rPr>
+                          </m:ctrlPr>
+                        </m:sSubPr>
+                        <m:e>
+                          <m:r>
+                            <a:rPr lang="es-AR" sz="2000" i="1">
+                              <a:solidFill>
+                                <a:schemeClr val="bg1"/>
+                              </a:solidFill>
+                              <a:latin typeface="Cambria Math" panose="02040503050406030204" pitchFamily="18" charset="0"/>
+                            </a:rPr>
+                            <m:t>𝑎𝑡𝑡</m:t>
+                          </m:r>
+                          <m:r>
+                            <a:rPr lang="es-AR" sz="2000" i="1">
+                              <a:solidFill>
+                                <a:schemeClr val="bg1"/>
+                              </a:solidFill>
+                              <a:latin typeface="Cambria Math" panose="02040503050406030204" pitchFamily="18" charset="0"/>
+                            </a:rPr>
+                            <m:t>_</m:t>
+                          </m:r>
+                          <m:r>
+                            <a:rPr lang="es-AR" sz="2000" i="1">
+                              <a:solidFill>
+                                <a:schemeClr val="bg1"/>
+                              </a:solidFill>
+                              <a:latin typeface="Cambria Math" panose="02040503050406030204" pitchFamily="18" charset="0"/>
+                            </a:rPr>
+                            <m:t>𝑠𝑐𝑜𝑟𝑒</m:t>
+                          </m:r>
+                        </m:e>
+                        <m:sub>
+                          <m:r>
+                            <a:rPr lang="es-AR" sz="2000" b="0" i="1" smtClean="0">
+                              <a:solidFill>
+                                <a:schemeClr val="bg1"/>
+                              </a:solidFill>
+                              <a:latin typeface="Cambria Math" panose="02040503050406030204" pitchFamily="18" charset="0"/>
+                            </a:rPr>
+                            <m:t>𝑡</m:t>
+                          </m:r>
+                          <m:r>
+                            <a:rPr lang="es-AR" sz="2000" b="0" i="1" smtClean="0">
+                              <a:solidFill>
+                                <a:schemeClr val="bg1"/>
+                              </a:solidFill>
+                              <a:latin typeface="Cambria Math" panose="02040503050406030204" pitchFamily="18" charset="0"/>
+                            </a:rPr>
+                            <m:t>,</m:t>
+                          </m:r>
+                          <m:r>
+                            <a:rPr lang="es-AR" sz="2000" i="1">
+                              <a:solidFill>
+                                <a:schemeClr val="bg1"/>
+                              </a:solidFill>
+                              <a:latin typeface="Cambria Math" panose="02040503050406030204" pitchFamily="18" charset="0"/>
+                            </a:rPr>
+                            <m:t>𝑗</m:t>
+                          </m:r>
+                        </m:sub>
+                      </m:sSub>
+                      <m:r>
+                        <a:rPr lang="es-AR" sz="2000" b="0" i="1" smtClean="0">
+                          <a:solidFill>
+                            <a:schemeClr val="bg1"/>
+                          </a:solidFill>
+                          <a:latin typeface="Cambria Math" panose="02040503050406030204" pitchFamily="18" charset="0"/>
+                        </a:rPr>
+                        <m:t>)</m:t>
+                      </m:r>
+                    </m:oMath>
+                  </m:oMathPara>
+                </a14:m>
+                <a:endParaRPr lang="es-AR" sz="2000" dirty="0">
+                  <a:solidFill>
+                    <a:schemeClr val="bg1"/>
+                  </a:solidFill>
+                </a:endParaRPr>
+              </a:p>
+            </p:txBody>
+          </p:sp>
+        </mc:Choice>
+        <mc:Fallback xmlns="">
+          <p:sp>
+            <p:nvSpPr>
+              <p:cNvPr id="7" name="TextBox 5">
+                <a:extLst>
+                  <a:ext uri="{FF2B5EF4-FFF2-40B4-BE49-F238E27FC236}">
+                    <a16:creationId xmlns:a16="http://schemas.microsoft.com/office/drawing/2014/main" id="{92CBF9E4-CFC4-8BEE-1EDC-5D075F3DEE3C}"/>
+                  </a:ext>
+                </a:extLst>
+              </p:cNvPr>
+              <p:cNvSpPr txBox="1">
+                <a:spLocks noRot="1" noChangeAspect="1" noMove="1" noResize="1" noEditPoints="1" noAdjustHandles="1" noChangeArrowheads="1" noChangeShapeType="1" noTextEdit="1"/>
+              </p:cNvSpPr>
+              <p:nvPr/>
+            </p:nvSpPr>
+            <p:spPr>
+              <a:xfrm>
+                <a:off x="3620622" y="6416455"/>
+                <a:ext cx="3278911" cy="332463"/>
+              </a:xfrm>
+              <a:prstGeom prst="rect">
+                <a:avLst/>
+              </a:prstGeom>
+              <a:blipFill>
+                <a:blip r:embed="rId16"/>
+                <a:stretch>
+                  <a:fillRect l="-558" t="-1852" r="-2230" b="-27778"/>
+                </a:stretch>
+              </a:blipFill>
+            </p:spPr>
+            <p:txBody>
+              <a:bodyPr/>
+              <a:lstStyle/>
+              <a:p>
+                <a:r>
+                  <a:rPr lang="es-AR">
+                    <a:noFill/>
+                  </a:rPr>
+                  <a:t> </a:t>
+                </a:r>
+              </a:p>
+            </p:txBody>
+          </p:sp>
+        </mc:Fallback>
+      </mc:AlternateContent>
+      <mc:AlternateContent xmlns:mc="http://schemas.openxmlformats.org/markup-compatibility/2006" xmlns:a14="http://schemas.microsoft.com/office/drawing/2010/main">
+        <mc:Choice Requires="a14">
+          <p:sp>
+            <p:nvSpPr>
+              <p:cNvPr id="11" name="TextBox 6">
+                <a:extLst>
+                  <a:ext uri="{FF2B5EF4-FFF2-40B4-BE49-F238E27FC236}">
+                    <a16:creationId xmlns:a16="http://schemas.microsoft.com/office/drawing/2014/main" id="{1FE72D06-CD21-C6D3-9CA7-BB709D4CC485}"/>
+                  </a:ext>
+                </a:extLst>
+              </p:cNvPr>
+              <p:cNvSpPr txBox="1"/>
+              <p:nvPr/>
+            </p:nvSpPr>
+            <p:spPr>
+              <a:xfrm>
+                <a:off x="178986" y="6431759"/>
+                <a:ext cx="2786917" cy="332463"/>
+              </a:xfrm>
+              <a:prstGeom prst="rect">
+                <a:avLst/>
+              </a:prstGeom>
+              <a:solidFill>
+                <a:schemeClr val="tx1"/>
+              </a:solidFill>
+            </p:spPr>
+            <p:txBody>
+              <a:bodyPr wrap="none" lIns="0" tIns="0" rIns="0" bIns="0" rtlCol="0">
+                <a:spAutoFit/>
+              </a:bodyPr>
+              <a:lstStyle/>
+              <a:p>
+                <a:pPr/>
+                <a14:m>
+                  <m:oMathPara xmlns:m="http://schemas.openxmlformats.org/officeDocument/2006/math">
+                    <m:oMathParaPr>
+                      <m:jc m:val="centerGroup"/>
+                    </m:oMathParaPr>
+                    <m:oMath xmlns:m="http://schemas.openxmlformats.org/officeDocument/2006/math">
+                      <m:sSub>
+                        <m:sSubPr>
+                          <m:ctrlPr>
+                            <a:rPr lang="es-AR" sz="2000" b="0" i="1" smtClean="0">
+                              <a:solidFill>
+                                <a:schemeClr val="bg1"/>
+                              </a:solidFill>
+                              <a:latin typeface="Cambria Math" panose="02040503050406030204" pitchFamily="18" charset="0"/>
+                            </a:rPr>
+                          </m:ctrlPr>
+                        </m:sSubPr>
+                        <m:e>
+                          <m:r>
+                            <a:rPr lang="es-AR" sz="2000" i="1">
+                              <a:solidFill>
+                                <a:schemeClr val="bg1"/>
+                              </a:solidFill>
+                              <a:latin typeface="Cambria Math" panose="02040503050406030204" pitchFamily="18" charset="0"/>
+                            </a:rPr>
+                            <m:t>𝑎𝑡𝑡</m:t>
+                          </m:r>
+                          <m:r>
+                            <a:rPr lang="es-AR" sz="2000" i="1">
+                              <a:solidFill>
+                                <a:schemeClr val="bg1"/>
+                              </a:solidFill>
+                              <a:latin typeface="Cambria Math" panose="02040503050406030204" pitchFamily="18" charset="0"/>
+                            </a:rPr>
+                            <m:t>_</m:t>
+                          </m:r>
+                          <m:r>
+                            <a:rPr lang="es-AR" sz="2000" i="1">
+                              <a:solidFill>
+                                <a:schemeClr val="bg1"/>
+                              </a:solidFill>
+                              <a:latin typeface="Cambria Math" panose="02040503050406030204" pitchFamily="18" charset="0"/>
+                            </a:rPr>
+                            <m:t>𝑠𝑐𝑜𝑟𝑒</m:t>
+                          </m:r>
+                        </m:e>
+                        <m:sub>
+                          <m:r>
+                            <a:rPr lang="es-AR" sz="2000" b="0" i="1" smtClean="0">
+                              <a:solidFill>
+                                <a:schemeClr val="bg1"/>
+                              </a:solidFill>
+                              <a:latin typeface="Cambria Math" panose="02040503050406030204" pitchFamily="18" charset="0"/>
+                            </a:rPr>
+                            <m:t>𝑡</m:t>
+                          </m:r>
+                          <m:r>
+                            <a:rPr lang="es-AR" sz="2000" b="0" i="1" smtClean="0">
+                              <a:solidFill>
+                                <a:schemeClr val="bg1"/>
+                              </a:solidFill>
+                              <a:latin typeface="Cambria Math" panose="02040503050406030204" pitchFamily="18" charset="0"/>
+                            </a:rPr>
+                            <m:t>,</m:t>
+                          </m:r>
+                          <m:r>
+                            <a:rPr lang="es-AR" sz="2000" b="0" i="1" smtClean="0">
+                              <a:solidFill>
+                                <a:schemeClr val="bg1"/>
+                              </a:solidFill>
+                              <a:latin typeface="Cambria Math" panose="02040503050406030204" pitchFamily="18" charset="0"/>
+                            </a:rPr>
+                            <m:t>𝑗</m:t>
+                          </m:r>
+                        </m:sub>
+                      </m:sSub>
+                      <m:r>
+                        <a:rPr lang="es-AR" sz="2000" b="0" i="1" smtClean="0">
+                          <a:solidFill>
+                            <a:schemeClr val="bg1"/>
+                          </a:solidFill>
+                          <a:latin typeface="Cambria Math" panose="02040503050406030204" pitchFamily="18" charset="0"/>
+                        </a:rPr>
+                        <m:t>=</m:t>
+                      </m:r>
+                      <m:r>
+                        <m:rPr>
+                          <m:sty m:val="p"/>
+                        </m:rPr>
+                        <a:rPr lang="es-AR" sz="2000" b="0" i="0" smtClean="0">
+                          <a:solidFill>
+                            <a:schemeClr val="bg1"/>
+                          </a:solidFill>
+                          <a:latin typeface="Cambria Math" panose="02040503050406030204" pitchFamily="18" charset="0"/>
+                        </a:rPr>
+                        <m:t>dot</m:t>
+                      </m:r>
+                      <m:r>
+                        <a:rPr lang="es-AR" sz="2000" b="0" i="0" smtClean="0">
+                          <a:solidFill>
+                            <a:schemeClr val="bg1"/>
+                          </a:solidFill>
+                          <a:latin typeface="Cambria Math" panose="02040503050406030204" pitchFamily="18" charset="0"/>
+                        </a:rPr>
+                        <m:t>(</m:t>
+                      </m:r>
+                      <m:sSub>
+                        <m:sSubPr>
+                          <m:ctrlPr>
+                            <a:rPr lang="es-AR" sz="2000" b="0" i="1" smtClean="0">
+                              <a:solidFill>
+                                <a:schemeClr val="bg1"/>
+                              </a:solidFill>
+                              <a:latin typeface="Cambria Math" panose="02040503050406030204" pitchFamily="18" charset="0"/>
+                            </a:rPr>
+                          </m:ctrlPr>
+                        </m:sSubPr>
+                        <m:e>
+                          <m:r>
+                            <a:rPr lang="es-AR" sz="2000" b="0" i="1" smtClean="0">
+                              <a:solidFill>
+                                <a:schemeClr val="bg1"/>
+                              </a:solidFill>
+                              <a:latin typeface="Cambria Math" panose="02040503050406030204" pitchFamily="18" charset="0"/>
+                            </a:rPr>
+                            <m:t>𝑧</m:t>
+                          </m:r>
+                        </m:e>
+                        <m:sub>
+                          <m:r>
+                            <a:rPr lang="es-AR" sz="2000" b="0" i="1" smtClean="0">
+                              <a:solidFill>
+                                <a:schemeClr val="bg1"/>
+                              </a:solidFill>
+                              <a:latin typeface="Cambria Math" panose="02040503050406030204" pitchFamily="18" charset="0"/>
+                            </a:rPr>
+                            <m:t>𝑡</m:t>
+                          </m:r>
+                        </m:sub>
+                      </m:sSub>
+                      <m:r>
+                        <a:rPr lang="es-AR" sz="2000" b="0" i="1" smtClean="0">
+                          <a:solidFill>
+                            <a:schemeClr val="bg1"/>
+                          </a:solidFill>
+                          <a:latin typeface="Cambria Math" panose="02040503050406030204" pitchFamily="18" charset="0"/>
+                        </a:rPr>
+                        <m:t>,</m:t>
+                      </m:r>
+                      <m:r>
+                        <a:rPr lang="es-AR" sz="2000" i="1" smtClean="0">
+                          <a:solidFill>
+                            <a:schemeClr val="bg1"/>
+                          </a:solidFill>
+                          <a:latin typeface="Cambria Math" panose="02040503050406030204" pitchFamily="18" charset="0"/>
+                        </a:rPr>
+                        <m:t> </m:t>
+                      </m:r>
+                      <m:sSub>
+                        <m:sSubPr>
+                          <m:ctrlPr>
+                            <a:rPr lang="es-AR" sz="2000" b="0" i="1" smtClean="0">
+                              <a:solidFill>
+                                <a:schemeClr val="bg1"/>
+                              </a:solidFill>
+                              <a:latin typeface="Cambria Math" panose="02040503050406030204" pitchFamily="18" charset="0"/>
+                            </a:rPr>
+                          </m:ctrlPr>
+                        </m:sSubPr>
+                        <m:e>
+                          <m:r>
+                            <a:rPr lang="es-AR" sz="2000" b="0" i="1" smtClean="0">
+                              <a:solidFill>
+                                <a:schemeClr val="bg1"/>
+                              </a:solidFill>
+                              <a:latin typeface="Cambria Math" panose="02040503050406030204" pitchFamily="18" charset="0"/>
+                            </a:rPr>
+                            <m:t>h</m:t>
+                          </m:r>
+                        </m:e>
+                        <m:sub>
+                          <m:r>
+                            <a:rPr lang="es-AR" sz="2000" b="0" i="1" smtClean="0">
+                              <a:solidFill>
+                                <a:schemeClr val="bg1"/>
+                              </a:solidFill>
+                              <a:latin typeface="Cambria Math" panose="02040503050406030204" pitchFamily="18" charset="0"/>
+                            </a:rPr>
+                            <m:t>𝑗</m:t>
+                          </m:r>
+                        </m:sub>
+                      </m:sSub>
+                      <m:r>
+                        <a:rPr lang="es-AR" sz="2000" b="0" i="1" smtClean="0">
+                          <a:solidFill>
+                            <a:schemeClr val="bg1"/>
+                          </a:solidFill>
+                          <a:latin typeface="Cambria Math" panose="02040503050406030204" pitchFamily="18" charset="0"/>
+                        </a:rPr>
+                        <m:t>)</m:t>
+                      </m:r>
+                    </m:oMath>
+                  </m:oMathPara>
+                </a14:m>
+                <a:endParaRPr lang="es-AR" sz="2000" dirty="0">
+                  <a:solidFill>
+                    <a:schemeClr val="bg1"/>
+                  </a:solidFill>
+                </a:endParaRPr>
+              </a:p>
+            </p:txBody>
+          </p:sp>
+        </mc:Choice>
+        <mc:Fallback xmlns="">
+          <p:sp>
+            <p:nvSpPr>
+              <p:cNvPr id="11" name="TextBox 6">
+                <a:extLst>
+                  <a:ext uri="{FF2B5EF4-FFF2-40B4-BE49-F238E27FC236}">
+                    <a16:creationId xmlns:a16="http://schemas.microsoft.com/office/drawing/2014/main" id="{1FE72D06-CD21-C6D3-9CA7-BB709D4CC485}"/>
+                  </a:ext>
+                </a:extLst>
+              </p:cNvPr>
+              <p:cNvSpPr txBox="1">
+                <a:spLocks noRot="1" noChangeAspect="1" noMove="1" noResize="1" noEditPoints="1" noAdjustHandles="1" noChangeArrowheads="1" noChangeShapeType="1" noTextEdit="1"/>
+              </p:cNvSpPr>
+              <p:nvPr/>
+            </p:nvSpPr>
+            <p:spPr>
+              <a:xfrm>
+                <a:off x="178986" y="6431759"/>
+                <a:ext cx="2786917" cy="332463"/>
+              </a:xfrm>
+              <a:prstGeom prst="rect">
+                <a:avLst/>
+              </a:prstGeom>
+              <a:blipFill>
+                <a:blip r:embed="rId17"/>
+                <a:stretch>
+                  <a:fillRect l="-1528" r="-2838" b="-25455"/>
+                </a:stretch>
+              </a:blipFill>
+            </p:spPr>
+            <p:txBody>
+              <a:bodyPr/>
+              <a:lstStyle/>
+              <a:p>
+                <a:r>
+                  <a:rPr lang="es-AR">
+                    <a:noFill/>
+                  </a:rPr>
+                  <a:t> </a:t>
+                </a:r>
+              </a:p>
+            </p:txBody>
+          </p:sp>
+        </mc:Fallback>
+      </mc:AlternateContent>
+      <mc:AlternateContent xmlns:mc="http://schemas.openxmlformats.org/markup-compatibility/2006" xmlns:a14="http://schemas.microsoft.com/office/drawing/2010/main">
+        <mc:Choice Requires="a14">
+          <p:sp>
+            <p:nvSpPr>
+              <p:cNvPr id="12" name="TextBox 7">
+                <a:extLst>
+                  <a:ext uri="{FF2B5EF4-FFF2-40B4-BE49-F238E27FC236}">
+                    <a16:creationId xmlns:a16="http://schemas.microsoft.com/office/drawing/2014/main" id="{4D5C8081-2C22-A20C-F888-F84FF7ED6BD5}"/>
+                  </a:ext>
+                </a:extLst>
+              </p:cNvPr>
+              <p:cNvSpPr txBox="1"/>
+              <p:nvPr/>
+            </p:nvSpPr>
+            <p:spPr>
+              <a:xfrm>
+                <a:off x="7200087" y="6017786"/>
+                <a:ext cx="1596078" cy="781752"/>
+              </a:xfrm>
+              <a:prstGeom prst="rect">
+                <a:avLst/>
+              </a:prstGeom>
+              <a:solidFill>
+                <a:schemeClr val="tx1"/>
+              </a:solidFill>
+            </p:spPr>
+            <p:txBody>
+              <a:bodyPr wrap="none" lIns="0" tIns="0" rIns="0" bIns="0" rtlCol="0">
+                <a:spAutoFit/>
+              </a:bodyPr>
+              <a:lstStyle/>
+              <a:p>
+                <a:pPr/>
+                <a14:m>
+                  <m:oMathPara xmlns:m="http://schemas.openxmlformats.org/officeDocument/2006/math">
+                    <m:oMathParaPr>
+                      <m:jc m:val="centerGroup"/>
+                    </m:oMathParaPr>
+                    <m:oMath xmlns:m="http://schemas.openxmlformats.org/officeDocument/2006/math">
+                      <m:sSub>
+                        <m:sSubPr>
+                          <m:ctrlPr>
+                            <a:rPr lang="es-AR" sz="2000" b="0" i="1" smtClean="0">
+                              <a:solidFill>
+                                <a:schemeClr val="bg1"/>
+                              </a:solidFill>
+                              <a:latin typeface="Cambria Math" panose="02040503050406030204" pitchFamily="18" charset="0"/>
+                            </a:rPr>
+                          </m:ctrlPr>
+                        </m:sSubPr>
+                        <m:e>
+                          <m:r>
+                            <a:rPr lang="es-AR" sz="2000" b="0" i="1" smtClean="0">
+                              <a:solidFill>
+                                <a:schemeClr val="bg1"/>
+                              </a:solidFill>
+                              <a:latin typeface="Cambria Math" panose="02040503050406030204" pitchFamily="18" charset="0"/>
+                            </a:rPr>
+                            <m:t>𝑐</m:t>
+                          </m:r>
+                        </m:e>
+                        <m:sub>
+                          <m:r>
+                            <a:rPr lang="es-AR" sz="2000" b="0" i="1" smtClean="0">
+                              <a:solidFill>
+                                <a:schemeClr val="bg1"/>
+                              </a:solidFill>
+                              <a:latin typeface="Cambria Math" panose="02040503050406030204" pitchFamily="18" charset="0"/>
+                            </a:rPr>
+                            <m:t>𝑡</m:t>
+                          </m:r>
+                        </m:sub>
+                      </m:sSub>
+                      <m:r>
+                        <a:rPr lang="es-AR" sz="2000" b="0" i="1" smtClean="0">
+                          <a:solidFill>
+                            <a:schemeClr val="bg1"/>
+                          </a:solidFill>
+                          <a:latin typeface="Cambria Math" panose="02040503050406030204" pitchFamily="18" charset="0"/>
+                        </a:rPr>
+                        <m:t>=</m:t>
+                      </m:r>
+                      <m:nary>
+                        <m:naryPr>
+                          <m:chr m:val="∑"/>
+                          <m:supHide m:val="on"/>
+                          <m:ctrlPr>
+                            <a:rPr lang="es-AR" sz="2000" b="0" i="1" smtClean="0">
+                              <a:solidFill>
+                                <a:schemeClr val="bg1"/>
+                              </a:solidFill>
+                              <a:latin typeface="Cambria Math" panose="02040503050406030204" pitchFamily="18" charset="0"/>
+                            </a:rPr>
+                          </m:ctrlPr>
+                        </m:naryPr>
+                        <m:sub>
+                          <m:r>
+                            <m:rPr>
+                              <m:brk m:alnAt="7"/>
+                            </m:rPr>
+                            <a:rPr lang="es-AR" sz="2000" b="0" i="1" smtClean="0">
+                              <a:solidFill>
+                                <a:schemeClr val="bg1"/>
+                              </a:solidFill>
+                              <a:latin typeface="Cambria Math" panose="02040503050406030204" pitchFamily="18" charset="0"/>
+                            </a:rPr>
+                            <m:t>𝑗</m:t>
+                          </m:r>
+                        </m:sub>
+                        <m:sup/>
+                        <m:e>
+                          <m:sSub>
+                            <m:sSubPr>
+                              <m:ctrlPr>
+                                <a:rPr lang="es-AR" sz="2000" b="0" i="1" smtClean="0">
+                                  <a:solidFill>
+                                    <a:schemeClr val="bg1"/>
+                                  </a:solidFill>
+                                  <a:latin typeface="Cambria Math" panose="02040503050406030204" pitchFamily="18" charset="0"/>
+                                </a:rPr>
+                              </m:ctrlPr>
+                            </m:sSubPr>
+                            <m:e>
+                              <m:r>
+                                <a:rPr lang="es-AR" sz="2000" b="0" i="1" smtClean="0">
+                                  <a:solidFill>
+                                    <a:schemeClr val="bg1"/>
+                                  </a:solidFill>
+                                  <a:latin typeface="Cambria Math" panose="02040503050406030204" pitchFamily="18" charset="0"/>
+                                </a:rPr>
+                                <m:t>𝑎</m:t>
+                              </m:r>
+                            </m:e>
+                            <m:sub>
+                              <m:r>
+                                <a:rPr lang="es-AR" sz="2000" b="0" i="1" smtClean="0">
+                                  <a:solidFill>
+                                    <a:schemeClr val="bg1"/>
+                                  </a:solidFill>
+                                  <a:latin typeface="Cambria Math" panose="02040503050406030204" pitchFamily="18" charset="0"/>
+                                </a:rPr>
+                                <m:t>𝑡</m:t>
+                              </m:r>
+                              <m:r>
+                                <a:rPr lang="es-AR" sz="2000" b="0" i="1" smtClean="0">
+                                  <a:solidFill>
+                                    <a:schemeClr val="bg1"/>
+                                  </a:solidFill>
+                                  <a:latin typeface="Cambria Math" panose="02040503050406030204" pitchFamily="18" charset="0"/>
+                                </a:rPr>
+                                <m:t>,</m:t>
+                              </m:r>
+                              <m:r>
+                                <a:rPr lang="es-AR" sz="2000" b="0" i="1" smtClean="0">
+                                  <a:solidFill>
+                                    <a:schemeClr val="bg1"/>
+                                  </a:solidFill>
+                                  <a:latin typeface="Cambria Math" panose="02040503050406030204" pitchFamily="18" charset="0"/>
+                                </a:rPr>
+                                <m:t>𝑗</m:t>
+                              </m:r>
+                            </m:sub>
+                          </m:sSub>
+                          <m:sSub>
+                            <m:sSubPr>
+                              <m:ctrlPr>
+                                <a:rPr lang="es-AR" sz="2000" b="0" i="1" smtClean="0">
+                                  <a:solidFill>
+                                    <a:schemeClr val="bg1"/>
+                                  </a:solidFill>
+                                  <a:latin typeface="Cambria Math" panose="02040503050406030204" pitchFamily="18" charset="0"/>
+                                </a:rPr>
+                              </m:ctrlPr>
+                            </m:sSubPr>
+                            <m:e>
+                              <m:r>
+                                <a:rPr lang="es-AR" sz="2000" b="0" i="1" smtClean="0">
+                                  <a:solidFill>
+                                    <a:schemeClr val="bg1"/>
+                                  </a:solidFill>
+                                  <a:latin typeface="Cambria Math" panose="02040503050406030204" pitchFamily="18" charset="0"/>
+                                </a:rPr>
+                                <m:t>h</m:t>
+                              </m:r>
+                            </m:e>
+                            <m:sub>
+                              <m:r>
+                                <a:rPr lang="es-AR" sz="2000" b="0" i="1" smtClean="0">
+                                  <a:solidFill>
+                                    <a:schemeClr val="bg1"/>
+                                  </a:solidFill>
+                                  <a:latin typeface="Cambria Math" panose="02040503050406030204" pitchFamily="18" charset="0"/>
+                                </a:rPr>
+                                <m:t>𝑗</m:t>
+                              </m:r>
+                            </m:sub>
+                          </m:sSub>
+                        </m:e>
+                      </m:nary>
+                    </m:oMath>
+                  </m:oMathPara>
+                </a14:m>
+                <a:endParaRPr lang="es-AR" sz="2000" dirty="0">
+                  <a:solidFill>
+                    <a:schemeClr val="bg1"/>
+                  </a:solidFill>
+                </a:endParaRPr>
+              </a:p>
+            </p:txBody>
+          </p:sp>
+        </mc:Choice>
+        <mc:Fallback xmlns="">
+          <p:sp>
+            <p:nvSpPr>
+              <p:cNvPr id="12" name="TextBox 7">
+                <a:extLst>
+                  <a:ext uri="{FF2B5EF4-FFF2-40B4-BE49-F238E27FC236}">
+                    <a16:creationId xmlns:a16="http://schemas.microsoft.com/office/drawing/2014/main" id="{4D5C8081-2C22-A20C-F888-F84FF7ED6BD5}"/>
+                  </a:ext>
+                </a:extLst>
+              </p:cNvPr>
+              <p:cNvSpPr txBox="1">
+                <a:spLocks noRot="1" noChangeAspect="1" noMove="1" noResize="1" noEditPoints="1" noAdjustHandles="1" noChangeArrowheads="1" noChangeShapeType="1" noTextEdit="1"/>
+              </p:cNvSpPr>
+              <p:nvPr/>
+            </p:nvSpPr>
+            <p:spPr>
+              <a:xfrm>
+                <a:off x="7200087" y="6017786"/>
+                <a:ext cx="1596078" cy="781752"/>
+              </a:xfrm>
+              <a:prstGeom prst="rect">
+                <a:avLst/>
+              </a:prstGeom>
+              <a:blipFill>
+                <a:blip r:embed="rId18"/>
+                <a:stretch>
+                  <a:fillRect/>
+                </a:stretch>
+              </a:blipFill>
+            </p:spPr>
+            <p:txBody>
+              <a:bodyPr/>
+              <a:lstStyle/>
+              <a:p>
+                <a:r>
+                  <a:rPr lang="es-AR">
+                    <a:noFill/>
+                  </a:rPr>
+                  <a:t> </a:t>
+                </a:r>
+              </a:p>
+            </p:txBody>
+          </p:sp>
+        </mc:Fallback>
+      </mc:AlternateContent>
+      <mc:AlternateContent xmlns:mc="http://schemas.openxmlformats.org/markup-compatibility/2006" xmlns:a14="http://schemas.microsoft.com/office/drawing/2010/main">
+        <mc:Choice Requires="a14">
+          <p:sp>
+            <p:nvSpPr>
+              <p:cNvPr id="8" name="CuadroTexto 7">
+                <a:extLst>
+                  <a:ext uri="{FF2B5EF4-FFF2-40B4-BE49-F238E27FC236}">
+                    <a16:creationId xmlns:a16="http://schemas.microsoft.com/office/drawing/2014/main" id="{0FA51EC4-F1D4-B690-792E-AE09701E01C6}"/>
+                  </a:ext>
+                </a:extLst>
+              </p:cNvPr>
+              <p:cNvSpPr txBox="1"/>
+              <p:nvPr/>
+            </p:nvSpPr>
+            <p:spPr>
+              <a:xfrm>
+                <a:off x="4797995" y="4506431"/>
+                <a:ext cx="1560444" cy="400110"/>
+              </a:xfrm>
+              <a:prstGeom prst="rect">
+                <a:avLst/>
+              </a:prstGeom>
+              <a:noFill/>
+            </p:spPr>
+            <p:txBody>
+              <a:bodyPr wrap="square">
+                <a:spAutoFit/>
+              </a:bodyPr>
+              <a:lstStyle/>
+              <a:p>
+                <a:pPr/>
+                <a14:m>
+                  <m:oMathPara xmlns:m="http://schemas.openxmlformats.org/officeDocument/2006/math">
+                    <m:oMathParaPr>
+                      <m:jc m:val="centerGroup"/>
+                    </m:oMathParaPr>
+                    <m:oMath xmlns:m="http://schemas.openxmlformats.org/officeDocument/2006/math">
+                      <m:r>
+                        <a:rPr lang="es-AR" sz="2000" b="0" i="1" smtClean="0">
+                          <a:solidFill>
+                            <a:srgbClr val="FF0000"/>
+                          </a:solidFill>
+                          <a:latin typeface="Cambria Math" panose="02040503050406030204" pitchFamily="18" charset="0"/>
+                        </a:rPr>
+                        <m:t>𝑄𝑈𝐸𝑅𝑌</m:t>
+                      </m:r>
+                    </m:oMath>
+                  </m:oMathPara>
+                </a14:m>
+                <a:endParaRPr lang="es-AR" sz="2000" dirty="0">
+                  <a:solidFill>
+                    <a:srgbClr val="FF0000"/>
+                  </a:solidFill>
+                </a:endParaRPr>
+              </a:p>
+            </p:txBody>
+          </p:sp>
+        </mc:Choice>
+        <mc:Fallback xmlns="">
+          <p:sp>
+            <p:nvSpPr>
+              <p:cNvPr id="8" name="CuadroTexto 7">
+                <a:extLst>
+                  <a:ext uri="{FF2B5EF4-FFF2-40B4-BE49-F238E27FC236}">
+                    <a16:creationId xmlns:a16="http://schemas.microsoft.com/office/drawing/2014/main" id="{0FA51EC4-F1D4-B690-792E-AE09701E01C6}"/>
+                  </a:ext>
+                </a:extLst>
+              </p:cNvPr>
+              <p:cNvSpPr txBox="1">
+                <a:spLocks noRot="1" noChangeAspect="1" noMove="1" noResize="1" noEditPoints="1" noAdjustHandles="1" noChangeArrowheads="1" noChangeShapeType="1" noTextEdit="1"/>
+              </p:cNvSpPr>
+              <p:nvPr/>
+            </p:nvSpPr>
+            <p:spPr>
+              <a:xfrm>
+                <a:off x="4797995" y="4506431"/>
+                <a:ext cx="1560444" cy="400110"/>
+              </a:xfrm>
+              <a:prstGeom prst="rect">
+                <a:avLst/>
+              </a:prstGeom>
+              <a:blipFill>
+                <a:blip r:embed="rId19"/>
+                <a:stretch>
+                  <a:fillRect b="-9091"/>
+                </a:stretch>
+              </a:blipFill>
+            </p:spPr>
+            <p:txBody>
+              <a:bodyPr/>
+              <a:lstStyle/>
+              <a:p>
+                <a:r>
+                  <a:rPr lang="es-AR">
+                    <a:noFill/>
+                  </a:rPr>
+                  <a:t> </a:t>
+                </a:r>
+              </a:p>
+            </p:txBody>
+          </p:sp>
+        </mc:Fallback>
+      </mc:AlternateContent>
+      <mc:AlternateContent xmlns:mc="http://schemas.openxmlformats.org/markup-compatibility/2006" xmlns:a14="http://schemas.microsoft.com/office/drawing/2010/main">
+        <mc:Choice Requires="a14">
+          <p:sp>
+            <p:nvSpPr>
+              <p:cNvPr id="13" name="CuadroTexto 12">
+                <a:extLst>
+                  <a:ext uri="{FF2B5EF4-FFF2-40B4-BE49-F238E27FC236}">
+                    <a16:creationId xmlns:a16="http://schemas.microsoft.com/office/drawing/2014/main" id="{FE62D5F3-955A-8FF5-6355-8E61F5C3CF96}"/>
+                  </a:ext>
+                </a:extLst>
+              </p:cNvPr>
+              <p:cNvSpPr txBox="1"/>
+              <p:nvPr/>
+            </p:nvSpPr>
+            <p:spPr>
+              <a:xfrm>
+                <a:off x="3293877" y="1463659"/>
+                <a:ext cx="1560444" cy="400110"/>
+              </a:xfrm>
+              <a:prstGeom prst="rect">
+                <a:avLst/>
+              </a:prstGeom>
+              <a:noFill/>
+            </p:spPr>
+            <p:txBody>
+              <a:bodyPr wrap="square">
+                <a:spAutoFit/>
+              </a:bodyPr>
+              <a:lstStyle/>
+              <a:p>
+                <a:pPr/>
+                <a14:m>
+                  <m:oMathPara xmlns:m="http://schemas.openxmlformats.org/officeDocument/2006/math">
+                    <m:oMathParaPr>
+                      <m:jc m:val="centerGroup"/>
+                    </m:oMathParaPr>
+                    <m:oMath xmlns:m="http://schemas.openxmlformats.org/officeDocument/2006/math">
+                      <m:r>
+                        <a:rPr lang="es-AR" sz="2000" b="0" i="1" smtClean="0">
+                          <a:solidFill>
+                            <a:srgbClr val="FF0000"/>
+                          </a:solidFill>
+                          <a:latin typeface="Cambria Math" panose="02040503050406030204" pitchFamily="18" charset="0"/>
+                        </a:rPr>
+                        <m:t>𝑉𝐴𝐿𝑈𝐸</m:t>
+                      </m:r>
+                    </m:oMath>
+                  </m:oMathPara>
+                </a14:m>
+                <a:endParaRPr lang="es-AR" sz="2000" dirty="0">
+                  <a:solidFill>
+                    <a:srgbClr val="FF0000"/>
+                  </a:solidFill>
+                </a:endParaRPr>
+              </a:p>
+            </p:txBody>
+          </p:sp>
+        </mc:Choice>
+        <mc:Fallback xmlns="">
+          <p:sp>
+            <p:nvSpPr>
+              <p:cNvPr id="13" name="CuadroTexto 12">
+                <a:extLst>
+                  <a:ext uri="{FF2B5EF4-FFF2-40B4-BE49-F238E27FC236}">
+                    <a16:creationId xmlns:a16="http://schemas.microsoft.com/office/drawing/2014/main" id="{FE62D5F3-955A-8FF5-6355-8E61F5C3CF96}"/>
+                  </a:ext>
+                </a:extLst>
+              </p:cNvPr>
+              <p:cNvSpPr txBox="1">
+                <a:spLocks noRot="1" noChangeAspect="1" noMove="1" noResize="1" noEditPoints="1" noAdjustHandles="1" noChangeArrowheads="1" noChangeShapeType="1" noTextEdit="1"/>
+              </p:cNvSpPr>
+              <p:nvPr/>
+            </p:nvSpPr>
+            <p:spPr>
+              <a:xfrm>
+                <a:off x="3293877" y="1463659"/>
+                <a:ext cx="1560444" cy="400110"/>
+              </a:xfrm>
+              <a:prstGeom prst="rect">
+                <a:avLst/>
+              </a:prstGeom>
+              <a:blipFill>
+                <a:blip r:embed="rId20"/>
+                <a:stretch>
+                  <a:fillRect/>
+                </a:stretch>
+              </a:blipFill>
+            </p:spPr>
+            <p:txBody>
+              <a:bodyPr/>
+              <a:lstStyle/>
+              <a:p>
+                <a:r>
+                  <a:rPr lang="es-AR">
+                    <a:noFill/>
+                  </a:rPr>
+                  <a:t> </a:t>
+                </a:r>
+              </a:p>
+            </p:txBody>
+          </p:sp>
+        </mc:Fallback>
+      </mc:AlternateContent>
+      <mc:AlternateContent xmlns:mc="http://schemas.openxmlformats.org/markup-compatibility/2006" xmlns:a14="http://schemas.microsoft.com/office/drawing/2010/main">
+        <mc:Choice Requires="a14">
+          <p:sp>
+            <p:nvSpPr>
+              <p:cNvPr id="14" name="CuadroTexto 13">
+                <a:extLst>
+                  <a:ext uri="{FF2B5EF4-FFF2-40B4-BE49-F238E27FC236}">
+                    <a16:creationId xmlns:a16="http://schemas.microsoft.com/office/drawing/2014/main" id="{97150158-2829-B12A-AC77-B5F365EEEC79}"/>
+                  </a:ext>
+                </a:extLst>
+              </p:cNvPr>
+              <p:cNvSpPr txBox="1"/>
+              <p:nvPr/>
+            </p:nvSpPr>
+            <p:spPr>
+              <a:xfrm>
+                <a:off x="82629" y="3316211"/>
+                <a:ext cx="1560444" cy="424796"/>
+              </a:xfrm>
+              <a:prstGeom prst="rect">
+                <a:avLst/>
+              </a:prstGeom>
+              <a:noFill/>
+            </p:spPr>
+            <p:txBody>
+              <a:bodyPr wrap="square">
+                <a:spAutoFit/>
+              </a:bodyPr>
+              <a:lstStyle/>
+              <a:p>
+                <a:pPr/>
+                <a14:m>
+                  <m:oMathPara xmlns:m="http://schemas.openxmlformats.org/officeDocument/2006/math">
+                    <m:oMathParaPr>
+                      <m:jc m:val="centerGroup"/>
+                    </m:oMathParaPr>
+                    <m:oMath xmlns:m="http://schemas.openxmlformats.org/officeDocument/2006/math">
+                      <m:sSub>
+                        <m:sSubPr>
+                          <m:ctrlPr>
+                            <a:rPr lang="es-AR" sz="2000" b="0" i="1" smtClean="0">
+                              <a:solidFill>
+                                <a:schemeClr val="bg1"/>
+                              </a:solidFill>
+                              <a:latin typeface="Cambria Math" panose="02040503050406030204" pitchFamily="18" charset="0"/>
+                            </a:rPr>
+                          </m:ctrlPr>
+                        </m:sSubPr>
+                        <m:e>
+                          <m:r>
+                            <a:rPr lang="es-AR" sz="2000" i="1">
+                              <a:solidFill>
+                                <a:schemeClr val="bg1"/>
+                              </a:solidFill>
+                              <a:latin typeface="Cambria Math" panose="02040503050406030204" pitchFamily="18" charset="0"/>
+                            </a:rPr>
+                            <m:t>𝑎𝑡𝑡</m:t>
+                          </m:r>
+                          <m:r>
+                            <a:rPr lang="es-AR" sz="2000" i="1">
+                              <a:solidFill>
+                                <a:schemeClr val="bg1"/>
+                              </a:solidFill>
+                              <a:latin typeface="Cambria Math" panose="02040503050406030204" pitchFamily="18" charset="0"/>
+                            </a:rPr>
+                            <m:t>_</m:t>
+                          </m:r>
+                          <m:r>
+                            <a:rPr lang="es-AR" sz="2000" i="1">
+                              <a:solidFill>
+                                <a:schemeClr val="bg1"/>
+                              </a:solidFill>
+                              <a:latin typeface="Cambria Math" panose="02040503050406030204" pitchFamily="18" charset="0"/>
+                            </a:rPr>
+                            <m:t>𝑠𝑐𝑜𝑟𝑒</m:t>
+                          </m:r>
+                        </m:e>
+                        <m:sub>
+                          <m:r>
+                            <a:rPr lang="es-AR" sz="2000" b="0" i="1" smtClean="0">
+                              <a:solidFill>
+                                <a:schemeClr val="bg1"/>
+                              </a:solidFill>
+                              <a:latin typeface="Cambria Math" panose="02040503050406030204" pitchFamily="18" charset="0"/>
+                            </a:rPr>
+                            <m:t>𝑡</m:t>
+                          </m:r>
+                          <m:r>
+                            <a:rPr lang="es-AR" sz="2000" b="0" i="1" smtClean="0">
+                              <a:solidFill>
+                                <a:schemeClr val="bg1"/>
+                              </a:solidFill>
+                              <a:latin typeface="Cambria Math" panose="02040503050406030204" pitchFamily="18" charset="0"/>
+                            </a:rPr>
+                            <m:t>,</m:t>
+                          </m:r>
+                          <m:r>
+                            <a:rPr lang="es-AR" sz="2000" b="0" i="1" smtClean="0">
+                              <a:solidFill>
+                                <a:schemeClr val="bg1"/>
+                              </a:solidFill>
+                              <a:latin typeface="Cambria Math" panose="02040503050406030204" pitchFamily="18" charset="0"/>
+                            </a:rPr>
+                            <m:t>𝑗</m:t>
+                          </m:r>
+                        </m:sub>
+                      </m:sSub>
+                    </m:oMath>
+                  </m:oMathPara>
+                </a14:m>
+                <a:endParaRPr lang="es-AR" sz="2000" dirty="0"/>
+              </a:p>
+            </p:txBody>
+          </p:sp>
+        </mc:Choice>
+        <mc:Fallback xmlns="">
+          <p:sp>
+            <p:nvSpPr>
+              <p:cNvPr id="14" name="CuadroTexto 13">
+                <a:extLst>
+                  <a:ext uri="{FF2B5EF4-FFF2-40B4-BE49-F238E27FC236}">
+                    <a16:creationId xmlns:a16="http://schemas.microsoft.com/office/drawing/2014/main" id="{97150158-2829-B12A-AC77-B5F365EEEC79}"/>
+                  </a:ext>
+                </a:extLst>
+              </p:cNvPr>
+              <p:cNvSpPr txBox="1">
+                <a:spLocks noRot="1" noChangeAspect="1" noMove="1" noResize="1" noEditPoints="1" noAdjustHandles="1" noChangeArrowheads="1" noChangeShapeType="1" noTextEdit="1"/>
+              </p:cNvSpPr>
+              <p:nvPr/>
+            </p:nvSpPr>
+            <p:spPr>
+              <a:xfrm>
+                <a:off x="82629" y="3316211"/>
+                <a:ext cx="1560444" cy="424796"/>
+              </a:xfrm>
+              <a:prstGeom prst="rect">
+                <a:avLst/>
+              </a:prstGeom>
+              <a:blipFill>
+                <a:blip r:embed="rId21"/>
+                <a:stretch>
+                  <a:fillRect b="-8571"/>
+                </a:stretch>
+              </a:blipFill>
+            </p:spPr>
+            <p:txBody>
+              <a:bodyPr/>
+              <a:lstStyle/>
+              <a:p>
+                <a:r>
+                  <a:rPr lang="es-AR">
+                    <a:noFill/>
+                  </a:rPr>
+                  <a:t> </a:t>
+                </a:r>
+              </a:p>
+            </p:txBody>
+          </p:sp>
+        </mc:Fallback>
+      </mc:AlternateContent>
+      <p:sp>
+        <p:nvSpPr>
+          <p:cNvPr id="16" name="Subtitle 1">
+            <a:extLst>
+              <a:ext uri="{FF2B5EF4-FFF2-40B4-BE49-F238E27FC236}">
+                <a16:creationId xmlns:a16="http://schemas.microsoft.com/office/drawing/2014/main" id="{84669DF7-1DC8-34FB-4A0B-BEC09623B657}"/>
+              </a:ext>
+            </a:extLst>
+          </p:cNvPr>
+          <p:cNvSpPr txBox="1">
+            <a:spLocks/>
+          </p:cNvSpPr>
+          <p:nvPr/>
+        </p:nvSpPr>
+        <p:spPr>
+          <a:xfrm>
+            <a:off x="92765" y="54658"/>
+            <a:ext cx="11694017" cy="811369"/>
+          </a:xfrm>
+          <a:prstGeom prst="rect">
+            <a:avLst/>
+          </a:prstGeom>
+        </p:spPr>
+        <p:txBody>
+          <a:bodyPr vert="horz" lIns="91440" tIns="45720" rIns="91440" bIns="45720" rtlCol="0">
+            <a:noAutofit/>
+          </a:bodyPr>
+          <a:lstStyle>
+            <a:lvl1pPr marL="228600" indent="-228600" algn="l" defTabSz="914400" rtl="0" eaLnBrk="1" latinLnBrk="0" hangingPunct="1">
+              <a:lnSpc>
+                <a:spcPct val="120000"/>
+              </a:lnSpc>
+              <a:spcBef>
+                <a:spcPts val="1000"/>
+              </a:spcBef>
+              <a:buSzPct val="125000"/>
+              <a:buFont typeface="Arial" panose="020B0604020202020204" pitchFamily="34" charset="0"/>
+              <a:buChar char="•"/>
+              <a:defRPr sz="2400" kern="1200">
+                <a:solidFill>
+                  <a:schemeClr val="tx1"/>
+                </a:solidFill>
+                <a:latin typeface="+mn-lt"/>
+                <a:ea typeface="+mn-ea"/>
+                <a:cs typeface="+mn-cs"/>
+              </a:defRPr>
+            </a:lvl1pPr>
+            <a:lvl2pPr marL="685800" indent="-228600" algn="l" defTabSz="914400" rtl="0" eaLnBrk="1" latinLnBrk="0" hangingPunct="1">
+              <a:lnSpc>
+                <a:spcPct val="120000"/>
+              </a:lnSpc>
+              <a:spcBef>
+                <a:spcPts val="500"/>
+              </a:spcBef>
+              <a:buSzPct val="125000"/>
+              <a:buFont typeface="Arial" panose="020B0604020202020204" pitchFamily="34" charset="0"/>
+              <a:buChar char="•"/>
+              <a:defRPr sz="2000" kern="1200">
+                <a:solidFill>
+                  <a:schemeClr val="tx1"/>
+                </a:solidFill>
+                <a:latin typeface="+mn-lt"/>
+                <a:ea typeface="+mn-ea"/>
+                <a:cs typeface="+mn-cs"/>
+              </a:defRPr>
+            </a:lvl2pPr>
+            <a:lvl3pPr marL="1143000" indent="-228600" algn="l" defTabSz="914400" rtl="0" eaLnBrk="1" latinLnBrk="0" hangingPunct="1">
+              <a:lnSpc>
+                <a:spcPct val="120000"/>
+              </a:lnSpc>
+              <a:spcBef>
+                <a:spcPts val="500"/>
+              </a:spcBef>
+              <a:buSzPct val="125000"/>
+              <a:buFont typeface="Arial" panose="020B0604020202020204" pitchFamily="34" charset="0"/>
+              <a:buChar char="•"/>
+              <a:defRPr sz="1800" kern="1200">
+                <a:solidFill>
+                  <a:schemeClr val="tx1"/>
+                </a:solidFill>
+                <a:latin typeface="+mn-lt"/>
+                <a:ea typeface="+mn-ea"/>
+                <a:cs typeface="+mn-cs"/>
+              </a:defRPr>
+            </a:lvl3pPr>
+            <a:lvl4pPr marL="1600200" indent="-228600" algn="l" defTabSz="914400" rtl="0" eaLnBrk="1" latinLnBrk="0" hangingPunct="1">
+              <a:lnSpc>
+                <a:spcPct val="120000"/>
+              </a:lnSpc>
+              <a:spcBef>
+                <a:spcPts val="500"/>
+              </a:spcBef>
+              <a:buSzPct val="125000"/>
+              <a:buFont typeface="Arial" panose="020B0604020202020204" pitchFamily="34" charset="0"/>
+              <a:buChar char="•"/>
+              <a:defRPr sz="1600" kern="1200">
+                <a:solidFill>
+                  <a:schemeClr val="tx1"/>
+                </a:solidFill>
+                <a:latin typeface="+mn-lt"/>
+                <a:ea typeface="+mn-ea"/>
+                <a:cs typeface="+mn-cs"/>
+              </a:defRPr>
+            </a:lvl4pPr>
+            <a:lvl5pPr marL="2057400" indent="-228600" algn="l" defTabSz="914400" rtl="0" eaLnBrk="1" latinLnBrk="0" hangingPunct="1">
+              <a:lnSpc>
+                <a:spcPct val="120000"/>
+              </a:lnSpc>
+              <a:spcBef>
+                <a:spcPts val="500"/>
+              </a:spcBef>
+              <a:buSzPct val="125000"/>
+              <a:buFont typeface="Arial" panose="020B0604020202020204" pitchFamily="34" charset="0"/>
+              <a:buChar char="•"/>
+              <a:defRPr sz="1600" kern="1200">
+                <a:solidFill>
+                  <a:schemeClr val="tx1"/>
+                </a:solidFill>
+                <a:latin typeface="+mn-lt"/>
+                <a:ea typeface="+mn-ea"/>
+                <a:cs typeface="+mn-cs"/>
+              </a:defRPr>
+            </a:lvl5pPr>
+            <a:lvl6pPr marL="2514600" indent="-228600" algn="l" defTabSz="914400" rtl="0" eaLnBrk="1" latinLnBrk="0" hangingPunct="1">
+              <a:lnSpc>
+                <a:spcPct val="120000"/>
+              </a:lnSpc>
+              <a:spcBef>
+                <a:spcPts val="500"/>
+              </a:spcBef>
+              <a:buSzPct val="125000"/>
+              <a:buFont typeface="Arial" panose="020B0604020202020204" pitchFamily="34" charset="0"/>
+              <a:buChar char="•"/>
+              <a:defRPr sz="1400" kern="1200">
+                <a:solidFill>
+                  <a:schemeClr val="tx1"/>
+                </a:solidFill>
+                <a:latin typeface="+mn-lt"/>
+                <a:ea typeface="+mn-ea"/>
+                <a:cs typeface="+mn-cs"/>
+              </a:defRPr>
+            </a:lvl6pPr>
+            <a:lvl7pPr marL="2971800" indent="-228600" algn="l" defTabSz="914400" rtl="0" eaLnBrk="1" latinLnBrk="0" hangingPunct="1">
+              <a:lnSpc>
+                <a:spcPct val="120000"/>
+              </a:lnSpc>
+              <a:spcBef>
+                <a:spcPts val="500"/>
+              </a:spcBef>
+              <a:buSzPct val="125000"/>
+              <a:buFont typeface="Arial" panose="020B0604020202020204" pitchFamily="34" charset="0"/>
+              <a:buChar char="•"/>
+              <a:defRPr sz="1400" kern="1200">
+                <a:solidFill>
+                  <a:schemeClr val="tx1"/>
+                </a:solidFill>
+                <a:latin typeface="+mn-lt"/>
+                <a:ea typeface="+mn-ea"/>
+                <a:cs typeface="+mn-cs"/>
+              </a:defRPr>
+            </a:lvl7pPr>
+            <a:lvl8pPr marL="3429000" indent="-228600" algn="l" defTabSz="914400" rtl="0" eaLnBrk="1" latinLnBrk="0" hangingPunct="1">
+              <a:lnSpc>
+                <a:spcPct val="120000"/>
+              </a:lnSpc>
+              <a:spcBef>
+                <a:spcPts val="500"/>
+              </a:spcBef>
+              <a:buSzPct val="125000"/>
+              <a:buFont typeface="Arial" panose="020B0604020202020204" pitchFamily="34" charset="0"/>
+              <a:buChar char="•"/>
+              <a:defRPr sz="1400" kern="1200">
+                <a:solidFill>
+                  <a:schemeClr val="tx1"/>
+                </a:solidFill>
+                <a:latin typeface="+mn-lt"/>
+                <a:ea typeface="+mn-ea"/>
+                <a:cs typeface="+mn-cs"/>
+              </a:defRPr>
+            </a:lvl8pPr>
+            <a:lvl9pPr marL="3886200" indent="-228600" algn="l" defTabSz="914400" rtl="0" eaLnBrk="1" latinLnBrk="0" hangingPunct="1">
+              <a:lnSpc>
+                <a:spcPct val="120000"/>
+              </a:lnSpc>
+              <a:spcBef>
+                <a:spcPts val="500"/>
+              </a:spcBef>
+              <a:buSzPct val="125000"/>
+              <a:buFont typeface="Arial" panose="020B0604020202020204" pitchFamily="34" charset="0"/>
+              <a:buChar char="•"/>
+              <a:defRPr sz="1400" kern="1200">
+                <a:solidFill>
+                  <a:schemeClr val="tx1"/>
+                </a:solidFill>
+                <a:latin typeface="+mn-lt"/>
+                <a:ea typeface="+mn-ea"/>
+                <a:cs typeface="+mn-cs"/>
+              </a:defRPr>
+            </a:lvl9pPr>
+          </a:lstStyle>
+          <a:p>
+            <a:pPr marL="0" indent="0" algn="ctr">
+              <a:buNone/>
+            </a:pPr>
+            <a:r>
+              <a:rPr lang="es-AR" sz="3200" dirty="0" err="1">
+                <a:solidFill>
+                  <a:schemeClr val="bg1"/>
+                </a:solidFill>
+              </a:rPr>
+              <a:t>Recurrent</a:t>
+            </a:r>
+            <a:r>
+              <a:rPr lang="es-AR" sz="3200" dirty="0">
+                <a:solidFill>
+                  <a:schemeClr val="bg1"/>
+                </a:solidFill>
+              </a:rPr>
+              <a:t> Neural Network (RNN) – </a:t>
+            </a:r>
+            <a:r>
+              <a:rPr lang="es-AR" sz="3200" dirty="0" err="1">
+                <a:solidFill>
+                  <a:schemeClr val="bg1"/>
+                </a:solidFill>
+              </a:rPr>
+              <a:t>Self</a:t>
+            </a:r>
+            <a:r>
+              <a:rPr lang="es-AR" sz="3200" dirty="0">
+                <a:solidFill>
+                  <a:schemeClr val="bg1"/>
+                </a:solidFill>
+              </a:rPr>
+              <a:t> </a:t>
+            </a:r>
+            <a:r>
+              <a:rPr lang="es-AR" sz="3200" dirty="0" err="1">
+                <a:solidFill>
+                  <a:schemeClr val="bg1"/>
+                </a:solidFill>
+              </a:rPr>
+              <a:t>Attention</a:t>
+            </a:r>
+            <a:r>
+              <a:rPr lang="es-AR" sz="3200" dirty="0">
+                <a:solidFill>
+                  <a:schemeClr val="bg1"/>
+                </a:solidFill>
+              </a:rPr>
+              <a:t>!!</a:t>
+            </a:r>
+          </a:p>
+        </p:txBody>
+      </p:sp>
+    </p:spTree>
+    <p:extLst>
+      <p:ext uri="{BB962C8B-B14F-4D97-AF65-F5344CB8AC3E}">
+        <p14:creationId xmlns:p14="http://schemas.microsoft.com/office/powerpoint/2010/main" val="3630984815"/>
+      </p:ext>
+    </p:extLst>
+  </p:cSld>
+  <p:clrMapOvr>
+    <a:masterClrMapping/>
+  </p:clrMapOvr>
+</p:sld>
+</file>
+
+<file path=ppt/slides/slide28.xml><?xml version="1.0" encoding="utf-8"?>
 <p:sld xmlns:a="http://schemas.openxmlformats.org/drawingml/2006/main" xmlns:r="http://schemas.openxmlformats.org/officeDocument/2006/relationships" xmlns:p="http://schemas.openxmlformats.org/presentationml/2006/main">
   <p:cSld>
     <p:spTree>
@@ -32787,245 +35889,6 @@
       </mc:AlternateContent>
       <p:sp>
         <p:nvSpPr>
-          <p:cNvPr id="20" name="Subtitle 1">
-            <a:extLst>
-              <a:ext uri="{FF2B5EF4-FFF2-40B4-BE49-F238E27FC236}">
-                <a16:creationId xmlns:a16="http://schemas.microsoft.com/office/drawing/2014/main" id="{20C369E0-A626-18D8-7B98-F0B5CD0DEA4C}"/>
-              </a:ext>
-            </a:extLst>
-          </p:cNvPr>
-          <p:cNvSpPr txBox="1">
-            <a:spLocks/>
-          </p:cNvSpPr>
-          <p:nvPr/>
-        </p:nvSpPr>
-        <p:spPr>
-          <a:xfrm>
-            <a:off x="296213" y="0"/>
-            <a:ext cx="11694017" cy="811369"/>
-          </a:xfrm>
-          <a:prstGeom prst="rect">
-            <a:avLst/>
-          </a:prstGeom>
-        </p:spPr>
-        <p:txBody>
-          <a:bodyPr vert="horz" lIns="91440" tIns="45720" rIns="91440" bIns="45720" rtlCol="0">
-            <a:noAutofit/>
-          </a:bodyPr>
-          <a:lstStyle>
-            <a:lvl1pPr marL="228600" indent="-228600" algn="l" defTabSz="914400" rtl="0" eaLnBrk="1" latinLnBrk="0" hangingPunct="1">
-              <a:lnSpc>
-                <a:spcPct val="120000"/>
-              </a:lnSpc>
-              <a:spcBef>
-                <a:spcPts val="1000"/>
-              </a:spcBef>
-              <a:buSzPct val="125000"/>
-              <a:buFont typeface="Arial" panose="020B0604020202020204" pitchFamily="34" charset="0"/>
-              <a:buChar char="•"/>
-              <a:defRPr sz="2400" kern="1200">
-                <a:solidFill>
-                  <a:schemeClr val="tx1"/>
-                </a:solidFill>
-                <a:latin typeface="+mn-lt"/>
-                <a:ea typeface="+mn-ea"/>
-                <a:cs typeface="+mn-cs"/>
-              </a:defRPr>
-            </a:lvl1pPr>
-            <a:lvl2pPr marL="685800" indent="-228600" algn="l" defTabSz="914400" rtl="0" eaLnBrk="1" latinLnBrk="0" hangingPunct="1">
-              <a:lnSpc>
-                <a:spcPct val="120000"/>
-              </a:lnSpc>
-              <a:spcBef>
-                <a:spcPts val="500"/>
-              </a:spcBef>
-              <a:buSzPct val="125000"/>
-              <a:buFont typeface="Arial" panose="020B0604020202020204" pitchFamily="34" charset="0"/>
-              <a:buChar char="•"/>
-              <a:defRPr sz="2000" kern="1200">
-                <a:solidFill>
-                  <a:schemeClr val="tx1"/>
-                </a:solidFill>
-                <a:latin typeface="+mn-lt"/>
-                <a:ea typeface="+mn-ea"/>
-                <a:cs typeface="+mn-cs"/>
-              </a:defRPr>
-            </a:lvl2pPr>
-            <a:lvl3pPr marL="1143000" indent="-228600" algn="l" defTabSz="914400" rtl="0" eaLnBrk="1" latinLnBrk="0" hangingPunct="1">
-              <a:lnSpc>
-                <a:spcPct val="120000"/>
-              </a:lnSpc>
-              <a:spcBef>
-                <a:spcPts val="500"/>
-              </a:spcBef>
-              <a:buSzPct val="125000"/>
-              <a:buFont typeface="Arial" panose="020B0604020202020204" pitchFamily="34" charset="0"/>
-              <a:buChar char="•"/>
-              <a:defRPr sz="1800" kern="1200">
-                <a:solidFill>
-                  <a:schemeClr val="tx1"/>
-                </a:solidFill>
-                <a:latin typeface="+mn-lt"/>
-                <a:ea typeface="+mn-ea"/>
-                <a:cs typeface="+mn-cs"/>
-              </a:defRPr>
-            </a:lvl3pPr>
-            <a:lvl4pPr marL="1600200" indent="-228600" algn="l" defTabSz="914400" rtl="0" eaLnBrk="1" latinLnBrk="0" hangingPunct="1">
-              <a:lnSpc>
-                <a:spcPct val="120000"/>
-              </a:lnSpc>
-              <a:spcBef>
-                <a:spcPts val="500"/>
-              </a:spcBef>
-              <a:buSzPct val="125000"/>
-              <a:buFont typeface="Arial" panose="020B0604020202020204" pitchFamily="34" charset="0"/>
-              <a:buChar char="•"/>
-              <a:defRPr sz="1600" kern="1200">
-                <a:solidFill>
-                  <a:schemeClr val="tx1"/>
-                </a:solidFill>
-                <a:latin typeface="+mn-lt"/>
-                <a:ea typeface="+mn-ea"/>
-                <a:cs typeface="+mn-cs"/>
-              </a:defRPr>
-            </a:lvl4pPr>
-            <a:lvl5pPr marL="2057400" indent="-228600" algn="l" defTabSz="914400" rtl="0" eaLnBrk="1" latinLnBrk="0" hangingPunct="1">
-              <a:lnSpc>
-                <a:spcPct val="120000"/>
-              </a:lnSpc>
-              <a:spcBef>
-                <a:spcPts val="500"/>
-              </a:spcBef>
-              <a:buSzPct val="125000"/>
-              <a:buFont typeface="Arial" panose="020B0604020202020204" pitchFamily="34" charset="0"/>
-              <a:buChar char="•"/>
-              <a:defRPr sz="1600" kern="1200">
-                <a:solidFill>
-                  <a:schemeClr val="tx1"/>
-                </a:solidFill>
-                <a:latin typeface="+mn-lt"/>
-                <a:ea typeface="+mn-ea"/>
-                <a:cs typeface="+mn-cs"/>
-              </a:defRPr>
-            </a:lvl5pPr>
-            <a:lvl6pPr marL="2514600" indent="-228600" algn="l" defTabSz="914400" rtl="0" eaLnBrk="1" latinLnBrk="0" hangingPunct="1">
-              <a:lnSpc>
-                <a:spcPct val="120000"/>
-              </a:lnSpc>
-              <a:spcBef>
-                <a:spcPts val="500"/>
-              </a:spcBef>
-              <a:buSzPct val="125000"/>
-              <a:buFont typeface="Arial" panose="020B0604020202020204" pitchFamily="34" charset="0"/>
-              <a:buChar char="•"/>
-              <a:defRPr sz="1400" kern="1200">
-                <a:solidFill>
-                  <a:schemeClr val="tx1"/>
-                </a:solidFill>
-                <a:latin typeface="+mn-lt"/>
-                <a:ea typeface="+mn-ea"/>
-                <a:cs typeface="+mn-cs"/>
-              </a:defRPr>
-            </a:lvl6pPr>
-            <a:lvl7pPr marL="2971800" indent="-228600" algn="l" defTabSz="914400" rtl="0" eaLnBrk="1" latinLnBrk="0" hangingPunct="1">
-              <a:lnSpc>
-                <a:spcPct val="120000"/>
-              </a:lnSpc>
-              <a:spcBef>
-                <a:spcPts val="500"/>
-              </a:spcBef>
-              <a:buSzPct val="125000"/>
-              <a:buFont typeface="Arial" panose="020B0604020202020204" pitchFamily="34" charset="0"/>
-              <a:buChar char="•"/>
-              <a:defRPr sz="1400" kern="1200">
-                <a:solidFill>
-                  <a:schemeClr val="tx1"/>
-                </a:solidFill>
-                <a:latin typeface="+mn-lt"/>
-                <a:ea typeface="+mn-ea"/>
-                <a:cs typeface="+mn-cs"/>
-              </a:defRPr>
-            </a:lvl7pPr>
-            <a:lvl8pPr marL="3429000" indent="-228600" algn="l" defTabSz="914400" rtl="0" eaLnBrk="1" latinLnBrk="0" hangingPunct="1">
-              <a:lnSpc>
-                <a:spcPct val="120000"/>
-              </a:lnSpc>
-              <a:spcBef>
-                <a:spcPts val="500"/>
-              </a:spcBef>
-              <a:buSzPct val="125000"/>
-              <a:buFont typeface="Arial" panose="020B0604020202020204" pitchFamily="34" charset="0"/>
-              <a:buChar char="•"/>
-              <a:defRPr sz="1400" kern="1200">
-                <a:solidFill>
-                  <a:schemeClr val="tx1"/>
-                </a:solidFill>
-                <a:latin typeface="+mn-lt"/>
-                <a:ea typeface="+mn-ea"/>
-                <a:cs typeface="+mn-cs"/>
-              </a:defRPr>
-            </a:lvl8pPr>
-            <a:lvl9pPr marL="3886200" indent="-228600" algn="l" defTabSz="914400" rtl="0" eaLnBrk="1" latinLnBrk="0" hangingPunct="1">
-              <a:lnSpc>
-                <a:spcPct val="120000"/>
-              </a:lnSpc>
-              <a:spcBef>
-                <a:spcPts val="500"/>
-              </a:spcBef>
-              <a:buSzPct val="125000"/>
-              <a:buFont typeface="Arial" panose="020B0604020202020204" pitchFamily="34" charset="0"/>
-              <a:buChar char="•"/>
-              <a:defRPr sz="1400" kern="1200">
-                <a:solidFill>
-                  <a:schemeClr val="tx1"/>
-                </a:solidFill>
-                <a:latin typeface="+mn-lt"/>
-                <a:ea typeface="+mn-ea"/>
-                <a:cs typeface="+mn-cs"/>
-              </a:defRPr>
-            </a:lvl9pPr>
-          </a:lstStyle>
-          <a:p>
-            <a:pPr marL="0" indent="0" algn="ctr">
-              <a:buNone/>
-            </a:pPr>
-            <a:r>
-              <a:rPr lang="es-AR" sz="3200" dirty="0" err="1">
-                <a:solidFill>
-                  <a:schemeClr val="bg1"/>
-                </a:solidFill>
-              </a:rPr>
-              <a:t>Recurrent</a:t>
-            </a:r>
-            <a:r>
-              <a:rPr lang="es-AR" sz="3200" dirty="0">
-                <a:solidFill>
-                  <a:schemeClr val="bg1"/>
-                </a:solidFill>
-              </a:rPr>
-              <a:t> Neural Network (RNN)  - </a:t>
-            </a:r>
-            <a:r>
-              <a:rPr lang="es-AR" sz="3200" dirty="0" err="1">
-                <a:solidFill>
-                  <a:schemeClr val="bg1"/>
-                </a:solidFill>
-              </a:rPr>
-              <a:t>Attention</a:t>
-            </a:r>
-            <a:r>
-              <a:rPr lang="es-AR" sz="3200" dirty="0">
-                <a:solidFill>
-                  <a:schemeClr val="bg1"/>
-                </a:solidFill>
-              </a:rPr>
-              <a:t>!!</a:t>
-            </a:r>
-          </a:p>
-        </p:txBody>
-      </p:sp>
-      <p:sp>
-        <p:nvSpPr>
           <p:cNvPr id="2" name="Flecha: hacia abajo 1">
             <a:extLst>
               <a:ext uri="{FF2B5EF4-FFF2-40B4-BE49-F238E27FC236}">
@@ -33111,6 +35974,363 @@
           </a:p>
         </p:txBody>
       </p:sp>
+      <p:sp>
+        <p:nvSpPr>
+          <p:cNvPr id="4" name="Cerrar llave 3">
+            <a:extLst>
+              <a:ext uri="{FF2B5EF4-FFF2-40B4-BE49-F238E27FC236}">
+                <a16:creationId xmlns:a16="http://schemas.microsoft.com/office/drawing/2014/main" id="{C4CAED55-F5E9-8991-A566-090343556052}"/>
+              </a:ext>
+            </a:extLst>
+          </p:cNvPr>
+          <p:cNvSpPr/>
+          <p:nvPr/>
+        </p:nvSpPr>
+        <p:spPr>
+          <a:xfrm>
+            <a:off x="9060029" y="6043096"/>
+            <a:ext cx="354165" cy="731132"/>
+          </a:xfrm>
+          <a:prstGeom prst="rightBrace">
+            <a:avLst/>
+          </a:prstGeom>
+          <a:noFill/>
+          <a:ln w="31750">
+            <a:solidFill>
+              <a:srgbClr val="FF0000"/>
+            </a:solidFill>
+          </a:ln>
+        </p:spPr>
+        <p:style>
+          <a:lnRef idx="1">
+            <a:schemeClr val="accent1"/>
+          </a:lnRef>
+          <a:fillRef idx="0">
+            <a:schemeClr val="accent1"/>
+          </a:fillRef>
+          <a:effectRef idx="0">
+            <a:schemeClr val="accent1"/>
+          </a:effectRef>
+          <a:fontRef idx="minor">
+            <a:schemeClr val="tx1"/>
+          </a:fontRef>
+        </p:style>
+        <p:txBody>
+          <a:bodyPr rtlCol="0" anchor="ctr"/>
+          <a:lstStyle/>
+          <a:p>
+            <a:pPr algn="ctr"/>
+            <a:endParaRPr lang="es-AR"/>
+          </a:p>
+        </p:txBody>
+      </p:sp>
+      <p:sp>
+        <p:nvSpPr>
+          <p:cNvPr id="7" name="CuadroTexto 6">
+            <a:extLst>
+              <a:ext uri="{FF2B5EF4-FFF2-40B4-BE49-F238E27FC236}">
+                <a16:creationId xmlns:a16="http://schemas.microsoft.com/office/drawing/2014/main" id="{C652E631-E0F3-920D-A54B-01EB36438778}"/>
+              </a:ext>
+            </a:extLst>
+          </p:cNvPr>
+          <p:cNvSpPr txBox="1"/>
+          <p:nvPr/>
+        </p:nvSpPr>
+        <p:spPr>
+          <a:xfrm>
+            <a:off x="9414194" y="5934670"/>
+            <a:ext cx="2269936" cy="923330"/>
+          </a:xfrm>
+          <a:prstGeom prst="rect">
+            <a:avLst/>
+          </a:prstGeom>
+          <a:noFill/>
+        </p:spPr>
+        <p:txBody>
+          <a:bodyPr wrap="square">
+            <a:spAutoFit/>
+          </a:bodyPr>
+          <a:lstStyle/>
+          <a:p>
+            <a:pPr algn="ctr"/>
+            <a:r>
+              <a:rPr lang="es-AR" sz="1800" dirty="0">
+                <a:solidFill>
+                  <a:schemeClr val="bg1"/>
+                </a:solidFill>
+              </a:rPr>
+              <a:t>SOLO CUENTAS!!!</a:t>
+            </a:r>
+          </a:p>
+          <a:p>
+            <a:pPr algn="ctr"/>
+            <a:r>
+              <a:rPr lang="es-AR" dirty="0">
+                <a:solidFill>
+                  <a:schemeClr val="bg1"/>
+                </a:solidFill>
+              </a:rPr>
+              <a:t>NO HAY PARAMETROS</a:t>
+            </a:r>
+            <a:endParaRPr lang="es-AR" dirty="0"/>
+          </a:p>
+        </p:txBody>
+      </p:sp>
+      <p:sp>
+        <p:nvSpPr>
+          <p:cNvPr id="8" name="Subtitle 1">
+            <a:extLst>
+              <a:ext uri="{FF2B5EF4-FFF2-40B4-BE49-F238E27FC236}">
+                <a16:creationId xmlns:a16="http://schemas.microsoft.com/office/drawing/2014/main" id="{CE885D82-A64A-746D-1A2B-74F17A76D6FC}"/>
+              </a:ext>
+            </a:extLst>
+          </p:cNvPr>
+          <p:cNvSpPr txBox="1">
+            <a:spLocks/>
+          </p:cNvSpPr>
+          <p:nvPr/>
+        </p:nvSpPr>
+        <p:spPr>
+          <a:xfrm>
+            <a:off x="92765" y="54658"/>
+            <a:ext cx="11694017" cy="811369"/>
+          </a:xfrm>
+          <a:prstGeom prst="rect">
+            <a:avLst/>
+          </a:prstGeom>
+        </p:spPr>
+        <p:txBody>
+          <a:bodyPr vert="horz" lIns="91440" tIns="45720" rIns="91440" bIns="45720" rtlCol="0">
+            <a:noAutofit/>
+          </a:bodyPr>
+          <a:lstStyle>
+            <a:lvl1pPr marL="228600" indent="-228600" algn="l" defTabSz="914400" rtl="0" eaLnBrk="1" latinLnBrk="0" hangingPunct="1">
+              <a:lnSpc>
+                <a:spcPct val="120000"/>
+              </a:lnSpc>
+              <a:spcBef>
+                <a:spcPts val="1000"/>
+              </a:spcBef>
+              <a:buSzPct val="125000"/>
+              <a:buFont typeface="Arial" panose="020B0604020202020204" pitchFamily="34" charset="0"/>
+              <a:buChar char="•"/>
+              <a:defRPr sz="2400" kern="1200">
+                <a:solidFill>
+                  <a:schemeClr val="tx1"/>
+                </a:solidFill>
+                <a:latin typeface="+mn-lt"/>
+                <a:ea typeface="+mn-ea"/>
+                <a:cs typeface="+mn-cs"/>
+              </a:defRPr>
+            </a:lvl1pPr>
+            <a:lvl2pPr marL="685800" indent="-228600" algn="l" defTabSz="914400" rtl="0" eaLnBrk="1" latinLnBrk="0" hangingPunct="1">
+              <a:lnSpc>
+                <a:spcPct val="120000"/>
+              </a:lnSpc>
+              <a:spcBef>
+                <a:spcPts val="500"/>
+              </a:spcBef>
+              <a:buSzPct val="125000"/>
+              <a:buFont typeface="Arial" panose="020B0604020202020204" pitchFamily="34" charset="0"/>
+              <a:buChar char="•"/>
+              <a:defRPr sz="2000" kern="1200">
+                <a:solidFill>
+                  <a:schemeClr val="tx1"/>
+                </a:solidFill>
+                <a:latin typeface="+mn-lt"/>
+                <a:ea typeface="+mn-ea"/>
+                <a:cs typeface="+mn-cs"/>
+              </a:defRPr>
+            </a:lvl2pPr>
+            <a:lvl3pPr marL="1143000" indent="-228600" algn="l" defTabSz="914400" rtl="0" eaLnBrk="1" latinLnBrk="0" hangingPunct="1">
+              <a:lnSpc>
+                <a:spcPct val="120000"/>
+              </a:lnSpc>
+              <a:spcBef>
+                <a:spcPts val="500"/>
+              </a:spcBef>
+              <a:buSzPct val="125000"/>
+              <a:buFont typeface="Arial" panose="020B0604020202020204" pitchFamily="34" charset="0"/>
+              <a:buChar char="•"/>
+              <a:defRPr sz="1800" kern="1200">
+                <a:solidFill>
+                  <a:schemeClr val="tx1"/>
+                </a:solidFill>
+                <a:latin typeface="+mn-lt"/>
+                <a:ea typeface="+mn-ea"/>
+                <a:cs typeface="+mn-cs"/>
+              </a:defRPr>
+            </a:lvl3pPr>
+            <a:lvl4pPr marL="1600200" indent="-228600" algn="l" defTabSz="914400" rtl="0" eaLnBrk="1" latinLnBrk="0" hangingPunct="1">
+              <a:lnSpc>
+                <a:spcPct val="120000"/>
+              </a:lnSpc>
+              <a:spcBef>
+                <a:spcPts val="500"/>
+              </a:spcBef>
+              <a:buSzPct val="125000"/>
+              <a:buFont typeface="Arial" panose="020B0604020202020204" pitchFamily="34" charset="0"/>
+              <a:buChar char="•"/>
+              <a:defRPr sz="1600" kern="1200">
+                <a:solidFill>
+                  <a:schemeClr val="tx1"/>
+                </a:solidFill>
+                <a:latin typeface="+mn-lt"/>
+                <a:ea typeface="+mn-ea"/>
+                <a:cs typeface="+mn-cs"/>
+              </a:defRPr>
+            </a:lvl4pPr>
+            <a:lvl5pPr marL="2057400" indent="-228600" algn="l" defTabSz="914400" rtl="0" eaLnBrk="1" latinLnBrk="0" hangingPunct="1">
+              <a:lnSpc>
+                <a:spcPct val="120000"/>
+              </a:lnSpc>
+              <a:spcBef>
+                <a:spcPts val="500"/>
+              </a:spcBef>
+              <a:buSzPct val="125000"/>
+              <a:buFont typeface="Arial" panose="020B0604020202020204" pitchFamily="34" charset="0"/>
+              <a:buChar char="•"/>
+              <a:defRPr sz="1600" kern="1200">
+                <a:solidFill>
+                  <a:schemeClr val="tx1"/>
+                </a:solidFill>
+                <a:latin typeface="+mn-lt"/>
+                <a:ea typeface="+mn-ea"/>
+                <a:cs typeface="+mn-cs"/>
+              </a:defRPr>
+            </a:lvl5pPr>
+            <a:lvl6pPr marL="2514600" indent="-228600" algn="l" defTabSz="914400" rtl="0" eaLnBrk="1" latinLnBrk="0" hangingPunct="1">
+              <a:lnSpc>
+                <a:spcPct val="120000"/>
+              </a:lnSpc>
+              <a:spcBef>
+                <a:spcPts val="500"/>
+              </a:spcBef>
+              <a:buSzPct val="125000"/>
+              <a:buFont typeface="Arial" panose="020B0604020202020204" pitchFamily="34" charset="0"/>
+              <a:buChar char="•"/>
+              <a:defRPr sz="1400" kern="1200">
+                <a:solidFill>
+                  <a:schemeClr val="tx1"/>
+                </a:solidFill>
+                <a:latin typeface="+mn-lt"/>
+                <a:ea typeface="+mn-ea"/>
+                <a:cs typeface="+mn-cs"/>
+              </a:defRPr>
+            </a:lvl6pPr>
+            <a:lvl7pPr marL="2971800" indent="-228600" algn="l" defTabSz="914400" rtl="0" eaLnBrk="1" latinLnBrk="0" hangingPunct="1">
+              <a:lnSpc>
+                <a:spcPct val="120000"/>
+              </a:lnSpc>
+              <a:spcBef>
+                <a:spcPts val="500"/>
+              </a:spcBef>
+              <a:buSzPct val="125000"/>
+              <a:buFont typeface="Arial" panose="020B0604020202020204" pitchFamily="34" charset="0"/>
+              <a:buChar char="•"/>
+              <a:defRPr sz="1400" kern="1200">
+                <a:solidFill>
+                  <a:schemeClr val="tx1"/>
+                </a:solidFill>
+                <a:latin typeface="+mn-lt"/>
+                <a:ea typeface="+mn-ea"/>
+                <a:cs typeface="+mn-cs"/>
+              </a:defRPr>
+            </a:lvl7pPr>
+            <a:lvl8pPr marL="3429000" indent="-228600" algn="l" defTabSz="914400" rtl="0" eaLnBrk="1" latinLnBrk="0" hangingPunct="1">
+              <a:lnSpc>
+                <a:spcPct val="120000"/>
+              </a:lnSpc>
+              <a:spcBef>
+                <a:spcPts val="500"/>
+              </a:spcBef>
+              <a:buSzPct val="125000"/>
+              <a:buFont typeface="Arial" panose="020B0604020202020204" pitchFamily="34" charset="0"/>
+              <a:buChar char="•"/>
+              <a:defRPr sz="1400" kern="1200">
+                <a:solidFill>
+                  <a:schemeClr val="tx1"/>
+                </a:solidFill>
+                <a:latin typeface="+mn-lt"/>
+                <a:ea typeface="+mn-ea"/>
+                <a:cs typeface="+mn-cs"/>
+              </a:defRPr>
+            </a:lvl8pPr>
+            <a:lvl9pPr marL="3886200" indent="-228600" algn="l" defTabSz="914400" rtl="0" eaLnBrk="1" latinLnBrk="0" hangingPunct="1">
+              <a:lnSpc>
+                <a:spcPct val="120000"/>
+              </a:lnSpc>
+              <a:spcBef>
+                <a:spcPts val="500"/>
+              </a:spcBef>
+              <a:buSzPct val="125000"/>
+              <a:buFont typeface="Arial" panose="020B0604020202020204" pitchFamily="34" charset="0"/>
+              <a:buChar char="•"/>
+              <a:defRPr sz="1400" kern="1200">
+                <a:solidFill>
+                  <a:schemeClr val="tx1"/>
+                </a:solidFill>
+                <a:latin typeface="+mn-lt"/>
+                <a:ea typeface="+mn-ea"/>
+                <a:cs typeface="+mn-cs"/>
+              </a:defRPr>
+            </a:lvl9pPr>
+          </a:lstStyle>
+          <a:p>
+            <a:pPr marL="0" indent="0" algn="ctr">
+              <a:buNone/>
+            </a:pPr>
+            <a:r>
+              <a:rPr lang="es-AR" sz="3200" dirty="0" err="1">
+                <a:solidFill>
+                  <a:schemeClr val="bg1"/>
+                </a:solidFill>
+              </a:rPr>
+              <a:t>Recurrent</a:t>
+            </a:r>
+            <a:r>
+              <a:rPr lang="es-AR" sz="3200" dirty="0">
+                <a:solidFill>
+                  <a:schemeClr val="bg1"/>
+                </a:solidFill>
+              </a:rPr>
+              <a:t> Neural Network (RNN) – </a:t>
+            </a:r>
+            <a:r>
+              <a:rPr lang="es-AR" sz="3200" dirty="0" err="1">
+                <a:solidFill>
+                  <a:schemeClr val="bg1"/>
+                </a:solidFill>
+              </a:rPr>
+              <a:t>Self</a:t>
+            </a:r>
+            <a:r>
+              <a:rPr lang="es-AR" sz="3200" dirty="0">
+                <a:solidFill>
+                  <a:schemeClr val="bg1"/>
+                </a:solidFill>
+              </a:rPr>
+              <a:t> </a:t>
+            </a:r>
+            <a:r>
+              <a:rPr lang="es-AR" sz="3200" dirty="0" err="1">
+                <a:solidFill>
+                  <a:schemeClr val="bg1"/>
+                </a:solidFill>
+              </a:rPr>
+              <a:t>Attention</a:t>
+            </a:r>
+            <a:r>
+              <a:rPr lang="es-AR" sz="3200" dirty="0">
+                <a:solidFill>
+                  <a:schemeClr val="bg1"/>
+                </a:solidFill>
+              </a:rPr>
+              <a:t>!!</a:t>
+            </a:r>
+          </a:p>
+        </p:txBody>
+      </p:sp>
     </p:spTree>
     <p:extLst>
       <p:ext uri="{BB962C8B-B14F-4D97-AF65-F5344CB8AC3E}">
@@ -33124,7 +36344,7 @@
 </p:sld>
 </file>
 
-<file path=ppt/slides/slide28.xml><?xml version="1.0" encoding="utf-8"?>
+<file path=ppt/slides/slide29.xml><?xml version="1.0" encoding="utf-8"?>
 <p:sld xmlns:a="http://schemas.openxmlformats.org/drawingml/2006/main" xmlns:r="http://schemas.openxmlformats.org/officeDocument/2006/relationships" xmlns:p="http://schemas.openxmlformats.org/presentationml/2006/main">
   <p:cSld>
     <p:spTree>
@@ -33839,245 +37059,6 @@
           </p:txBody>
         </p:sp>
       </p:grpSp>
-      <p:sp>
-        <p:nvSpPr>
-          <p:cNvPr id="17" name="Subtitle 1">
-            <a:extLst>
-              <a:ext uri="{FF2B5EF4-FFF2-40B4-BE49-F238E27FC236}">
-                <a16:creationId xmlns:a16="http://schemas.microsoft.com/office/drawing/2014/main" id="{274FD1B5-D8E7-49B0-7355-9B817A070EC7}"/>
-              </a:ext>
-            </a:extLst>
-          </p:cNvPr>
-          <p:cNvSpPr txBox="1">
-            <a:spLocks/>
-          </p:cNvSpPr>
-          <p:nvPr/>
-        </p:nvSpPr>
-        <p:spPr>
-          <a:xfrm>
-            <a:off x="296213" y="0"/>
-            <a:ext cx="11694017" cy="811369"/>
-          </a:xfrm>
-          <a:prstGeom prst="rect">
-            <a:avLst/>
-          </a:prstGeom>
-        </p:spPr>
-        <p:txBody>
-          <a:bodyPr vert="horz" lIns="91440" tIns="45720" rIns="91440" bIns="45720" rtlCol="0">
-            <a:noAutofit/>
-          </a:bodyPr>
-          <a:lstStyle>
-            <a:lvl1pPr marL="228600" indent="-228600" algn="l" defTabSz="914400" rtl="0" eaLnBrk="1" latinLnBrk="0" hangingPunct="1">
-              <a:lnSpc>
-                <a:spcPct val="120000"/>
-              </a:lnSpc>
-              <a:spcBef>
-                <a:spcPts val="1000"/>
-              </a:spcBef>
-              <a:buSzPct val="125000"/>
-              <a:buFont typeface="Arial" panose="020B0604020202020204" pitchFamily="34" charset="0"/>
-              <a:buChar char="•"/>
-              <a:defRPr sz="2400" kern="1200">
-                <a:solidFill>
-                  <a:schemeClr val="tx1"/>
-                </a:solidFill>
-                <a:latin typeface="+mn-lt"/>
-                <a:ea typeface="+mn-ea"/>
-                <a:cs typeface="+mn-cs"/>
-              </a:defRPr>
-            </a:lvl1pPr>
-            <a:lvl2pPr marL="685800" indent="-228600" algn="l" defTabSz="914400" rtl="0" eaLnBrk="1" latinLnBrk="0" hangingPunct="1">
-              <a:lnSpc>
-                <a:spcPct val="120000"/>
-              </a:lnSpc>
-              <a:spcBef>
-                <a:spcPts val="500"/>
-              </a:spcBef>
-              <a:buSzPct val="125000"/>
-              <a:buFont typeface="Arial" panose="020B0604020202020204" pitchFamily="34" charset="0"/>
-              <a:buChar char="•"/>
-              <a:defRPr sz="2000" kern="1200">
-                <a:solidFill>
-                  <a:schemeClr val="tx1"/>
-                </a:solidFill>
-                <a:latin typeface="+mn-lt"/>
-                <a:ea typeface="+mn-ea"/>
-                <a:cs typeface="+mn-cs"/>
-              </a:defRPr>
-            </a:lvl2pPr>
-            <a:lvl3pPr marL="1143000" indent="-228600" algn="l" defTabSz="914400" rtl="0" eaLnBrk="1" latinLnBrk="0" hangingPunct="1">
-              <a:lnSpc>
-                <a:spcPct val="120000"/>
-              </a:lnSpc>
-              <a:spcBef>
-                <a:spcPts val="500"/>
-              </a:spcBef>
-              <a:buSzPct val="125000"/>
-              <a:buFont typeface="Arial" panose="020B0604020202020204" pitchFamily="34" charset="0"/>
-              <a:buChar char="•"/>
-              <a:defRPr sz="1800" kern="1200">
-                <a:solidFill>
-                  <a:schemeClr val="tx1"/>
-                </a:solidFill>
-                <a:latin typeface="+mn-lt"/>
-                <a:ea typeface="+mn-ea"/>
-                <a:cs typeface="+mn-cs"/>
-              </a:defRPr>
-            </a:lvl3pPr>
-            <a:lvl4pPr marL="1600200" indent="-228600" algn="l" defTabSz="914400" rtl="0" eaLnBrk="1" latinLnBrk="0" hangingPunct="1">
-              <a:lnSpc>
-                <a:spcPct val="120000"/>
-              </a:lnSpc>
-              <a:spcBef>
-                <a:spcPts val="500"/>
-              </a:spcBef>
-              <a:buSzPct val="125000"/>
-              <a:buFont typeface="Arial" panose="020B0604020202020204" pitchFamily="34" charset="0"/>
-              <a:buChar char="•"/>
-              <a:defRPr sz="1600" kern="1200">
-                <a:solidFill>
-                  <a:schemeClr val="tx1"/>
-                </a:solidFill>
-                <a:latin typeface="+mn-lt"/>
-                <a:ea typeface="+mn-ea"/>
-                <a:cs typeface="+mn-cs"/>
-              </a:defRPr>
-            </a:lvl4pPr>
-            <a:lvl5pPr marL="2057400" indent="-228600" algn="l" defTabSz="914400" rtl="0" eaLnBrk="1" latinLnBrk="0" hangingPunct="1">
-              <a:lnSpc>
-                <a:spcPct val="120000"/>
-              </a:lnSpc>
-              <a:spcBef>
-                <a:spcPts val="500"/>
-              </a:spcBef>
-              <a:buSzPct val="125000"/>
-              <a:buFont typeface="Arial" panose="020B0604020202020204" pitchFamily="34" charset="0"/>
-              <a:buChar char="•"/>
-              <a:defRPr sz="1600" kern="1200">
-                <a:solidFill>
-                  <a:schemeClr val="tx1"/>
-                </a:solidFill>
-                <a:latin typeface="+mn-lt"/>
-                <a:ea typeface="+mn-ea"/>
-                <a:cs typeface="+mn-cs"/>
-              </a:defRPr>
-            </a:lvl5pPr>
-            <a:lvl6pPr marL="2514600" indent="-228600" algn="l" defTabSz="914400" rtl="0" eaLnBrk="1" latinLnBrk="0" hangingPunct="1">
-              <a:lnSpc>
-                <a:spcPct val="120000"/>
-              </a:lnSpc>
-              <a:spcBef>
-                <a:spcPts val="500"/>
-              </a:spcBef>
-              <a:buSzPct val="125000"/>
-              <a:buFont typeface="Arial" panose="020B0604020202020204" pitchFamily="34" charset="0"/>
-              <a:buChar char="•"/>
-              <a:defRPr sz="1400" kern="1200">
-                <a:solidFill>
-                  <a:schemeClr val="tx1"/>
-                </a:solidFill>
-                <a:latin typeface="+mn-lt"/>
-                <a:ea typeface="+mn-ea"/>
-                <a:cs typeface="+mn-cs"/>
-              </a:defRPr>
-            </a:lvl6pPr>
-            <a:lvl7pPr marL="2971800" indent="-228600" algn="l" defTabSz="914400" rtl="0" eaLnBrk="1" latinLnBrk="0" hangingPunct="1">
-              <a:lnSpc>
-                <a:spcPct val="120000"/>
-              </a:lnSpc>
-              <a:spcBef>
-                <a:spcPts val="500"/>
-              </a:spcBef>
-              <a:buSzPct val="125000"/>
-              <a:buFont typeface="Arial" panose="020B0604020202020204" pitchFamily="34" charset="0"/>
-              <a:buChar char="•"/>
-              <a:defRPr sz="1400" kern="1200">
-                <a:solidFill>
-                  <a:schemeClr val="tx1"/>
-                </a:solidFill>
-                <a:latin typeface="+mn-lt"/>
-                <a:ea typeface="+mn-ea"/>
-                <a:cs typeface="+mn-cs"/>
-              </a:defRPr>
-            </a:lvl7pPr>
-            <a:lvl8pPr marL="3429000" indent="-228600" algn="l" defTabSz="914400" rtl="0" eaLnBrk="1" latinLnBrk="0" hangingPunct="1">
-              <a:lnSpc>
-                <a:spcPct val="120000"/>
-              </a:lnSpc>
-              <a:spcBef>
-                <a:spcPts val="500"/>
-              </a:spcBef>
-              <a:buSzPct val="125000"/>
-              <a:buFont typeface="Arial" panose="020B0604020202020204" pitchFamily="34" charset="0"/>
-              <a:buChar char="•"/>
-              <a:defRPr sz="1400" kern="1200">
-                <a:solidFill>
-                  <a:schemeClr val="tx1"/>
-                </a:solidFill>
-                <a:latin typeface="+mn-lt"/>
-                <a:ea typeface="+mn-ea"/>
-                <a:cs typeface="+mn-cs"/>
-              </a:defRPr>
-            </a:lvl8pPr>
-            <a:lvl9pPr marL="3886200" indent="-228600" algn="l" defTabSz="914400" rtl="0" eaLnBrk="1" latinLnBrk="0" hangingPunct="1">
-              <a:lnSpc>
-                <a:spcPct val="120000"/>
-              </a:lnSpc>
-              <a:spcBef>
-                <a:spcPts val="500"/>
-              </a:spcBef>
-              <a:buSzPct val="125000"/>
-              <a:buFont typeface="Arial" panose="020B0604020202020204" pitchFamily="34" charset="0"/>
-              <a:buChar char="•"/>
-              <a:defRPr sz="1400" kern="1200">
-                <a:solidFill>
-                  <a:schemeClr val="tx1"/>
-                </a:solidFill>
-                <a:latin typeface="+mn-lt"/>
-                <a:ea typeface="+mn-ea"/>
-                <a:cs typeface="+mn-cs"/>
-              </a:defRPr>
-            </a:lvl9pPr>
-          </a:lstStyle>
-          <a:p>
-            <a:pPr marL="0" indent="0" algn="ctr">
-              <a:buNone/>
-            </a:pPr>
-            <a:r>
-              <a:rPr lang="es-AR" sz="3200" dirty="0" err="1">
-                <a:solidFill>
-                  <a:schemeClr val="bg1"/>
-                </a:solidFill>
-              </a:rPr>
-              <a:t>Recurrent</a:t>
-            </a:r>
-            <a:r>
-              <a:rPr lang="es-AR" sz="3200" dirty="0">
-                <a:solidFill>
-                  <a:schemeClr val="bg1"/>
-                </a:solidFill>
-              </a:rPr>
-              <a:t> Neural Network (RNN)  - </a:t>
-            </a:r>
-            <a:r>
-              <a:rPr lang="es-AR" sz="3200" dirty="0" err="1">
-                <a:solidFill>
-                  <a:schemeClr val="bg1"/>
-                </a:solidFill>
-              </a:rPr>
-              <a:t>Attention</a:t>
-            </a:r>
-            <a:r>
-              <a:rPr lang="es-AR" sz="3200" dirty="0">
-                <a:solidFill>
-                  <a:schemeClr val="bg1"/>
-                </a:solidFill>
-              </a:rPr>
-              <a:t>!!</a:t>
-            </a:r>
-          </a:p>
-        </p:txBody>
-      </p:sp>
       <mc:AlternateContent xmlns:mc="http://schemas.openxmlformats.org/markup-compatibility/2006" xmlns:a14="http://schemas.microsoft.com/office/drawing/2010/main">
         <mc:Choice Requires="a14">
           <p:sp>
@@ -35288,344 +38269,12 @@
           </p:sp>
         </mc:Fallback>
       </mc:AlternateContent>
-    </p:spTree>
-    <p:extLst>
-      <p:ext uri="{BB962C8B-B14F-4D97-AF65-F5344CB8AC3E}">
-        <p14:creationId xmlns:p14="http://schemas.microsoft.com/office/powerpoint/2010/main" val="500749361"/>
-      </p:ext>
-    </p:extLst>
-  </p:cSld>
-  <p:clrMapOvr>
-    <a:masterClrMapping/>
-  </p:clrMapOvr>
-</p:sld>
-</file>
-
-<file path=ppt/slides/slide29.xml><?xml version="1.0" encoding="utf-8"?>
-<p:sld xmlns:a="http://schemas.openxmlformats.org/drawingml/2006/main" xmlns:r="http://schemas.openxmlformats.org/officeDocument/2006/relationships" xmlns:p="http://schemas.openxmlformats.org/presentationml/2006/main">
-  <p:cSld>
-    <p:spTree>
-      <p:nvGrpSpPr>
-        <p:cNvPr id="1" name=""/>
-        <p:cNvGrpSpPr/>
-        <p:nvPr/>
-      </p:nvGrpSpPr>
-      <p:grpSpPr>
-        <a:xfrm>
-          <a:off x="0" y="0"/>
-          <a:ext cx="0" cy="0"/>
-          <a:chOff x="0" y="0"/>
-          <a:chExt cx="0" cy="0"/>
-        </a:xfrm>
-      </p:grpSpPr>
       <p:sp>
         <p:nvSpPr>
-          <p:cNvPr id="3" name="Rectangle 1"/>
-          <p:cNvSpPr>
-            <a:spLocks noChangeArrowheads="1"/>
-          </p:cNvSpPr>
-          <p:nvPr/>
-        </p:nvSpPr>
-        <p:spPr bwMode="auto">
-          <a:xfrm>
-            <a:off x="445827" y="5559727"/>
-            <a:ext cx="11300346" cy="1015663"/>
-          </a:xfrm>
-          <a:prstGeom prst="rect">
-            <a:avLst/>
-          </a:prstGeom>
-          <a:noFill/>
-          <a:ln>
-            <a:noFill/>
-          </a:ln>
-          <a:effectLst/>
-          <a:extLst>
-            <a:ext uri="{909E8E84-426E-40DD-AFC4-6F175D3DCCD1}">
-              <a14:hiddenFill xmlns:a14="http://schemas.microsoft.com/office/drawing/2010/main">
-                <a:solidFill>
-                  <a:schemeClr val="accent1"/>
-                </a:solidFill>
-              </a14:hiddenFill>
-            </a:ext>
-            <a:ext uri="{91240B29-F687-4F45-9708-019B960494DF}">
-              <a14:hiddenLine xmlns:a14="http://schemas.microsoft.com/office/drawing/2010/main" w="9525">
-                <a:solidFill>
-                  <a:schemeClr val="tx1"/>
-                </a:solidFill>
-                <a:miter lim="800000"/>
-                <a:headEnd/>
-                <a:tailEnd/>
-              </a14:hiddenLine>
-            </a:ext>
-            <a:ext uri="{AF507438-7753-43E0-B8FC-AC1667EBCBE1}">
-              <a14:hiddenEffects xmlns:a14="http://schemas.microsoft.com/office/drawing/2010/main">
-                <a:effectLst>
-                  <a:outerShdw dist="35921" dir="2700000" algn="ctr" rotWithShape="0">
-                    <a:schemeClr val="bg2"/>
-                  </a:outerShdw>
-                </a:effectLst>
-              </a14:hiddenEffects>
-            </a:ext>
-          </a:extLst>
-        </p:spPr>
-        <p:txBody>
-          <a:bodyPr vert="horz" wrap="square" lIns="91440" tIns="45720" rIns="91440" bIns="45720" numCol="1" anchor="ctr" anchorCtr="0" compatLnSpc="1">
-            <a:prstTxWarp prst="textNoShape">
-              <a:avLst/>
-            </a:prstTxWarp>
-            <a:spAutoFit/>
-          </a:bodyPr>
-          <a:lstStyle/>
-          <a:p>
-            <a:pPr marL="0" marR="0" lvl="0" indent="0" defTabSz="914400" rtl="0" eaLnBrk="0" fontAlgn="base" latinLnBrk="0" hangingPunct="0">
-              <a:lnSpc>
-                <a:spcPct val="100000"/>
-              </a:lnSpc>
-              <a:spcBef>
-                <a:spcPct val="0"/>
-              </a:spcBef>
-              <a:spcAft>
-                <a:spcPct val="0"/>
-              </a:spcAft>
-              <a:buClrTx/>
-              <a:buSzTx/>
-              <a:buFontTx/>
-              <a:buNone/>
-              <a:tabLst/>
-            </a:pPr>
-            <a:r>
-              <a:rPr kumimoji="0" lang="es-AR" sz="2000" b="0" u="none" strike="noStrike" cap="none" normalizeH="0" baseline="0" dirty="0">
-                <a:ln>
-                  <a:noFill/>
-                </a:ln>
-                <a:solidFill>
-                  <a:schemeClr val="bg1"/>
-                </a:solidFill>
-                <a:effectLst/>
-                <a:latin typeface="Arial" panose="020B0604020202020204" pitchFamily="34" charset="0"/>
-              </a:rPr>
-              <a:t>Una definición mas general:</a:t>
-            </a:r>
-          </a:p>
-          <a:p>
-            <a:pPr marL="0" marR="0" lvl="0" indent="0" algn="ctr" defTabSz="914400" rtl="0" eaLnBrk="0" fontAlgn="base" latinLnBrk="0" hangingPunct="0">
-              <a:lnSpc>
-                <a:spcPct val="100000"/>
-              </a:lnSpc>
-              <a:spcBef>
-                <a:spcPct val="0"/>
-              </a:spcBef>
-              <a:spcAft>
-                <a:spcPct val="0"/>
-              </a:spcAft>
-              <a:buClrTx/>
-              <a:buSzTx/>
-              <a:buFontTx/>
-              <a:buNone/>
-              <a:tabLst/>
-            </a:pPr>
-            <a:r>
-              <a:rPr lang="es-AR" sz="2000" dirty="0">
-                <a:solidFill>
-                  <a:schemeClr val="bg1"/>
-                </a:solidFill>
-                <a:latin typeface="Arial" panose="020B0604020202020204" pitchFamily="34" charset="0"/>
-              </a:rPr>
-              <a:t>Dado un </a:t>
-            </a:r>
-            <a:r>
-              <a:rPr lang="es-AR" sz="2000" b="1" dirty="0">
-                <a:solidFill>
-                  <a:schemeClr val="bg1"/>
-                </a:solidFill>
-                <a:latin typeface="Arial" panose="020B0604020202020204" pitchFamily="34" charset="0"/>
-              </a:rPr>
-              <a:t>conjunto de valores</a:t>
-            </a:r>
-            <a:r>
-              <a:rPr lang="es-AR" sz="2000" dirty="0">
-                <a:solidFill>
-                  <a:schemeClr val="bg1"/>
-                </a:solidFill>
-                <a:latin typeface="Arial" panose="020B0604020202020204" pitchFamily="34" charset="0"/>
-              </a:rPr>
-              <a:t> y una </a:t>
-            </a:r>
-            <a:r>
-              <a:rPr lang="es-AR" sz="2000" b="1" dirty="0">
-                <a:solidFill>
-                  <a:schemeClr val="bg1"/>
-                </a:solidFill>
-                <a:latin typeface="Arial" panose="020B0604020202020204" pitchFamily="34" charset="0"/>
-              </a:rPr>
-              <a:t>consulta</a:t>
-            </a:r>
-            <a:r>
-              <a:rPr lang="es-AR" sz="2000" dirty="0">
-                <a:solidFill>
-                  <a:schemeClr val="bg1"/>
-                </a:solidFill>
-                <a:latin typeface="Arial" panose="020B0604020202020204" pitchFamily="34" charset="0"/>
-              </a:rPr>
-              <a:t>; el mecanismo de atención devuelve una </a:t>
-            </a:r>
-            <a:r>
-              <a:rPr lang="es-AR" sz="2000" b="1" dirty="0">
-                <a:solidFill>
-                  <a:schemeClr val="bg1"/>
-                </a:solidFill>
-                <a:latin typeface="Arial" panose="020B0604020202020204" pitchFamily="34" charset="0"/>
-              </a:rPr>
-              <a:t>suma ponderada</a:t>
-            </a:r>
-            <a:r>
-              <a:rPr lang="es-AR" sz="2000" dirty="0">
-                <a:solidFill>
-                  <a:schemeClr val="bg1"/>
-                </a:solidFill>
-                <a:latin typeface="Arial" panose="020B0604020202020204" pitchFamily="34" charset="0"/>
-              </a:rPr>
-              <a:t> (resumen selectivo) de los valores, </a:t>
-            </a:r>
-            <a:r>
-              <a:rPr lang="es-AR" sz="2000" b="1" dirty="0">
-                <a:solidFill>
-                  <a:schemeClr val="bg1"/>
-                </a:solidFill>
-                <a:latin typeface="Arial" panose="020B0604020202020204" pitchFamily="34" charset="0"/>
-              </a:rPr>
-              <a:t>dependiente de la consulta</a:t>
-            </a:r>
-            <a:r>
-              <a:rPr lang="es-AR" sz="2000" dirty="0">
-                <a:solidFill>
-                  <a:schemeClr val="bg1"/>
-                </a:solidFill>
-                <a:latin typeface="Arial" panose="020B0604020202020204" pitchFamily="34" charset="0"/>
-              </a:rPr>
-              <a:t>. </a:t>
-            </a:r>
-            <a:endParaRPr kumimoji="0" lang="es-AR" sz="2000" b="0" u="none" strike="noStrike" cap="none" normalizeH="0" baseline="0" dirty="0">
-              <a:ln>
-                <a:noFill/>
-              </a:ln>
-              <a:solidFill>
-                <a:schemeClr val="bg1"/>
-              </a:solidFill>
-              <a:effectLst/>
-              <a:latin typeface="Arial" panose="020B0604020202020204" pitchFamily="34" charset="0"/>
-            </a:endParaRPr>
-          </a:p>
-        </p:txBody>
-      </p:sp>
-      <p:sp>
-        <p:nvSpPr>
-          <p:cNvPr id="4" name="AutoShape 2" descr="\alpha_j"/>
-          <p:cNvSpPr>
-            <a:spLocks noChangeAspect="1" noChangeArrowheads="1"/>
-          </p:cNvSpPr>
-          <p:nvPr/>
-        </p:nvSpPr>
-        <p:spPr bwMode="auto">
-          <a:xfrm>
-            <a:off x="7256305" y="2753760"/>
-            <a:ext cx="304800" cy="304801"/>
-          </a:xfrm>
-          <a:prstGeom prst="rect">
-            <a:avLst/>
-          </a:prstGeom>
-          <a:noFill/>
-          <a:extLst>
-            <a:ext uri="{909E8E84-426E-40DD-AFC4-6F175D3DCCD1}">
-              <a14:hiddenFill xmlns:a14="http://schemas.microsoft.com/office/drawing/2010/main">
-                <a:solidFill>
-                  <a:srgbClr val="FFFFFF"/>
-                </a:solidFill>
-              </a14:hiddenFill>
-            </a:ext>
-          </a:extLst>
-        </p:spPr>
-        <p:txBody>
-          <a:bodyPr vert="horz" wrap="square" lIns="91440" tIns="45720" rIns="91440" bIns="45720" numCol="1" anchor="t" anchorCtr="0" compatLnSpc="1">
-            <a:prstTxWarp prst="textNoShape">
-              <a:avLst/>
-            </a:prstTxWarp>
-          </a:bodyPr>
-          <a:lstStyle/>
-          <a:p>
-            <a:endParaRPr lang="es-AR"/>
-          </a:p>
-        </p:txBody>
-      </p:sp>
-      <p:sp>
-        <p:nvSpPr>
-          <p:cNvPr id="6" name="AutoShape 4" descr="T"/>
-          <p:cNvSpPr>
-            <a:spLocks noChangeAspect="1" noChangeArrowheads="1"/>
-          </p:cNvSpPr>
-          <p:nvPr/>
-        </p:nvSpPr>
-        <p:spPr bwMode="auto">
-          <a:xfrm>
-            <a:off x="18287843" y="2753760"/>
-            <a:ext cx="304800" cy="304801"/>
-          </a:xfrm>
-          <a:prstGeom prst="rect">
-            <a:avLst/>
-          </a:prstGeom>
-          <a:noFill/>
-          <a:extLst>
-            <a:ext uri="{909E8E84-426E-40DD-AFC4-6F175D3DCCD1}">
-              <a14:hiddenFill xmlns:a14="http://schemas.microsoft.com/office/drawing/2010/main">
-                <a:solidFill>
-                  <a:srgbClr val="FFFFFF"/>
-                </a:solidFill>
-              </a14:hiddenFill>
-            </a:ext>
-          </a:extLst>
-        </p:spPr>
-        <p:txBody>
-          <a:bodyPr vert="horz" wrap="square" lIns="91440" tIns="45720" rIns="91440" bIns="45720" numCol="1" anchor="t" anchorCtr="0" compatLnSpc="1">
-            <a:prstTxWarp prst="textNoShape">
-              <a:avLst/>
-            </a:prstTxWarp>
-          </a:bodyPr>
-          <a:lstStyle/>
-          <a:p>
-            <a:endParaRPr lang="es-AR"/>
-          </a:p>
-        </p:txBody>
-      </p:sp>
-      <p:pic>
-        <p:nvPicPr>
-          <p:cNvPr id="7" name="Picture 6"/>
-          <p:cNvPicPr>
-            <a:picLocks noChangeAspect="1"/>
-          </p:cNvPicPr>
-          <p:nvPr/>
-        </p:nvPicPr>
-        <p:blipFill>
-          <a:blip r:embed="rId2"/>
-          <a:stretch>
-            <a:fillRect/>
-          </a:stretch>
-        </p:blipFill>
-        <p:spPr>
-          <a:xfrm>
-            <a:off x="2766893" y="2321562"/>
-            <a:ext cx="6658213" cy="3080485"/>
-          </a:xfrm>
-          <a:prstGeom prst="rect">
-            <a:avLst/>
-          </a:prstGeom>
-        </p:spPr>
-      </p:pic>
-      <p:sp>
-        <p:nvSpPr>
-          <p:cNvPr id="5" name="Subtitle 1">
+          <p:cNvPr id="4" name="Subtitle 1">
             <a:extLst>
               <a:ext uri="{FF2B5EF4-FFF2-40B4-BE49-F238E27FC236}">
-                <a16:creationId xmlns:a16="http://schemas.microsoft.com/office/drawing/2014/main" id="{677C0339-2F23-7658-EB34-436E41D83BAC}"/>
+                <a16:creationId xmlns:a16="http://schemas.microsoft.com/office/drawing/2014/main" id="{269D6440-62C3-9671-CE11-913B40A1AC91}"/>
               </a:ext>
             </a:extLst>
           </p:cNvPr>
@@ -35636,7 +38285,7 @@
         </p:nvSpPr>
         <p:spPr>
           <a:xfrm>
-            <a:off x="296213" y="0"/>
+            <a:off x="92765" y="54658"/>
             <a:ext cx="11694017" cy="811369"/>
           </a:xfrm>
           <a:prstGeom prst="rect">
@@ -35838,7 +38487,23 @@
                   <a:schemeClr val="bg1"/>
                 </a:solidFill>
               </a:rPr>
-              <a:t> Neural Network (RNN)  - </a:t>
+              <a:t> Neural Network (RNN) – </a:t>
+            </a:r>
+            <a:r>
+              <a:rPr lang="es-AR" sz="3200" dirty="0" err="1">
+                <a:solidFill>
+                  <a:schemeClr val="bg1"/>
+                </a:solidFill>
+              </a:rPr>
+              <a:t>Self</a:t>
+            </a:r>
+            <a:r>
+              <a:rPr lang="es-AR" sz="3200" dirty="0">
+                <a:solidFill>
+                  <a:schemeClr val="bg1"/>
+                </a:solidFill>
+              </a:rPr>
+              <a:t> </a:t>
             </a:r>
             <a:r>
               <a:rPr lang="es-AR" sz="3200" dirty="0" err="1">
@@ -35859,369 +38524,10 @@
           </a:p>
         </p:txBody>
       </p:sp>
-      <mc:AlternateContent xmlns:mc="http://schemas.openxmlformats.org/markup-compatibility/2006" xmlns:a14="http://schemas.microsoft.com/office/drawing/2010/main">
-        <mc:Choice Requires="a14">
-          <p:sp>
-            <p:nvSpPr>
-              <p:cNvPr id="9" name="Rectangle 1">
-                <a:extLst>
-                  <a:ext uri="{FF2B5EF4-FFF2-40B4-BE49-F238E27FC236}">
-                    <a16:creationId xmlns:a16="http://schemas.microsoft.com/office/drawing/2014/main" id="{429F1ABB-894F-F391-25F6-302C4E1F3812}"/>
-                  </a:ext>
-                </a:extLst>
-              </p:cNvPr>
-              <p:cNvSpPr>
-                <a:spLocks noChangeArrowheads="1"/>
-              </p:cNvSpPr>
-              <p:nvPr/>
-            </p:nvSpPr>
-            <p:spPr bwMode="auto">
-              <a:xfrm>
-                <a:off x="598227" y="1044079"/>
-                <a:ext cx="11300346" cy="1044773"/>
-              </a:xfrm>
-              <a:prstGeom prst="rect">
-                <a:avLst/>
-              </a:prstGeom>
-              <a:noFill/>
-              <a:ln>
-                <a:noFill/>
-              </a:ln>
-              <a:effectLst/>
-              <a:extLst>
-                <a:ext uri="{909E8E84-426E-40DD-AFC4-6F175D3DCCD1}">
-                  <a14:hiddenFill>
-                    <a:solidFill>
-                      <a:schemeClr val="accent1"/>
-                    </a:solidFill>
-                  </a14:hiddenFill>
-                </a:ext>
-                <a:ext uri="{91240B29-F687-4F45-9708-019B960494DF}">
-                  <a14:hiddenLine w="9525">
-                    <a:solidFill>
-                      <a:schemeClr val="tx1"/>
-                    </a:solidFill>
-                    <a:miter lim="800000"/>
-                    <a:headEnd/>
-                    <a:tailEnd/>
-                  </a14:hiddenLine>
-                </a:ext>
-                <a:ext uri="{AF507438-7753-43E0-B8FC-AC1667EBCBE1}">
-                  <a14:hiddenEffects>
-                    <a:effectLst>
-                      <a:outerShdw dist="35921" dir="2700000" algn="ctr" rotWithShape="0">
-                        <a:schemeClr val="bg2"/>
-                      </a:outerShdw>
-                    </a:effectLst>
-                  </a14:hiddenEffects>
-                </a:ext>
-              </a:extLst>
-            </p:spPr>
-            <p:txBody>
-              <a:bodyPr vert="horz" wrap="square" lIns="91440" tIns="45720" rIns="91440" bIns="45720" numCol="1" anchor="ctr" anchorCtr="0" compatLnSpc="1">
-                <a:prstTxWarp prst="textNoShape">
-                  <a:avLst/>
-                </a:prstTxWarp>
-                <a:spAutoFit/>
-              </a:bodyPr>
-              <a:lstStyle/>
-              <a:p>
-                <a:pPr marL="0" marR="0" lvl="0" indent="0" defTabSz="914400" rtl="0" eaLnBrk="0" fontAlgn="base" latinLnBrk="0" hangingPunct="0">
-                  <a:lnSpc>
-                    <a:spcPct val="100000"/>
-                  </a:lnSpc>
-                  <a:spcBef>
-                    <a:spcPct val="0"/>
-                  </a:spcBef>
-                  <a:spcAft>
-                    <a:spcPct val="0"/>
-                  </a:spcAft>
-                  <a:buClrTx/>
-                  <a:buSzTx/>
-                  <a:buFontTx/>
-                  <a:buNone/>
-                  <a:tabLst/>
-                </a:pPr>
-                <a:r>
-                  <a:rPr kumimoji="0" lang="es-AR" sz="2000" b="0" u="none" strike="noStrike" cap="none" normalizeH="0" baseline="0" dirty="0">
-                    <a:ln>
-                      <a:noFill/>
-                    </a:ln>
-                    <a:solidFill>
-                      <a:schemeClr val="bg1"/>
-                    </a:solidFill>
-                    <a:effectLst/>
-                    <a:latin typeface="Arial" panose="020B0604020202020204" pitchFamily="34" charset="0"/>
-                  </a:rPr>
-                  <a:t>Desde un punto de vista probabilístico…</a:t>
-                </a:r>
-              </a:p>
-              <a:p>
-                <a:pPr marL="0" marR="0" lvl="0" indent="0" algn="ctr" defTabSz="914400" rtl="0" eaLnBrk="0" fontAlgn="base" latinLnBrk="0" hangingPunct="0">
-                  <a:lnSpc>
-                    <a:spcPct val="100000"/>
-                  </a:lnSpc>
-                  <a:spcBef>
-                    <a:spcPct val="0"/>
-                  </a:spcBef>
-                  <a:spcAft>
-                    <a:spcPct val="0"/>
-                  </a:spcAft>
-                  <a:buClrTx/>
-                  <a:buSzTx/>
-                  <a:buFontTx/>
-                  <a:buNone/>
-                  <a:tabLst/>
-                </a:pPr>
-                <a:r>
-                  <a:rPr kumimoji="0" lang="es-AR" sz="2000" b="0" u="none" strike="noStrike" cap="none" normalizeH="0" baseline="0" dirty="0">
-                    <a:ln>
-                      <a:noFill/>
-                    </a:ln>
-                    <a:solidFill>
-                      <a:schemeClr val="bg1"/>
-                    </a:solidFill>
-                    <a:effectLst/>
-                    <a:latin typeface="Arial" panose="020B0604020202020204" pitchFamily="34" charset="0"/>
-                  </a:rPr>
-                  <a:t>el </a:t>
-                </a:r>
-                <a:r>
-                  <a:rPr kumimoji="0" lang="es-AR" sz="2000" b="1" u="none" strike="noStrike" cap="none" normalizeH="0" baseline="0" dirty="0" err="1">
-                    <a:ln>
-                      <a:noFill/>
-                    </a:ln>
-                    <a:solidFill>
-                      <a:schemeClr val="bg1"/>
-                    </a:solidFill>
-                    <a:effectLst/>
-                    <a:latin typeface="Arial" panose="020B0604020202020204" pitchFamily="34" charset="0"/>
-                  </a:rPr>
-                  <a:t>attention</a:t>
-                </a:r>
-                <a:r>
-                  <a:rPr kumimoji="0" lang="es-AR" sz="2000" b="1" u="none" strike="noStrike" cap="none" normalizeH="0" baseline="0" dirty="0">
-                    <a:ln>
-                      <a:noFill/>
-                    </a:ln>
-                    <a:solidFill>
-                      <a:schemeClr val="bg1"/>
-                    </a:solidFill>
-                    <a:effectLst/>
-                    <a:latin typeface="Arial" panose="020B0604020202020204" pitchFamily="34" charset="0"/>
-                  </a:rPr>
-                  <a:t> </a:t>
-                </a:r>
-                <a:r>
-                  <a:rPr kumimoji="0" lang="es-AR" sz="2000" b="1" u="none" strike="noStrike" cap="none" normalizeH="0" baseline="0" dirty="0" err="1">
-                    <a:ln>
-                      <a:noFill/>
-                    </a:ln>
-                    <a:solidFill>
-                      <a:schemeClr val="bg1"/>
-                    </a:solidFill>
-                    <a:effectLst/>
-                    <a:latin typeface="Arial" panose="020B0604020202020204" pitchFamily="34" charset="0"/>
-                  </a:rPr>
-                  <a:t>weight</a:t>
-                </a:r>
-                <a:r>
-                  <a:rPr kumimoji="0" lang="es-AR" sz="2000" b="1" u="none" strike="noStrike" cap="none" normalizeH="0" baseline="0" dirty="0">
-                    <a:ln>
-                      <a:noFill/>
-                    </a:ln>
-                    <a:solidFill>
-                      <a:schemeClr val="bg1"/>
-                    </a:solidFill>
-                    <a:effectLst/>
-                    <a:latin typeface="Arial" panose="020B0604020202020204" pitchFamily="34" charset="0"/>
-                  </a:rPr>
-                  <a:t> </a:t>
-                </a:r>
-                <a14:m>
-                  <m:oMath xmlns:m="http://schemas.openxmlformats.org/officeDocument/2006/math">
-                    <m:sSub>
-                      <m:sSubPr>
-                        <m:ctrlPr>
-                          <a:rPr lang="es-AR" sz="2000" b="1" i="1" smtClean="0">
-                            <a:solidFill>
-                              <a:schemeClr val="bg1"/>
-                            </a:solidFill>
-                            <a:latin typeface="Cambria Math" panose="02040503050406030204" pitchFamily="18" charset="0"/>
-                          </a:rPr>
-                        </m:ctrlPr>
-                      </m:sSubPr>
-                      <m:e>
-                        <m:r>
-                          <a:rPr lang="es-AR" sz="2000" b="1" i="1" smtClean="0">
-                            <a:solidFill>
-                              <a:schemeClr val="bg1"/>
-                            </a:solidFill>
-                            <a:latin typeface="Cambria Math" panose="02040503050406030204" pitchFamily="18" charset="0"/>
-                          </a:rPr>
-                          <m:t>𝒂</m:t>
-                        </m:r>
-                      </m:e>
-                      <m:sub>
-                        <m:r>
-                          <a:rPr lang="es-AR" sz="2000" b="1" i="1" smtClean="0">
-                            <a:solidFill>
-                              <a:schemeClr val="bg1"/>
-                            </a:solidFill>
-                            <a:latin typeface="Cambria Math" panose="02040503050406030204" pitchFamily="18" charset="0"/>
-                          </a:rPr>
-                          <m:t>𝒋</m:t>
-                        </m:r>
-                      </m:sub>
-                    </m:sSub>
-                    <m:r>
-                      <a:rPr lang="es-AR" sz="2000" b="1" i="1" smtClean="0">
-                        <a:solidFill>
-                          <a:schemeClr val="bg1"/>
-                        </a:solidFill>
-                        <a:latin typeface="Cambria Math" panose="02040503050406030204" pitchFamily="18" charset="0"/>
-                      </a:rPr>
-                      <m:t> </m:t>
-                    </m:r>
-                  </m:oMath>
-                </a14:m>
-                <a:r>
-                  <a:rPr kumimoji="0" lang="es-AR" sz="2000" b="1" u="none" strike="noStrike" cap="none" normalizeH="0" baseline="0" dirty="0">
-                    <a:ln>
-                      <a:noFill/>
-                    </a:ln>
-                    <a:solidFill>
-                      <a:schemeClr val="bg1"/>
-                    </a:solidFill>
-                    <a:effectLst/>
-                    <a:latin typeface="Arial" panose="020B0604020202020204" pitchFamily="34" charset="0"/>
-                  </a:rPr>
-                  <a:t> </a:t>
-                </a:r>
-                <a:r>
-                  <a:rPr kumimoji="0" lang="es-AR" sz="2000" b="0" u="none" strike="noStrike" cap="none" normalizeH="0" baseline="0" dirty="0">
-                    <a:ln>
-                      <a:noFill/>
-                    </a:ln>
-                    <a:solidFill>
-                      <a:schemeClr val="bg1"/>
-                    </a:solidFill>
-                    <a:effectLst/>
-                    <a:latin typeface="Arial" panose="020B0604020202020204" pitchFamily="34" charset="0"/>
-                  </a:rPr>
-                  <a:t>puede ser visto como la probabilidad de que el </a:t>
-                </a:r>
-                <a:r>
-                  <a:rPr kumimoji="0" lang="es-AR" sz="2000" b="0" u="none" strike="noStrike" cap="none" normalizeH="0" baseline="0" dirty="0" err="1">
-                    <a:ln>
-                      <a:noFill/>
-                    </a:ln>
-                    <a:solidFill>
-                      <a:schemeClr val="bg1"/>
-                    </a:solidFill>
-                    <a:effectLst/>
-                    <a:latin typeface="Arial" panose="020B0604020202020204" pitchFamily="34" charset="0"/>
-                  </a:rPr>
-                  <a:t>decoder</a:t>
-                </a:r>
-                <a:r>
-                  <a:rPr kumimoji="0" lang="es-AR" sz="2000" b="0" u="none" strike="noStrike" cap="none" normalizeH="0" baseline="0" dirty="0">
-                    <a:ln>
-                      <a:noFill/>
-                    </a:ln>
-                    <a:solidFill>
-                      <a:schemeClr val="bg1"/>
-                    </a:solidFill>
-                    <a:effectLst/>
-                    <a:latin typeface="Arial" panose="020B0604020202020204" pitchFamily="34" charset="0"/>
-                  </a:rPr>
-                  <a:t> use esa palabra (representación) para realizar la decodificación</a:t>
-                </a:r>
-              </a:p>
-            </p:txBody>
-          </p:sp>
-        </mc:Choice>
-        <mc:Fallback xmlns="">
-          <p:sp>
-            <p:nvSpPr>
-              <p:cNvPr id="9" name="Rectangle 1">
-                <a:extLst>
-                  <a:ext uri="{FF2B5EF4-FFF2-40B4-BE49-F238E27FC236}">
-                    <a16:creationId xmlns:a16="http://schemas.microsoft.com/office/drawing/2014/main" id="{429F1ABB-894F-F391-25F6-302C4E1F3812}"/>
-                  </a:ext>
-                </a:extLst>
-              </p:cNvPr>
-              <p:cNvSpPr>
-                <a:spLocks noRot="1" noChangeAspect="1" noMove="1" noResize="1" noEditPoints="1" noAdjustHandles="1" noChangeArrowheads="1" noChangeShapeType="1" noTextEdit="1"/>
-              </p:cNvSpPr>
-              <p:nvPr/>
-            </p:nvSpPr>
-            <p:spPr bwMode="auto">
-              <a:xfrm>
-                <a:off x="598227" y="1044079"/>
-                <a:ext cx="11300346" cy="1044773"/>
-              </a:xfrm>
-              <a:prstGeom prst="rect">
-                <a:avLst/>
-              </a:prstGeom>
-              <a:blipFill>
-                <a:blip r:embed="rId3"/>
-                <a:stretch>
-                  <a:fillRect l="-539" t="-1744" b="-9884"/>
-                </a:stretch>
-              </a:blipFill>
-              <a:ln>
-                <a:noFill/>
-              </a:ln>
-              <a:effectLst/>
-              <a:extLst>
-                <a:ext uri="{909E8E84-426E-40DD-AFC4-6F175D3DCCD1}">
-                  <a14:hiddenFill xmlns:a14="http://schemas.microsoft.com/office/drawing/2010/main">
-                    <a:solidFill>
-                      <a:schemeClr val="accent1"/>
-                    </a:solidFill>
-                  </a14:hiddenFill>
-                </a:ext>
-                <a:ext uri="{91240B29-F687-4F45-9708-019B960494DF}">
-                  <a14:hiddenLine xmlns:a14="http://schemas.microsoft.com/office/drawing/2010/main" w="9525">
-                    <a:solidFill>
-                      <a:schemeClr val="tx1"/>
-                    </a:solidFill>
-                    <a:miter lim="800000"/>
-                    <a:headEnd/>
-                    <a:tailEnd/>
-                  </a14:hiddenLine>
-                </a:ext>
-                <a:ext uri="{AF507438-7753-43E0-B8FC-AC1667EBCBE1}">
-                  <a14:hiddenEffects xmlns:a14="http://schemas.microsoft.com/office/drawing/2010/main">
-                    <a:effectLst>
-                      <a:outerShdw dist="35921" dir="2700000" algn="ctr" rotWithShape="0">
-                        <a:schemeClr val="bg2"/>
-                      </a:outerShdw>
-                    </a:effectLst>
-                  </a14:hiddenEffects>
-                </a:ext>
-              </a:extLst>
-            </p:spPr>
-            <p:txBody>
-              <a:bodyPr/>
-              <a:lstStyle/>
-              <a:p>
-                <a:r>
-                  <a:rPr lang="es-AR">
-                    <a:noFill/>
-                  </a:rPr>
-                  <a:t> </a:t>
-                </a:r>
-              </a:p>
-            </p:txBody>
-          </p:sp>
-        </mc:Fallback>
-      </mc:AlternateContent>
     </p:spTree>
     <p:extLst>
       <p:ext uri="{BB962C8B-B14F-4D97-AF65-F5344CB8AC3E}">
-        <p14:creationId xmlns:p14="http://schemas.microsoft.com/office/powerpoint/2010/main" val="918011862"/>
+        <p14:creationId xmlns:p14="http://schemas.microsoft.com/office/powerpoint/2010/main" val="500749361"/>
       </p:ext>
     </p:extLst>
   </p:cSld>
@@ -38266,6 +40572,975 @@
       </p:grpSpPr>
       <p:sp>
         <p:nvSpPr>
+          <p:cNvPr id="3" name="Rectangle 1"/>
+          <p:cNvSpPr>
+            <a:spLocks noChangeArrowheads="1"/>
+          </p:cNvSpPr>
+          <p:nvPr/>
+        </p:nvSpPr>
+        <p:spPr bwMode="auto">
+          <a:xfrm>
+            <a:off x="445827" y="5559727"/>
+            <a:ext cx="11300346" cy="1015663"/>
+          </a:xfrm>
+          <a:prstGeom prst="rect">
+            <a:avLst/>
+          </a:prstGeom>
+          <a:noFill/>
+          <a:ln>
+            <a:noFill/>
+          </a:ln>
+          <a:effectLst/>
+          <a:extLst>
+            <a:ext uri="{909E8E84-426E-40DD-AFC4-6F175D3DCCD1}">
+              <a14:hiddenFill xmlns:a14="http://schemas.microsoft.com/office/drawing/2010/main">
+                <a:solidFill>
+                  <a:schemeClr val="accent1"/>
+                </a:solidFill>
+              </a14:hiddenFill>
+            </a:ext>
+            <a:ext uri="{91240B29-F687-4F45-9708-019B960494DF}">
+              <a14:hiddenLine xmlns:a14="http://schemas.microsoft.com/office/drawing/2010/main" w="9525">
+                <a:solidFill>
+                  <a:schemeClr val="tx1"/>
+                </a:solidFill>
+                <a:miter lim="800000"/>
+                <a:headEnd/>
+                <a:tailEnd/>
+              </a14:hiddenLine>
+            </a:ext>
+            <a:ext uri="{AF507438-7753-43E0-B8FC-AC1667EBCBE1}">
+              <a14:hiddenEffects xmlns:a14="http://schemas.microsoft.com/office/drawing/2010/main">
+                <a:effectLst>
+                  <a:outerShdw dist="35921" dir="2700000" algn="ctr" rotWithShape="0">
+                    <a:schemeClr val="bg2"/>
+                  </a:outerShdw>
+                </a:effectLst>
+              </a14:hiddenEffects>
+            </a:ext>
+          </a:extLst>
+        </p:spPr>
+        <p:txBody>
+          <a:bodyPr vert="horz" wrap="square" lIns="91440" tIns="45720" rIns="91440" bIns="45720" numCol="1" anchor="ctr" anchorCtr="0" compatLnSpc="1">
+            <a:prstTxWarp prst="textNoShape">
+              <a:avLst/>
+            </a:prstTxWarp>
+            <a:spAutoFit/>
+          </a:bodyPr>
+          <a:lstStyle/>
+          <a:p>
+            <a:pPr marL="0" marR="0" lvl="0" indent="0" defTabSz="914400" rtl="0" eaLnBrk="0" fontAlgn="base" latinLnBrk="0" hangingPunct="0">
+              <a:lnSpc>
+                <a:spcPct val="100000"/>
+              </a:lnSpc>
+              <a:spcBef>
+                <a:spcPct val="0"/>
+              </a:spcBef>
+              <a:spcAft>
+                <a:spcPct val="0"/>
+              </a:spcAft>
+              <a:buClrTx/>
+              <a:buSzTx/>
+              <a:buFontTx/>
+              <a:buNone/>
+              <a:tabLst/>
+            </a:pPr>
+            <a:r>
+              <a:rPr kumimoji="0" lang="es-AR" sz="2000" b="0" u="none" strike="noStrike" cap="none" normalizeH="0" baseline="0" dirty="0">
+                <a:ln>
+                  <a:noFill/>
+                </a:ln>
+                <a:solidFill>
+                  <a:schemeClr val="bg1"/>
+                </a:solidFill>
+                <a:effectLst/>
+                <a:latin typeface="Arial" panose="020B0604020202020204" pitchFamily="34" charset="0"/>
+              </a:rPr>
+              <a:t>Una definición más general:</a:t>
+            </a:r>
+          </a:p>
+          <a:p>
+            <a:pPr marL="0" marR="0" lvl="0" indent="0" algn="ctr" defTabSz="914400" rtl="0" eaLnBrk="0" fontAlgn="base" latinLnBrk="0" hangingPunct="0">
+              <a:lnSpc>
+                <a:spcPct val="100000"/>
+              </a:lnSpc>
+              <a:spcBef>
+                <a:spcPct val="0"/>
+              </a:spcBef>
+              <a:spcAft>
+                <a:spcPct val="0"/>
+              </a:spcAft>
+              <a:buClrTx/>
+              <a:buSzTx/>
+              <a:buFontTx/>
+              <a:buNone/>
+              <a:tabLst/>
+            </a:pPr>
+            <a:r>
+              <a:rPr lang="es-AR" sz="2000" dirty="0">
+                <a:solidFill>
+                  <a:schemeClr val="bg1"/>
+                </a:solidFill>
+                <a:latin typeface="Arial" panose="020B0604020202020204" pitchFamily="34" charset="0"/>
+              </a:rPr>
+              <a:t>Dado un </a:t>
+            </a:r>
+            <a:r>
+              <a:rPr lang="es-AR" sz="2000" b="1" dirty="0">
+                <a:solidFill>
+                  <a:schemeClr val="bg1"/>
+                </a:solidFill>
+                <a:latin typeface="Arial" panose="020B0604020202020204" pitchFamily="34" charset="0"/>
+              </a:rPr>
+              <a:t>conjunto de valores</a:t>
+            </a:r>
+            <a:r>
+              <a:rPr lang="es-AR" sz="2000" dirty="0">
+                <a:solidFill>
+                  <a:schemeClr val="bg1"/>
+                </a:solidFill>
+                <a:latin typeface="Arial" panose="020B0604020202020204" pitchFamily="34" charset="0"/>
+              </a:rPr>
+              <a:t> y una </a:t>
+            </a:r>
+            <a:r>
+              <a:rPr lang="es-AR" sz="2000" b="1" dirty="0">
+                <a:solidFill>
+                  <a:schemeClr val="bg1"/>
+                </a:solidFill>
+                <a:latin typeface="Arial" panose="020B0604020202020204" pitchFamily="34" charset="0"/>
+              </a:rPr>
+              <a:t>consulta</a:t>
+            </a:r>
+            <a:r>
+              <a:rPr lang="es-AR" sz="2000" dirty="0">
+                <a:solidFill>
+                  <a:schemeClr val="bg1"/>
+                </a:solidFill>
+                <a:latin typeface="Arial" panose="020B0604020202020204" pitchFamily="34" charset="0"/>
+              </a:rPr>
+              <a:t>; el mecanismo de atención devuelve una </a:t>
+            </a:r>
+            <a:r>
+              <a:rPr lang="es-AR" sz="2000" b="1" dirty="0">
+                <a:solidFill>
+                  <a:schemeClr val="bg1"/>
+                </a:solidFill>
+                <a:latin typeface="Arial" panose="020B0604020202020204" pitchFamily="34" charset="0"/>
+              </a:rPr>
+              <a:t>suma ponderada</a:t>
+            </a:r>
+            <a:r>
+              <a:rPr lang="es-AR" sz="2000" dirty="0">
+                <a:solidFill>
+                  <a:schemeClr val="bg1"/>
+                </a:solidFill>
+                <a:latin typeface="Arial" panose="020B0604020202020204" pitchFamily="34" charset="0"/>
+              </a:rPr>
+              <a:t> (resumen selectivo) de los valores, </a:t>
+            </a:r>
+            <a:r>
+              <a:rPr lang="es-AR" sz="2000" b="1" dirty="0">
+                <a:solidFill>
+                  <a:schemeClr val="bg1"/>
+                </a:solidFill>
+                <a:latin typeface="Arial" panose="020B0604020202020204" pitchFamily="34" charset="0"/>
+              </a:rPr>
+              <a:t>dependiente de la consulta</a:t>
+            </a:r>
+            <a:r>
+              <a:rPr lang="es-AR" sz="2000" dirty="0">
+                <a:solidFill>
+                  <a:schemeClr val="bg1"/>
+                </a:solidFill>
+                <a:latin typeface="Arial" panose="020B0604020202020204" pitchFamily="34" charset="0"/>
+              </a:rPr>
+              <a:t>. </a:t>
+            </a:r>
+            <a:endParaRPr kumimoji="0" lang="es-AR" sz="2000" b="0" u="none" strike="noStrike" cap="none" normalizeH="0" baseline="0" dirty="0">
+              <a:ln>
+                <a:noFill/>
+              </a:ln>
+              <a:solidFill>
+                <a:schemeClr val="bg1"/>
+              </a:solidFill>
+              <a:effectLst/>
+              <a:latin typeface="Arial" panose="020B0604020202020204" pitchFamily="34" charset="0"/>
+            </a:endParaRPr>
+          </a:p>
+        </p:txBody>
+      </p:sp>
+      <p:sp>
+        <p:nvSpPr>
+          <p:cNvPr id="4" name="AutoShape 2" descr="\alpha_j"/>
+          <p:cNvSpPr>
+            <a:spLocks noChangeAspect="1" noChangeArrowheads="1"/>
+          </p:cNvSpPr>
+          <p:nvPr/>
+        </p:nvSpPr>
+        <p:spPr bwMode="auto">
+          <a:xfrm>
+            <a:off x="7256305" y="2753760"/>
+            <a:ext cx="304800" cy="304801"/>
+          </a:xfrm>
+          <a:prstGeom prst="rect">
+            <a:avLst/>
+          </a:prstGeom>
+          <a:noFill/>
+          <a:extLst>
+            <a:ext uri="{909E8E84-426E-40DD-AFC4-6F175D3DCCD1}">
+              <a14:hiddenFill xmlns:a14="http://schemas.microsoft.com/office/drawing/2010/main">
+                <a:solidFill>
+                  <a:srgbClr val="FFFFFF"/>
+                </a:solidFill>
+              </a14:hiddenFill>
+            </a:ext>
+          </a:extLst>
+        </p:spPr>
+        <p:txBody>
+          <a:bodyPr vert="horz" wrap="square" lIns="91440" tIns="45720" rIns="91440" bIns="45720" numCol="1" anchor="t" anchorCtr="0" compatLnSpc="1">
+            <a:prstTxWarp prst="textNoShape">
+              <a:avLst/>
+            </a:prstTxWarp>
+          </a:bodyPr>
+          <a:lstStyle/>
+          <a:p>
+            <a:endParaRPr lang="es-AR"/>
+          </a:p>
+        </p:txBody>
+      </p:sp>
+      <p:sp>
+        <p:nvSpPr>
+          <p:cNvPr id="6" name="AutoShape 4" descr="T"/>
+          <p:cNvSpPr>
+            <a:spLocks noChangeAspect="1" noChangeArrowheads="1"/>
+          </p:cNvSpPr>
+          <p:nvPr/>
+        </p:nvSpPr>
+        <p:spPr bwMode="auto">
+          <a:xfrm>
+            <a:off x="18287843" y="2753760"/>
+            <a:ext cx="304800" cy="304801"/>
+          </a:xfrm>
+          <a:prstGeom prst="rect">
+            <a:avLst/>
+          </a:prstGeom>
+          <a:noFill/>
+          <a:extLst>
+            <a:ext uri="{909E8E84-426E-40DD-AFC4-6F175D3DCCD1}">
+              <a14:hiddenFill xmlns:a14="http://schemas.microsoft.com/office/drawing/2010/main">
+                <a:solidFill>
+                  <a:srgbClr val="FFFFFF"/>
+                </a:solidFill>
+              </a14:hiddenFill>
+            </a:ext>
+          </a:extLst>
+        </p:spPr>
+        <p:txBody>
+          <a:bodyPr vert="horz" wrap="square" lIns="91440" tIns="45720" rIns="91440" bIns="45720" numCol="1" anchor="t" anchorCtr="0" compatLnSpc="1">
+            <a:prstTxWarp prst="textNoShape">
+              <a:avLst/>
+            </a:prstTxWarp>
+          </a:bodyPr>
+          <a:lstStyle/>
+          <a:p>
+            <a:endParaRPr lang="es-AR"/>
+          </a:p>
+        </p:txBody>
+      </p:sp>
+      <p:pic>
+        <p:nvPicPr>
+          <p:cNvPr id="7" name="Picture 6"/>
+          <p:cNvPicPr>
+            <a:picLocks noChangeAspect="1"/>
+          </p:cNvPicPr>
+          <p:nvPr/>
+        </p:nvPicPr>
+        <p:blipFill>
+          <a:blip r:embed="rId2"/>
+          <a:stretch>
+            <a:fillRect/>
+          </a:stretch>
+        </p:blipFill>
+        <p:spPr>
+          <a:xfrm>
+            <a:off x="2766893" y="2321562"/>
+            <a:ext cx="6658213" cy="3080485"/>
+          </a:xfrm>
+          <a:prstGeom prst="rect">
+            <a:avLst/>
+          </a:prstGeom>
+        </p:spPr>
+      </p:pic>
+      <mc:AlternateContent xmlns:mc="http://schemas.openxmlformats.org/markup-compatibility/2006" xmlns:a14="http://schemas.microsoft.com/office/drawing/2010/main">
+        <mc:Choice Requires="a14">
+          <p:sp>
+            <p:nvSpPr>
+              <p:cNvPr id="9" name="Rectangle 1">
+                <a:extLst>
+                  <a:ext uri="{FF2B5EF4-FFF2-40B4-BE49-F238E27FC236}">
+                    <a16:creationId xmlns:a16="http://schemas.microsoft.com/office/drawing/2014/main" id="{429F1ABB-894F-F391-25F6-302C4E1F3812}"/>
+                  </a:ext>
+                </a:extLst>
+              </p:cNvPr>
+              <p:cNvSpPr>
+                <a:spLocks noChangeArrowheads="1"/>
+              </p:cNvSpPr>
+              <p:nvPr/>
+            </p:nvSpPr>
+            <p:spPr bwMode="auto">
+              <a:xfrm>
+                <a:off x="598227" y="1044079"/>
+                <a:ext cx="11300346" cy="1044773"/>
+              </a:xfrm>
+              <a:prstGeom prst="rect">
+                <a:avLst/>
+              </a:prstGeom>
+              <a:noFill/>
+              <a:ln>
+                <a:noFill/>
+              </a:ln>
+              <a:effectLst/>
+              <a:extLst>
+                <a:ext uri="{909E8E84-426E-40DD-AFC4-6F175D3DCCD1}">
+                  <a14:hiddenFill>
+                    <a:solidFill>
+                      <a:schemeClr val="accent1"/>
+                    </a:solidFill>
+                  </a14:hiddenFill>
+                </a:ext>
+                <a:ext uri="{91240B29-F687-4F45-9708-019B960494DF}">
+                  <a14:hiddenLine w="9525">
+                    <a:solidFill>
+                      <a:schemeClr val="tx1"/>
+                    </a:solidFill>
+                    <a:miter lim="800000"/>
+                    <a:headEnd/>
+                    <a:tailEnd/>
+                  </a14:hiddenLine>
+                </a:ext>
+                <a:ext uri="{AF507438-7753-43E0-B8FC-AC1667EBCBE1}">
+                  <a14:hiddenEffects>
+                    <a:effectLst>
+                      <a:outerShdw dist="35921" dir="2700000" algn="ctr" rotWithShape="0">
+                        <a:schemeClr val="bg2"/>
+                      </a:outerShdw>
+                    </a:effectLst>
+                  </a14:hiddenEffects>
+                </a:ext>
+              </a:extLst>
+            </p:spPr>
+            <p:txBody>
+              <a:bodyPr vert="horz" wrap="square" lIns="91440" tIns="45720" rIns="91440" bIns="45720" numCol="1" anchor="ctr" anchorCtr="0" compatLnSpc="1">
+                <a:prstTxWarp prst="textNoShape">
+                  <a:avLst/>
+                </a:prstTxWarp>
+                <a:spAutoFit/>
+              </a:bodyPr>
+              <a:lstStyle/>
+              <a:p>
+                <a:pPr marL="0" marR="0" lvl="0" indent="0" defTabSz="914400" rtl="0" eaLnBrk="0" fontAlgn="base" latinLnBrk="0" hangingPunct="0">
+                  <a:lnSpc>
+                    <a:spcPct val="100000"/>
+                  </a:lnSpc>
+                  <a:spcBef>
+                    <a:spcPct val="0"/>
+                  </a:spcBef>
+                  <a:spcAft>
+                    <a:spcPct val="0"/>
+                  </a:spcAft>
+                  <a:buClrTx/>
+                  <a:buSzTx/>
+                  <a:buFontTx/>
+                  <a:buNone/>
+                  <a:tabLst/>
+                </a:pPr>
+                <a:r>
+                  <a:rPr kumimoji="0" lang="es-AR" sz="2000" b="0" u="none" strike="noStrike" cap="none" normalizeH="0" baseline="0" dirty="0">
+                    <a:ln>
+                      <a:noFill/>
+                    </a:ln>
+                    <a:solidFill>
+                      <a:schemeClr val="bg1"/>
+                    </a:solidFill>
+                    <a:effectLst/>
+                    <a:latin typeface="Arial" panose="020B0604020202020204" pitchFamily="34" charset="0"/>
+                  </a:rPr>
+                  <a:t>Desde un punto de vista probabilístico…</a:t>
+                </a:r>
+              </a:p>
+              <a:p>
+                <a:pPr marL="0" marR="0" lvl="0" indent="0" algn="ctr" defTabSz="914400" rtl="0" eaLnBrk="0" fontAlgn="base" latinLnBrk="0" hangingPunct="0">
+                  <a:lnSpc>
+                    <a:spcPct val="100000"/>
+                  </a:lnSpc>
+                  <a:spcBef>
+                    <a:spcPct val="0"/>
+                  </a:spcBef>
+                  <a:spcAft>
+                    <a:spcPct val="0"/>
+                  </a:spcAft>
+                  <a:buClrTx/>
+                  <a:buSzTx/>
+                  <a:buFontTx/>
+                  <a:buNone/>
+                  <a:tabLst/>
+                </a:pPr>
+                <a:r>
+                  <a:rPr kumimoji="0" lang="es-AR" sz="2000" b="0" u="none" strike="noStrike" cap="none" normalizeH="0" baseline="0" dirty="0">
+                    <a:ln>
+                      <a:noFill/>
+                    </a:ln>
+                    <a:solidFill>
+                      <a:schemeClr val="bg1"/>
+                    </a:solidFill>
+                    <a:effectLst/>
+                    <a:latin typeface="Arial" panose="020B0604020202020204" pitchFamily="34" charset="0"/>
+                  </a:rPr>
+                  <a:t>el </a:t>
+                </a:r>
+                <a:r>
+                  <a:rPr kumimoji="0" lang="es-AR" sz="2000" b="1" u="none" strike="noStrike" cap="none" normalizeH="0" baseline="0" dirty="0" err="1">
+                    <a:ln>
+                      <a:noFill/>
+                    </a:ln>
+                    <a:solidFill>
+                      <a:schemeClr val="bg1"/>
+                    </a:solidFill>
+                    <a:effectLst/>
+                    <a:latin typeface="Arial" panose="020B0604020202020204" pitchFamily="34" charset="0"/>
+                  </a:rPr>
+                  <a:t>attention</a:t>
+                </a:r>
+                <a:r>
+                  <a:rPr kumimoji="0" lang="es-AR" sz="2000" b="1" u="none" strike="noStrike" cap="none" normalizeH="0" baseline="0" dirty="0">
+                    <a:ln>
+                      <a:noFill/>
+                    </a:ln>
+                    <a:solidFill>
+                      <a:schemeClr val="bg1"/>
+                    </a:solidFill>
+                    <a:effectLst/>
+                    <a:latin typeface="Arial" panose="020B0604020202020204" pitchFamily="34" charset="0"/>
+                  </a:rPr>
+                  <a:t> </a:t>
+                </a:r>
+                <a:r>
+                  <a:rPr kumimoji="0" lang="es-AR" sz="2000" b="1" u="none" strike="noStrike" cap="none" normalizeH="0" baseline="0" dirty="0" err="1">
+                    <a:ln>
+                      <a:noFill/>
+                    </a:ln>
+                    <a:solidFill>
+                      <a:schemeClr val="bg1"/>
+                    </a:solidFill>
+                    <a:effectLst/>
+                    <a:latin typeface="Arial" panose="020B0604020202020204" pitchFamily="34" charset="0"/>
+                  </a:rPr>
+                  <a:t>weight</a:t>
+                </a:r>
+                <a:r>
+                  <a:rPr kumimoji="0" lang="es-AR" sz="2000" b="1" u="none" strike="noStrike" cap="none" normalizeH="0" baseline="0" dirty="0">
+                    <a:ln>
+                      <a:noFill/>
+                    </a:ln>
+                    <a:solidFill>
+                      <a:schemeClr val="bg1"/>
+                    </a:solidFill>
+                    <a:effectLst/>
+                    <a:latin typeface="Arial" panose="020B0604020202020204" pitchFamily="34" charset="0"/>
+                  </a:rPr>
+                  <a:t> </a:t>
+                </a:r>
+                <a14:m>
+                  <m:oMath xmlns:m="http://schemas.openxmlformats.org/officeDocument/2006/math">
+                    <m:sSub>
+                      <m:sSubPr>
+                        <m:ctrlPr>
+                          <a:rPr lang="es-AR" sz="2000" b="1" i="1" smtClean="0">
+                            <a:solidFill>
+                              <a:schemeClr val="bg1"/>
+                            </a:solidFill>
+                            <a:latin typeface="Cambria Math" panose="02040503050406030204" pitchFamily="18" charset="0"/>
+                          </a:rPr>
+                        </m:ctrlPr>
+                      </m:sSubPr>
+                      <m:e>
+                        <m:r>
+                          <a:rPr lang="es-AR" sz="2000" b="1" i="1" smtClean="0">
+                            <a:solidFill>
+                              <a:schemeClr val="bg1"/>
+                            </a:solidFill>
+                            <a:latin typeface="Cambria Math" panose="02040503050406030204" pitchFamily="18" charset="0"/>
+                          </a:rPr>
+                          <m:t>𝒂</m:t>
+                        </m:r>
+                      </m:e>
+                      <m:sub>
+                        <m:r>
+                          <a:rPr lang="es-AR" sz="2000" b="1" i="1" smtClean="0">
+                            <a:solidFill>
+                              <a:schemeClr val="bg1"/>
+                            </a:solidFill>
+                            <a:latin typeface="Cambria Math" panose="02040503050406030204" pitchFamily="18" charset="0"/>
+                          </a:rPr>
+                          <m:t>𝒋</m:t>
+                        </m:r>
+                      </m:sub>
+                    </m:sSub>
+                    <m:r>
+                      <a:rPr lang="es-AR" sz="2000" b="1" i="1" smtClean="0">
+                        <a:solidFill>
+                          <a:schemeClr val="bg1"/>
+                        </a:solidFill>
+                        <a:latin typeface="Cambria Math" panose="02040503050406030204" pitchFamily="18" charset="0"/>
+                      </a:rPr>
+                      <m:t> </m:t>
+                    </m:r>
+                  </m:oMath>
+                </a14:m>
+                <a:r>
+                  <a:rPr kumimoji="0" lang="es-AR" sz="2000" b="1" u="none" strike="noStrike" cap="none" normalizeH="0" baseline="0" dirty="0">
+                    <a:ln>
+                      <a:noFill/>
+                    </a:ln>
+                    <a:solidFill>
+                      <a:schemeClr val="bg1"/>
+                    </a:solidFill>
+                    <a:effectLst/>
+                    <a:latin typeface="Arial" panose="020B0604020202020204" pitchFamily="34" charset="0"/>
+                  </a:rPr>
+                  <a:t> </a:t>
+                </a:r>
+                <a:r>
+                  <a:rPr kumimoji="0" lang="es-AR" sz="2000" b="0" u="none" strike="noStrike" cap="none" normalizeH="0" baseline="0" dirty="0">
+                    <a:ln>
+                      <a:noFill/>
+                    </a:ln>
+                    <a:solidFill>
+                      <a:schemeClr val="bg1"/>
+                    </a:solidFill>
+                    <a:effectLst/>
+                    <a:latin typeface="Arial" panose="020B0604020202020204" pitchFamily="34" charset="0"/>
+                  </a:rPr>
+                  <a:t>puede ser visto como la probabilidad de que el </a:t>
+                </a:r>
+                <a:r>
+                  <a:rPr kumimoji="0" lang="es-AR" sz="2000" b="0" u="none" strike="noStrike" cap="none" normalizeH="0" baseline="0" dirty="0" err="1">
+                    <a:ln>
+                      <a:noFill/>
+                    </a:ln>
+                    <a:solidFill>
+                      <a:schemeClr val="bg1"/>
+                    </a:solidFill>
+                    <a:effectLst/>
+                    <a:latin typeface="Arial" panose="020B0604020202020204" pitchFamily="34" charset="0"/>
+                  </a:rPr>
+                  <a:t>decoder</a:t>
+                </a:r>
+                <a:r>
+                  <a:rPr kumimoji="0" lang="es-AR" sz="2000" b="0" u="none" strike="noStrike" cap="none" normalizeH="0" baseline="0" dirty="0">
+                    <a:ln>
+                      <a:noFill/>
+                    </a:ln>
+                    <a:solidFill>
+                      <a:schemeClr val="bg1"/>
+                    </a:solidFill>
+                    <a:effectLst/>
+                    <a:latin typeface="Arial" panose="020B0604020202020204" pitchFamily="34" charset="0"/>
+                  </a:rPr>
+                  <a:t> use esa palabra (representación) para realizar la decodificación del</a:t>
+                </a:r>
+                <a:r>
+                  <a:rPr kumimoji="0" lang="es-AR" sz="2000" b="0" u="none" strike="noStrike" cap="none" normalizeH="0" dirty="0">
+                    <a:ln>
+                      <a:noFill/>
+                    </a:ln>
+                    <a:solidFill>
+                      <a:schemeClr val="bg1"/>
+                    </a:solidFill>
+                    <a:effectLst/>
+                    <a:latin typeface="Arial" panose="020B0604020202020204" pitchFamily="34" charset="0"/>
+                  </a:rPr>
+                  <a:t> contexto.</a:t>
+                </a:r>
+                <a:endParaRPr kumimoji="0" lang="es-AR" sz="2000" b="0" u="none" strike="noStrike" cap="none" normalizeH="0" baseline="0" dirty="0">
+                  <a:ln>
+                    <a:noFill/>
+                  </a:ln>
+                  <a:solidFill>
+                    <a:schemeClr val="bg1"/>
+                  </a:solidFill>
+                  <a:effectLst/>
+                  <a:latin typeface="Arial" panose="020B0604020202020204" pitchFamily="34" charset="0"/>
+                </a:endParaRPr>
+              </a:p>
+            </p:txBody>
+          </p:sp>
+        </mc:Choice>
+        <mc:Fallback xmlns="">
+          <p:sp>
+            <p:nvSpPr>
+              <p:cNvPr id="9" name="Rectangle 1">
+                <a:extLst>
+                  <a:ext uri="{FF2B5EF4-FFF2-40B4-BE49-F238E27FC236}">
+                    <a16:creationId xmlns:a16="http://schemas.microsoft.com/office/drawing/2014/main" id="{429F1ABB-894F-F391-25F6-302C4E1F3812}"/>
+                  </a:ext>
+                </a:extLst>
+              </p:cNvPr>
+              <p:cNvSpPr>
+                <a:spLocks noRot="1" noChangeAspect="1" noMove="1" noResize="1" noEditPoints="1" noAdjustHandles="1" noChangeArrowheads="1" noChangeShapeType="1" noTextEdit="1"/>
+              </p:cNvSpPr>
+              <p:nvPr/>
+            </p:nvSpPr>
+            <p:spPr bwMode="auto">
+              <a:xfrm>
+                <a:off x="598227" y="1044079"/>
+                <a:ext cx="11300346" cy="1044773"/>
+              </a:xfrm>
+              <a:prstGeom prst="rect">
+                <a:avLst/>
+              </a:prstGeom>
+              <a:blipFill>
+                <a:blip r:embed="rId3"/>
+                <a:stretch>
+                  <a:fillRect l="-539" t="-1744" b="-9884"/>
+                </a:stretch>
+              </a:blipFill>
+              <a:ln>
+                <a:noFill/>
+              </a:ln>
+              <a:effectLst/>
+              <a:extLst>
+                <a:ext uri="{909E8E84-426E-40DD-AFC4-6F175D3DCCD1}">
+                  <a14:hiddenFill xmlns:a14="http://schemas.microsoft.com/office/drawing/2010/main">
+                    <a:solidFill>
+                      <a:schemeClr val="accent1"/>
+                    </a:solidFill>
+                  </a14:hiddenFill>
+                </a:ext>
+                <a:ext uri="{91240B29-F687-4F45-9708-019B960494DF}">
+                  <a14:hiddenLine xmlns:a14="http://schemas.microsoft.com/office/drawing/2010/main" w="9525">
+                    <a:solidFill>
+                      <a:schemeClr val="tx1"/>
+                    </a:solidFill>
+                    <a:miter lim="800000"/>
+                    <a:headEnd/>
+                    <a:tailEnd/>
+                  </a14:hiddenLine>
+                </a:ext>
+                <a:ext uri="{AF507438-7753-43E0-B8FC-AC1667EBCBE1}">
+                  <a14:hiddenEffects xmlns:a14="http://schemas.microsoft.com/office/drawing/2010/main">
+                    <a:effectLst>
+                      <a:outerShdw dist="35921" dir="2700000" algn="ctr" rotWithShape="0">
+                        <a:schemeClr val="bg2"/>
+                      </a:outerShdw>
+                    </a:effectLst>
+                  </a14:hiddenEffects>
+                </a:ext>
+              </a:extLst>
+            </p:spPr>
+            <p:txBody>
+              <a:bodyPr/>
+              <a:lstStyle/>
+              <a:p>
+                <a:r>
+                  <a:rPr lang="es-AR">
+                    <a:noFill/>
+                  </a:rPr>
+                  <a:t> </a:t>
+                </a:r>
+              </a:p>
+            </p:txBody>
+          </p:sp>
+        </mc:Fallback>
+      </mc:AlternateContent>
+      <p:sp>
+        <p:nvSpPr>
+          <p:cNvPr id="2" name="Subtitle 1">
+            <a:extLst>
+              <a:ext uri="{FF2B5EF4-FFF2-40B4-BE49-F238E27FC236}">
+                <a16:creationId xmlns:a16="http://schemas.microsoft.com/office/drawing/2014/main" id="{625A77AF-8C69-B4D3-D2C5-846641C4F43A}"/>
+              </a:ext>
+            </a:extLst>
+          </p:cNvPr>
+          <p:cNvSpPr txBox="1">
+            <a:spLocks/>
+          </p:cNvSpPr>
+          <p:nvPr/>
+        </p:nvSpPr>
+        <p:spPr>
+          <a:xfrm>
+            <a:off x="92765" y="54658"/>
+            <a:ext cx="11694017" cy="811369"/>
+          </a:xfrm>
+          <a:prstGeom prst="rect">
+            <a:avLst/>
+          </a:prstGeom>
+        </p:spPr>
+        <p:txBody>
+          <a:bodyPr vert="horz" lIns="91440" tIns="45720" rIns="91440" bIns="45720" rtlCol="0">
+            <a:noAutofit/>
+          </a:bodyPr>
+          <a:lstStyle>
+            <a:lvl1pPr marL="228600" indent="-228600" algn="l" defTabSz="914400" rtl="0" eaLnBrk="1" latinLnBrk="0" hangingPunct="1">
+              <a:lnSpc>
+                <a:spcPct val="120000"/>
+              </a:lnSpc>
+              <a:spcBef>
+                <a:spcPts val="1000"/>
+              </a:spcBef>
+              <a:buSzPct val="125000"/>
+              <a:buFont typeface="Arial" panose="020B0604020202020204" pitchFamily="34" charset="0"/>
+              <a:buChar char="•"/>
+              <a:defRPr sz="2400" kern="1200">
+                <a:solidFill>
+                  <a:schemeClr val="tx1"/>
+                </a:solidFill>
+                <a:latin typeface="+mn-lt"/>
+                <a:ea typeface="+mn-ea"/>
+                <a:cs typeface="+mn-cs"/>
+              </a:defRPr>
+            </a:lvl1pPr>
+            <a:lvl2pPr marL="685800" indent="-228600" algn="l" defTabSz="914400" rtl="0" eaLnBrk="1" latinLnBrk="0" hangingPunct="1">
+              <a:lnSpc>
+                <a:spcPct val="120000"/>
+              </a:lnSpc>
+              <a:spcBef>
+                <a:spcPts val="500"/>
+              </a:spcBef>
+              <a:buSzPct val="125000"/>
+              <a:buFont typeface="Arial" panose="020B0604020202020204" pitchFamily="34" charset="0"/>
+              <a:buChar char="•"/>
+              <a:defRPr sz="2000" kern="1200">
+                <a:solidFill>
+                  <a:schemeClr val="tx1"/>
+                </a:solidFill>
+                <a:latin typeface="+mn-lt"/>
+                <a:ea typeface="+mn-ea"/>
+                <a:cs typeface="+mn-cs"/>
+              </a:defRPr>
+            </a:lvl2pPr>
+            <a:lvl3pPr marL="1143000" indent="-228600" algn="l" defTabSz="914400" rtl="0" eaLnBrk="1" latinLnBrk="0" hangingPunct="1">
+              <a:lnSpc>
+                <a:spcPct val="120000"/>
+              </a:lnSpc>
+              <a:spcBef>
+                <a:spcPts val="500"/>
+              </a:spcBef>
+              <a:buSzPct val="125000"/>
+              <a:buFont typeface="Arial" panose="020B0604020202020204" pitchFamily="34" charset="0"/>
+              <a:buChar char="•"/>
+              <a:defRPr sz="1800" kern="1200">
+                <a:solidFill>
+                  <a:schemeClr val="tx1"/>
+                </a:solidFill>
+                <a:latin typeface="+mn-lt"/>
+                <a:ea typeface="+mn-ea"/>
+                <a:cs typeface="+mn-cs"/>
+              </a:defRPr>
+            </a:lvl3pPr>
+            <a:lvl4pPr marL="1600200" indent="-228600" algn="l" defTabSz="914400" rtl="0" eaLnBrk="1" latinLnBrk="0" hangingPunct="1">
+              <a:lnSpc>
+                <a:spcPct val="120000"/>
+              </a:lnSpc>
+              <a:spcBef>
+                <a:spcPts val="500"/>
+              </a:spcBef>
+              <a:buSzPct val="125000"/>
+              <a:buFont typeface="Arial" panose="020B0604020202020204" pitchFamily="34" charset="0"/>
+              <a:buChar char="•"/>
+              <a:defRPr sz="1600" kern="1200">
+                <a:solidFill>
+                  <a:schemeClr val="tx1"/>
+                </a:solidFill>
+                <a:latin typeface="+mn-lt"/>
+                <a:ea typeface="+mn-ea"/>
+                <a:cs typeface="+mn-cs"/>
+              </a:defRPr>
+            </a:lvl4pPr>
+            <a:lvl5pPr marL="2057400" indent="-228600" algn="l" defTabSz="914400" rtl="0" eaLnBrk="1" latinLnBrk="0" hangingPunct="1">
+              <a:lnSpc>
+                <a:spcPct val="120000"/>
+              </a:lnSpc>
+              <a:spcBef>
+                <a:spcPts val="500"/>
+              </a:spcBef>
+              <a:buSzPct val="125000"/>
+              <a:buFont typeface="Arial" panose="020B0604020202020204" pitchFamily="34" charset="0"/>
+              <a:buChar char="•"/>
+              <a:defRPr sz="1600" kern="1200">
+                <a:solidFill>
+                  <a:schemeClr val="tx1"/>
+                </a:solidFill>
+                <a:latin typeface="+mn-lt"/>
+                <a:ea typeface="+mn-ea"/>
+                <a:cs typeface="+mn-cs"/>
+              </a:defRPr>
+            </a:lvl5pPr>
+            <a:lvl6pPr marL="2514600" indent="-228600" algn="l" defTabSz="914400" rtl="0" eaLnBrk="1" latinLnBrk="0" hangingPunct="1">
+              <a:lnSpc>
+                <a:spcPct val="120000"/>
+              </a:lnSpc>
+              <a:spcBef>
+                <a:spcPts val="500"/>
+              </a:spcBef>
+              <a:buSzPct val="125000"/>
+              <a:buFont typeface="Arial" panose="020B0604020202020204" pitchFamily="34" charset="0"/>
+              <a:buChar char="•"/>
+              <a:defRPr sz="1400" kern="1200">
+                <a:solidFill>
+                  <a:schemeClr val="tx1"/>
+                </a:solidFill>
+                <a:latin typeface="+mn-lt"/>
+                <a:ea typeface="+mn-ea"/>
+                <a:cs typeface="+mn-cs"/>
+              </a:defRPr>
+            </a:lvl6pPr>
+            <a:lvl7pPr marL="2971800" indent="-228600" algn="l" defTabSz="914400" rtl="0" eaLnBrk="1" latinLnBrk="0" hangingPunct="1">
+              <a:lnSpc>
+                <a:spcPct val="120000"/>
+              </a:lnSpc>
+              <a:spcBef>
+                <a:spcPts val="500"/>
+              </a:spcBef>
+              <a:buSzPct val="125000"/>
+              <a:buFont typeface="Arial" panose="020B0604020202020204" pitchFamily="34" charset="0"/>
+              <a:buChar char="•"/>
+              <a:defRPr sz="1400" kern="1200">
+                <a:solidFill>
+                  <a:schemeClr val="tx1"/>
+                </a:solidFill>
+                <a:latin typeface="+mn-lt"/>
+                <a:ea typeface="+mn-ea"/>
+                <a:cs typeface="+mn-cs"/>
+              </a:defRPr>
+            </a:lvl7pPr>
+            <a:lvl8pPr marL="3429000" indent="-228600" algn="l" defTabSz="914400" rtl="0" eaLnBrk="1" latinLnBrk="0" hangingPunct="1">
+              <a:lnSpc>
+                <a:spcPct val="120000"/>
+              </a:lnSpc>
+              <a:spcBef>
+                <a:spcPts val="500"/>
+              </a:spcBef>
+              <a:buSzPct val="125000"/>
+              <a:buFont typeface="Arial" panose="020B0604020202020204" pitchFamily="34" charset="0"/>
+              <a:buChar char="•"/>
+              <a:defRPr sz="1400" kern="1200">
+                <a:solidFill>
+                  <a:schemeClr val="tx1"/>
+                </a:solidFill>
+                <a:latin typeface="+mn-lt"/>
+                <a:ea typeface="+mn-ea"/>
+                <a:cs typeface="+mn-cs"/>
+              </a:defRPr>
+            </a:lvl8pPr>
+            <a:lvl9pPr marL="3886200" indent="-228600" algn="l" defTabSz="914400" rtl="0" eaLnBrk="1" latinLnBrk="0" hangingPunct="1">
+              <a:lnSpc>
+                <a:spcPct val="120000"/>
+              </a:lnSpc>
+              <a:spcBef>
+                <a:spcPts val="500"/>
+              </a:spcBef>
+              <a:buSzPct val="125000"/>
+              <a:buFont typeface="Arial" panose="020B0604020202020204" pitchFamily="34" charset="0"/>
+              <a:buChar char="•"/>
+              <a:defRPr sz="1400" kern="1200">
+                <a:solidFill>
+                  <a:schemeClr val="tx1"/>
+                </a:solidFill>
+                <a:latin typeface="+mn-lt"/>
+                <a:ea typeface="+mn-ea"/>
+                <a:cs typeface="+mn-cs"/>
+              </a:defRPr>
+            </a:lvl9pPr>
+          </a:lstStyle>
+          <a:p>
+            <a:pPr marL="0" indent="0" algn="ctr">
+              <a:buNone/>
+            </a:pPr>
+            <a:r>
+              <a:rPr lang="es-AR" sz="3200" dirty="0" err="1">
+                <a:solidFill>
+                  <a:schemeClr val="bg1"/>
+                </a:solidFill>
+              </a:rPr>
+              <a:t>Recurrent</a:t>
+            </a:r>
+            <a:r>
+              <a:rPr lang="es-AR" sz="3200" dirty="0">
+                <a:solidFill>
+                  <a:schemeClr val="bg1"/>
+                </a:solidFill>
+              </a:rPr>
+              <a:t> Neural Network (RNN) – </a:t>
+            </a:r>
+            <a:r>
+              <a:rPr lang="es-AR" sz="3200" dirty="0" err="1">
+                <a:solidFill>
+                  <a:schemeClr val="bg1"/>
+                </a:solidFill>
+              </a:rPr>
+              <a:t>Self</a:t>
+            </a:r>
+            <a:r>
+              <a:rPr lang="es-AR" sz="3200" dirty="0">
+                <a:solidFill>
+                  <a:schemeClr val="bg1"/>
+                </a:solidFill>
+              </a:rPr>
+              <a:t> </a:t>
+            </a:r>
+            <a:r>
+              <a:rPr lang="es-AR" sz="3200" dirty="0" err="1">
+                <a:solidFill>
+                  <a:schemeClr val="bg1"/>
+                </a:solidFill>
+              </a:rPr>
+              <a:t>Attention</a:t>
+            </a:r>
+            <a:r>
+              <a:rPr lang="es-AR" sz="3200" dirty="0">
+                <a:solidFill>
+                  <a:schemeClr val="bg1"/>
+                </a:solidFill>
+              </a:rPr>
+              <a:t>!!</a:t>
+            </a:r>
+          </a:p>
+        </p:txBody>
+      </p:sp>
+    </p:spTree>
+    <p:extLst>
+      <p:ext uri="{BB962C8B-B14F-4D97-AF65-F5344CB8AC3E}">
+        <p14:creationId xmlns:p14="http://schemas.microsoft.com/office/powerpoint/2010/main" val="918011862"/>
+      </p:ext>
+    </p:extLst>
+  </p:cSld>
+  <p:clrMapOvr>
+    <a:masterClrMapping/>
+  </p:clrMapOvr>
+</p:sld>
+</file>
+
+<file path=ppt/slides/slide31.xml><?xml version="1.0" encoding="utf-8"?>
+<p:sld xmlns:a="http://schemas.openxmlformats.org/drawingml/2006/main" xmlns:r="http://schemas.openxmlformats.org/officeDocument/2006/relationships" xmlns:p="http://schemas.openxmlformats.org/presentationml/2006/main">
+  <p:cSld>
+    <p:spTree>
+      <p:nvGrpSpPr>
+        <p:cNvPr id="1" name=""/>
+        <p:cNvGrpSpPr/>
+        <p:nvPr/>
+      </p:nvGrpSpPr>
+      <p:grpSpPr>
+        <a:xfrm>
+          <a:off x="0" y="0"/>
+          <a:ext cx="0" cy="0"/>
+          <a:chOff x="0" y="0"/>
+          <a:chExt cx="0" cy="0"/>
+        </a:xfrm>
+      </p:grpSpPr>
+      <p:sp>
+        <p:nvSpPr>
           <p:cNvPr id="2" name="Subtitle 1"/>
           <p:cNvSpPr txBox="1">
             <a:spLocks/>
@@ -38567,7 +41842,7 @@
 </p:sld>
 </file>
 
-<file path=ppt/slides/slide31.xml><?xml version="1.0" encoding="utf-8"?>
+<file path=ppt/slides/slide32.xml><?xml version="1.0" encoding="utf-8"?>
 <p:sld xmlns:a="http://schemas.openxmlformats.org/drawingml/2006/main" xmlns:r="http://schemas.openxmlformats.org/officeDocument/2006/relationships" xmlns:p="http://schemas.openxmlformats.org/presentationml/2006/main">
   <p:cSld>
     <p:spTree>
@@ -40250,13 +43525,13 @@
         </p:nvPicPr>
         <p:blipFill rotWithShape="1">
           <a:blip r:embed="rId2"/>
-          <a:srcRect r="78933"/>
+          <a:srcRect t="61884" r="78933"/>
           <a:stretch/>
         </p:blipFill>
         <p:spPr>
           <a:xfrm>
-            <a:off x="485106" y="811369"/>
-            <a:ext cx="1717182" cy="5654785"/>
+            <a:off x="485106" y="4310743"/>
+            <a:ext cx="1717182" cy="2155411"/>
           </a:xfrm>
           <a:prstGeom prst="rect">
             <a:avLst/>
@@ -40271,16 +43546,15 @@
           </p:cNvPicPr>
           <p:nvPr/>
         </p:nvPicPr>
-        <p:blipFill>
+        <p:blipFill rotWithShape="1">
           <a:blip r:embed="rId3"/>
-          <a:stretch>
-            <a:fillRect/>
-          </a:stretch>
+          <a:srcRect b="49331"/>
+          <a:stretch/>
         </p:blipFill>
         <p:spPr>
           <a:xfrm>
             <a:off x="5172861" y="3638761"/>
-            <a:ext cx="6745267" cy="3029654"/>
+            <a:ext cx="6745267" cy="1535096"/>
           </a:xfrm>
           <a:prstGeom prst="rect">
             <a:avLst/>
@@ -40691,8 +43965,60 @@
         </p:nvSpPr>
         <p:spPr>
           <a:xfrm>
-            <a:off x="94370" y="2871987"/>
-            <a:ext cx="2395470" cy="3796427"/>
+            <a:off x="94370" y="4310743"/>
+            <a:ext cx="2395470" cy="2357671"/>
+          </a:xfrm>
+          <a:prstGeom prst="rect">
+            <a:avLst/>
+          </a:prstGeom>
+          <a:noFill/>
+          <a:ln w="38100">
+            <a:solidFill>
+              <a:srgbClr val="FF0000"/>
+            </a:solidFill>
+          </a:ln>
+        </p:spPr>
+        <p:style>
+          <a:lnRef idx="2">
+            <a:schemeClr val="accent1">
+              <a:shade val="50000"/>
+            </a:schemeClr>
+          </a:lnRef>
+          <a:fillRef idx="1">
+            <a:schemeClr val="accent1"/>
+          </a:fillRef>
+          <a:effectRef idx="0">
+            <a:schemeClr val="accent1"/>
+          </a:effectRef>
+          <a:fontRef idx="minor">
+            <a:schemeClr val="lt1"/>
+          </a:fontRef>
+        </p:style>
+        <p:txBody>
+          <a:bodyPr rtlCol="0" anchor="ctr"/>
+          <a:lstStyle/>
+          <a:p>
+            <a:pPr algn="ctr"/>
+            <a:endParaRPr lang="es-AR"/>
+          </a:p>
+        </p:txBody>
+      </p:sp>
+      <p:sp>
+        <p:nvSpPr>
+          <p:cNvPr id="3" name="Rectangle 1">
+            <a:extLst>
+              <a:ext uri="{FF2B5EF4-FFF2-40B4-BE49-F238E27FC236}">
+                <a16:creationId xmlns:a16="http://schemas.microsoft.com/office/drawing/2014/main" id="{7C6128E6-BB50-820F-C3D5-7522CC6C2FF2}"/>
+              </a:ext>
+            </a:extLst>
+          </p:cNvPr>
+          <p:cNvSpPr/>
+          <p:nvPr/>
+        </p:nvSpPr>
+        <p:spPr>
+          <a:xfrm>
+            <a:off x="5288542" y="3831771"/>
+            <a:ext cx="6418351" cy="1321817"/>
           </a:xfrm>
           <a:prstGeom prst="rect">
             <a:avLst/>
@@ -42943,8 +46269,8 @@
         </p:blipFill>
         <p:spPr>
           <a:xfrm rot="16200000">
-            <a:off x="3036154" y="3051777"/>
-            <a:ext cx="2976236" cy="2774263"/>
+            <a:off x="2938674" y="2907119"/>
+            <a:ext cx="3125977" cy="2913842"/>
           </a:xfrm>
           <a:prstGeom prst="rect">
             <a:avLst/>

--- a/clase_6/teoria/RNN.E2.pptx
+++ b/clase_6/teoria/RNN.E2.pptx
@@ -21,11 +21,11 @@
     <p:sldId id="301" r:id="rId15"/>
     <p:sldId id="302" r:id="rId16"/>
     <p:sldId id="323" r:id="rId17"/>
-    <p:sldId id="300" r:id="rId18"/>
-    <p:sldId id="306" r:id="rId19"/>
-    <p:sldId id="304" r:id="rId20"/>
-    <p:sldId id="327" r:id="rId21"/>
-    <p:sldId id="342" r:id="rId22"/>
+    <p:sldId id="306" r:id="rId18"/>
+    <p:sldId id="304" r:id="rId19"/>
+    <p:sldId id="327" r:id="rId20"/>
+    <p:sldId id="342" r:id="rId21"/>
+    <p:sldId id="300" r:id="rId22"/>
     <p:sldId id="313" r:id="rId23"/>
     <p:sldId id="349" r:id="rId24"/>
     <p:sldId id="344" r:id="rId25"/>
@@ -143,16 +143,24 @@
 </p:presentation>
 </file>
 
-<file path=ppt/revisionInfo.xml><?xml version="1.0" encoding="utf-8"?>
-<p1510:revInfo xmlns:a="http://schemas.openxmlformats.org/drawingml/2006/main" xmlns:r="http://schemas.openxmlformats.org/officeDocument/2006/relationships" xmlns:p1510="http://schemas.microsoft.com/office/powerpoint/2015/10/main">
-  <p1510:revLst>
-    <p1510:client id="{69209DB1-11CC-4DAF-B51D-51445CD12554}" v="57" dt="2023-09-29T16:20:28.098"/>
-  </p1510:revLst>
-</p1510:revInfo>
-</file>
-
 <file path=ppt/changesInfos/changesInfo1.xml><?xml version="1.0" encoding="utf-8"?>
 <pc:chgInfo xmlns:a="http://schemas.openxmlformats.org/drawingml/2006/main" xmlns:r="http://schemas.openxmlformats.org/officeDocument/2006/relationships" xmlns:ac="http://schemas.microsoft.com/office/drawing/2013/main/command" xmlns:pc="http://schemas.microsoft.com/office/powerpoint/2013/main/command">
+  <pc:docChgLst>
+    <pc:chgData name="Marcos Maillot" userId="fa14b39d-e966-4ebb-a436-4f96f84b9577" providerId="ADAL" clId="{D6187511-FE12-430A-B356-9D2D65020E76}"/>
+    <pc:docChg chg="modSld sldOrd">
+      <pc:chgData name="Marcos Maillot" userId="fa14b39d-e966-4ebb-a436-4f96f84b9577" providerId="ADAL" clId="{D6187511-FE12-430A-B356-9D2D65020E76}" dt="2023-11-13T21:53:13.125" v="1"/>
+      <pc:docMkLst>
+        <pc:docMk/>
+      </pc:docMkLst>
+      <pc:sldChg chg="ord">
+        <pc:chgData name="Marcos Maillot" userId="fa14b39d-e966-4ebb-a436-4f96f84b9577" providerId="ADAL" clId="{D6187511-FE12-430A-B356-9D2D65020E76}" dt="2023-11-13T21:53:13.125" v="1"/>
+        <pc:sldMkLst>
+          <pc:docMk/>
+          <pc:sldMk cId="2228027329" sldId="300"/>
+        </pc:sldMkLst>
+      </pc:sldChg>
+    </pc:docChg>
+  </pc:docChgLst>
   <pc:docChgLst>
     <pc:chgData name="Marcos Maillot" userId="fa14b39d-e966-4ebb-a436-4f96f84b9577" providerId="ADAL" clId="{69209DB1-11CC-4DAF-B51D-51445CD12554}"/>
     <pc:docChg chg="undo custSel addSld modSld">
@@ -547,6 +555,85 @@
             <ac:spMk id="8" creationId="{42273EB3-AA8C-9E6E-7291-FB420C0C5EAE}"/>
           </ac:spMkLst>
         </pc:spChg>
+      </pc:sldChg>
+    </pc:docChg>
+  </pc:docChgLst>
+  <pc:docChgLst>
+    <pc:chgData name="Marcos Maillot" userId="fa14b39d-e966-4ebb-a436-4f96f84b9577" providerId="ADAL" clId="{2B7E8ED4-523A-4B52-80E9-404654459EAC}"/>
+    <pc:docChg chg="custSel modSld">
+      <pc:chgData name="Marcos Maillot" userId="fa14b39d-e966-4ebb-a436-4f96f84b9577" providerId="ADAL" clId="{2B7E8ED4-523A-4B52-80E9-404654459EAC}" dt="2024-04-05T19:53:00.641" v="12" actId="1076"/>
+      <pc:docMkLst>
+        <pc:docMk/>
+      </pc:docMkLst>
+      <pc:sldChg chg="modSp mod">
+        <pc:chgData name="Marcos Maillot" userId="fa14b39d-e966-4ebb-a436-4f96f84b9577" providerId="ADAL" clId="{2B7E8ED4-523A-4B52-80E9-404654459EAC}" dt="2024-04-05T19:49:53.403" v="5" actId="732"/>
+        <pc:sldMkLst>
+          <pc:docMk/>
+          <pc:sldMk cId="1779667211" sldId="296"/>
+        </pc:sldMkLst>
+        <pc:spChg chg="mod">
+          <ac:chgData name="Marcos Maillot" userId="fa14b39d-e966-4ebb-a436-4f96f84b9577" providerId="ADAL" clId="{2B7E8ED4-523A-4B52-80E9-404654459EAC}" dt="2024-04-05T19:49:09.220" v="1" actId="20577"/>
+          <ac:spMkLst>
+            <pc:docMk/>
+            <pc:sldMk cId="1779667211" sldId="296"/>
+            <ac:spMk id="8" creationId="{00000000-0000-0000-0000-000000000000}"/>
+          </ac:spMkLst>
+        </pc:spChg>
+        <pc:picChg chg="mod modCrop">
+          <ac:chgData name="Marcos Maillot" userId="fa14b39d-e966-4ebb-a436-4f96f84b9577" providerId="ADAL" clId="{2B7E8ED4-523A-4B52-80E9-404654459EAC}" dt="2024-04-05T19:49:53.403" v="5" actId="732"/>
+          <ac:picMkLst>
+            <pc:docMk/>
+            <pc:sldMk cId="1779667211" sldId="296"/>
+            <ac:picMk id="6" creationId="{00000000-0000-0000-0000-000000000000}"/>
+          </ac:picMkLst>
+        </pc:picChg>
+        <pc:picChg chg="mod modCrop">
+          <ac:chgData name="Marcos Maillot" userId="fa14b39d-e966-4ebb-a436-4f96f84b9577" providerId="ADAL" clId="{2B7E8ED4-523A-4B52-80E9-404654459EAC}" dt="2024-04-05T19:49:45.478" v="4" actId="732"/>
+          <ac:picMkLst>
+            <pc:docMk/>
+            <pc:sldMk cId="1779667211" sldId="296"/>
+            <ac:picMk id="7" creationId="{00000000-0000-0000-0000-000000000000}"/>
+          </ac:picMkLst>
+        </pc:picChg>
+      </pc:sldChg>
+      <pc:sldChg chg="delSp modSp mod">
+        <pc:chgData name="Marcos Maillot" userId="fa14b39d-e966-4ebb-a436-4f96f84b9577" providerId="ADAL" clId="{2B7E8ED4-523A-4B52-80E9-404654459EAC}" dt="2024-04-05T19:53:00.641" v="12" actId="1076"/>
+        <pc:sldMkLst>
+          <pc:docMk/>
+          <pc:sldMk cId="214906062" sldId="313"/>
+        </pc:sldMkLst>
+        <pc:spChg chg="mod">
+          <ac:chgData name="Marcos Maillot" userId="fa14b39d-e966-4ebb-a436-4f96f84b9577" providerId="ADAL" clId="{2B7E8ED4-523A-4B52-80E9-404654459EAC}" dt="2024-04-05T19:53:00.641" v="12" actId="1076"/>
+          <ac:spMkLst>
+            <pc:docMk/>
+            <pc:sldMk cId="214906062" sldId="313"/>
+            <ac:spMk id="3" creationId="{00000000-0000-0000-0000-000000000000}"/>
+          </ac:spMkLst>
+        </pc:spChg>
+        <pc:spChg chg="del">
+          <ac:chgData name="Marcos Maillot" userId="fa14b39d-e966-4ebb-a436-4f96f84b9577" providerId="ADAL" clId="{2B7E8ED4-523A-4B52-80E9-404654459EAC}" dt="2024-04-05T19:52:43.495" v="6" actId="478"/>
+          <ac:spMkLst>
+            <pc:docMk/>
+            <pc:sldMk cId="214906062" sldId="313"/>
+            <ac:spMk id="4" creationId="{00000000-0000-0000-0000-000000000000}"/>
+          </ac:spMkLst>
+        </pc:spChg>
+        <pc:spChg chg="del">
+          <ac:chgData name="Marcos Maillot" userId="fa14b39d-e966-4ebb-a436-4f96f84b9577" providerId="ADAL" clId="{2B7E8ED4-523A-4B52-80E9-404654459EAC}" dt="2024-04-05T19:52:45.880" v="7" actId="478"/>
+          <ac:spMkLst>
+            <pc:docMk/>
+            <pc:sldMk cId="214906062" sldId="313"/>
+            <ac:spMk id="7" creationId="{00000000-0000-0000-0000-000000000000}"/>
+          </ac:spMkLst>
+        </pc:spChg>
+        <pc:picChg chg="mod">
+          <ac:chgData name="Marcos Maillot" userId="fa14b39d-e966-4ebb-a436-4f96f84b9577" providerId="ADAL" clId="{2B7E8ED4-523A-4B52-80E9-404654459EAC}" dt="2024-04-05T19:52:50.749" v="10" actId="1076"/>
+          <ac:picMkLst>
+            <pc:docMk/>
+            <pc:sldMk cId="214906062" sldId="313"/>
+            <ac:picMk id="8" creationId="{00000000-0000-0000-0000-000000000000}"/>
+          </ac:picMkLst>
+        </pc:picChg>
       </pc:sldChg>
     </pc:docChg>
   </pc:docChgLst>
@@ -6250,7 +6337,7 @@
           <a:p>
             <a:fld id="{849DE176-146E-4F1E-BCCE-E46272DCA095}" type="datetimeFigureOut">
               <a:rPr lang="es-AR" smtClean="0"/>
-              <a:t>29/9/2023</a:t>
+              <a:t>5/4/2024</a:t>
             </a:fld>
             <a:endParaRPr lang="es-AR"/>
           </a:p>
@@ -6517,7 +6604,7 @@
           <a:p>
             <a:fld id="{849DE176-146E-4F1E-BCCE-E46272DCA095}" type="datetimeFigureOut">
               <a:rPr lang="es-AR" smtClean="0"/>
-              <a:t>29/9/2023</a:t>
+              <a:t>5/4/2024</a:t>
             </a:fld>
             <a:endParaRPr lang="es-AR"/>
           </a:p>
@@ -6713,7 +6800,7 @@
           <a:p>
             <a:fld id="{849DE176-146E-4F1E-BCCE-E46272DCA095}" type="datetimeFigureOut">
               <a:rPr lang="es-AR" smtClean="0"/>
-              <a:t>29/9/2023</a:t>
+              <a:t>5/4/2024</a:t>
             </a:fld>
             <a:endParaRPr lang="es-AR"/>
           </a:p>
@@ -6976,7 +7063,7 @@
           <a:p>
             <a:fld id="{849DE176-146E-4F1E-BCCE-E46272DCA095}" type="datetimeFigureOut">
               <a:rPr lang="es-AR" smtClean="0"/>
-              <a:t>29/9/2023</a:t>
+              <a:t>5/4/2024</a:t>
             </a:fld>
             <a:endParaRPr lang="es-AR"/>
           </a:p>
@@ -7410,7 +7497,7 @@
           <a:p>
             <a:fld id="{849DE176-146E-4F1E-BCCE-E46272DCA095}" type="datetimeFigureOut">
               <a:rPr lang="es-AR" smtClean="0"/>
-              <a:t>29/9/2023</a:t>
+              <a:t>5/4/2024</a:t>
             </a:fld>
             <a:endParaRPr lang="es-AR"/>
           </a:p>
@@ -7956,7 +8043,7 @@
           <a:p>
             <a:fld id="{849DE176-146E-4F1E-BCCE-E46272DCA095}" type="datetimeFigureOut">
               <a:rPr lang="es-AR" smtClean="0"/>
-              <a:t>29/9/2023</a:t>
+              <a:t>5/4/2024</a:t>
             </a:fld>
             <a:endParaRPr lang="es-AR"/>
           </a:p>
@@ -8676,7 +8763,7 @@
           <a:p>
             <a:fld id="{849DE176-146E-4F1E-BCCE-E46272DCA095}" type="datetimeFigureOut">
               <a:rPr lang="es-AR" smtClean="0"/>
-              <a:t>29/9/2023</a:t>
+              <a:t>5/4/2024</a:t>
             </a:fld>
             <a:endParaRPr lang="es-AR"/>
           </a:p>
@@ -8846,7 +8933,7 @@
           <a:p>
             <a:fld id="{849DE176-146E-4F1E-BCCE-E46272DCA095}" type="datetimeFigureOut">
               <a:rPr lang="es-AR" smtClean="0"/>
-              <a:t>29/9/2023</a:t>
+              <a:t>5/4/2024</a:t>
             </a:fld>
             <a:endParaRPr lang="es-AR"/>
           </a:p>
@@ -9026,7 +9113,7 @@
           <a:p>
             <a:fld id="{849DE176-146E-4F1E-BCCE-E46272DCA095}" type="datetimeFigureOut">
               <a:rPr lang="es-AR" smtClean="0"/>
-              <a:t>29/9/2023</a:t>
+              <a:t>5/4/2024</a:t>
             </a:fld>
             <a:endParaRPr lang="es-AR"/>
           </a:p>
@@ -9196,7 +9283,7 @@
           <a:p>
             <a:fld id="{849DE176-146E-4F1E-BCCE-E46272DCA095}" type="datetimeFigureOut">
               <a:rPr lang="es-AR" smtClean="0"/>
-              <a:t>29/9/2023</a:t>
+              <a:t>5/4/2024</a:t>
             </a:fld>
             <a:endParaRPr lang="es-AR"/>
           </a:p>
@@ -9446,7 +9533,7 @@
           <a:p>
             <a:fld id="{849DE176-146E-4F1E-BCCE-E46272DCA095}" type="datetimeFigureOut">
               <a:rPr lang="es-AR" smtClean="0"/>
-              <a:t>29/9/2023</a:t>
+              <a:t>5/4/2024</a:t>
             </a:fld>
             <a:endParaRPr lang="es-AR"/>
           </a:p>
@@ -9678,7 +9765,7 @@
           <a:p>
             <a:fld id="{849DE176-146E-4F1E-BCCE-E46272DCA095}" type="datetimeFigureOut">
               <a:rPr lang="es-AR" smtClean="0"/>
-              <a:t>29/9/2023</a:t>
+              <a:t>5/4/2024</a:t>
             </a:fld>
             <a:endParaRPr lang="es-AR"/>
           </a:p>
@@ -10059,7 +10146,7 @@
           <a:p>
             <a:fld id="{849DE176-146E-4F1E-BCCE-E46272DCA095}" type="datetimeFigureOut">
               <a:rPr lang="es-AR" smtClean="0"/>
-              <a:t>29/9/2023</a:t>
+              <a:t>5/4/2024</a:t>
             </a:fld>
             <a:endParaRPr lang="es-AR"/>
           </a:p>
@@ -10177,7 +10264,7 @@
           <a:p>
             <a:fld id="{849DE176-146E-4F1E-BCCE-E46272DCA095}" type="datetimeFigureOut">
               <a:rPr lang="es-AR" smtClean="0"/>
-              <a:t>29/9/2023</a:t>
+              <a:t>5/4/2024</a:t>
             </a:fld>
             <a:endParaRPr lang="es-AR"/>
           </a:p>
@@ -10272,7 +10359,7 @@
           <a:p>
             <a:fld id="{849DE176-146E-4F1E-BCCE-E46272DCA095}" type="datetimeFigureOut">
               <a:rPr lang="es-AR" smtClean="0"/>
-              <a:t>29/9/2023</a:t>
+              <a:t>5/4/2024</a:t>
             </a:fld>
             <a:endParaRPr lang="es-AR"/>
           </a:p>
@@ -10521,7 +10608,7 @@
           <a:p>
             <a:fld id="{849DE176-146E-4F1E-BCCE-E46272DCA095}" type="datetimeFigureOut">
               <a:rPr lang="es-AR" smtClean="0"/>
-              <a:t>29/9/2023</a:t>
+              <a:t>5/4/2024</a:t>
             </a:fld>
             <a:endParaRPr lang="es-AR"/>
           </a:p>
@@ -10801,7 +10888,7 @@
           <a:p>
             <a:fld id="{849DE176-146E-4F1E-BCCE-E46272DCA095}" type="datetimeFigureOut">
               <a:rPr lang="es-AR" smtClean="0"/>
-              <a:t>29/9/2023</a:t>
+              <a:t>5/4/2024</a:t>
             </a:fld>
             <a:endParaRPr lang="es-AR"/>
           </a:p>
@@ -13902,7 +13989,7 @@
           <a:p>
             <a:fld id="{849DE176-146E-4F1E-BCCE-E46272DCA095}" type="datetimeFigureOut">
               <a:rPr lang="es-AR" smtClean="0"/>
-              <a:t>29/9/2023</a:t>
+              <a:t>5/4/2024</a:t>
             </a:fld>
             <a:endParaRPr lang="es-AR"/>
           </a:p>
@@ -20314,1430 +20401,6 @@
                   <a:schemeClr val="bg1"/>
                 </a:solidFill>
               </a:rPr>
-              <a:t>Arquitecturas flexibles IN/OUT</a:t>
-            </a:r>
-          </a:p>
-        </p:txBody>
-      </p:sp>
-      <p:pic>
-        <p:nvPicPr>
-          <p:cNvPr id="4" name="Picture 3"/>
-          <p:cNvPicPr>
-            <a:picLocks noChangeAspect="1"/>
-          </p:cNvPicPr>
-          <p:nvPr/>
-        </p:nvPicPr>
-        <p:blipFill>
-          <a:blip r:embed="rId2">
-            <a:extLst>
-              <a:ext uri="{28A0092B-C50C-407E-A947-70E740481C1C}">
-                <a14:useLocalDpi xmlns:a14="http://schemas.microsoft.com/office/drawing/2010/main" val="0"/>
-              </a:ext>
-            </a:extLst>
-          </a:blip>
-          <a:stretch>
-            <a:fillRect/>
-          </a:stretch>
-        </p:blipFill>
-        <p:spPr>
-          <a:xfrm>
-            <a:off x="0" y="1456452"/>
-            <a:ext cx="12192000" cy="3816307"/>
-          </a:xfrm>
-          <a:prstGeom prst="rect">
-            <a:avLst/>
-          </a:prstGeom>
-        </p:spPr>
-      </p:pic>
-      <p:sp>
-        <p:nvSpPr>
-          <p:cNvPr id="5" name="Subtitle 1"/>
-          <p:cNvSpPr txBox="1">
-            <a:spLocks/>
-          </p:cNvSpPr>
-          <p:nvPr/>
-        </p:nvSpPr>
-        <p:spPr>
-          <a:xfrm>
-            <a:off x="440027" y="5394484"/>
-            <a:ext cx="746976" cy="362372"/>
-          </a:xfrm>
-          <a:prstGeom prst="rect">
-            <a:avLst/>
-          </a:prstGeom>
-        </p:spPr>
-        <p:txBody>
-          <a:bodyPr vert="horz" lIns="91440" tIns="45720" rIns="91440" bIns="45720" rtlCol="0">
-            <a:noAutofit/>
-          </a:bodyPr>
-          <a:lstStyle>
-            <a:lvl1pPr marL="0" indent="0" algn="ctr" defTabSz="914400" rtl="0" eaLnBrk="1" latinLnBrk="0" hangingPunct="1">
-              <a:lnSpc>
-                <a:spcPct val="90000"/>
-              </a:lnSpc>
-              <a:spcBef>
-                <a:spcPts val="1000"/>
-              </a:spcBef>
-              <a:buFont typeface="Arial" panose="020B0604020202020204" pitchFamily="34" charset="0"/>
-              <a:buNone/>
-              <a:defRPr sz="2400" kern="1200">
-                <a:solidFill>
-                  <a:schemeClr val="tx1"/>
-                </a:solidFill>
-                <a:latin typeface="+mn-lt"/>
-                <a:ea typeface="+mn-ea"/>
-                <a:cs typeface="+mn-cs"/>
-              </a:defRPr>
-            </a:lvl1pPr>
-            <a:lvl2pPr marL="457200" indent="0" algn="ctr" defTabSz="914400" rtl="0" eaLnBrk="1" latinLnBrk="0" hangingPunct="1">
-              <a:lnSpc>
-                <a:spcPct val="90000"/>
-              </a:lnSpc>
-              <a:spcBef>
-                <a:spcPts val="500"/>
-              </a:spcBef>
-              <a:buFont typeface="Arial" panose="020B0604020202020204" pitchFamily="34" charset="0"/>
-              <a:buNone/>
-              <a:defRPr sz="2000" kern="1200">
-                <a:solidFill>
-                  <a:schemeClr val="tx1"/>
-                </a:solidFill>
-                <a:latin typeface="+mn-lt"/>
-                <a:ea typeface="+mn-ea"/>
-                <a:cs typeface="+mn-cs"/>
-              </a:defRPr>
-            </a:lvl2pPr>
-            <a:lvl3pPr marL="914400" indent="0" algn="ctr" defTabSz="914400" rtl="0" eaLnBrk="1" latinLnBrk="0" hangingPunct="1">
-              <a:lnSpc>
-                <a:spcPct val="90000"/>
-              </a:lnSpc>
-              <a:spcBef>
-                <a:spcPts val="500"/>
-              </a:spcBef>
-              <a:buFont typeface="Arial" panose="020B0604020202020204" pitchFamily="34" charset="0"/>
-              <a:buNone/>
-              <a:defRPr sz="1800" kern="1200">
-                <a:solidFill>
-                  <a:schemeClr val="tx1"/>
-                </a:solidFill>
-                <a:latin typeface="+mn-lt"/>
-                <a:ea typeface="+mn-ea"/>
-                <a:cs typeface="+mn-cs"/>
-              </a:defRPr>
-            </a:lvl3pPr>
-            <a:lvl4pPr marL="1371600" indent="0" algn="ctr" defTabSz="914400" rtl="0" eaLnBrk="1" latinLnBrk="0" hangingPunct="1">
-              <a:lnSpc>
-                <a:spcPct val="90000"/>
-              </a:lnSpc>
-              <a:spcBef>
-                <a:spcPts val="500"/>
-              </a:spcBef>
-              <a:buFont typeface="Arial" panose="020B0604020202020204" pitchFamily="34" charset="0"/>
-              <a:buNone/>
-              <a:defRPr sz="1600" kern="1200">
-                <a:solidFill>
-                  <a:schemeClr val="tx1"/>
-                </a:solidFill>
-                <a:latin typeface="+mn-lt"/>
-                <a:ea typeface="+mn-ea"/>
-                <a:cs typeface="+mn-cs"/>
-              </a:defRPr>
-            </a:lvl4pPr>
-            <a:lvl5pPr marL="1828800" indent="0" algn="ctr" defTabSz="914400" rtl="0" eaLnBrk="1" latinLnBrk="0" hangingPunct="1">
-              <a:lnSpc>
-                <a:spcPct val="90000"/>
-              </a:lnSpc>
-              <a:spcBef>
-                <a:spcPts val="500"/>
-              </a:spcBef>
-              <a:buFont typeface="Arial" panose="020B0604020202020204" pitchFamily="34" charset="0"/>
-              <a:buNone/>
-              <a:defRPr sz="1600" kern="1200">
-                <a:solidFill>
-                  <a:schemeClr val="tx1"/>
-                </a:solidFill>
-                <a:latin typeface="+mn-lt"/>
-                <a:ea typeface="+mn-ea"/>
-                <a:cs typeface="+mn-cs"/>
-              </a:defRPr>
-            </a:lvl5pPr>
-            <a:lvl6pPr marL="2286000" indent="0" algn="ctr" defTabSz="914400" rtl="0" eaLnBrk="1" latinLnBrk="0" hangingPunct="1">
-              <a:lnSpc>
-                <a:spcPct val="90000"/>
-              </a:lnSpc>
-              <a:spcBef>
-                <a:spcPts val="500"/>
-              </a:spcBef>
-              <a:buFont typeface="Arial" panose="020B0604020202020204" pitchFamily="34" charset="0"/>
-              <a:buNone/>
-              <a:defRPr sz="1600" kern="1200">
-                <a:solidFill>
-                  <a:schemeClr val="tx1"/>
-                </a:solidFill>
-                <a:latin typeface="+mn-lt"/>
-                <a:ea typeface="+mn-ea"/>
-                <a:cs typeface="+mn-cs"/>
-              </a:defRPr>
-            </a:lvl6pPr>
-            <a:lvl7pPr marL="2743200" indent="0" algn="ctr" defTabSz="914400" rtl="0" eaLnBrk="1" latinLnBrk="0" hangingPunct="1">
-              <a:lnSpc>
-                <a:spcPct val="90000"/>
-              </a:lnSpc>
-              <a:spcBef>
-                <a:spcPts val="500"/>
-              </a:spcBef>
-              <a:buFont typeface="Arial" panose="020B0604020202020204" pitchFamily="34" charset="0"/>
-              <a:buNone/>
-              <a:defRPr sz="1600" kern="1200">
-                <a:solidFill>
-                  <a:schemeClr val="tx1"/>
-                </a:solidFill>
-                <a:latin typeface="+mn-lt"/>
-                <a:ea typeface="+mn-ea"/>
-                <a:cs typeface="+mn-cs"/>
-              </a:defRPr>
-            </a:lvl7pPr>
-            <a:lvl8pPr marL="3200400" indent="0" algn="ctr" defTabSz="914400" rtl="0" eaLnBrk="1" latinLnBrk="0" hangingPunct="1">
-              <a:lnSpc>
-                <a:spcPct val="90000"/>
-              </a:lnSpc>
-              <a:spcBef>
-                <a:spcPts val="500"/>
-              </a:spcBef>
-              <a:buFont typeface="Arial" panose="020B0604020202020204" pitchFamily="34" charset="0"/>
-              <a:buNone/>
-              <a:defRPr sz="1600" kern="1200">
-                <a:solidFill>
-                  <a:schemeClr val="tx1"/>
-                </a:solidFill>
-                <a:latin typeface="+mn-lt"/>
-                <a:ea typeface="+mn-ea"/>
-                <a:cs typeface="+mn-cs"/>
-              </a:defRPr>
-            </a:lvl8pPr>
-            <a:lvl9pPr marL="3657600" indent="0" algn="ctr" defTabSz="914400" rtl="0" eaLnBrk="1" latinLnBrk="0" hangingPunct="1">
-              <a:lnSpc>
-                <a:spcPct val="90000"/>
-              </a:lnSpc>
-              <a:spcBef>
-                <a:spcPts val="500"/>
-              </a:spcBef>
-              <a:buFont typeface="Arial" panose="020B0604020202020204" pitchFamily="34" charset="0"/>
-              <a:buNone/>
-              <a:defRPr sz="1600" kern="1200">
-                <a:solidFill>
-                  <a:schemeClr val="tx1"/>
-                </a:solidFill>
-                <a:latin typeface="+mn-lt"/>
-                <a:ea typeface="+mn-ea"/>
-                <a:cs typeface="+mn-cs"/>
-              </a:defRPr>
-            </a:lvl9pPr>
-          </a:lstStyle>
-          <a:p>
-            <a:pPr algn="l"/>
-            <a:r>
-              <a:rPr lang="es-AR" sz="2000" dirty="0">
-                <a:solidFill>
-                  <a:schemeClr val="bg1"/>
-                </a:solidFill>
-              </a:rPr>
-              <a:t>MLP</a:t>
-            </a:r>
-          </a:p>
-        </p:txBody>
-      </p:sp>
-      <p:sp>
-        <p:nvSpPr>
-          <p:cNvPr id="6" name="Subtitle 1"/>
-          <p:cNvSpPr txBox="1">
-            <a:spLocks/>
-          </p:cNvSpPr>
-          <p:nvPr/>
-        </p:nvSpPr>
-        <p:spPr>
-          <a:xfrm>
-            <a:off x="1891047" y="5394484"/>
-            <a:ext cx="1843826" cy="523358"/>
-          </a:xfrm>
-          <a:prstGeom prst="rect">
-            <a:avLst/>
-          </a:prstGeom>
-        </p:spPr>
-        <p:txBody>
-          <a:bodyPr vert="horz" lIns="91440" tIns="45720" rIns="91440" bIns="45720" rtlCol="0">
-            <a:noAutofit/>
-          </a:bodyPr>
-          <a:lstStyle>
-            <a:lvl1pPr marL="0" indent="0" algn="ctr" defTabSz="914400" rtl="0" eaLnBrk="1" latinLnBrk="0" hangingPunct="1">
-              <a:lnSpc>
-                <a:spcPct val="90000"/>
-              </a:lnSpc>
-              <a:spcBef>
-                <a:spcPts val="1000"/>
-              </a:spcBef>
-              <a:buFont typeface="Arial" panose="020B0604020202020204" pitchFamily="34" charset="0"/>
-              <a:buNone/>
-              <a:defRPr sz="2400" kern="1200">
-                <a:solidFill>
-                  <a:schemeClr val="tx1"/>
-                </a:solidFill>
-                <a:latin typeface="+mn-lt"/>
-                <a:ea typeface="+mn-ea"/>
-                <a:cs typeface="+mn-cs"/>
-              </a:defRPr>
-            </a:lvl1pPr>
-            <a:lvl2pPr marL="457200" indent="0" algn="ctr" defTabSz="914400" rtl="0" eaLnBrk="1" latinLnBrk="0" hangingPunct="1">
-              <a:lnSpc>
-                <a:spcPct val="90000"/>
-              </a:lnSpc>
-              <a:spcBef>
-                <a:spcPts val="500"/>
-              </a:spcBef>
-              <a:buFont typeface="Arial" panose="020B0604020202020204" pitchFamily="34" charset="0"/>
-              <a:buNone/>
-              <a:defRPr sz="2000" kern="1200">
-                <a:solidFill>
-                  <a:schemeClr val="tx1"/>
-                </a:solidFill>
-                <a:latin typeface="+mn-lt"/>
-                <a:ea typeface="+mn-ea"/>
-                <a:cs typeface="+mn-cs"/>
-              </a:defRPr>
-            </a:lvl2pPr>
-            <a:lvl3pPr marL="914400" indent="0" algn="ctr" defTabSz="914400" rtl="0" eaLnBrk="1" latinLnBrk="0" hangingPunct="1">
-              <a:lnSpc>
-                <a:spcPct val="90000"/>
-              </a:lnSpc>
-              <a:spcBef>
-                <a:spcPts val="500"/>
-              </a:spcBef>
-              <a:buFont typeface="Arial" panose="020B0604020202020204" pitchFamily="34" charset="0"/>
-              <a:buNone/>
-              <a:defRPr sz="1800" kern="1200">
-                <a:solidFill>
-                  <a:schemeClr val="tx1"/>
-                </a:solidFill>
-                <a:latin typeface="+mn-lt"/>
-                <a:ea typeface="+mn-ea"/>
-                <a:cs typeface="+mn-cs"/>
-              </a:defRPr>
-            </a:lvl3pPr>
-            <a:lvl4pPr marL="1371600" indent="0" algn="ctr" defTabSz="914400" rtl="0" eaLnBrk="1" latinLnBrk="0" hangingPunct="1">
-              <a:lnSpc>
-                <a:spcPct val="90000"/>
-              </a:lnSpc>
-              <a:spcBef>
-                <a:spcPts val="500"/>
-              </a:spcBef>
-              <a:buFont typeface="Arial" panose="020B0604020202020204" pitchFamily="34" charset="0"/>
-              <a:buNone/>
-              <a:defRPr sz="1600" kern="1200">
-                <a:solidFill>
-                  <a:schemeClr val="tx1"/>
-                </a:solidFill>
-                <a:latin typeface="+mn-lt"/>
-                <a:ea typeface="+mn-ea"/>
-                <a:cs typeface="+mn-cs"/>
-              </a:defRPr>
-            </a:lvl4pPr>
-            <a:lvl5pPr marL="1828800" indent="0" algn="ctr" defTabSz="914400" rtl="0" eaLnBrk="1" latinLnBrk="0" hangingPunct="1">
-              <a:lnSpc>
-                <a:spcPct val="90000"/>
-              </a:lnSpc>
-              <a:spcBef>
-                <a:spcPts val="500"/>
-              </a:spcBef>
-              <a:buFont typeface="Arial" panose="020B0604020202020204" pitchFamily="34" charset="0"/>
-              <a:buNone/>
-              <a:defRPr sz="1600" kern="1200">
-                <a:solidFill>
-                  <a:schemeClr val="tx1"/>
-                </a:solidFill>
-                <a:latin typeface="+mn-lt"/>
-                <a:ea typeface="+mn-ea"/>
-                <a:cs typeface="+mn-cs"/>
-              </a:defRPr>
-            </a:lvl5pPr>
-            <a:lvl6pPr marL="2286000" indent="0" algn="ctr" defTabSz="914400" rtl="0" eaLnBrk="1" latinLnBrk="0" hangingPunct="1">
-              <a:lnSpc>
-                <a:spcPct val="90000"/>
-              </a:lnSpc>
-              <a:spcBef>
-                <a:spcPts val="500"/>
-              </a:spcBef>
-              <a:buFont typeface="Arial" panose="020B0604020202020204" pitchFamily="34" charset="0"/>
-              <a:buNone/>
-              <a:defRPr sz="1600" kern="1200">
-                <a:solidFill>
-                  <a:schemeClr val="tx1"/>
-                </a:solidFill>
-                <a:latin typeface="+mn-lt"/>
-                <a:ea typeface="+mn-ea"/>
-                <a:cs typeface="+mn-cs"/>
-              </a:defRPr>
-            </a:lvl6pPr>
-            <a:lvl7pPr marL="2743200" indent="0" algn="ctr" defTabSz="914400" rtl="0" eaLnBrk="1" latinLnBrk="0" hangingPunct="1">
-              <a:lnSpc>
-                <a:spcPct val="90000"/>
-              </a:lnSpc>
-              <a:spcBef>
-                <a:spcPts val="500"/>
-              </a:spcBef>
-              <a:buFont typeface="Arial" panose="020B0604020202020204" pitchFamily="34" charset="0"/>
-              <a:buNone/>
-              <a:defRPr sz="1600" kern="1200">
-                <a:solidFill>
-                  <a:schemeClr val="tx1"/>
-                </a:solidFill>
-                <a:latin typeface="+mn-lt"/>
-                <a:ea typeface="+mn-ea"/>
-                <a:cs typeface="+mn-cs"/>
-              </a:defRPr>
-            </a:lvl7pPr>
-            <a:lvl8pPr marL="3200400" indent="0" algn="ctr" defTabSz="914400" rtl="0" eaLnBrk="1" latinLnBrk="0" hangingPunct="1">
-              <a:lnSpc>
-                <a:spcPct val="90000"/>
-              </a:lnSpc>
-              <a:spcBef>
-                <a:spcPts val="500"/>
-              </a:spcBef>
-              <a:buFont typeface="Arial" panose="020B0604020202020204" pitchFamily="34" charset="0"/>
-              <a:buNone/>
-              <a:defRPr sz="1600" kern="1200">
-                <a:solidFill>
-                  <a:schemeClr val="tx1"/>
-                </a:solidFill>
-                <a:latin typeface="+mn-lt"/>
-                <a:ea typeface="+mn-ea"/>
-                <a:cs typeface="+mn-cs"/>
-              </a:defRPr>
-            </a:lvl8pPr>
-            <a:lvl9pPr marL="3657600" indent="0" algn="ctr" defTabSz="914400" rtl="0" eaLnBrk="1" latinLnBrk="0" hangingPunct="1">
-              <a:lnSpc>
-                <a:spcPct val="90000"/>
-              </a:lnSpc>
-              <a:spcBef>
-                <a:spcPts val="500"/>
-              </a:spcBef>
-              <a:buFont typeface="Arial" panose="020B0604020202020204" pitchFamily="34" charset="0"/>
-              <a:buNone/>
-              <a:defRPr sz="1600" kern="1200">
-                <a:solidFill>
-                  <a:schemeClr val="tx1"/>
-                </a:solidFill>
-                <a:latin typeface="+mn-lt"/>
-                <a:ea typeface="+mn-ea"/>
-                <a:cs typeface="+mn-cs"/>
-              </a:defRPr>
-            </a:lvl9pPr>
-          </a:lstStyle>
-          <a:p>
-            <a:pPr algn="l"/>
-            <a:r>
-              <a:rPr lang="es-AR" sz="1800" dirty="0" err="1">
-                <a:solidFill>
-                  <a:schemeClr val="bg1"/>
-                </a:solidFill>
-              </a:rPr>
-              <a:t>Img</a:t>
-            </a:r>
-            <a:r>
-              <a:rPr lang="es-AR" sz="1800" dirty="0">
-                <a:solidFill>
-                  <a:schemeClr val="bg1"/>
-                </a:solidFill>
-              </a:rPr>
-              <a:t> </a:t>
-            </a:r>
-            <a:r>
-              <a:rPr lang="es-AR" sz="1800" dirty="0" err="1">
-                <a:solidFill>
-                  <a:schemeClr val="bg1"/>
-                </a:solidFill>
-              </a:rPr>
-              <a:t>captioning</a:t>
-            </a:r>
-            <a:endParaRPr lang="es-AR" sz="1800" dirty="0">
-              <a:solidFill>
-                <a:schemeClr val="bg1"/>
-              </a:solidFill>
-            </a:endParaRPr>
-          </a:p>
-        </p:txBody>
-      </p:sp>
-      <p:sp>
-        <p:nvSpPr>
-          <p:cNvPr id="7" name="Subtitle 1"/>
-          <p:cNvSpPr txBox="1">
-            <a:spLocks/>
-          </p:cNvSpPr>
-          <p:nvPr/>
-        </p:nvSpPr>
-        <p:spPr>
-          <a:xfrm>
-            <a:off x="4252174" y="4987917"/>
-            <a:ext cx="1981201" cy="813133"/>
-          </a:xfrm>
-          <a:prstGeom prst="rect">
-            <a:avLst/>
-          </a:prstGeom>
-        </p:spPr>
-        <p:txBody>
-          <a:bodyPr vert="horz" lIns="91440" tIns="45720" rIns="91440" bIns="45720" rtlCol="0">
-            <a:noAutofit/>
-          </a:bodyPr>
-          <a:lstStyle>
-            <a:lvl1pPr marL="0" indent="0" algn="ctr" defTabSz="914400" rtl="0" eaLnBrk="1" latinLnBrk="0" hangingPunct="1">
-              <a:lnSpc>
-                <a:spcPct val="90000"/>
-              </a:lnSpc>
-              <a:spcBef>
-                <a:spcPts val="1000"/>
-              </a:spcBef>
-              <a:buFont typeface="Arial" panose="020B0604020202020204" pitchFamily="34" charset="0"/>
-              <a:buNone/>
-              <a:defRPr sz="2400" kern="1200">
-                <a:solidFill>
-                  <a:schemeClr val="tx1"/>
-                </a:solidFill>
-                <a:latin typeface="+mn-lt"/>
-                <a:ea typeface="+mn-ea"/>
-                <a:cs typeface="+mn-cs"/>
-              </a:defRPr>
-            </a:lvl1pPr>
-            <a:lvl2pPr marL="457200" indent="0" algn="ctr" defTabSz="914400" rtl="0" eaLnBrk="1" latinLnBrk="0" hangingPunct="1">
-              <a:lnSpc>
-                <a:spcPct val="90000"/>
-              </a:lnSpc>
-              <a:spcBef>
-                <a:spcPts val="500"/>
-              </a:spcBef>
-              <a:buFont typeface="Arial" panose="020B0604020202020204" pitchFamily="34" charset="0"/>
-              <a:buNone/>
-              <a:defRPr sz="2000" kern="1200">
-                <a:solidFill>
-                  <a:schemeClr val="tx1"/>
-                </a:solidFill>
-                <a:latin typeface="+mn-lt"/>
-                <a:ea typeface="+mn-ea"/>
-                <a:cs typeface="+mn-cs"/>
-              </a:defRPr>
-            </a:lvl2pPr>
-            <a:lvl3pPr marL="914400" indent="0" algn="ctr" defTabSz="914400" rtl="0" eaLnBrk="1" latinLnBrk="0" hangingPunct="1">
-              <a:lnSpc>
-                <a:spcPct val="90000"/>
-              </a:lnSpc>
-              <a:spcBef>
-                <a:spcPts val="500"/>
-              </a:spcBef>
-              <a:buFont typeface="Arial" panose="020B0604020202020204" pitchFamily="34" charset="0"/>
-              <a:buNone/>
-              <a:defRPr sz="1800" kern="1200">
-                <a:solidFill>
-                  <a:schemeClr val="tx1"/>
-                </a:solidFill>
-                <a:latin typeface="+mn-lt"/>
-                <a:ea typeface="+mn-ea"/>
-                <a:cs typeface="+mn-cs"/>
-              </a:defRPr>
-            </a:lvl3pPr>
-            <a:lvl4pPr marL="1371600" indent="0" algn="ctr" defTabSz="914400" rtl="0" eaLnBrk="1" latinLnBrk="0" hangingPunct="1">
-              <a:lnSpc>
-                <a:spcPct val="90000"/>
-              </a:lnSpc>
-              <a:spcBef>
-                <a:spcPts val="500"/>
-              </a:spcBef>
-              <a:buFont typeface="Arial" panose="020B0604020202020204" pitchFamily="34" charset="0"/>
-              <a:buNone/>
-              <a:defRPr sz="1600" kern="1200">
-                <a:solidFill>
-                  <a:schemeClr val="tx1"/>
-                </a:solidFill>
-                <a:latin typeface="+mn-lt"/>
-                <a:ea typeface="+mn-ea"/>
-                <a:cs typeface="+mn-cs"/>
-              </a:defRPr>
-            </a:lvl4pPr>
-            <a:lvl5pPr marL="1828800" indent="0" algn="ctr" defTabSz="914400" rtl="0" eaLnBrk="1" latinLnBrk="0" hangingPunct="1">
-              <a:lnSpc>
-                <a:spcPct val="90000"/>
-              </a:lnSpc>
-              <a:spcBef>
-                <a:spcPts val="500"/>
-              </a:spcBef>
-              <a:buFont typeface="Arial" panose="020B0604020202020204" pitchFamily="34" charset="0"/>
-              <a:buNone/>
-              <a:defRPr sz="1600" kern="1200">
-                <a:solidFill>
-                  <a:schemeClr val="tx1"/>
-                </a:solidFill>
-                <a:latin typeface="+mn-lt"/>
-                <a:ea typeface="+mn-ea"/>
-                <a:cs typeface="+mn-cs"/>
-              </a:defRPr>
-            </a:lvl5pPr>
-            <a:lvl6pPr marL="2286000" indent="0" algn="ctr" defTabSz="914400" rtl="0" eaLnBrk="1" latinLnBrk="0" hangingPunct="1">
-              <a:lnSpc>
-                <a:spcPct val="90000"/>
-              </a:lnSpc>
-              <a:spcBef>
-                <a:spcPts val="500"/>
-              </a:spcBef>
-              <a:buFont typeface="Arial" panose="020B0604020202020204" pitchFamily="34" charset="0"/>
-              <a:buNone/>
-              <a:defRPr sz="1600" kern="1200">
-                <a:solidFill>
-                  <a:schemeClr val="tx1"/>
-                </a:solidFill>
-                <a:latin typeface="+mn-lt"/>
-                <a:ea typeface="+mn-ea"/>
-                <a:cs typeface="+mn-cs"/>
-              </a:defRPr>
-            </a:lvl6pPr>
-            <a:lvl7pPr marL="2743200" indent="0" algn="ctr" defTabSz="914400" rtl="0" eaLnBrk="1" latinLnBrk="0" hangingPunct="1">
-              <a:lnSpc>
-                <a:spcPct val="90000"/>
-              </a:lnSpc>
-              <a:spcBef>
-                <a:spcPts val="500"/>
-              </a:spcBef>
-              <a:buFont typeface="Arial" panose="020B0604020202020204" pitchFamily="34" charset="0"/>
-              <a:buNone/>
-              <a:defRPr sz="1600" kern="1200">
-                <a:solidFill>
-                  <a:schemeClr val="tx1"/>
-                </a:solidFill>
-                <a:latin typeface="+mn-lt"/>
-                <a:ea typeface="+mn-ea"/>
-                <a:cs typeface="+mn-cs"/>
-              </a:defRPr>
-            </a:lvl7pPr>
-            <a:lvl8pPr marL="3200400" indent="0" algn="ctr" defTabSz="914400" rtl="0" eaLnBrk="1" latinLnBrk="0" hangingPunct="1">
-              <a:lnSpc>
-                <a:spcPct val="90000"/>
-              </a:lnSpc>
-              <a:spcBef>
-                <a:spcPts val="500"/>
-              </a:spcBef>
-              <a:buFont typeface="Arial" panose="020B0604020202020204" pitchFamily="34" charset="0"/>
-              <a:buNone/>
-              <a:defRPr sz="1600" kern="1200">
-                <a:solidFill>
-                  <a:schemeClr val="tx1"/>
-                </a:solidFill>
-                <a:latin typeface="+mn-lt"/>
-                <a:ea typeface="+mn-ea"/>
-                <a:cs typeface="+mn-cs"/>
-              </a:defRPr>
-            </a:lvl8pPr>
-            <a:lvl9pPr marL="3657600" indent="0" algn="ctr" defTabSz="914400" rtl="0" eaLnBrk="1" latinLnBrk="0" hangingPunct="1">
-              <a:lnSpc>
-                <a:spcPct val="90000"/>
-              </a:lnSpc>
-              <a:spcBef>
-                <a:spcPts val="500"/>
-              </a:spcBef>
-              <a:buFont typeface="Arial" panose="020B0604020202020204" pitchFamily="34" charset="0"/>
-              <a:buNone/>
-              <a:defRPr sz="1600" kern="1200">
-                <a:solidFill>
-                  <a:schemeClr val="tx1"/>
-                </a:solidFill>
-                <a:latin typeface="+mn-lt"/>
-                <a:ea typeface="+mn-ea"/>
-                <a:cs typeface="+mn-cs"/>
-              </a:defRPr>
-            </a:lvl9pPr>
-          </a:lstStyle>
-          <a:p>
-            <a:pPr algn="l"/>
-            <a:r>
-              <a:rPr lang="es-AR" sz="1800" dirty="0">
-                <a:solidFill>
-                  <a:schemeClr val="bg1"/>
-                </a:solidFill>
-              </a:rPr>
-              <a:t>Regresión</a:t>
-            </a:r>
-          </a:p>
-          <a:p>
-            <a:pPr algn="l"/>
-            <a:r>
-              <a:rPr lang="es-AR" sz="1800" dirty="0" err="1">
-                <a:solidFill>
-                  <a:schemeClr val="bg1"/>
-                </a:solidFill>
-              </a:rPr>
-              <a:t>Classificacion</a:t>
-            </a:r>
-            <a:endParaRPr lang="es-AR" sz="1800" dirty="0">
-              <a:solidFill>
-                <a:schemeClr val="bg1"/>
-              </a:solidFill>
-            </a:endParaRPr>
-          </a:p>
-          <a:p>
-            <a:pPr algn="l"/>
-            <a:r>
-              <a:rPr lang="es-AR" sz="1800" dirty="0" err="1">
-                <a:solidFill>
-                  <a:schemeClr val="bg1"/>
-                </a:solidFill>
-              </a:rPr>
-              <a:t>Sentiment</a:t>
-            </a:r>
-            <a:r>
-              <a:rPr lang="es-AR" sz="1800" dirty="0">
-                <a:solidFill>
-                  <a:schemeClr val="bg1"/>
-                </a:solidFill>
-              </a:rPr>
-              <a:t> </a:t>
-            </a:r>
-            <a:r>
-              <a:rPr lang="es-AR" sz="1800" dirty="0" err="1">
-                <a:solidFill>
-                  <a:schemeClr val="bg1"/>
-                </a:solidFill>
-              </a:rPr>
-              <a:t>classification</a:t>
-            </a:r>
-            <a:endParaRPr lang="es-AR" sz="1800" dirty="0">
-              <a:solidFill>
-                <a:schemeClr val="bg1"/>
-              </a:solidFill>
-            </a:endParaRPr>
-          </a:p>
-          <a:p>
-            <a:pPr algn="l"/>
-            <a:r>
-              <a:rPr lang="es-AR" sz="1800" dirty="0">
-                <a:solidFill>
-                  <a:schemeClr val="bg1"/>
-                </a:solidFill>
-              </a:rPr>
-              <a:t>Resumen de videos</a:t>
-            </a:r>
-          </a:p>
-          <a:p>
-            <a:pPr algn="l"/>
-            <a:endParaRPr lang="es-AR" sz="1800" dirty="0">
-              <a:solidFill>
-                <a:schemeClr val="bg1"/>
-              </a:solidFill>
-            </a:endParaRPr>
-          </a:p>
-        </p:txBody>
-      </p:sp>
-      <p:sp>
-        <p:nvSpPr>
-          <p:cNvPr id="8" name="Subtitle 1"/>
-          <p:cNvSpPr txBox="1">
-            <a:spLocks/>
-          </p:cNvSpPr>
-          <p:nvPr/>
-        </p:nvSpPr>
-        <p:spPr>
-          <a:xfrm>
-            <a:off x="6800044" y="5394484"/>
-            <a:ext cx="3103810" cy="523358"/>
-          </a:xfrm>
-          <a:prstGeom prst="rect">
-            <a:avLst/>
-          </a:prstGeom>
-        </p:spPr>
-        <p:txBody>
-          <a:bodyPr vert="horz" lIns="91440" tIns="45720" rIns="91440" bIns="45720" rtlCol="0">
-            <a:noAutofit/>
-          </a:bodyPr>
-          <a:lstStyle>
-            <a:lvl1pPr marL="0" indent="0" algn="ctr" defTabSz="914400" rtl="0" eaLnBrk="1" latinLnBrk="0" hangingPunct="1">
-              <a:lnSpc>
-                <a:spcPct val="90000"/>
-              </a:lnSpc>
-              <a:spcBef>
-                <a:spcPts val="1000"/>
-              </a:spcBef>
-              <a:buFont typeface="Arial" panose="020B0604020202020204" pitchFamily="34" charset="0"/>
-              <a:buNone/>
-              <a:defRPr sz="2400" kern="1200">
-                <a:solidFill>
-                  <a:schemeClr val="tx1"/>
-                </a:solidFill>
-                <a:latin typeface="+mn-lt"/>
-                <a:ea typeface="+mn-ea"/>
-                <a:cs typeface="+mn-cs"/>
-              </a:defRPr>
-            </a:lvl1pPr>
-            <a:lvl2pPr marL="457200" indent="0" algn="ctr" defTabSz="914400" rtl="0" eaLnBrk="1" latinLnBrk="0" hangingPunct="1">
-              <a:lnSpc>
-                <a:spcPct val="90000"/>
-              </a:lnSpc>
-              <a:spcBef>
-                <a:spcPts val="500"/>
-              </a:spcBef>
-              <a:buFont typeface="Arial" panose="020B0604020202020204" pitchFamily="34" charset="0"/>
-              <a:buNone/>
-              <a:defRPr sz="2000" kern="1200">
-                <a:solidFill>
-                  <a:schemeClr val="tx1"/>
-                </a:solidFill>
-                <a:latin typeface="+mn-lt"/>
-                <a:ea typeface="+mn-ea"/>
-                <a:cs typeface="+mn-cs"/>
-              </a:defRPr>
-            </a:lvl2pPr>
-            <a:lvl3pPr marL="914400" indent="0" algn="ctr" defTabSz="914400" rtl="0" eaLnBrk="1" latinLnBrk="0" hangingPunct="1">
-              <a:lnSpc>
-                <a:spcPct val="90000"/>
-              </a:lnSpc>
-              <a:spcBef>
-                <a:spcPts val="500"/>
-              </a:spcBef>
-              <a:buFont typeface="Arial" panose="020B0604020202020204" pitchFamily="34" charset="0"/>
-              <a:buNone/>
-              <a:defRPr sz="1800" kern="1200">
-                <a:solidFill>
-                  <a:schemeClr val="tx1"/>
-                </a:solidFill>
-                <a:latin typeface="+mn-lt"/>
-                <a:ea typeface="+mn-ea"/>
-                <a:cs typeface="+mn-cs"/>
-              </a:defRPr>
-            </a:lvl3pPr>
-            <a:lvl4pPr marL="1371600" indent="0" algn="ctr" defTabSz="914400" rtl="0" eaLnBrk="1" latinLnBrk="0" hangingPunct="1">
-              <a:lnSpc>
-                <a:spcPct val="90000"/>
-              </a:lnSpc>
-              <a:spcBef>
-                <a:spcPts val="500"/>
-              </a:spcBef>
-              <a:buFont typeface="Arial" panose="020B0604020202020204" pitchFamily="34" charset="0"/>
-              <a:buNone/>
-              <a:defRPr sz="1600" kern="1200">
-                <a:solidFill>
-                  <a:schemeClr val="tx1"/>
-                </a:solidFill>
-                <a:latin typeface="+mn-lt"/>
-                <a:ea typeface="+mn-ea"/>
-                <a:cs typeface="+mn-cs"/>
-              </a:defRPr>
-            </a:lvl4pPr>
-            <a:lvl5pPr marL="1828800" indent="0" algn="ctr" defTabSz="914400" rtl="0" eaLnBrk="1" latinLnBrk="0" hangingPunct="1">
-              <a:lnSpc>
-                <a:spcPct val="90000"/>
-              </a:lnSpc>
-              <a:spcBef>
-                <a:spcPts val="500"/>
-              </a:spcBef>
-              <a:buFont typeface="Arial" panose="020B0604020202020204" pitchFamily="34" charset="0"/>
-              <a:buNone/>
-              <a:defRPr sz="1600" kern="1200">
-                <a:solidFill>
-                  <a:schemeClr val="tx1"/>
-                </a:solidFill>
-                <a:latin typeface="+mn-lt"/>
-                <a:ea typeface="+mn-ea"/>
-                <a:cs typeface="+mn-cs"/>
-              </a:defRPr>
-            </a:lvl5pPr>
-            <a:lvl6pPr marL="2286000" indent="0" algn="ctr" defTabSz="914400" rtl="0" eaLnBrk="1" latinLnBrk="0" hangingPunct="1">
-              <a:lnSpc>
-                <a:spcPct val="90000"/>
-              </a:lnSpc>
-              <a:spcBef>
-                <a:spcPts val="500"/>
-              </a:spcBef>
-              <a:buFont typeface="Arial" panose="020B0604020202020204" pitchFamily="34" charset="0"/>
-              <a:buNone/>
-              <a:defRPr sz="1600" kern="1200">
-                <a:solidFill>
-                  <a:schemeClr val="tx1"/>
-                </a:solidFill>
-                <a:latin typeface="+mn-lt"/>
-                <a:ea typeface="+mn-ea"/>
-                <a:cs typeface="+mn-cs"/>
-              </a:defRPr>
-            </a:lvl6pPr>
-            <a:lvl7pPr marL="2743200" indent="0" algn="ctr" defTabSz="914400" rtl="0" eaLnBrk="1" latinLnBrk="0" hangingPunct="1">
-              <a:lnSpc>
-                <a:spcPct val="90000"/>
-              </a:lnSpc>
-              <a:spcBef>
-                <a:spcPts val="500"/>
-              </a:spcBef>
-              <a:buFont typeface="Arial" panose="020B0604020202020204" pitchFamily="34" charset="0"/>
-              <a:buNone/>
-              <a:defRPr sz="1600" kern="1200">
-                <a:solidFill>
-                  <a:schemeClr val="tx1"/>
-                </a:solidFill>
-                <a:latin typeface="+mn-lt"/>
-                <a:ea typeface="+mn-ea"/>
-                <a:cs typeface="+mn-cs"/>
-              </a:defRPr>
-            </a:lvl7pPr>
-            <a:lvl8pPr marL="3200400" indent="0" algn="ctr" defTabSz="914400" rtl="0" eaLnBrk="1" latinLnBrk="0" hangingPunct="1">
-              <a:lnSpc>
-                <a:spcPct val="90000"/>
-              </a:lnSpc>
-              <a:spcBef>
-                <a:spcPts val="500"/>
-              </a:spcBef>
-              <a:buFont typeface="Arial" panose="020B0604020202020204" pitchFamily="34" charset="0"/>
-              <a:buNone/>
-              <a:defRPr sz="1600" kern="1200">
-                <a:solidFill>
-                  <a:schemeClr val="tx1"/>
-                </a:solidFill>
-                <a:latin typeface="+mn-lt"/>
-                <a:ea typeface="+mn-ea"/>
-                <a:cs typeface="+mn-cs"/>
-              </a:defRPr>
-            </a:lvl8pPr>
-            <a:lvl9pPr marL="3657600" indent="0" algn="ctr" defTabSz="914400" rtl="0" eaLnBrk="1" latinLnBrk="0" hangingPunct="1">
-              <a:lnSpc>
-                <a:spcPct val="90000"/>
-              </a:lnSpc>
-              <a:spcBef>
-                <a:spcPts val="500"/>
-              </a:spcBef>
-              <a:buFont typeface="Arial" panose="020B0604020202020204" pitchFamily="34" charset="0"/>
-              <a:buNone/>
-              <a:defRPr sz="1600" kern="1200">
-                <a:solidFill>
-                  <a:schemeClr val="tx1"/>
-                </a:solidFill>
-                <a:latin typeface="+mn-lt"/>
-                <a:ea typeface="+mn-ea"/>
-                <a:cs typeface="+mn-cs"/>
-              </a:defRPr>
-            </a:lvl9pPr>
-          </a:lstStyle>
-          <a:p>
-            <a:pPr algn="l"/>
-            <a:r>
-              <a:rPr lang="es-AR" sz="1800" dirty="0">
-                <a:solidFill>
-                  <a:schemeClr val="bg1"/>
-                </a:solidFill>
-              </a:rPr>
-              <a:t>Regresión varios futuros</a:t>
-            </a:r>
-          </a:p>
-          <a:p>
-            <a:pPr algn="l"/>
-            <a:r>
-              <a:rPr lang="es-AR" sz="1800" dirty="0">
-                <a:solidFill>
-                  <a:schemeClr val="bg1"/>
-                </a:solidFill>
-              </a:rPr>
-              <a:t>Traducción</a:t>
-            </a:r>
-          </a:p>
-        </p:txBody>
-      </p:sp>
-      <p:sp>
-        <p:nvSpPr>
-          <p:cNvPr id="9" name="Subtitle 1"/>
-          <p:cNvSpPr txBox="1">
-            <a:spLocks/>
-          </p:cNvSpPr>
-          <p:nvPr/>
-        </p:nvSpPr>
-        <p:spPr>
-          <a:xfrm>
-            <a:off x="10043374" y="5394484"/>
-            <a:ext cx="1702158" cy="523358"/>
-          </a:xfrm>
-          <a:prstGeom prst="rect">
-            <a:avLst/>
-          </a:prstGeom>
-        </p:spPr>
-        <p:txBody>
-          <a:bodyPr vert="horz" lIns="91440" tIns="45720" rIns="91440" bIns="45720" rtlCol="0">
-            <a:noAutofit/>
-          </a:bodyPr>
-          <a:lstStyle>
-            <a:lvl1pPr marL="0" indent="0" algn="ctr" defTabSz="914400" rtl="0" eaLnBrk="1" latinLnBrk="0" hangingPunct="1">
-              <a:lnSpc>
-                <a:spcPct val="90000"/>
-              </a:lnSpc>
-              <a:spcBef>
-                <a:spcPts val="1000"/>
-              </a:spcBef>
-              <a:buFont typeface="Arial" panose="020B0604020202020204" pitchFamily="34" charset="0"/>
-              <a:buNone/>
-              <a:defRPr sz="2400" kern="1200">
-                <a:solidFill>
-                  <a:schemeClr val="tx1"/>
-                </a:solidFill>
-                <a:latin typeface="+mn-lt"/>
-                <a:ea typeface="+mn-ea"/>
-                <a:cs typeface="+mn-cs"/>
-              </a:defRPr>
-            </a:lvl1pPr>
-            <a:lvl2pPr marL="457200" indent="0" algn="ctr" defTabSz="914400" rtl="0" eaLnBrk="1" latinLnBrk="0" hangingPunct="1">
-              <a:lnSpc>
-                <a:spcPct val="90000"/>
-              </a:lnSpc>
-              <a:spcBef>
-                <a:spcPts val="500"/>
-              </a:spcBef>
-              <a:buFont typeface="Arial" panose="020B0604020202020204" pitchFamily="34" charset="0"/>
-              <a:buNone/>
-              <a:defRPr sz="2000" kern="1200">
-                <a:solidFill>
-                  <a:schemeClr val="tx1"/>
-                </a:solidFill>
-                <a:latin typeface="+mn-lt"/>
-                <a:ea typeface="+mn-ea"/>
-                <a:cs typeface="+mn-cs"/>
-              </a:defRPr>
-            </a:lvl2pPr>
-            <a:lvl3pPr marL="914400" indent="0" algn="ctr" defTabSz="914400" rtl="0" eaLnBrk="1" latinLnBrk="0" hangingPunct="1">
-              <a:lnSpc>
-                <a:spcPct val="90000"/>
-              </a:lnSpc>
-              <a:spcBef>
-                <a:spcPts val="500"/>
-              </a:spcBef>
-              <a:buFont typeface="Arial" panose="020B0604020202020204" pitchFamily="34" charset="0"/>
-              <a:buNone/>
-              <a:defRPr sz="1800" kern="1200">
-                <a:solidFill>
-                  <a:schemeClr val="tx1"/>
-                </a:solidFill>
-                <a:latin typeface="+mn-lt"/>
-                <a:ea typeface="+mn-ea"/>
-                <a:cs typeface="+mn-cs"/>
-              </a:defRPr>
-            </a:lvl3pPr>
-            <a:lvl4pPr marL="1371600" indent="0" algn="ctr" defTabSz="914400" rtl="0" eaLnBrk="1" latinLnBrk="0" hangingPunct="1">
-              <a:lnSpc>
-                <a:spcPct val="90000"/>
-              </a:lnSpc>
-              <a:spcBef>
-                <a:spcPts val="500"/>
-              </a:spcBef>
-              <a:buFont typeface="Arial" panose="020B0604020202020204" pitchFamily="34" charset="0"/>
-              <a:buNone/>
-              <a:defRPr sz="1600" kern="1200">
-                <a:solidFill>
-                  <a:schemeClr val="tx1"/>
-                </a:solidFill>
-                <a:latin typeface="+mn-lt"/>
-                <a:ea typeface="+mn-ea"/>
-                <a:cs typeface="+mn-cs"/>
-              </a:defRPr>
-            </a:lvl4pPr>
-            <a:lvl5pPr marL="1828800" indent="0" algn="ctr" defTabSz="914400" rtl="0" eaLnBrk="1" latinLnBrk="0" hangingPunct="1">
-              <a:lnSpc>
-                <a:spcPct val="90000"/>
-              </a:lnSpc>
-              <a:spcBef>
-                <a:spcPts val="500"/>
-              </a:spcBef>
-              <a:buFont typeface="Arial" panose="020B0604020202020204" pitchFamily="34" charset="0"/>
-              <a:buNone/>
-              <a:defRPr sz="1600" kern="1200">
-                <a:solidFill>
-                  <a:schemeClr val="tx1"/>
-                </a:solidFill>
-                <a:latin typeface="+mn-lt"/>
-                <a:ea typeface="+mn-ea"/>
-                <a:cs typeface="+mn-cs"/>
-              </a:defRPr>
-            </a:lvl5pPr>
-            <a:lvl6pPr marL="2286000" indent="0" algn="ctr" defTabSz="914400" rtl="0" eaLnBrk="1" latinLnBrk="0" hangingPunct="1">
-              <a:lnSpc>
-                <a:spcPct val="90000"/>
-              </a:lnSpc>
-              <a:spcBef>
-                <a:spcPts val="500"/>
-              </a:spcBef>
-              <a:buFont typeface="Arial" panose="020B0604020202020204" pitchFamily="34" charset="0"/>
-              <a:buNone/>
-              <a:defRPr sz="1600" kern="1200">
-                <a:solidFill>
-                  <a:schemeClr val="tx1"/>
-                </a:solidFill>
-                <a:latin typeface="+mn-lt"/>
-                <a:ea typeface="+mn-ea"/>
-                <a:cs typeface="+mn-cs"/>
-              </a:defRPr>
-            </a:lvl6pPr>
-            <a:lvl7pPr marL="2743200" indent="0" algn="ctr" defTabSz="914400" rtl="0" eaLnBrk="1" latinLnBrk="0" hangingPunct="1">
-              <a:lnSpc>
-                <a:spcPct val="90000"/>
-              </a:lnSpc>
-              <a:spcBef>
-                <a:spcPts val="500"/>
-              </a:spcBef>
-              <a:buFont typeface="Arial" panose="020B0604020202020204" pitchFamily="34" charset="0"/>
-              <a:buNone/>
-              <a:defRPr sz="1600" kern="1200">
-                <a:solidFill>
-                  <a:schemeClr val="tx1"/>
-                </a:solidFill>
-                <a:latin typeface="+mn-lt"/>
-                <a:ea typeface="+mn-ea"/>
-                <a:cs typeface="+mn-cs"/>
-              </a:defRPr>
-            </a:lvl7pPr>
-            <a:lvl8pPr marL="3200400" indent="0" algn="ctr" defTabSz="914400" rtl="0" eaLnBrk="1" latinLnBrk="0" hangingPunct="1">
-              <a:lnSpc>
-                <a:spcPct val="90000"/>
-              </a:lnSpc>
-              <a:spcBef>
-                <a:spcPts val="500"/>
-              </a:spcBef>
-              <a:buFont typeface="Arial" panose="020B0604020202020204" pitchFamily="34" charset="0"/>
-              <a:buNone/>
-              <a:defRPr sz="1600" kern="1200">
-                <a:solidFill>
-                  <a:schemeClr val="tx1"/>
-                </a:solidFill>
-                <a:latin typeface="+mn-lt"/>
-                <a:ea typeface="+mn-ea"/>
-                <a:cs typeface="+mn-cs"/>
-              </a:defRPr>
-            </a:lvl8pPr>
-            <a:lvl9pPr marL="3657600" indent="0" algn="ctr" defTabSz="914400" rtl="0" eaLnBrk="1" latinLnBrk="0" hangingPunct="1">
-              <a:lnSpc>
-                <a:spcPct val="90000"/>
-              </a:lnSpc>
-              <a:spcBef>
-                <a:spcPts val="500"/>
-              </a:spcBef>
-              <a:buFont typeface="Arial" panose="020B0604020202020204" pitchFamily="34" charset="0"/>
-              <a:buNone/>
-              <a:defRPr sz="1600" kern="1200">
-                <a:solidFill>
-                  <a:schemeClr val="tx1"/>
-                </a:solidFill>
-                <a:latin typeface="+mn-lt"/>
-                <a:ea typeface="+mn-ea"/>
-                <a:cs typeface="+mn-cs"/>
-              </a:defRPr>
-            </a:lvl9pPr>
-          </a:lstStyle>
-          <a:p>
-            <a:pPr algn="l"/>
-            <a:r>
-              <a:rPr lang="es-AR" sz="1800" dirty="0">
-                <a:solidFill>
-                  <a:schemeClr val="bg1"/>
-                </a:solidFill>
-              </a:rPr>
-              <a:t>Video </a:t>
-            </a:r>
-            <a:r>
-              <a:rPr lang="es-AR" sz="1800" dirty="0" err="1">
-                <a:solidFill>
-                  <a:schemeClr val="bg1"/>
-                </a:solidFill>
-              </a:rPr>
-              <a:t>class</a:t>
-            </a:r>
-            <a:r>
-              <a:rPr lang="es-AR" sz="1800" dirty="0">
-                <a:solidFill>
-                  <a:schemeClr val="bg1"/>
-                </a:solidFill>
-              </a:rPr>
-              <a:t> </a:t>
-            </a:r>
-            <a:r>
-              <a:rPr lang="es-AR" sz="1800" dirty="0" err="1">
-                <a:solidFill>
-                  <a:schemeClr val="bg1"/>
-                </a:solidFill>
-              </a:rPr>
-              <a:t>frame</a:t>
-            </a:r>
-            <a:r>
-              <a:rPr lang="es-AR" sz="1800" dirty="0">
-                <a:solidFill>
-                  <a:schemeClr val="bg1"/>
-                </a:solidFill>
-              </a:rPr>
-              <a:t> </a:t>
-            </a:r>
-            <a:r>
-              <a:rPr lang="es-AR" sz="1800" dirty="0" err="1">
-                <a:solidFill>
-                  <a:schemeClr val="bg1"/>
-                </a:solidFill>
-              </a:rPr>
-              <a:t>lvl</a:t>
-            </a:r>
-            <a:endParaRPr lang="es-AR" sz="1800" dirty="0">
-              <a:solidFill>
-                <a:schemeClr val="bg1"/>
-              </a:solidFill>
-            </a:endParaRPr>
-          </a:p>
-        </p:txBody>
-      </p:sp>
-    </p:spTree>
-    <p:extLst>
-      <p:ext uri="{BB962C8B-B14F-4D97-AF65-F5344CB8AC3E}">
-        <p14:creationId xmlns:p14="http://schemas.microsoft.com/office/powerpoint/2010/main" val="2228027329"/>
-      </p:ext>
-    </p:extLst>
-  </p:cSld>
-  <p:clrMapOvr>
-    <a:masterClrMapping/>
-  </p:clrMapOvr>
-</p:sld>
-</file>
-
-<file path=ppt/slides/slide18.xml><?xml version="1.0" encoding="utf-8"?>
-<p:sld xmlns:a="http://schemas.openxmlformats.org/drawingml/2006/main" xmlns:r="http://schemas.openxmlformats.org/officeDocument/2006/relationships" xmlns:p="http://schemas.openxmlformats.org/presentationml/2006/main">
-  <p:cSld>
-    <p:spTree>
-      <p:nvGrpSpPr>
-        <p:cNvPr id="1" name=""/>
-        <p:cNvGrpSpPr/>
-        <p:nvPr/>
-      </p:nvGrpSpPr>
-      <p:grpSpPr>
-        <a:xfrm>
-          <a:off x="0" y="0"/>
-          <a:ext cx="0" cy="0"/>
-          <a:chOff x="0" y="0"/>
-          <a:chExt cx="0" cy="0"/>
-        </a:xfrm>
-      </p:grpSpPr>
-      <p:sp>
-        <p:nvSpPr>
-          <p:cNvPr id="2" name="Subtitle 1"/>
-          <p:cNvSpPr txBox="1">
-            <a:spLocks/>
-          </p:cNvSpPr>
-          <p:nvPr/>
-        </p:nvSpPr>
-        <p:spPr>
-          <a:xfrm>
-            <a:off x="296213" y="0"/>
-            <a:ext cx="11694017" cy="811369"/>
-          </a:xfrm>
-          <a:prstGeom prst="rect">
-            <a:avLst/>
-          </a:prstGeom>
-        </p:spPr>
-        <p:txBody>
-          <a:bodyPr vert="horz" lIns="91440" tIns="45720" rIns="91440" bIns="45720" rtlCol="0">
-            <a:noAutofit/>
-          </a:bodyPr>
-          <a:lstStyle>
-            <a:lvl1pPr marL="228600" indent="-228600" algn="l" defTabSz="914400" rtl="0" eaLnBrk="1" latinLnBrk="0" hangingPunct="1">
-              <a:lnSpc>
-                <a:spcPct val="120000"/>
-              </a:lnSpc>
-              <a:spcBef>
-                <a:spcPts val="1000"/>
-              </a:spcBef>
-              <a:buSzPct val="125000"/>
-              <a:buFont typeface="Arial" panose="020B0604020202020204" pitchFamily="34" charset="0"/>
-              <a:buChar char="•"/>
-              <a:defRPr sz="2400" kern="1200">
-                <a:solidFill>
-                  <a:schemeClr val="tx1"/>
-                </a:solidFill>
-                <a:latin typeface="+mn-lt"/>
-                <a:ea typeface="+mn-ea"/>
-                <a:cs typeface="+mn-cs"/>
-              </a:defRPr>
-            </a:lvl1pPr>
-            <a:lvl2pPr marL="685800" indent="-228600" algn="l" defTabSz="914400" rtl="0" eaLnBrk="1" latinLnBrk="0" hangingPunct="1">
-              <a:lnSpc>
-                <a:spcPct val="120000"/>
-              </a:lnSpc>
-              <a:spcBef>
-                <a:spcPts val="500"/>
-              </a:spcBef>
-              <a:buSzPct val="125000"/>
-              <a:buFont typeface="Arial" panose="020B0604020202020204" pitchFamily="34" charset="0"/>
-              <a:buChar char="•"/>
-              <a:defRPr sz="2000" kern="1200">
-                <a:solidFill>
-                  <a:schemeClr val="tx1"/>
-                </a:solidFill>
-                <a:latin typeface="+mn-lt"/>
-                <a:ea typeface="+mn-ea"/>
-                <a:cs typeface="+mn-cs"/>
-              </a:defRPr>
-            </a:lvl2pPr>
-            <a:lvl3pPr marL="1143000" indent="-228600" algn="l" defTabSz="914400" rtl="0" eaLnBrk="1" latinLnBrk="0" hangingPunct="1">
-              <a:lnSpc>
-                <a:spcPct val="120000"/>
-              </a:lnSpc>
-              <a:spcBef>
-                <a:spcPts val="500"/>
-              </a:spcBef>
-              <a:buSzPct val="125000"/>
-              <a:buFont typeface="Arial" panose="020B0604020202020204" pitchFamily="34" charset="0"/>
-              <a:buChar char="•"/>
-              <a:defRPr sz="1800" kern="1200">
-                <a:solidFill>
-                  <a:schemeClr val="tx1"/>
-                </a:solidFill>
-                <a:latin typeface="+mn-lt"/>
-                <a:ea typeface="+mn-ea"/>
-                <a:cs typeface="+mn-cs"/>
-              </a:defRPr>
-            </a:lvl3pPr>
-            <a:lvl4pPr marL="1600200" indent="-228600" algn="l" defTabSz="914400" rtl="0" eaLnBrk="1" latinLnBrk="0" hangingPunct="1">
-              <a:lnSpc>
-                <a:spcPct val="120000"/>
-              </a:lnSpc>
-              <a:spcBef>
-                <a:spcPts val="500"/>
-              </a:spcBef>
-              <a:buSzPct val="125000"/>
-              <a:buFont typeface="Arial" panose="020B0604020202020204" pitchFamily="34" charset="0"/>
-              <a:buChar char="•"/>
-              <a:defRPr sz="1600" kern="1200">
-                <a:solidFill>
-                  <a:schemeClr val="tx1"/>
-                </a:solidFill>
-                <a:latin typeface="+mn-lt"/>
-                <a:ea typeface="+mn-ea"/>
-                <a:cs typeface="+mn-cs"/>
-              </a:defRPr>
-            </a:lvl4pPr>
-            <a:lvl5pPr marL="2057400" indent="-228600" algn="l" defTabSz="914400" rtl="0" eaLnBrk="1" latinLnBrk="0" hangingPunct="1">
-              <a:lnSpc>
-                <a:spcPct val="120000"/>
-              </a:lnSpc>
-              <a:spcBef>
-                <a:spcPts val="500"/>
-              </a:spcBef>
-              <a:buSzPct val="125000"/>
-              <a:buFont typeface="Arial" panose="020B0604020202020204" pitchFamily="34" charset="0"/>
-              <a:buChar char="•"/>
-              <a:defRPr sz="1600" kern="1200">
-                <a:solidFill>
-                  <a:schemeClr val="tx1"/>
-                </a:solidFill>
-                <a:latin typeface="+mn-lt"/>
-                <a:ea typeface="+mn-ea"/>
-                <a:cs typeface="+mn-cs"/>
-              </a:defRPr>
-            </a:lvl5pPr>
-            <a:lvl6pPr marL="2514600" indent="-228600" algn="l" defTabSz="914400" rtl="0" eaLnBrk="1" latinLnBrk="0" hangingPunct="1">
-              <a:lnSpc>
-                <a:spcPct val="120000"/>
-              </a:lnSpc>
-              <a:spcBef>
-                <a:spcPts val="500"/>
-              </a:spcBef>
-              <a:buSzPct val="125000"/>
-              <a:buFont typeface="Arial" panose="020B0604020202020204" pitchFamily="34" charset="0"/>
-              <a:buChar char="•"/>
-              <a:defRPr sz="1400" kern="1200">
-                <a:solidFill>
-                  <a:schemeClr val="tx1"/>
-                </a:solidFill>
-                <a:latin typeface="+mn-lt"/>
-                <a:ea typeface="+mn-ea"/>
-                <a:cs typeface="+mn-cs"/>
-              </a:defRPr>
-            </a:lvl6pPr>
-            <a:lvl7pPr marL="2971800" indent="-228600" algn="l" defTabSz="914400" rtl="0" eaLnBrk="1" latinLnBrk="0" hangingPunct="1">
-              <a:lnSpc>
-                <a:spcPct val="120000"/>
-              </a:lnSpc>
-              <a:spcBef>
-                <a:spcPts val="500"/>
-              </a:spcBef>
-              <a:buSzPct val="125000"/>
-              <a:buFont typeface="Arial" panose="020B0604020202020204" pitchFamily="34" charset="0"/>
-              <a:buChar char="•"/>
-              <a:defRPr sz="1400" kern="1200">
-                <a:solidFill>
-                  <a:schemeClr val="tx1"/>
-                </a:solidFill>
-                <a:latin typeface="+mn-lt"/>
-                <a:ea typeface="+mn-ea"/>
-                <a:cs typeface="+mn-cs"/>
-              </a:defRPr>
-            </a:lvl7pPr>
-            <a:lvl8pPr marL="3429000" indent="-228600" algn="l" defTabSz="914400" rtl="0" eaLnBrk="1" latinLnBrk="0" hangingPunct="1">
-              <a:lnSpc>
-                <a:spcPct val="120000"/>
-              </a:lnSpc>
-              <a:spcBef>
-                <a:spcPts val="500"/>
-              </a:spcBef>
-              <a:buSzPct val="125000"/>
-              <a:buFont typeface="Arial" panose="020B0604020202020204" pitchFamily="34" charset="0"/>
-              <a:buChar char="•"/>
-              <a:defRPr sz="1400" kern="1200">
-                <a:solidFill>
-                  <a:schemeClr val="tx1"/>
-                </a:solidFill>
-                <a:latin typeface="+mn-lt"/>
-                <a:ea typeface="+mn-ea"/>
-                <a:cs typeface="+mn-cs"/>
-              </a:defRPr>
-            </a:lvl8pPr>
-            <a:lvl9pPr marL="3886200" indent="-228600" algn="l" defTabSz="914400" rtl="0" eaLnBrk="1" latinLnBrk="0" hangingPunct="1">
-              <a:lnSpc>
-                <a:spcPct val="120000"/>
-              </a:lnSpc>
-              <a:spcBef>
-                <a:spcPts val="500"/>
-              </a:spcBef>
-              <a:buSzPct val="125000"/>
-              <a:buFont typeface="Arial" panose="020B0604020202020204" pitchFamily="34" charset="0"/>
-              <a:buChar char="•"/>
-              <a:defRPr sz="1400" kern="1200">
-                <a:solidFill>
-                  <a:schemeClr val="tx1"/>
-                </a:solidFill>
-                <a:latin typeface="+mn-lt"/>
-                <a:ea typeface="+mn-ea"/>
-                <a:cs typeface="+mn-cs"/>
-              </a:defRPr>
-            </a:lvl9pPr>
-          </a:lstStyle>
-          <a:p>
-            <a:pPr marL="0" indent="0" algn="ctr">
-              <a:buNone/>
-            </a:pPr>
-            <a:r>
-              <a:rPr lang="es-AR" sz="3200" dirty="0" err="1">
-                <a:solidFill>
-                  <a:schemeClr val="bg1"/>
-                </a:solidFill>
-              </a:rPr>
-              <a:t>Recurrent</a:t>
-            </a:r>
-            <a:r>
-              <a:rPr lang="es-AR" sz="3200" dirty="0">
-                <a:solidFill>
-                  <a:schemeClr val="bg1"/>
-                </a:solidFill>
-              </a:rPr>
-              <a:t> Neural Network (RNN)</a:t>
-            </a:r>
-          </a:p>
-          <a:p>
-            <a:pPr marL="0" indent="0" algn="ctr">
-              <a:buNone/>
-            </a:pPr>
-            <a:r>
-              <a:rPr lang="es-AR" sz="3200" dirty="0">
-                <a:solidFill>
-                  <a:schemeClr val="bg1"/>
-                </a:solidFill>
-              </a:rPr>
               <a:t>Bi-</a:t>
             </a:r>
             <a:r>
@@ -21999,7 +20662,7 @@
 </p:sld>
 </file>
 
-<file path=ppt/slides/slide19.xml><?xml version="1.0" encoding="utf-8"?>
+<file path=ppt/slides/slide18.xml><?xml version="1.0" encoding="utf-8"?>
 <p:sld xmlns:a="http://schemas.openxmlformats.org/drawingml/2006/main" xmlns:r="http://schemas.openxmlformats.org/officeDocument/2006/relationships" xmlns:p="http://schemas.openxmlformats.org/presentationml/2006/main">
   <p:cSld>
     <p:spTree>
@@ -22488,592 +21151,7 @@
 </p:sld>
 </file>
 
-<file path=ppt/slides/slide2.xml><?xml version="1.0" encoding="utf-8"?>
-<p:sld xmlns:a="http://schemas.openxmlformats.org/drawingml/2006/main" xmlns:r="http://schemas.openxmlformats.org/officeDocument/2006/relationships" xmlns:p="http://schemas.openxmlformats.org/presentationml/2006/main">
-  <p:cSld>
-    <p:spTree>
-      <p:nvGrpSpPr>
-        <p:cNvPr id="1" name=""/>
-        <p:cNvGrpSpPr/>
-        <p:nvPr/>
-      </p:nvGrpSpPr>
-      <p:grpSpPr>
-        <a:xfrm>
-          <a:off x="0" y="0"/>
-          <a:ext cx="0" cy="0"/>
-          <a:chOff x="0" y="0"/>
-          <a:chExt cx="0" cy="0"/>
-        </a:xfrm>
-      </p:grpSpPr>
-      <p:sp>
-        <p:nvSpPr>
-          <p:cNvPr id="4" name="Subtitle 1"/>
-          <p:cNvSpPr txBox="1">
-            <a:spLocks/>
-          </p:cNvSpPr>
-          <p:nvPr/>
-        </p:nvSpPr>
-        <p:spPr>
-          <a:xfrm>
-            <a:off x="-159657" y="0"/>
-            <a:ext cx="12511314" cy="1085871"/>
-          </a:xfrm>
-          <a:prstGeom prst="rect">
-            <a:avLst/>
-          </a:prstGeom>
-        </p:spPr>
-        <p:txBody>
-          <a:bodyPr vert="horz" lIns="91440" tIns="45720" rIns="91440" bIns="45720" rtlCol="0">
-            <a:noAutofit/>
-          </a:bodyPr>
-          <a:lstStyle>
-            <a:lvl1pPr marL="228600" indent="-228600" algn="l" defTabSz="914400" rtl="0" eaLnBrk="1" latinLnBrk="0" hangingPunct="1">
-              <a:lnSpc>
-                <a:spcPct val="120000"/>
-              </a:lnSpc>
-              <a:spcBef>
-                <a:spcPts val="1000"/>
-              </a:spcBef>
-              <a:buSzPct val="125000"/>
-              <a:buFont typeface="Arial" panose="020B0604020202020204" pitchFamily="34" charset="0"/>
-              <a:buChar char="•"/>
-              <a:defRPr sz="2400" kern="1200">
-                <a:solidFill>
-                  <a:schemeClr val="tx1"/>
-                </a:solidFill>
-                <a:latin typeface="+mn-lt"/>
-                <a:ea typeface="+mn-ea"/>
-                <a:cs typeface="+mn-cs"/>
-              </a:defRPr>
-            </a:lvl1pPr>
-            <a:lvl2pPr marL="685800" indent="-228600" algn="l" defTabSz="914400" rtl="0" eaLnBrk="1" latinLnBrk="0" hangingPunct="1">
-              <a:lnSpc>
-                <a:spcPct val="120000"/>
-              </a:lnSpc>
-              <a:spcBef>
-                <a:spcPts val="500"/>
-              </a:spcBef>
-              <a:buSzPct val="125000"/>
-              <a:buFont typeface="Arial" panose="020B0604020202020204" pitchFamily="34" charset="0"/>
-              <a:buChar char="•"/>
-              <a:defRPr sz="2000" kern="1200">
-                <a:solidFill>
-                  <a:schemeClr val="tx1"/>
-                </a:solidFill>
-                <a:latin typeface="+mn-lt"/>
-                <a:ea typeface="+mn-ea"/>
-                <a:cs typeface="+mn-cs"/>
-              </a:defRPr>
-            </a:lvl2pPr>
-            <a:lvl3pPr marL="1143000" indent="-228600" algn="l" defTabSz="914400" rtl="0" eaLnBrk="1" latinLnBrk="0" hangingPunct="1">
-              <a:lnSpc>
-                <a:spcPct val="120000"/>
-              </a:lnSpc>
-              <a:spcBef>
-                <a:spcPts val="500"/>
-              </a:spcBef>
-              <a:buSzPct val="125000"/>
-              <a:buFont typeface="Arial" panose="020B0604020202020204" pitchFamily="34" charset="0"/>
-              <a:buChar char="•"/>
-              <a:defRPr sz="1800" kern="1200">
-                <a:solidFill>
-                  <a:schemeClr val="tx1"/>
-                </a:solidFill>
-                <a:latin typeface="+mn-lt"/>
-                <a:ea typeface="+mn-ea"/>
-                <a:cs typeface="+mn-cs"/>
-              </a:defRPr>
-            </a:lvl3pPr>
-            <a:lvl4pPr marL="1600200" indent="-228600" algn="l" defTabSz="914400" rtl="0" eaLnBrk="1" latinLnBrk="0" hangingPunct="1">
-              <a:lnSpc>
-                <a:spcPct val="120000"/>
-              </a:lnSpc>
-              <a:spcBef>
-                <a:spcPts val="500"/>
-              </a:spcBef>
-              <a:buSzPct val="125000"/>
-              <a:buFont typeface="Arial" panose="020B0604020202020204" pitchFamily="34" charset="0"/>
-              <a:buChar char="•"/>
-              <a:defRPr sz="1600" kern="1200">
-                <a:solidFill>
-                  <a:schemeClr val="tx1"/>
-                </a:solidFill>
-                <a:latin typeface="+mn-lt"/>
-                <a:ea typeface="+mn-ea"/>
-                <a:cs typeface="+mn-cs"/>
-              </a:defRPr>
-            </a:lvl4pPr>
-            <a:lvl5pPr marL="2057400" indent="-228600" algn="l" defTabSz="914400" rtl="0" eaLnBrk="1" latinLnBrk="0" hangingPunct="1">
-              <a:lnSpc>
-                <a:spcPct val="120000"/>
-              </a:lnSpc>
-              <a:spcBef>
-                <a:spcPts val="500"/>
-              </a:spcBef>
-              <a:buSzPct val="125000"/>
-              <a:buFont typeface="Arial" panose="020B0604020202020204" pitchFamily="34" charset="0"/>
-              <a:buChar char="•"/>
-              <a:defRPr sz="1600" kern="1200">
-                <a:solidFill>
-                  <a:schemeClr val="tx1"/>
-                </a:solidFill>
-                <a:latin typeface="+mn-lt"/>
-                <a:ea typeface="+mn-ea"/>
-                <a:cs typeface="+mn-cs"/>
-              </a:defRPr>
-            </a:lvl5pPr>
-            <a:lvl6pPr marL="2514600" indent="-228600" algn="l" defTabSz="914400" rtl="0" eaLnBrk="1" latinLnBrk="0" hangingPunct="1">
-              <a:lnSpc>
-                <a:spcPct val="120000"/>
-              </a:lnSpc>
-              <a:spcBef>
-                <a:spcPts val="500"/>
-              </a:spcBef>
-              <a:buSzPct val="125000"/>
-              <a:buFont typeface="Arial" panose="020B0604020202020204" pitchFamily="34" charset="0"/>
-              <a:buChar char="•"/>
-              <a:defRPr sz="1400" kern="1200">
-                <a:solidFill>
-                  <a:schemeClr val="tx1"/>
-                </a:solidFill>
-                <a:latin typeface="+mn-lt"/>
-                <a:ea typeface="+mn-ea"/>
-                <a:cs typeface="+mn-cs"/>
-              </a:defRPr>
-            </a:lvl6pPr>
-            <a:lvl7pPr marL="2971800" indent="-228600" algn="l" defTabSz="914400" rtl="0" eaLnBrk="1" latinLnBrk="0" hangingPunct="1">
-              <a:lnSpc>
-                <a:spcPct val="120000"/>
-              </a:lnSpc>
-              <a:spcBef>
-                <a:spcPts val="500"/>
-              </a:spcBef>
-              <a:buSzPct val="125000"/>
-              <a:buFont typeface="Arial" panose="020B0604020202020204" pitchFamily="34" charset="0"/>
-              <a:buChar char="•"/>
-              <a:defRPr sz="1400" kern="1200">
-                <a:solidFill>
-                  <a:schemeClr val="tx1"/>
-                </a:solidFill>
-                <a:latin typeface="+mn-lt"/>
-                <a:ea typeface="+mn-ea"/>
-                <a:cs typeface="+mn-cs"/>
-              </a:defRPr>
-            </a:lvl7pPr>
-            <a:lvl8pPr marL="3429000" indent="-228600" algn="l" defTabSz="914400" rtl="0" eaLnBrk="1" latinLnBrk="0" hangingPunct="1">
-              <a:lnSpc>
-                <a:spcPct val="120000"/>
-              </a:lnSpc>
-              <a:spcBef>
-                <a:spcPts val="500"/>
-              </a:spcBef>
-              <a:buSzPct val="125000"/>
-              <a:buFont typeface="Arial" panose="020B0604020202020204" pitchFamily="34" charset="0"/>
-              <a:buChar char="•"/>
-              <a:defRPr sz="1400" kern="1200">
-                <a:solidFill>
-                  <a:schemeClr val="tx1"/>
-                </a:solidFill>
-                <a:latin typeface="+mn-lt"/>
-                <a:ea typeface="+mn-ea"/>
-                <a:cs typeface="+mn-cs"/>
-              </a:defRPr>
-            </a:lvl8pPr>
-            <a:lvl9pPr marL="3886200" indent="-228600" algn="l" defTabSz="914400" rtl="0" eaLnBrk="1" latinLnBrk="0" hangingPunct="1">
-              <a:lnSpc>
-                <a:spcPct val="120000"/>
-              </a:lnSpc>
-              <a:spcBef>
-                <a:spcPts val="500"/>
-              </a:spcBef>
-              <a:buSzPct val="125000"/>
-              <a:buFont typeface="Arial" panose="020B0604020202020204" pitchFamily="34" charset="0"/>
-              <a:buChar char="•"/>
-              <a:defRPr sz="1400" kern="1200">
-                <a:solidFill>
-                  <a:schemeClr val="tx1"/>
-                </a:solidFill>
-                <a:latin typeface="+mn-lt"/>
-                <a:ea typeface="+mn-ea"/>
-                <a:cs typeface="+mn-cs"/>
-              </a:defRPr>
-            </a:lvl9pPr>
-          </a:lstStyle>
-          <a:p>
-            <a:pPr marL="0" indent="0" algn="ctr">
-              <a:buNone/>
-            </a:pPr>
-            <a:r>
-              <a:rPr lang="es-AR" sz="3200" dirty="0">
-                <a:solidFill>
-                  <a:schemeClr val="bg1"/>
-                </a:solidFill>
-              </a:rPr>
-              <a:t>Redes Neuronales Recurrentes </a:t>
-            </a:r>
-          </a:p>
-          <a:p>
-            <a:pPr marL="0" indent="0" algn="ctr">
-              <a:buNone/>
-            </a:pPr>
-            <a:r>
-              <a:rPr lang="es-AR" sz="3200" dirty="0" err="1">
-                <a:solidFill>
-                  <a:schemeClr val="bg1"/>
-                </a:solidFill>
-              </a:rPr>
-              <a:t>Recurrent</a:t>
-            </a:r>
-            <a:r>
-              <a:rPr lang="es-AR" sz="3200" dirty="0">
-                <a:solidFill>
-                  <a:schemeClr val="bg1"/>
-                </a:solidFill>
-              </a:rPr>
-              <a:t> Neural Network (RNN)</a:t>
-            </a:r>
-          </a:p>
-        </p:txBody>
-      </p:sp>
-      <p:sp>
-        <p:nvSpPr>
-          <p:cNvPr id="5" name="Subtitle 1"/>
-          <p:cNvSpPr txBox="1">
-            <a:spLocks/>
-          </p:cNvSpPr>
-          <p:nvPr/>
-        </p:nvSpPr>
-        <p:spPr>
-          <a:xfrm>
-            <a:off x="335003" y="1933945"/>
-            <a:ext cx="11521994" cy="1085871"/>
-          </a:xfrm>
-          <a:prstGeom prst="rect">
-            <a:avLst/>
-          </a:prstGeom>
-        </p:spPr>
-        <p:txBody>
-          <a:bodyPr vert="horz" lIns="91440" tIns="45720" rIns="91440" bIns="45720" rtlCol="0">
-            <a:noAutofit/>
-          </a:bodyPr>
-          <a:lstStyle>
-            <a:lvl1pPr marL="0" indent="0" algn="ctr" defTabSz="914400" rtl="0" eaLnBrk="1" latinLnBrk="0" hangingPunct="1">
-              <a:lnSpc>
-                <a:spcPct val="90000"/>
-              </a:lnSpc>
-              <a:spcBef>
-                <a:spcPts val="1000"/>
-              </a:spcBef>
-              <a:buFont typeface="Arial" panose="020B0604020202020204" pitchFamily="34" charset="0"/>
-              <a:buNone/>
-              <a:defRPr sz="2400" kern="1200">
-                <a:solidFill>
-                  <a:schemeClr val="tx1"/>
-                </a:solidFill>
-                <a:latin typeface="+mn-lt"/>
-                <a:ea typeface="+mn-ea"/>
-                <a:cs typeface="+mn-cs"/>
-              </a:defRPr>
-            </a:lvl1pPr>
-            <a:lvl2pPr marL="457200" indent="0" algn="ctr" defTabSz="914400" rtl="0" eaLnBrk="1" latinLnBrk="0" hangingPunct="1">
-              <a:lnSpc>
-                <a:spcPct val="90000"/>
-              </a:lnSpc>
-              <a:spcBef>
-                <a:spcPts val="500"/>
-              </a:spcBef>
-              <a:buFont typeface="Arial" panose="020B0604020202020204" pitchFamily="34" charset="0"/>
-              <a:buNone/>
-              <a:defRPr sz="2000" kern="1200">
-                <a:solidFill>
-                  <a:schemeClr val="tx1"/>
-                </a:solidFill>
-                <a:latin typeface="+mn-lt"/>
-                <a:ea typeface="+mn-ea"/>
-                <a:cs typeface="+mn-cs"/>
-              </a:defRPr>
-            </a:lvl2pPr>
-            <a:lvl3pPr marL="914400" indent="0" algn="ctr" defTabSz="914400" rtl="0" eaLnBrk="1" latinLnBrk="0" hangingPunct="1">
-              <a:lnSpc>
-                <a:spcPct val="90000"/>
-              </a:lnSpc>
-              <a:spcBef>
-                <a:spcPts val="500"/>
-              </a:spcBef>
-              <a:buFont typeface="Arial" panose="020B0604020202020204" pitchFamily="34" charset="0"/>
-              <a:buNone/>
-              <a:defRPr sz="1800" kern="1200">
-                <a:solidFill>
-                  <a:schemeClr val="tx1"/>
-                </a:solidFill>
-                <a:latin typeface="+mn-lt"/>
-                <a:ea typeface="+mn-ea"/>
-                <a:cs typeface="+mn-cs"/>
-              </a:defRPr>
-            </a:lvl3pPr>
-            <a:lvl4pPr marL="1371600" indent="0" algn="ctr" defTabSz="914400" rtl="0" eaLnBrk="1" latinLnBrk="0" hangingPunct="1">
-              <a:lnSpc>
-                <a:spcPct val="90000"/>
-              </a:lnSpc>
-              <a:spcBef>
-                <a:spcPts val="500"/>
-              </a:spcBef>
-              <a:buFont typeface="Arial" panose="020B0604020202020204" pitchFamily="34" charset="0"/>
-              <a:buNone/>
-              <a:defRPr sz="1600" kern="1200">
-                <a:solidFill>
-                  <a:schemeClr val="tx1"/>
-                </a:solidFill>
-                <a:latin typeface="+mn-lt"/>
-                <a:ea typeface="+mn-ea"/>
-                <a:cs typeface="+mn-cs"/>
-              </a:defRPr>
-            </a:lvl4pPr>
-            <a:lvl5pPr marL="1828800" indent="0" algn="ctr" defTabSz="914400" rtl="0" eaLnBrk="1" latinLnBrk="0" hangingPunct="1">
-              <a:lnSpc>
-                <a:spcPct val="90000"/>
-              </a:lnSpc>
-              <a:spcBef>
-                <a:spcPts val="500"/>
-              </a:spcBef>
-              <a:buFont typeface="Arial" panose="020B0604020202020204" pitchFamily="34" charset="0"/>
-              <a:buNone/>
-              <a:defRPr sz="1600" kern="1200">
-                <a:solidFill>
-                  <a:schemeClr val="tx1"/>
-                </a:solidFill>
-                <a:latin typeface="+mn-lt"/>
-                <a:ea typeface="+mn-ea"/>
-                <a:cs typeface="+mn-cs"/>
-              </a:defRPr>
-            </a:lvl5pPr>
-            <a:lvl6pPr marL="2286000" indent="0" algn="ctr" defTabSz="914400" rtl="0" eaLnBrk="1" latinLnBrk="0" hangingPunct="1">
-              <a:lnSpc>
-                <a:spcPct val="90000"/>
-              </a:lnSpc>
-              <a:spcBef>
-                <a:spcPts val="500"/>
-              </a:spcBef>
-              <a:buFont typeface="Arial" panose="020B0604020202020204" pitchFamily="34" charset="0"/>
-              <a:buNone/>
-              <a:defRPr sz="1600" kern="1200">
-                <a:solidFill>
-                  <a:schemeClr val="tx1"/>
-                </a:solidFill>
-                <a:latin typeface="+mn-lt"/>
-                <a:ea typeface="+mn-ea"/>
-                <a:cs typeface="+mn-cs"/>
-              </a:defRPr>
-            </a:lvl6pPr>
-            <a:lvl7pPr marL="2743200" indent="0" algn="ctr" defTabSz="914400" rtl="0" eaLnBrk="1" latinLnBrk="0" hangingPunct="1">
-              <a:lnSpc>
-                <a:spcPct val="90000"/>
-              </a:lnSpc>
-              <a:spcBef>
-                <a:spcPts val="500"/>
-              </a:spcBef>
-              <a:buFont typeface="Arial" panose="020B0604020202020204" pitchFamily="34" charset="0"/>
-              <a:buNone/>
-              <a:defRPr sz="1600" kern="1200">
-                <a:solidFill>
-                  <a:schemeClr val="tx1"/>
-                </a:solidFill>
-                <a:latin typeface="+mn-lt"/>
-                <a:ea typeface="+mn-ea"/>
-                <a:cs typeface="+mn-cs"/>
-              </a:defRPr>
-            </a:lvl7pPr>
-            <a:lvl8pPr marL="3200400" indent="0" algn="ctr" defTabSz="914400" rtl="0" eaLnBrk="1" latinLnBrk="0" hangingPunct="1">
-              <a:lnSpc>
-                <a:spcPct val="90000"/>
-              </a:lnSpc>
-              <a:spcBef>
-                <a:spcPts val="500"/>
-              </a:spcBef>
-              <a:buFont typeface="Arial" panose="020B0604020202020204" pitchFamily="34" charset="0"/>
-              <a:buNone/>
-              <a:defRPr sz="1600" kern="1200">
-                <a:solidFill>
-                  <a:schemeClr val="tx1"/>
-                </a:solidFill>
-                <a:latin typeface="+mn-lt"/>
-                <a:ea typeface="+mn-ea"/>
-                <a:cs typeface="+mn-cs"/>
-              </a:defRPr>
-            </a:lvl8pPr>
-            <a:lvl9pPr marL="3657600" indent="0" algn="ctr" defTabSz="914400" rtl="0" eaLnBrk="1" latinLnBrk="0" hangingPunct="1">
-              <a:lnSpc>
-                <a:spcPct val="90000"/>
-              </a:lnSpc>
-              <a:spcBef>
-                <a:spcPts val="500"/>
-              </a:spcBef>
-              <a:buFont typeface="Arial" panose="020B0604020202020204" pitchFamily="34" charset="0"/>
-              <a:buNone/>
-              <a:defRPr sz="1600" kern="1200">
-                <a:solidFill>
-                  <a:schemeClr val="tx1"/>
-                </a:solidFill>
-                <a:latin typeface="+mn-lt"/>
-                <a:ea typeface="+mn-ea"/>
-                <a:cs typeface="+mn-cs"/>
-              </a:defRPr>
-            </a:lvl9pPr>
-          </a:lstStyle>
-          <a:p>
-            <a:pPr algn="l"/>
-            <a:r>
-              <a:rPr lang="es-AR" sz="2800" dirty="0">
-                <a:solidFill>
-                  <a:schemeClr val="bg1"/>
-                </a:solidFill>
-              </a:rPr>
-              <a:t>Red neuronal </a:t>
-            </a:r>
-            <a:r>
-              <a:rPr lang="es-AR" sz="2800" b="1" dirty="0">
-                <a:solidFill>
-                  <a:schemeClr val="bg1"/>
-                </a:solidFill>
-              </a:rPr>
-              <a:t>favorita</a:t>
-            </a:r>
-            <a:r>
-              <a:rPr lang="es-AR" sz="2800" dirty="0">
-                <a:solidFill>
-                  <a:schemeClr val="bg1"/>
-                </a:solidFill>
-              </a:rPr>
-              <a:t> para el trabajo secuencias ( datos que en cuya naturaleza exista un </a:t>
-            </a:r>
-            <a:r>
-              <a:rPr lang="es-AR" sz="2800" b="1" dirty="0">
-                <a:solidFill>
-                  <a:schemeClr val="bg1"/>
-                </a:solidFill>
-              </a:rPr>
-              <a:t>comportamiento secuencial</a:t>
-            </a:r>
-            <a:r>
-              <a:rPr lang="es-AR" sz="2800" dirty="0">
-                <a:solidFill>
-                  <a:schemeClr val="bg1"/>
-                </a:solidFill>
-              </a:rPr>
-              <a:t>):</a:t>
-            </a:r>
-          </a:p>
-          <a:p>
-            <a:pPr algn="l"/>
-            <a:endParaRPr lang="es-AR" sz="2800" dirty="0">
-              <a:solidFill>
-                <a:schemeClr val="bg1"/>
-              </a:solidFill>
-            </a:endParaRPr>
-          </a:p>
-          <a:p>
-            <a:pPr algn="l"/>
-            <a:r>
-              <a:rPr lang="es-AR" sz="2800" dirty="0">
-                <a:solidFill>
-                  <a:schemeClr val="bg1"/>
-                </a:solidFill>
-              </a:rPr>
-              <a:t>	- señales temporales</a:t>
-            </a:r>
-          </a:p>
-          <a:p>
-            <a:pPr algn="l"/>
-            <a:r>
-              <a:rPr lang="es-AR" sz="2800" dirty="0">
-                <a:solidFill>
-                  <a:schemeClr val="bg1"/>
-                </a:solidFill>
-              </a:rPr>
-              <a:t>	- series temporales</a:t>
-            </a:r>
-          </a:p>
-          <a:p>
-            <a:pPr algn="l"/>
-            <a:r>
-              <a:rPr lang="es-AR" sz="2800" dirty="0">
-                <a:solidFill>
-                  <a:schemeClr val="bg1"/>
-                </a:solidFill>
-              </a:rPr>
-              <a:t>	- texto</a:t>
-            </a:r>
-          </a:p>
-          <a:p>
-            <a:pPr algn="l"/>
-            <a:r>
-              <a:rPr lang="es-AR" sz="2800" dirty="0">
-                <a:solidFill>
-                  <a:schemeClr val="bg1"/>
-                </a:solidFill>
-              </a:rPr>
-              <a:t>	- habla</a:t>
-            </a:r>
-          </a:p>
-          <a:p>
-            <a:pPr algn="l"/>
-            <a:r>
-              <a:rPr lang="es-AR" sz="2800" dirty="0">
-                <a:solidFill>
-                  <a:schemeClr val="bg1"/>
-                </a:solidFill>
-              </a:rPr>
-              <a:t>	- música</a:t>
-            </a:r>
-          </a:p>
-          <a:p>
-            <a:pPr algn="l"/>
-            <a:r>
-              <a:rPr lang="es-AR" sz="2800" dirty="0">
-                <a:solidFill>
-                  <a:schemeClr val="bg1"/>
-                </a:solidFill>
-              </a:rPr>
-              <a:t>	- </a:t>
-            </a:r>
-            <a:r>
-              <a:rPr lang="es-AR" sz="2800" dirty="0" err="1">
-                <a:solidFill>
-                  <a:schemeClr val="bg1"/>
-                </a:solidFill>
-              </a:rPr>
-              <a:t>etc</a:t>
-            </a:r>
-            <a:endParaRPr lang="es-AR" sz="2800" dirty="0">
-              <a:solidFill>
-                <a:schemeClr val="bg1"/>
-              </a:solidFill>
-            </a:endParaRPr>
-          </a:p>
-          <a:p>
-            <a:pPr algn="l"/>
-            <a:endParaRPr lang="es-AR" sz="2800" dirty="0">
-              <a:solidFill>
-                <a:schemeClr val="bg1"/>
-              </a:solidFill>
-            </a:endParaRPr>
-          </a:p>
-        </p:txBody>
-      </p:sp>
-    </p:spTree>
-    <p:extLst>
-      <p:ext uri="{BB962C8B-B14F-4D97-AF65-F5344CB8AC3E}">
-        <p14:creationId xmlns:p14="http://schemas.microsoft.com/office/powerpoint/2010/main" val="4212515199"/>
-      </p:ext>
-    </p:extLst>
-  </p:cSld>
-  <p:clrMapOvr>
-    <a:masterClrMapping/>
-  </p:clrMapOvr>
-</p:sld>
-</file>
-
-<file path=ppt/slides/slide20.xml><?xml version="1.0" encoding="utf-8"?>
+<file path=ppt/slides/slide19.xml><?xml version="1.0" encoding="utf-8"?>
 <p:sld xmlns:a="http://schemas.openxmlformats.org/drawingml/2006/main" xmlns:r="http://schemas.openxmlformats.org/officeDocument/2006/relationships" xmlns:p="http://schemas.openxmlformats.org/presentationml/2006/main">
   <p:cSld>
     <p:spTree>
@@ -23470,7 +21548,592 @@
 </p:sld>
 </file>
 
-<file path=ppt/slides/slide21.xml><?xml version="1.0" encoding="utf-8"?>
+<file path=ppt/slides/slide2.xml><?xml version="1.0" encoding="utf-8"?>
+<p:sld xmlns:a="http://schemas.openxmlformats.org/drawingml/2006/main" xmlns:r="http://schemas.openxmlformats.org/officeDocument/2006/relationships" xmlns:p="http://schemas.openxmlformats.org/presentationml/2006/main">
+  <p:cSld>
+    <p:spTree>
+      <p:nvGrpSpPr>
+        <p:cNvPr id="1" name=""/>
+        <p:cNvGrpSpPr/>
+        <p:nvPr/>
+      </p:nvGrpSpPr>
+      <p:grpSpPr>
+        <a:xfrm>
+          <a:off x="0" y="0"/>
+          <a:ext cx="0" cy="0"/>
+          <a:chOff x="0" y="0"/>
+          <a:chExt cx="0" cy="0"/>
+        </a:xfrm>
+      </p:grpSpPr>
+      <p:sp>
+        <p:nvSpPr>
+          <p:cNvPr id="4" name="Subtitle 1"/>
+          <p:cNvSpPr txBox="1">
+            <a:spLocks/>
+          </p:cNvSpPr>
+          <p:nvPr/>
+        </p:nvSpPr>
+        <p:spPr>
+          <a:xfrm>
+            <a:off x="-159657" y="0"/>
+            <a:ext cx="12511314" cy="1085871"/>
+          </a:xfrm>
+          <a:prstGeom prst="rect">
+            <a:avLst/>
+          </a:prstGeom>
+        </p:spPr>
+        <p:txBody>
+          <a:bodyPr vert="horz" lIns="91440" tIns="45720" rIns="91440" bIns="45720" rtlCol="0">
+            <a:noAutofit/>
+          </a:bodyPr>
+          <a:lstStyle>
+            <a:lvl1pPr marL="228600" indent="-228600" algn="l" defTabSz="914400" rtl="0" eaLnBrk="1" latinLnBrk="0" hangingPunct="1">
+              <a:lnSpc>
+                <a:spcPct val="120000"/>
+              </a:lnSpc>
+              <a:spcBef>
+                <a:spcPts val="1000"/>
+              </a:spcBef>
+              <a:buSzPct val="125000"/>
+              <a:buFont typeface="Arial" panose="020B0604020202020204" pitchFamily="34" charset="0"/>
+              <a:buChar char="•"/>
+              <a:defRPr sz="2400" kern="1200">
+                <a:solidFill>
+                  <a:schemeClr val="tx1"/>
+                </a:solidFill>
+                <a:latin typeface="+mn-lt"/>
+                <a:ea typeface="+mn-ea"/>
+                <a:cs typeface="+mn-cs"/>
+              </a:defRPr>
+            </a:lvl1pPr>
+            <a:lvl2pPr marL="685800" indent="-228600" algn="l" defTabSz="914400" rtl="0" eaLnBrk="1" latinLnBrk="0" hangingPunct="1">
+              <a:lnSpc>
+                <a:spcPct val="120000"/>
+              </a:lnSpc>
+              <a:spcBef>
+                <a:spcPts val="500"/>
+              </a:spcBef>
+              <a:buSzPct val="125000"/>
+              <a:buFont typeface="Arial" panose="020B0604020202020204" pitchFamily="34" charset="0"/>
+              <a:buChar char="•"/>
+              <a:defRPr sz="2000" kern="1200">
+                <a:solidFill>
+                  <a:schemeClr val="tx1"/>
+                </a:solidFill>
+                <a:latin typeface="+mn-lt"/>
+                <a:ea typeface="+mn-ea"/>
+                <a:cs typeface="+mn-cs"/>
+              </a:defRPr>
+            </a:lvl2pPr>
+            <a:lvl3pPr marL="1143000" indent="-228600" algn="l" defTabSz="914400" rtl="0" eaLnBrk="1" latinLnBrk="0" hangingPunct="1">
+              <a:lnSpc>
+                <a:spcPct val="120000"/>
+              </a:lnSpc>
+              <a:spcBef>
+                <a:spcPts val="500"/>
+              </a:spcBef>
+              <a:buSzPct val="125000"/>
+              <a:buFont typeface="Arial" panose="020B0604020202020204" pitchFamily="34" charset="0"/>
+              <a:buChar char="•"/>
+              <a:defRPr sz="1800" kern="1200">
+                <a:solidFill>
+                  <a:schemeClr val="tx1"/>
+                </a:solidFill>
+                <a:latin typeface="+mn-lt"/>
+                <a:ea typeface="+mn-ea"/>
+                <a:cs typeface="+mn-cs"/>
+              </a:defRPr>
+            </a:lvl3pPr>
+            <a:lvl4pPr marL="1600200" indent="-228600" algn="l" defTabSz="914400" rtl="0" eaLnBrk="1" latinLnBrk="0" hangingPunct="1">
+              <a:lnSpc>
+                <a:spcPct val="120000"/>
+              </a:lnSpc>
+              <a:spcBef>
+                <a:spcPts val="500"/>
+              </a:spcBef>
+              <a:buSzPct val="125000"/>
+              <a:buFont typeface="Arial" panose="020B0604020202020204" pitchFamily="34" charset="0"/>
+              <a:buChar char="•"/>
+              <a:defRPr sz="1600" kern="1200">
+                <a:solidFill>
+                  <a:schemeClr val="tx1"/>
+                </a:solidFill>
+                <a:latin typeface="+mn-lt"/>
+                <a:ea typeface="+mn-ea"/>
+                <a:cs typeface="+mn-cs"/>
+              </a:defRPr>
+            </a:lvl4pPr>
+            <a:lvl5pPr marL="2057400" indent="-228600" algn="l" defTabSz="914400" rtl="0" eaLnBrk="1" latinLnBrk="0" hangingPunct="1">
+              <a:lnSpc>
+                <a:spcPct val="120000"/>
+              </a:lnSpc>
+              <a:spcBef>
+                <a:spcPts val="500"/>
+              </a:spcBef>
+              <a:buSzPct val="125000"/>
+              <a:buFont typeface="Arial" panose="020B0604020202020204" pitchFamily="34" charset="0"/>
+              <a:buChar char="•"/>
+              <a:defRPr sz="1600" kern="1200">
+                <a:solidFill>
+                  <a:schemeClr val="tx1"/>
+                </a:solidFill>
+                <a:latin typeface="+mn-lt"/>
+                <a:ea typeface="+mn-ea"/>
+                <a:cs typeface="+mn-cs"/>
+              </a:defRPr>
+            </a:lvl5pPr>
+            <a:lvl6pPr marL="2514600" indent="-228600" algn="l" defTabSz="914400" rtl="0" eaLnBrk="1" latinLnBrk="0" hangingPunct="1">
+              <a:lnSpc>
+                <a:spcPct val="120000"/>
+              </a:lnSpc>
+              <a:spcBef>
+                <a:spcPts val="500"/>
+              </a:spcBef>
+              <a:buSzPct val="125000"/>
+              <a:buFont typeface="Arial" panose="020B0604020202020204" pitchFamily="34" charset="0"/>
+              <a:buChar char="•"/>
+              <a:defRPr sz="1400" kern="1200">
+                <a:solidFill>
+                  <a:schemeClr val="tx1"/>
+                </a:solidFill>
+                <a:latin typeface="+mn-lt"/>
+                <a:ea typeface="+mn-ea"/>
+                <a:cs typeface="+mn-cs"/>
+              </a:defRPr>
+            </a:lvl6pPr>
+            <a:lvl7pPr marL="2971800" indent="-228600" algn="l" defTabSz="914400" rtl="0" eaLnBrk="1" latinLnBrk="0" hangingPunct="1">
+              <a:lnSpc>
+                <a:spcPct val="120000"/>
+              </a:lnSpc>
+              <a:spcBef>
+                <a:spcPts val="500"/>
+              </a:spcBef>
+              <a:buSzPct val="125000"/>
+              <a:buFont typeface="Arial" panose="020B0604020202020204" pitchFamily="34" charset="0"/>
+              <a:buChar char="•"/>
+              <a:defRPr sz="1400" kern="1200">
+                <a:solidFill>
+                  <a:schemeClr val="tx1"/>
+                </a:solidFill>
+                <a:latin typeface="+mn-lt"/>
+                <a:ea typeface="+mn-ea"/>
+                <a:cs typeface="+mn-cs"/>
+              </a:defRPr>
+            </a:lvl7pPr>
+            <a:lvl8pPr marL="3429000" indent="-228600" algn="l" defTabSz="914400" rtl="0" eaLnBrk="1" latinLnBrk="0" hangingPunct="1">
+              <a:lnSpc>
+                <a:spcPct val="120000"/>
+              </a:lnSpc>
+              <a:spcBef>
+                <a:spcPts val="500"/>
+              </a:spcBef>
+              <a:buSzPct val="125000"/>
+              <a:buFont typeface="Arial" panose="020B0604020202020204" pitchFamily="34" charset="0"/>
+              <a:buChar char="•"/>
+              <a:defRPr sz="1400" kern="1200">
+                <a:solidFill>
+                  <a:schemeClr val="tx1"/>
+                </a:solidFill>
+                <a:latin typeface="+mn-lt"/>
+                <a:ea typeface="+mn-ea"/>
+                <a:cs typeface="+mn-cs"/>
+              </a:defRPr>
+            </a:lvl8pPr>
+            <a:lvl9pPr marL="3886200" indent="-228600" algn="l" defTabSz="914400" rtl="0" eaLnBrk="1" latinLnBrk="0" hangingPunct="1">
+              <a:lnSpc>
+                <a:spcPct val="120000"/>
+              </a:lnSpc>
+              <a:spcBef>
+                <a:spcPts val="500"/>
+              </a:spcBef>
+              <a:buSzPct val="125000"/>
+              <a:buFont typeface="Arial" panose="020B0604020202020204" pitchFamily="34" charset="0"/>
+              <a:buChar char="•"/>
+              <a:defRPr sz="1400" kern="1200">
+                <a:solidFill>
+                  <a:schemeClr val="tx1"/>
+                </a:solidFill>
+                <a:latin typeface="+mn-lt"/>
+                <a:ea typeface="+mn-ea"/>
+                <a:cs typeface="+mn-cs"/>
+              </a:defRPr>
+            </a:lvl9pPr>
+          </a:lstStyle>
+          <a:p>
+            <a:pPr marL="0" indent="0" algn="ctr">
+              <a:buNone/>
+            </a:pPr>
+            <a:r>
+              <a:rPr lang="es-AR" sz="3200" dirty="0">
+                <a:solidFill>
+                  <a:schemeClr val="bg1"/>
+                </a:solidFill>
+              </a:rPr>
+              <a:t>Redes Neuronales Recurrentes </a:t>
+            </a:r>
+          </a:p>
+          <a:p>
+            <a:pPr marL="0" indent="0" algn="ctr">
+              <a:buNone/>
+            </a:pPr>
+            <a:r>
+              <a:rPr lang="es-AR" sz="3200" dirty="0" err="1">
+                <a:solidFill>
+                  <a:schemeClr val="bg1"/>
+                </a:solidFill>
+              </a:rPr>
+              <a:t>Recurrent</a:t>
+            </a:r>
+            <a:r>
+              <a:rPr lang="es-AR" sz="3200" dirty="0">
+                <a:solidFill>
+                  <a:schemeClr val="bg1"/>
+                </a:solidFill>
+              </a:rPr>
+              <a:t> Neural Network (RNN)</a:t>
+            </a:r>
+          </a:p>
+        </p:txBody>
+      </p:sp>
+      <p:sp>
+        <p:nvSpPr>
+          <p:cNvPr id="5" name="Subtitle 1"/>
+          <p:cNvSpPr txBox="1">
+            <a:spLocks/>
+          </p:cNvSpPr>
+          <p:nvPr/>
+        </p:nvSpPr>
+        <p:spPr>
+          <a:xfrm>
+            <a:off x="335003" y="1933945"/>
+            <a:ext cx="11521994" cy="1085871"/>
+          </a:xfrm>
+          <a:prstGeom prst="rect">
+            <a:avLst/>
+          </a:prstGeom>
+        </p:spPr>
+        <p:txBody>
+          <a:bodyPr vert="horz" lIns="91440" tIns="45720" rIns="91440" bIns="45720" rtlCol="0">
+            <a:noAutofit/>
+          </a:bodyPr>
+          <a:lstStyle>
+            <a:lvl1pPr marL="0" indent="0" algn="ctr" defTabSz="914400" rtl="0" eaLnBrk="1" latinLnBrk="0" hangingPunct="1">
+              <a:lnSpc>
+                <a:spcPct val="90000"/>
+              </a:lnSpc>
+              <a:spcBef>
+                <a:spcPts val="1000"/>
+              </a:spcBef>
+              <a:buFont typeface="Arial" panose="020B0604020202020204" pitchFamily="34" charset="0"/>
+              <a:buNone/>
+              <a:defRPr sz="2400" kern="1200">
+                <a:solidFill>
+                  <a:schemeClr val="tx1"/>
+                </a:solidFill>
+                <a:latin typeface="+mn-lt"/>
+                <a:ea typeface="+mn-ea"/>
+                <a:cs typeface="+mn-cs"/>
+              </a:defRPr>
+            </a:lvl1pPr>
+            <a:lvl2pPr marL="457200" indent="0" algn="ctr" defTabSz="914400" rtl="0" eaLnBrk="1" latinLnBrk="0" hangingPunct="1">
+              <a:lnSpc>
+                <a:spcPct val="90000"/>
+              </a:lnSpc>
+              <a:spcBef>
+                <a:spcPts val="500"/>
+              </a:spcBef>
+              <a:buFont typeface="Arial" panose="020B0604020202020204" pitchFamily="34" charset="0"/>
+              <a:buNone/>
+              <a:defRPr sz="2000" kern="1200">
+                <a:solidFill>
+                  <a:schemeClr val="tx1"/>
+                </a:solidFill>
+                <a:latin typeface="+mn-lt"/>
+                <a:ea typeface="+mn-ea"/>
+                <a:cs typeface="+mn-cs"/>
+              </a:defRPr>
+            </a:lvl2pPr>
+            <a:lvl3pPr marL="914400" indent="0" algn="ctr" defTabSz="914400" rtl="0" eaLnBrk="1" latinLnBrk="0" hangingPunct="1">
+              <a:lnSpc>
+                <a:spcPct val="90000"/>
+              </a:lnSpc>
+              <a:spcBef>
+                <a:spcPts val="500"/>
+              </a:spcBef>
+              <a:buFont typeface="Arial" panose="020B0604020202020204" pitchFamily="34" charset="0"/>
+              <a:buNone/>
+              <a:defRPr sz="1800" kern="1200">
+                <a:solidFill>
+                  <a:schemeClr val="tx1"/>
+                </a:solidFill>
+                <a:latin typeface="+mn-lt"/>
+                <a:ea typeface="+mn-ea"/>
+                <a:cs typeface="+mn-cs"/>
+              </a:defRPr>
+            </a:lvl3pPr>
+            <a:lvl4pPr marL="1371600" indent="0" algn="ctr" defTabSz="914400" rtl="0" eaLnBrk="1" latinLnBrk="0" hangingPunct="1">
+              <a:lnSpc>
+                <a:spcPct val="90000"/>
+              </a:lnSpc>
+              <a:spcBef>
+                <a:spcPts val="500"/>
+              </a:spcBef>
+              <a:buFont typeface="Arial" panose="020B0604020202020204" pitchFamily="34" charset="0"/>
+              <a:buNone/>
+              <a:defRPr sz="1600" kern="1200">
+                <a:solidFill>
+                  <a:schemeClr val="tx1"/>
+                </a:solidFill>
+                <a:latin typeface="+mn-lt"/>
+                <a:ea typeface="+mn-ea"/>
+                <a:cs typeface="+mn-cs"/>
+              </a:defRPr>
+            </a:lvl4pPr>
+            <a:lvl5pPr marL="1828800" indent="0" algn="ctr" defTabSz="914400" rtl="0" eaLnBrk="1" latinLnBrk="0" hangingPunct="1">
+              <a:lnSpc>
+                <a:spcPct val="90000"/>
+              </a:lnSpc>
+              <a:spcBef>
+                <a:spcPts val="500"/>
+              </a:spcBef>
+              <a:buFont typeface="Arial" panose="020B0604020202020204" pitchFamily="34" charset="0"/>
+              <a:buNone/>
+              <a:defRPr sz="1600" kern="1200">
+                <a:solidFill>
+                  <a:schemeClr val="tx1"/>
+                </a:solidFill>
+                <a:latin typeface="+mn-lt"/>
+                <a:ea typeface="+mn-ea"/>
+                <a:cs typeface="+mn-cs"/>
+              </a:defRPr>
+            </a:lvl5pPr>
+            <a:lvl6pPr marL="2286000" indent="0" algn="ctr" defTabSz="914400" rtl="0" eaLnBrk="1" latinLnBrk="0" hangingPunct="1">
+              <a:lnSpc>
+                <a:spcPct val="90000"/>
+              </a:lnSpc>
+              <a:spcBef>
+                <a:spcPts val="500"/>
+              </a:spcBef>
+              <a:buFont typeface="Arial" panose="020B0604020202020204" pitchFamily="34" charset="0"/>
+              <a:buNone/>
+              <a:defRPr sz="1600" kern="1200">
+                <a:solidFill>
+                  <a:schemeClr val="tx1"/>
+                </a:solidFill>
+                <a:latin typeface="+mn-lt"/>
+                <a:ea typeface="+mn-ea"/>
+                <a:cs typeface="+mn-cs"/>
+              </a:defRPr>
+            </a:lvl6pPr>
+            <a:lvl7pPr marL="2743200" indent="0" algn="ctr" defTabSz="914400" rtl="0" eaLnBrk="1" latinLnBrk="0" hangingPunct="1">
+              <a:lnSpc>
+                <a:spcPct val="90000"/>
+              </a:lnSpc>
+              <a:spcBef>
+                <a:spcPts val="500"/>
+              </a:spcBef>
+              <a:buFont typeface="Arial" panose="020B0604020202020204" pitchFamily="34" charset="0"/>
+              <a:buNone/>
+              <a:defRPr sz="1600" kern="1200">
+                <a:solidFill>
+                  <a:schemeClr val="tx1"/>
+                </a:solidFill>
+                <a:latin typeface="+mn-lt"/>
+                <a:ea typeface="+mn-ea"/>
+                <a:cs typeface="+mn-cs"/>
+              </a:defRPr>
+            </a:lvl7pPr>
+            <a:lvl8pPr marL="3200400" indent="0" algn="ctr" defTabSz="914400" rtl="0" eaLnBrk="1" latinLnBrk="0" hangingPunct="1">
+              <a:lnSpc>
+                <a:spcPct val="90000"/>
+              </a:lnSpc>
+              <a:spcBef>
+                <a:spcPts val="500"/>
+              </a:spcBef>
+              <a:buFont typeface="Arial" panose="020B0604020202020204" pitchFamily="34" charset="0"/>
+              <a:buNone/>
+              <a:defRPr sz="1600" kern="1200">
+                <a:solidFill>
+                  <a:schemeClr val="tx1"/>
+                </a:solidFill>
+                <a:latin typeface="+mn-lt"/>
+                <a:ea typeface="+mn-ea"/>
+                <a:cs typeface="+mn-cs"/>
+              </a:defRPr>
+            </a:lvl8pPr>
+            <a:lvl9pPr marL="3657600" indent="0" algn="ctr" defTabSz="914400" rtl="0" eaLnBrk="1" latinLnBrk="0" hangingPunct="1">
+              <a:lnSpc>
+                <a:spcPct val="90000"/>
+              </a:lnSpc>
+              <a:spcBef>
+                <a:spcPts val="500"/>
+              </a:spcBef>
+              <a:buFont typeface="Arial" panose="020B0604020202020204" pitchFamily="34" charset="0"/>
+              <a:buNone/>
+              <a:defRPr sz="1600" kern="1200">
+                <a:solidFill>
+                  <a:schemeClr val="tx1"/>
+                </a:solidFill>
+                <a:latin typeface="+mn-lt"/>
+                <a:ea typeface="+mn-ea"/>
+                <a:cs typeface="+mn-cs"/>
+              </a:defRPr>
+            </a:lvl9pPr>
+          </a:lstStyle>
+          <a:p>
+            <a:pPr algn="l"/>
+            <a:r>
+              <a:rPr lang="es-AR" sz="2800" dirty="0">
+                <a:solidFill>
+                  <a:schemeClr val="bg1"/>
+                </a:solidFill>
+              </a:rPr>
+              <a:t>Red neuronal </a:t>
+            </a:r>
+            <a:r>
+              <a:rPr lang="es-AR" sz="2800" b="1" dirty="0">
+                <a:solidFill>
+                  <a:schemeClr val="bg1"/>
+                </a:solidFill>
+              </a:rPr>
+              <a:t>favorita</a:t>
+            </a:r>
+            <a:r>
+              <a:rPr lang="es-AR" sz="2800" dirty="0">
+                <a:solidFill>
+                  <a:schemeClr val="bg1"/>
+                </a:solidFill>
+              </a:rPr>
+              <a:t> para el trabajo secuencias ( datos que en cuya naturaleza exista un </a:t>
+            </a:r>
+            <a:r>
+              <a:rPr lang="es-AR" sz="2800" b="1" dirty="0">
+                <a:solidFill>
+                  <a:schemeClr val="bg1"/>
+                </a:solidFill>
+              </a:rPr>
+              <a:t>comportamiento secuencial</a:t>
+            </a:r>
+            <a:r>
+              <a:rPr lang="es-AR" sz="2800" dirty="0">
+                <a:solidFill>
+                  <a:schemeClr val="bg1"/>
+                </a:solidFill>
+              </a:rPr>
+              <a:t>):</a:t>
+            </a:r>
+          </a:p>
+          <a:p>
+            <a:pPr algn="l"/>
+            <a:endParaRPr lang="es-AR" sz="2800" dirty="0">
+              <a:solidFill>
+                <a:schemeClr val="bg1"/>
+              </a:solidFill>
+            </a:endParaRPr>
+          </a:p>
+          <a:p>
+            <a:pPr algn="l"/>
+            <a:r>
+              <a:rPr lang="es-AR" sz="2800" dirty="0">
+                <a:solidFill>
+                  <a:schemeClr val="bg1"/>
+                </a:solidFill>
+              </a:rPr>
+              <a:t>	- señales temporales</a:t>
+            </a:r>
+          </a:p>
+          <a:p>
+            <a:pPr algn="l"/>
+            <a:r>
+              <a:rPr lang="es-AR" sz="2800" dirty="0">
+                <a:solidFill>
+                  <a:schemeClr val="bg1"/>
+                </a:solidFill>
+              </a:rPr>
+              <a:t>	- series temporales</a:t>
+            </a:r>
+          </a:p>
+          <a:p>
+            <a:pPr algn="l"/>
+            <a:r>
+              <a:rPr lang="es-AR" sz="2800" dirty="0">
+                <a:solidFill>
+                  <a:schemeClr val="bg1"/>
+                </a:solidFill>
+              </a:rPr>
+              <a:t>	- texto</a:t>
+            </a:r>
+          </a:p>
+          <a:p>
+            <a:pPr algn="l"/>
+            <a:r>
+              <a:rPr lang="es-AR" sz="2800" dirty="0">
+                <a:solidFill>
+                  <a:schemeClr val="bg1"/>
+                </a:solidFill>
+              </a:rPr>
+              <a:t>	- habla</a:t>
+            </a:r>
+          </a:p>
+          <a:p>
+            <a:pPr algn="l"/>
+            <a:r>
+              <a:rPr lang="es-AR" sz="2800" dirty="0">
+                <a:solidFill>
+                  <a:schemeClr val="bg1"/>
+                </a:solidFill>
+              </a:rPr>
+              <a:t>	- música</a:t>
+            </a:r>
+          </a:p>
+          <a:p>
+            <a:pPr algn="l"/>
+            <a:r>
+              <a:rPr lang="es-AR" sz="2800" dirty="0">
+                <a:solidFill>
+                  <a:schemeClr val="bg1"/>
+                </a:solidFill>
+              </a:rPr>
+              <a:t>	- </a:t>
+            </a:r>
+            <a:r>
+              <a:rPr lang="es-AR" sz="2800" dirty="0" err="1">
+                <a:solidFill>
+                  <a:schemeClr val="bg1"/>
+                </a:solidFill>
+              </a:rPr>
+              <a:t>etc</a:t>
+            </a:r>
+            <a:endParaRPr lang="es-AR" sz="2800" dirty="0">
+              <a:solidFill>
+                <a:schemeClr val="bg1"/>
+              </a:solidFill>
+            </a:endParaRPr>
+          </a:p>
+          <a:p>
+            <a:pPr algn="l"/>
+            <a:endParaRPr lang="es-AR" sz="2800" dirty="0">
+              <a:solidFill>
+                <a:schemeClr val="bg1"/>
+              </a:solidFill>
+            </a:endParaRPr>
+          </a:p>
+        </p:txBody>
+      </p:sp>
+    </p:spTree>
+    <p:extLst>
+      <p:ext uri="{BB962C8B-B14F-4D97-AF65-F5344CB8AC3E}">
+        <p14:creationId xmlns:p14="http://schemas.microsoft.com/office/powerpoint/2010/main" val="4212515199"/>
+      </p:ext>
+    </p:extLst>
+  </p:cSld>
+  <p:clrMapOvr>
+    <a:masterClrMapping/>
+  </p:clrMapOvr>
+</p:sld>
+</file>
+
+<file path=ppt/slides/slide20.xml><?xml version="1.0" encoding="utf-8"?>
 <p:sld xmlns:a="http://schemas.openxmlformats.org/drawingml/2006/main" xmlns:r="http://schemas.openxmlformats.org/officeDocument/2006/relationships" xmlns:p="http://schemas.openxmlformats.org/presentationml/2006/main">
   <p:cSld>
     <p:spTree>
@@ -24203,6 +22866,1430 @@
 </p:sld>
 </file>
 
+<file path=ppt/slides/slide21.xml><?xml version="1.0" encoding="utf-8"?>
+<p:sld xmlns:a="http://schemas.openxmlformats.org/drawingml/2006/main" xmlns:r="http://schemas.openxmlformats.org/officeDocument/2006/relationships" xmlns:p="http://schemas.openxmlformats.org/presentationml/2006/main">
+  <p:cSld>
+    <p:spTree>
+      <p:nvGrpSpPr>
+        <p:cNvPr id="1" name=""/>
+        <p:cNvGrpSpPr/>
+        <p:nvPr/>
+      </p:nvGrpSpPr>
+      <p:grpSpPr>
+        <a:xfrm>
+          <a:off x="0" y="0"/>
+          <a:ext cx="0" cy="0"/>
+          <a:chOff x="0" y="0"/>
+          <a:chExt cx="0" cy="0"/>
+        </a:xfrm>
+      </p:grpSpPr>
+      <p:sp>
+        <p:nvSpPr>
+          <p:cNvPr id="2" name="Subtitle 1"/>
+          <p:cNvSpPr txBox="1">
+            <a:spLocks/>
+          </p:cNvSpPr>
+          <p:nvPr/>
+        </p:nvSpPr>
+        <p:spPr>
+          <a:xfrm>
+            <a:off x="296213" y="0"/>
+            <a:ext cx="11694017" cy="811369"/>
+          </a:xfrm>
+          <a:prstGeom prst="rect">
+            <a:avLst/>
+          </a:prstGeom>
+        </p:spPr>
+        <p:txBody>
+          <a:bodyPr vert="horz" lIns="91440" tIns="45720" rIns="91440" bIns="45720" rtlCol="0">
+            <a:noAutofit/>
+          </a:bodyPr>
+          <a:lstStyle>
+            <a:lvl1pPr marL="228600" indent="-228600" algn="l" defTabSz="914400" rtl="0" eaLnBrk="1" latinLnBrk="0" hangingPunct="1">
+              <a:lnSpc>
+                <a:spcPct val="120000"/>
+              </a:lnSpc>
+              <a:spcBef>
+                <a:spcPts val="1000"/>
+              </a:spcBef>
+              <a:buSzPct val="125000"/>
+              <a:buFont typeface="Arial" panose="020B0604020202020204" pitchFamily="34" charset="0"/>
+              <a:buChar char="•"/>
+              <a:defRPr sz="2400" kern="1200">
+                <a:solidFill>
+                  <a:schemeClr val="tx1"/>
+                </a:solidFill>
+                <a:latin typeface="+mn-lt"/>
+                <a:ea typeface="+mn-ea"/>
+                <a:cs typeface="+mn-cs"/>
+              </a:defRPr>
+            </a:lvl1pPr>
+            <a:lvl2pPr marL="685800" indent="-228600" algn="l" defTabSz="914400" rtl="0" eaLnBrk="1" latinLnBrk="0" hangingPunct="1">
+              <a:lnSpc>
+                <a:spcPct val="120000"/>
+              </a:lnSpc>
+              <a:spcBef>
+                <a:spcPts val="500"/>
+              </a:spcBef>
+              <a:buSzPct val="125000"/>
+              <a:buFont typeface="Arial" panose="020B0604020202020204" pitchFamily="34" charset="0"/>
+              <a:buChar char="•"/>
+              <a:defRPr sz="2000" kern="1200">
+                <a:solidFill>
+                  <a:schemeClr val="tx1"/>
+                </a:solidFill>
+                <a:latin typeface="+mn-lt"/>
+                <a:ea typeface="+mn-ea"/>
+                <a:cs typeface="+mn-cs"/>
+              </a:defRPr>
+            </a:lvl2pPr>
+            <a:lvl3pPr marL="1143000" indent="-228600" algn="l" defTabSz="914400" rtl="0" eaLnBrk="1" latinLnBrk="0" hangingPunct="1">
+              <a:lnSpc>
+                <a:spcPct val="120000"/>
+              </a:lnSpc>
+              <a:spcBef>
+                <a:spcPts val="500"/>
+              </a:spcBef>
+              <a:buSzPct val="125000"/>
+              <a:buFont typeface="Arial" panose="020B0604020202020204" pitchFamily="34" charset="0"/>
+              <a:buChar char="•"/>
+              <a:defRPr sz="1800" kern="1200">
+                <a:solidFill>
+                  <a:schemeClr val="tx1"/>
+                </a:solidFill>
+                <a:latin typeface="+mn-lt"/>
+                <a:ea typeface="+mn-ea"/>
+                <a:cs typeface="+mn-cs"/>
+              </a:defRPr>
+            </a:lvl3pPr>
+            <a:lvl4pPr marL="1600200" indent="-228600" algn="l" defTabSz="914400" rtl="0" eaLnBrk="1" latinLnBrk="0" hangingPunct="1">
+              <a:lnSpc>
+                <a:spcPct val="120000"/>
+              </a:lnSpc>
+              <a:spcBef>
+                <a:spcPts val="500"/>
+              </a:spcBef>
+              <a:buSzPct val="125000"/>
+              <a:buFont typeface="Arial" panose="020B0604020202020204" pitchFamily="34" charset="0"/>
+              <a:buChar char="•"/>
+              <a:defRPr sz="1600" kern="1200">
+                <a:solidFill>
+                  <a:schemeClr val="tx1"/>
+                </a:solidFill>
+                <a:latin typeface="+mn-lt"/>
+                <a:ea typeface="+mn-ea"/>
+                <a:cs typeface="+mn-cs"/>
+              </a:defRPr>
+            </a:lvl4pPr>
+            <a:lvl5pPr marL="2057400" indent="-228600" algn="l" defTabSz="914400" rtl="0" eaLnBrk="1" latinLnBrk="0" hangingPunct="1">
+              <a:lnSpc>
+                <a:spcPct val="120000"/>
+              </a:lnSpc>
+              <a:spcBef>
+                <a:spcPts val="500"/>
+              </a:spcBef>
+              <a:buSzPct val="125000"/>
+              <a:buFont typeface="Arial" panose="020B0604020202020204" pitchFamily="34" charset="0"/>
+              <a:buChar char="•"/>
+              <a:defRPr sz="1600" kern="1200">
+                <a:solidFill>
+                  <a:schemeClr val="tx1"/>
+                </a:solidFill>
+                <a:latin typeface="+mn-lt"/>
+                <a:ea typeface="+mn-ea"/>
+                <a:cs typeface="+mn-cs"/>
+              </a:defRPr>
+            </a:lvl5pPr>
+            <a:lvl6pPr marL="2514600" indent="-228600" algn="l" defTabSz="914400" rtl="0" eaLnBrk="1" latinLnBrk="0" hangingPunct="1">
+              <a:lnSpc>
+                <a:spcPct val="120000"/>
+              </a:lnSpc>
+              <a:spcBef>
+                <a:spcPts val="500"/>
+              </a:spcBef>
+              <a:buSzPct val="125000"/>
+              <a:buFont typeface="Arial" panose="020B0604020202020204" pitchFamily="34" charset="0"/>
+              <a:buChar char="•"/>
+              <a:defRPr sz="1400" kern="1200">
+                <a:solidFill>
+                  <a:schemeClr val="tx1"/>
+                </a:solidFill>
+                <a:latin typeface="+mn-lt"/>
+                <a:ea typeface="+mn-ea"/>
+                <a:cs typeface="+mn-cs"/>
+              </a:defRPr>
+            </a:lvl6pPr>
+            <a:lvl7pPr marL="2971800" indent="-228600" algn="l" defTabSz="914400" rtl="0" eaLnBrk="1" latinLnBrk="0" hangingPunct="1">
+              <a:lnSpc>
+                <a:spcPct val="120000"/>
+              </a:lnSpc>
+              <a:spcBef>
+                <a:spcPts val="500"/>
+              </a:spcBef>
+              <a:buSzPct val="125000"/>
+              <a:buFont typeface="Arial" panose="020B0604020202020204" pitchFamily="34" charset="0"/>
+              <a:buChar char="•"/>
+              <a:defRPr sz="1400" kern="1200">
+                <a:solidFill>
+                  <a:schemeClr val="tx1"/>
+                </a:solidFill>
+                <a:latin typeface="+mn-lt"/>
+                <a:ea typeface="+mn-ea"/>
+                <a:cs typeface="+mn-cs"/>
+              </a:defRPr>
+            </a:lvl7pPr>
+            <a:lvl8pPr marL="3429000" indent="-228600" algn="l" defTabSz="914400" rtl="0" eaLnBrk="1" latinLnBrk="0" hangingPunct="1">
+              <a:lnSpc>
+                <a:spcPct val="120000"/>
+              </a:lnSpc>
+              <a:spcBef>
+                <a:spcPts val="500"/>
+              </a:spcBef>
+              <a:buSzPct val="125000"/>
+              <a:buFont typeface="Arial" panose="020B0604020202020204" pitchFamily="34" charset="0"/>
+              <a:buChar char="•"/>
+              <a:defRPr sz="1400" kern="1200">
+                <a:solidFill>
+                  <a:schemeClr val="tx1"/>
+                </a:solidFill>
+                <a:latin typeface="+mn-lt"/>
+                <a:ea typeface="+mn-ea"/>
+                <a:cs typeface="+mn-cs"/>
+              </a:defRPr>
+            </a:lvl8pPr>
+            <a:lvl9pPr marL="3886200" indent="-228600" algn="l" defTabSz="914400" rtl="0" eaLnBrk="1" latinLnBrk="0" hangingPunct="1">
+              <a:lnSpc>
+                <a:spcPct val="120000"/>
+              </a:lnSpc>
+              <a:spcBef>
+                <a:spcPts val="500"/>
+              </a:spcBef>
+              <a:buSzPct val="125000"/>
+              <a:buFont typeface="Arial" panose="020B0604020202020204" pitchFamily="34" charset="0"/>
+              <a:buChar char="•"/>
+              <a:defRPr sz="1400" kern="1200">
+                <a:solidFill>
+                  <a:schemeClr val="tx1"/>
+                </a:solidFill>
+                <a:latin typeface="+mn-lt"/>
+                <a:ea typeface="+mn-ea"/>
+                <a:cs typeface="+mn-cs"/>
+              </a:defRPr>
+            </a:lvl9pPr>
+          </a:lstStyle>
+          <a:p>
+            <a:pPr marL="0" indent="0" algn="ctr">
+              <a:buNone/>
+            </a:pPr>
+            <a:r>
+              <a:rPr lang="es-AR" sz="3200" dirty="0" err="1">
+                <a:solidFill>
+                  <a:schemeClr val="bg1"/>
+                </a:solidFill>
+              </a:rPr>
+              <a:t>Recurrent</a:t>
+            </a:r>
+            <a:r>
+              <a:rPr lang="es-AR" sz="3200" dirty="0">
+                <a:solidFill>
+                  <a:schemeClr val="bg1"/>
+                </a:solidFill>
+              </a:rPr>
+              <a:t> Neural Network (RNN)</a:t>
+            </a:r>
+          </a:p>
+          <a:p>
+            <a:pPr marL="0" indent="0" algn="ctr">
+              <a:buNone/>
+            </a:pPr>
+            <a:r>
+              <a:rPr lang="es-AR" sz="3200" dirty="0">
+                <a:solidFill>
+                  <a:schemeClr val="bg1"/>
+                </a:solidFill>
+              </a:rPr>
+              <a:t>Arquitecturas flexibles IN/OUT</a:t>
+            </a:r>
+          </a:p>
+        </p:txBody>
+      </p:sp>
+      <p:pic>
+        <p:nvPicPr>
+          <p:cNvPr id="4" name="Picture 3"/>
+          <p:cNvPicPr>
+            <a:picLocks noChangeAspect="1"/>
+          </p:cNvPicPr>
+          <p:nvPr/>
+        </p:nvPicPr>
+        <p:blipFill>
+          <a:blip r:embed="rId2">
+            <a:extLst>
+              <a:ext uri="{28A0092B-C50C-407E-A947-70E740481C1C}">
+                <a14:useLocalDpi xmlns:a14="http://schemas.microsoft.com/office/drawing/2010/main" val="0"/>
+              </a:ext>
+            </a:extLst>
+          </a:blip>
+          <a:stretch>
+            <a:fillRect/>
+          </a:stretch>
+        </p:blipFill>
+        <p:spPr>
+          <a:xfrm>
+            <a:off x="0" y="1456452"/>
+            <a:ext cx="12192000" cy="3816307"/>
+          </a:xfrm>
+          <a:prstGeom prst="rect">
+            <a:avLst/>
+          </a:prstGeom>
+        </p:spPr>
+      </p:pic>
+      <p:sp>
+        <p:nvSpPr>
+          <p:cNvPr id="5" name="Subtitle 1"/>
+          <p:cNvSpPr txBox="1">
+            <a:spLocks/>
+          </p:cNvSpPr>
+          <p:nvPr/>
+        </p:nvSpPr>
+        <p:spPr>
+          <a:xfrm>
+            <a:off x="440027" y="5394484"/>
+            <a:ext cx="746976" cy="362372"/>
+          </a:xfrm>
+          <a:prstGeom prst="rect">
+            <a:avLst/>
+          </a:prstGeom>
+        </p:spPr>
+        <p:txBody>
+          <a:bodyPr vert="horz" lIns="91440" tIns="45720" rIns="91440" bIns="45720" rtlCol="0">
+            <a:noAutofit/>
+          </a:bodyPr>
+          <a:lstStyle>
+            <a:lvl1pPr marL="0" indent="0" algn="ctr" defTabSz="914400" rtl="0" eaLnBrk="1" latinLnBrk="0" hangingPunct="1">
+              <a:lnSpc>
+                <a:spcPct val="90000"/>
+              </a:lnSpc>
+              <a:spcBef>
+                <a:spcPts val="1000"/>
+              </a:spcBef>
+              <a:buFont typeface="Arial" panose="020B0604020202020204" pitchFamily="34" charset="0"/>
+              <a:buNone/>
+              <a:defRPr sz="2400" kern="1200">
+                <a:solidFill>
+                  <a:schemeClr val="tx1"/>
+                </a:solidFill>
+                <a:latin typeface="+mn-lt"/>
+                <a:ea typeface="+mn-ea"/>
+                <a:cs typeface="+mn-cs"/>
+              </a:defRPr>
+            </a:lvl1pPr>
+            <a:lvl2pPr marL="457200" indent="0" algn="ctr" defTabSz="914400" rtl="0" eaLnBrk="1" latinLnBrk="0" hangingPunct="1">
+              <a:lnSpc>
+                <a:spcPct val="90000"/>
+              </a:lnSpc>
+              <a:spcBef>
+                <a:spcPts val="500"/>
+              </a:spcBef>
+              <a:buFont typeface="Arial" panose="020B0604020202020204" pitchFamily="34" charset="0"/>
+              <a:buNone/>
+              <a:defRPr sz="2000" kern="1200">
+                <a:solidFill>
+                  <a:schemeClr val="tx1"/>
+                </a:solidFill>
+                <a:latin typeface="+mn-lt"/>
+                <a:ea typeface="+mn-ea"/>
+                <a:cs typeface="+mn-cs"/>
+              </a:defRPr>
+            </a:lvl2pPr>
+            <a:lvl3pPr marL="914400" indent="0" algn="ctr" defTabSz="914400" rtl="0" eaLnBrk="1" latinLnBrk="0" hangingPunct="1">
+              <a:lnSpc>
+                <a:spcPct val="90000"/>
+              </a:lnSpc>
+              <a:spcBef>
+                <a:spcPts val="500"/>
+              </a:spcBef>
+              <a:buFont typeface="Arial" panose="020B0604020202020204" pitchFamily="34" charset="0"/>
+              <a:buNone/>
+              <a:defRPr sz="1800" kern="1200">
+                <a:solidFill>
+                  <a:schemeClr val="tx1"/>
+                </a:solidFill>
+                <a:latin typeface="+mn-lt"/>
+                <a:ea typeface="+mn-ea"/>
+                <a:cs typeface="+mn-cs"/>
+              </a:defRPr>
+            </a:lvl3pPr>
+            <a:lvl4pPr marL="1371600" indent="0" algn="ctr" defTabSz="914400" rtl="0" eaLnBrk="1" latinLnBrk="0" hangingPunct="1">
+              <a:lnSpc>
+                <a:spcPct val="90000"/>
+              </a:lnSpc>
+              <a:spcBef>
+                <a:spcPts val="500"/>
+              </a:spcBef>
+              <a:buFont typeface="Arial" panose="020B0604020202020204" pitchFamily="34" charset="0"/>
+              <a:buNone/>
+              <a:defRPr sz="1600" kern="1200">
+                <a:solidFill>
+                  <a:schemeClr val="tx1"/>
+                </a:solidFill>
+                <a:latin typeface="+mn-lt"/>
+                <a:ea typeface="+mn-ea"/>
+                <a:cs typeface="+mn-cs"/>
+              </a:defRPr>
+            </a:lvl4pPr>
+            <a:lvl5pPr marL="1828800" indent="0" algn="ctr" defTabSz="914400" rtl="0" eaLnBrk="1" latinLnBrk="0" hangingPunct="1">
+              <a:lnSpc>
+                <a:spcPct val="90000"/>
+              </a:lnSpc>
+              <a:spcBef>
+                <a:spcPts val="500"/>
+              </a:spcBef>
+              <a:buFont typeface="Arial" panose="020B0604020202020204" pitchFamily="34" charset="0"/>
+              <a:buNone/>
+              <a:defRPr sz="1600" kern="1200">
+                <a:solidFill>
+                  <a:schemeClr val="tx1"/>
+                </a:solidFill>
+                <a:latin typeface="+mn-lt"/>
+                <a:ea typeface="+mn-ea"/>
+                <a:cs typeface="+mn-cs"/>
+              </a:defRPr>
+            </a:lvl5pPr>
+            <a:lvl6pPr marL="2286000" indent="0" algn="ctr" defTabSz="914400" rtl="0" eaLnBrk="1" latinLnBrk="0" hangingPunct="1">
+              <a:lnSpc>
+                <a:spcPct val="90000"/>
+              </a:lnSpc>
+              <a:spcBef>
+                <a:spcPts val="500"/>
+              </a:spcBef>
+              <a:buFont typeface="Arial" panose="020B0604020202020204" pitchFamily="34" charset="0"/>
+              <a:buNone/>
+              <a:defRPr sz="1600" kern="1200">
+                <a:solidFill>
+                  <a:schemeClr val="tx1"/>
+                </a:solidFill>
+                <a:latin typeface="+mn-lt"/>
+                <a:ea typeface="+mn-ea"/>
+                <a:cs typeface="+mn-cs"/>
+              </a:defRPr>
+            </a:lvl6pPr>
+            <a:lvl7pPr marL="2743200" indent="0" algn="ctr" defTabSz="914400" rtl="0" eaLnBrk="1" latinLnBrk="0" hangingPunct="1">
+              <a:lnSpc>
+                <a:spcPct val="90000"/>
+              </a:lnSpc>
+              <a:spcBef>
+                <a:spcPts val="500"/>
+              </a:spcBef>
+              <a:buFont typeface="Arial" panose="020B0604020202020204" pitchFamily="34" charset="0"/>
+              <a:buNone/>
+              <a:defRPr sz="1600" kern="1200">
+                <a:solidFill>
+                  <a:schemeClr val="tx1"/>
+                </a:solidFill>
+                <a:latin typeface="+mn-lt"/>
+                <a:ea typeface="+mn-ea"/>
+                <a:cs typeface="+mn-cs"/>
+              </a:defRPr>
+            </a:lvl7pPr>
+            <a:lvl8pPr marL="3200400" indent="0" algn="ctr" defTabSz="914400" rtl="0" eaLnBrk="1" latinLnBrk="0" hangingPunct="1">
+              <a:lnSpc>
+                <a:spcPct val="90000"/>
+              </a:lnSpc>
+              <a:spcBef>
+                <a:spcPts val="500"/>
+              </a:spcBef>
+              <a:buFont typeface="Arial" panose="020B0604020202020204" pitchFamily="34" charset="0"/>
+              <a:buNone/>
+              <a:defRPr sz="1600" kern="1200">
+                <a:solidFill>
+                  <a:schemeClr val="tx1"/>
+                </a:solidFill>
+                <a:latin typeface="+mn-lt"/>
+                <a:ea typeface="+mn-ea"/>
+                <a:cs typeface="+mn-cs"/>
+              </a:defRPr>
+            </a:lvl8pPr>
+            <a:lvl9pPr marL="3657600" indent="0" algn="ctr" defTabSz="914400" rtl="0" eaLnBrk="1" latinLnBrk="0" hangingPunct="1">
+              <a:lnSpc>
+                <a:spcPct val="90000"/>
+              </a:lnSpc>
+              <a:spcBef>
+                <a:spcPts val="500"/>
+              </a:spcBef>
+              <a:buFont typeface="Arial" panose="020B0604020202020204" pitchFamily="34" charset="0"/>
+              <a:buNone/>
+              <a:defRPr sz="1600" kern="1200">
+                <a:solidFill>
+                  <a:schemeClr val="tx1"/>
+                </a:solidFill>
+                <a:latin typeface="+mn-lt"/>
+                <a:ea typeface="+mn-ea"/>
+                <a:cs typeface="+mn-cs"/>
+              </a:defRPr>
+            </a:lvl9pPr>
+          </a:lstStyle>
+          <a:p>
+            <a:pPr algn="l"/>
+            <a:r>
+              <a:rPr lang="es-AR" sz="2000" dirty="0">
+                <a:solidFill>
+                  <a:schemeClr val="bg1"/>
+                </a:solidFill>
+              </a:rPr>
+              <a:t>MLP</a:t>
+            </a:r>
+          </a:p>
+        </p:txBody>
+      </p:sp>
+      <p:sp>
+        <p:nvSpPr>
+          <p:cNvPr id="6" name="Subtitle 1"/>
+          <p:cNvSpPr txBox="1">
+            <a:spLocks/>
+          </p:cNvSpPr>
+          <p:nvPr/>
+        </p:nvSpPr>
+        <p:spPr>
+          <a:xfrm>
+            <a:off x="1891047" y="5394484"/>
+            <a:ext cx="1843826" cy="523358"/>
+          </a:xfrm>
+          <a:prstGeom prst="rect">
+            <a:avLst/>
+          </a:prstGeom>
+        </p:spPr>
+        <p:txBody>
+          <a:bodyPr vert="horz" lIns="91440" tIns="45720" rIns="91440" bIns="45720" rtlCol="0">
+            <a:noAutofit/>
+          </a:bodyPr>
+          <a:lstStyle>
+            <a:lvl1pPr marL="0" indent="0" algn="ctr" defTabSz="914400" rtl="0" eaLnBrk="1" latinLnBrk="0" hangingPunct="1">
+              <a:lnSpc>
+                <a:spcPct val="90000"/>
+              </a:lnSpc>
+              <a:spcBef>
+                <a:spcPts val="1000"/>
+              </a:spcBef>
+              <a:buFont typeface="Arial" panose="020B0604020202020204" pitchFamily="34" charset="0"/>
+              <a:buNone/>
+              <a:defRPr sz="2400" kern="1200">
+                <a:solidFill>
+                  <a:schemeClr val="tx1"/>
+                </a:solidFill>
+                <a:latin typeface="+mn-lt"/>
+                <a:ea typeface="+mn-ea"/>
+                <a:cs typeface="+mn-cs"/>
+              </a:defRPr>
+            </a:lvl1pPr>
+            <a:lvl2pPr marL="457200" indent="0" algn="ctr" defTabSz="914400" rtl="0" eaLnBrk="1" latinLnBrk="0" hangingPunct="1">
+              <a:lnSpc>
+                <a:spcPct val="90000"/>
+              </a:lnSpc>
+              <a:spcBef>
+                <a:spcPts val="500"/>
+              </a:spcBef>
+              <a:buFont typeface="Arial" panose="020B0604020202020204" pitchFamily="34" charset="0"/>
+              <a:buNone/>
+              <a:defRPr sz="2000" kern="1200">
+                <a:solidFill>
+                  <a:schemeClr val="tx1"/>
+                </a:solidFill>
+                <a:latin typeface="+mn-lt"/>
+                <a:ea typeface="+mn-ea"/>
+                <a:cs typeface="+mn-cs"/>
+              </a:defRPr>
+            </a:lvl2pPr>
+            <a:lvl3pPr marL="914400" indent="0" algn="ctr" defTabSz="914400" rtl="0" eaLnBrk="1" latinLnBrk="0" hangingPunct="1">
+              <a:lnSpc>
+                <a:spcPct val="90000"/>
+              </a:lnSpc>
+              <a:spcBef>
+                <a:spcPts val="500"/>
+              </a:spcBef>
+              <a:buFont typeface="Arial" panose="020B0604020202020204" pitchFamily="34" charset="0"/>
+              <a:buNone/>
+              <a:defRPr sz="1800" kern="1200">
+                <a:solidFill>
+                  <a:schemeClr val="tx1"/>
+                </a:solidFill>
+                <a:latin typeface="+mn-lt"/>
+                <a:ea typeface="+mn-ea"/>
+                <a:cs typeface="+mn-cs"/>
+              </a:defRPr>
+            </a:lvl3pPr>
+            <a:lvl4pPr marL="1371600" indent="0" algn="ctr" defTabSz="914400" rtl="0" eaLnBrk="1" latinLnBrk="0" hangingPunct="1">
+              <a:lnSpc>
+                <a:spcPct val="90000"/>
+              </a:lnSpc>
+              <a:spcBef>
+                <a:spcPts val="500"/>
+              </a:spcBef>
+              <a:buFont typeface="Arial" panose="020B0604020202020204" pitchFamily="34" charset="0"/>
+              <a:buNone/>
+              <a:defRPr sz="1600" kern="1200">
+                <a:solidFill>
+                  <a:schemeClr val="tx1"/>
+                </a:solidFill>
+                <a:latin typeface="+mn-lt"/>
+                <a:ea typeface="+mn-ea"/>
+                <a:cs typeface="+mn-cs"/>
+              </a:defRPr>
+            </a:lvl4pPr>
+            <a:lvl5pPr marL="1828800" indent="0" algn="ctr" defTabSz="914400" rtl="0" eaLnBrk="1" latinLnBrk="0" hangingPunct="1">
+              <a:lnSpc>
+                <a:spcPct val="90000"/>
+              </a:lnSpc>
+              <a:spcBef>
+                <a:spcPts val="500"/>
+              </a:spcBef>
+              <a:buFont typeface="Arial" panose="020B0604020202020204" pitchFamily="34" charset="0"/>
+              <a:buNone/>
+              <a:defRPr sz="1600" kern="1200">
+                <a:solidFill>
+                  <a:schemeClr val="tx1"/>
+                </a:solidFill>
+                <a:latin typeface="+mn-lt"/>
+                <a:ea typeface="+mn-ea"/>
+                <a:cs typeface="+mn-cs"/>
+              </a:defRPr>
+            </a:lvl5pPr>
+            <a:lvl6pPr marL="2286000" indent="0" algn="ctr" defTabSz="914400" rtl="0" eaLnBrk="1" latinLnBrk="0" hangingPunct="1">
+              <a:lnSpc>
+                <a:spcPct val="90000"/>
+              </a:lnSpc>
+              <a:spcBef>
+                <a:spcPts val="500"/>
+              </a:spcBef>
+              <a:buFont typeface="Arial" panose="020B0604020202020204" pitchFamily="34" charset="0"/>
+              <a:buNone/>
+              <a:defRPr sz="1600" kern="1200">
+                <a:solidFill>
+                  <a:schemeClr val="tx1"/>
+                </a:solidFill>
+                <a:latin typeface="+mn-lt"/>
+                <a:ea typeface="+mn-ea"/>
+                <a:cs typeface="+mn-cs"/>
+              </a:defRPr>
+            </a:lvl6pPr>
+            <a:lvl7pPr marL="2743200" indent="0" algn="ctr" defTabSz="914400" rtl="0" eaLnBrk="1" latinLnBrk="0" hangingPunct="1">
+              <a:lnSpc>
+                <a:spcPct val="90000"/>
+              </a:lnSpc>
+              <a:spcBef>
+                <a:spcPts val="500"/>
+              </a:spcBef>
+              <a:buFont typeface="Arial" panose="020B0604020202020204" pitchFamily="34" charset="0"/>
+              <a:buNone/>
+              <a:defRPr sz="1600" kern="1200">
+                <a:solidFill>
+                  <a:schemeClr val="tx1"/>
+                </a:solidFill>
+                <a:latin typeface="+mn-lt"/>
+                <a:ea typeface="+mn-ea"/>
+                <a:cs typeface="+mn-cs"/>
+              </a:defRPr>
+            </a:lvl7pPr>
+            <a:lvl8pPr marL="3200400" indent="0" algn="ctr" defTabSz="914400" rtl="0" eaLnBrk="1" latinLnBrk="0" hangingPunct="1">
+              <a:lnSpc>
+                <a:spcPct val="90000"/>
+              </a:lnSpc>
+              <a:spcBef>
+                <a:spcPts val="500"/>
+              </a:spcBef>
+              <a:buFont typeface="Arial" panose="020B0604020202020204" pitchFamily="34" charset="0"/>
+              <a:buNone/>
+              <a:defRPr sz="1600" kern="1200">
+                <a:solidFill>
+                  <a:schemeClr val="tx1"/>
+                </a:solidFill>
+                <a:latin typeface="+mn-lt"/>
+                <a:ea typeface="+mn-ea"/>
+                <a:cs typeface="+mn-cs"/>
+              </a:defRPr>
+            </a:lvl8pPr>
+            <a:lvl9pPr marL="3657600" indent="0" algn="ctr" defTabSz="914400" rtl="0" eaLnBrk="1" latinLnBrk="0" hangingPunct="1">
+              <a:lnSpc>
+                <a:spcPct val="90000"/>
+              </a:lnSpc>
+              <a:spcBef>
+                <a:spcPts val="500"/>
+              </a:spcBef>
+              <a:buFont typeface="Arial" panose="020B0604020202020204" pitchFamily="34" charset="0"/>
+              <a:buNone/>
+              <a:defRPr sz="1600" kern="1200">
+                <a:solidFill>
+                  <a:schemeClr val="tx1"/>
+                </a:solidFill>
+                <a:latin typeface="+mn-lt"/>
+                <a:ea typeface="+mn-ea"/>
+                <a:cs typeface="+mn-cs"/>
+              </a:defRPr>
+            </a:lvl9pPr>
+          </a:lstStyle>
+          <a:p>
+            <a:pPr algn="l"/>
+            <a:r>
+              <a:rPr lang="es-AR" sz="1800" dirty="0" err="1">
+                <a:solidFill>
+                  <a:schemeClr val="bg1"/>
+                </a:solidFill>
+              </a:rPr>
+              <a:t>Img</a:t>
+            </a:r>
+            <a:r>
+              <a:rPr lang="es-AR" sz="1800" dirty="0">
+                <a:solidFill>
+                  <a:schemeClr val="bg1"/>
+                </a:solidFill>
+              </a:rPr>
+              <a:t> </a:t>
+            </a:r>
+            <a:r>
+              <a:rPr lang="es-AR" sz="1800" dirty="0" err="1">
+                <a:solidFill>
+                  <a:schemeClr val="bg1"/>
+                </a:solidFill>
+              </a:rPr>
+              <a:t>captioning</a:t>
+            </a:r>
+            <a:endParaRPr lang="es-AR" sz="1800" dirty="0">
+              <a:solidFill>
+                <a:schemeClr val="bg1"/>
+              </a:solidFill>
+            </a:endParaRPr>
+          </a:p>
+        </p:txBody>
+      </p:sp>
+      <p:sp>
+        <p:nvSpPr>
+          <p:cNvPr id="7" name="Subtitle 1"/>
+          <p:cNvSpPr txBox="1">
+            <a:spLocks/>
+          </p:cNvSpPr>
+          <p:nvPr/>
+        </p:nvSpPr>
+        <p:spPr>
+          <a:xfrm>
+            <a:off x="4252174" y="4987917"/>
+            <a:ext cx="1981201" cy="813133"/>
+          </a:xfrm>
+          <a:prstGeom prst="rect">
+            <a:avLst/>
+          </a:prstGeom>
+        </p:spPr>
+        <p:txBody>
+          <a:bodyPr vert="horz" lIns="91440" tIns="45720" rIns="91440" bIns="45720" rtlCol="0">
+            <a:noAutofit/>
+          </a:bodyPr>
+          <a:lstStyle>
+            <a:lvl1pPr marL="0" indent="0" algn="ctr" defTabSz="914400" rtl="0" eaLnBrk="1" latinLnBrk="0" hangingPunct="1">
+              <a:lnSpc>
+                <a:spcPct val="90000"/>
+              </a:lnSpc>
+              <a:spcBef>
+                <a:spcPts val="1000"/>
+              </a:spcBef>
+              <a:buFont typeface="Arial" panose="020B0604020202020204" pitchFamily="34" charset="0"/>
+              <a:buNone/>
+              <a:defRPr sz="2400" kern="1200">
+                <a:solidFill>
+                  <a:schemeClr val="tx1"/>
+                </a:solidFill>
+                <a:latin typeface="+mn-lt"/>
+                <a:ea typeface="+mn-ea"/>
+                <a:cs typeface="+mn-cs"/>
+              </a:defRPr>
+            </a:lvl1pPr>
+            <a:lvl2pPr marL="457200" indent="0" algn="ctr" defTabSz="914400" rtl="0" eaLnBrk="1" latinLnBrk="0" hangingPunct="1">
+              <a:lnSpc>
+                <a:spcPct val="90000"/>
+              </a:lnSpc>
+              <a:spcBef>
+                <a:spcPts val="500"/>
+              </a:spcBef>
+              <a:buFont typeface="Arial" panose="020B0604020202020204" pitchFamily="34" charset="0"/>
+              <a:buNone/>
+              <a:defRPr sz="2000" kern="1200">
+                <a:solidFill>
+                  <a:schemeClr val="tx1"/>
+                </a:solidFill>
+                <a:latin typeface="+mn-lt"/>
+                <a:ea typeface="+mn-ea"/>
+                <a:cs typeface="+mn-cs"/>
+              </a:defRPr>
+            </a:lvl2pPr>
+            <a:lvl3pPr marL="914400" indent="0" algn="ctr" defTabSz="914400" rtl="0" eaLnBrk="1" latinLnBrk="0" hangingPunct="1">
+              <a:lnSpc>
+                <a:spcPct val="90000"/>
+              </a:lnSpc>
+              <a:spcBef>
+                <a:spcPts val="500"/>
+              </a:spcBef>
+              <a:buFont typeface="Arial" panose="020B0604020202020204" pitchFamily="34" charset="0"/>
+              <a:buNone/>
+              <a:defRPr sz="1800" kern="1200">
+                <a:solidFill>
+                  <a:schemeClr val="tx1"/>
+                </a:solidFill>
+                <a:latin typeface="+mn-lt"/>
+                <a:ea typeface="+mn-ea"/>
+                <a:cs typeface="+mn-cs"/>
+              </a:defRPr>
+            </a:lvl3pPr>
+            <a:lvl4pPr marL="1371600" indent="0" algn="ctr" defTabSz="914400" rtl="0" eaLnBrk="1" latinLnBrk="0" hangingPunct="1">
+              <a:lnSpc>
+                <a:spcPct val="90000"/>
+              </a:lnSpc>
+              <a:spcBef>
+                <a:spcPts val="500"/>
+              </a:spcBef>
+              <a:buFont typeface="Arial" panose="020B0604020202020204" pitchFamily="34" charset="0"/>
+              <a:buNone/>
+              <a:defRPr sz="1600" kern="1200">
+                <a:solidFill>
+                  <a:schemeClr val="tx1"/>
+                </a:solidFill>
+                <a:latin typeface="+mn-lt"/>
+                <a:ea typeface="+mn-ea"/>
+                <a:cs typeface="+mn-cs"/>
+              </a:defRPr>
+            </a:lvl4pPr>
+            <a:lvl5pPr marL="1828800" indent="0" algn="ctr" defTabSz="914400" rtl="0" eaLnBrk="1" latinLnBrk="0" hangingPunct="1">
+              <a:lnSpc>
+                <a:spcPct val="90000"/>
+              </a:lnSpc>
+              <a:spcBef>
+                <a:spcPts val="500"/>
+              </a:spcBef>
+              <a:buFont typeface="Arial" panose="020B0604020202020204" pitchFamily="34" charset="0"/>
+              <a:buNone/>
+              <a:defRPr sz="1600" kern="1200">
+                <a:solidFill>
+                  <a:schemeClr val="tx1"/>
+                </a:solidFill>
+                <a:latin typeface="+mn-lt"/>
+                <a:ea typeface="+mn-ea"/>
+                <a:cs typeface="+mn-cs"/>
+              </a:defRPr>
+            </a:lvl5pPr>
+            <a:lvl6pPr marL="2286000" indent="0" algn="ctr" defTabSz="914400" rtl="0" eaLnBrk="1" latinLnBrk="0" hangingPunct="1">
+              <a:lnSpc>
+                <a:spcPct val="90000"/>
+              </a:lnSpc>
+              <a:spcBef>
+                <a:spcPts val="500"/>
+              </a:spcBef>
+              <a:buFont typeface="Arial" panose="020B0604020202020204" pitchFamily="34" charset="0"/>
+              <a:buNone/>
+              <a:defRPr sz="1600" kern="1200">
+                <a:solidFill>
+                  <a:schemeClr val="tx1"/>
+                </a:solidFill>
+                <a:latin typeface="+mn-lt"/>
+                <a:ea typeface="+mn-ea"/>
+                <a:cs typeface="+mn-cs"/>
+              </a:defRPr>
+            </a:lvl6pPr>
+            <a:lvl7pPr marL="2743200" indent="0" algn="ctr" defTabSz="914400" rtl="0" eaLnBrk="1" latinLnBrk="0" hangingPunct="1">
+              <a:lnSpc>
+                <a:spcPct val="90000"/>
+              </a:lnSpc>
+              <a:spcBef>
+                <a:spcPts val="500"/>
+              </a:spcBef>
+              <a:buFont typeface="Arial" panose="020B0604020202020204" pitchFamily="34" charset="0"/>
+              <a:buNone/>
+              <a:defRPr sz="1600" kern="1200">
+                <a:solidFill>
+                  <a:schemeClr val="tx1"/>
+                </a:solidFill>
+                <a:latin typeface="+mn-lt"/>
+                <a:ea typeface="+mn-ea"/>
+                <a:cs typeface="+mn-cs"/>
+              </a:defRPr>
+            </a:lvl7pPr>
+            <a:lvl8pPr marL="3200400" indent="0" algn="ctr" defTabSz="914400" rtl="0" eaLnBrk="1" latinLnBrk="0" hangingPunct="1">
+              <a:lnSpc>
+                <a:spcPct val="90000"/>
+              </a:lnSpc>
+              <a:spcBef>
+                <a:spcPts val="500"/>
+              </a:spcBef>
+              <a:buFont typeface="Arial" panose="020B0604020202020204" pitchFamily="34" charset="0"/>
+              <a:buNone/>
+              <a:defRPr sz="1600" kern="1200">
+                <a:solidFill>
+                  <a:schemeClr val="tx1"/>
+                </a:solidFill>
+                <a:latin typeface="+mn-lt"/>
+                <a:ea typeface="+mn-ea"/>
+                <a:cs typeface="+mn-cs"/>
+              </a:defRPr>
+            </a:lvl8pPr>
+            <a:lvl9pPr marL="3657600" indent="0" algn="ctr" defTabSz="914400" rtl="0" eaLnBrk="1" latinLnBrk="0" hangingPunct="1">
+              <a:lnSpc>
+                <a:spcPct val="90000"/>
+              </a:lnSpc>
+              <a:spcBef>
+                <a:spcPts val="500"/>
+              </a:spcBef>
+              <a:buFont typeface="Arial" panose="020B0604020202020204" pitchFamily="34" charset="0"/>
+              <a:buNone/>
+              <a:defRPr sz="1600" kern="1200">
+                <a:solidFill>
+                  <a:schemeClr val="tx1"/>
+                </a:solidFill>
+                <a:latin typeface="+mn-lt"/>
+                <a:ea typeface="+mn-ea"/>
+                <a:cs typeface="+mn-cs"/>
+              </a:defRPr>
+            </a:lvl9pPr>
+          </a:lstStyle>
+          <a:p>
+            <a:pPr algn="l"/>
+            <a:r>
+              <a:rPr lang="es-AR" sz="1800" dirty="0">
+                <a:solidFill>
+                  <a:schemeClr val="bg1"/>
+                </a:solidFill>
+              </a:rPr>
+              <a:t>Regresión</a:t>
+            </a:r>
+          </a:p>
+          <a:p>
+            <a:pPr algn="l"/>
+            <a:r>
+              <a:rPr lang="es-AR" sz="1800" dirty="0" err="1">
+                <a:solidFill>
+                  <a:schemeClr val="bg1"/>
+                </a:solidFill>
+              </a:rPr>
+              <a:t>Classificacion</a:t>
+            </a:r>
+            <a:endParaRPr lang="es-AR" sz="1800" dirty="0">
+              <a:solidFill>
+                <a:schemeClr val="bg1"/>
+              </a:solidFill>
+            </a:endParaRPr>
+          </a:p>
+          <a:p>
+            <a:pPr algn="l"/>
+            <a:r>
+              <a:rPr lang="es-AR" sz="1800" dirty="0" err="1">
+                <a:solidFill>
+                  <a:schemeClr val="bg1"/>
+                </a:solidFill>
+              </a:rPr>
+              <a:t>Sentiment</a:t>
+            </a:r>
+            <a:r>
+              <a:rPr lang="es-AR" sz="1800" dirty="0">
+                <a:solidFill>
+                  <a:schemeClr val="bg1"/>
+                </a:solidFill>
+              </a:rPr>
+              <a:t> </a:t>
+            </a:r>
+            <a:r>
+              <a:rPr lang="es-AR" sz="1800" dirty="0" err="1">
+                <a:solidFill>
+                  <a:schemeClr val="bg1"/>
+                </a:solidFill>
+              </a:rPr>
+              <a:t>classification</a:t>
+            </a:r>
+            <a:endParaRPr lang="es-AR" sz="1800" dirty="0">
+              <a:solidFill>
+                <a:schemeClr val="bg1"/>
+              </a:solidFill>
+            </a:endParaRPr>
+          </a:p>
+          <a:p>
+            <a:pPr algn="l"/>
+            <a:r>
+              <a:rPr lang="es-AR" sz="1800" dirty="0">
+                <a:solidFill>
+                  <a:schemeClr val="bg1"/>
+                </a:solidFill>
+              </a:rPr>
+              <a:t>Resumen de videos</a:t>
+            </a:r>
+          </a:p>
+          <a:p>
+            <a:pPr algn="l"/>
+            <a:endParaRPr lang="es-AR" sz="1800" dirty="0">
+              <a:solidFill>
+                <a:schemeClr val="bg1"/>
+              </a:solidFill>
+            </a:endParaRPr>
+          </a:p>
+        </p:txBody>
+      </p:sp>
+      <p:sp>
+        <p:nvSpPr>
+          <p:cNvPr id="8" name="Subtitle 1"/>
+          <p:cNvSpPr txBox="1">
+            <a:spLocks/>
+          </p:cNvSpPr>
+          <p:nvPr/>
+        </p:nvSpPr>
+        <p:spPr>
+          <a:xfrm>
+            <a:off x="6800044" y="5394484"/>
+            <a:ext cx="3103810" cy="523358"/>
+          </a:xfrm>
+          <a:prstGeom prst="rect">
+            <a:avLst/>
+          </a:prstGeom>
+        </p:spPr>
+        <p:txBody>
+          <a:bodyPr vert="horz" lIns="91440" tIns="45720" rIns="91440" bIns="45720" rtlCol="0">
+            <a:noAutofit/>
+          </a:bodyPr>
+          <a:lstStyle>
+            <a:lvl1pPr marL="0" indent="0" algn="ctr" defTabSz="914400" rtl="0" eaLnBrk="1" latinLnBrk="0" hangingPunct="1">
+              <a:lnSpc>
+                <a:spcPct val="90000"/>
+              </a:lnSpc>
+              <a:spcBef>
+                <a:spcPts val="1000"/>
+              </a:spcBef>
+              <a:buFont typeface="Arial" panose="020B0604020202020204" pitchFamily="34" charset="0"/>
+              <a:buNone/>
+              <a:defRPr sz="2400" kern="1200">
+                <a:solidFill>
+                  <a:schemeClr val="tx1"/>
+                </a:solidFill>
+                <a:latin typeface="+mn-lt"/>
+                <a:ea typeface="+mn-ea"/>
+                <a:cs typeface="+mn-cs"/>
+              </a:defRPr>
+            </a:lvl1pPr>
+            <a:lvl2pPr marL="457200" indent="0" algn="ctr" defTabSz="914400" rtl="0" eaLnBrk="1" latinLnBrk="0" hangingPunct="1">
+              <a:lnSpc>
+                <a:spcPct val="90000"/>
+              </a:lnSpc>
+              <a:spcBef>
+                <a:spcPts val="500"/>
+              </a:spcBef>
+              <a:buFont typeface="Arial" panose="020B0604020202020204" pitchFamily="34" charset="0"/>
+              <a:buNone/>
+              <a:defRPr sz="2000" kern="1200">
+                <a:solidFill>
+                  <a:schemeClr val="tx1"/>
+                </a:solidFill>
+                <a:latin typeface="+mn-lt"/>
+                <a:ea typeface="+mn-ea"/>
+                <a:cs typeface="+mn-cs"/>
+              </a:defRPr>
+            </a:lvl2pPr>
+            <a:lvl3pPr marL="914400" indent="0" algn="ctr" defTabSz="914400" rtl="0" eaLnBrk="1" latinLnBrk="0" hangingPunct="1">
+              <a:lnSpc>
+                <a:spcPct val="90000"/>
+              </a:lnSpc>
+              <a:spcBef>
+                <a:spcPts val="500"/>
+              </a:spcBef>
+              <a:buFont typeface="Arial" panose="020B0604020202020204" pitchFamily="34" charset="0"/>
+              <a:buNone/>
+              <a:defRPr sz="1800" kern="1200">
+                <a:solidFill>
+                  <a:schemeClr val="tx1"/>
+                </a:solidFill>
+                <a:latin typeface="+mn-lt"/>
+                <a:ea typeface="+mn-ea"/>
+                <a:cs typeface="+mn-cs"/>
+              </a:defRPr>
+            </a:lvl3pPr>
+            <a:lvl4pPr marL="1371600" indent="0" algn="ctr" defTabSz="914400" rtl="0" eaLnBrk="1" latinLnBrk="0" hangingPunct="1">
+              <a:lnSpc>
+                <a:spcPct val="90000"/>
+              </a:lnSpc>
+              <a:spcBef>
+                <a:spcPts val="500"/>
+              </a:spcBef>
+              <a:buFont typeface="Arial" panose="020B0604020202020204" pitchFamily="34" charset="0"/>
+              <a:buNone/>
+              <a:defRPr sz="1600" kern="1200">
+                <a:solidFill>
+                  <a:schemeClr val="tx1"/>
+                </a:solidFill>
+                <a:latin typeface="+mn-lt"/>
+                <a:ea typeface="+mn-ea"/>
+                <a:cs typeface="+mn-cs"/>
+              </a:defRPr>
+            </a:lvl4pPr>
+            <a:lvl5pPr marL="1828800" indent="0" algn="ctr" defTabSz="914400" rtl="0" eaLnBrk="1" latinLnBrk="0" hangingPunct="1">
+              <a:lnSpc>
+                <a:spcPct val="90000"/>
+              </a:lnSpc>
+              <a:spcBef>
+                <a:spcPts val="500"/>
+              </a:spcBef>
+              <a:buFont typeface="Arial" panose="020B0604020202020204" pitchFamily="34" charset="0"/>
+              <a:buNone/>
+              <a:defRPr sz="1600" kern="1200">
+                <a:solidFill>
+                  <a:schemeClr val="tx1"/>
+                </a:solidFill>
+                <a:latin typeface="+mn-lt"/>
+                <a:ea typeface="+mn-ea"/>
+                <a:cs typeface="+mn-cs"/>
+              </a:defRPr>
+            </a:lvl5pPr>
+            <a:lvl6pPr marL="2286000" indent="0" algn="ctr" defTabSz="914400" rtl="0" eaLnBrk="1" latinLnBrk="0" hangingPunct="1">
+              <a:lnSpc>
+                <a:spcPct val="90000"/>
+              </a:lnSpc>
+              <a:spcBef>
+                <a:spcPts val="500"/>
+              </a:spcBef>
+              <a:buFont typeface="Arial" panose="020B0604020202020204" pitchFamily="34" charset="0"/>
+              <a:buNone/>
+              <a:defRPr sz="1600" kern="1200">
+                <a:solidFill>
+                  <a:schemeClr val="tx1"/>
+                </a:solidFill>
+                <a:latin typeface="+mn-lt"/>
+                <a:ea typeface="+mn-ea"/>
+                <a:cs typeface="+mn-cs"/>
+              </a:defRPr>
+            </a:lvl6pPr>
+            <a:lvl7pPr marL="2743200" indent="0" algn="ctr" defTabSz="914400" rtl="0" eaLnBrk="1" latinLnBrk="0" hangingPunct="1">
+              <a:lnSpc>
+                <a:spcPct val="90000"/>
+              </a:lnSpc>
+              <a:spcBef>
+                <a:spcPts val="500"/>
+              </a:spcBef>
+              <a:buFont typeface="Arial" panose="020B0604020202020204" pitchFamily="34" charset="0"/>
+              <a:buNone/>
+              <a:defRPr sz="1600" kern="1200">
+                <a:solidFill>
+                  <a:schemeClr val="tx1"/>
+                </a:solidFill>
+                <a:latin typeface="+mn-lt"/>
+                <a:ea typeface="+mn-ea"/>
+                <a:cs typeface="+mn-cs"/>
+              </a:defRPr>
+            </a:lvl7pPr>
+            <a:lvl8pPr marL="3200400" indent="0" algn="ctr" defTabSz="914400" rtl="0" eaLnBrk="1" latinLnBrk="0" hangingPunct="1">
+              <a:lnSpc>
+                <a:spcPct val="90000"/>
+              </a:lnSpc>
+              <a:spcBef>
+                <a:spcPts val="500"/>
+              </a:spcBef>
+              <a:buFont typeface="Arial" panose="020B0604020202020204" pitchFamily="34" charset="0"/>
+              <a:buNone/>
+              <a:defRPr sz="1600" kern="1200">
+                <a:solidFill>
+                  <a:schemeClr val="tx1"/>
+                </a:solidFill>
+                <a:latin typeface="+mn-lt"/>
+                <a:ea typeface="+mn-ea"/>
+                <a:cs typeface="+mn-cs"/>
+              </a:defRPr>
+            </a:lvl8pPr>
+            <a:lvl9pPr marL="3657600" indent="0" algn="ctr" defTabSz="914400" rtl="0" eaLnBrk="1" latinLnBrk="0" hangingPunct="1">
+              <a:lnSpc>
+                <a:spcPct val="90000"/>
+              </a:lnSpc>
+              <a:spcBef>
+                <a:spcPts val="500"/>
+              </a:spcBef>
+              <a:buFont typeface="Arial" panose="020B0604020202020204" pitchFamily="34" charset="0"/>
+              <a:buNone/>
+              <a:defRPr sz="1600" kern="1200">
+                <a:solidFill>
+                  <a:schemeClr val="tx1"/>
+                </a:solidFill>
+                <a:latin typeface="+mn-lt"/>
+                <a:ea typeface="+mn-ea"/>
+                <a:cs typeface="+mn-cs"/>
+              </a:defRPr>
+            </a:lvl9pPr>
+          </a:lstStyle>
+          <a:p>
+            <a:pPr algn="l"/>
+            <a:r>
+              <a:rPr lang="es-AR" sz="1800" dirty="0">
+                <a:solidFill>
+                  <a:schemeClr val="bg1"/>
+                </a:solidFill>
+              </a:rPr>
+              <a:t>Regresión varios futuros</a:t>
+            </a:r>
+          </a:p>
+          <a:p>
+            <a:pPr algn="l"/>
+            <a:r>
+              <a:rPr lang="es-AR" sz="1800" dirty="0">
+                <a:solidFill>
+                  <a:schemeClr val="bg1"/>
+                </a:solidFill>
+              </a:rPr>
+              <a:t>Traducción</a:t>
+            </a:r>
+          </a:p>
+        </p:txBody>
+      </p:sp>
+      <p:sp>
+        <p:nvSpPr>
+          <p:cNvPr id="9" name="Subtitle 1"/>
+          <p:cNvSpPr txBox="1">
+            <a:spLocks/>
+          </p:cNvSpPr>
+          <p:nvPr/>
+        </p:nvSpPr>
+        <p:spPr>
+          <a:xfrm>
+            <a:off x="10043374" y="5394484"/>
+            <a:ext cx="1702158" cy="523358"/>
+          </a:xfrm>
+          <a:prstGeom prst="rect">
+            <a:avLst/>
+          </a:prstGeom>
+        </p:spPr>
+        <p:txBody>
+          <a:bodyPr vert="horz" lIns="91440" tIns="45720" rIns="91440" bIns="45720" rtlCol="0">
+            <a:noAutofit/>
+          </a:bodyPr>
+          <a:lstStyle>
+            <a:lvl1pPr marL="0" indent="0" algn="ctr" defTabSz="914400" rtl="0" eaLnBrk="1" latinLnBrk="0" hangingPunct="1">
+              <a:lnSpc>
+                <a:spcPct val="90000"/>
+              </a:lnSpc>
+              <a:spcBef>
+                <a:spcPts val="1000"/>
+              </a:spcBef>
+              <a:buFont typeface="Arial" panose="020B0604020202020204" pitchFamily="34" charset="0"/>
+              <a:buNone/>
+              <a:defRPr sz="2400" kern="1200">
+                <a:solidFill>
+                  <a:schemeClr val="tx1"/>
+                </a:solidFill>
+                <a:latin typeface="+mn-lt"/>
+                <a:ea typeface="+mn-ea"/>
+                <a:cs typeface="+mn-cs"/>
+              </a:defRPr>
+            </a:lvl1pPr>
+            <a:lvl2pPr marL="457200" indent="0" algn="ctr" defTabSz="914400" rtl="0" eaLnBrk="1" latinLnBrk="0" hangingPunct="1">
+              <a:lnSpc>
+                <a:spcPct val="90000"/>
+              </a:lnSpc>
+              <a:spcBef>
+                <a:spcPts val="500"/>
+              </a:spcBef>
+              <a:buFont typeface="Arial" panose="020B0604020202020204" pitchFamily="34" charset="0"/>
+              <a:buNone/>
+              <a:defRPr sz="2000" kern="1200">
+                <a:solidFill>
+                  <a:schemeClr val="tx1"/>
+                </a:solidFill>
+                <a:latin typeface="+mn-lt"/>
+                <a:ea typeface="+mn-ea"/>
+                <a:cs typeface="+mn-cs"/>
+              </a:defRPr>
+            </a:lvl2pPr>
+            <a:lvl3pPr marL="914400" indent="0" algn="ctr" defTabSz="914400" rtl="0" eaLnBrk="1" latinLnBrk="0" hangingPunct="1">
+              <a:lnSpc>
+                <a:spcPct val="90000"/>
+              </a:lnSpc>
+              <a:spcBef>
+                <a:spcPts val="500"/>
+              </a:spcBef>
+              <a:buFont typeface="Arial" panose="020B0604020202020204" pitchFamily="34" charset="0"/>
+              <a:buNone/>
+              <a:defRPr sz="1800" kern="1200">
+                <a:solidFill>
+                  <a:schemeClr val="tx1"/>
+                </a:solidFill>
+                <a:latin typeface="+mn-lt"/>
+                <a:ea typeface="+mn-ea"/>
+                <a:cs typeface="+mn-cs"/>
+              </a:defRPr>
+            </a:lvl3pPr>
+            <a:lvl4pPr marL="1371600" indent="0" algn="ctr" defTabSz="914400" rtl="0" eaLnBrk="1" latinLnBrk="0" hangingPunct="1">
+              <a:lnSpc>
+                <a:spcPct val="90000"/>
+              </a:lnSpc>
+              <a:spcBef>
+                <a:spcPts val="500"/>
+              </a:spcBef>
+              <a:buFont typeface="Arial" panose="020B0604020202020204" pitchFamily="34" charset="0"/>
+              <a:buNone/>
+              <a:defRPr sz="1600" kern="1200">
+                <a:solidFill>
+                  <a:schemeClr val="tx1"/>
+                </a:solidFill>
+                <a:latin typeface="+mn-lt"/>
+                <a:ea typeface="+mn-ea"/>
+                <a:cs typeface="+mn-cs"/>
+              </a:defRPr>
+            </a:lvl4pPr>
+            <a:lvl5pPr marL="1828800" indent="0" algn="ctr" defTabSz="914400" rtl="0" eaLnBrk="1" latinLnBrk="0" hangingPunct="1">
+              <a:lnSpc>
+                <a:spcPct val="90000"/>
+              </a:lnSpc>
+              <a:spcBef>
+                <a:spcPts val="500"/>
+              </a:spcBef>
+              <a:buFont typeface="Arial" panose="020B0604020202020204" pitchFamily="34" charset="0"/>
+              <a:buNone/>
+              <a:defRPr sz="1600" kern="1200">
+                <a:solidFill>
+                  <a:schemeClr val="tx1"/>
+                </a:solidFill>
+                <a:latin typeface="+mn-lt"/>
+                <a:ea typeface="+mn-ea"/>
+                <a:cs typeface="+mn-cs"/>
+              </a:defRPr>
+            </a:lvl5pPr>
+            <a:lvl6pPr marL="2286000" indent="0" algn="ctr" defTabSz="914400" rtl="0" eaLnBrk="1" latinLnBrk="0" hangingPunct="1">
+              <a:lnSpc>
+                <a:spcPct val="90000"/>
+              </a:lnSpc>
+              <a:spcBef>
+                <a:spcPts val="500"/>
+              </a:spcBef>
+              <a:buFont typeface="Arial" panose="020B0604020202020204" pitchFamily="34" charset="0"/>
+              <a:buNone/>
+              <a:defRPr sz="1600" kern="1200">
+                <a:solidFill>
+                  <a:schemeClr val="tx1"/>
+                </a:solidFill>
+                <a:latin typeface="+mn-lt"/>
+                <a:ea typeface="+mn-ea"/>
+                <a:cs typeface="+mn-cs"/>
+              </a:defRPr>
+            </a:lvl6pPr>
+            <a:lvl7pPr marL="2743200" indent="0" algn="ctr" defTabSz="914400" rtl="0" eaLnBrk="1" latinLnBrk="0" hangingPunct="1">
+              <a:lnSpc>
+                <a:spcPct val="90000"/>
+              </a:lnSpc>
+              <a:spcBef>
+                <a:spcPts val="500"/>
+              </a:spcBef>
+              <a:buFont typeface="Arial" panose="020B0604020202020204" pitchFamily="34" charset="0"/>
+              <a:buNone/>
+              <a:defRPr sz="1600" kern="1200">
+                <a:solidFill>
+                  <a:schemeClr val="tx1"/>
+                </a:solidFill>
+                <a:latin typeface="+mn-lt"/>
+                <a:ea typeface="+mn-ea"/>
+                <a:cs typeface="+mn-cs"/>
+              </a:defRPr>
+            </a:lvl7pPr>
+            <a:lvl8pPr marL="3200400" indent="0" algn="ctr" defTabSz="914400" rtl="0" eaLnBrk="1" latinLnBrk="0" hangingPunct="1">
+              <a:lnSpc>
+                <a:spcPct val="90000"/>
+              </a:lnSpc>
+              <a:spcBef>
+                <a:spcPts val="500"/>
+              </a:spcBef>
+              <a:buFont typeface="Arial" panose="020B0604020202020204" pitchFamily="34" charset="0"/>
+              <a:buNone/>
+              <a:defRPr sz="1600" kern="1200">
+                <a:solidFill>
+                  <a:schemeClr val="tx1"/>
+                </a:solidFill>
+                <a:latin typeface="+mn-lt"/>
+                <a:ea typeface="+mn-ea"/>
+                <a:cs typeface="+mn-cs"/>
+              </a:defRPr>
+            </a:lvl8pPr>
+            <a:lvl9pPr marL="3657600" indent="0" algn="ctr" defTabSz="914400" rtl="0" eaLnBrk="1" latinLnBrk="0" hangingPunct="1">
+              <a:lnSpc>
+                <a:spcPct val="90000"/>
+              </a:lnSpc>
+              <a:spcBef>
+                <a:spcPts val="500"/>
+              </a:spcBef>
+              <a:buFont typeface="Arial" panose="020B0604020202020204" pitchFamily="34" charset="0"/>
+              <a:buNone/>
+              <a:defRPr sz="1600" kern="1200">
+                <a:solidFill>
+                  <a:schemeClr val="tx1"/>
+                </a:solidFill>
+                <a:latin typeface="+mn-lt"/>
+                <a:ea typeface="+mn-ea"/>
+                <a:cs typeface="+mn-cs"/>
+              </a:defRPr>
+            </a:lvl9pPr>
+          </a:lstStyle>
+          <a:p>
+            <a:pPr algn="l"/>
+            <a:r>
+              <a:rPr lang="es-AR" sz="1800" dirty="0">
+                <a:solidFill>
+                  <a:schemeClr val="bg1"/>
+                </a:solidFill>
+              </a:rPr>
+              <a:t>Video </a:t>
+            </a:r>
+            <a:r>
+              <a:rPr lang="es-AR" sz="1800" dirty="0" err="1">
+                <a:solidFill>
+                  <a:schemeClr val="bg1"/>
+                </a:solidFill>
+              </a:rPr>
+              <a:t>class</a:t>
+            </a:r>
+            <a:r>
+              <a:rPr lang="es-AR" sz="1800" dirty="0">
+                <a:solidFill>
+                  <a:schemeClr val="bg1"/>
+                </a:solidFill>
+              </a:rPr>
+              <a:t> </a:t>
+            </a:r>
+            <a:r>
+              <a:rPr lang="es-AR" sz="1800" dirty="0" err="1">
+                <a:solidFill>
+                  <a:schemeClr val="bg1"/>
+                </a:solidFill>
+              </a:rPr>
+              <a:t>frame</a:t>
+            </a:r>
+            <a:r>
+              <a:rPr lang="es-AR" sz="1800" dirty="0">
+                <a:solidFill>
+                  <a:schemeClr val="bg1"/>
+                </a:solidFill>
+              </a:rPr>
+              <a:t> </a:t>
+            </a:r>
+            <a:r>
+              <a:rPr lang="es-AR" sz="1800" dirty="0" err="1">
+                <a:solidFill>
+                  <a:schemeClr val="bg1"/>
+                </a:solidFill>
+              </a:rPr>
+              <a:t>lvl</a:t>
+            </a:r>
+            <a:endParaRPr lang="es-AR" sz="1800" dirty="0">
+              <a:solidFill>
+                <a:schemeClr val="bg1"/>
+              </a:solidFill>
+            </a:endParaRPr>
+          </a:p>
+        </p:txBody>
+      </p:sp>
+    </p:spTree>
+    <p:extLst>
+      <p:ext uri="{BB962C8B-B14F-4D97-AF65-F5344CB8AC3E}">
+        <p14:creationId xmlns:p14="http://schemas.microsoft.com/office/powerpoint/2010/main" val="2228027329"/>
+      </p:ext>
+    </p:extLst>
+  </p:cSld>
+  <p:clrMapOvr>
+    <a:masterClrMapping/>
+  </p:clrMapOvr>
+</p:sld>
+</file>
+
 <file path=ppt/slides/slide22.xml><?xml version="1.0" encoding="utf-8"?>
 <p:sld xmlns:a="http://schemas.openxmlformats.org/drawingml/2006/main" xmlns:r="http://schemas.openxmlformats.org/officeDocument/2006/relationships" xmlns:p="http://schemas.openxmlformats.org/presentationml/2006/main">
   <p:cSld>
@@ -24477,8 +24564,8 @@
         </p:nvSpPr>
         <p:spPr>
           <a:xfrm>
-            <a:off x="218939" y="4748407"/>
-            <a:ext cx="11853791" cy="1569660"/>
+            <a:off x="169103" y="4191815"/>
+            <a:ext cx="11853791" cy="2246769"/>
           </a:xfrm>
           <a:prstGeom prst="rect">
             <a:avLst/>
@@ -24492,7 +24579,7 @@
           <a:p>
             <a:pPr algn="ctr"/>
             <a:r>
-              <a:rPr lang="en-US" sz="2400" i="1" dirty="0">
+              <a:rPr lang="en-US" sz="2800" i="1" dirty="0">
                 <a:solidFill>
                   <a:schemeClr val="bg1"/>
                 </a:solidFill>
@@ -24500,7 +24587,7 @@
               <a:t>El </a:t>
             </a:r>
             <a:r>
-              <a:rPr lang="en-US" sz="2400" i="1" dirty="0" err="1">
+              <a:rPr lang="en-US" sz="2800" i="1" dirty="0" err="1">
                 <a:solidFill>
                   <a:schemeClr val="bg1"/>
                 </a:solidFill>
@@ -24508,7 +24595,7 @@
               <a:t>mecanismo</a:t>
             </a:r>
             <a:r>
-              <a:rPr lang="en-US" sz="2400" i="1" dirty="0">
+              <a:rPr lang="en-US" sz="2800" i="1" dirty="0">
                 <a:solidFill>
                   <a:schemeClr val="bg1"/>
                 </a:solidFill>
@@ -24516,7 +24603,7 @@
               <a:t> de </a:t>
             </a:r>
             <a:r>
-              <a:rPr lang="en-US" sz="2400" i="1" dirty="0" err="1">
+              <a:rPr lang="en-US" sz="2800" i="1" dirty="0" err="1">
                 <a:solidFill>
                   <a:schemeClr val="bg1"/>
                 </a:solidFill>
@@ -24524,7 +24611,7 @@
               <a:t>atención</a:t>
             </a:r>
             <a:r>
-              <a:rPr lang="en-US" sz="2400" i="1" dirty="0">
+              <a:rPr lang="en-US" sz="2800" i="1" dirty="0">
                 <a:solidFill>
                   <a:schemeClr val="bg1"/>
                 </a:solidFill>
@@ -24532,7 +24619,7 @@
               <a:t> </a:t>
             </a:r>
             <a:r>
-              <a:rPr lang="en-US" sz="2400" i="1" dirty="0" err="1">
+              <a:rPr lang="en-US" sz="2800" i="1" dirty="0" err="1">
                 <a:solidFill>
                   <a:schemeClr val="bg1"/>
                 </a:solidFill>
@@ -24540,7 +24627,7 @@
               <a:t>permite</a:t>
             </a:r>
             <a:r>
-              <a:rPr lang="en-US" sz="2400" i="1" dirty="0">
+              <a:rPr lang="en-US" sz="2800" i="1" dirty="0">
                 <a:solidFill>
                   <a:schemeClr val="bg1"/>
                 </a:solidFill>
@@ -24548,7 +24635,7 @@
               <a:t> al decoder </a:t>
             </a:r>
             <a:r>
-              <a:rPr lang="en-US" sz="2400" b="1" i="1" dirty="0" err="1">
+              <a:rPr lang="en-US" sz="2800" b="1" i="1" dirty="0" err="1">
                 <a:solidFill>
                   <a:schemeClr val="bg1"/>
                 </a:solidFill>
@@ -24556,7 +24643,7 @@
               <a:t>utilizar</a:t>
             </a:r>
             <a:r>
-              <a:rPr lang="en-US" sz="2400" b="1" i="1" dirty="0">
+              <a:rPr lang="en-US" sz="2800" b="1" i="1" dirty="0">
                 <a:solidFill>
                   <a:schemeClr val="bg1"/>
                 </a:solidFill>
@@ -24564,7 +24651,7 @@
               <a:t> las </a:t>
             </a:r>
             <a:r>
-              <a:rPr lang="en-US" sz="2400" b="1" i="1" dirty="0" err="1">
+              <a:rPr lang="en-US" sz="2800" b="1" i="1" dirty="0" err="1">
                 <a:solidFill>
                   <a:schemeClr val="bg1"/>
                 </a:solidFill>
@@ -24572,7 +24659,7 @@
               <a:t>partes</a:t>
             </a:r>
             <a:r>
-              <a:rPr lang="en-US" sz="2400" b="1" i="1" dirty="0">
+              <a:rPr lang="en-US" sz="2800" b="1" i="1" dirty="0">
                 <a:solidFill>
                   <a:schemeClr val="bg1"/>
                 </a:solidFill>
@@ -24580,7 +24667,7 @@
               <a:t> </a:t>
             </a:r>
             <a:r>
-              <a:rPr lang="en-US" sz="2400" b="1" i="1" dirty="0" err="1">
+              <a:rPr lang="en-US" sz="2800" b="1" i="1" dirty="0" err="1">
                 <a:solidFill>
                   <a:schemeClr val="bg1"/>
                 </a:solidFill>
@@ -24588,7 +24675,7 @@
               <a:t>más</a:t>
             </a:r>
             <a:r>
-              <a:rPr lang="en-US" sz="2400" b="1" i="1" dirty="0">
+              <a:rPr lang="en-US" sz="2800" b="1" i="1" dirty="0">
                 <a:solidFill>
                   <a:schemeClr val="bg1"/>
                 </a:solidFill>
@@ -24596,7 +24683,7 @@
               <a:t> </a:t>
             </a:r>
             <a:r>
-              <a:rPr lang="en-US" sz="2400" b="1" i="1" dirty="0" err="1">
+              <a:rPr lang="en-US" sz="2800" b="1" i="1" dirty="0" err="1">
                 <a:solidFill>
                   <a:schemeClr val="bg1"/>
                 </a:solidFill>
@@ -24604,7 +24691,7 @@
               <a:t>relevantes</a:t>
             </a:r>
             <a:r>
-              <a:rPr lang="en-US" sz="2400" b="1" i="1" dirty="0">
+              <a:rPr lang="en-US" sz="2800" b="1" i="1" dirty="0">
                 <a:solidFill>
                   <a:schemeClr val="bg1"/>
                 </a:solidFill>
@@ -24612,7 +24699,7 @@
               <a:t> </a:t>
             </a:r>
             <a:r>
-              <a:rPr lang="en-US" sz="2400" i="1" dirty="0">
+              <a:rPr lang="en-US" sz="2800" i="1" dirty="0">
                 <a:solidFill>
                   <a:schemeClr val="bg1"/>
                 </a:solidFill>
@@ -24620,7 +24707,7 @@
               <a:t>de la entrada </a:t>
             </a:r>
             <a:r>
-              <a:rPr lang="en-US" sz="2400" b="1" i="1" dirty="0" err="1">
+              <a:rPr lang="en-US" sz="2800" b="1" i="1" dirty="0" err="1">
                 <a:solidFill>
                   <a:schemeClr val="bg1"/>
                 </a:solidFill>
@@ -24628,7 +24715,7 @@
               <a:t>como</a:t>
             </a:r>
             <a:r>
-              <a:rPr lang="en-US" sz="2400" b="1" i="1" dirty="0">
+              <a:rPr lang="en-US" sz="2800" b="1" i="1" dirty="0">
                 <a:solidFill>
                   <a:schemeClr val="bg1"/>
                 </a:solidFill>
@@ -24636,7 +24723,7 @@
               <a:t> </a:t>
             </a:r>
             <a:r>
-              <a:rPr lang="en-US" sz="2400" b="1" i="1" dirty="0" err="1">
+              <a:rPr lang="en-US" sz="2800" b="1" i="1" dirty="0" err="1">
                 <a:solidFill>
                   <a:schemeClr val="bg1"/>
                 </a:solidFill>
@@ -24644,7 +24731,7 @@
               <a:t>una</a:t>
             </a:r>
             <a:r>
-              <a:rPr lang="en-US" sz="2400" b="1" i="1" dirty="0">
+              <a:rPr lang="en-US" sz="2800" b="1" i="1" dirty="0">
                 <a:solidFill>
                   <a:schemeClr val="bg1"/>
                 </a:solidFill>
@@ -24652,7 +24739,7 @@
               <a:t> </a:t>
             </a:r>
             <a:r>
-              <a:rPr lang="en-US" sz="2400" b="1" i="1" dirty="0" err="1">
+              <a:rPr lang="en-US" sz="2800" b="1" i="1" dirty="0" err="1">
                 <a:solidFill>
                   <a:schemeClr val="bg1"/>
                 </a:solidFill>
@@ -24660,7 +24747,7 @@
               <a:t>suma</a:t>
             </a:r>
             <a:r>
-              <a:rPr lang="en-US" sz="2400" b="1" i="1" dirty="0">
+              <a:rPr lang="en-US" sz="2800" b="1" i="1" dirty="0">
                 <a:solidFill>
                   <a:schemeClr val="bg1"/>
                 </a:solidFill>
@@ -24668,7 +24755,7 @@
               <a:t> </a:t>
             </a:r>
             <a:r>
-              <a:rPr lang="en-US" sz="2400" b="1" i="1" dirty="0" err="1">
+              <a:rPr lang="en-US" sz="2800" b="1" i="1" dirty="0" err="1">
                 <a:solidFill>
                   <a:schemeClr val="bg1"/>
                 </a:solidFill>
@@ -24676,7 +24763,7 @@
               <a:t>ponderada</a:t>
             </a:r>
             <a:r>
-              <a:rPr lang="en-US" sz="2400" b="1" i="1" dirty="0">
+              <a:rPr lang="en-US" sz="2800" b="1" i="1" dirty="0">
                 <a:solidFill>
                   <a:schemeClr val="bg1"/>
                 </a:solidFill>
@@ -24684,7 +24771,7 @@
               <a:t> </a:t>
             </a:r>
             <a:r>
-              <a:rPr lang="en-US" sz="2400" i="1" dirty="0">
+              <a:rPr lang="en-US" sz="2800" i="1" dirty="0">
                 <a:solidFill>
                   <a:schemeClr val="bg1"/>
                 </a:solidFill>
@@ -24692,7 +24779,7 @@
               <a:t>del vector de entrada </a:t>
             </a:r>
             <a:r>
-              <a:rPr lang="en-US" sz="2400" i="1" dirty="0" err="1">
+              <a:rPr lang="en-US" sz="2800" i="1" dirty="0" err="1">
                 <a:solidFill>
                   <a:schemeClr val="bg1"/>
                 </a:solidFill>
@@ -24700,7 +24787,7 @@
               <a:t>codificados</a:t>
             </a:r>
             <a:r>
-              <a:rPr lang="en-US" sz="2400" i="1" dirty="0">
+              <a:rPr lang="en-US" sz="2800" i="1" dirty="0">
                 <a:solidFill>
                   <a:schemeClr val="bg1"/>
                 </a:solidFill>
@@ -24708,7 +24795,7 @@
               <a:t> para </a:t>
             </a:r>
             <a:r>
-              <a:rPr lang="en-US" sz="2400" i="1" dirty="0" err="1">
+              <a:rPr lang="en-US" sz="2800" i="1" dirty="0" err="1">
                 <a:solidFill>
                   <a:schemeClr val="bg1"/>
                 </a:solidFill>
@@ -24716,7 +24803,7 @@
               <a:t>predecir</a:t>
             </a:r>
             <a:r>
-              <a:rPr lang="en-US" sz="2400" i="1" dirty="0">
+              <a:rPr lang="en-US" sz="2800" i="1" dirty="0">
                 <a:solidFill>
                   <a:schemeClr val="bg1"/>
                 </a:solidFill>
@@ -24724,7 +24811,7 @@
               <a:t> la </a:t>
             </a:r>
             <a:r>
-              <a:rPr lang="en-US" sz="2400" i="1" dirty="0" err="1">
+              <a:rPr lang="en-US" sz="2800" i="1" dirty="0" err="1">
                 <a:solidFill>
                   <a:schemeClr val="bg1"/>
                 </a:solidFill>
@@ -24732,7 +24819,7 @@
               <a:t>siguiente</a:t>
             </a:r>
             <a:r>
-              <a:rPr lang="en-US" sz="2400" i="1" dirty="0">
+              <a:rPr lang="en-US" sz="2800" i="1" dirty="0">
                 <a:solidFill>
                   <a:schemeClr val="bg1"/>
                 </a:solidFill>
@@ -24742,7 +24829,7 @@
           </a:p>
           <a:p>
             <a:pPr algn="ctr"/>
-            <a:endParaRPr lang="en-US" sz="2400" i="1" dirty="0">
+            <a:endParaRPr lang="en-US" sz="2800" i="1" dirty="0">
               <a:solidFill>
                 <a:schemeClr val="bg1"/>
               </a:solidFill>
@@ -24751,7 +24838,7 @@
           <a:p>
             <a:pPr algn="ctr"/>
             <a:r>
-              <a:rPr lang="en-US" sz="2400" i="1" dirty="0">
+              <a:rPr lang="en-US" sz="2800" i="1" dirty="0">
                 <a:solidFill>
                   <a:schemeClr val="bg1"/>
                 </a:solidFill>
@@ -24759,7 +24846,7 @@
               <a:t>Una </a:t>
             </a:r>
             <a:r>
-              <a:rPr lang="en-US" sz="2400" b="1" i="1" dirty="0">
+              <a:rPr lang="en-US" sz="2800" b="1" i="1" dirty="0">
                 <a:solidFill>
                   <a:schemeClr val="bg1"/>
                 </a:solidFill>
@@ -24767,7 +24854,7 @@
               <a:t>palabra </a:t>
             </a:r>
             <a:r>
-              <a:rPr lang="en-US" sz="2400" b="1" i="1" dirty="0" err="1">
+              <a:rPr lang="en-US" sz="2800" b="1" i="1" dirty="0" err="1">
                 <a:solidFill>
                   <a:schemeClr val="bg1"/>
                 </a:solidFill>
@@ -24775,7 +24862,7 @@
               <a:t>relevante</a:t>
             </a:r>
             <a:r>
-              <a:rPr lang="en-US" sz="2400" b="1" i="1" dirty="0">
+              <a:rPr lang="en-US" sz="2800" b="1" i="1" dirty="0">
                 <a:solidFill>
                   <a:schemeClr val="bg1"/>
                 </a:solidFill>
@@ -24783,7 +24870,7 @@
               <a:t> </a:t>
             </a:r>
             <a:r>
-              <a:rPr lang="en-US" sz="2400" i="1" dirty="0" err="1">
+              <a:rPr lang="en-US" sz="2800" i="1" dirty="0" err="1">
                 <a:solidFill>
                   <a:schemeClr val="bg1"/>
                 </a:solidFill>
@@ -24791,7 +24878,7 @@
               <a:t>tendrá</a:t>
             </a:r>
             <a:r>
-              <a:rPr lang="en-US" sz="2400" i="1" dirty="0">
+              <a:rPr lang="en-US" sz="2800" i="1" dirty="0">
                 <a:solidFill>
                   <a:schemeClr val="bg1"/>
                 </a:solidFill>
@@ -24799,7 +24886,7 @@
               <a:t> un </a:t>
             </a:r>
             <a:r>
-              <a:rPr lang="en-US" sz="2400" b="1" i="1" dirty="0">
+              <a:rPr lang="en-US" sz="2800" b="1" i="1" dirty="0">
                 <a:solidFill>
                   <a:schemeClr val="bg1"/>
                 </a:solidFill>
@@ -24807,7 +24894,7 @@
               <a:t>mayor peso </a:t>
             </a:r>
             <a:r>
-              <a:rPr lang="en-US" sz="2400" i="1" dirty="0">
+              <a:rPr lang="en-US" sz="2800" i="1" dirty="0">
                 <a:solidFill>
                   <a:schemeClr val="bg1"/>
                 </a:solidFill>
@@ -24815,7 +24902,7 @@
               <a:t>que </a:t>
             </a:r>
             <a:r>
-              <a:rPr lang="en-US" sz="2400" i="1" dirty="0" err="1">
+              <a:rPr lang="en-US" sz="2800" i="1" dirty="0" err="1">
                 <a:solidFill>
                   <a:schemeClr val="bg1"/>
                 </a:solidFill>
@@ -24823,7 +24910,7 @@
               <a:t>una</a:t>
             </a:r>
             <a:r>
-              <a:rPr lang="en-US" sz="2400" i="1" dirty="0">
+              <a:rPr lang="en-US" sz="2800" i="1" dirty="0">
                 <a:solidFill>
                   <a:schemeClr val="bg1"/>
                 </a:solidFill>
@@ -24831,147 +24918,14 @@
               <a:t> palabra no </a:t>
             </a:r>
             <a:r>
-              <a:rPr lang="en-US" sz="2400" i="1" dirty="0" err="1">
+              <a:rPr lang="en-US" sz="2800" i="1" dirty="0" err="1">
                 <a:solidFill>
                   <a:schemeClr val="bg1"/>
                 </a:solidFill>
               </a:rPr>
               <a:t>relevante</a:t>
             </a:r>
-            <a:endParaRPr lang="es-AR" sz="2400" i="1" dirty="0">
-              <a:solidFill>
-                <a:schemeClr val="bg1"/>
-              </a:solidFill>
-            </a:endParaRPr>
-          </a:p>
-        </p:txBody>
-      </p:sp>
-      <p:sp>
-        <p:nvSpPr>
-          <p:cNvPr id="7" name="Rectangle 6"/>
-          <p:cNvSpPr/>
-          <p:nvPr/>
-        </p:nvSpPr>
-        <p:spPr>
-          <a:xfrm>
-            <a:off x="218939" y="1547183"/>
-            <a:ext cx="6096000" cy="923330"/>
-          </a:xfrm>
-          <a:prstGeom prst="rect">
-            <a:avLst/>
-          </a:prstGeom>
-        </p:spPr>
-        <p:txBody>
-          <a:bodyPr>
-            <a:spAutoFit/>
-          </a:bodyPr>
-          <a:lstStyle/>
-          <a:p>
-            <a:r>
-              <a:rPr lang="en-US" b="1" dirty="0" err="1">
-                <a:solidFill>
-                  <a:schemeClr val="bg1"/>
-                </a:solidFill>
-              </a:rPr>
-              <a:t>Alineación</a:t>
-            </a:r>
-            <a:r>
-              <a:rPr lang="en-US" dirty="0">
-                <a:solidFill>
-                  <a:schemeClr val="bg1"/>
-                </a:solidFill>
-              </a:rPr>
-              <a:t>  </a:t>
-            </a:r>
-            <a:r>
-              <a:rPr lang="en-US" dirty="0">
-                <a:solidFill>
-                  <a:schemeClr val="bg1"/>
-                </a:solidFill>
-                <a:sym typeface="Wingdings" panose="05000000000000000000" pitchFamily="2" charset="2"/>
-              </a:rPr>
-              <a:t> que </a:t>
-            </a:r>
-            <a:r>
-              <a:rPr lang="en-US" dirty="0" err="1">
-                <a:solidFill>
-                  <a:schemeClr val="bg1"/>
-                </a:solidFill>
-                <a:sym typeface="Wingdings" panose="05000000000000000000" pitchFamily="2" charset="2"/>
-              </a:rPr>
-              <a:t>parte</a:t>
-            </a:r>
-            <a:r>
-              <a:rPr lang="en-US" dirty="0">
-                <a:solidFill>
-                  <a:schemeClr val="bg1"/>
-                </a:solidFill>
-                <a:sym typeface="Wingdings" panose="05000000000000000000" pitchFamily="2" charset="2"/>
-              </a:rPr>
-              <a:t> de la entrada es </a:t>
-            </a:r>
-            <a:r>
-              <a:rPr lang="en-US" dirty="0" err="1">
-                <a:solidFill>
-                  <a:schemeClr val="bg1"/>
-                </a:solidFill>
-                <a:sym typeface="Wingdings" panose="05000000000000000000" pitchFamily="2" charset="2"/>
-              </a:rPr>
-              <a:t>relevante</a:t>
-            </a:r>
-            <a:r>
-              <a:rPr lang="en-US" dirty="0">
-                <a:solidFill>
-                  <a:schemeClr val="bg1"/>
-                </a:solidFill>
-                <a:sym typeface="Wingdings" panose="05000000000000000000" pitchFamily="2" charset="2"/>
-              </a:rPr>
-              <a:t> a que </a:t>
-            </a:r>
-            <a:r>
-              <a:rPr lang="en-US" dirty="0" err="1">
-                <a:solidFill>
-                  <a:schemeClr val="bg1"/>
-                </a:solidFill>
-                <a:sym typeface="Wingdings" panose="05000000000000000000" pitchFamily="2" charset="2"/>
-              </a:rPr>
-              <a:t>parte</a:t>
-            </a:r>
-            <a:r>
-              <a:rPr lang="en-US" dirty="0">
-                <a:solidFill>
-                  <a:schemeClr val="bg1"/>
-                </a:solidFill>
-                <a:sym typeface="Wingdings" panose="05000000000000000000" pitchFamily="2" charset="2"/>
-              </a:rPr>
-              <a:t> de la </a:t>
-            </a:r>
-            <a:r>
-              <a:rPr lang="en-US" dirty="0" err="1">
-                <a:solidFill>
-                  <a:schemeClr val="bg1"/>
-                </a:solidFill>
-                <a:sym typeface="Wingdings" panose="05000000000000000000" pitchFamily="2" charset="2"/>
-              </a:rPr>
-              <a:t>salida</a:t>
-            </a:r>
-            <a:r>
-              <a:rPr lang="en-US" dirty="0">
-                <a:solidFill>
-                  <a:schemeClr val="bg1"/>
-                </a:solidFill>
-                <a:sym typeface="Wingdings" panose="05000000000000000000" pitchFamily="2" charset="2"/>
-              </a:rPr>
-              <a:t>.</a:t>
-            </a:r>
-            <a:endParaRPr lang="en-US" dirty="0">
-              <a:solidFill>
-                <a:schemeClr val="bg1"/>
-              </a:solidFill>
-            </a:endParaRPr>
-          </a:p>
-          <a:p>
-            <a:endParaRPr lang="en-US" dirty="0">
+            <a:endParaRPr lang="es-AR" sz="2800" i="1" dirty="0">
               <a:solidFill>
                 <a:schemeClr val="bg1"/>
               </a:solidFill>
@@ -24995,158 +24949,14 @@
         </p:blipFill>
         <p:spPr>
           <a:xfrm>
-            <a:off x="1537831" y="2410658"/>
-            <a:ext cx="8086668" cy="2060750"/>
+            <a:off x="1267714" y="1370276"/>
+            <a:ext cx="9656571" cy="2460813"/>
           </a:xfrm>
           <a:prstGeom prst="rect">
             <a:avLst/>
           </a:prstGeom>
         </p:spPr>
       </p:pic>
-      <p:sp>
-        <p:nvSpPr>
-          <p:cNvPr id="4" name="Rectangle 3"/>
-          <p:cNvSpPr/>
-          <p:nvPr/>
-        </p:nvSpPr>
-        <p:spPr>
-          <a:xfrm>
-            <a:off x="5877061" y="1543309"/>
-            <a:ext cx="6096000" cy="646331"/>
-          </a:xfrm>
-          <a:prstGeom prst="rect">
-            <a:avLst/>
-          </a:prstGeom>
-        </p:spPr>
-        <p:txBody>
-          <a:bodyPr>
-            <a:spAutoFit/>
-          </a:bodyPr>
-          <a:lstStyle/>
-          <a:p>
-            <a:r>
-              <a:rPr lang="en-US" b="1" dirty="0" err="1">
-                <a:solidFill>
-                  <a:schemeClr val="bg1"/>
-                </a:solidFill>
-              </a:rPr>
-              <a:t>Traducción</a:t>
-            </a:r>
-            <a:r>
-              <a:rPr lang="en-US" dirty="0">
-                <a:solidFill>
-                  <a:schemeClr val="bg1"/>
-                </a:solidFill>
-              </a:rPr>
-              <a:t> </a:t>
-            </a:r>
-            <a:r>
-              <a:rPr lang="en-US" dirty="0">
-                <a:solidFill>
-                  <a:schemeClr val="bg1"/>
-                </a:solidFill>
-                <a:sym typeface="Wingdings" panose="05000000000000000000" pitchFamily="2" charset="2"/>
-              </a:rPr>
-              <a:t> usar la </a:t>
-            </a:r>
-            <a:r>
-              <a:rPr lang="en-US" dirty="0" err="1">
-                <a:solidFill>
-                  <a:schemeClr val="bg1"/>
-                </a:solidFill>
-                <a:sym typeface="Wingdings" panose="05000000000000000000" pitchFamily="2" charset="2"/>
-              </a:rPr>
-              <a:t>información</a:t>
-            </a:r>
-            <a:r>
-              <a:rPr lang="en-US" dirty="0">
-                <a:solidFill>
-                  <a:schemeClr val="bg1"/>
-                </a:solidFill>
-                <a:sym typeface="Wingdings" panose="05000000000000000000" pitchFamily="2" charset="2"/>
-              </a:rPr>
-              <a:t> </a:t>
-            </a:r>
-            <a:r>
-              <a:rPr lang="en-US" dirty="0" err="1">
-                <a:solidFill>
-                  <a:schemeClr val="bg1"/>
-                </a:solidFill>
-                <a:sym typeface="Wingdings" panose="05000000000000000000" pitchFamily="2" charset="2"/>
-              </a:rPr>
-              <a:t>relevante</a:t>
-            </a:r>
-            <a:r>
-              <a:rPr lang="en-US" dirty="0">
-                <a:solidFill>
-                  <a:schemeClr val="bg1"/>
-                </a:solidFill>
-                <a:sym typeface="Wingdings" panose="05000000000000000000" pitchFamily="2" charset="2"/>
-              </a:rPr>
-              <a:t> para </a:t>
-            </a:r>
-            <a:r>
-              <a:rPr lang="en-US" dirty="0" err="1">
-                <a:solidFill>
-                  <a:schemeClr val="bg1"/>
-                </a:solidFill>
-                <a:sym typeface="Wingdings" panose="05000000000000000000" pitchFamily="2" charset="2"/>
-              </a:rPr>
-              <a:t>selecciónar</a:t>
-            </a:r>
-            <a:r>
-              <a:rPr lang="en-US" dirty="0">
-                <a:solidFill>
-                  <a:schemeClr val="bg1"/>
-                </a:solidFill>
-                <a:sym typeface="Wingdings" panose="05000000000000000000" pitchFamily="2" charset="2"/>
-              </a:rPr>
-              <a:t> la </a:t>
-            </a:r>
-            <a:r>
-              <a:rPr lang="en-US" dirty="0" err="1">
-                <a:solidFill>
-                  <a:schemeClr val="bg1"/>
-                </a:solidFill>
-                <a:sym typeface="Wingdings" panose="05000000000000000000" pitchFamily="2" charset="2"/>
-              </a:rPr>
-              <a:t>salida</a:t>
-            </a:r>
-            <a:r>
-              <a:rPr lang="en-US" dirty="0">
-                <a:solidFill>
-                  <a:schemeClr val="bg1"/>
-                </a:solidFill>
-                <a:sym typeface="Wingdings" panose="05000000000000000000" pitchFamily="2" charset="2"/>
-              </a:rPr>
-              <a:t> </a:t>
-            </a:r>
-            <a:r>
-              <a:rPr lang="en-US" dirty="0" err="1">
-                <a:solidFill>
-                  <a:schemeClr val="bg1"/>
-                </a:solidFill>
-                <a:sym typeface="Wingdings" panose="05000000000000000000" pitchFamily="2" charset="2"/>
-              </a:rPr>
-              <a:t>adecuada</a:t>
-            </a:r>
-            <a:r>
-              <a:rPr lang="en-US" dirty="0">
-                <a:solidFill>
-                  <a:schemeClr val="bg1"/>
-                </a:solidFill>
-                <a:sym typeface="Wingdings" panose="05000000000000000000" pitchFamily="2" charset="2"/>
-              </a:rPr>
-              <a:t>.</a:t>
-            </a:r>
-            <a:endParaRPr lang="en-US" dirty="0">
-              <a:solidFill>
-                <a:schemeClr val="bg1"/>
-              </a:solidFill>
-            </a:endParaRPr>
-          </a:p>
-        </p:txBody>
-      </p:sp>
     </p:spTree>
     <p:extLst>
       <p:ext uri="{BB962C8B-B14F-4D97-AF65-F5344CB8AC3E}">
@@ -44310,16 +44120,15 @@
           </p:cNvPicPr>
           <p:nvPr/>
         </p:nvPicPr>
-        <p:blipFill>
+        <p:blipFill rotWithShape="1">
           <a:blip r:embed="rId2"/>
-          <a:stretch>
-            <a:fillRect/>
-          </a:stretch>
+          <a:srcRect t="38451"/>
+          <a:stretch/>
         </p:blipFill>
         <p:spPr>
           <a:xfrm>
-            <a:off x="0" y="770238"/>
-            <a:ext cx="8384146" cy="5816501"/>
+            <a:off x="0" y="3006704"/>
+            <a:ext cx="8384146" cy="3580035"/>
           </a:xfrm>
           <a:prstGeom prst="rect">
             <a:avLst/>
@@ -44334,16 +44143,15 @@
           </p:cNvPicPr>
           <p:nvPr/>
         </p:nvPicPr>
-        <p:blipFill>
+        <p:blipFill rotWithShape="1">
           <a:blip r:embed="rId3"/>
-          <a:stretch>
-            <a:fillRect/>
-          </a:stretch>
+          <a:srcRect b="28849"/>
+          <a:stretch/>
         </p:blipFill>
         <p:spPr>
           <a:xfrm>
-            <a:off x="7204790" y="1134510"/>
-            <a:ext cx="4847204" cy="2177134"/>
+            <a:off x="7204790" y="1134509"/>
+            <a:ext cx="4847204" cy="1549055"/>
           </a:xfrm>
           <a:prstGeom prst="rect">
             <a:avLst/>
@@ -44407,23 +44215,18 @@
                   <a:srgbClr val="FF0000"/>
                 </a:solidFill>
               </a:rPr>
-              <a:t> y </a:t>
+              <a:t> </a:t>
             </a:r>
-            <a:r>
-              <a:rPr lang="es-AR" sz="2800" b="1" i="1" dirty="0">
-                <a:solidFill>
-                  <a:srgbClr val="FF0000"/>
-                </a:solidFill>
-              </a:rPr>
-              <a:t>V</a:t>
-            </a:r>
+          </a:p>
+          <a:p>
+            <a:pPr algn="ctr"/>
             <a:r>
               <a:rPr lang="es-AR" sz="2800" b="1" dirty="0">
                 <a:solidFill>
                   <a:srgbClr val="FF0000"/>
                 </a:solidFill>
               </a:rPr>
-              <a:t> son los mismos!!</a:t>
+              <a:t>son los mismos!!</a:t>
             </a:r>
           </a:p>
         </p:txBody>
